--- a/doc/XXL-JOB架构图.pptx
+++ b/doc/XXL-JOB架构图.pptx
@@ -5,7 +5,7 @@
     <p:sldMasterId id="2147483648" r:id="rId1"/>
   </p:sldMasterIdLst>
   <p:notesMasterIdLst>
-    <p:notesMasterId r:id="rId8"/>
+    <p:notesMasterId r:id="rId9"/>
   </p:notesMasterIdLst>
   <p:sldIdLst>
     <p:sldId id="259" r:id="rId2"/>
@@ -13,7 +13,8 @@
     <p:sldId id="260" r:id="rId4"/>
     <p:sldId id="261" r:id="rId5"/>
     <p:sldId id="262" r:id="rId6"/>
-    <p:sldId id="263" r:id="rId7"/>
+    <p:sldId id="264" r:id="rId7"/>
+    <p:sldId id="263" r:id="rId8"/>
   </p:sldIdLst>
   <p:sldSz cx="12192000" cy="6858000"/>
   <p:notesSz cx="6858000" cy="9144000"/>
@@ -202,7 +203,7 @@
           <a:p>
             <a:fld id="{D2A48B96-639E-45A3-A0BA-2464DFDB1FAA}" type="datetimeFigureOut">
               <a:rPr lang="zh-CN" altLang="en-US" smtClean="0"/>
-              <a:t>17/8/14</a:t>
+              <a:t>18/1/3</a:t>
             </a:fld>
             <a:endParaRPr lang="zh-CN" altLang="en-US"/>
           </a:p>
@@ -1137,6 +1138,267 @@
 </p:notes>
 </file>
 
+<file path=ppt/notesSlides/notesSlide5.xml><?xml version="1.0" encoding="utf-8"?>
+<p:notes xmlns:a="http://schemas.openxmlformats.org/drawingml/2006/main" xmlns:r="http://schemas.openxmlformats.org/officeDocument/2006/relationships" xmlns:p="http://schemas.openxmlformats.org/presentationml/2006/main">
+  <p:cSld>
+    <p:spTree>
+      <p:nvGrpSpPr>
+        <p:cNvPr id="1" name=""/>
+        <p:cNvGrpSpPr/>
+        <p:nvPr/>
+      </p:nvGrpSpPr>
+      <p:grpSpPr>
+        <a:xfrm>
+          <a:off x="0" y="0"/>
+          <a:ext cx="0" cy="0"/>
+          <a:chOff x="0" y="0"/>
+          <a:chExt cx="0" cy="0"/>
+        </a:xfrm>
+      </p:grpSpPr>
+      <p:sp>
+        <p:nvSpPr>
+          <p:cNvPr id="8193" name="幻灯片图像占位符 1"/>
+          <p:cNvSpPr>
+            <a:spLocks noGrp="1" noRot="1" noChangeAspect="1" noTextEdit="1"/>
+          </p:cNvSpPr>
+          <p:nvPr>
+            <p:ph type="sldImg"/>
+          </p:nvPr>
+        </p:nvSpPr>
+        <p:spPr bwMode="auto">
+          <a:noFill/>
+          <a:ln>
+            <a:solidFill>
+              <a:srgbClr val="000000"/>
+            </a:solidFill>
+            <a:miter lim="800000"/>
+            <a:headEnd/>
+            <a:tailEnd/>
+          </a:ln>
+          <a:extLst>
+            <a:ext uri="{909E8E84-426E-40DD-AFC4-6F175D3DCCD1}">
+              <a14:hiddenFill xmlns:a14="http://schemas.microsoft.com/office/drawing/2010/main">
+                <a:solidFill>
+                  <a:srgbClr val="FFFFFF"/>
+                </a:solidFill>
+              </a14:hiddenFill>
+            </a:ext>
+            <a:ext uri="{FAA26D3D-D897-4be2-8F04-BA451C77F1D7}">
+              <ma14:placeholderFlag xmlns:ma14="http://schemas.microsoft.com/office/mac/drawingml/2011/main" val="1"/>
+            </a:ext>
+          </a:extLst>
+        </p:spPr>
+      </p:sp>
+      <p:sp>
+        <p:nvSpPr>
+          <p:cNvPr id="8194" name="备注占位符 2"/>
+          <p:cNvSpPr>
+            <a:spLocks noGrp="1"/>
+          </p:cNvSpPr>
+          <p:nvPr>
+            <p:ph type="body" idx="1"/>
+          </p:nvPr>
+        </p:nvSpPr>
+        <p:spPr bwMode="auto">
+          <a:noFill/>
+          <a:extLst>
+            <a:ext uri="{909E8E84-426E-40DD-AFC4-6F175D3DCCD1}">
+              <a14:hiddenFill xmlns:a14="http://schemas.microsoft.com/office/drawing/2010/main">
+                <a:solidFill>
+                  <a:srgbClr val="FFFFFF"/>
+                </a:solidFill>
+              </a14:hiddenFill>
+            </a:ext>
+            <a:ext uri="{91240B29-F687-4F45-9708-019B960494DF}">
+              <a14:hiddenLine xmlns:a14="http://schemas.microsoft.com/office/drawing/2010/main" w="9525">
+                <a:solidFill>
+                  <a:srgbClr val="000000"/>
+                </a:solidFill>
+                <a:miter lim="800000"/>
+                <a:headEnd/>
+                <a:tailEnd/>
+              </a14:hiddenLine>
+            </a:ext>
+            <a:ext uri="{FAA26D3D-D897-4be2-8F04-BA451C77F1D7}">
+              <ma14:placeholderFlag xmlns:ma14="http://schemas.microsoft.com/office/mac/drawingml/2011/main" val="1"/>
+            </a:ext>
+          </a:extLst>
+        </p:spPr>
+        <p:txBody>
+          <a:bodyPr/>
+          <a:lstStyle/>
+          <a:p>
+            <a:endParaRPr kumimoji="0" lang="zh-CN" altLang="en-US" dirty="0">
+              <a:latin typeface="Arial" charset="0"/>
+              <a:ea typeface="ＭＳ Ｐゴシック" charset="-128"/>
+            </a:endParaRPr>
+          </a:p>
+        </p:txBody>
+      </p:sp>
+      <p:sp>
+        <p:nvSpPr>
+          <p:cNvPr id="8195" name="灯片编号占位符 3"/>
+          <p:cNvSpPr>
+            <a:spLocks noGrp="1"/>
+          </p:cNvSpPr>
+          <p:nvPr>
+            <p:ph type="sldNum" sz="quarter" idx="5"/>
+          </p:nvPr>
+        </p:nvSpPr>
+        <p:spPr bwMode="auto">
+          <a:noFill/>
+          <a:extLst>
+            <a:ext uri="{909E8E84-426E-40DD-AFC4-6F175D3DCCD1}">
+              <a14:hiddenFill xmlns:a14="http://schemas.microsoft.com/office/drawing/2010/main">
+                <a:solidFill>
+                  <a:srgbClr val="FFFFFF"/>
+                </a:solidFill>
+              </a14:hiddenFill>
+            </a:ext>
+            <a:ext uri="{91240B29-F687-4F45-9708-019B960494DF}">
+              <a14:hiddenLine xmlns:a14="http://schemas.microsoft.com/office/drawing/2010/main" w="9525">
+                <a:solidFill>
+                  <a:srgbClr val="000000"/>
+                </a:solidFill>
+                <a:miter lim="800000"/>
+                <a:headEnd/>
+                <a:tailEnd/>
+              </a14:hiddenLine>
+            </a:ext>
+          </a:extLst>
+        </p:spPr>
+        <p:txBody>
+          <a:bodyPr/>
+          <a:lstStyle>
+            <a:lvl1pPr>
+              <a:defRPr sz="2400">
+                <a:solidFill>
+                  <a:schemeClr val="tx1"/>
+                </a:solidFill>
+                <a:latin typeface="Arial" charset="0"/>
+                <a:ea typeface="宋体" charset="0"/>
+              </a:defRPr>
+            </a:lvl1pPr>
+            <a:lvl2pPr marL="742950" indent="-285750">
+              <a:defRPr sz="2400">
+                <a:solidFill>
+                  <a:schemeClr val="tx1"/>
+                </a:solidFill>
+                <a:latin typeface="Arial" charset="0"/>
+                <a:ea typeface="宋体" charset="0"/>
+              </a:defRPr>
+            </a:lvl2pPr>
+            <a:lvl3pPr marL="1143000" indent="-228600">
+              <a:defRPr sz="2400">
+                <a:solidFill>
+                  <a:schemeClr val="tx1"/>
+                </a:solidFill>
+                <a:latin typeface="Arial" charset="0"/>
+                <a:ea typeface="宋体" charset="0"/>
+              </a:defRPr>
+            </a:lvl3pPr>
+            <a:lvl4pPr marL="1600200" indent="-228600">
+              <a:defRPr sz="2400">
+                <a:solidFill>
+                  <a:schemeClr val="tx1"/>
+                </a:solidFill>
+                <a:latin typeface="Arial" charset="0"/>
+                <a:ea typeface="宋体" charset="0"/>
+              </a:defRPr>
+            </a:lvl4pPr>
+            <a:lvl5pPr marL="2057400" indent="-228600">
+              <a:defRPr sz="2400">
+                <a:solidFill>
+                  <a:schemeClr val="tx1"/>
+                </a:solidFill>
+                <a:latin typeface="Arial" charset="0"/>
+                <a:ea typeface="宋体" charset="0"/>
+              </a:defRPr>
+            </a:lvl5pPr>
+            <a:lvl6pPr marL="2514600" indent="-228600" eaLnBrk="0" fontAlgn="base" hangingPunct="0">
+              <a:spcBef>
+                <a:spcPct val="0"/>
+              </a:spcBef>
+              <a:spcAft>
+                <a:spcPct val="0"/>
+              </a:spcAft>
+              <a:defRPr sz="2400">
+                <a:solidFill>
+                  <a:schemeClr val="tx1"/>
+                </a:solidFill>
+                <a:latin typeface="Arial" charset="0"/>
+                <a:ea typeface="宋体" charset="0"/>
+              </a:defRPr>
+            </a:lvl6pPr>
+            <a:lvl7pPr marL="2971800" indent="-228600" eaLnBrk="0" fontAlgn="base" hangingPunct="0">
+              <a:spcBef>
+                <a:spcPct val="0"/>
+              </a:spcBef>
+              <a:spcAft>
+                <a:spcPct val="0"/>
+              </a:spcAft>
+              <a:defRPr sz="2400">
+                <a:solidFill>
+                  <a:schemeClr val="tx1"/>
+                </a:solidFill>
+                <a:latin typeface="Arial" charset="0"/>
+                <a:ea typeface="宋体" charset="0"/>
+              </a:defRPr>
+            </a:lvl7pPr>
+            <a:lvl8pPr marL="3429000" indent="-228600" eaLnBrk="0" fontAlgn="base" hangingPunct="0">
+              <a:spcBef>
+                <a:spcPct val="0"/>
+              </a:spcBef>
+              <a:spcAft>
+                <a:spcPct val="0"/>
+              </a:spcAft>
+              <a:defRPr sz="2400">
+                <a:solidFill>
+                  <a:schemeClr val="tx1"/>
+                </a:solidFill>
+                <a:latin typeface="Arial" charset="0"/>
+                <a:ea typeface="宋体" charset="0"/>
+              </a:defRPr>
+            </a:lvl8pPr>
+            <a:lvl9pPr marL="3886200" indent="-228600" eaLnBrk="0" fontAlgn="base" hangingPunct="0">
+              <a:spcBef>
+                <a:spcPct val="0"/>
+              </a:spcBef>
+              <a:spcAft>
+                <a:spcPct val="0"/>
+              </a:spcAft>
+              <a:defRPr sz="2400">
+                <a:solidFill>
+                  <a:schemeClr val="tx1"/>
+                </a:solidFill>
+                <a:latin typeface="Arial" charset="0"/>
+                <a:ea typeface="宋体" charset="0"/>
+              </a:defRPr>
+            </a:lvl9pPr>
+          </a:lstStyle>
+          <a:p>
+            <a:fld id="{80DF3984-D036-8146-80F3-60605DE9315C}" type="slidenum">
+              <a:rPr lang="zh-CN" altLang="en-US" sz="1200"/>
+              <a:pPr/>
+              <a:t>6</a:t>
+            </a:fld>
+            <a:endParaRPr lang="zh-CN" altLang="en-US" sz="1200"/>
+          </a:p>
+        </p:txBody>
+      </p:sp>
+    </p:spTree>
+    <p:extLst>
+      <p:ext uri="{BB962C8B-B14F-4D97-AF65-F5344CB8AC3E}">
+        <p14:creationId xmlns:p14="http://schemas.microsoft.com/office/powerpoint/2010/main" val="702631457"/>
+      </p:ext>
+    </p:extLst>
+  </p:cSld>
+  <p:clrMapOvr>
+    <a:masterClrMapping/>
+  </p:clrMapOvr>
+</p:notes>
+</file>
+
 <file path=ppt/slideLayouts/slideLayout1.xml><?xml version="1.0" encoding="utf-8"?>
 <p:sldLayout xmlns:a="http://schemas.openxmlformats.org/drawingml/2006/main" xmlns:r="http://schemas.openxmlformats.org/officeDocument/2006/relationships" xmlns:p="http://schemas.openxmlformats.org/presentationml/2006/main" type="title" preserve="1">
   <p:cSld name="标题幻灯片">
@@ -1268,7 +1530,7 @@
           <a:p>
             <a:fld id="{D997B5FA-0921-464F-AAE1-844C04324D75}" type="datetimeFigureOut">
               <a:rPr lang="zh-CN" altLang="en-US" smtClean="0"/>
-              <a:t>17/8/14</a:t>
+              <a:t>18/1/3</a:t>
             </a:fld>
             <a:endParaRPr lang="zh-CN" altLang="en-US"/>
           </a:p>
@@ -1433,7 +1695,7 @@
           <a:p>
             <a:fld id="{D997B5FA-0921-464F-AAE1-844C04324D75}" type="datetimeFigureOut">
               <a:rPr lang="zh-CN" altLang="en-US" smtClean="0"/>
-              <a:t>17/8/14</a:t>
+              <a:t>18/1/3</a:t>
             </a:fld>
             <a:endParaRPr lang="zh-CN" altLang="en-US"/>
           </a:p>
@@ -1608,7 +1870,7 @@
           <a:p>
             <a:fld id="{D997B5FA-0921-464F-AAE1-844C04324D75}" type="datetimeFigureOut">
               <a:rPr lang="zh-CN" altLang="en-US" smtClean="0"/>
-              <a:t>17/8/14</a:t>
+              <a:t>18/1/3</a:t>
             </a:fld>
             <a:endParaRPr lang="zh-CN" altLang="en-US"/>
           </a:p>
@@ -1773,7 +2035,7 @@
           <a:p>
             <a:fld id="{D997B5FA-0921-464F-AAE1-844C04324D75}" type="datetimeFigureOut">
               <a:rPr lang="zh-CN" altLang="en-US" smtClean="0"/>
-              <a:t>17/8/14</a:t>
+              <a:t>18/1/3</a:t>
             </a:fld>
             <a:endParaRPr lang="zh-CN" altLang="en-US"/>
           </a:p>
@@ -2014,7 +2276,7 @@
           <a:p>
             <a:fld id="{D997B5FA-0921-464F-AAE1-844C04324D75}" type="datetimeFigureOut">
               <a:rPr lang="zh-CN" altLang="en-US" smtClean="0"/>
-              <a:t>17/8/14</a:t>
+              <a:t>18/1/3</a:t>
             </a:fld>
             <a:endParaRPr lang="zh-CN" altLang="en-US"/>
           </a:p>
@@ -2241,7 +2503,7 @@
           <a:p>
             <a:fld id="{D997B5FA-0921-464F-AAE1-844C04324D75}" type="datetimeFigureOut">
               <a:rPr lang="zh-CN" altLang="en-US" smtClean="0"/>
-              <a:t>17/8/14</a:t>
+              <a:t>18/1/3</a:t>
             </a:fld>
             <a:endParaRPr lang="zh-CN" altLang="en-US"/>
           </a:p>
@@ -2603,7 +2865,7 @@
           <a:p>
             <a:fld id="{D997B5FA-0921-464F-AAE1-844C04324D75}" type="datetimeFigureOut">
               <a:rPr lang="zh-CN" altLang="en-US" smtClean="0"/>
-              <a:t>17/8/14</a:t>
+              <a:t>18/1/3</a:t>
             </a:fld>
             <a:endParaRPr lang="zh-CN" altLang="en-US"/>
           </a:p>
@@ -2716,7 +2978,7 @@
           <a:p>
             <a:fld id="{D997B5FA-0921-464F-AAE1-844C04324D75}" type="datetimeFigureOut">
               <a:rPr lang="zh-CN" altLang="en-US" smtClean="0"/>
-              <a:t>17/8/14</a:t>
+              <a:t>18/1/3</a:t>
             </a:fld>
             <a:endParaRPr lang="zh-CN" altLang="en-US"/>
           </a:p>
@@ -2806,7 +3068,7 @@
           <a:p>
             <a:fld id="{D997B5FA-0921-464F-AAE1-844C04324D75}" type="datetimeFigureOut">
               <a:rPr lang="zh-CN" altLang="en-US" smtClean="0"/>
-              <a:t>17/8/14</a:t>
+              <a:t>18/1/3</a:t>
             </a:fld>
             <a:endParaRPr lang="zh-CN" altLang="en-US"/>
           </a:p>
@@ -3078,7 +3340,7 @@
           <a:p>
             <a:fld id="{D997B5FA-0921-464F-AAE1-844C04324D75}" type="datetimeFigureOut">
               <a:rPr lang="zh-CN" altLang="en-US" smtClean="0"/>
-              <a:t>17/8/14</a:t>
+              <a:t>18/1/3</a:t>
             </a:fld>
             <a:endParaRPr lang="zh-CN" altLang="en-US"/>
           </a:p>
@@ -3326,7 +3588,7 @@
           <a:p>
             <a:fld id="{D997B5FA-0921-464F-AAE1-844C04324D75}" type="datetimeFigureOut">
               <a:rPr lang="zh-CN" altLang="en-US" smtClean="0"/>
-              <a:t>17/8/14</a:t>
+              <a:t>18/1/3</a:t>
             </a:fld>
             <a:endParaRPr lang="zh-CN" altLang="en-US"/>
           </a:p>
@@ -3534,7 +3796,7 @@
           <a:p>
             <a:fld id="{D997B5FA-0921-464F-AAE1-844C04324D75}" type="datetimeFigureOut">
               <a:rPr lang="zh-CN" altLang="en-US" smtClean="0"/>
-              <a:t>17/8/14</a:t>
+              <a:t>18/1/3</a:t>
             </a:fld>
             <a:endParaRPr lang="zh-CN" altLang="en-US"/>
           </a:p>
@@ -14608,6 +14870,2875 @@
 </file>
 
 <file path=ppt/slides/slide6.xml><?xml version="1.0" encoding="utf-8"?>
+<p:sld xmlns:a="http://schemas.openxmlformats.org/drawingml/2006/main" xmlns:r="http://schemas.openxmlformats.org/officeDocument/2006/relationships" xmlns:p="http://schemas.openxmlformats.org/presentationml/2006/main">
+  <p:cSld>
+    <p:spTree>
+      <p:nvGrpSpPr>
+        <p:cNvPr id="1" name=""/>
+        <p:cNvGrpSpPr/>
+        <p:nvPr/>
+      </p:nvGrpSpPr>
+      <p:grpSpPr>
+        <a:xfrm>
+          <a:off x="0" y="0"/>
+          <a:ext cx="0" cy="0"/>
+          <a:chOff x="0" y="0"/>
+          <a:chExt cx="0" cy="0"/>
+        </a:xfrm>
+      </p:grpSpPr>
+      <p:sp>
+        <p:nvSpPr>
+          <p:cNvPr id="14" name="矩形 13"/>
+          <p:cNvSpPr/>
+          <p:nvPr/>
+        </p:nvSpPr>
+        <p:spPr>
+          <a:xfrm>
+            <a:off x="622491" y="576163"/>
+            <a:ext cx="5778309" cy="5176329"/>
+          </a:xfrm>
+          <a:prstGeom prst="rect">
+            <a:avLst/>
+          </a:prstGeom>
+          <a:solidFill>
+            <a:srgbClr val="9FC2E8"/>
+          </a:solidFill>
+          <a:ln>
+            <a:noFill/>
+          </a:ln>
+        </p:spPr>
+        <p:style>
+          <a:lnRef idx="2">
+            <a:schemeClr val="accent1">
+              <a:shade val="50000"/>
+            </a:schemeClr>
+          </a:lnRef>
+          <a:fillRef idx="1">
+            <a:schemeClr val="accent1"/>
+          </a:fillRef>
+          <a:effectRef idx="0">
+            <a:schemeClr val="accent1"/>
+          </a:effectRef>
+          <a:fontRef idx="minor">
+            <a:schemeClr val="lt1"/>
+          </a:fontRef>
+        </p:style>
+        <p:txBody>
+          <a:bodyPr anchor="b"/>
+          <a:lstStyle/>
+          <a:p>
+            <a:pPr algn="ctr">
+              <a:defRPr/>
+            </a:pPr>
+            <a:r>
+              <a:rPr kumimoji="1" lang="zh-CN" altLang="en-US" sz="1600" b="1" dirty="0">
+                <a:solidFill>
+                  <a:schemeClr val="tx1"/>
+                </a:solidFill>
+                <a:latin typeface="Heiti SC Light" charset="-122"/>
+                <a:ea typeface="Heiti SC Light" charset="-122"/>
+                <a:cs typeface="Heiti SC Light" charset="-122"/>
+              </a:rPr>
+              <a:t>调度中心</a:t>
+            </a:r>
+          </a:p>
+        </p:txBody>
+      </p:sp>
+      <p:sp>
+        <p:nvSpPr>
+          <p:cNvPr id="7" name="进程 6"/>
+          <p:cNvSpPr/>
+          <p:nvPr/>
+        </p:nvSpPr>
+        <p:spPr>
+          <a:xfrm>
+            <a:off x="720867" y="4786674"/>
+            <a:ext cx="3336094" cy="442510"/>
+          </a:xfrm>
+          <a:prstGeom prst="flowChartProcess">
+            <a:avLst/>
+          </a:prstGeom>
+          <a:ln/>
+        </p:spPr>
+        <p:style>
+          <a:lnRef idx="1">
+            <a:schemeClr val="accent4"/>
+          </a:lnRef>
+          <a:fillRef idx="2">
+            <a:schemeClr val="accent4"/>
+          </a:fillRef>
+          <a:effectRef idx="1">
+            <a:schemeClr val="accent4"/>
+          </a:effectRef>
+          <a:fontRef idx="minor">
+            <a:schemeClr val="dk1"/>
+          </a:fontRef>
+        </p:style>
+        <p:txBody>
+          <a:bodyPr anchor="ctr"/>
+          <a:lstStyle/>
+          <a:p>
+            <a:pPr algn="ctr">
+              <a:defRPr/>
+            </a:pPr>
+            <a:r>
+              <a:rPr kumimoji="1" lang="zh-CN" altLang="en-US" sz="1600" b="1" dirty="0" smtClean="0">
+                <a:latin typeface="Heiti SC Light" charset="-122"/>
+                <a:ea typeface="Heiti SC Light" charset="-122"/>
+                <a:cs typeface="Heiti SC Light" charset="-122"/>
+              </a:rPr>
+              <a:t>数据中心</a:t>
+            </a:r>
+            <a:endParaRPr kumimoji="1" lang="zh-CN" altLang="en-US" sz="1600" b="1" dirty="0">
+              <a:latin typeface="Heiti SC Light" charset="-122"/>
+              <a:ea typeface="Heiti SC Light" charset="-122"/>
+              <a:cs typeface="Heiti SC Light" charset="-122"/>
+            </a:endParaRPr>
+          </a:p>
+        </p:txBody>
+      </p:sp>
+      <p:sp>
+        <p:nvSpPr>
+          <p:cNvPr id="9" name="矩形 8"/>
+          <p:cNvSpPr/>
+          <p:nvPr/>
+        </p:nvSpPr>
+        <p:spPr>
+          <a:xfrm>
+            <a:off x="5931089" y="7076091"/>
+            <a:ext cx="2920811" cy="841124"/>
+          </a:xfrm>
+          <a:prstGeom prst="rect">
+            <a:avLst/>
+          </a:prstGeom>
+          <a:solidFill>
+            <a:srgbClr val="E8DDF4"/>
+          </a:solidFill>
+          <a:ln>
+            <a:noFill/>
+          </a:ln>
+        </p:spPr>
+        <p:style>
+          <a:lnRef idx="1">
+            <a:schemeClr val="accent1"/>
+          </a:lnRef>
+          <a:fillRef idx="2">
+            <a:schemeClr val="accent1"/>
+          </a:fillRef>
+          <a:effectRef idx="1">
+            <a:schemeClr val="accent1"/>
+          </a:effectRef>
+          <a:fontRef idx="minor">
+            <a:schemeClr val="dk1"/>
+          </a:fontRef>
+        </p:style>
+        <p:txBody>
+          <a:bodyPr anchor="b"/>
+          <a:lstStyle/>
+          <a:p>
+            <a:pPr algn="ctr">
+              <a:defRPr/>
+            </a:pPr>
+            <a:r>
+              <a:rPr kumimoji="1" lang="zh-CN" altLang="en-US" sz="1600" b="1" dirty="0" smtClean="0">
+                <a:latin typeface="Heiti SC Light" charset="-122"/>
+                <a:ea typeface="Heiti SC Light" charset="-122"/>
+                <a:cs typeface="Heiti SC Light" charset="-122"/>
+              </a:rPr>
+              <a:t>注册中心</a:t>
+            </a:r>
+            <a:endParaRPr kumimoji="1" lang="zh-CN" altLang="en-US" sz="1600" b="1" dirty="0">
+              <a:latin typeface="Heiti SC Light" charset="-122"/>
+              <a:ea typeface="Heiti SC Light" charset="-122"/>
+              <a:cs typeface="Heiti SC Light" charset="-122"/>
+            </a:endParaRPr>
+          </a:p>
+        </p:txBody>
+      </p:sp>
+      <p:sp>
+        <p:nvSpPr>
+          <p:cNvPr id="29" name="可选流程 28"/>
+          <p:cNvSpPr/>
+          <p:nvPr/>
+        </p:nvSpPr>
+        <p:spPr>
+          <a:xfrm>
+            <a:off x="4271056" y="4568832"/>
+            <a:ext cx="1659412" cy="572325"/>
+          </a:xfrm>
+          <a:prstGeom prst="flowChartAlternateProcess">
+            <a:avLst/>
+          </a:prstGeom>
+          <a:solidFill>
+            <a:srgbClr val="9379B3"/>
+          </a:solidFill>
+        </p:spPr>
+        <p:style>
+          <a:lnRef idx="0">
+            <a:schemeClr val="accent1"/>
+          </a:lnRef>
+          <a:fillRef idx="3">
+            <a:schemeClr val="accent1"/>
+          </a:fillRef>
+          <a:effectRef idx="3">
+            <a:schemeClr val="accent1"/>
+          </a:effectRef>
+          <a:fontRef idx="minor">
+            <a:schemeClr val="lt1"/>
+          </a:fontRef>
+        </p:style>
+        <p:txBody>
+          <a:bodyPr anchor="ctr"/>
+          <a:lstStyle/>
+          <a:p>
+            <a:pPr algn="ctr">
+              <a:defRPr/>
+            </a:pPr>
+            <a:r>
+              <a:rPr kumimoji="1" lang="zh-CN" altLang="en-US" sz="1400" dirty="0" smtClean="0">
+                <a:latin typeface="Heiti SC Light" charset="-122"/>
+                <a:ea typeface="Heiti SC Light" charset="-122"/>
+                <a:cs typeface="Heiti SC Light" charset="-122"/>
+              </a:rPr>
+              <a:t>注册服务</a:t>
+            </a:r>
+          </a:p>
+          <a:p>
+            <a:pPr algn="ctr">
+              <a:defRPr/>
+            </a:pPr>
+            <a:r>
+              <a:rPr kumimoji="1" lang="en-US" altLang="zh-CN" sz="1400" dirty="0" smtClean="0">
+                <a:latin typeface="Heiti SC Light" charset="-122"/>
+                <a:ea typeface="Heiti SC Light" charset="-122"/>
+                <a:cs typeface="Heiti SC Light" charset="-122"/>
+              </a:rPr>
+              <a:t>(API)</a:t>
+            </a:r>
+            <a:endParaRPr kumimoji="1" lang="zh-CN" altLang="en-US" sz="1400" dirty="0">
+              <a:latin typeface="Heiti SC Light" charset="-122"/>
+              <a:ea typeface="Heiti SC Light" charset="-122"/>
+              <a:cs typeface="Heiti SC Light" charset="-122"/>
+            </a:endParaRPr>
+          </a:p>
+        </p:txBody>
+      </p:sp>
+      <p:sp>
+        <p:nvSpPr>
+          <p:cNvPr id="4" name="矩形 3"/>
+          <p:cNvSpPr/>
+          <p:nvPr/>
+        </p:nvSpPr>
+        <p:spPr>
+          <a:xfrm>
+            <a:off x="720867" y="688297"/>
+            <a:ext cx="1672839" cy="1961502"/>
+          </a:xfrm>
+          <a:prstGeom prst="rect">
+            <a:avLst/>
+          </a:prstGeom>
+          <a:solidFill>
+            <a:srgbClr val="E0EBFF"/>
+          </a:solidFill>
+          <a:ln>
+            <a:noFill/>
+          </a:ln>
+        </p:spPr>
+        <p:style>
+          <a:lnRef idx="1">
+            <a:schemeClr val="accent1"/>
+          </a:lnRef>
+          <a:fillRef idx="2">
+            <a:schemeClr val="accent1"/>
+          </a:fillRef>
+          <a:effectRef idx="1">
+            <a:schemeClr val="accent1"/>
+          </a:effectRef>
+          <a:fontRef idx="minor">
+            <a:schemeClr val="dk1"/>
+          </a:fontRef>
+        </p:style>
+        <p:txBody>
+          <a:bodyPr anchor="t"/>
+          <a:lstStyle/>
+          <a:p>
+            <a:pPr algn="ctr">
+              <a:defRPr/>
+            </a:pPr>
+            <a:r>
+              <a:rPr kumimoji="1" lang="zh-CN" altLang="en-US" sz="1400" dirty="0" smtClean="0">
+                <a:latin typeface="Heiti SC Light" charset="-122"/>
+                <a:ea typeface="Heiti SC Light" charset="-122"/>
+                <a:cs typeface="Heiti SC Light" charset="-122"/>
+              </a:rPr>
+              <a:t>任务管理</a:t>
+            </a:r>
+            <a:endParaRPr kumimoji="1" lang="zh-CN" altLang="en-US" sz="1400" dirty="0">
+              <a:latin typeface="Heiti SC Light" charset="-122"/>
+              <a:ea typeface="Heiti SC Light" charset="-122"/>
+              <a:cs typeface="Heiti SC Light" charset="-122"/>
+            </a:endParaRPr>
+          </a:p>
+        </p:txBody>
+      </p:sp>
+      <p:sp>
+        <p:nvSpPr>
+          <p:cNvPr id="5" name="可选流程 4"/>
+          <p:cNvSpPr/>
+          <p:nvPr/>
+        </p:nvSpPr>
+        <p:spPr>
+          <a:xfrm>
+            <a:off x="799893" y="1015627"/>
+            <a:ext cx="1535914" cy="251629"/>
+          </a:xfrm>
+          <a:prstGeom prst="flowChartAlternateProcess">
+            <a:avLst/>
+          </a:prstGeom>
+          <a:solidFill>
+            <a:srgbClr val="6095C9"/>
+          </a:solidFill>
+        </p:spPr>
+        <p:style>
+          <a:lnRef idx="0">
+            <a:schemeClr val="accent1"/>
+          </a:lnRef>
+          <a:fillRef idx="3">
+            <a:schemeClr val="accent1"/>
+          </a:fillRef>
+          <a:effectRef idx="3">
+            <a:schemeClr val="accent1"/>
+          </a:effectRef>
+          <a:fontRef idx="minor">
+            <a:schemeClr val="lt1"/>
+          </a:fontRef>
+        </p:style>
+        <p:txBody>
+          <a:bodyPr anchor="ctr"/>
+          <a:lstStyle/>
+          <a:p>
+            <a:pPr>
+              <a:defRPr/>
+            </a:pPr>
+            <a:r>
+              <a:rPr kumimoji="1" lang="zh-CN" altLang="en-US" sz="1400" dirty="0" smtClean="0">
+                <a:latin typeface="Heiti SC Light" charset="-122"/>
+                <a:ea typeface="Heiti SC Light" charset="-122"/>
+                <a:cs typeface="Heiti SC Light" charset="-122"/>
+              </a:rPr>
+              <a:t>执行器</a:t>
+            </a:r>
+            <a:endParaRPr kumimoji="1" lang="zh-CN" altLang="en-US" sz="1400" dirty="0">
+              <a:latin typeface="Heiti SC Light" charset="-122"/>
+              <a:ea typeface="Heiti SC Light" charset="-122"/>
+              <a:cs typeface="Heiti SC Light" charset="-122"/>
+            </a:endParaRPr>
+          </a:p>
+        </p:txBody>
+      </p:sp>
+      <p:sp>
+        <p:nvSpPr>
+          <p:cNvPr id="60" name="可选流程 59"/>
+          <p:cNvSpPr/>
+          <p:nvPr/>
+        </p:nvSpPr>
+        <p:spPr>
+          <a:xfrm>
+            <a:off x="799893" y="1406309"/>
+            <a:ext cx="1535914" cy="281598"/>
+          </a:xfrm>
+          <a:prstGeom prst="flowChartAlternateProcess">
+            <a:avLst/>
+          </a:prstGeom>
+          <a:solidFill>
+            <a:srgbClr val="6095C9"/>
+          </a:solidFill>
+        </p:spPr>
+        <p:style>
+          <a:lnRef idx="0">
+            <a:schemeClr val="accent1"/>
+          </a:lnRef>
+          <a:fillRef idx="3">
+            <a:schemeClr val="accent1"/>
+          </a:fillRef>
+          <a:effectRef idx="3">
+            <a:schemeClr val="accent1"/>
+          </a:effectRef>
+          <a:fontRef idx="minor">
+            <a:schemeClr val="lt1"/>
+          </a:fontRef>
+        </p:style>
+        <p:txBody>
+          <a:bodyPr anchor="ctr"/>
+          <a:lstStyle/>
+          <a:p>
+            <a:pPr>
+              <a:defRPr/>
+            </a:pPr>
+            <a:r>
+              <a:rPr kumimoji="1" lang="zh-CN" altLang="en-US" sz="1400" dirty="0">
+                <a:latin typeface="Heiti SC Light" charset="-122"/>
+                <a:ea typeface="Heiti SC Light" charset="-122"/>
+                <a:cs typeface="Heiti SC Light" charset="-122"/>
+              </a:rPr>
+              <a:t>任务</a:t>
+            </a:r>
+            <a:r>
+              <a:rPr kumimoji="1" lang="zh-CN" altLang="en-US" sz="1400" dirty="0" smtClean="0">
+                <a:latin typeface="Heiti SC Light" charset="-122"/>
+                <a:ea typeface="Heiti SC Light" charset="-122"/>
+                <a:cs typeface="Heiti SC Light" charset="-122"/>
+              </a:rPr>
+              <a:t>模式</a:t>
+            </a:r>
+            <a:endParaRPr kumimoji="1" lang="zh-CN" altLang="en-US" sz="1400" dirty="0">
+              <a:latin typeface="Heiti SC Light" charset="-122"/>
+              <a:ea typeface="Heiti SC Light" charset="-122"/>
+              <a:cs typeface="Heiti SC Light" charset="-122"/>
+            </a:endParaRPr>
+          </a:p>
+        </p:txBody>
+      </p:sp>
+      <p:sp>
+        <p:nvSpPr>
+          <p:cNvPr id="62" name="可选流程 61"/>
+          <p:cNvSpPr/>
+          <p:nvPr/>
+        </p:nvSpPr>
+        <p:spPr>
+          <a:xfrm>
+            <a:off x="799893" y="1830646"/>
+            <a:ext cx="1535914" cy="255324"/>
+          </a:xfrm>
+          <a:prstGeom prst="flowChartAlternateProcess">
+            <a:avLst/>
+          </a:prstGeom>
+          <a:solidFill>
+            <a:srgbClr val="6095C9"/>
+          </a:solidFill>
+        </p:spPr>
+        <p:style>
+          <a:lnRef idx="0">
+            <a:schemeClr val="accent1"/>
+          </a:lnRef>
+          <a:fillRef idx="3">
+            <a:schemeClr val="accent1"/>
+          </a:fillRef>
+          <a:effectRef idx="3">
+            <a:schemeClr val="accent1"/>
+          </a:effectRef>
+          <a:fontRef idx="minor">
+            <a:schemeClr val="lt1"/>
+          </a:fontRef>
+        </p:style>
+        <p:txBody>
+          <a:bodyPr anchor="ctr"/>
+          <a:lstStyle/>
+          <a:p>
+            <a:pPr>
+              <a:defRPr/>
+            </a:pPr>
+            <a:r>
+              <a:rPr kumimoji="1" lang="en-US" altLang="zh-CN" sz="1400" dirty="0">
+                <a:latin typeface="Heiti SC Light" charset="-122"/>
+                <a:ea typeface="Heiti SC Light" charset="-122"/>
+                <a:cs typeface="Heiti SC Light" charset="-122"/>
+              </a:rPr>
+              <a:t>JobHandler</a:t>
+            </a:r>
+            <a:endParaRPr kumimoji="1" lang="zh-CN" altLang="en-US" sz="1400" dirty="0">
+              <a:latin typeface="Heiti SC Light" charset="-122"/>
+              <a:ea typeface="Heiti SC Light" charset="-122"/>
+              <a:cs typeface="Heiti SC Light" charset="-122"/>
+            </a:endParaRPr>
+          </a:p>
+        </p:txBody>
+      </p:sp>
+      <p:sp>
+        <p:nvSpPr>
+          <p:cNvPr id="63" name="可选流程 62"/>
+          <p:cNvSpPr/>
+          <p:nvPr/>
+        </p:nvSpPr>
+        <p:spPr>
+          <a:xfrm>
+            <a:off x="799893" y="2206727"/>
+            <a:ext cx="1535914" cy="274201"/>
+          </a:xfrm>
+          <a:prstGeom prst="flowChartAlternateProcess">
+            <a:avLst/>
+          </a:prstGeom>
+          <a:solidFill>
+            <a:srgbClr val="6095C9"/>
+          </a:solidFill>
+        </p:spPr>
+        <p:style>
+          <a:lnRef idx="0">
+            <a:schemeClr val="accent1"/>
+          </a:lnRef>
+          <a:fillRef idx="3">
+            <a:schemeClr val="accent1"/>
+          </a:fillRef>
+          <a:effectRef idx="3">
+            <a:schemeClr val="accent1"/>
+          </a:effectRef>
+          <a:fontRef idx="minor">
+            <a:schemeClr val="lt1"/>
+          </a:fontRef>
+        </p:style>
+        <p:txBody>
+          <a:bodyPr anchor="ctr"/>
+          <a:lstStyle/>
+          <a:p>
+            <a:pPr>
+              <a:defRPr/>
+            </a:pPr>
+            <a:r>
+              <a:rPr kumimoji="1" lang="en-US" altLang="zh-CN" sz="1400" dirty="0" smtClean="0">
+                <a:latin typeface="Heiti SC Light" charset="-122"/>
+                <a:ea typeface="Heiti SC Light" charset="-122"/>
+                <a:cs typeface="Heiti SC Light" charset="-122"/>
+              </a:rPr>
+              <a:t>……</a:t>
+            </a:r>
+            <a:endParaRPr kumimoji="1" lang="zh-CN" altLang="en-US" sz="1400" dirty="0">
+              <a:latin typeface="Heiti SC Light" charset="-122"/>
+              <a:ea typeface="Heiti SC Light" charset="-122"/>
+              <a:cs typeface="Heiti SC Light" charset="-122"/>
+            </a:endParaRPr>
+          </a:p>
+        </p:txBody>
+      </p:sp>
+      <p:sp>
+        <p:nvSpPr>
+          <p:cNvPr id="10" name="矩形 9"/>
+          <p:cNvSpPr/>
+          <p:nvPr/>
+        </p:nvSpPr>
+        <p:spPr>
+          <a:xfrm>
+            <a:off x="2388914" y="688297"/>
+            <a:ext cx="1668047" cy="1961502"/>
+          </a:xfrm>
+          <a:prstGeom prst="rect">
+            <a:avLst/>
+          </a:prstGeom>
+          <a:solidFill>
+            <a:srgbClr val="DEF7FF"/>
+          </a:solidFill>
+          <a:ln>
+            <a:noFill/>
+          </a:ln>
+        </p:spPr>
+        <p:style>
+          <a:lnRef idx="1">
+            <a:schemeClr val="accent1"/>
+          </a:lnRef>
+          <a:fillRef idx="2">
+            <a:schemeClr val="accent1"/>
+          </a:fillRef>
+          <a:effectRef idx="1">
+            <a:schemeClr val="accent1"/>
+          </a:effectRef>
+          <a:fontRef idx="minor">
+            <a:schemeClr val="dk1"/>
+          </a:fontRef>
+        </p:style>
+        <p:txBody>
+          <a:bodyPr anchor="t"/>
+          <a:lstStyle/>
+          <a:p>
+            <a:pPr algn="ctr">
+              <a:defRPr/>
+            </a:pPr>
+            <a:r>
+              <a:rPr kumimoji="1" lang="zh-CN" altLang="en-US" sz="1400" b="1" dirty="0" smtClean="0">
+                <a:latin typeface="Heiti SC Light" charset="-122"/>
+                <a:ea typeface="Heiti SC Light" charset="-122"/>
+                <a:cs typeface="Heiti SC Light" charset="-122"/>
+              </a:rPr>
+              <a:t>执行器管理</a:t>
+            </a:r>
+            <a:endParaRPr kumimoji="1" lang="zh-CN" altLang="en-US" sz="1400" b="1" dirty="0">
+              <a:latin typeface="Heiti SC Light" charset="-122"/>
+              <a:ea typeface="Heiti SC Light" charset="-122"/>
+              <a:cs typeface="Heiti SC Light" charset="-122"/>
+            </a:endParaRPr>
+          </a:p>
+        </p:txBody>
+      </p:sp>
+      <p:sp>
+        <p:nvSpPr>
+          <p:cNvPr id="40" name="可选流程 39"/>
+          <p:cNvSpPr/>
+          <p:nvPr/>
+        </p:nvSpPr>
+        <p:spPr>
+          <a:xfrm>
+            <a:off x="2491980" y="1009669"/>
+            <a:ext cx="1432847" cy="272004"/>
+          </a:xfrm>
+          <a:prstGeom prst="flowChartAlternateProcess">
+            <a:avLst/>
+          </a:prstGeom>
+          <a:solidFill>
+            <a:srgbClr val="4BACC6"/>
+          </a:solidFill>
+        </p:spPr>
+        <p:style>
+          <a:lnRef idx="0">
+            <a:schemeClr val="accent1"/>
+          </a:lnRef>
+          <a:fillRef idx="3">
+            <a:schemeClr val="accent1"/>
+          </a:fillRef>
+          <a:effectRef idx="3">
+            <a:schemeClr val="accent1"/>
+          </a:effectRef>
+          <a:fontRef idx="minor">
+            <a:schemeClr val="lt1"/>
+          </a:fontRef>
+        </p:style>
+        <p:txBody>
+          <a:bodyPr anchor="ctr"/>
+          <a:lstStyle/>
+          <a:p>
+            <a:pPr>
+              <a:defRPr/>
+            </a:pPr>
+            <a:r>
+              <a:rPr kumimoji="1" lang="zh-CN" altLang="en-US" sz="1400" dirty="0" smtClean="0">
+                <a:latin typeface="Heiti SC Light" charset="-122"/>
+                <a:ea typeface="Heiti SC Light" charset="-122"/>
+                <a:cs typeface="Heiti SC Light" charset="-122"/>
+              </a:rPr>
+              <a:t>注册方式</a:t>
+            </a:r>
+            <a:endParaRPr kumimoji="1" lang="zh-CN" altLang="en-US" sz="1400" dirty="0">
+              <a:latin typeface="Heiti SC Light" charset="-122"/>
+              <a:ea typeface="Heiti SC Light" charset="-122"/>
+              <a:cs typeface="Heiti SC Light" charset="-122"/>
+            </a:endParaRPr>
+          </a:p>
+        </p:txBody>
+      </p:sp>
+      <p:sp>
+        <p:nvSpPr>
+          <p:cNvPr id="66" name="可选流程 65"/>
+          <p:cNvSpPr/>
+          <p:nvPr/>
+        </p:nvSpPr>
+        <p:spPr>
+          <a:xfrm>
+            <a:off x="2491979" y="1400460"/>
+            <a:ext cx="1432847" cy="275832"/>
+          </a:xfrm>
+          <a:prstGeom prst="flowChartAlternateProcess">
+            <a:avLst/>
+          </a:prstGeom>
+          <a:solidFill>
+            <a:srgbClr val="4BACC6"/>
+          </a:solidFill>
+        </p:spPr>
+        <p:style>
+          <a:lnRef idx="0">
+            <a:schemeClr val="accent1"/>
+          </a:lnRef>
+          <a:fillRef idx="3">
+            <a:schemeClr val="accent1"/>
+          </a:fillRef>
+          <a:effectRef idx="3">
+            <a:schemeClr val="accent1"/>
+          </a:effectRef>
+          <a:fontRef idx="minor">
+            <a:schemeClr val="lt1"/>
+          </a:fontRef>
+        </p:style>
+        <p:txBody>
+          <a:bodyPr anchor="ctr"/>
+          <a:lstStyle/>
+          <a:p>
+            <a:pPr>
+              <a:defRPr/>
+            </a:pPr>
+            <a:r>
+              <a:rPr kumimoji="1" lang="en-US" altLang="zh-CN" sz="1400" dirty="0" smtClean="0">
+                <a:latin typeface="Heiti SC Light" charset="-122"/>
+                <a:ea typeface="Heiti SC Light" charset="-122"/>
+                <a:cs typeface="Heiti SC Light" charset="-122"/>
+              </a:rPr>
+              <a:t>AppName</a:t>
+            </a:r>
+            <a:endParaRPr kumimoji="1" lang="zh-CN" altLang="en-US" sz="1400" dirty="0">
+              <a:latin typeface="Heiti SC Light" charset="-122"/>
+              <a:ea typeface="Heiti SC Light" charset="-122"/>
+              <a:cs typeface="Heiti SC Light" charset="-122"/>
+            </a:endParaRPr>
+          </a:p>
+        </p:txBody>
+      </p:sp>
+      <p:sp>
+        <p:nvSpPr>
+          <p:cNvPr id="67" name="可选流程 66"/>
+          <p:cNvSpPr/>
+          <p:nvPr/>
+        </p:nvSpPr>
+        <p:spPr>
+          <a:xfrm>
+            <a:off x="2491978" y="1834820"/>
+            <a:ext cx="1432847" cy="263850"/>
+          </a:xfrm>
+          <a:prstGeom prst="flowChartAlternateProcess">
+            <a:avLst/>
+          </a:prstGeom>
+          <a:solidFill>
+            <a:srgbClr val="4BACC6"/>
+          </a:solidFill>
+        </p:spPr>
+        <p:style>
+          <a:lnRef idx="0">
+            <a:schemeClr val="accent1"/>
+          </a:lnRef>
+          <a:fillRef idx="3">
+            <a:schemeClr val="accent1"/>
+          </a:fillRef>
+          <a:effectRef idx="3">
+            <a:schemeClr val="accent1"/>
+          </a:effectRef>
+          <a:fontRef idx="minor">
+            <a:schemeClr val="lt1"/>
+          </a:fontRef>
+        </p:style>
+        <p:txBody>
+          <a:bodyPr anchor="ctr"/>
+          <a:lstStyle/>
+          <a:p>
+            <a:pPr>
+              <a:defRPr/>
+            </a:pPr>
+            <a:r>
+              <a:rPr kumimoji="1" lang="zh-CN" altLang="en-US" sz="1400" dirty="0" smtClean="0">
+                <a:latin typeface="Heiti SC Light" charset="-122"/>
+                <a:ea typeface="Heiti SC Light" charset="-122"/>
+                <a:cs typeface="Heiti SC Light" charset="-122"/>
+              </a:rPr>
+              <a:t>机器地址列表</a:t>
+            </a:r>
+            <a:endParaRPr kumimoji="1" lang="zh-CN" altLang="en-US" sz="1400" dirty="0">
+              <a:latin typeface="Heiti SC Light" charset="-122"/>
+              <a:ea typeface="Heiti SC Light" charset="-122"/>
+              <a:cs typeface="Heiti SC Light" charset="-122"/>
+            </a:endParaRPr>
+          </a:p>
+        </p:txBody>
+      </p:sp>
+      <p:sp>
+        <p:nvSpPr>
+          <p:cNvPr id="68" name="可选流程 67"/>
+          <p:cNvSpPr/>
+          <p:nvPr/>
+        </p:nvSpPr>
+        <p:spPr>
+          <a:xfrm>
+            <a:off x="2491977" y="2217078"/>
+            <a:ext cx="1432847" cy="263850"/>
+          </a:xfrm>
+          <a:prstGeom prst="flowChartAlternateProcess">
+            <a:avLst/>
+          </a:prstGeom>
+          <a:solidFill>
+            <a:srgbClr val="4BACC6"/>
+          </a:solidFill>
+        </p:spPr>
+        <p:style>
+          <a:lnRef idx="0">
+            <a:schemeClr val="accent1"/>
+          </a:lnRef>
+          <a:fillRef idx="3">
+            <a:schemeClr val="accent1"/>
+          </a:fillRef>
+          <a:effectRef idx="3">
+            <a:schemeClr val="accent1"/>
+          </a:effectRef>
+          <a:fontRef idx="minor">
+            <a:schemeClr val="lt1"/>
+          </a:fontRef>
+        </p:style>
+        <p:txBody>
+          <a:bodyPr anchor="ctr"/>
+          <a:lstStyle/>
+          <a:p>
+            <a:pPr>
+              <a:defRPr/>
+            </a:pPr>
+            <a:r>
+              <a:rPr kumimoji="1" lang="en-US" altLang="zh-CN" sz="1400" dirty="0" smtClean="0">
+                <a:latin typeface="Heiti SC Light" charset="-122"/>
+                <a:ea typeface="Heiti SC Light" charset="-122"/>
+                <a:cs typeface="Heiti SC Light" charset="-122"/>
+              </a:rPr>
+              <a:t>……</a:t>
+            </a:r>
+            <a:endParaRPr kumimoji="1" lang="zh-CN" altLang="en-US" sz="1400" dirty="0">
+              <a:latin typeface="Heiti SC Light" charset="-122"/>
+              <a:ea typeface="Heiti SC Light" charset="-122"/>
+              <a:cs typeface="Heiti SC Light" charset="-122"/>
+            </a:endParaRPr>
+          </a:p>
+        </p:txBody>
+      </p:sp>
+      <p:cxnSp>
+        <p:nvCxnSpPr>
+          <p:cNvPr id="86" name="直线箭头连接符 85"/>
+          <p:cNvCxnSpPr/>
+          <p:nvPr/>
+        </p:nvCxnSpPr>
+        <p:spPr>
+          <a:xfrm>
+            <a:off x="11955553" y="7258143"/>
+            <a:ext cx="9228" cy="410923"/>
+          </a:xfrm>
+          <a:prstGeom prst="straightConnector1">
+            <a:avLst/>
+          </a:prstGeom>
+          <a:ln w="28575">
+            <a:prstDash val="dash"/>
+            <a:headEnd type="none" w="med" len="med"/>
+            <a:tailEnd type="arrow" w="med" len="med"/>
+          </a:ln>
+        </p:spPr>
+        <p:style>
+          <a:lnRef idx="1">
+            <a:schemeClr val="accent1"/>
+          </a:lnRef>
+          <a:fillRef idx="0">
+            <a:schemeClr val="accent1"/>
+          </a:fillRef>
+          <a:effectRef idx="0">
+            <a:schemeClr val="accent1"/>
+          </a:effectRef>
+          <a:fontRef idx="minor">
+            <a:schemeClr val="tx1"/>
+          </a:fontRef>
+        </p:style>
+      </p:cxnSp>
+      <p:cxnSp>
+        <p:nvCxnSpPr>
+          <p:cNvPr id="87" name="直线箭头连接符 86"/>
+          <p:cNvCxnSpPr/>
+          <p:nvPr/>
+        </p:nvCxnSpPr>
+        <p:spPr>
+          <a:xfrm flipV="1">
+            <a:off x="12192000" y="7245443"/>
+            <a:ext cx="0" cy="417180"/>
+          </a:xfrm>
+          <a:prstGeom prst="straightConnector1">
+            <a:avLst/>
+          </a:prstGeom>
+          <a:ln w="28575">
+            <a:prstDash val="dash"/>
+            <a:headEnd type="none" w="med" len="med"/>
+            <a:tailEnd type="arrow" w="med" len="med"/>
+          </a:ln>
+        </p:spPr>
+        <p:style>
+          <a:lnRef idx="1">
+            <a:schemeClr val="accent1"/>
+          </a:lnRef>
+          <a:fillRef idx="0">
+            <a:schemeClr val="accent1"/>
+          </a:fillRef>
+          <a:effectRef idx="0">
+            <a:schemeClr val="accent1"/>
+          </a:effectRef>
+          <a:fontRef idx="minor">
+            <a:schemeClr val="tx1"/>
+          </a:fontRef>
+        </p:style>
+      </p:cxnSp>
+      <p:sp>
+        <p:nvSpPr>
+          <p:cNvPr id="101" name="矩形 100"/>
+          <p:cNvSpPr/>
+          <p:nvPr/>
+        </p:nvSpPr>
+        <p:spPr>
+          <a:xfrm>
+            <a:off x="6400801" y="576163"/>
+            <a:ext cx="5181600" cy="5176329"/>
+          </a:xfrm>
+          <a:prstGeom prst="rect">
+            <a:avLst/>
+          </a:prstGeom>
+          <a:ln>
+            <a:noFill/>
+          </a:ln>
+        </p:spPr>
+        <p:style>
+          <a:lnRef idx="1">
+            <a:schemeClr val="accent6"/>
+          </a:lnRef>
+          <a:fillRef idx="2">
+            <a:schemeClr val="accent6"/>
+          </a:fillRef>
+          <a:effectRef idx="1">
+            <a:schemeClr val="accent6"/>
+          </a:effectRef>
+          <a:fontRef idx="minor">
+            <a:schemeClr val="dk1"/>
+          </a:fontRef>
+        </p:style>
+        <p:txBody>
+          <a:bodyPr anchor="b"/>
+          <a:lstStyle/>
+          <a:p>
+            <a:pPr algn="ctr">
+              <a:defRPr/>
+            </a:pPr>
+            <a:r>
+              <a:rPr kumimoji="1" lang="zh-CN" altLang="en-US" sz="1600" b="1" dirty="0" smtClean="0">
+                <a:latin typeface="Heiti SC Light" charset="-122"/>
+                <a:ea typeface="Heiti SC Light" charset="-122"/>
+                <a:cs typeface="Heiti SC Light" charset="-122"/>
+              </a:rPr>
+              <a:t>执行器</a:t>
+            </a:r>
+            <a:endParaRPr kumimoji="1" lang="zh-CN" altLang="en-US" sz="1600" b="1" dirty="0">
+              <a:latin typeface="Heiti SC Light" charset="-122"/>
+              <a:ea typeface="Heiti SC Light" charset="-122"/>
+              <a:cs typeface="Heiti SC Light" charset="-122"/>
+            </a:endParaRPr>
+          </a:p>
+        </p:txBody>
+      </p:sp>
+      <p:cxnSp>
+        <p:nvCxnSpPr>
+          <p:cNvPr id="133" name="直线箭头连接符 132"/>
+          <p:cNvCxnSpPr/>
+          <p:nvPr/>
+        </p:nvCxnSpPr>
+        <p:spPr>
+          <a:xfrm>
+            <a:off x="12476487" y="7419060"/>
+            <a:ext cx="413345" cy="1"/>
+          </a:xfrm>
+          <a:prstGeom prst="straightConnector1">
+            <a:avLst/>
+          </a:prstGeom>
+          <a:ln w="28575">
+            <a:prstDash val="dash"/>
+            <a:headEnd type="none" w="med" len="med"/>
+            <a:tailEnd type="arrow" w="med" len="med"/>
+          </a:ln>
+        </p:spPr>
+        <p:style>
+          <a:lnRef idx="1">
+            <a:schemeClr val="accent1"/>
+          </a:lnRef>
+          <a:fillRef idx="0">
+            <a:schemeClr val="accent1"/>
+          </a:fillRef>
+          <a:effectRef idx="0">
+            <a:schemeClr val="accent1"/>
+          </a:effectRef>
+          <a:fontRef idx="minor">
+            <a:schemeClr val="tx1"/>
+          </a:fontRef>
+        </p:style>
+      </p:cxnSp>
+      <p:cxnSp>
+        <p:nvCxnSpPr>
+          <p:cNvPr id="134" name="直线箭头连接符 133"/>
+          <p:cNvCxnSpPr/>
+          <p:nvPr/>
+        </p:nvCxnSpPr>
+        <p:spPr>
+          <a:xfrm flipH="1">
+            <a:off x="12434527" y="7662622"/>
+            <a:ext cx="429217" cy="1"/>
+          </a:xfrm>
+          <a:prstGeom prst="straightConnector1">
+            <a:avLst/>
+          </a:prstGeom>
+          <a:ln w="28575">
+            <a:prstDash val="dash"/>
+            <a:headEnd type="none" w="med" len="med"/>
+            <a:tailEnd type="arrow" w="med" len="med"/>
+          </a:ln>
+        </p:spPr>
+        <p:style>
+          <a:lnRef idx="1">
+            <a:schemeClr val="accent1"/>
+          </a:lnRef>
+          <a:fillRef idx="0">
+            <a:schemeClr val="accent1"/>
+          </a:fillRef>
+          <a:effectRef idx="0">
+            <a:schemeClr val="accent1"/>
+          </a:effectRef>
+          <a:fontRef idx="minor">
+            <a:schemeClr val="tx1"/>
+          </a:fontRef>
+        </p:style>
+      </p:cxnSp>
+      <p:sp>
+        <p:nvSpPr>
+          <p:cNvPr id="3" name="圆角矩形 2"/>
+          <p:cNvSpPr/>
+          <p:nvPr/>
+        </p:nvSpPr>
+        <p:spPr>
+          <a:xfrm>
+            <a:off x="4274542" y="832978"/>
+            <a:ext cx="1655926" cy="586589"/>
+          </a:xfrm>
+          <a:prstGeom prst="roundRect">
+            <a:avLst/>
+          </a:prstGeom>
+        </p:spPr>
+        <p:style>
+          <a:lnRef idx="0">
+            <a:schemeClr val="accent2"/>
+          </a:lnRef>
+          <a:fillRef idx="3">
+            <a:schemeClr val="accent2"/>
+          </a:fillRef>
+          <a:effectRef idx="3">
+            <a:schemeClr val="accent2"/>
+          </a:effectRef>
+          <a:fontRef idx="minor">
+            <a:schemeClr val="lt1"/>
+          </a:fontRef>
+        </p:style>
+        <p:txBody>
+          <a:bodyPr anchor="ctr"/>
+          <a:lstStyle/>
+          <a:p>
+            <a:pPr algn="ctr">
+              <a:defRPr/>
+            </a:pPr>
+            <a:r>
+              <a:rPr kumimoji="1" lang="zh-CN" altLang="en-US" sz="1400" dirty="0" smtClean="0">
+                <a:latin typeface="Heiti SC Light" charset="-122"/>
+                <a:ea typeface="Heiti SC Light" charset="-122"/>
+                <a:cs typeface="Heiti SC Light" charset="-122"/>
+              </a:rPr>
+              <a:t>调度器</a:t>
+            </a:r>
+          </a:p>
+          <a:p>
+            <a:pPr algn="ctr">
+              <a:defRPr/>
+            </a:pPr>
+            <a:r>
+              <a:rPr kumimoji="1" lang="en-US" altLang="zh-CN" sz="1400" dirty="0" smtClean="0">
+                <a:latin typeface="Heiti SC Light" charset="-122"/>
+                <a:ea typeface="Heiti SC Light" charset="-122"/>
+                <a:cs typeface="Heiti SC Light" charset="-122"/>
+              </a:rPr>
+              <a:t>(quartz)</a:t>
+            </a:r>
+            <a:endParaRPr kumimoji="1" lang="zh-CN" altLang="en-US" sz="1400" dirty="0">
+              <a:latin typeface="Heiti SC Light" charset="-122"/>
+              <a:ea typeface="Heiti SC Light" charset="-122"/>
+              <a:cs typeface="Heiti SC Light" charset="-122"/>
+            </a:endParaRPr>
+          </a:p>
+        </p:txBody>
+      </p:sp>
+      <p:sp>
+        <p:nvSpPr>
+          <p:cNvPr id="139" name="圆角矩形 138"/>
+          <p:cNvSpPr/>
+          <p:nvPr/>
+        </p:nvSpPr>
+        <p:spPr>
+          <a:xfrm>
+            <a:off x="4276756" y="3340779"/>
+            <a:ext cx="1659413" cy="574484"/>
+          </a:xfrm>
+          <a:prstGeom prst="roundRect">
+            <a:avLst/>
+          </a:prstGeom>
+          <a:solidFill>
+            <a:srgbClr val="58B8D1"/>
+          </a:solidFill>
+        </p:spPr>
+        <p:style>
+          <a:lnRef idx="0">
+            <a:schemeClr val="accent1"/>
+          </a:lnRef>
+          <a:fillRef idx="3">
+            <a:schemeClr val="accent1"/>
+          </a:fillRef>
+          <a:effectRef idx="3">
+            <a:schemeClr val="accent1"/>
+          </a:effectRef>
+          <a:fontRef idx="minor">
+            <a:schemeClr val="lt1"/>
+          </a:fontRef>
+        </p:style>
+        <p:txBody>
+          <a:bodyPr anchor="ctr"/>
+          <a:lstStyle/>
+          <a:p>
+            <a:pPr algn="ctr">
+              <a:defRPr/>
+            </a:pPr>
+            <a:r>
+              <a:rPr kumimoji="1" lang="zh-CN" altLang="en-US" sz="1400" dirty="0">
+                <a:latin typeface="Heiti SC Light" charset="-122"/>
+                <a:ea typeface="Heiti SC Light" charset="-122"/>
+                <a:cs typeface="Heiti SC Light" charset="-122"/>
+              </a:rPr>
+              <a:t>回调</a:t>
+            </a:r>
+            <a:r>
+              <a:rPr kumimoji="1" lang="zh-CN" altLang="en-US" sz="1400" dirty="0" smtClean="0">
+                <a:latin typeface="Heiti SC Light" charset="-122"/>
+                <a:ea typeface="Heiti SC Light" charset="-122"/>
+                <a:cs typeface="Heiti SC Light" charset="-122"/>
+              </a:rPr>
+              <a:t>服务</a:t>
+            </a:r>
+          </a:p>
+          <a:p>
+            <a:pPr algn="ctr">
+              <a:defRPr/>
+            </a:pPr>
+            <a:r>
+              <a:rPr kumimoji="1" lang="en-US" altLang="zh-CN" sz="1400" dirty="0">
+                <a:latin typeface="Heiti SC Light" charset="-122"/>
+                <a:ea typeface="Heiti SC Light" charset="-122"/>
+                <a:cs typeface="Heiti SC Light" charset="-122"/>
+              </a:rPr>
+              <a:t>(API)</a:t>
+            </a:r>
+            <a:endParaRPr kumimoji="1" lang="zh-CN" altLang="en-US" sz="1400" dirty="0">
+              <a:latin typeface="Heiti SC Light" charset="-122"/>
+              <a:ea typeface="Heiti SC Light" charset="-122"/>
+              <a:cs typeface="Heiti SC Light" charset="-122"/>
+            </a:endParaRPr>
+          </a:p>
+        </p:txBody>
+      </p:sp>
+      <p:sp>
+        <p:nvSpPr>
+          <p:cNvPr id="153" name="矩形 152"/>
+          <p:cNvSpPr/>
+          <p:nvPr/>
+        </p:nvSpPr>
+        <p:spPr>
+          <a:xfrm>
+            <a:off x="720867" y="2657780"/>
+            <a:ext cx="1668047" cy="1961502"/>
+          </a:xfrm>
+          <a:prstGeom prst="rect">
+            <a:avLst/>
+          </a:prstGeom>
+          <a:solidFill>
+            <a:srgbClr val="DEF7FF"/>
+          </a:solidFill>
+          <a:ln>
+            <a:noFill/>
+          </a:ln>
+        </p:spPr>
+        <p:style>
+          <a:lnRef idx="1">
+            <a:schemeClr val="accent1"/>
+          </a:lnRef>
+          <a:fillRef idx="2">
+            <a:schemeClr val="accent1"/>
+          </a:fillRef>
+          <a:effectRef idx="1">
+            <a:schemeClr val="accent1"/>
+          </a:effectRef>
+          <a:fontRef idx="minor">
+            <a:schemeClr val="dk1"/>
+          </a:fontRef>
+        </p:style>
+        <p:txBody>
+          <a:bodyPr anchor="t"/>
+          <a:lstStyle/>
+          <a:p>
+            <a:pPr algn="ctr">
+              <a:defRPr/>
+            </a:pPr>
+            <a:r>
+              <a:rPr kumimoji="1" lang="zh-CN" altLang="en-US" sz="1400" b="1" dirty="0">
+                <a:latin typeface="Heiti SC Light" charset="-122"/>
+                <a:ea typeface="Heiti SC Light" charset="-122"/>
+                <a:cs typeface="Heiti SC Light" charset="-122"/>
+              </a:rPr>
+              <a:t>日志管理</a:t>
+            </a:r>
+          </a:p>
+        </p:txBody>
+      </p:sp>
+      <p:sp>
+        <p:nvSpPr>
+          <p:cNvPr id="154" name="可选流程 153"/>
+          <p:cNvSpPr/>
+          <p:nvPr/>
+        </p:nvSpPr>
+        <p:spPr>
+          <a:xfrm>
+            <a:off x="823933" y="2979152"/>
+            <a:ext cx="1432847" cy="272004"/>
+          </a:xfrm>
+          <a:prstGeom prst="flowChartAlternateProcess">
+            <a:avLst/>
+          </a:prstGeom>
+          <a:solidFill>
+            <a:srgbClr val="4BACC6"/>
+          </a:solidFill>
+        </p:spPr>
+        <p:style>
+          <a:lnRef idx="0">
+            <a:schemeClr val="accent1"/>
+          </a:lnRef>
+          <a:fillRef idx="3">
+            <a:schemeClr val="accent1"/>
+          </a:fillRef>
+          <a:effectRef idx="3">
+            <a:schemeClr val="accent1"/>
+          </a:effectRef>
+          <a:fontRef idx="minor">
+            <a:schemeClr val="lt1"/>
+          </a:fontRef>
+        </p:style>
+        <p:txBody>
+          <a:bodyPr anchor="ctr"/>
+          <a:lstStyle/>
+          <a:p>
+            <a:pPr>
+              <a:defRPr/>
+            </a:pPr>
+            <a:r>
+              <a:rPr kumimoji="1" lang="zh-CN" altLang="en-US" sz="1400" dirty="0">
+                <a:latin typeface="Heiti SC Light" charset="-122"/>
+                <a:ea typeface="Heiti SC Light" charset="-122"/>
+                <a:cs typeface="Heiti SC Light" charset="-122"/>
+              </a:rPr>
+              <a:t>调度日志</a:t>
+            </a:r>
+          </a:p>
+        </p:txBody>
+      </p:sp>
+      <p:sp>
+        <p:nvSpPr>
+          <p:cNvPr id="155" name="可选流程 154"/>
+          <p:cNvSpPr/>
+          <p:nvPr/>
+        </p:nvSpPr>
+        <p:spPr>
+          <a:xfrm>
+            <a:off x="823932" y="3369943"/>
+            <a:ext cx="1432847" cy="275832"/>
+          </a:xfrm>
+          <a:prstGeom prst="flowChartAlternateProcess">
+            <a:avLst/>
+          </a:prstGeom>
+          <a:solidFill>
+            <a:srgbClr val="4BACC6"/>
+          </a:solidFill>
+        </p:spPr>
+        <p:style>
+          <a:lnRef idx="0">
+            <a:schemeClr val="accent1"/>
+          </a:lnRef>
+          <a:fillRef idx="3">
+            <a:schemeClr val="accent1"/>
+          </a:fillRef>
+          <a:effectRef idx="3">
+            <a:schemeClr val="accent1"/>
+          </a:effectRef>
+          <a:fontRef idx="minor">
+            <a:schemeClr val="lt1"/>
+          </a:fontRef>
+        </p:style>
+        <p:txBody>
+          <a:bodyPr anchor="ctr"/>
+          <a:lstStyle/>
+          <a:p>
+            <a:pPr>
+              <a:defRPr/>
+            </a:pPr>
+            <a:r>
+              <a:rPr kumimoji="1" lang="en-US" altLang="zh-CN" sz="1400" dirty="0">
+                <a:latin typeface="Heiti SC Light" charset="-122"/>
+                <a:ea typeface="Heiti SC Light" charset="-122"/>
+                <a:cs typeface="Heiti SC Light" charset="-122"/>
+              </a:rPr>
+              <a:t>Rolling</a:t>
+            </a:r>
+            <a:r>
+              <a:rPr kumimoji="1" lang="zh-CN" altLang="en-US" sz="1400" dirty="0">
+                <a:latin typeface="Heiti SC Light" charset="-122"/>
+                <a:ea typeface="Heiti SC Light" charset="-122"/>
+                <a:cs typeface="Heiti SC Light" charset="-122"/>
+              </a:rPr>
+              <a:t>日志</a:t>
+            </a:r>
+          </a:p>
+        </p:txBody>
+      </p:sp>
+      <p:sp>
+        <p:nvSpPr>
+          <p:cNvPr id="156" name="可选流程 155"/>
+          <p:cNvSpPr/>
+          <p:nvPr/>
+        </p:nvSpPr>
+        <p:spPr>
+          <a:xfrm>
+            <a:off x="823931" y="3804303"/>
+            <a:ext cx="1432847" cy="263850"/>
+          </a:xfrm>
+          <a:prstGeom prst="flowChartAlternateProcess">
+            <a:avLst/>
+          </a:prstGeom>
+          <a:solidFill>
+            <a:srgbClr val="4BACC6"/>
+          </a:solidFill>
+        </p:spPr>
+        <p:style>
+          <a:lnRef idx="0">
+            <a:schemeClr val="accent1"/>
+          </a:lnRef>
+          <a:fillRef idx="3">
+            <a:schemeClr val="accent1"/>
+          </a:fillRef>
+          <a:effectRef idx="3">
+            <a:schemeClr val="accent1"/>
+          </a:effectRef>
+          <a:fontRef idx="minor">
+            <a:schemeClr val="lt1"/>
+          </a:fontRef>
+        </p:style>
+        <p:txBody>
+          <a:bodyPr anchor="ctr"/>
+          <a:lstStyle/>
+          <a:p>
+            <a:pPr>
+              <a:defRPr/>
+            </a:pPr>
+            <a:r>
+              <a:rPr kumimoji="1" lang="en-US" altLang="zh-CN" sz="1400" dirty="0">
+                <a:latin typeface="Heiti SC Light" charset="-122"/>
+                <a:ea typeface="Heiti SC Light" charset="-122"/>
+                <a:cs typeface="Heiti SC Light" charset="-122"/>
+              </a:rPr>
+              <a:t>GLUE</a:t>
+            </a:r>
+            <a:r>
+              <a:rPr kumimoji="1" lang="zh-CN" altLang="en-US" sz="1400" dirty="0">
+                <a:latin typeface="Heiti SC Light" charset="-122"/>
+                <a:ea typeface="Heiti SC Light" charset="-122"/>
+                <a:cs typeface="Heiti SC Light" charset="-122"/>
+              </a:rPr>
+              <a:t>版本日志</a:t>
+            </a:r>
+          </a:p>
+        </p:txBody>
+      </p:sp>
+      <p:sp>
+        <p:nvSpPr>
+          <p:cNvPr id="157" name="可选流程 156"/>
+          <p:cNvSpPr/>
+          <p:nvPr/>
+        </p:nvSpPr>
+        <p:spPr>
+          <a:xfrm>
+            <a:off x="823930" y="4186561"/>
+            <a:ext cx="1432847" cy="263850"/>
+          </a:xfrm>
+          <a:prstGeom prst="flowChartAlternateProcess">
+            <a:avLst/>
+          </a:prstGeom>
+          <a:solidFill>
+            <a:srgbClr val="4BACC6"/>
+          </a:solidFill>
+        </p:spPr>
+        <p:style>
+          <a:lnRef idx="0">
+            <a:schemeClr val="accent1"/>
+          </a:lnRef>
+          <a:fillRef idx="3">
+            <a:schemeClr val="accent1"/>
+          </a:fillRef>
+          <a:effectRef idx="3">
+            <a:schemeClr val="accent1"/>
+          </a:effectRef>
+          <a:fontRef idx="minor">
+            <a:schemeClr val="lt1"/>
+          </a:fontRef>
+        </p:style>
+        <p:txBody>
+          <a:bodyPr anchor="ctr"/>
+          <a:lstStyle/>
+          <a:p>
+            <a:pPr>
+              <a:defRPr/>
+            </a:pPr>
+            <a:r>
+              <a:rPr kumimoji="1" lang="en-US" altLang="zh-CN" sz="1400" dirty="0" smtClean="0">
+                <a:latin typeface="Heiti SC Light" charset="-122"/>
+                <a:ea typeface="Heiti SC Light" charset="-122"/>
+                <a:cs typeface="Heiti SC Light" charset="-122"/>
+              </a:rPr>
+              <a:t>……</a:t>
+            </a:r>
+            <a:endParaRPr kumimoji="1" lang="zh-CN" altLang="en-US" sz="1400" dirty="0">
+              <a:latin typeface="Heiti SC Light" charset="-122"/>
+              <a:ea typeface="Heiti SC Light" charset="-122"/>
+              <a:cs typeface="Heiti SC Light" charset="-122"/>
+            </a:endParaRPr>
+          </a:p>
+        </p:txBody>
+      </p:sp>
+      <p:sp>
+        <p:nvSpPr>
+          <p:cNvPr id="158" name="矩形 157"/>
+          <p:cNvSpPr/>
+          <p:nvPr/>
+        </p:nvSpPr>
+        <p:spPr>
+          <a:xfrm>
+            <a:off x="2384122" y="2645252"/>
+            <a:ext cx="1672839" cy="1974030"/>
+          </a:xfrm>
+          <a:prstGeom prst="rect">
+            <a:avLst/>
+          </a:prstGeom>
+          <a:solidFill>
+            <a:srgbClr val="E0EBFF"/>
+          </a:solidFill>
+          <a:ln>
+            <a:noFill/>
+          </a:ln>
+        </p:spPr>
+        <p:style>
+          <a:lnRef idx="1">
+            <a:schemeClr val="accent1"/>
+          </a:lnRef>
+          <a:fillRef idx="2">
+            <a:schemeClr val="accent1"/>
+          </a:fillRef>
+          <a:effectRef idx="1">
+            <a:schemeClr val="accent1"/>
+          </a:effectRef>
+          <a:fontRef idx="minor">
+            <a:schemeClr val="dk1"/>
+          </a:fontRef>
+        </p:style>
+        <p:txBody>
+          <a:bodyPr anchor="t"/>
+          <a:lstStyle/>
+          <a:p>
+            <a:pPr algn="ctr">
+              <a:defRPr/>
+            </a:pPr>
+            <a:r>
+              <a:rPr kumimoji="1" lang="zh-CN" altLang="en-US" sz="1400" dirty="0" smtClean="0">
+                <a:latin typeface="Heiti SC Light" charset="-122"/>
+                <a:ea typeface="Heiti SC Light" charset="-122"/>
+                <a:cs typeface="Heiti SC Light" charset="-122"/>
+              </a:rPr>
+              <a:t>其他</a:t>
+            </a:r>
+            <a:endParaRPr kumimoji="1" lang="zh-CN" altLang="en-US" sz="1400" dirty="0">
+              <a:latin typeface="Heiti SC Light" charset="-122"/>
+              <a:ea typeface="Heiti SC Light" charset="-122"/>
+              <a:cs typeface="Heiti SC Light" charset="-122"/>
+            </a:endParaRPr>
+          </a:p>
+        </p:txBody>
+      </p:sp>
+      <p:sp>
+        <p:nvSpPr>
+          <p:cNvPr id="159" name="可选流程 158"/>
+          <p:cNvSpPr/>
+          <p:nvPr/>
+        </p:nvSpPr>
+        <p:spPr>
+          <a:xfrm>
+            <a:off x="2463148" y="2972582"/>
+            <a:ext cx="1535914" cy="251629"/>
+          </a:xfrm>
+          <a:prstGeom prst="flowChartAlternateProcess">
+            <a:avLst/>
+          </a:prstGeom>
+          <a:solidFill>
+            <a:srgbClr val="6095C9"/>
+          </a:solidFill>
+        </p:spPr>
+        <p:style>
+          <a:lnRef idx="0">
+            <a:schemeClr val="accent1"/>
+          </a:lnRef>
+          <a:fillRef idx="3">
+            <a:schemeClr val="accent1"/>
+          </a:fillRef>
+          <a:effectRef idx="3">
+            <a:schemeClr val="accent1"/>
+          </a:effectRef>
+          <a:fontRef idx="minor">
+            <a:schemeClr val="lt1"/>
+          </a:fontRef>
+        </p:style>
+        <p:txBody>
+          <a:bodyPr anchor="ctr"/>
+          <a:lstStyle/>
+          <a:p>
+            <a:pPr>
+              <a:defRPr/>
+            </a:pPr>
+            <a:r>
+              <a:rPr kumimoji="1" lang="zh-CN" altLang="en-US" sz="1400" dirty="0" smtClean="0">
+                <a:latin typeface="Heiti SC Light" charset="-122"/>
+                <a:ea typeface="Heiti SC Light" charset="-122"/>
+                <a:cs typeface="Heiti SC Light" charset="-122"/>
+              </a:rPr>
+              <a:t>运行报表</a:t>
+            </a:r>
+            <a:endParaRPr kumimoji="1" lang="zh-CN" altLang="en-US" sz="1400" dirty="0">
+              <a:latin typeface="Heiti SC Light" charset="-122"/>
+              <a:ea typeface="Heiti SC Light" charset="-122"/>
+              <a:cs typeface="Heiti SC Light" charset="-122"/>
+            </a:endParaRPr>
+          </a:p>
+        </p:txBody>
+      </p:sp>
+      <p:sp>
+        <p:nvSpPr>
+          <p:cNvPr id="160" name="可选流程 159"/>
+          <p:cNvSpPr/>
+          <p:nvPr/>
+        </p:nvSpPr>
+        <p:spPr>
+          <a:xfrm>
+            <a:off x="2463148" y="3363264"/>
+            <a:ext cx="1535914" cy="281598"/>
+          </a:xfrm>
+          <a:prstGeom prst="flowChartAlternateProcess">
+            <a:avLst/>
+          </a:prstGeom>
+          <a:solidFill>
+            <a:srgbClr val="6095C9"/>
+          </a:solidFill>
+        </p:spPr>
+        <p:style>
+          <a:lnRef idx="0">
+            <a:schemeClr val="accent1"/>
+          </a:lnRef>
+          <a:fillRef idx="3">
+            <a:schemeClr val="accent1"/>
+          </a:fillRef>
+          <a:effectRef idx="3">
+            <a:schemeClr val="accent1"/>
+          </a:effectRef>
+          <a:fontRef idx="minor">
+            <a:schemeClr val="lt1"/>
+          </a:fontRef>
+        </p:style>
+        <p:txBody>
+          <a:bodyPr anchor="ctr"/>
+          <a:lstStyle/>
+          <a:p>
+            <a:pPr>
+              <a:defRPr/>
+            </a:pPr>
+            <a:r>
+              <a:rPr kumimoji="1" lang="zh-CN" altLang="en-US" sz="1400" dirty="0" smtClean="0">
+                <a:latin typeface="Heiti SC Light" charset="-122"/>
+                <a:ea typeface="Heiti SC Light" charset="-122"/>
+                <a:cs typeface="Heiti SC Light" charset="-122"/>
+              </a:rPr>
+              <a:t>失败告警</a:t>
+            </a:r>
+            <a:endParaRPr kumimoji="1" lang="zh-CN" altLang="en-US" sz="1400" dirty="0">
+              <a:latin typeface="Heiti SC Light" charset="-122"/>
+              <a:ea typeface="Heiti SC Light" charset="-122"/>
+              <a:cs typeface="Heiti SC Light" charset="-122"/>
+            </a:endParaRPr>
+          </a:p>
+        </p:txBody>
+      </p:sp>
+      <p:sp>
+        <p:nvSpPr>
+          <p:cNvPr id="161" name="可选流程 160"/>
+          <p:cNvSpPr/>
+          <p:nvPr/>
+        </p:nvSpPr>
+        <p:spPr>
+          <a:xfrm>
+            <a:off x="2463148" y="3787601"/>
+            <a:ext cx="1535914" cy="255324"/>
+          </a:xfrm>
+          <a:prstGeom prst="flowChartAlternateProcess">
+            <a:avLst/>
+          </a:prstGeom>
+          <a:solidFill>
+            <a:srgbClr val="6095C9"/>
+          </a:solidFill>
+        </p:spPr>
+        <p:style>
+          <a:lnRef idx="0">
+            <a:schemeClr val="accent1"/>
+          </a:lnRef>
+          <a:fillRef idx="3">
+            <a:schemeClr val="accent1"/>
+          </a:fillRef>
+          <a:effectRef idx="3">
+            <a:schemeClr val="accent1"/>
+          </a:effectRef>
+          <a:fontRef idx="minor">
+            <a:schemeClr val="lt1"/>
+          </a:fontRef>
+        </p:style>
+        <p:txBody>
+          <a:bodyPr anchor="ctr"/>
+          <a:lstStyle/>
+          <a:p>
+            <a:pPr>
+              <a:defRPr/>
+            </a:pPr>
+            <a:r>
+              <a:rPr kumimoji="1" lang="zh-CN" altLang="en-US" sz="1400" dirty="0" smtClean="0">
+                <a:latin typeface="Heiti SC Light" charset="-122"/>
+                <a:ea typeface="Heiti SC Light" charset="-122"/>
+                <a:cs typeface="Heiti SC Light" charset="-122"/>
+              </a:rPr>
+              <a:t>任务依赖</a:t>
+            </a:r>
+            <a:endParaRPr kumimoji="1" lang="zh-CN" altLang="en-US" sz="1400" dirty="0">
+              <a:latin typeface="Heiti SC Light" charset="-122"/>
+              <a:ea typeface="Heiti SC Light" charset="-122"/>
+              <a:cs typeface="Heiti SC Light" charset="-122"/>
+            </a:endParaRPr>
+          </a:p>
+        </p:txBody>
+      </p:sp>
+      <p:sp>
+        <p:nvSpPr>
+          <p:cNvPr id="162" name="可选流程 161"/>
+          <p:cNvSpPr/>
+          <p:nvPr/>
+        </p:nvSpPr>
+        <p:spPr>
+          <a:xfrm>
+            <a:off x="2463148" y="4163682"/>
+            <a:ext cx="1535914" cy="274201"/>
+          </a:xfrm>
+          <a:prstGeom prst="flowChartAlternateProcess">
+            <a:avLst/>
+          </a:prstGeom>
+          <a:solidFill>
+            <a:srgbClr val="6095C9"/>
+          </a:solidFill>
+        </p:spPr>
+        <p:style>
+          <a:lnRef idx="0">
+            <a:schemeClr val="accent1"/>
+          </a:lnRef>
+          <a:fillRef idx="3">
+            <a:schemeClr val="accent1"/>
+          </a:fillRef>
+          <a:effectRef idx="3">
+            <a:schemeClr val="accent1"/>
+          </a:effectRef>
+          <a:fontRef idx="minor">
+            <a:schemeClr val="lt1"/>
+          </a:fontRef>
+        </p:style>
+        <p:txBody>
+          <a:bodyPr anchor="ctr"/>
+          <a:lstStyle/>
+          <a:p>
+            <a:pPr>
+              <a:defRPr/>
+            </a:pPr>
+            <a:r>
+              <a:rPr kumimoji="1" lang="en-US" altLang="zh-CN" sz="1400" dirty="0" smtClean="0">
+                <a:latin typeface="Heiti SC Light" charset="-122"/>
+                <a:ea typeface="Heiti SC Light" charset="-122"/>
+                <a:cs typeface="Heiti SC Light" charset="-122"/>
+              </a:rPr>
+              <a:t>……</a:t>
+            </a:r>
+            <a:endParaRPr kumimoji="1" lang="zh-CN" altLang="en-US" sz="1400" dirty="0">
+              <a:latin typeface="Heiti SC Light" charset="-122"/>
+              <a:ea typeface="Heiti SC Light" charset="-122"/>
+              <a:cs typeface="Heiti SC Light" charset="-122"/>
+            </a:endParaRPr>
+          </a:p>
+        </p:txBody>
+      </p:sp>
+      <p:sp>
+        <p:nvSpPr>
+          <p:cNvPr id="30" name="可选流程 29"/>
+          <p:cNvSpPr/>
+          <p:nvPr/>
+        </p:nvSpPr>
+        <p:spPr>
+          <a:xfrm>
+            <a:off x="6903492" y="4598011"/>
+            <a:ext cx="1948408" cy="566196"/>
+          </a:xfrm>
+          <a:prstGeom prst="flowChartAlternateProcess">
+            <a:avLst/>
+          </a:prstGeom>
+          <a:solidFill>
+            <a:srgbClr val="9379B3"/>
+          </a:solidFill>
+        </p:spPr>
+        <p:style>
+          <a:lnRef idx="0">
+            <a:schemeClr val="accent1"/>
+          </a:lnRef>
+          <a:fillRef idx="3">
+            <a:schemeClr val="accent1"/>
+          </a:fillRef>
+          <a:effectRef idx="3">
+            <a:schemeClr val="accent1"/>
+          </a:effectRef>
+          <a:fontRef idx="minor">
+            <a:schemeClr val="lt1"/>
+          </a:fontRef>
+        </p:style>
+        <p:txBody>
+          <a:bodyPr anchor="ctr"/>
+          <a:lstStyle/>
+          <a:p>
+            <a:pPr algn="ctr">
+              <a:defRPr/>
+            </a:pPr>
+            <a:r>
+              <a:rPr kumimoji="1" lang="zh-CN" altLang="en-US" sz="1400" dirty="0" smtClean="0">
+                <a:latin typeface="Heiti SC Light" charset="-122"/>
+                <a:ea typeface="Heiti SC Light" charset="-122"/>
+                <a:cs typeface="Heiti SC Light" charset="-122"/>
+              </a:rPr>
+              <a:t>注册线程</a:t>
+            </a:r>
+            <a:endParaRPr kumimoji="1" lang="zh-CN" altLang="en-US" sz="1400" dirty="0">
+              <a:latin typeface="Heiti SC Light" charset="-122"/>
+              <a:ea typeface="Heiti SC Light" charset="-122"/>
+              <a:cs typeface="Heiti SC Light" charset="-122"/>
+            </a:endParaRPr>
+          </a:p>
+        </p:txBody>
+      </p:sp>
+      <p:sp>
+        <p:nvSpPr>
+          <p:cNvPr id="97" name="可选流程 96"/>
+          <p:cNvSpPr/>
+          <p:nvPr/>
+        </p:nvSpPr>
+        <p:spPr>
+          <a:xfrm>
+            <a:off x="6850420" y="844864"/>
+            <a:ext cx="2469578" cy="586589"/>
+          </a:xfrm>
+          <a:prstGeom prst="flowChartAlternateProcess">
+            <a:avLst/>
+          </a:prstGeom>
+        </p:spPr>
+        <p:style>
+          <a:lnRef idx="0">
+            <a:schemeClr val="accent2"/>
+          </a:lnRef>
+          <a:fillRef idx="3">
+            <a:schemeClr val="accent2"/>
+          </a:fillRef>
+          <a:effectRef idx="3">
+            <a:schemeClr val="accent2"/>
+          </a:effectRef>
+          <a:fontRef idx="minor">
+            <a:schemeClr val="lt1"/>
+          </a:fontRef>
+        </p:style>
+        <p:txBody>
+          <a:bodyPr rtlCol="0" anchor="ctr"/>
+          <a:lstStyle/>
+          <a:p>
+            <a:pPr algn="ctr"/>
+            <a:r>
+              <a:rPr kumimoji="1" lang="zh-CN" altLang="en-US" sz="1400" dirty="0" smtClean="0">
+                <a:latin typeface="Heiti SC Light" charset="-122"/>
+                <a:ea typeface="Heiti SC Light" charset="-122"/>
+                <a:cs typeface="Heiti SC Light" charset="-122"/>
+              </a:rPr>
+              <a:t>执行器服务</a:t>
+            </a:r>
+            <a:r>
+              <a:rPr kumimoji="1" lang="en-US" altLang="zh-CN" sz="1400" dirty="0" smtClean="0">
+                <a:latin typeface="Heiti SC Light" charset="-122"/>
+                <a:ea typeface="Heiti SC Light" charset="-122"/>
+                <a:cs typeface="Heiti SC Light" charset="-122"/>
+              </a:rPr>
+              <a:t>(jetty)</a:t>
+            </a:r>
+            <a:endParaRPr kumimoji="1" lang="zh-CN" altLang="en-US" sz="1400" dirty="0">
+              <a:latin typeface="Heiti SC Light" charset="-122"/>
+              <a:ea typeface="Heiti SC Light" charset="-122"/>
+              <a:cs typeface="Heiti SC Light" charset="-122"/>
+            </a:endParaRPr>
+          </a:p>
+        </p:txBody>
+      </p:sp>
+      <p:cxnSp>
+        <p:nvCxnSpPr>
+          <p:cNvPr id="99" name="直线箭头连接符 98"/>
+          <p:cNvCxnSpPr>
+            <a:stCxn id="3" idx="3"/>
+          </p:cNvCxnSpPr>
+          <p:nvPr/>
+        </p:nvCxnSpPr>
+        <p:spPr>
+          <a:xfrm flipV="1">
+            <a:off x="5930468" y="1120818"/>
+            <a:ext cx="902673" cy="5455"/>
+          </a:xfrm>
+          <a:prstGeom prst="straightConnector1">
+            <a:avLst/>
+          </a:prstGeom>
+          <a:ln w="28575">
+            <a:prstDash val="sysDash"/>
+            <a:headEnd type="none" w="med" len="med"/>
+            <a:tailEnd type="arrow" w="med" len="med"/>
+          </a:ln>
+        </p:spPr>
+        <p:style>
+          <a:lnRef idx="2">
+            <a:schemeClr val="accent1"/>
+          </a:lnRef>
+          <a:fillRef idx="0">
+            <a:schemeClr val="accent1"/>
+          </a:fillRef>
+          <a:effectRef idx="1">
+            <a:schemeClr val="accent1"/>
+          </a:effectRef>
+          <a:fontRef idx="minor">
+            <a:schemeClr val="tx1"/>
+          </a:fontRef>
+        </p:style>
+      </p:cxnSp>
+      <p:sp>
+        <p:nvSpPr>
+          <p:cNvPr id="169" name="矩形 168"/>
+          <p:cNvSpPr/>
+          <p:nvPr/>
+        </p:nvSpPr>
+        <p:spPr>
+          <a:xfrm>
+            <a:off x="9740643" y="832978"/>
+            <a:ext cx="1588645" cy="3248072"/>
+          </a:xfrm>
+          <a:prstGeom prst="rect">
+            <a:avLst/>
+          </a:prstGeom>
+          <a:solidFill>
+            <a:srgbClr val="DEF7FF"/>
+          </a:solidFill>
+          <a:ln>
+            <a:noFill/>
+          </a:ln>
+        </p:spPr>
+        <p:style>
+          <a:lnRef idx="1">
+            <a:schemeClr val="accent1"/>
+          </a:lnRef>
+          <a:fillRef idx="2">
+            <a:schemeClr val="accent1"/>
+          </a:fillRef>
+          <a:effectRef idx="1">
+            <a:schemeClr val="accent1"/>
+          </a:effectRef>
+          <a:fontRef idx="minor">
+            <a:schemeClr val="dk1"/>
+          </a:fontRef>
+        </p:style>
+        <p:txBody>
+          <a:bodyPr anchor="b"/>
+          <a:lstStyle/>
+          <a:p>
+            <a:pPr algn="ctr">
+              <a:defRPr/>
+            </a:pPr>
+            <a:endParaRPr kumimoji="1" lang="zh-CN" altLang="en-US" sz="1600" b="1" dirty="0">
+              <a:latin typeface="Heiti SC Light" charset="-122"/>
+              <a:ea typeface="Heiti SC Light" charset="-122"/>
+              <a:cs typeface="Heiti SC Light" charset="-122"/>
+            </a:endParaRPr>
+          </a:p>
+        </p:txBody>
+      </p:sp>
+      <p:cxnSp>
+        <p:nvCxnSpPr>
+          <p:cNvPr id="171" name="直线箭头连接符 170"/>
+          <p:cNvCxnSpPr/>
+          <p:nvPr/>
+        </p:nvCxnSpPr>
+        <p:spPr>
+          <a:xfrm>
+            <a:off x="9367694" y="1187007"/>
+            <a:ext cx="355704" cy="3349"/>
+          </a:xfrm>
+          <a:prstGeom prst="straightConnector1">
+            <a:avLst/>
+          </a:prstGeom>
+          <a:ln w="28575">
+            <a:prstDash val="sysDash"/>
+            <a:headEnd type="none" w="med" len="med"/>
+            <a:tailEnd type="arrow" w="med" len="med"/>
+          </a:ln>
+        </p:spPr>
+        <p:style>
+          <a:lnRef idx="2">
+            <a:schemeClr val="accent1"/>
+          </a:lnRef>
+          <a:fillRef idx="0">
+            <a:schemeClr val="accent1"/>
+          </a:fillRef>
+          <a:effectRef idx="1">
+            <a:schemeClr val="accent1"/>
+          </a:effectRef>
+          <a:fontRef idx="minor">
+            <a:schemeClr val="tx1"/>
+          </a:fontRef>
+        </p:style>
+      </p:cxnSp>
+      <p:sp>
+        <p:nvSpPr>
+          <p:cNvPr id="177" name="矩形 176"/>
+          <p:cNvSpPr/>
+          <p:nvPr/>
+        </p:nvSpPr>
+        <p:spPr>
+          <a:xfrm>
+            <a:off x="6874533" y="3224448"/>
+            <a:ext cx="2445465" cy="856602"/>
+          </a:xfrm>
+          <a:prstGeom prst="rect">
+            <a:avLst/>
+          </a:prstGeom>
+          <a:solidFill>
+            <a:srgbClr val="DEF7FF"/>
+          </a:solidFill>
+          <a:ln>
+            <a:solidFill>
+              <a:srgbClr val="FFF2CD"/>
+            </a:solidFill>
+          </a:ln>
+        </p:spPr>
+        <p:style>
+          <a:lnRef idx="1">
+            <a:schemeClr val="accent1"/>
+          </a:lnRef>
+          <a:fillRef idx="2">
+            <a:schemeClr val="accent1"/>
+          </a:fillRef>
+          <a:effectRef idx="1">
+            <a:schemeClr val="accent1"/>
+          </a:effectRef>
+          <a:fontRef idx="minor">
+            <a:schemeClr val="dk1"/>
+          </a:fontRef>
+        </p:style>
+        <p:txBody>
+          <a:bodyPr anchor="b"/>
+          <a:lstStyle/>
+          <a:p>
+            <a:pPr algn="ctr">
+              <a:defRPr/>
+            </a:pPr>
+            <a:endParaRPr kumimoji="1" lang="zh-CN" altLang="en-US" sz="1600" b="1" dirty="0">
+              <a:latin typeface="Heiti SC Light" charset="-122"/>
+              <a:ea typeface="Heiti SC Light" charset="-122"/>
+              <a:cs typeface="Heiti SC Light" charset="-122"/>
+            </a:endParaRPr>
+          </a:p>
+        </p:txBody>
+      </p:sp>
+      <p:sp>
+        <p:nvSpPr>
+          <p:cNvPr id="178" name="磁盘 177"/>
+          <p:cNvSpPr/>
+          <p:nvPr/>
+        </p:nvSpPr>
+        <p:spPr>
+          <a:xfrm>
+            <a:off x="8115679" y="3330715"/>
+            <a:ext cx="1128362" cy="644066"/>
+          </a:xfrm>
+          <a:prstGeom prst="flowChartMagneticDisk">
+            <a:avLst/>
+          </a:prstGeom>
+        </p:spPr>
+        <p:style>
+          <a:lnRef idx="1">
+            <a:schemeClr val="accent4"/>
+          </a:lnRef>
+          <a:fillRef idx="2">
+            <a:schemeClr val="accent4"/>
+          </a:fillRef>
+          <a:effectRef idx="1">
+            <a:schemeClr val="accent4"/>
+          </a:effectRef>
+          <a:fontRef idx="minor">
+            <a:schemeClr val="dk1"/>
+          </a:fontRef>
+        </p:style>
+        <p:txBody>
+          <a:bodyPr rtlCol="0" anchor="ctr"/>
+          <a:lstStyle/>
+          <a:p>
+            <a:pPr algn="ctr"/>
+            <a:r>
+              <a:rPr kumimoji="1" lang="zh-CN" altLang="en-US" sz="1400" dirty="0" smtClean="0">
+                <a:latin typeface="Heiti SC Light" charset="-122"/>
+                <a:ea typeface="Heiti SC Light" charset="-122"/>
+                <a:cs typeface="Heiti SC Light" charset="-122"/>
+              </a:rPr>
+              <a:t>调度结果</a:t>
+            </a:r>
+          </a:p>
+          <a:p>
+            <a:pPr algn="ctr"/>
+            <a:r>
+              <a:rPr kumimoji="1" lang="en-US" altLang="zh-CN" sz="1400" dirty="0" smtClean="0">
+                <a:latin typeface="Heiti SC Light" charset="-122"/>
+                <a:ea typeface="Heiti SC Light" charset="-122"/>
+                <a:cs typeface="Heiti SC Light" charset="-122"/>
+              </a:rPr>
+              <a:t>(queue)</a:t>
+            </a:r>
+            <a:endParaRPr kumimoji="1" lang="zh-CN" altLang="en-US" sz="1400" dirty="0">
+              <a:latin typeface="Heiti SC Light" charset="-122"/>
+              <a:ea typeface="Heiti SC Light" charset="-122"/>
+              <a:cs typeface="Heiti SC Light" charset="-122"/>
+            </a:endParaRPr>
+          </a:p>
+        </p:txBody>
+      </p:sp>
+      <p:cxnSp>
+        <p:nvCxnSpPr>
+          <p:cNvPr id="185" name="直线箭头连接符 184"/>
+          <p:cNvCxnSpPr/>
+          <p:nvPr/>
+        </p:nvCxnSpPr>
+        <p:spPr>
+          <a:xfrm flipH="1">
+            <a:off x="5940012" y="2356487"/>
+            <a:ext cx="893129" cy="645"/>
+          </a:xfrm>
+          <a:prstGeom prst="straightConnector1">
+            <a:avLst/>
+          </a:prstGeom>
+          <a:ln w="28575">
+            <a:prstDash val="sysDash"/>
+            <a:headEnd type="none" w="med" len="med"/>
+            <a:tailEnd type="arrow" w="med" len="med"/>
+          </a:ln>
+        </p:spPr>
+        <p:style>
+          <a:lnRef idx="2">
+            <a:schemeClr val="accent1"/>
+          </a:lnRef>
+          <a:fillRef idx="0">
+            <a:schemeClr val="accent1"/>
+          </a:fillRef>
+          <a:effectRef idx="1">
+            <a:schemeClr val="accent1"/>
+          </a:effectRef>
+          <a:fontRef idx="minor">
+            <a:schemeClr val="tx1"/>
+          </a:fontRef>
+        </p:style>
+      </p:cxnSp>
+      <p:sp>
+        <p:nvSpPr>
+          <p:cNvPr id="194" name="可选流程 193"/>
+          <p:cNvSpPr/>
+          <p:nvPr/>
+        </p:nvSpPr>
+        <p:spPr>
+          <a:xfrm>
+            <a:off x="9907238" y="2193143"/>
+            <a:ext cx="1295671" cy="611595"/>
+          </a:xfrm>
+          <a:prstGeom prst="flowChartAlternateProcess">
+            <a:avLst/>
+          </a:prstGeom>
+          <a:solidFill>
+            <a:srgbClr val="4BACC6"/>
+          </a:solidFill>
+        </p:spPr>
+        <p:style>
+          <a:lnRef idx="0">
+            <a:schemeClr val="accent1"/>
+          </a:lnRef>
+          <a:fillRef idx="3">
+            <a:schemeClr val="accent1"/>
+          </a:fillRef>
+          <a:effectRef idx="3">
+            <a:schemeClr val="accent1"/>
+          </a:effectRef>
+          <a:fontRef idx="minor">
+            <a:schemeClr val="lt1"/>
+          </a:fontRef>
+        </p:style>
+        <p:txBody>
+          <a:bodyPr anchor="ctr"/>
+          <a:lstStyle/>
+          <a:p>
+            <a:pPr algn="ctr"/>
+            <a:r>
+              <a:rPr kumimoji="1" lang="en-US" altLang="zh-CN" sz="1400" dirty="0">
+                <a:latin typeface="Heiti SC Light" charset="-122"/>
+                <a:ea typeface="Heiti SC Light" charset="-122"/>
+                <a:cs typeface="Heiti SC Light" charset="-122"/>
+              </a:rPr>
+              <a:t>JobHandler</a:t>
+            </a:r>
+            <a:endParaRPr kumimoji="1" lang="zh-CN" altLang="en-US" sz="1400" dirty="0">
+              <a:latin typeface="Heiti SC Light" charset="-122"/>
+              <a:ea typeface="Heiti SC Light" charset="-122"/>
+              <a:cs typeface="Heiti SC Light" charset="-122"/>
+            </a:endParaRPr>
+          </a:p>
+        </p:txBody>
+      </p:sp>
+      <p:sp>
+        <p:nvSpPr>
+          <p:cNvPr id="195" name="可选流程 194"/>
+          <p:cNvSpPr/>
+          <p:nvPr/>
+        </p:nvSpPr>
+        <p:spPr>
+          <a:xfrm>
+            <a:off x="9907238" y="3253003"/>
+            <a:ext cx="1295671" cy="606434"/>
+          </a:xfrm>
+          <a:prstGeom prst="flowChartAlternateProcess">
+            <a:avLst/>
+          </a:prstGeom>
+          <a:solidFill>
+            <a:srgbClr val="4BACC6"/>
+          </a:solidFill>
+        </p:spPr>
+        <p:style>
+          <a:lnRef idx="0">
+            <a:schemeClr val="accent1"/>
+          </a:lnRef>
+          <a:fillRef idx="3">
+            <a:schemeClr val="accent1"/>
+          </a:fillRef>
+          <a:effectRef idx="3">
+            <a:schemeClr val="accent1"/>
+          </a:effectRef>
+          <a:fontRef idx="minor">
+            <a:schemeClr val="lt1"/>
+          </a:fontRef>
+        </p:style>
+        <p:txBody>
+          <a:bodyPr anchor="ctr"/>
+          <a:lstStyle/>
+          <a:p>
+            <a:pPr algn="ctr"/>
+            <a:r>
+              <a:rPr kumimoji="1" lang="zh-CN" altLang="en-US" sz="1400" dirty="0">
+                <a:latin typeface="Heiti SC Light" charset="-122"/>
+                <a:ea typeface="Heiti SC Light" charset="-122"/>
+                <a:cs typeface="Heiti SC Light" charset="-122"/>
+              </a:rPr>
+              <a:t>任务线程</a:t>
+            </a:r>
+          </a:p>
+        </p:txBody>
+      </p:sp>
+      <p:sp>
+        <p:nvSpPr>
+          <p:cNvPr id="196" name="磁盘 195"/>
+          <p:cNvSpPr/>
+          <p:nvPr/>
+        </p:nvSpPr>
+        <p:spPr>
+          <a:xfrm>
+            <a:off x="9904842" y="1079536"/>
+            <a:ext cx="1295671" cy="663886"/>
+          </a:xfrm>
+          <a:prstGeom prst="flowChartMagneticDisk">
+            <a:avLst/>
+          </a:prstGeom>
+        </p:spPr>
+        <p:style>
+          <a:lnRef idx="1">
+            <a:schemeClr val="accent4"/>
+          </a:lnRef>
+          <a:fillRef idx="2">
+            <a:schemeClr val="accent4"/>
+          </a:fillRef>
+          <a:effectRef idx="1">
+            <a:schemeClr val="accent4"/>
+          </a:effectRef>
+          <a:fontRef idx="minor">
+            <a:schemeClr val="dk1"/>
+          </a:fontRef>
+        </p:style>
+        <p:txBody>
+          <a:bodyPr anchor="ctr"/>
+          <a:lstStyle/>
+          <a:p>
+            <a:pPr algn="ctr"/>
+            <a:r>
+              <a:rPr kumimoji="1" lang="zh-CN" altLang="en-US" sz="1400" dirty="0">
+                <a:latin typeface="Heiti SC Light" charset="-122"/>
+                <a:ea typeface="Heiti SC Light" charset="-122"/>
+                <a:cs typeface="Heiti SC Light" charset="-122"/>
+              </a:rPr>
+              <a:t>调度请求</a:t>
+            </a:r>
+          </a:p>
+          <a:p>
+            <a:pPr algn="ctr"/>
+            <a:r>
+              <a:rPr kumimoji="1" lang="en-US" altLang="zh-CN" sz="1400" dirty="0">
+                <a:latin typeface="Heiti SC Light" charset="-122"/>
+                <a:ea typeface="Heiti SC Light" charset="-122"/>
+                <a:cs typeface="Heiti SC Light" charset="-122"/>
+              </a:rPr>
+              <a:t>(queue)</a:t>
+            </a:r>
+            <a:endParaRPr kumimoji="1" lang="zh-CN" altLang="en-US" sz="1400" dirty="0">
+              <a:latin typeface="Heiti SC Light" charset="-122"/>
+              <a:ea typeface="Heiti SC Light" charset="-122"/>
+              <a:cs typeface="Heiti SC Light" charset="-122"/>
+            </a:endParaRPr>
+          </a:p>
+        </p:txBody>
+      </p:sp>
+      <p:cxnSp>
+        <p:nvCxnSpPr>
+          <p:cNvPr id="207" name="直线箭头连接符 206"/>
+          <p:cNvCxnSpPr/>
+          <p:nvPr/>
+        </p:nvCxnSpPr>
+        <p:spPr>
+          <a:xfrm flipH="1" flipV="1">
+            <a:off x="5938417" y="3627371"/>
+            <a:ext cx="872707" cy="11641"/>
+          </a:xfrm>
+          <a:prstGeom prst="straightConnector1">
+            <a:avLst/>
+          </a:prstGeom>
+          <a:ln w="28575">
+            <a:prstDash val="sysDash"/>
+            <a:headEnd type="none" w="med" len="med"/>
+            <a:tailEnd type="arrow" w="med" len="med"/>
+          </a:ln>
+        </p:spPr>
+        <p:style>
+          <a:lnRef idx="2">
+            <a:schemeClr val="accent1"/>
+          </a:lnRef>
+          <a:fillRef idx="0">
+            <a:schemeClr val="accent1"/>
+          </a:fillRef>
+          <a:effectRef idx="1">
+            <a:schemeClr val="accent1"/>
+          </a:effectRef>
+          <a:fontRef idx="minor">
+            <a:schemeClr val="tx1"/>
+          </a:fontRef>
+        </p:style>
+      </p:cxnSp>
+      <p:sp>
+        <p:nvSpPr>
+          <p:cNvPr id="57" name="圆角矩形 56"/>
+          <p:cNvSpPr/>
+          <p:nvPr/>
+        </p:nvSpPr>
+        <p:spPr>
+          <a:xfrm>
+            <a:off x="9224192" y="4620762"/>
+            <a:ext cx="1990310" cy="567638"/>
+          </a:xfrm>
+          <a:prstGeom prst="roundRect">
+            <a:avLst/>
+          </a:prstGeom>
+          <a:solidFill>
+            <a:srgbClr val="58B8D1"/>
+          </a:solidFill>
+        </p:spPr>
+        <p:style>
+          <a:lnRef idx="0">
+            <a:schemeClr val="accent1"/>
+          </a:lnRef>
+          <a:fillRef idx="3">
+            <a:schemeClr val="accent1"/>
+          </a:fillRef>
+          <a:effectRef idx="3">
+            <a:schemeClr val="accent1"/>
+          </a:effectRef>
+          <a:fontRef idx="minor">
+            <a:schemeClr val="lt1"/>
+          </a:fontRef>
+        </p:style>
+        <p:txBody>
+          <a:bodyPr anchor="ctr"/>
+          <a:lstStyle/>
+          <a:p>
+            <a:pPr algn="ctr">
+              <a:defRPr/>
+            </a:pPr>
+            <a:r>
+              <a:rPr kumimoji="1" lang="zh-CN" altLang="en-US" sz="1400" dirty="0">
+                <a:latin typeface="Heiti SC Light" charset="-122"/>
+                <a:ea typeface="Heiti SC Light" charset="-122"/>
+                <a:cs typeface="Heiti SC Light" charset="-122"/>
+              </a:rPr>
+              <a:t>自研</a:t>
+            </a:r>
+            <a:r>
+              <a:rPr kumimoji="1" lang="en-US" altLang="zh-CN" sz="1400" dirty="0">
+                <a:latin typeface="Heiti SC Light" charset="-122"/>
+                <a:ea typeface="Heiti SC Light" charset="-122"/>
+                <a:cs typeface="Heiti SC Light" charset="-122"/>
+              </a:rPr>
+              <a:t>RPC</a:t>
+            </a:r>
+            <a:endParaRPr kumimoji="1" lang="zh-CN" altLang="en-US" sz="1400" dirty="0">
+              <a:latin typeface="Heiti SC Light" charset="-122"/>
+              <a:ea typeface="Heiti SC Light" charset="-122"/>
+              <a:cs typeface="Heiti SC Light" charset="-122"/>
+            </a:endParaRPr>
+          </a:p>
+        </p:txBody>
+      </p:sp>
+      <p:cxnSp>
+        <p:nvCxnSpPr>
+          <p:cNvPr id="52" name="直线箭头连接符 51"/>
+          <p:cNvCxnSpPr/>
+          <p:nvPr/>
+        </p:nvCxnSpPr>
+        <p:spPr>
+          <a:xfrm flipH="1" flipV="1">
+            <a:off x="5943168" y="4896551"/>
+            <a:ext cx="903294" cy="11119"/>
+          </a:xfrm>
+          <a:prstGeom prst="straightConnector1">
+            <a:avLst/>
+          </a:prstGeom>
+          <a:ln w="28575">
+            <a:prstDash val="sysDash"/>
+            <a:headEnd type="none" w="med" len="med"/>
+            <a:tailEnd type="arrow" w="med" len="med"/>
+          </a:ln>
+        </p:spPr>
+        <p:style>
+          <a:lnRef idx="2">
+            <a:schemeClr val="accent1"/>
+          </a:lnRef>
+          <a:fillRef idx="0">
+            <a:schemeClr val="accent1"/>
+          </a:fillRef>
+          <a:effectRef idx="1">
+            <a:schemeClr val="accent1"/>
+          </a:effectRef>
+          <a:fontRef idx="minor">
+            <a:schemeClr val="tx1"/>
+          </a:fontRef>
+        </p:style>
+      </p:cxnSp>
+      <p:sp>
+        <p:nvSpPr>
+          <p:cNvPr id="81" name="矩形 80"/>
+          <p:cNvSpPr/>
+          <p:nvPr/>
+        </p:nvSpPr>
+        <p:spPr>
+          <a:xfrm>
+            <a:off x="6861591" y="1940899"/>
+            <a:ext cx="2458407" cy="856602"/>
+          </a:xfrm>
+          <a:prstGeom prst="rect">
+            <a:avLst/>
+          </a:prstGeom>
+          <a:solidFill>
+            <a:srgbClr val="E0EBFF"/>
+          </a:solidFill>
+          <a:ln>
+            <a:solidFill>
+              <a:srgbClr val="FFF2CD"/>
+            </a:solidFill>
+          </a:ln>
+        </p:spPr>
+        <p:style>
+          <a:lnRef idx="1">
+            <a:schemeClr val="accent1"/>
+          </a:lnRef>
+          <a:fillRef idx="2">
+            <a:schemeClr val="accent1"/>
+          </a:fillRef>
+          <a:effectRef idx="1">
+            <a:schemeClr val="accent1"/>
+          </a:effectRef>
+          <a:fontRef idx="minor">
+            <a:schemeClr val="dk1"/>
+          </a:fontRef>
+        </p:style>
+        <p:txBody>
+          <a:bodyPr anchor="b"/>
+          <a:lstStyle/>
+          <a:p>
+            <a:pPr algn="ctr">
+              <a:defRPr/>
+            </a:pPr>
+            <a:endParaRPr kumimoji="1" lang="zh-CN" altLang="en-US" sz="1600" b="1" dirty="0">
+              <a:latin typeface="Heiti SC Light" charset="-122"/>
+              <a:ea typeface="Heiti SC Light" charset="-122"/>
+              <a:cs typeface="Heiti SC Light" charset="-122"/>
+            </a:endParaRPr>
+          </a:p>
+        </p:txBody>
+      </p:sp>
+      <p:sp>
+        <p:nvSpPr>
+          <p:cNvPr id="82" name="多文档 81"/>
+          <p:cNvSpPr/>
+          <p:nvPr/>
+        </p:nvSpPr>
+        <p:spPr>
+          <a:xfrm>
+            <a:off x="8102736" y="2034466"/>
+            <a:ext cx="1128362" cy="644066"/>
+          </a:xfrm>
+          <a:prstGeom prst="flowChartMultidocument">
+            <a:avLst/>
+          </a:prstGeom>
+        </p:spPr>
+        <p:style>
+          <a:lnRef idx="1">
+            <a:schemeClr val="accent3"/>
+          </a:lnRef>
+          <a:fillRef idx="2">
+            <a:schemeClr val="accent3"/>
+          </a:fillRef>
+          <a:effectRef idx="1">
+            <a:schemeClr val="accent3"/>
+          </a:effectRef>
+          <a:fontRef idx="minor">
+            <a:schemeClr val="dk1"/>
+          </a:fontRef>
+        </p:style>
+        <p:txBody>
+          <a:bodyPr rtlCol="0" anchor="ctr"/>
+          <a:lstStyle/>
+          <a:p>
+            <a:pPr algn="ctr">
+              <a:defRPr/>
+            </a:pPr>
+            <a:r>
+              <a:rPr kumimoji="1" lang="zh-CN" altLang="en-US" sz="1400" dirty="0">
+                <a:latin typeface="Heiti SC Light" charset="-122"/>
+                <a:ea typeface="Heiti SC Light" charset="-122"/>
+                <a:cs typeface="Heiti SC Light" charset="-122"/>
+              </a:rPr>
+              <a:t>执行日志</a:t>
+            </a:r>
+          </a:p>
+          <a:p>
+            <a:pPr algn="ctr">
+              <a:defRPr/>
+            </a:pPr>
+            <a:r>
+              <a:rPr kumimoji="1" lang="en-US" altLang="zh-CN" sz="1400" dirty="0">
+                <a:latin typeface="Heiti SC Light" charset="-122"/>
+                <a:ea typeface="Heiti SC Light" charset="-122"/>
+                <a:cs typeface="Heiti SC Light" charset="-122"/>
+              </a:rPr>
+              <a:t>(Log</a:t>
+            </a:r>
+            <a:r>
+              <a:rPr kumimoji="1" lang="zh-CN" altLang="en-US" sz="1400" dirty="0">
+                <a:latin typeface="Heiti SC Light" charset="-122"/>
+                <a:ea typeface="Heiti SC Light" charset="-122"/>
+                <a:cs typeface="Heiti SC Light" charset="-122"/>
+              </a:rPr>
+              <a:t>文件</a:t>
+            </a:r>
+            <a:r>
+              <a:rPr kumimoji="1" lang="en-US" altLang="zh-CN" sz="1400" dirty="0">
+                <a:latin typeface="Heiti SC Light" charset="-122"/>
+                <a:ea typeface="Heiti SC Light" charset="-122"/>
+                <a:cs typeface="Heiti SC Light" charset="-122"/>
+              </a:rPr>
+              <a:t>)</a:t>
+            </a:r>
+            <a:endParaRPr kumimoji="1" lang="zh-CN" altLang="en-US" sz="1400" dirty="0">
+              <a:latin typeface="Heiti SC Light" charset="-122"/>
+              <a:ea typeface="Heiti SC Light" charset="-122"/>
+              <a:cs typeface="Heiti SC Light" charset="-122"/>
+            </a:endParaRPr>
+          </a:p>
+        </p:txBody>
+      </p:sp>
+      <p:sp>
+        <p:nvSpPr>
+          <p:cNvPr id="102" name="圆角矩形 101"/>
+          <p:cNvSpPr/>
+          <p:nvPr/>
+        </p:nvSpPr>
+        <p:spPr>
+          <a:xfrm>
+            <a:off x="6959119" y="3361483"/>
+            <a:ext cx="1074713" cy="575198"/>
+          </a:xfrm>
+          <a:prstGeom prst="roundRect">
+            <a:avLst/>
+          </a:prstGeom>
+          <a:solidFill>
+            <a:srgbClr val="58B8D1"/>
+          </a:solidFill>
+        </p:spPr>
+        <p:style>
+          <a:lnRef idx="0">
+            <a:schemeClr val="accent1"/>
+          </a:lnRef>
+          <a:fillRef idx="3">
+            <a:schemeClr val="accent1"/>
+          </a:fillRef>
+          <a:effectRef idx="3">
+            <a:schemeClr val="accent1"/>
+          </a:effectRef>
+          <a:fontRef idx="minor">
+            <a:schemeClr val="lt1"/>
+          </a:fontRef>
+        </p:style>
+        <p:txBody>
+          <a:bodyPr anchor="ctr"/>
+          <a:lstStyle/>
+          <a:p>
+            <a:pPr algn="ctr"/>
+            <a:r>
+              <a:rPr kumimoji="1" lang="zh-CN" altLang="en-US" sz="1400" dirty="0">
+                <a:latin typeface="Heiti SC Light" charset="-122"/>
+                <a:ea typeface="Heiti SC Light" charset="-122"/>
+                <a:cs typeface="Heiti SC Light" charset="-122"/>
+              </a:rPr>
+              <a:t>回调线程</a:t>
+            </a:r>
+          </a:p>
+        </p:txBody>
+      </p:sp>
+      <p:cxnSp>
+        <p:nvCxnSpPr>
+          <p:cNvPr id="118" name="直线箭头连接符 117"/>
+          <p:cNvCxnSpPr/>
+          <p:nvPr/>
+        </p:nvCxnSpPr>
+        <p:spPr>
+          <a:xfrm flipH="1">
+            <a:off x="9337243" y="2378430"/>
+            <a:ext cx="366394" cy="3349"/>
+          </a:xfrm>
+          <a:prstGeom prst="straightConnector1">
+            <a:avLst/>
+          </a:prstGeom>
+          <a:ln w="28575">
+            <a:prstDash val="sysDash"/>
+            <a:headEnd type="none" w="med" len="med"/>
+            <a:tailEnd type="arrow" w="med" len="med"/>
+          </a:ln>
+        </p:spPr>
+        <p:style>
+          <a:lnRef idx="2">
+            <a:schemeClr val="accent1"/>
+          </a:lnRef>
+          <a:fillRef idx="0">
+            <a:schemeClr val="accent1"/>
+          </a:fillRef>
+          <a:effectRef idx="1">
+            <a:schemeClr val="accent1"/>
+          </a:effectRef>
+          <a:fontRef idx="minor">
+            <a:schemeClr val="tx1"/>
+          </a:fontRef>
+        </p:style>
+      </p:cxnSp>
+      <p:cxnSp>
+        <p:nvCxnSpPr>
+          <p:cNvPr id="120" name="直线箭头连接符 119"/>
+          <p:cNvCxnSpPr/>
+          <p:nvPr/>
+        </p:nvCxnSpPr>
+        <p:spPr>
+          <a:xfrm flipH="1">
+            <a:off x="9337243" y="3661114"/>
+            <a:ext cx="366394" cy="3349"/>
+          </a:xfrm>
+          <a:prstGeom prst="straightConnector1">
+            <a:avLst/>
+          </a:prstGeom>
+          <a:ln w="28575">
+            <a:prstDash val="sysDash"/>
+            <a:headEnd type="none" w="med" len="med"/>
+            <a:tailEnd type="arrow" w="med" len="med"/>
+          </a:ln>
+        </p:spPr>
+        <p:style>
+          <a:lnRef idx="2">
+            <a:schemeClr val="accent1"/>
+          </a:lnRef>
+          <a:fillRef idx="0">
+            <a:schemeClr val="accent1"/>
+          </a:fillRef>
+          <a:effectRef idx="1">
+            <a:schemeClr val="accent1"/>
+          </a:effectRef>
+          <a:fontRef idx="minor">
+            <a:schemeClr val="tx1"/>
+          </a:fontRef>
+        </p:style>
+      </p:cxnSp>
+      <p:sp>
+        <p:nvSpPr>
+          <p:cNvPr id="121" name="可选流程 120"/>
+          <p:cNvSpPr/>
+          <p:nvPr/>
+        </p:nvSpPr>
+        <p:spPr>
+          <a:xfrm>
+            <a:off x="4275442" y="2073176"/>
+            <a:ext cx="1654126" cy="582276"/>
+          </a:xfrm>
+          <a:prstGeom prst="flowChartAlternateProcess">
+            <a:avLst/>
+          </a:prstGeom>
+          <a:solidFill>
+            <a:srgbClr val="6095C9"/>
+          </a:solidFill>
+        </p:spPr>
+        <p:style>
+          <a:lnRef idx="0">
+            <a:schemeClr val="accent1"/>
+          </a:lnRef>
+          <a:fillRef idx="3">
+            <a:schemeClr val="accent1"/>
+          </a:fillRef>
+          <a:effectRef idx="3">
+            <a:schemeClr val="accent1"/>
+          </a:effectRef>
+          <a:fontRef idx="minor">
+            <a:schemeClr val="lt1"/>
+          </a:fontRef>
+        </p:style>
+        <p:txBody>
+          <a:bodyPr anchor="ctr"/>
+          <a:lstStyle/>
+          <a:p>
+            <a:pPr algn="ctr">
+              <a:defRPr/>
+            </a:pPr>
+            <a:r>
+              <a:rPr kumimoji="1" lang="en-US" altLang="zh-CN" sz="1400" dirty="0">
+                <a:latin typeface="Heiti SC Light" charset="-122"/>
+                <a:ea typeface="Heiti SC Light" charset="-122"/>
+                <a:cs typeface="Heiti SC Light" charset="-122"/>
+              </a:rPr>
+              <a:t>Rolling</a:t>
+            </a:r>
+            <a:r>
+              <a:rPr kumimoji="1" lang="zh-CN" altLang="en-US" sz="1400" dirty="0">
+                <a:latin typeface="Heiti SC Light" charset="-122"/>
+                <a:ea typeface="Heiti SC Light" charset="-122"/>
+                <a:cs typeface="Heiti SC Light" charset="-122"/>
+              </a:rPr>
+              <a:t>日志</a:t>
+            </a:r>
+          </a:p>
+          <a:p>
+            <a:pPr algn="ctr">
+              <a:defRPr/>
+            </a:pPr>
+            <a:r>
+              <a:rPr kumimoji="1" lang="en-US" altLang="zh-CN" sz="1400" dirty="0">
+                <a:latin typeface="Heiti SC Light" charset="-122"/>
+                <a:ea typeface="Heiti SC Light" charset="-122"/>
+                <a:cs typeface="Heiti SC Light" charset="-122"/>
+              </a:rPr>
+              <a:t>(</a:t>
+            </a:r>
+            <a:r>
+              <a:rPr kumimoji="1" lang="zh-CN" altLang="en-US" sz="1400" dirty="0">
+                <a:latin typeface="Heiti SC Light" charset="-122"/>
+                <a:ea typeface="Heiti SC Light" charset="-122"/>
+                <a:cs typeface="Heiti SC Light" charset="-122"/>
+              </a:rPr>
+              <a:t>实时</a:t>
+            </a:r>
+            <a:r>
+              <a:rPr kumimoji="1" lang="en-US" altLang="zh-CN" sz="1400" dirty="0">
+                <a:latin typeface="Heiti SC Light" charset="-122"/>
+                <a:ea typeface="Heiti SC Light" charset="-122"/>
+                <a:cs typeface="Heiti SC Light" charset="-122"/>
+              </a:rPr>
+              <a:t>)</a:t>
+            </a:r>
+            <a:endParaRPr kumimoji="1" lang="zh-CN" altLang="en-US" sz="1400" dirty="0">
+              <a:latin typeface="Heiti SC Light" charset="-122"/>
+              <a:ea typeface="Heiti SC Light" charset="-122"/>
+              <a:cs typeface="Heiti SC Light" charset="-122"/>
+            </a:endParaRPr>
+          </a:p>
+        </p:txBody>
+      </p:sp>
+      <p:sp>
+        <p:nvSpPr>
+          <p:cNvPr id="122" name="可选流程 121"/>
+          <p:cNvSpPr/>
+          <p:nvPr/>
+        </p:nvSpPr>
+        <p:spPr>
+          <a:xfrm>
+            <a:off x="6959118" y="2073918"/>
+            <a:ext cx="1074713" cy="580685"/>
+          </a:xfrm>
+          <a:prstGeom prst="flowChartAlternateProcess">
+            <a:avLst/>
+          </a:prstGeom>
+          <a:solidFill>
+            <a:srgbClr val="6095C9"/>
+          </a:solidFill>
+        </p:spPr>
+        <p:style>
+          <a:lnRef idx="0">
+            <a:schemeClr val="accent1"/>
+          </a:lnRef>
+          <a:fillRef idx="3">
+            <a:schemeClr val="accent1"/>
+          </a:fillRef>
+          <a:effectRef idx="3">
+            <a:schemeClr val="accent1"/>
+          </a:effectRef>
+          <a:fontRef idx="minor">
+            <a:schemeClr val="lt1"/>
+          </a:fontRef>
+        </p:style>
+        <p:txBody>
+          <a:bodyPr anchor="ctr"/>
+          <a:lstStyle/>
+          <a:p>
+            <a:pPr algn="ctr">
+              <a:defRPr/>
+            </a:pPr>
+            <a:r>
+              <a:rPr kumimoji="1" lang="zh-CN" altLang="en-US" sz="1400" dirty="0">
+                <a:latin typeface="Heiti SC Light" charset="-122"/>
+                <a:ea typeface="Heiti SC Light" charset="-122"/>
+                <a:cs typeface="Heiti SC Light" charset="-122"/>
+              </a:rPr>
+              <a:t>日志服务</a:t>
+            </a:r>
+          </a:p>
+          <a:p>
+            <a:pPr algn="ctr">
+              <a:defRPr/>
+            </a:pPr>
+            <a:r>
+              <a:rPr kumimoji="1" lang="en-US" altLang="zh-CN" sz="1400" dirty="0">
+                <a:latin typeface="Heiti SC Light" charset="-122"/>
+                <a:ea typeface="Heiti SC Light" charset="-122"/>
+                <a:cs typeface="Heiti SC Light" charset="-122"/>
+              </a:rPr>
+              <a:t>(jetty)</a:t>
+            </a:r>
+            <a:endParaRPr kumimoji="1" lang="zh-CN" altLang="en-US" sz="1400" dirty="0">
+              <a:latin typeface="Heiti SC Light" charset="-122"/>
+              <a:ea typeface="Heiti SC Light" charset="-122"/>
+              <a:cs typeface="Heiti SC Light" charset="-122"/>
+            </a:endParaRPr>
+          </a:p>
+        </p:txBody>
+      </p:sp>
+      <p:sp>
+        <p:nvSpPr>
+          <p:cNvPr id="2" name="矩形 1"/>
+          <p:cNvSpPr/>
+          <p:nvPr/>
+        </p:nvSpPr>
+        <p:spPr>
+          <a:xfrm>
+            <a:off x="4540789" y="5792686"/>
+            <a:ext cx="3708051" cy="523220"/>
+          </a:xfrm>
+          <a:prstGeom prst="rect">
+            <a:avLst/>
+          </a:prstGeom>
+        </p:spPr>
+        <p:txBody>
+          <a:bodyPr wrap="square">
+            <a:spAutoFit/>
+          </a:bodyPr>
+          <a:lstStyle/>
+          <a:p>
+            <a:pPr algn="ctr"/>
+            <a:r>
+              <a:rPr lang="en-US" altLang="zh-CN" sz="2800" b="1" dirty="0">
+                <a:latin typeface="Heiti SC Light" charset="-122"/>
+                <a:ea typeface="Heiti SC Light" charset="-122"/>
+                <a:cs typeface="Heiti SC Light" charset="-122"/>
+              </a:rPr>
+              <a:t>XXL-JOB</a:t>
+            </a:r>
+            <a:r>
+              <a:rPr lang="zh-CN" altLang="en-US" sz="2800" b="1" dirty="0">
+                <a:latin typeface="Heiti SC Light" charset="-122"/>
+                <a:ea typeface="Heiti SC Light" charset="-122"/>
+                <a:cs typeface="Heiti SC Light" charset="-122"/>
+              </a:rPr>
+              <a:t>架构图 </a:t>
+            </a:r>
+            <a:r>
+              <a:rPr lang="en-US" altLang="zh-CN" sz="2800" b="1" dirty="0">
+                <a:latin typeface="Heiti SC Light" charset="-122"/>
+                <a:ea typeface="Heiti SC Light" charset="-122"/>
+                <a:cs typeface="Heiti SC Light" charset="-122"/>
+              </a:rPr>
+              <a:t>v1.9</a:t>
+            </a:r>
+            <a:endParaRPr lang="en-US" altLang="zh-CN" sz="2800" b="1" dirty="0">
+              <a:latin typeface="Heiti SC Light" charset="-122"/>
+              <a:ea typeface="Heiti SC Light" charset="-122"/>
+              <a:cs typeface="Heiti SC Light" charset="-122"/>
+            </a:endParaRPr>
+          </a:p>
+        </p:txBody>
+      </p:sp>
+    </p:spTree>
+    <p:extLst>
+      <p:ext uri="{BB962C8B-B14F-4D97-AF65-F5344CB8AC3E}">
+        <p14:creationId xmlns:p14="http://schemas.microsoft.com/office/powerpoint/2010/main" val="1784905200"/>
+      </p:ext>
+    </p:extLst>
+  </p:cSld>
+  <p:clrMapOvr>
+    <a:masterClrMapping/>
+  </p:clrMapOvr>
+  <p:timing>
+    <p:tnLst>
+      <p:par>
+        <p:cTn id="1" dur="indefinite" restart="never" nodeType="tmRoot"/>
+      </p:par>
+    </p:tnLst>
+  </p:timing>
+</p:sld>
+</file>
+
+<file path=ppt/slides/slide7.xml><?xml version="1.0" encoding="utf-8"?>
 <p:sld xmlns:a="http://schemas.openxmlformats.org/drawingml/2006/main" xmlns:r="http://schemas.openxmlformats.org/officeDocument/2006/relationships" xmlns:p="http://schemas.openxmlformats.org/presentationml/2006/main">
   <p:cSld>
     <p:spTree>

--- a/doc/XXL-JOB架构图.pptx
+++ b/doc/XXL-JOB架构图.pptx
@@ -1,20 +1,21 @@
 
 <file path=ppt/presentation.xml><?xml version="1.0" encoding="utf-8"?>
-<p:presentation xmlns:a="http://schemas.openxmlformats.org/drawingml/2006/main" xmlns:r="http://schemas.openxmlformats.org/officeDocument/2006/relationships" xmlns:p="http://schemas.openxmlformats.org/presentationml/2006/main" saveSubsetFonts="1">
+<p:presentation xmlns:a="http://schemas.openxmlformats.org/drawingml/2006/main" xmlns:r="http://schemas.openxmlformats.org/officeDocument/2006/relationships" xmlns:p="http://schemas.openxmlformats.org/presentationml/2006/main">
   <p:sldMasterIdLst>
     <p:sldMasterId id="2147483648" r:id="rId1"/>
   </p:sldMasterIdLst>
   <p:notesMasterIdLst>
-    <p:notesMasterId r:id="rId9"/>
+    <p:notesMasterId r:id="rId5"/>
   </p:notesMasterIdLst>
   <p:sldIdLst>
-    <p:sldId id="259" r:id="rId2"/>
-    <p:sldId id="258" r:id="rId3"/>
-    <p:sldId id="260" r:id="rId4"/>
-    <p:sldId id="261" r:id="rId5"/>
-    <p:sldId id="262" r:id="rId6"/>
-    <p:sldId id="264" r:id="rId7"/>
-    <p:sldId id="263" r:id="rId8"/>
+    <p:sldId id="259" r:id="rId3"/>
+    <p:sldId id="258" r:id="rId4"/>
+    <p:sldId id="260" r:id="rId6"/>
+    <p:sldId id="261" r:id="rId7"/>
+    <p:sldId id="262" r:id="rId8"/>
+    <p:sldId id="264" r:id="rId9"/>
+    <p:sldId id="266" r:id="rId10"/>
+    <p:sldId id="263" r:id="rId11"/>
   </p:sldIdLst>
   <p:sldSz cx="12192000" cy="6858000"/>
   <p:notesSz cx="6858000" cy="9144000"/>
@@ -113,11 +114,6 @@
       </a:defRPr>
     </a:lvl9pPr>
   </p:defaultTextStyle>
-  <p:extLst>
-    <p:ext uri="{EFAFB233-063F-42B5-8137-9DF3F51BA10A}">
-      <p15:sldGuideLst xmlns:p15="http://schemas.microsoft.com/office/powerpoint/2012/main"/>
-    </p:ext>
-  </p:extLst>
 </p:presentation>
 </file>
 
@@ -203,7 +199,6 @@
           <a:p>
             <a:fld id="{D2A48B96-639E-45A3-A0BA-2464DFDB1FAA}" type="datetimeFigureOut">
               <a:rPr lang="zh-CN" altLang="en-US" smtClean="0"/>
-              <a:t>18/1/3</a:t>
             </a:fld>
             <a:endParaRPr lang="zh-CN" altLang="en-US"/>
           </a:p>
@@ -270,6 +265,7 @@
               <a:rPr lang="zh-CN" altLang="en-US" smtClean="0"/>
               <a:t>单击此处编辑母版文本样式</a:t>
             </a:r>
+            <a:endParaRPr lang="zh-CN" altLang="en-US" smtClean="0"/>
           </a:p>
           <a:p>
             <a:pPr lvl="1"/>
@@ -277,6 +273,7 @@
               <a:rPr lang="zh-CN" altLang="en-US" smtClean="0"/>
               <a:t>第二级</a:t>
             </a:r>
+            <a:endParaRPr lang="zh-CN" altLang="en-US" smtClean="0"/>
           </a:p>
           <a:p>
             <a:pPr lvl="2"/>
@@ -284,6 +281,7 @@
               <a:rPr lang="zh-CN" altLang="en-US" smtClean="0"/>
               <a:t>第三级</a:t>
             </a:r>
+            <a:endParaRPr lang="zh-CN" altLang="en-US" smtClean="0"/>
           </a:p>
           <a:p>
             <a:pPr lvl="3"/>
@@ -291,6 +289,7 @@
               <a:rPr lang="zh-CN" altLang="en-US" smtClean="0"/>
               <a:t>第四级</a:t>
             </a:r>
+            <a:endParaRPr lang="zh-CN" altLang="en-US" smtClean="0"/>
           </a:p>
           <a:p>
             <a:pPr lvl="4"/>
@@ -362,18 +361,12 @@
           <a:p>
             <a:fld id="{A6837353-30EB-4A48-80EB-173D804AEFBD}" type="slidenum">
               <a:rPr lang="zh-CN" altLang="en-US" smtClean="0"/>
-              <a:t>‹#›</a:t>
             </a:fld>
             <a:endParaRPr lang="zh-CN" altLang="en-US"/>
           </a:p>
         </p:txBody>
       </p:sp>
     </p:spTree>
-    <p:extLst>
-      <p:ext uri="{BB962C8B-B14F-4D97-AF65-F5344CB8AC3E}">
-        <p14:creationId xmlns:p14="http://schemas.microsoft.com/office/powerpoint/2010/main" val="286566454"/>
-      </p:ext>
-    </p:extLst>
   </p:cSld>
   <p:clrMap bg1="lt1" tx1="dk1" bg2="lt2" tx2="dk2" accent1="accent1" accent2="accent2" accent3="accent3" accent4="accent4" accent5="accent5" accent6="accent6" hlink="hlink" folHlink="folHlink"/>
   <p:notesStyle>
@@ -520,11 +513,6 @@
         </p:txBody>
       </p:sp>
     </p:spTree>
-    <p:extLst>
-      <p:ext uri="{BB962C8B-B14F-4D97-AF65-F5344CB8AC3E}">
-        <p14:creationId xmlns:p14="http://schemas.microsoft.com/office/powerpoint/2010/main" val="1664055804"/>
-      </p:ext>
-    </p:extLst>
   </p:cSld>
   <p:clrMapOvr>
     <a:masterClrMapping/>
@@ -597,18 +585,12 @@
           <a:p>
             <a:fld id="{A6837353-30EB-4A48-80EB-173D804AEFBD}" type="slidenum">
               <a:rPr lang="zh-CN" altLang="en-US" smtClean="0"/>
-              <a:t>3</a:t>
             </a:fld>
             <a:endParaRPr lang="zh-CN" altLang="en-US"/>
           </a:p>
         </p:txBody>
       </p:sp>
     </p:spTree>
-    <p:extLst>
-      <p:ext uri="{BB962C8B-B14F-4D97-AF65-F5344CB8AC3E}">
-        <p14:creationId xmlns:p14="http://schemas.microsoft.com/office/powerpoint/2010/main" val="206346378"/>
-      </p:ext>
-    </p:extLst>
   </p:cSld>
   <p:clrMapOvr>
     <a:masterClrMapping/>
@@ -650,8 +632,6 @@
               <a:srgbClr val="000000"/>
             </a:solidFill>
             <a:miter lim="800000"/>
-            <a:headEnd/>
-            <a:tailEnd/>
           </a:ln>
           <a:extLst>
             <a:ext uri="{909E8E84-426E-40DD-AFC4-6F175D3DCCD1}">
@@ -661,9 +641,6 @@
                 </a:solidFill>
               </a14:hiddenFill>
             </a:ext>
-            <a:ext uri="{FAA26D3D-D897-4be2-8F04-BA451C77F1D7}">
-              <ma14:placeholderFlag xmlns:ma14="http://schemas.microsoft.com/office/mac/drawingml/2011/main" val="1"/>
-            </a:ext>
           </a:extLst>
         </p:spPr>
       </p:sp>
@@ -675,52 +652,6 @@
           </p:cNvSpPr>
           <p:nvPr>
             <p:ph type="body" idx="1"/>
-          </p:nvPr>
-        </p:nvSpPr>
-        <p:spPr bwMode="auto">
-          <a:noFill/>
-          <a:extLst>
-            <a:ext uri="{909E8E84-426E-40DD-AFC4-6F175D3DCCD1}">
-              <a14:hiddenFill xmlns:a14="http://schemas.microsoft.com/office/drawing/2010/main">
-                <a:solidFill>
-                  <a:srgbClr val="FFFFFF"/>
-                </a:solidFill>
-              </a14:hiddenFill>
-            </a:ext>
-            <a:ext uri="{91240B29-F687-4F45-9708-019B960494DF}">
-              <a14:hiddenLine xmlns:a14="http://schemas.microsoft.com/office/drawing/2010/main" w="9525">
-                <a:solidFill>
-                  <a:srgbClr val="000000"/>
-                </a:solidFill>
-                <a:miter lim="800000"/>
-                <a:headEnd/>
-                <a:tailEnd/>
-              </a14:hiddenLine>
-            </a:ext>
-            <a:ext uri="{FAA26D3D-D897-4be2-8F04-BA451C77F1D7}">
-              <ma14:placeholderFlag xmlns:ma14="http://schemas.microsoft.com/office/mac/drawingml/2011/main" val="1"/>
-            </a:ext>
-          </a:extLst>
-        </p:spPr>
-        <p:txBody>
-          <a:bodyPr/>
-          <a:lstStyle/>
-          <a:p>
-            <a:endParaRPr kumimoji="0" lang="zh-CN" altLang="en-US" dirty="0">
-              <a:latin typeface="Arial" charset="0"/>
-              <a:ea typeface="ＭＳ Ｐゴシック" charset="-128"/>
-            </a:endParaRPr>
-          </a:p>
-        </p:txBody>
-      </p:sp>
-      <p:sp>
-        <p:nvSpPr>
-          <p:cNvPr id="8195" name="灯片编号占位符 3"/>
-          <p:cNvSpPr>
-            <a:spLocks noGrp="1"/>
-          </p:cNvSpPr>
-          <p:nvPr>
-            <p:ph type="sldNum" sz="quarter" idx="5"/>
           </p:nvPr>
         </p:nvSpPr>
         <p:spPr bwMode="auto">
@@ -747,14 +678,57 @@
         </p:spPr>
         <p:txBody>
           <a:bodyPr/>
+          <a:lstStyle/>
+          <a:p>
+            <a:endParaRPr kumimoji="0" lang="zh-CN" altLang="en-US" dirty="0">
+              <a:latin typeface="Arial" panose="020B0604020202020204" pitchFamily="34" charset="0"/>
+              <a:ea typeface="MS PGothic" panose="020B0600070205080204" charset="-128"/>
+            </a:endParaRPr>
+          </a:p>
+        </p:txBody>
+      </p:sp>
+      <p:sp>
+        <p:nvSpPr>
+          <p:cNvPr id="8195" name="灯片编号占位符 3"/>
+          <p:cNvSpPr>
+            <a:spLocks noGrp="1"/>
+          </p:cNvSpPr>
+          <p:nvPr>
+            <p:ph type="sldNum" sz="quarter" idx="5"/>
+          </p:nvPr>
+        </p:nvSpPr>
+        <p:spPr bwMode="auto">
+          <a:noFill/>
+          <a:extLst>
+            <a:ext uri="{909E8E84-426E-40DD-AFC4-6F175D3DCCD1}">
+              <a14:hiddenFill xmlns:a14="http://schemas.microsoft.com/office/drawing/2010/main">
+                <a:solidFill>
+                  <a:srgbClr val="FFFFFF"/>
+                </a:solidFill>
+              </a14:hiddenFill>
+            </a:ext>
+            <a:ext uri="{91240B29-F687-4F45-9708-019B960494DF}">
+              <a14:hiddenLine xmlns:a14="http://schemas.microsoft.com/office/drawing/2010/main" w="9525">
+                <a:solidFill>
+                  <a:srgbClr val="000000"/>
+                </a:solidFill>
+                <a:miter lim="800000"/>
+                <a:headEnd/>
+                <a:tailEnd/>
+              </a14:hiddenLine>
+            </a:ext>
+          </a:extLst>
+        </p:spPr>
+        <p:txBody>
+          <a:bodyPr/>
           <a:lstStyle>
             <a:lvl1pPr>
               <a:defRPr sz="2400">
                 <a:solidFill>
                   <a:schemeClr val="tx1"/>
                 </a:solidFill>
-                <a:latin typeface="Arial" charset="0"/>
-                <a:ea typeface="宋体" charset="0"/>
+                <a:latin typeface="Arial" panose="020B0604020202020204" pitchFamily="34" charset="0"/>
+                <a:ea typeface="宋体" panose="02010600030101010101" pitchFamily="2" charset="-122"/>
               </a:defRPr>
             </a:lvl1pPr>
             <a:lvl2pPr marL="742950" indent="-285750">
@@ -762,8 +736,8 @@
                 <a:solidFill>
                   <a:schemeClr val="tx1"/>
                 </a:solidFill>
-                <a:latin typeface="Arial" charset="0"/>
-                <a:ea typeface="宋体" charset="0"/>
+                <a:latin typeface="Arial" panose="020B0604020202020204" pitchFamily="34" charset="0"/>
+                <a:ea typeface="宋体" panose="02010600030101010101" pitchFamily="2" charset="-122"/>
               </a:defRPr>
             </a:lvl2pPr>
             <a:lvl3pPr marL="1143000" indent="-228600">
@@ -771,8 +745,8 @@
                 <a:solidFill>
                   <a:schemeClr val="tx1"/>
                 </a:solidFill>
-                <a:latin typeface="Arial" charset="0"/>
-                <a:ea typeface="宋体" charset="0"/>
+                <a:latin typeface="Arial" panose="020B0604020202020204" pitchFamily="34" charset="0"/>
+                <a:ea typeface="宋体" panose="02010600030101010101" pitchFamily="2" charset="-122"/>
               </a:defRPr>
             </a:lvl3pPr>
             <a:lvl4pPr marL="1600200" indent="-228600">
@@ -780,8 +754,8 @@
                 <a:solidFill>
                   <a:schemeClr val="tx1"/>
                 </a:solidFill>
-                <a:latin typeface="Arial" charset="0"/>
-                <a:ea typeface="宋体" charset="0"/>
+                <a:latin typeface="Arial" panose="020B0604020202020204" pitchFamily="34" charset="0"/>
+                <a:ea typeface="宋体" panose="02010600030101010101" pitchFamily="2" charset="-122"/>
               </a:defRPr>
             </a:lvl4pPr>
             <a:lvl5pPr marL="2057400" indent="-228600">
@@ -789,8 +763,8 @@
                 <a:solidFill>
                   <a:schemeClr val="tx1"/>
                 </a:solidFill>
-                <a:latin typeface="Arial" charset="0"/>
-                <a:ea typeface="宋体" charset="0"/>
+                <a:latin typeface="Arial" panose="020B0604020202020204" pitchFamily="34" charset="0"/>
+                <a:ea typeface="宋体" panose="02010600030101010101" pitchFamily="2" charset="-122"/>
               </a:defRPr>
             </a:lvl5pPr>
             <a:lvl6pPr marL="2514600" indent="-228600" eaLnBrk="0" fontAlgn="base" hangingPunct="0">
@@ -804,8 +778,8 @@
                 <a:solidFill>
                   <a:schemeClr val="tx1"/>
                 </a:solidFill>
-                <a:latin typeface="Arial" charset="0"/>
-                <a:ea typeface="宋体" charset="0"/>
+                <a:latin typeface="Arial" panose="020B0604020202020204" pitchFamily="34" charset="0"/>
+                <a:ea typeface="宋体" panose="02010600030101010101" pitchFamily="2" charset="-122"/>
               </a:defRPr>
             </a:lvl6pPr>
             <a:lvl7pPr marL="2971800" indent="-228600" eaLnBrk="0" fontAlgn="base" hangingPunct="0">
@@ -819,8 +793,8 @@
                 <a:solidFill>
                   <a:schemeClr val="tx1"/>
                 </a:solidFill>
-                <a:latin typeface="Arial" charset="0"/>
-                <a:ea typeface="宋体" charset="0"/>
+                <a:latin typeface="Arial" panose="020B0604020202020204" pitchFamily="34" charset="0"/>
+                <a:ea typeface="宋体" panose="02010600030101010101" pitchFamily="2" charset="-122"/>
               </a:defRPr>
             </a:lvl7pPr>
             <a:lvl8pPr marL="3429000" indent="-228600" eaLnBrk="0" fontAlgn="base" hangingPunct="0">
@@ -834,8 +808,8 @@
                 <a:solidFill>
                   <a:schemeClr val="tx1"/>
                 </a:solidFill>
-                <a:latin typeface="Arial" charset="0"/>
-                <a:ea typeface="宋体" charset="0"/>
+                <a:latin typeface="Arial" panose="020B0604020202020204" pitchFamily="34" charset="0"/>
+                <a:ea typeface="宋体" panose="02010600030101010101" pitchFamily="2" charset="-122"/>
               </a:defRPr>
             </a:lvl8pPr>
             <a:lvl9pPr marL="3886200" indent="-228600" eaLnBrk="0" fontAlgn="base" hangingPunct="0">
@@ -849,27 +823,20 @@
                 <a:solidFill>
                   <a:schemeClr val="tx1"/>
                 </a:solidFill>
-                <a:latin typeface="Arial" charset="0"/>
-                <a:ea typeface="宋体" charset="0"/>
+                <a:latin typeface="Arial" panose="020B0604020202020204" pitchFamily="34" charset="0"/>
+                <a:ea typeface="宋体" panose="02010600030101010101" pitchFamily="2" charset="-122"/>
               </a:defRPr>
             </a:lvl9pPr>
           </a:lstStyle>
           <a:p>
             <a:fld id="{80DF3984-D036-8146-80F3-60605DE9315C}" type="slidenum">
               <a:rPr lang="zh-CN" altLang="en-US" sz="1200"/>
-              <a:pPr/>
-              <a:t>4</a:t>
             </a:fld>
             <a:endParaRPr lang="zh-CN" altLang="en-US" sz="1200"/>
           </a:p>
         </p:txBody>
       </p:sp>
     </p:spTree>
-    <p:extLst>
-      <p:ext uri="{BB962C8B-B14F-4D97-AF65-F5344CB8AC3E}">
-        <p14:creationId xmlns:p14="http://schemas.microsoft.com/office/powerpoint/2010/main" val="1595650032"/>
-      </p:ext>
-    </p:extLst>
   </p:cSld>
   <p:clrMapOvr>
     <a:masterClrMapping/>
@@ -911,8 +878,6 @@
               <a:srgbClr val="000000"/>
             </a:solidFill>
             <a:miter lim="800000"/>
-            <a:headEnd/>
-            <a:tailEnd/>
           </a:ln>
           <a:extLst>
             <a:ext uri="{909E8E84-426E-40DD-AFC4-6F175D3DCCD1}">
@@ -922,9 +887,6 @@
                 </a:solidFill>
               </a14:hiddenFill>
             </a:ext>
-            <a:ext uri="{FAA26D3D-D897-4be2-8F04-BA451C77F1D7}">
-              <ma14:placeholderFlag xmlns:ma14="http://schemas.microsoft.com/office/mac/drawingml/2011/main" val="1"/>
-            </a:ext>
           </a:extLst>
         </p:spPr>
       </p:sp>
@@ -936,52 +898,6 @@
           </p:cNvSpPr>
           <p:nvPr>
             <p:ph type="body" idx="1"/>
-          </p:nvPr>
-        </p:nvSpPr>
-        <p:spPr bwMode="auto">
-          <a:noFill/>
-          <a:extLst>
-            <a:ext uri="{909E8E84-426E-40DD-AFC4-6F175D3DCCD1}">
-              <a14:hiddenFill xmlns:a14="http://schemas.microsoft.com/office/drawing/2010/main">
-                <a:solidFill>
-                  <a:srgbClr val="FFFFFF"/>
-                </a:solidFill>
-              </a14:hiddenFill>
-            </a:ext>
-            <a:ext uri="{91240B29-F687-4F45-9708-019B960494DF}">
-              <a14:hiddenLine xmlns:a14="http://schemas.microsoft.com/office/drawing/2010/main" w="9525">
-                <a:solidFill>
-                  <a:srgbClr val="000000"/>
-                </a:solidFill>
-                <a:miter lim="800000"/>
-                <a:headEnd/>
-                <a:tailEnd/>
-              </a14:hiddenLine>
-            </a:ext>
-            <a:ext uri="{FAA26D3D-D897-4be2-8F04-BA451C77F1D7}">
-              <ma14:placeholderFlag xmlns:ma14="http://schemas.microsoft.com/office/mac/drawingml/2011/main" val="1"/>
-            </a:ext>
-          </a:extLst>
-        </p:spPr>
-        <p:txBody>
-          <a:bodyPr/>
-          <a:lstStyle/>
-          <a:p>
-            <a:endParaRPr kumimoji="0" lang="zh-CN" altLang="en-US" dirty="0">
-              <a:latin typeface="Arial" charset="0"/>
-              <a:ea typeface="ＭＳ Ｐゴシック" charset="-128"/>
-            </a:endParaRPr>
-          </a:p>
-        </p:txBody>
-      </p:sp>
-      <p:sp>
-        <p:nvSpPr>
-          <p:cNvPr id="8195" name="灯片编号占位符 3"/>
-          <p:cNvSpPr>
-            <a:spLocks noGrp="1"/>
-          </p:cNvSpPr>
-          <p:nvPr>
-            <p:ph type="sldNum" sz="quarter" idx="5"/>
           </p:nvPr>
         </p:nvSpPr>
         <p:spPr bwMode="auto">
@@ -1008,14 +924,57 @@
         </p:spPr>
         <p:txBody>
           <a:bodyPr/>
+          <a:lstStyle/>
+          <a:p>
+            <a:endParaRPr kumimoji="0" lang="zh-CN" altLang="en-US" dirty="0">
+              <a:latin typeface="Arial" panose="020B0604020202020204" pitchFamily="34" charset="0"/>
+              <a:ea typeface="MS PGothic" panose="020B0600070205080204" charset="-128"/>
+            </a:endParaRPr>
+          </a:p>
+        </p:txBody>
+      </p:sp>
+      <p:sp>
+        <p:nvSpPr>
+          <p:cNvPr id="8195" name="灯片编号占位符 3"/>
+          <p:cNvSpPr>
+            <a:spLocks noGrp="1"/>
+          </p:cNvSpPr>
+          <p:nvPr>
+            <p:ph type="sldNum" sz="quarter" idx="5"/>
+          </p:nvPr>
+        </p:nvSpPr>
+        <p:spPr bwMode="auto">
+          <a:noFill/>
+          <a:extLst>
+            <a:ext uri="{909E8E84-426E-40DD-AFC4-6F175D3DCCD1}">
+              <a14:hiddenFill xmlns:a14="http://schemas.microsoft.com/office/drawing/2010/main">
+                <a:solidFill>
+                  <a:srgbClr val="FFFFFF"/>
+                </a:solidFill>
+              </a14:hiddenFill>
+            </a:ext>
+            <a:ext uri="{91240B29-F687-4F45-9708-019B960494DF}">
+              <a14:hiddenLine xmlns:a14="http://schemas.microsoft.com/office/drawing/2010/main" w="9525">
+                <a:solidFill>
+                  <a:srgbClr val="000000"/>
+                </a:solidFill>
+                <a:miter lim="800000"/>
+                <a:headEnd/>
+                <a:tailEnd/>
+              </a14:hiddenLine>
+            </a:ext>
+          </a:extLst>
+        </p:spPr>
+        <p:txBody>
+          <a:bodyPr/>
           <a:lstStyle>
             <a:lvl1pPr>
               <a:defRPr sz="2400">
                 <a:solidFill>
                   <a:schemeClr val="tx1"/>
                 </a:solidFill>
-                <a:latin typeface="Arial" charset="0"/>
-                <a:ea typeface="宋体" charset="0"/>
+                <a:latin typeface="Arial" panose="020B0604020202020204" pitchFamily="34" charset="0"/>
+                <a:ea typeface="宋体" panose="02010600030101010101" pitchFamily="2" charset="-122"/>
               </a:defRPr>
             </a:lvl1pPr>
             <a:lvl2pPr marL="742950" indent="-285750">
@@ -1023,8 +982,8 @@
                 <a:solidFill>
                   <a:schemeClr val="tx1"/>
                 </a:solidFill>
-                <a:latin typeface="Arial" charset="0"/>
-                <a:ea typeface="宋体" charset="0"/>
+                <a:latin typeface="Arial" panose="020B0604020202020204" pitchFamily="34" charset="0"/>
+                <a:ea typeface="宋体" panose="02010600030101010101" pitchFamily="2" charset="-122"/>
               </a:defRPr>
             </a:lvl2pPr>
             <a:lvl3pPr marL="1143000" indent="-228600">
@@ -1032,8 +991,8 @@
                 <a:solidFill>
                   <a:schemeClr val="tx1"/>
                 </a:solidFill>
-                <a:latin typeface="Arial" charset="0"/>
-                <a:ea typeface="宋体" charset="0"/>
+                <a:latin typeface="Arial" panose="020B0604020202020204" pitchFamily="34" charset="0"/>
+                <a:ea typeface="宋体" panose="02010600030101010101" pitchFamily="2" charset="-122"/>
               </a:defRPr>
             </a:lvl3pPr>
             <a:lvl4pPr marL="1600200" indent="-228600">
@@ -1041,8 +1000,8 @@
                 <a:solidFill>
                   <a:schemeClr val="tx1"/>
                 </a:solidFill>
-                <a:latin typeface="Arial" charset="0"/>
-                <a:ea typeface="宋体" charset="0"/>
+                <a:latin typeface="Arial" panose="020B0604020202020204" pitchFamily="34" charset="0"/>
+                <a:ea typeface="宋体" panose="02010600030101010101" pitchFamily="2" charset="-122"/>
               </a:defRPr>
             </a:lvl4pPr>
             <a:lvl5pPr marL="2057400" indent="-228600">
@@ -1050,8 +1009,8 @@
                 <a:solidFill>
                   <a:schemeClr val="tx1"/>
                 </a:solidFill>
-                <a:latin typeface="Arial" charset="0"/>
-                <a:ea typeface="宋体" charset="0"/>
+                <a:latin typeface="Arial" panose="020B0604020202020204" pitchFamily="34" charset="0"/>
+                <a:ea typeface="宋体" panose="02010600030101010101" pitchFamily="2" charset="-122"/>
               </a:defRPr>
             </a:lvl5pPr>
             <a:lvl6pPr marL="2514600" indent="-228600" eaLnBrk="0" fontAlgn="base" hangingPunct="0">
@@ -1065,8 +1024,8 @@
                 <a:solidFill>
                   <a:schemeClr val="tx1"/>
                 </a:solidFill>
-                <a:latin typeface="Arial" charset="0"/>
-                <a:ea typeface="宋体" charset="0"/>
+                <a:latin typeface="Arial" panose="020B0604020202020204" pitchFamily="34" charset="0"/>
+                <a:ea typeface="宋体" panose="02010600030101010101" pitchFamily="2" charset="-122"/>
               </a:defRPr>
             </a:lvl6pPr>
             <a:lvl7pPr marL="2971800" indent="-228600" eaLnBrk="0" fontAlgn="base" hangingPunct="0">
@@ -1080,8 +1039,8 @@
                 <a:solidFill>
                   <a:schemeClr val="tx1"/>
                 </a:solidFill>
-                <a:latin typeface="Arial" charset="0"/>
-                <a:ea typeface="宋体" charset="0"/>
+                <a:latin typeface="Arial" panose="020B0604020202020204" pitchFamily="34" charset="0"/>
+                <a:ea typeface="宋体" panose="02010600030101010101" pitchFamily="2" charset="-122"/>
               </a:defRPr>
             </a:lvl7pPr>
             <a:lvl8pPr marL="3429000" indent="-228600" eaLnBrk="0" fontAlgn="base" hangingPunct="0">
@@ -1095,8 +1054,8 @@
                 <a:solidFill>
                   <a:schemeClr val="tx1"/>
                 </a:solidFill>
-                <a:latin typeface="Arial" charset="0"/>
-                <a:ea typeface="宋体" charset="0"/>
+                <a:latin typeface="Arial" panose="020B0604020202020204" pitchFamily="34" charset="0"/>
+                <a:ea typeface="宋体" panose="02010600030101010101" pitchFamily="2" charset="-122"/>
               </a:defRPr>
             </a:lvl8pPr>
             <a:lvl9pPr marL="3886200" indent="-228600" eaLnBrk="0" fontAlgn="base" hangingPunct="0">
@@ -1110,27 +1069,20 @@
                 <a:solidFill>
                   <a:schemeClr val="tx1"/>
                 </a:solidFill>
-                <a:latin typeface="Arial" charset="0"/>
-                <a:ea typeface="宋体" charset="0"/>
+                <a:latin typeface="Arial" panose="020B0604020202020204" pitchFamily="34" charset="0"/>
+                <a:ea typeface="宋体" panose="02010600030101010101" pitchFamily="2" charset="-122"/>
               </a:defRPr>
             </a:lvl9pPr>
           </a:lstStyle>
           <a:p>
             <a:fld id="{80DF3984-D036-8146-80F3-60605DE9315C}" type="slidenum">
               <a:rPr lang="zh-CN" altLang="en-US" sz="1200"/>
-              <a:pPr/>
-              <a:t>5</a:t>
             </a:fld>
             <a:endParaRPr lang="zh-CN" altLang="en-US" sz="1200"/>
           </a:p>
         </p:txBody>
       </p:sp>
     </p:spTree>
-    <p:extLst>
-      <p:ext uri="{BB962C8B-B14F-4D97-AF65-F5344CB8AC3E}">
-        <p14:creationId xmlns:p14="http://schemas.microsoft.com/office/powerpoint/2010/main" val="928548894"/>
-      </p:ext>
-    </p:extLst>
   </p:cSld>
   <p:clrMapOvr>
     <a:masterClrMapping/>
@@ -1172,8 +1124,6 @@
               <a:srgbClr val="000000"/>
             </a:solidFill>
             <a:miter lim="800000"/>
-            <a:headEnd/>
-            <a:tailEnd/>
           </a:ln>
           <a:extLst>
             <a:ext uri="{909E8E84-426E-40DD-AFC4-6F175D3DCCD1}">
@@ -1183,9 +1133,6 @@
                 </a:solidFill>
               </a14:hiddenFill>
             </a:ext>
-            <a:ext uri="{FAA26D3D-D897-4be2-8F04-BA451C77F1D7}">
-              <ma14:placeholderFlag xmlns:ma14="http://schemas.microsoft.com/office/mac/drawingml/2011/main" val="1"/>
-            </a:ext>
           </a:extLst>
         </p:spPr>
       </p:sp>
@@ -1197,52 +1144,6 @@
           </p:cNvSpPr>
           <p:nvPr>
             <p:ph type="body" idx="1"/>
-          </p:nvPr>
-        </p:nvSpPr>
-        <p:spPr bwMode="auto">
-          <a:noFill/>
-          <a:extLst>
-            <a:ext uri="{909E8E84-426E-40DD-AFC4-6F175D3DCCD1}">
-              <a14:hiddenFill xmlns:a14="http://schemas.microsoft.com/office/drawing/2010/main">
-                <a:solidFill>
-                  <a:srgbClr val="FFFFFF"/>
-                </a:solidFill>
-              </a14:hiddenFill>
-            </a:ext>
-            <a:ext uri="{91240B29-F687-4F45-9708-019B960494DF}">
-              <a14:hiddenLine xmlns:a14="http://schemas.microsoft.com/office/drawing/2010/main" w="9525">
-                <a:solidFill>
-                  <a:srgbClr val="000000"/>
-                </a:solidFill>
-                <a:miter lim="800000"/>
-                <a:headEnd/>
-                <a:tailEnd/>
-              </a14:hiddenLine>
-            </a:ext>
-            <a:ext uri="{FAA26D3D-D897-4be2-8F04-BA451C77F1D7}">
-              <ma14:placeholderFlag xmlns:ma14="http://schemas.microsoft.com/office/mac/drawingml/2011/main" val="1"/>
-            </a:ext>
-          </a:extLst>
-        </p:spPr>
-        <p:txBody>
-          <a:bodyPr/>
-          <a:lstStyle/>
-          <a:p>
-            <a:endParaRPr kumimoji="0" lang="zh-CN" altLang="en-US" dirty="0">
-              <a:latin typeface="Arial" charset="0"/>
-              <a:ea typeface="ＭＳ Ｐゴシック" charset="-128"/>
-            </a:endParaRPr>
-          </a:p>
-        </p:txBody>
-      </p:sp>
-      <p:sp>
-        <p:nvSpPr>
-          <p:cNvPr id="8195" name="灯片编号占位符 3"/>
-          <p:cNvSpPr>
-            <a:spLocks noGrp="1"/>
-          </p:cNvSpPr>
-          <p:nvPr>
-            <p:ph type="sldNum" sz="quarter" idx="5"/>
           </p:nvPr>
         </p:nvSpPr>
         <p:spPr bwMode="auto">
@@ -1269,14 +1170,57 @@
         </p:spPr>
         <p:txBody>
           <a:bodyPr/>
+          <a:lstStyle/>
+          <a:p>
+            <a:endParaRPr kumimoji="0" lang="zh-CN" altLang="en-US" dirty="0">
+              <a:latin typeface="Arial" panose="020B0604020202020204" pitchFamily="34" charset="0"/>
+              <a:ea typeface="MS PGothic" panose="020B0600070205080204" charset="-128"/>
+            </a:endParaRPr>
+          </a:p>
+        </p:txBody>
+      </p:sp>
+      <p:sp>
+        <p:nvSpPr>
+          <p:cNvPr id="8195" name="灯片编号占位符 3"/>
+          <p:cNvSpPr>
+            <a:spLocks noGrp="1"/>
+          </p:cNvSpPr>
+          <p:nvPr>
+            <p:ph type="sldNum" sz="quarter" idx="5"/>
+          </p:nvPr>
+        </p:nvSpPr>
+        <p:spPr bwMode="auto">
+          <a:noFill/>
+          <a:extLst>
+            <a:ext uri="{909E8E84-426E-40DD-AFC4-6F175D3DCCD1}">
+              <a14:hiddenFill xmlns:a14="http://schemas.microsoft.com/office/drawing/2010/main">
+                <a:solidFill>
+                  <a:srgbClr val="FFFFFF"/>
+                </a:solidFill>
+              </a14:hiddenFill>
+            </a:ext>
+            <a:ext uri="{91240B29-F687-4F45-9708-019B960494DF}">
+              <a14:hiddenLine xmlns:a14="http://schemas.microsoft.com/office/drawing/2010/main" w="9525">
+                <a:solidFill>
+                  <a:srgbClr val="000000"/>
+                </a:solidFill>
+                <a:miter lim="800000"/>
+                <a:headEnd/>
+                <a:tailEnd/>
+              </a14:hiddenLine>
+            </a:ext>
+          </a:extLst>
+        </p:spPr>
+        <p:txBody>
+          <a:bodyPr/>
           <a:lstStyle>
             <a:lvl1pPr>
               <a:defRPr sz="2400">
                 <a:solidFill>
                   <a:schemeClr val="tx1"/>
                 </a:solidFill>
-                <a:latin typeface="Arial" charset="0"/>
-                <a:ea typeface="宋体" charset="0"/>
+                <a:latin typeface="Arial" panose="020B0604020202020204" pitchFamily="34" charset="0"/>
+                <a:ea typeface="宋体" panose="02010600030101010101" pitchFamily="2" charset="-122"/>
               </a:defRPr>
             </a:lvl1pPr>
             <a:lvl2pPr marL="742950" indent="-285750">
@@ -1284,8 +1228,8 @@
                 <a:solidFill>
                   <a:schemeClr val="tx1"/>
                 </a:solidFill>
-                <a:latin typeface="Arial" charset="0"/>
-                <a:ea typeface="宋体" charset="0"/>
+                <a:latin typeface="Arial" panose="020B0604020202020204" pitchFamily="34" charset="0"/>
+                <a:ea typeface="宋体" panose="02010600030101010101" pitchFamily="2" charset="-122"/>
               </a:defRPr>
             </a:lvl2pPr>
             <a:lvl3pPr marL="1143000" indent="-228600">
@@ -1293,8 +1237,8 @@
                 <a:solidFill>
                   <a:schemeClr val="tx1"/>
                 </a:solidFill>
-                <a:latin typeface="Arial" charset="0"/>
-                <a:ea typeface="宋体" charset="0"/>
+                <a:latin typeface="Arial" panose="020B0604020202020204" pitchFamily="34" charset="0"/>
+                <a:ea typeface="宋体" panose="02010600030101010101" pitchFamily="2" charset="-122"/>
               </a:defRPr>
             </a:lvl3pPr>
             <a:lvl4pPr marL="1600200" indent="-228600">
@@ -1302,8 +1246,8 @@
                 <a:solidFill>
                   <a:schemeClr val="tx1"/>
                 </a:solidFill>
-                <a:latin typeface="Arial" charset="0"/>
-                <a:ea typeface="宋体" charset="0"/>
+                <a:latin typeface="Arial" panose="020B0604020202020204" pitchFamily="34" charset="0"/>
+                <a:ea typeface="宋体" panose="02010600030101010101" pitchFamily="2" charset="-122"/>
               </a:defRPr>
             </a:lvl4pPr>
             <a:lvl5pPr marL="2057400" indent="-228600">
@@ -1311,8 +1255,8 @@
                 <a:solidFill>
                   <a:schemeClr val="tx1"/>
                 </a:solidFill>
-                <a:latin typeface="Arial" charset="0"/>
-                <a:ea typeface="宋体" charset="0"/>
+                <a:latin typeface="Arial" panose="020B0604020202020204" pitchFamily="34" charset="0"/>
+                <a:ea typeface="宋体" panose="02010600030101010101" pitchFamily="2" charset="-122"/>
               </a:defRPr>
             </a:lvl5pPr>
             <a:lvl6pPr marL="2514600" indent="-228600" eaLnBrk="0" fontAlgn="base" hangingPunct="0">
@@ -1326,8 +1270,8 @@
                 <a:solidFill>
                   <a:schemeClr val="tx1"/>
                 </a:solidFill>
-                <a:latin typeface="Arial" charset="0"/>
-                <a:ea typeface="宋体" charset="0"/>
+                <a:latin typeface="Arial" panose="020B0604020202020204" pitchFamily="34" charset="0"/>
+                <a:ea typeface="宋体" panose="02010600030101010101" pitchFamily="2" charset="-122"/>
               </a:defRPr>
             </a:lvl6pPr>
             <a:lvl7pPr marL="2971800" indent="-228600" eaLnBrk="0" fontAlgn="base" hangingPunct="0">
@@ -1341,8 +1285,8 @@
                 <a:solidFill>
                   <a:schemeClr val="tx1"/>
                 </a:solidFill>
-                <a:latin typeface="Arial" charset="0"/>
-                <a:ea typeface="宋体" charset="0"/>
+                <a:latin typeface="Arial" panose="020B0604020202020204" pitchFamily="34" charset="0"/>
+                <a:ea typeface="宋体" panose="02010600030101010101" pitchFamily="2" charset="-122"/>
               </a:defRPr>
             </a:lvl7pPr>
             <a:lvl8pPr marL="3429000" indent="-228600" eaLnBrk="0" fontAlgn="base" hangingPunct="0">
@@ -1356,8 +1300,8 @@
                 <a:solidFill>
                   <a:schemeClr val="tx1"/>
                 </a:solidFill>
-                <a:latin typeface="Arial" charset="0"/>
-                <a:ea typeface="宋体" charset="0"/>
+                <a:latin typeface="Arial" panose="020B0604020202020204" pitchFamily="34" charset="0"/>
+                <a:ea typeface="宋体" panose="02010600030101010101" pitchFamily="2" charset="-122"/>
               </a:defRPr>
             </a:lvl8pPr>
             <a:lvl9pPr marL="3886200" indent="-228600" eaLnBrk="0" fontAlgn="base" hangingPunct="0">
@@ -1371,27 +1315,266 @@
                 <a:solidFill>
                   <a:schemeClr val="tx1"/>
                 </a:solidFill>
-                <a:latin typeface="Arial" charset="0"/>
-                <a:ea typeface="宋体" charset="0"/>
+                <a:latin typeface="Arial" panose="020B0604020202020204" pitchFamily="34" charset="0"/>
+                <a:ea typeface="宋体" panose="02010600030101010101" pitchFamily="2" charset="-122"/>
               </a:defRPr>
             </a:lvl9pPr>
           </a:lstStyle>
           <a:p>
             <a:fld id="{80DF3984-D036-8146-80F3-60605DE9315C}" type="slidenum">
               <a:rPr lang="zh-CN" altLang="en-US" sz="1200"/>
-              <a:pPr/>
-              <a:t>6</a:t>
             </a:fld>
             <a:endParaRPr lang="zh-CN" altLang="en-US" sz="1200"/>
           </a:p>
         </p:txBody>
       </p:sp>
     </p:spTree>
-    <p:extLst>
-      <p:ext uri="{BB962C8B-B14F-4D97-AF65-F5344CB8AC3E}">
-        <p14:creationId xmlns:p14="http://schemas.microsoft.com/office/powerpoint/2010/main" val="702631457"/>
-      </p:ext>
-    </p:extLst>
+  </p:cSld>
+  <p:clrMapOvr>
+    <a:masterClrMapping/>
+  </p:clrMapOvr>
+</p:notes>
+</file>
+
+<file path=ppt/notesSlides/notesSlide6.xml><?xml version="1.0" encoding="utf-8"?>
+<p:notes xmlns:a="http://schemas.openxmlformats.org/drawingml/2006/main" xmlns:r="http://schemas.openxmlformats.org/officeDocument/2006/relationships" xmlns:p="http://schemas.openxmlformats.org/presentationml/2006/main">
+  <p:cSld>
+    <p:spTree>
+      <p:nvGrpSpPr>
+        <p:cNvPr id="1" name=""/>
+        <p:cNvGrpSpPr/>
+        <p:nvPr/>
+      </p:nvGrpSpPr>
+      <p:grpSpPr>
+        <a:xfrm>
+          <a:off x="0" y="0"/>
+          <a:ext cx="0" cy="0"/>
+          <a:chOff x="0" y="0"/>
+          <a:chExt cx="0" cy="0"/>
+        </a:xfrm>
+      </p:grpSpPr>
+      <p:sp>
+        <p:nvSpPr>
+          <p:cNvPr id="8193" name="幻灯片图像占位符 1"/>
+          <p:cNvSpPr>
+            <a:spLocks noGrp="1" noRot="1" noChangeAspect="1" noTextEdit="1"/>
+          </p:cNvSpPr>
+          <p:nvPr>
+            <p:ph type="sldImg"/>
+          </p:nvPr>
+        </p:nvSpPr>
+        <p:spPr bwMode="auto">
+          <a:noFill/>
+          <a:ln>
+            <a:solidFill>
+              <a:srgbClr val="000000"/>
+            </a:solidFill>
+            <a:miter lim="800000"/>
+          </a:ln>
+          <a:extLst>
+            <a:ext uri="{909E8E84-426E-40DD-AFC4-6F175D3DCCD1}">
+              <a14:hiddenFill xmlns:a14="http://schemas.microsoft.com/office/drawing/2010/main">
+                <a:solidFill>
+                  <a:srgbClr val="FFFFFF"/>
+                </a:solidFill>
+              </a14:hiddenFill>
+            </a:ext>
+          </a:extLst>
+        </p:spPr>
+      </p:sp>
+      <p:sp>
+        <p:nvSpPr>
+          <p:cNvPr id="8194" name="备注占位符 2"/>
+          <p:cNvSpPr>
+            <a:spLocks noGrp="1"/>
+          </p:cNvSpPr>
+          <p:nvPr>
+            <p:ph type="body" idx="1"/>
+          </p:nvPr>
+        </p:nvSpPr>
+        <p:spPr bwMode="auto">
+          <a:noFill/>
+          <a:extLst>
+            <a:ext uri="{909E8E84-426E-40DD-AFC4-6F175D3DCCD1}">
+              <a14:hiddenFill xmlns:a14="http://schemas.microsoft.com/office/drawing/2010/main">
+                <a:solidFill>
+                  <a:srgbClr val="FFFFFF"/>
+                </a:solidFill>
+              </a14:hiddenFill>
+            </a:ext>
+            <a:ext uri="{91240B29-F687-4F45-9708-019B960494DF}">
+              <a14:hiddenLine xmlns:a14="http://schemas.microsoft.com/office/drawing/2010/main" w="9525">
+                <a:solidFill>
+                  <a:srgbClr val="000000"/>
+                </a:solidFill>
+                <a:miter lim="800000"/>
+                <a:headEnd/>
+                <a:tailEnd/>
+              </a14:hiddenLine>
+            </a:ext>
+          </a:extLst>
+        </p:spPr>
+        <p:txBody>
+          <a:bodyPr/>
+          <a:lstStyle/>
+          <a:p>
+            <a:endParaRPr kumimoji="0" lang="zh-CN" altLang="en-US" dirty="0">
+              <a:latin typeface="Arial" panose="020B0604020202020204" pitchFamily="34" charset="0"/>
+              <a:ea typeface="MS PGothic" panose="020B0600070205080204" charset="-128"/>
+            </a:endParaRPr>
+          </a:p>
+        </p:txBody>
+      </p:sp>
+      <p:sp>
+        <p:nvSpPr>
+          <p:cNvPr id="8195" name="灯片编号占位符 3"/>
+          <p:cNvSpPr>
+            <a:spLocks noGrp="1"/>
+          </p:cNvSpPr>
+          <p:nvPr>
+            <p:ph type="sldNum" sz="quarter" idx="5"/>
+          </p:nvPr>
+        </p:nvSpPr>
+        <p:spPr bwMode="auto">
+          <a:noFill/>
+          <a:extLst>
+            <a:ext uri="{909E8E84-426E-40DD-AFC4-6F175D3DCCD1}">
+              <a14:hiddenFill xmlns:a14="http://schemas.microsoft.com/office/drawing/2010/main">
+                <a:solidFill>
+                  <a:srgbClr val="FFFFFF"/>
+                </a:solidFill>
+              </a14:hiddenFill>
+            </a:ext>
+            <a:ext uri="{91240B29-F687-4F45-9708-019B960494DF}">
+              <a14:hiddenLine xmlns:a14="http://schemas.microsoft.com/office/drawing/2010/main" w="9525">
+                <a:solidFill>
+                  <a:srgbClr val="000000"/>
+                </a:solidFill>
+                <a:miter lim="800000"/>
+                <a:headEnd/>
+                <a:tailEnd/>
+              </a14:hiddenLine>
+            </a:ext>
+          </a:extLst>
+        </p:spPr>
+        <p:txBody>
+          <a:bodyPr/>
+          <a:lstStyle>
+            <a:lvl1pPr>
+              <a:defRPr sz="2400">
+                <a:solidFill>
+                  <a:schemeClr val="tx1"/>
+                </a:solidFill>
+                <a:latin typeface="Arial" panose="020B0604020202020204" pitchFamily="34" charset="0"/>
+                <a:ea typeface="宋体" panose="02010600030101010101" pitchFamily="2" charset="-122"/>
+              </a:defRPr>
+            </a:lvl1pPr>
+            <a:lvl2pPr marL="742950" indent="-285750">
+              <a:defRPr sz="2400">
+                <a:solidFill>
+                  <a:schemeClr val="tx1"/>
+                </a:solidFill>
+                <a:latin typeface="Arial" panose="020B0604020202020204" pitchFamily="34" charset="0"/>
+                <a:ea typeface="宋体" panose="02010600030101010101" pitchFamily="2" charset="-122"/>
+              </a:defRPr>
+            </a:lvl2pPr>
+            <a:lvl3pPr marL="1143000" indent="-228600">
+              <a:defRPr sz="2400">
+                <a:solidFill>
+                  <a:schemeClr val="tx1"/>
+                </a:solidFill>
+                <a:latin typeface="Arial" panose="020B0604020202020204" pitchFamily="34" charset="0"/>
+                <a:ea typeface="宋体" panose="02010600030101010101" pitchFamily="2" charset="-122"/>
+              </a:defRPr>
+            </a:lvl3pPr>
+            <a:lvl4pPr marL="1600200" indent="-228600">
+              <a:defRPr sz="2400">
+                <a:solidFill>
+                  <a:schemeClr val="tx1"/>
+                </a:solidFill>
+                <a:latin typeface="Arial" panose="020B0604020202020204" pitchFamily="34" charset="0"/>
+                <a:ea typeface="宋体" panose="02010600030101010101" pitchFamily="2" charset="-122"/>
+              </a:defRPr>
+            </a:lvl4pPr>
+            <a:lvl5pPr marL="2057400" indent="-228600">
+              <a:defRPr sz="2400">
+                <a:solidFill>
+                  <a:schemeClr val="tx1"/>
+                </a:solidFill>
+                <a:latin typeface="Arial" panose="020B0604020202020204" pitchFamily="34" charset="0"/>
+                <a:ea typeface="宋体" panose="02010600030101010101" pitchFamily="2" charset="-122"/>
+              </a:defRPr>
+            </a:lvl5pPr>
+            <a:lvl6pPr marL="2514600" indent="-228600" eaLnBrk="0" fontAlgn="base" hangingPunct="0">
+              <a:spcBef>
+                <a:spcPct val="0"/>
+              </a:spcBef>
+              <a:spcAft>
+                <a:spcPct val="0"/>
+              </a:spcAft>
+              <a:defRPr sz="2400">
+                <a:solidFill>
+                  <a:schemeClr val="tx1"/>
+                </a:solidFill>
+                <a:latin typeface="Arial" panose="020B0604020202020204" pitchFamily="34" charset="0"/>
+                <a:ea typeface="宋体" panose="02010600030101010101" pitchFamily="2" charset="-122"/>
+              </a:defRPr>
+            </a:lvl6pPr>
+            <a:lvl7pPr marL="2971800" indent="-228600" eaLnBrk="0" fontAlgn="base" hangingPunct="0">
+              <a:spcBef>
+                <a:spcPct val="0"/>
+              </a:spcBef>
+              <a:spcAft>
+                <a:spcPct val="0"/>
+              </a:spcAft>
+              <a:defRPr sz="2400">
+                <a:solidFill>
+                  <a:schemeClr val="tx1"/>
+                </a:solidFill>
+                <a:latin typeface="Arial" panose="020B0604020202020204" pitchFamily="34" charset="0"/>
+                <a:ea typeface="宋体" panose="02010600030101010101" pitchFamily="2" charset="-122"/>
+              </a:defRPr>
+            </a:lvl7pPr>
+            <a:lvl8pPr marL="3429000" indent="-228600" eaLnBrk="0" fontAlgn="base" hangingPunct="0">
+              <a:spcBef>
+                <a:spcPct val="0"/>
+              </a:spcBef>
+              <a:spcAft>
+                <a:spcPct val="0"/>
+              </a:spcAft>
+              <a:defRPr sz="2400">
+                <a:solidFill>
+                  <a:schemeClr val="tx1"/>
+                </a:solidFill>
+                <a:latin typeface="Arial" panose="020B0604020202020204" pitchFamily="34" charset="0"/>
+                <a:ea typeface="宋体" panose="02010600030101010101" pitchFamily="2" charset="-122"/>
+              </a:defRPr>
+            </a:lvl8pPr>
+            <a:lvl9pPr marL="3886200" indent="-228600" eaLnBrk="0" fontAlgn="base" hangingPunct="0">
+              <a:spcBef>
+                <a:spcPct val="0"/>
+              </a:spcBef>
+              <a:spcAft>
+                <a:spcPct val="0"/>
+              </a:spcAft>
+              <a:defRPr sz="2400">
+                <a:solidFill>
+                  <a:schemeClr val="tx1"/>
+                </a:solidFill>
+                <a:latin typeface="Arial" panose="020B0604020202020204" pitchFamily="34" charset="0"/>
+                <a:ea typeface="宋体" panose="02010600030101010101" pitchFamily="2" charset="-122"/>
+              </a:defRPr>
+            </a:lvl9pPr>
+          </a:lstStyle>
+          <a:p>
+            <a:fld id="{80DF3984-D036-8146-80F3-60605DE9315C}" type="slidenum">
+              <a:rPr lang="zh-CN" altLang="en-US" sz="1200"/>
+            </a:fld>
+            <a:endParaRPr lang="zh-CN" altLang="en-US" sz="1200"/>
+          </a:p>
+        </p:txBody>
+      </p:sp>
+    </p:spTree>
   </p:cSld>
   <p:clrMapOvr>
     <a:masterClrMapping/>
@@ -1530,7 +1713,6 @@
           <a:p>
             <a:fld id="{D997B5FA-0921-464F-AAE1-844C04324D75}" type="datetimeFigureOut">
               <a:rPr lang="zh-CN" altLang="en-US" smtClean="0"/>
-              <a:t>18/1/3</a:t>
             </a:fld>
             <a:endParaRPr lang="zh-CN" altLang="en-US"/>
           </a:p>
@@ -1572,7 +1754,6 @@
           <a:p>
             <a:fld id="{565CE74E-AB26-4998-AD42-012C4C1AD076}" type="slidenum">
               <a:rPr lang="zh-CN" altLang="en-US" smtClean="0"/>
-              <a:t>‹#›</a:t>
             </a:fld>
             <a:endParaRPr lang="zh-CN" altLang="en-US"/>
           </a:p>
@@ -1646,6 +1827,7 @@
               <a:rPr lang="zh-CN" altLang="en-US" smtClean="0"/>
               <a:t>单击此处编辑母版文本样式</a:t>
             </a:r>
+            <a:endParaRPr lang="zh-CN" altLang="en-US" smtClean="0"/>
           </a:p>
           <a:p>
             <a:pPr lvl="1"/>
@@ -1653,6 +1835,7 @@
               <a:rPr lang="zh-CN" altLang="en-US" smtClean="0"/>
               <a:t>第二级</a:t>
             </a:r>
+            <a:endParaRPr lang="zh-CN" altLang="en-US" smtClean="0"/>
           </a:p>
           <a:p>
             <a:pPr lvl="2"/>
@@ -1660,6 +1843,7 @@
               <a:rPr lang="zh-CN" altLang="en-US" smtClean="0"/>
               <a:t>第三级</a:t>
             </a:r>
+            <a:endParaRPr lang="zh-CN" altLang="en-US" smtClean="0"/>
           </a:p>
           <a:p>
             <a:pPr lvl="3"/>
@@ -1667,6 +1851,7 @@
               <a:rPr lang="zh-CN" altLang="en-US" smtClean="0"/>
               <a:t>第四级</a:t>
             </a:r>
+            <a:endParaRPr lang="zh-CN" altLang="en-US" smtClean="0"/>
           </a:p>
           <a:p>
             <a:pPr lvl="4"/>
@@ -1695,7 +1880,6 @@
           <a:p>
             <a:fld id="{D997B5FA-0921-464F-AAE1-844C04324D75}" type="datetimeFigureOut">
               <a:rPr lang="zh-CN" altLang="en-US" smtClean="0"/>
-              <a:t>18/1/3</a:t>
             </a:fld>
             <a:endParaRPr lang="zh-CN" altLang="en-US"/>
           </a:p>
@@ -1737,7 +1921,6 @@
           <a:p>
             <a:fld id="{565CE74E-AB26-4998-AD42-012C4C1AD076}" type="slidenum">
               <a:rPr lang="zh-CN" altLang="en-US" smtClean="0"/>
-              <a:t>‹#›</a:t>
             </a:fld>
             <a:endParaRPr lang="zh-CN" altLang="en-US"/>
           </a:p>
@@ -1821,6 +2004,7 @@
               <a:rPr lang="zh-CN" altLang="en-US" smtClean="0"/>
               <a:t>单击此处编辑母版文本样式</a:t>
             </a:r>
+            <a:endParaRPr lang="zh-CN" altLang="en-US" smtClean="0"/>
           </a:p>
           <a:p>
             <a:pPr lvl="1"/>
@@ -1828,6 +2012,7 @@
               <a:rPr lang="zh-CN" altLang="en-US" smtClean="0"/>
               <a:t>第二级</a:t>
             </a:r>
+            <a:endParaRPr lang="zh-CN" altLang="en-US" smtClean="0"/>
           </a:p>
           <a:p>
             <a:pPr lvl="2"/>
@@ -1835,6 +2020,7 @@
               <a:rPr lang="zh-CN" altLang="en-US" smtClean="0"/>
               <a:t>第三级</a:t>
             </a:r>
+            <a:endParaRPr lang="zh-CN" altLang="en-US" smtClean="0"/>
           </a:p>
           <a:p>
             <a:pPr lvl="3"/>
@@ -1842,6 +2028,7 @@
               <a:rPr lang="zh-CN" altLang="en-US" smtClean="0"/>
               <a:t>第四级</a:t>
             </a:r>
+            <a:endParaRPr lang="zh-CN" altLang="en-US" smtClean="0"/>
           </a:p>
           <a:p>
             <a:pPr lvl="4"/>
@@ -1870,7 +2057,6 @@
           <a:p>
             <a:fld id="{D997B5FA-0921-464F-AAE1-844C04324D75}" type="datetimeFigureOut">
               <a:rPr lang="zh-CN" altLang="en-US" smtClean="0"/>
-              <a:t>18/1/3</a:t>
             </a:fld>
             <a:endParaRPr lang="zh-CN" altLang="en-US"/>
           </a:p>
@@ -1912,7 +2098,6 @@
           <a:p>
             <a:fld id="{565CE74E-AB26-4998-AD42-012C4C1AD076}" type="slidenum">
               <a:rPr lang="zh-CN" altLang="en-US" smtClean="0"/>
-              <a:t>‹#›</a:t>
             </a:fld>
             <a:endParaRPr lang="zh-CN" altLang="en-US"/>
           </a:p>
@@ -1986,6 +2171,7 @@
               <a:rPr lang="zh-CN" altLang="en-US" smtClean="0"/>
               <a:t>单击此处编辑母版文本样式</a:t>
             </a:r>
+            <a:endParaRPr lang="zh-CN" altLang="en-US" smtClean="0"/>
           </a:p>
           <a:p>
             <a:pPr lvl="1"/>
@@ -1993,6 +2179,7 @@
               <a:rPr lang="zh-CN" altLang="en-US" smtClean="0"/>
               <a:t>第二级</a:t>
             </a:r>
+            <a:endParaRPr lang="zh-CN" altLang="en-US" smtClean="0"/>
           </a:p>
           <a:p>
             <a:pPr lvl="2"/>
@@ -2000,6 +2187,7 @@
               <a:rPr lang="zh-CN" altLang="en-US" smtClean="0"/>
               <a:t>第三级</a:t>
             </a:r>
+            <a:endParaRPr lang="zh-CN" altLang="en-US" smtClean="0"/>
           </a:p>
           <a:p>
             <a:pPr lvl="3"/>
@@ -2007,6 +2195,7 @@
               <a:rPr lang="zh-CN" altLang="en-US" smtClean="0"/>
               <a:t>第四级</a:t>
             </a:r>
+            <a:endParaRPr lang="zh-CN" altLang="en-US" smtClean="0"/>
           </a:p>
           <a:p>
             <a:pPr lvl="4"/>
@@ -2035,7 +2224,6 @@
           <a:p>
             <a:fld id="{D997B5FA-0921-464F-AAE1-844C04324D75}" type="datetimeFigureOut">
               <a:rPr lang="zh-CN" altLang="en-US" smtClean="0"/>
-              <a:t>18/1/3</a:t>
             </a:fld>
             <a:endParaRPr lang="zh-CN" altLang="en-US"/>
           </a:p>
@@ -2077,7 +2265,6 @@
           <a:p>
             <a:fld id="{565CE74E-AB26-4998-AD42-012C4C1AD076}" type="slidenum">
               <a:rPr lang="zh-CN" altLang="en-US" smtClean="0"/>
-              <a:t>‹#›</a:t>
             </a:fld>
             <a:endParaRPr lang="zh-CN" altLang="en-US"/>
           </a:p>
@@ -2256,6 +2443,7 @@
               <a:rPr lang="zh-CN" altLang="en-US" smtClean="0"/>
               <a:t>单击此处编辑母版文本样式</a:t>
             </a:r>
+            <a:endParaRPr lang="zh-CN" altLang="en-US" smtClean="0"/>
           </a:p>
         </p:txBody>
       </p:sp>
@@ -2276,7 +2464,6 @@
           <a:p>
             <a:fld id="{D997B5FA-0921-464F-AAE1-844C04324D75}" type="datetimeFigureOut">
               <a:rPr lang="zh-CN" altLang="en-US" smtClean="0"/>
-              <a:t>18/1/3</a:t>
             </a:fld>
             <a:endParaRPr lang="zh-CN" altLang="en-US"/>
           </a:p>
@@ -2318,7 +2505,6 @@
           <a:p>
             <a:fld id="{565CE74E-AB26-4998-AD42-012C4C1AD076}" type="slidenum">
               <a:rPr lang="zh-CN" altLang="en-US" smtClean="0"/>
-              <a:t>‹#›</a:t>
             </a:fld>
             <a:endParaRPr lang="zh-CN" altLang="en-US"/>
           </a:p>
@@ -2397,6 +2583,7 @@
               <a:rPr lang="zh-CN" altLang="en-US" smtClean="0"/>
               <a:t>单击此处编辑母版文本样式</a:t>
             </a:r>
+            <a:endParaRPr lang="zh-CN" altLang="en-US" smtClean="0"/>
           </a:p>
           <a:p>
             <a:pPr lvl="1"/>
@@ -2404,6 +2591,7 @@
               <a:rPr lang="zh-CN" altLang="en-US" smtClean="0"/>
               <a:t>第二级</a:t>
             </a:r>
+            <a:endParaRPr lang="zh-CN" altLang="en-US" smtClean="0"/>
           </a:p>
           <a:p>
             <a:pPr lvl="2"/>
@@ -2411,6 +2599,7 @@
               <a:rPr lang="zh-CN" altLang="en-US" smtClean="0"/>
               <a:t>第三级</a:t>
             </a:r>
+            <a:endParaRPr lang="zh-CN" altLang="en-US" smtClean="0"/>
           </a:p>
           <a:p>
             <a:pPr lvl="3"/>
@@ -2418,6 +2607,7 @@
               <a:rPr lang="zh-CN" altLang="en-US" smtClean="0"/>
               <a:t>第四级</a:t>
             </a:r>
+            <a:endParaRPr lang="zh-CN" altLang="en-US" smtClean="0"/>
           </a:p>
           <a:p>
             <a:pPr lvl="4"/>
@@ -2454,6 +2644,7 @@
               <a:rPr lang="zh-CN" altLang="en-US" smtClean="0"/>
               <a:t>单击此处编辑母版文本样式</a:t>
             </a:r>
+            <a:endParaRPr lang="zh-CN" altLang="en-US" smtClean="0"/>
           </a:p>
           <a:p>
             <a:pPr lvl="1"/>
@@ -2461,6 +2652,7 @@
               <a:rPr lang="zh-CN" altLang="en-US" smtClean="0"/>
               <a:t>第二级</a:t>
             </a:r>
+            <a:endParaRPr lang="zh-CN" altLang="en-US" smtClean="0"/>
           </a:p>
           <a:p>
             <a:pPr lvl="2"/>
@@ -2468,6 +2660,7 @@
               <a:rPr lang="zh-CN" altLang="en-US" smtClean="0"/>
               <a:t>第三级</a:t>
             </a:r>
+            <a:endParaRPr lang="zh-CN" altLang="en-US" smtClean="0"/>
           </a:p>
           <a:p>
             <a:pPr lvl="3"/>
@@ -2475,6 +2668,7 @@
               <a:rPr lang="zh-CN" altLang="en-US" smtClean="0"/>
               <a:t>第四级</a:t>
             </a:r>
+            <a:endParaRPr lang="zh-CN" altLang="en-US" smtClean="0"/>
           </a:p>
           <a:p>
             <a:pPr lvl="4"/>
@@ -2503,7 +2697,6 @@
           <a:p>
             <a:fld id="{D997B5FA-0921-464F-AAE1-844C04324D75}" type="datetimeFigureOut">
               <a:rPr lang="zh-CN" altLang="en-US" smtClean="0"/>
-              <a:t>18/1/3</a:t>
             </a:fld>
             <a:endParaRPr lang="zh-CN" altLang="en-US"/>
           </a:p>
@@ -2545,7 +2738,6 @@
           <a:p>
             <a:fld id="{565CE74E-AB26-4998-AD42-012C4C1AD076}" type="slidenum">
               <a:rPr lang="zh-CN" altLang="en-US" smtClean="0"/>
-              <a:t>‹#›</a:t>
             </a:fld>
             <a:endParaRPr lang="zh-CN" altLang="en-US"/>
           </a:p>
@@ -2666,6 +2858,7 @@
               <a:rPr lang="zh-CN" altLang="en-US" smtClean="0"/>
               <a:t>单击此处编辑母版文本样式</a:t>
             </a:r>
+            <a:endParaRPr lang="zh-CN" altLang="en-US" smtClean="0"/>
           </a:p>
         </p:txBody>
       </p:sp>
@@ -2694,6 +2887,7 @@
               <a:rPr lang="zh-CN" altLang="en-US" smtClean="0"/>
               <a:t>单击此处编辑母版文本样式</a:t>
             </a:r>
+            <a:endParaRPr lang="zh-CN" altLang="en-US" smtClean="0"/>
           </a:p>
           <a:p>
             <a:pPr lvl="1"/>
@@ -2701,6 +2895,7 @@
               <a:rPr lang="zh-CN" altLang="en-US" smtClean="0"/>
               <a:t>第二级</a:t>
             </a:r>
+            <a:endParaRPr lang="zh-CN" altLang="en-US" smtClean="0"/>
           </a:p>
           <a:p>
             <a:pPr lvl="2"/>
@@ -2708,6 +2903,7 @@
               <a:rPr lang="zh-CN" altLang="en-US" smtClean="0"/>
               <a:t>第三级</a:t>
             </a:r>
+            <a:endParaRPr lang="zh-CN" altLang="en-US" smtClean="0"/>
           </a:p>
           <a:p>
             <a:pPr lvl="3"/>
@@ -2715,6 +2911,7 @@
               <a:rPr lang="zh-CN" altLang="en-US" smtClean="0"/>
               <a:t>第四级</a:t>
             </a:r>
+            <a:endParaRPr lang="zh-CN" altLang="en-US" smtClean="0"/>
           </a:p>
           <a:p>
             <a:pPr lvl="4"/>
@@ -2788,6 +2985,7 @@
               <a:rPr lang="zh-CN" altLang="en-US" smtClean="0"/>
               <a:t>单击此处编辑母版文本样式</a:t>
             </a:r>
+            <a:endParaRPr lang="zh-CN" altLang="en-US" smtClean="0"/>
           </a:p>
         </p:txBody>
       </p:sp>
@@ -2816,6 +3014,7 @@
               <a:rPr lang="zh-CN" altLang="en-US" smtClean="0"/>
               <a:t>单击此处编辑母版文本样式</a:t>
             </a:r>
+            <a:endParaRPr lang="zh-CN" altLang="en-US" smtClean="0"/>
           </a:p>
           <a:p>
             <a:pPr lvl="1"/>
@@ -2823,6 +3022,7 @@
               <a:rPr lang="zh-CN" altLang="en-US" smtClean="0"/>
               <a:t>第二级</a:t>
             </a:r>
+            <a:endParaRPr lang="zh-CN" altLang="en-US" smtClean="0"/>
           </a:p>
           <a:p>
             <a:pPr lvl="2"/>
@@ -2830,6 +3030,7 @@
               <a:rPr lang="zh-CN" altLang="en-US" smtClean="0"/>
               <a:t>第三级</a:t>
             </a:r>
+            <a:endParaRPr lang="zh-CN" altLang="en-US" smtClean="0"/>
           </a:p>
           <a:p>
             <a:pPr lvl="3"/>
@@ -2837,6 +3038,7 @@
               <a:rPr lang="zh-CN" altLang="en-US" smtClean="0"/>
               <a:t>第四级</a:t>
             </a:r>
+            <a:endParaRPr lang="zh-CN" altLang="en-US" smtClean="0"/>
           </a:p>
           <a:p>
             <a:pPr lvl="4"/>
@@ -2865,7 +3067,6 @@
           <a:p>
             <a:fld id="{D997B5FA-0921-464F-AAE1-844C04324D75}" type="datetimeFigureOut">
               <a:rPr lang="zh-CN" altLang="en-US" smtClean="0"/>
-              <a:t>18/1/3</a:t>
             </a:fld>
             <a:endParaRPr lang="zh-CN" altLang="en-US"/>
           </a:p>
@@ -2907,7 +3108,6 @@
           <a:p>
             <a:fld id="{565CE74E-AB26-4998-AD42-012C4C1AD076}" type="slidenum">
               <a:rPr lang="zh-CN" altLang="en-US" smtClean="0"/>
-              <a:t>‹#›</a:t>
             </a:fld>
             <a:endParaRPr lang="zh-CN" altLang="en-US"/>
           </a:p>
@@ -2978,7 +3178,6 @@
           <a:p>
             <a:fld id="{D997B5FA-0921-464F-AAE1-844C04324D75}" type="datetimeFigureOut">
               <a:rPr lang="zh-CN" altLang="en-US" smtClean="0"/>
-              <a:t>18/1/3</a:t>
             </a:fld>
             <a:endParaRPr lang="zh-CN" altLang="en-US"/>
           </a:p>
@@ -3020,7 +3219,6 @@
           <a:p>
             <a:fld id="{565CE74E-AB26-4998-AD42-012C4C1AD076}" type="slidenum">
               <a:rPr lang="zh-CN" altLang="en-US" smtClean="0"/>
-              <a:t>‹#›</a:t>
             </a:fld>
             <a:endParaRPr lang="zh-CN" altLang="en-US"/>
           </a:p>
@@ -3068,7 +3266,6 @@
           <a:p>
             <a:fld id="{D997B5FA-0921-464F-AAE1-844C04324D75}" type="datetimeFigureOut">
               <a:rPr lang="zh-CN" altLang="en-US" smtClean="0"/>
-              <a:t>18/1/3</a:t>
             </a:fld>
             <a:endParaRPr lang="zh-CN" altLang="en-US"/>
           </a:p>
@@ -3110,7 +3307,6 @@
           <a:p>
             <a:fld id="{565CE74E-AB26-4998-AD42-012C4C1AD076}" type="slidenum">
               <a:rPr lang="zh-CN" altLang="en-US" smtClean="0"/>
-              <a:t>‹#›</a:t>
             </a:fld>
             <a:endParaRPr lang="zh-CN" altLang="en-US"/>
           </a:p>
@@ -3226,6 +3422,7 @@
               <a:rPr lang="zh-CN" altLang="en-US" smtClean="0"/>
               <a:t>单击此处编辑母版文本样式</a:t>
             </a:r>
+            <a:endParaRPr lang="zh-CN" altLang="en-US" smtClean="0"/>
           </a:p>
           <a:p>
             <a:pPr lvl="1"/>
@@ -3233,6 +3430,7 @@
               <a:rPr lang="zh-CN" altLang="en-US" smtClean="0"/>
               <a:t>第二级</a:t>
             </a:r>
+            <a:endParaRPr lang="zh-CN" altLang="en-US" smtClean="0"/>
           </a:p>
           <a:p>
             <a:pPr lvl="2"/>
@@ -3240,6 +3438,7 @@
               <a:rPr lang="zh-CN" altLang="en-US" smtClean="0"/>
               <a:t>第三级</a:t>
             </a:r>
+            <a:endParaRPr lang="zh-CN" altLang="en-US" smtClean="0"/>
           </a:p>
           <a:p>
             <a:pPr lvl="3"/>
@@ -3247,6 +3446,7 @@
               <a:rPr lang="zh-CN" altLang="en-US" smtClean="0"/>
               <a:t>第四级</a:t>
             </a:r>
+            <a:endParaRPr lang="zh-CN" altLang="en-US" smtClean="0"/>
           </a:p>
           <a:p>
             <a:pPr lvl="4"/>
@@ -3320,6 +3520,7 @@
               <a:rPr lang="zh-CN" altLang="en-US" smtClean="0"/>
               <a:t>单击此处编辑母版文本样式</a:t>
             </a:r>
+            <a:endParaRPr lang="zh-CN" altLang="en-US" smtClean="0"/>
           </a:p>
         </p:txBody>
       </p:sp>
@@ -3340,7 +3541,6 @@
           <a:p>
             <a:fld id="{D997B5FA-0921-464F-AAE1-844C04324D75}" type="datetimeFigureOut">
               <a:rPr lang="zh-CN" altLang="en-US" smtClean="0"/>
-              <a:t>18/1/3</a:t>
             </a:fld>
             <a:endParaRPr lang="zh-CN" altLang="en-US"/>
           </a:p>
@@ -3382,7 +3582,6 @@
           <a:p>
             <a:fld id="{565CE74E-AB26-4998-AD42-012C4C1AD076}" type="slidenum">
               <a:rPr lang="zh-CN" altLang="en-US" smtClean="0"/>
-              <a:t>‹#›</a:t>
             </a:fld>
             <a:endParaRPr lang="zh-CN" altLang="en-US"/>
           </a:p>
@@ -3568,6 +3767,7 @@
               <a:rPr lang="zh-CN" altLang="en-US" smtClean="0"/>
               <a:t>单击此处编辑母版文本样式</a:t>
             </a:r>
+            <a:endParaRPr lang="zh-CN" altLang="en-US" smtClean="0"/>
           </a:p>
         </p:txBody>
       </p:sp>
@@ -3588,7 +3788,6 @@
           <a:p>
             <a:fld id="{D997B5FA-0921-464F-AAE1-844C04324D75}" type="datetimeFigureOut">
               <a:rPr lang="zh-CN" altLang="en-US" smtClean="0"/>
-              <a:t>18/1/3</a:t>
             </a:fld>
             <a:endParaRPr lang="zh-CN" altLang="en-US"/>
           </a:p>
@@ -3630,7 +3829,6 @@
           <a:p>
             <a:fld id="{565CE74E-AB26-4998-AD42-012C4C1AD076}" type="slidenum">
               <a:rPr lang="zh-CN" altLang="en-US" smtClean="0"/>
-              <a:t>‹#›</a:t>
             </a:fld>
             <a:endParaRPr lang="zh-CN" altLang="en-US"/>
           </a:p>
@@ -3729,6 +3927,7 @@
               <a:rPr lang="zh-CN" altLang="en-US" smtClean="0"/>
               <a:t>单击此处编辑母版文本样式</a:t>
             </a:r>
+            <a:endParaRPr lang="zh-CN" altLang="en-US" smtClean="0"/>
           </a:p>
           <a:p>
             <a:pPr lvl="1"/>
@@ -3736,6 +3935,7 @@
               <a:rPr lang="zh-CN" altLang="en-US" smtClean="0"/>
               <a:t>第二级</a:t>
             </a:r>
+            <a:endParaRPr lang="zh-CN" altLang="en-US" smtClean="0"/>
           </a:p>
           <a:p>
             <a:pPr lvl="2"/>
@@ -3743,6 +3943,7 @@
               <a:rPr lang="zh-CN" altLang="en-US" smtClean="0"/>
               <a:t>第三级</a:t>
             </a:r>
+            <a:endParaRPr lang="zh-CN" altLang="en-US" smtClean="0"/>
           </a:p>
           <a:p>
             <a:pPr lvl="3"/>
@@ -3750,6 +3951,7 @@
               <a:rPr lang="zh-CN" altLang="en-US" smtClean="0"/>
               <a:t>第四级</a:t>
             </a:r>
+            <a:endParaRPr lang="zh-CN" altLang="en-US" smtClean="0"/>
           </a:p>
           <a:p>
             <a:pPr lvl="4"/>
@@ -3796,7 +3998,6 @@
           <a:p>
             <a:fld id="{D997B5FA-0921-464F-AAE1-844C04324D75}" type="datetimeFigureOut">
               <a:rPr lang="zh-CN" altLang="en-US" smtClean="0"/>
-              <a:t>18/1/3</a:t>
             </a:fld>
             <a:endParaRPr lang="zh-CN" altLang="en-US"/>
           </a:p>
@@ -3874,7 +4075,6 @@
           <a:p>
             <a:fld id="{565CE74E-AB26-4998-AD42-012C4C1AD076}" type="slidenum">
               <a:rPr lang="zh-CN" altLang="en-US" smtClean="0"/>
-              <a:t>‹#›</a:t>
             </a:fld>
             <a:endParaRPr lang="zh-CN" altLang="en-US"/>
           </a:p>
@@ -3924,7 +4124,7 @@
         <a:spcBef>
           <a:spcPts val="1000"/>
         </a:spcBef>
-        <a:buFont typeface="Arial" pitchFamily="34" charset="0"/>
+        <a:buFont typeface="Arial" panose="020B0604020202020204" pitchFamily="34" charset="0"/>
         <a:buChar char="•"/>
         <a:defRPr sz="2800" kern="1200">
           <a:solidFill>
@@ -3942,7 +4142,7 @@
         <a:spcBef>
           <a:spcPts val="500"/>
         </a:spcBef>
-        <a:buFont typeface="Arial" pitchFamily="34" charset="0"/>
+        <a:buFont typeface="Arial" panose="020B0604020202020204" pitchFamily="34" charset="0"/>
         <a:buChar char="•"/>
         <a:defRPr sz="2400" kern="1200">
           <a:solidFill>
@@ -3960,7 +4160,7 @@
         <a:spcBef>
           <a:spcPts val="500"/>
         </a:spcBef>
-        <a:buFont typeface="Arial" pitchFamily="34" charset="0"/>
+        <a:buFont typeface="Arial" panose="020B0604020202020204" pitchFamily="34" charset="0"/>
         <a:buChar char="•"/>
         <a:defRPr sz="2000" kern="1200">
           <a:solidFill>
@@ -3978,7 +4178,7 @@
         <a:spcBef>
           <a:spcPts val="500"/>
         </a:spcBef>
-        <a:buFont typeface="Arial" pitchFamily="34" charset="0"/>
+        <a:buFont typeface="Arial" panose="020B0604020202020204" pitchFamily="34" charset="0"/>
         <a:buChar char="•"/>
         <a:defRPr sz="1800" kern="1200">
           <a:solidFill>
@@ -3996,7 +4196,7 @@
         <a:spcBef>
           <a:spcPts val="500"/>
         </a:spcBef>
-        <a:buFont typeface="Arial" pitchFamily="34" charset="0"/>
+        <a:buFont typeface="Arial" panose="020B0604020202020204" pitchFamily="34" charset="0"/>
         <a:buChar char="•"/>
         <a:defRPr sz="1800" kern="1200">
           <a:solidFill>
@@ -4014,7 +4214,7 @@
         <a:spcBef>
           <a:spcPts val="500"/>
         </a:spcBef>
-        <a:buFont typeface="Arial" pitchFamily="34" charset="0"/>
+        <a:buFont typeface="Arial" panose="020B0604020202020204" pitchFamily="34" charset="0"/>
         <a:buChar char="•"/>
         <a:defRPr sz="1800" kern="1200">
           <a:solidFill>
@@ -4032,7 +4232,7 @@
         <a:spcBef>
           <a:spcPts val="500"/>
         </a:spcBef>
-        <a:buFont typeface="Arial" pitchFamily="34" charset="0"/>
+        <a:buFont typeface="Arial" panose="020B0604020202020204" pitchFamily="34" charset="0"/>
         <a:buChar char="•"/>
         <a:defRPr sz="1800" kern="1200">
           <a:solidFill>
@@ -4050,7 +4250,7 @@
         <a:spcBef>
           <a:spcPts val="500"/>
         </a:spcBef>
-        <a:buFont typeface="Arial" pitchFamily="34" charset="0"/>
+        <a:buFont typeface="Arial" panose="020B0604020202020204" pitchFamily="34" charset="0"/>
         <a:buChar char="•"/>
         <a:defRPr sz="1800" kern="1200">
           <a:solidFill>
@@ -4068,7 +4268,7 @@
         <a:spcBef>
           <a:spcPts val="500"/>
         </a:spcBef>
-        <a:buFont typeface="Arial" pitchFamily="34" charset="0"/>
+        <a:buFont typeface="Arial" panose="020B0604020202020204" pitchFamily="34" charset="0"/>
         <a:buChar char="•"/>
         <a:defRPr sz="1800" kern="1200">
           <a:solidFill>
@@ -4322,6 +4522,7 @@
               <a:rPr lang="en-US" altLang="zh-CN" sz="3200" b="1"/>
               <a:t>v1.1</a:t>
             </a:r>
+            <a:endParaRPr lang="en-US" altLang="zh-CN" sz="3200" b="1"/>
           </a:p>
         </p:txBody>
       </p:sp>
@@ -4365,8 +4566,8 @@
                   <a:lumMod val="50000"/>
                 </a:schemeClr>
               </a:solidFill>
-              <a:latin typeface="微软雅黑" charset="0"/>
-              <a:ea typeface="微软雅黑" charset="0"/>
+              <a:latin typeface="微软雅黑" panose="020B0503020204020204" charset="-122"/>
+              <a:ea typeface="微软雅黑" panose="020B0503020204020204" charset="-122"/>
             </a:endParaRPr>
           </a:p>
           <a:p>
@@ -4377,8 +4578,8 @@
                   <a:lumMod val="50000"/>
                 </a:schemeClr>
               </a:solidFill>
-              <a:latin typeface="微软雅黑" charset="0"/>
-              <a:ea typeface="微软雅黑" charset="0"/>
+              <a:latin typeface="微软雅黑" panose="020B0503020204020204" charset="-122"/>
+              <a:ea typeface="微软雅黑" panose="020B0503020204020204" charset="-122"/>
             </a:endParaRPr>
           </a:p>
           <a:p>
@@ -4389,8 +4590,8 @@
                   <a:lumMod val="50000"/>
                 </a:schemeClr>
               </a:solidFill>
-              <a:latin typeface="微软雅黑" charset="0"/>
-              <a:ea typeface="微软雅黑" charset="0"/>
+              <a:latin typeface="微软雅黑" panose="020B0503020204020204" charset="-122"/>
+              <a:ea typeface="微软雅黑" panose="020B0503020204020204" charset="-122"/>
             </a:endParaRPr>
           </a:p>
           <a:p>
@@ -4401,8 +4602,8 @@
                   <a:lumMod val="50000"/>
                 </a:schemeClr>
               </a:solidFill>
-              <a:latin typeface="微软雅黑" charset="0"/>
-              <a:ea typeface="微软雅黑" charset="0"/>
+              <a:latin typeface="微软雅黑" panose="020B0503020204020204" charset="-122"/>
+              <a:ea typeface="微软雅黑" panose="020B0503020204020204" charset="-122"/>
             </a:endParaRPr>
           </a:p>
           <a:p>
@@ -4413,8 +4614,8 @@
                   <a:lumMod val="50000"/>
                 </a:schemeClr>
               </a:solidFill>
-              <a:latin typeface="微软雅黑" charset="0"/>
-              <a:ea typeface="微软雅黑" charset="0"/>
+              <a:latin typeface="微软雅黑" panose="020B0503020204020204" charset="-122"/>
+              <a:ea typeface="微软雅黑" panose="020B0503020204020204" charset="-122"/>
             </a:endParaRPr>
           </a:p>
           <a:p>
@@ -4425,8 +4626,8 @@
                   <a:lumMod val="50000"/>
                 </a:schemeClr>
               </a:solidFill>
-              <a:latin typeface="微软雅黑" charset="0"/>
-              <a:ea typeface="微软雅黑" charset="0"/>
+              <a:latin typeface="微软雅黑" panose="020B0503020204020204" charset="-122"/>
+              <a:ea typeface="微软雅黑" panose="020B0503020204020204" charset="-122"/>
             </a:endParaRPr>
           </a:p>
           <a:p>
@@ -4437,8 +4638,8 @@
                   <a:lumMod val="50000"/>
                 </a:schemeClr>
               </a:solidFill>
-              <a:latin typeface="微软雅黑" charset="0"/>
-              <a:ea typeface="微软雅黑" charset="0"/>
+              <a:latin typeface="微软雅黑" panose="020B0503020204020204" charset="-122"/>
+              <a:ea typeface="微软雅黑" panose="020B0503020204020204" charset="-122"/>
             </a:endParaRPr>
           </a:p>
           <a:p>
@@ -4449,8 +4650,8 @@
                   <a:lumMod val="50000"/>
                 </a:schemeClr>
               </a:solidFill>
-              <a:latin typeface="微软雅黑" charset="0"/>
-              <a:ea typeface="微软雅黑" charset="0"/>
+              <a:latin typeface="微软雅黑" panose="020B0503020204020204" charset="-122"/>
+              <a:ea typeface="微软雅黑" panose="020B0503020204020204" charset="-122"/>
             </a:endParaRPr>
           </a:p>
           <a:p>
@@ -4461,8 +4662,8 @@
                   <a:lumMod val="50000"/>
                 </a:schemeClr>
               </a:solidFill>
-              <a:latin typeface="微软雅黑" charset="0"/>
-              <a:ea typeface="微软雅黑" charset="0"/>
+              <a:latin typeface="微软雅黑" panose="020B0503020204020204" charset="-122"/>
+              <a:ea typeface="微软雅黑" panose="020B0503020204020204" charset="-122"/>
             </a:endParaRPr>
           </a:p>
           <a:p>
@@ -4473,8 +4674,8 @@
                   <a:lumMod val="50000"/>
                 </a:schemeClr>
               </a:solidFill>
-              <a:latin typeface="微软雅黑" charset="0"/>
-              <a:ea typeface="微软雅黑" charset="0"/>
+              <a:latin typeface="微软雅黑" panose="020B0503020204020204" charset="-122"/>
+              <a:ea typeface="微软雅黑" panose="020B0503020204020204" charset="-122"/>
             </a:endParaRPr>
           </a:p>
           <a:p>
@@ -4485,8 +4686,8 @@
                   <a:lumMod val="50000"/>
                 </a:schemeClr>
               </a:solidFill>
-              <a:latin typeface="微软雅黑" charset="0"/>
-              <a:ea typeface="微软雅黑" charset="0"/>
+              <a:latin typeface="微软雅黑" panose="020B0503020204020204" charset="-122"/>
+              <a:ea typeface="微软雅黑" panose="020B0503020204020204" charset="-122"/>
             </a:endParaRPr>
           </a:p>
           <a:p>
@@ -4497,8 +4698,8 @@
                   <a:lumMod val="50000"/>
                 </a:schemeClr>
               </a:solidFill>
-              <a:latin typeface="微软雅黑" charset="0"/>
-              <a:ea typeface="微软雅黑" charset="0"/>
+              <a:latin typeface="微软雅黑" panose="020B0503020204020204" charset="-122"/>
+              <a:ea typeface="微软雅黑" panose="020B0503020204020204" charset="-122"/>
             </a:endParaRPr>
           </a:p>
           <a:p>
@@ -4510,11 +4711,20 @@
                     <a:lumMod val="50000"/>
                   </a:schemeClr>
                 </a:solidFill>
-                <a:latin typeface="微软雅黑" charset="0"/>
-                <a:ea typeface="微软雅黑" charset="0"/>
+                <a:latin typeface="微软雅黑" panose="020B0503020204020204" charset="-122"/>
+                <a:ea typeface="微软雅黑" panose="020B0503020204020204" charset="-122"/>
               </a:rPr>
               <a:t>调度中心</a:t>
             </a:r>
+            <a:endParaRPr lang="zh-CN" altLang="en-US" sz="2400" b="1">
+              <a:solidFill>
+                <a:schemeClr val="accent5">
+                  <a:lumMod val="50000"/>
+                </a:schemeClr>
+              </a:solidFill>
+              <a:latin typeface="微软雅黑" panose="020B0503020204020204" charset="-122"/>
+              <a:ea typeface="微软雅黑" panose="020B0503020204020204" charset="-122"/>
+            </a:endParaRPr>
           </a:p>
         </p:txBody>
       </p:sp>
@@ -4553,50 +4763,50 @@
           <a:p>
             <a:pPr algn="ctr"/>
             <a:endParaRPr lang="zh-CN" altLang="en-US" b="1">
-              <a:latin typeface="微软雅黑" charset="0"/>
-              <a:ea typeface="微软雅黑" charset="0"/>
+              <a:latin typeface="微软雅黑" panose="020B0503020204020204" charset="-122"/>
+              <a:ea typeface="微软雅黑" panose="020B0503020204020204" charset="-122"/>
             </a:endParaRPr>
           </a:p>
           <a:p>
             <a:pPr algn="ctr"/>
             <a:endParaRPr lang="zh-CN" altLang="en-US" b="1">
-              <a:latin typeface="微软雅黑" charset="0"/>
-              <a:ea typeface="微软雅黑" charset="0"/>
+              <a:latin typeface="微软雅黑" panose="020B0503020204020204" charset="-122"/>
+              <a:ea typeface="微软雅黑" panose="020B0503020204020204" charset="-122"/>
             </a:endParaRPr>
           </a:p>
           <a:p>
             <a:pPr algn="ctr"/>
             <a:endParaRPr lang="zh-CN" altLang="en-US" b="1">
-              <a:latin typeface="微软雅黑" charset="0"/>
-              <a:ea typeface="微软雅黑" charset="0"/>
+              <a:latin typeface="微软雅黑" panose="020B0503020204020204" charset="-122"/>
+              <a:ea typeface="微软雅黑" panose="020B0503020204020204" charset="-122"/>
             </a:endParaRPr>
           </a:p>
           <a:p>
             <a:pPr algn="ctr"/>
             <a:endParaRPr lang="zh-CN" altLang="en-US" b="1">
-              <a:latin typeface="微软雅黑" charset="0"/>
-              <a:ea typeface="微软雅黑" charset="0"/>
+              <a:latin typeface="微软雅黑" panose="020B0503020204020204" charset="-122"/>
+              <a:ea typeface="微软雅黑" panose="020B0503020204020204" charset="-122"/>
             </a:endParaRPr>
           </a:p>
           <a:p>
             <a:pPr algn="ctr"/>
             <a:endParaRPr lang="zh-CN" altLang="en-US" b="1">
-              <a:latin typeface="微软雅黑" charset="0"/>
-              <a:ea typeface="微软雅黑" charset="0"/>
+              <a:latin typeface="微软雅黑" panose="020B0503020204020204" charset="-122"/>
+              <a:ea typeface="微软雅黑" panose="020B0503020204020204" charset="-122"/>
             </a:endParaRPr>
           </a:p>
           <a:p>
             <a:pPr algn="ctr"/>
             <a:endParaRPr lang="zh-CN" altLang="en-US" b="1">
-              <a:latin typeface="微软雅黑" charset="0"/>
-              <a:ea typeface="微软雅黑" charset="0"/>
+              <a:latin typeface="微软雅黑" panose="020B0503020204020204" charset="-122"/>
+              <a:ea typeface="微软雅黑" panose="020B0503020204020204" charset="-122"/>
             </a:endParaRPr>
           </a:p>
           <a:p>
             <a:pPr algn="ctr"/>
             <a:endParaRPr lang="zh-CN" altLang="en-US" b="1">
-              <a:latin typeface="微软雅黑" charset="0"/>
-              <a:ea typeface="微软雅黑" charset="0"/>
+              <a:latin typeface="微软雅黑" panose="020B0503020204020204" charset="-122"/>
+              <a:ea typeface="微软雅黑" panose="020B0503020204020204" charset="-122"/>
             </a:endParaRPr>
           </a:p>
           <a:p>
@@ -4606,11 +4816,18 @@
                 <a:solidFill>
                   <a:schemeClr val="tx1"/>
                 </a:solidFill>
-                <a:latin typeface="微软雅黑" charset="0"/>
-                <a:ea typeface="微软雅黑" charset="0"/>
+                <a:latin typeface="微软雅黑" panose="020B0503020204020204" charset="-122"/>
+                <a:ea typeface="微软雅黑" panose="020B0503020204020204" charset="-122"/>
               </a:rPr>
               <a:t>任务池</a:t>
             </a:r>
+            <a:endParaRPr lang="zh-CN" altLang="en-US" b="1">
+              <a:solidFill>
+                <a:schemeClr val="tx1"/>
+              </a:solidFill>
+              <a:latin typeface="微软雅黑" panose="020B0503020204020204" charset="-122"/>
+              <a:ea typeface="微软雅黑" panose="020B0503020204020204" charset="-122"/>
+            </a:endParaRPr>
           </a:p>
         </p:txBody>
       </p:sp>
@@ -4650,18 +4867,22 @@
             <a:pPr algn="l"/>
             <a:r>
               <a:rPr lang="zh-CN" altLang="en-US">
-                <a:latin typeface="微软雅黑" charset="0"/>
-                <a:ea typeface="微软雅黑" charset="0"/>
+                <a:latin typeface="微软雅黑" panose="020B0503020204020204" charset="-122"/>
+                <a:ea typeface="微软雅黑" panose="020B0503020204020204" charset="-122"/>
               </a:rPr>
               <a:t>宴会商户头图绑定</a:t>
             </a:r>
             <a:r>
               <a:rPr lang="en-US" altLang="zh-CN">
-                <a:latin typeface="微软雅黑" charset="0"/>
-                <a:ea typeface="微软雅黑" charset="0"/>
+                <a:latin typeface="微软雅黑" panose="020B0503020204020204" charset="-122"/>
+                <a:ea typeface="微软雅黑" panose="020B0503020204020204" charset="-122"/>
               </a:rPr>
               <a:t>JOB</a:t>
             </a:r>
+            <a:endParaRPr lang="en-US" altLang="zh-CN">
+              <a:latin typeface="微软雅黑" panose="020B0503020204020204" charset="-122"/>
+              <a:ea typeface="微软雅黑" panose="020B0503020204020204" charset="-122"/>
+            </a:endParaRPr>
           </a:p>
         </p:txBody>
       </p:sp>
@@ -4701,33 +4922,37 @@
             <a:pPr algn="l"/>
             <a:r>
               <a:rPr lang="zh-CN" altLang="en-US">
-                <a:latin typeface="微软雅黑" charset="0"/>
-                <a:ea typeface="微软雅黑" charset="0"/>
+                <a:latin typeface="微软雅黑" panose="020B0503020204020204" charset="-122"/>
+                <a:ea typeface="微软雅黑" panose="020B0503020204020204" charset="-122"/>
               </a:rPr>
               <a:t>婚宴默认</a:t>
             </a:r>
             <a:r>
               <a:rPr lang="zh-CN" altLang="en-US">
-                <a:latin typeface="微软雅黑" charset="0"/>
-                <a:ea typeface="微软雅黑" charset="0"/>
+                <a:latin typeface="微软雅黑" panose="020B0503020204020204" charset="-122"/>
+                <a:ea typeface="微软雅黑" panose="020B0503020204020204" charset="-122"/>
                 <a:sym typeface="+mn-ea"/>
               </a:rPr>
               <a:t>搜索</a:t>
             </a:r>
             <a:r>
               <a:rPr lang="zh-CN" altLang="en-US">
-                <a:latin typeface="微软雅黑" charset="0"/>
-                <a:ea typeface="微软雅黑" charset="0"/>
+                <a:latin typeface="微软雅黑" panose="020B0503020204020204" charset="-122"/>
+                <a:ea typeface="微软雅黑" panose="020B0503020204020204" charset="-122"/>
               </a:rPr>
               <a:t>排序跑分</a:t>
             </a:r>
             <a:r>
               <a:rPr lang="en-US" altLang="zh-CN">
-                <a:latin typeface="微软雅黑" charset="0"/>
-                <a:ea typeface="微软雅黑" charset="0"/>
+                <a:latin typeface="微软雅黑" panose="020B0503020204020204" charset="-122"/>
+                <a:ea typeface="微软雅黑" panose="020B0503020204020204" charset="-122"/>
               </a:rPr>
               <a:t>JOB</a:t>
             </a:r>
+            <a:endParaRPr lang="en-US" altLang="zh-CN">
+              <a:latin typeface="微软雅黑" panose="020B0503020204020204" charset="-122"/>
+              <a:ea typeface="微软雅黑" panose="020B0503020204020204" charset="-122"/>
+            </a:endParaRPr>
           </a:p>
         </p:txBody>
       </p:sp>
@@ -4767,11 +4992,15 @@
             <a:pPr algn="ctr"/>
             <a:r>
               <a:rPr lang="en-US" altLang="zh-CN">
-                <a:latin typeface="微软雅黑" charset="0"/>
-                <a:ea typeface="微软雅黑" charset="0"/>
+                <a:latin typeface="微软雅黑" panose="020B0503020204020204" charset="-122"/>
+                <a:ea typeface="微软雅黑" panose="020B0503020204020204" charset="-122"/>
               </a:rPr>
               <a:t>……</a:t>
             </a:r>
+            <a:endParaRPr lang="en-US" altLang="zh-CN">
+              <a:latin typeface="微软雅黑" panose="020B0503020204020204" charset="-122"/>
+              <a:ea typeface="微软雅黑" panose="020B0503020204020204" charset="-122"/>
+            </a:endParaRPr>
           </a:p>
         </p:txBody>
       </p:sp>
@@ -4816,28 +5045,36 @@
             <a:pPr algn="ctr"/>
             <a:r>
               <a:rPr lang="zh-CN" altLang="en-US">
-                <a:latin typeface="微软雅黑" charset="0"/>
-                <a:ea typeface="微软雅黑" charset="0"/>
+                <a:latin typeface="微软雅黑" panose="020B0503020204020204" charset="-122"/>
+                <a:ea typeface="微软雅黑" panose="020B0503020204020204" charset="-122"/>
               </a:rPr>
               <a:t>调度器</a:t>
             </a:r>
             <a:r>
               <a:rPr lang="en-US" altLang="zh-CN">
-                <a:latin typeface="微软雅黑" charset="0"/>
-                <a:ea typeface="微软雅黑" charset="0"/>
+                <a:latin typeface="微软雅黑" panose="020B0503020204020204" charset="-122"/>
+                <a:ea typeface="微软雅黑" panose="020B0503020204020204" charset="-122"/>
               </a:rPr>
               <a:t>A</a:t>
             </a:r>
+            <a:endParaRPr lang="en-US" altLang="zh-CN">
+              <a:latin typeface="微软雅黑" panose="020B0503020204020204" charset="-122"/>
+              <a:ea typeface="微软雅黑" panose="020B0503020204020204" charset="-122"/>
+            </a:endParaRPr>
           </a:p>
           <a:p>
             <a:pPr algn="ctr"/>
             <a:r>
               <a:rPr lang="zh-CN" altLang="en-US">
-                <a:latin typeface="微软雅黑" charset="0"/>
-                <a:ea typeface="微软雅黑" charset="0"/>
+                <a:latin typeface="微软雅黑" panose="020B0503020204020204" charset="-122"/>
+                <a:ea typeface="微软雅黑" panose="020B0503020204020204" charset="-122"/>
               </a:rPr>
               <a:t>【block】</a:t>
             </a:r>
+            <a:endParaRPr lang="zh-CN" altLang="en-US">
+              <a:latin typeface="微软雅黑" panose="020B0503020204020204" charset="-122"/>
+              <a:ea typeface="微软雅黑" panose="020B0503020204020204" charset="-122"/>
+            </a:endParaRPr>
           </a:p>
         </p:txBody>
       </p:sp>
@@ -4882,32 +5119,36 @@
             <a:pPr algn="ctr"/>
             <a:r>
               <a:rPr lang="zh-CN" altLang="en-US">
-                <a:latin typeface="微软雅黑" charset="0"/>
-                <a:ea typeface="微软雅黑" charset="0"/>
+                <a:latin typeface="微软雅黑" panose="020B0503020204020204" charset="-122"/>
+                <a:ea typeface="微软雅黑" panose="020B0503020204020204" charset="-122"/>
               </a:rPr>
               <a:t>调度器</a:t>
             </a:r>
             <a:r>
               <a:rPr lang="en-US" altLang="zh-CN">
-                <a:latin typeface="微软雅黑" charset="0"/>
-                <a:ea typeface="微软雅黑" charset="0"/>
+                <a:latin typeface="微软雅黑" panose="020B0503020204020204" charset="-122"/>
+                <a:ea typeface="微软雅黑" panose="020B0503020204020204" charset="-122"/>
               </a:rPr>
               <a:t>B</a:t>
             </a:r>
+            <a:endParaRPr lang="en-US" altLang="zh-CN">
+              <a:latin typeface="微软雅黑" panose="020B0503020204020204" charset="-122"/>
+              <a:ea typeface="微软雅黑" panose="020B0503020204020204" charset="-122"/>
+            </a:endParaRPr>
           </a:p>
           <a:p>
             <a:pPr algn="ctr"/>
             <a:r>
               <a:rPr lang="zh-CN" altLang="en-US">
-                <a:latin typeface="微软雅黑" charset="0"/>
-                <a:ea typeface="微软雅黑" charset="0"/>
+                <a:latin typeface="微软雅黑" panose="020B0503020204020204" charset="-122"/>
+                <a:ea typeface="微软雅黑" panose="020B0503020204020204" charset="-122"/>
                 <a:sym typeface="+mn-ea"/>
               </a:rPr>
               <a:t>【block】</a:t>
             </a:r>
             <a:endParaRPr lang="en-US" altLang="zh-CN">
-              <a:latin typeface="微软雅黑" charset="0"/>
-              <a:ea typeface="微软雅黑" charset="0"/>
+              <a:latin typeface="微软雅黑" panose="020B0503020204020204" charset="-122"/>
+              <a:ea typeface="微软雅黑" panose="020B0503020204020204" charset="-122"/>
             </a:endParaRPr>
           </a:p>
         </p:txBody>
@@ -4948,32 +5189,36 @@
             <a:pPr algn="ctr"/>
             <a:r>
               <a:rPr lang="zh-CN" altLang="en-US">
-                <a:latin typeface="微软雅黑" charset="0"/>
-                <a:ea typeface="微软雅黑" charset="0"/>
+                <a:latin typeface="微软雅黑" panose="020B0503020204020204" charset="-122"/>
+                <a:ea typeface="微软雅黑" panose="020B0503020204020204" charset="-122"/>
               </a:rPr>
               <a:t>调度器</a:t>
             </a:r>
             <a:r>
               <a:rPr lang="en-US" altLang="zh-CN">
-                <a:latin typeface="微软雅黑" charset="0"/>
-                <a:ea typeface="微软雅黑" charset="0"/>
+                <a:latin typeface="微软雅黑" panose="020B0503020204020204" charset="-122"/>
+                <a:ea typeface="微软雅黑" panose="020B0503020204020204" charset="-122"/>
               </a:rPr>
               <a:t>C</a:t>
             </a:r>
+            <a:endParaRPr lang="en-US" altLang="zh-CN">
+              <a:latin typeface="微软雅黑" panose="020B0503020204020204" charset="-122"/>
+              <a:ea typeface="微软雅黑" panose="020B0503020204020204" charset="-122"/>
+            </a:endParaRPr>
           </a:p>
           <a:p>
             <a:pPr algn="ctr"/>
             <a:r>
               <a:rPr lang="zh-CN" altLang="en-US">
-                <a:latin typeface="微软雅黑" charset="0"/>
-                <a:ea typeface="微软雅黑" charset="0"/>
+                <a:latin typeface="微软雅黑" panose="020B0503020204020204" charset="-122"/>
+                <a:ea typeface="微软雅黑" panose="020B0503020204020204" charset="-122"/>
                 <a:sym typeface="+mn-ea"/>
               </a:rPr>
               <a:t>【active】</a:t>
             </a:r>
             <a:endParaRPr lang="en-US" altLang="zh-CN">
-              <a:latin typeface="微软雅黑" charset="0"/>
-              <a:ea typeface="微软雅黑" charset="0"/>
+              <a:latin typeface="微软雅黑" panose="020B0503020204020204" charset="-122"/>
+              <a:ea typeface="微软雅黑" panose="020B0503020204020204" charset="-122"/>
             </a:endParaRPr>
           </a:p>
         </p:txBody>
@@ -5019,11 +5264,18 @@
                 <a:solidFill>
                   <a:schemeClr val="tx1"/>
                 </a:solidFill>
-                <a:latin typeface="微软雅黑" charset="0"/>
-                <a:ea typeface="微软雅黑" charset="0"/>
+                <a:latin typeface="微软雅黑" panose="020B0503020204020204" charset="-122"/>
+                <a:ea typeface="微软雅黑" panose="020B0503020204020204" charset="-122"/>
               </a:rPr>
               <a:t>调度日志</a:t>
             </a:r>
+            <a:endParaRPr lang="zh-CN" altLang="en-US" b="1">
+              <a:solidFill>
+                <a:schemeClr val="tx1"/>
+              </a:solidFill>
+              <a:latin typeface="微软雅黑" panose="020B0503020204020204" charset="-122"/>
+              <a:ea typeface="微软雅黑" panose="020B0503020204020204" charset="-122"/>
+            </a:endParaRPr>
           </a:p>
         </p:txBody>
       </p:sp>
@@ -5069,8 +5321,8 @@
           <a:p>
             <a:pPr algn="ctr"/>
             <a:endParaRPr lang="zh-CN" altLang="en-US">
-              <a:latin typeface="微软雅黑" charset="0"/>
-              <a:ea typeface="微软雅黑" charset="0"/>
+              <a:latin typeface="微软雅黑" panose="020B0503020204020204" charset="-122"/>
+              <a:ea typeface="微软雅黑" panose="020B0503020204020204" charset="-122"/>
             </a:endParaRPr>
           </a:p>
         </p:txBody>
@@ -5110,113 +5362,113 @@
           <a:p>
             <a:pPr algn="ctr"/>
             <a:endParaRPr lang="en-US" altLang="zh-CN" b="1">
-              <a:latin typeface="微软雅黑" charset="0"/>
-              <a:ea typeface="微软雅黑" charset="0"/>
+              <a:latin typeface="微软雅黑" panose="020B0503020204020204" charset="-122"/>
+              <a:ea typeface="微软雅黑" panose="020B0503020204020204" charset="-122"/>
             </a:endParaRPr>
           </a:p>
           <a:p>
             <a:pPr algn="ctr"/>
             <a:endParaRPr lang="en-US" altLang="zh-CN" b="1">
-              <a:latin typeface="微软雅黑" charset="0"/>
-              <a:ea typeface="微软雅黑" charset="0"/>
+              <a:latin typeface="微软雅黑" panose="020B0503020204020204" charset="-122"/>
+              <a:ea typeface="微软雅黑" panose="020B0503020204020204" charset="-122"/>
             </a:endParaRPr>
           </a:p>
           <a:p>
             <a:pPr algn="ctr"/>
             <a:endParaRPr lang="en-US" altLang="zh-CN" b="1">
-              <a:latin typeface="微软雅黑" charset="0"/>
-              <a:ea typeface="微软雅黑" charset="0"/>
+              <a:latin typeface="微软雅黑" panose="020B0503020204020204" charset="-122"/>
+              <a:ea typeface="微软雅黑" panose="020B0503020204020204" charset="-122"/>
             </a:endParaRPr>
           </a:p>
           <a:p>
             <a:pPr algn="ctr"/>
             <a:endParaRPr lang="en-US" altLang="zh-CN" b="1">
-              <a:latin typeface="微软雅黑" charset="0"/>
-              <a:ea typeface="微软雅黑" charset="0"/>
+              <a:latin typeface="微软雅黑" panose="020B0503020204020204" charset="-122"/>
+              <a:ea typeface="微软雅黑" panose="020B0503020204020204" charset="-122"/>
             </a:endParaRPr>
           </a:p>
           <a:p>
             <a:pPr algn="ctr"/>
             <a:endParaRPr lang="en-US" altLang="zh-CN" b="1">
-              <a:latin typeface="微软雅黑" charset="0"/>
-              <a:ea typeface="微软雅黑" charset="0"/>
+              <a:latin typeface="微软雅黑" panose="020B0503020204020204" charset="-122"/>
+              <a:ea typeface="微软雅黑" panose="020B0503020204020204" charset="-122"/>
             </a:endParaRPr>
           </a:p>
           <a:p>
             <a:pPr algn="ctr"/>
             <a:endParaRPr lang="en-US" altLang="zh-CN" b="1">
-              <a:latin typeface="微软雅黑" charset="0"/>
-              <a:ea typeface="微软雅黑" charset="0"/>
+              <a:latin typeface="微软雅黑" panose="020B0503020204020204" charset="-122"/>
+              <a:ea typeface="微软雅黑" panose="020B0503020204020204" charset="-122"/>
             </a:endParaRPr>
           </a:p>
           <a:p>
             <a:pPr algn="ctr"/>
             <a:endParaRPr lang="en-US" altLang="zh-CN" b="1">
-              <a:latin typeface="微软雅黑" charset="0"/>
-              <a:ea typeface="微软雅黑" charset="0"/>
+              <a:latin typeface="微软雅黑" panose="020B0503020204020204" charset="-122"/>
+              <a:ea typeface="微软雅黑" panose="020B0503020204020204" charset="-122"/>
             </a:endParaRPr>
           </a:p>
           <a:p>
             <a:pPr algn="ctr"/>
             <a:endParaRPr lang="en-US" altLang="zh-CN" b="1">
-              <a:latin typeface="微软雅黑" charset="0"/>
-              <a:ea typeface="微软雅黑" charset="0"/>
+              <a:latin typeface="微软雅黑" panose="020B0503020204020204" charset="-122"/>
+              <a:ea typeface="微软雅黑" panose="020B0503020204020204" charset="-122"/>
             </a:endParaRPr>
           </a:p>
           <a:p>
             <a:pPr algn="ctr"/>
             <a:endParaRPr lang="en-US" altLang="zh-CN" b="1">
-              <a:latin typeface="微软雅黑" charset="0"/>
-              <a:ea typeface="微软雅黑" charset="0"/>
+              <a:latin typeface="微软雅黑" panose="020B0503020204020204" charset="-122"/>
+              <a:ea typeface="微软雅黑" panose="020B0503020204020204" charset="-122"/>
             </a:endParaRPr>
           </a:p>
           <a:p>
             <a:pPr algn="ctr"/>
             <a:endParaRPr lang="en-US" altLang="zh-CN" b="1">
-              <a:latin typeface="微软雅黑" charset="0"/>
-              <a:ea typeface="微软雅黑" charset="0"/>
+              <a:latin typeface="微软雅黑" panose="020B0503020204020204" charset="-122"/>
+              <a:ea typeface="微软雅黑" panose="020B0503020204020204" charset="-122"/>
             </a:endParaRPr>
           </a:p>
           <a:p>
             <a:pPr algn="ctr"/>
             <a:endParaRPr lang="en-US" altLang="zh-CN" b="1">
-              <a:latin typeface="微软雅黑" charset="0"/>
-              <a:ea typeface="微软雅黑" charset="0"/>
+              <a:latin typeface="微软雅黑" panose="020B0503020204020204" charset="-122"/>
+              <a:ea typeface="微软雅黑" panose="020B0503020204020204" charset="-122"/>
             </a:endParaRPr>
           </a:p>
           <a:p>
             <a:pPr algn="ctr"/>
             <a:endParaRPr lang="en-US" altLang="zh-CN" b="1">
-              <a:latin typeface="微软雅黑" charset="0"/>
-              <a:ea typeface="微软雅黑" charset="0"/>
+              <a:latin typeface="微软雅黑" panose="020B0503020204020204" charset="-122"/>
+              <a:ea typeface="微软雅黑" panose="020B0503020204020204" charset="-122"/>
             </a:endParaRPr>
           </a:p>
           <a:p>
             <a:pPr algn="ctr"/>
             <a:endParaRPr lang="en-US" altLang="zh-CN" b="1">
-              <a:latin typeface="微软雅黑" charset="0"/>
-              <a:ea typeface="微软雅黑" charset="0"/>
+              <a:latin typeface="微软雅黑" panose="020B0503020204020204" charset="-122"/>
+              <a:ea typeface="微软雅黑" panose="020B0503020204020204" charset="-122"/>
             </a:endParaRPr>
           </a:p>
           <a:p>
             <a:pPr algn="ctr"/>
             <a:endParaRPr lang="en-US" altLang="zh-CN" b="1">
-              <a:latin typeface="微软雅黑" charset="0"/>
-              <a:ea typeface="微软雅黑" charset="0"/>
+              <a:latin typeface="微软雅黑" panose="020B0503020204020204" charset="-122"/>
+              <a:ea typeface="微软雅黑" panose="020B0503020204020204" charset="-122"/>
             </a:endParaRPr>
           </a:p>
           <a:p>
             <a:pPr algn="ctr"/>
             <a:endParaRPr lang="en-US" altLang="zh-CN" b="1">
-              <a:latin typeface="微软雅黑" charset="0"/>
-              <a:ea typeface="微软雅黑" charset="0"/>
+              <a:latin typeface="微软雅黑" panose="020B0503020204020204" charset="-122"/>
+              <a:ea typeface="微软雅黑" panose="020B0503020204020204" charset="-122"/>
             </a:endParaRPr>
           </a:p>
           <a:p>
             <a:pPr algn="ctr"/>
             <a:endParaRPr lang="zh-CN" altLang="en-US" sz="2400" b="1">
-              <a:latin typeface="微软雅黑" charset="0"/>
-              <a:ea typeface="微软雅黑" charset="0"/>
+              <a:latin typeface="微软雅黑" panose="020B0503020204020204" charset="-122"/>
+              <a:ea typeface="微软雅黑" panose="020B0503020204020204" charset="-122"/>
             </a:endParaRPr>
           </a:p>
           <a:p>
@@ -5228,11 +5480,20 @@
                     <a:lumMod val="50000"/>
                   </a:schemeClr>
                 </a:solidFill>
-                <a:latin typeface="微软雅黑" charset="0"/>
-                <a:ea typeface="微软雅黑" charset="0"/>
+                <a:latin typeface="微软雅黑" panose="020B0503020204020204" charset="-122"/>
+                <a:ea typeface="微软雅黑" panose="020B0503020204020204" charset="-122"/>
               </a:rPr>
               <a:t>执行器</a:t>
             </a:r>
+            <a:endParaRPr lang="zh-CN" altLang="en-US" sz="2400" b="1">
+              <a:solidFill>
+                <a:schemeClr val="accent1">
+                  <a:lumMod val="50000"/>
+                </a:schemeClr>
+              </a:solidFill>
+              <a:latin typeface="微软雅黑" panose="020B0503020204020204" charset="-122"/>
+              <a:ea typeface="微软雅黑" panose="020B0503020204020204" charset="-122"/>
+            </a:endParaRPr>
           </a:p>
         </p:txBody>
       </p:sp>
@@ -5278,8 +5539,8 @@
           <a:p>
             <a:pPr algn="ctr"/>
             <a:endParaRPr lang="zh-CN" altLang="en-US">
-              <a:latin typeface="微软雅黑" charset="0"/>
-              <a:ea typeface="微软雅黑" charset="0"/>
+              <a:latin typeface="微软雅黑" panose="020B0503020204020204" charset="-122"/>
+              <a:ea typeface="微软雅黑" panose="020B0503020204020204" charset="-122"/>
             </a:endParaRPr>
           </a:p>
         </p:txBody>
@@ -5326,8 +5587,8 @@
           <a:p>
             <a:pPr algn="ctr"/>
             <a:endParaRPr lang="zh-CN" altLang="en-US">
-              <a:latin typeface="微软雅黑" charset="0"/>
-              <a:ea typeface="微软雅黑" charset="0"/>
+              <a:latin typeface="微软雅黑" panose="020B0503020204020204" charset="-122"/>
+              <a:ea typeface="微软雅黑" panose="020B0503020204020204" charset="-122"/>
             </a:endParaRPr>
           </a:p>
         </p:txBody>
@@ -5367,47 +5628,51 @@
           <a:p>
             <a:pPr algn="ctr"/>
             <a:endParaRPr lang="zh-CN" altLang="en-US" b="1">
-              <a:latin typeface="微软雅黑" charset="0"/>
-              <a:ea typeface="微软雅黑" charset="0"/>
+              <a:latin typeface="微软雅黑" panose="020B0503020204020204" charset="-122"/>
+              <a:ea typeface="微软雅黑" panose="020B0503020204020204" charset="-122"/>
             </a:endParaRPr>
           </a:p>
           <a:p>
             <a:pPr algn="ctr"/>
             <a:endParaRPr lang="zh-CN" altLang="en-US" b="1">
-              <a:latin typeface="微软雅黑" charset="0"/>
-              <a:ea typeface="微软雅黑" charset="0"/>
+              <a:latin typeface="微软雅黑" panose="020B0503020204020204" charset="-122"/>
+              <a:ea typeface="微软雅黑" panose="020B0503020204020204" charset="-122"/>
             </a:endParaRPr>
           </a:p>
           <a:p>
             <a:pPr algn="ctr"/>
             <a:endParaRPr lang="zh-CN" altLang="en-US" b="1">
-              <a:latin typeface="微软雅黑" charset="0"/>
-              <a:ea typeface="微软雅黑" charset="0"/>
+              <a:latin typeface="微软雅黑" panose="020B0503020204020204" charset="-122"/>
+              <a:ea typeface="微软雅黑" panose="020B0503020204020204" charset="-122"/>
             </a:endParaRPr>
           </a:p>
           <a:p>
             <a:pPr algn="ctr"/>
             <a:endParaRPr lang="zh-CN" altLang="en-US" b="1">
-              <a:latin typeface="微软雅黑" charset="0"/>
-              <a:ea typeface="微软雅黑" charset="0"/>
+              <a:latin typeface="微软雅黑" panose="020B0503020204020204" charset="-122"/>
+              <a:ea typeface="微软雅黑" panose="020B0503020204020204" charset="-122"/>
             </a:endParaRPr>
           </a:p>
           <a:p>
             <a:pPr algn="ctr"/>
             <a:endParaRPr lang="zh-CN" altLang="en-US" b="1">
-              <a:latin typeface="微软雅黑" charset="0"/>
-              <a:ea typeface="微软雅黑" charset="0"/>
+              <a:latin typeface="微软雅黑" panose="020B0503020204020204" charset="-122"/>
+              <a:ea typeface="微软雅黑" panose="020B0503020204020204" charset="-122"/>
             </a:endParaRPr>
           </a:p>
           <a:p>
             <a:pPr algn="ctr"/>
             <a:r>
               <a:rPr lang="zh-CN" altLang="en-US" sz="1600" b="1">
-                <a:latin typeface="微软雅黑" charset="0"/>
-                <a:ea typeface="微软雅黑" charset="0"/>
+                <a:latin typeface="微软雅黑" panose="020B0503020204020204" charset="-122"/>
+                <a:ea typeface="微软雅黑" panose="020B0503020204020204" charset="-122"/>
               </a:rPr>
               <a:t>调度队列</a:t>
             </a:r>
+            <a:endParaRPr lang="zh-CN" altLang="en-US" sz="1600" b="1">
+              <a:latin typeface="微软雅黑" panose="020B0503020204020204" charset="-122"/>
+              <a:ea typeface="微软雅黑" panose="020B0503020204020204" charset="-122"/>
+            </a:endParaRPr>
           </a:p>
         </p:txBody>
       </p:sp>
@@ -5453,8 +5718,8 @@
           <a:p>
             <a:pPr algn="ctr"/>
             <a:endParaRPr lang="zh-CN" altLang="en-US">
-              <a:latin typeface="微软雅黑" charset="0"/>
-              <a:ea typeface="微软雅黑" charset="0"/>
+              <a:latin typeface="微软雅黑" panose="020B0503020204020204" charset="-122"/>
+              <a:ea typeface="微软雅黑" panose="020B0503020204020204" charset="-122"/>
             </a:endParaRPr>
           </a:p>
         </p:txBody>
@@ -5495,11 +5760,15 @@
             <a:pPr algn="ctr"/>
             <a:r>
               <a:rPr lang="zh-CN" altLang="en-US" sz="1600">
-                <a:latin typeface="微软雅黑" charset="0"/>
-                <a:ea typeface="微软雅黑" charset="0"/>
+                <a:latin typeface="微软雅黑" panose="020B0503020204020204" charset="-122"/>
+                <a:ea typeface="微软雅黑" panose="020B0503020204020204" charset="-122"/>
               </a:rPr>
               <a:t>调度请求</a:t>
             </a:r>
+            <a:endParaRPr lang="zh-CN" altLang="en-US" sz="1600">
+              <a:latin typeface="微软雅黑" panose="020B0503020204020204" charset="-122"/>
+              <a:ea typeface="微软雅黑" panose="020B0503020204020204" charset="-122"/>
+            </a:endParaRPr>
           </a:p>
         </p:txBody>
       </p:sp>
@@ -5539,11 +5808,15 @@
             <a:pPr algn="ctr"/>
             <a:r>
               <a:rPr lang="zh-CN" altLang="en-US" sz="1600">
-                <a:latin typeface="微软雅黑" charset="0"/>
-                <a:ea typeface="微软雅黑" charset="0"/>
+                <a:latin typeface="微软雅黑" panose="020B0503020204020204" charset="-122"/>
+                <a:ea typeface="微软雅黑" panose="020B0503020204020204" charset="-122"/>
               </a:rPr>
               <a:t>调度请求</a:t>
             </a:r>
+            <a:endParaRPr lang="zh-CN" altLang="en-US" sz="1600">
+              <a:latin typeface="微软雅黑" panose="020B0503020204020204" charset="-122"/>
+              <a:ea typeface="微软雅黑" panose="020B0503020204020204" charset="-122"/>
+            </a:endParaRPr>
           </a:p>
         </p:txBody>
       </p:sp>
@@ -5583,11 +5856,15 @@
             <a:pPr algn="ctr"/>
             <a:r>
               <a:rPr lang="en-US" altLang="zh-CN" sz="1600">
-                <a:latin typeface="微软雅黑" charset="0"/>
-                <a:ea typeface="微软雅黑" charset="0"/>
+                <a:latin typeface="微软雅黑" panose="020B0503020204020204" charset="-122"/>
+                <a:ea typeface="微软雅黑" panose="020B0503020204020204" charset="-122"/>
               </a:rPr>
               <a:t>……</a:t>
             </a:r>
+            <a:endParaRPr lang="en-US" altLang="zh-CN" sz="1600">
+              <a:latin typeface="微软雅黑" panose="020B0503020204020204" charset="-122"/>
+              <a:ea typeface="微软雅黑" panose="020B0503020204020204" charset="-122"/>
+            </a:endParaRPr>
           </a:p>
         </p:txBody>
       </p:sp>
@@ -5629,6 +5906,7 @@
               <a:rPr lang="zh-CN" altLang="en-US" sz="1600" b="1"/>
               <a:t>任务执行</a:t>
             </a:r>
+            <a:endParaRPr lang="zh-CN" altLang="en-US" sz="1600" b="1"/>
           </a:p>
           <a:p>
             <a:pPr algn="ctr"/>
@@ -5636,6 +5914,7 @@
               <a:rPr lang="zh-CN" altLang="en-US" sz="1600" b="1"/>
               <a:t>【业务逻辑】</a:t>
             </a:r>
+            <a:endParaRPr lang="zh-CN" altLang="en-US" sz="1600" b="1"/>
           </a:p>
         </p:txBody>
       </p:sp>
@@ -5799,6 +6078,7 @@
               <a:rPr lang="en-US" altLang="zh-CN" sz="3200" b="1" dirty="0"/>
               <a:t>v1.3</a:t>
             </a:r>
+            <a:endParaRPr lang="en-US" altLang="zh-CN" sz="3200" b="1" dirty="0"/>
           </a:p>
         </p:txBody>
       </p:sp>
@@ -5845,8 +6125,8 @@
                   <a:lumMod val="50000"/>
                 </a:schemeClr>
               </a:solidFill>
-              <a:latin typeface="微软雅黑" charset="0"/>
-              <a:ea typeface="微软雅黑" charset="0"/>
+              <a:latin typeface="微软雅黑" panose="020B0503020204020204" charset="-122"/>
+              <a:ea typeface="微软雅黑" panose="020B0503020204020204" charset="-122"/>
             </a:endParaRPr>
           </a:p>
           <a:p>
@@ -5857,8 +6137,8 @@
                   <a:lumMod val="50000"/>
                 </a:schemeClr>
               </a:solidFill>
-              <a:latin typeface="微软雅黑" charset="0"/>
-              <a:ea typeface="微软雅黑" charset="0"/>
+              <a:latin typeface="微软雅黑" panose="020B0503020204020204" charset="-122"/>
+              <a:ea typeface="微软雅黑" panose="020B0503020204020204" charset="-122"/>
             </a:endParaRPr>
           </a:p>
           <a:p>
@@ -5869,8 +6149,8 @@
                   <a:lumMod val="50000"/>
                 </a:schemeClr>
               </a:solidFill>
-              <a:latin typeface="微软雅黑" charset="0"/>
-              <a:ea typeface="微软雅黑" charset="0"/>
+              <a:latin typeface="微软雅黑" panose="020B0503020204020204" charset="-122"/>
+              <a:ea typeface="微软雅黑" panose="020B0503020204020204" charset="-122"/>
             </a:endParaRPr>
           </a:p>
           <a:p>
@@ -5881,8 +6161,8 @@
                   <a:lumMod val="50000"/>
                 </a:schemeClr>
               </a:solidFill>
-              <a:latin typeface="微软雅黑" charset="0"/>
-              <a:ea typeface="微软雅黑" charset="0"/>
+              <a:latin typeface="微软雅黑" panose="020B0503020204020204" charset="-122"/>
+              <a:ea typeface="微软雅黑" panose="020B0503020204020204" charset="-122"/>
             </a:endParaRPr>
           </a:p>
           <a:p>
@@ -5893,8 +6173,8 @@
                   <a:lumMod val="50000"/>
                 </a:schemeClr>
               </a:solidFill>
-              <a:latin typeface="微软雅黑" charset="0"/>
-              <a:ea typeface="微软雅黑" charset="0"/>
+              <a:latin typeface="微软雅黑" panose="020B0503020204020204" charset="-122"/>
+              <a:ea typeface="微软雅黑" panose="020B0503020204020204" charset="-122"/>
             </a:endParaRPr>
           </a:p>
           <a:p>
@@ -5905,8 +6185,8 @@
                   <a:lumMod val="50000"/>
                 </a:schemeClr>
               </a:solidFill>
-              <a:latin typeface="微软雅黑" charset="0"/>
-              <a:ea typeface="微软雅黑" charset="0"/>
+              <a:latin typeface="微软雅黑" panose="020B0503020204020204" charset="-122"/>
+              <a:ea typeface="微软雅黑" panose="020B0503020204020204" charset="-122"/>
             </a:endParaRPr>
           </a:p>
           <a:p>
@@ -5917,8 +6197,8 @@
                   <a:lumMod val="50000"/>
                 </a:schemeClr>
               </a:solidFill>
-              <a:latin typeface="微软雅黑" charset="0"/>
-              <a:ea typeface="微软雅黑" charset="0"/>
+              <a:latin typeface="微软雅黑" panose="020B0503020204020204" charset="-122"/>
+              <a:ea typeface="微软雅黑" panose="020B0503020204020204" charset="-122"/>
             </a:endParaRPr>
           </a:p>
           <a:p>
@@ -5929,8 +6209,8 @@
                   <a:lumMod val="50000"/>
                 </a:schemeClr>
               </a:solidFill>
-              <a:latin typeface="微软雅黑" charset="0"/>
-              <a:ea typeface="微软雅黑" charset="0"/>
+              <a:latin typeface="微软雅黑" panose="020B0503020204020204" charset="-122"/>
+              <a:ea typeface="微软雅黑" panose="020B0503020204020204" charset="-122"/>
             </a:endParaRPr>
           </a:p>
           <a:p>
@@ -5941,8 +6221,8 @@
                   <a:lumMod val="50000"/>
                 </a:schemeClr>
               </a:solidFill>
-              <a:latin typeface="微软雅黑" charset="0"/>
-              <a:ea typeface="微软雅黑" charset="0"/>
+              <a:latin typeface="微软雅黑" panose="020B0503020204020204" charset="-122"/>
+              <a:ea typeface="微软雅黑" panose="020B0503020204020204" charset="-122"/>
             </a:endParaRPr>
           </a:p>
           <a:p>
@@ -5953,8 +6233,8 @@
                   <a:lumMod val="50000"/>
                 </a:schemeClr>
               </a:solidFill>
-              <a:latin typeface="微软雅黑" charset="0"/>
-              <a:ea typeface="微软雅黑" charset="0"/>
+              <a:latin typeface="微软雅黑" panose="020B0503020204020204" charset="-122"/>
+              <a:ea typeface="微软雅黑" panose="020B0503020204020204" charset="-122"/>
             </a:endParaRPr>
           </a:p>
           <a:p>
@@ -5965,8 +6245,8 @@
                   <a:lumMod val="50000"/>
                 </a:schemeClr>
               </a:solidFill>
-              <a:latin typeface="微软雅黑" charset="0"/>
-              <a:ea typeface="微软雅黑" charset="0"/>
+              <a:latin typeface="微软雅黑" panose="020B0503020204020204" charset="-122"/>
+              <a:ea typeface="微软雅黑" panose="020B0503020204020204" charset="-122"/>
             </a:endParaRPr>
           </a:p>
           <a:p>
@@ -5978,11 +6258,20 @@
                     <a:lumMod val="50000"/>
                   </a:schemeClr>
                 </a:solidFill>
-                <a:latin typeface="微软雅黑" charset="0"/>
-                <a:ea typeface="微软雅黑" charset="0"/>
+                <a:latin typeface="微软雅黑" panose="020B0503020204020204" charset="-122"/>
+                <a:ea typeface="微软雅黑" panose="020B0503020204020204" charset="-122"/>
               </a:rPr>
               <a:t>调度中心</a:t>
             </a:r>
+            <a:endParaRPr lang="zh-CN" altLang="en-US" sz="2400" b="1">
+              <a:solidFill>
+                <a:schemeClr val="accent5">
+                  <a:lumMod val="50000"/>
+                </a:schemeClr>
+              </a:solidFill>
+              <a:latin typeface="微软雅黑" panose="020B0503020204020204" charset="-122"/>
+              <a:ea typeface="微软雅黑" panose="020B0503020204020204" charset="-122"/>
+            </a:endParaRPr>
           </a:p>
         </p:txBody>
       </p:sp>
@@ -6027,50 +6316,50 @@
           <a:p>
             <a:pPr algn="ctr"/>
             <a:endParaRPr lang="zh-CN" altLang="en-US" b="1">
-              <a:latin typeface="微软雅黑" charset="0"/>
-              <a:ea typeface="微软雅黑" charset="0"/>
+              <a:latin typeface="微软雅黑" panose="020B0503020204020204" charset="-122"/>
+              <a:ea typeface="微软雅黑" panose="020B0503020204020204" charset="-122"/>
             </a:endParaRPr>
           </a:p>
           <a:p>
             <a:pPr algn="ctr"/>
             <a:endParaRPr lang="zh-CN" altLang="en-US" b="1">
-              <a:latin typeface="微软雅黑" charset="0"/>
-              <a:ea typeface="微软雅黑" charset="0"/>
+              <a:latin typeface="微软雅黑" panose="020B0503020204020204" charset="-122"/>
+              <a:ea typeface="微软雅黑" panose="020B0503020204020204" charset="-122"/>
             </a:endParaRPr>
           </a:p>
           <a:p>
             <a:pPr algn="ctr"/>
             <a:endParaRPr lang="zh-CN" altLang="en-US" b="1">
-              <a:latin typeface="微软雅黑" charset="0"/>
-              <a:ea typeface="微软雅黑" charset="0"/>
+              <a:latin typeface="微软雅黑" panose="020B0503020204020204" charset="-122"/>
+              <a:ea typeface="微软雅黑" panose="020B0503020204020204" charset="-122"/>
             </a:endParaRPr>
           </a:p>
           <a:p>
             <a:pPr algn="ctr"/>
             <a:endParaRPr lang="zh-CN" altLang="en-US" b="1">
-              <a:latin typeface="微软雅黑" charset="0"/>
-              <a:ea typeface="微软雅黑" charset="0"/>
+              <a:latin typeface="微软雅黑" panose="020B0503020204020204" charset="-122"/>
+              <a:ea typeface="微软雅黑" panose="020B0503020204020204" charset="-122"/>
             </a:endParaRPr>
           </a:p>
           <a:p>
             <a:pPr algn="ctr"/>
             <a:endParaRPr lang="zh-CN" altLang="en-US" b="1">
-              <a:latin typeface="微软雅黑" charset="0"/>
-              <a:ea typeface="微软雅黑" charset="0"/>
+              <a:latin typeface="微软雅黑" panose="020B0503020204020204" charset="-122"/>
+              <a:ea typeface="微软雅黑" panose="020B0503020204020204" charset="-122"/>
             </a:endParaRPr>
           </a:p>
           <a:p>
             <a:pPr algn="ctr"/>
             <a:endParaRPr lang="zh-CN" altLang="en-US" b="1">
-              <a:latin typeface="微软雅黑" charset="0"/>
-              <a:ea typeface="微软雅黑" charset="0"/>
+              <a:latin typeface="微软雅黑" panose="020B0503020204020204" charset="-122"/>
+              <a:ea typeface="微软雅黑" panose="020B0503020204020204" charset="-122"/>
             </a:endParaRPr>
           </a:p>
           <a:p>
             <a:pPr algn="ctr"/>
             <a:endParaRPr lang="zh-CN" altLang="en-US" b="1">
-              <a:latin typeface="微软雅黑" charset="0"/>
-              <a:ea typeface="微软雅黑" charset="0"/>
+              <a:latin typeface="微软雅黑" panose="020B0503020204020204" charset="-122"/>
+              <a:ea typeface="微软雅黑" panose="020B0503020204020204" charset="-122"/>
             </a:endParaRPr>
           </a:p>
           <a:p>
@@ -6080,11 +6369,18 @@
                 <a:solidFill>
                   <a:schemeClr val="tx1"/>
                 </a:solidFill>
-                <a:latin typeface="微软雅黑" charset="0"/>
-                <a:ea typeface="微软雅黑" charset="0"/>
+                <a:latin typeface="微软雅黑" panose="020B0503020204020204" charset="-122"/>
+                <a:ea typeface="微软雅黑" panose="020B0503020204020204" charset="-122"/>
               </a:rPr>
               <a:t>调度池</a:t>
             </a:r>
+            <a:endParaRPr lang="zh-CN" altLang="en-US" b="1">
+              <a:solidFill>
+                <a:schemeClr val="tx1"/>
+              </a:solidFill>
+              <a:latin typeface="微软雅黑" panose="020B0503020204020204" charset="-122"/>
+              <a:ea typeface="微软雅黑" panose="020B0503020204020204" charset="-122"/>
+            </a:endParaRPr>
           </a:p>
         </p:txBody>
       </p:sp>
@@ -6130,11 +6426,15 @@
             <a:pPr algn="ctr"/>
             <a:r>
               <a:rPr lang="zh-CN" altLang="en-US">
-                <a:latin typeface="微软雅黑" charset="0"/>
-                <a:ea typeface="微软雅黑" charset="0"/>
+                <a:latin typeface="微软雅黑" panose="020B0503020204020204" charset="-122"/>
+                <a:ea typeface="微软雅黑" panose="020B0503020204020204" charset="-122"/>
               </a:rPr>
               <a:t>执行器地址</a:t>
             </a:r>
+            <a:endParaRPr lang="zh-CN" altLang="en-US">
+              <a:latin typeface="微软雅黑" panose="020B0503020204020204" charset="-122"/>
+              <a:ea typeface="微软雅黑" panose="020B0503020204020204" charset="-122"/>
+            </a:endParaRPr>
           </a:p>
         </p:txBody>
       </p:sp>
@@ -6183,8 +6483,8 @@
                 <a:solidFill>
                   <a:schemeClr val="tx1"/>
                 </a:solidFill>
-                <a:latin typeface="微软雅黑" charset="0"/>
-                <a:ea typeface="微软雅黑" charset="0"/>
+                <a:latin typeface="微软雅黑" panose="020B0503020204020204" charset="-122"/>
+                <a:ea typeface="微软雅黑" panose="020B0503020204020204" charset="-122"/>
               </a:rPr>
               <a:t>调度日志 </a:t>
             </a:r>
@@ -6193,8 +6493,8 @@
                 <a:solidFill>
                   <a:schemeClr val="tx1"/>
                 </a:solidFill>
-                <a:latin typeface="微软雅黑" charset="0"/>
-                <a:ea typeface="微软雅黑" charset="0"/>
+                <a:latin typeface="微软雅黑" panose="020B0503020204020204" charset="-122"/>
+                <a:ea typeface="微软雅黑" panose="020B0503020204020204" charset="-122"/>
               </a:rPr>
               <a:t>/ GLUE</a:t>
             </a:r>
@@ -6203,11 +6503,18 @@
                 <a:solidFill>
                   <a:schemeClr val="tx1"/>
                 </a:solidFill>
-                <a:latin typeface="微软雅黑" charset="0"/>
-                <a:ea typeface="微软雅黑" charset="0"/>
+                <a:latin typeface="微软雅黑" panose="020B0503020204020204" charset="-122"/>
+                <a:ea typeface="微软雅黑" panose="020B0503020204020204" charset="-122"/>
               </a:rPr>
               <a:t>日志</a:t>
             </a:r>
+            <a:endParaRPr lang="zh-CN" altLang="en-US" b="1">
+              <a:solidFill>
+                <a:schemeClr val="tx1"/>
+              </a:solidFill>
+              <a:latin typeface="微软雅黑" panose="020B0503020204020204" charset="-122"/>
+              <a:ea typeface="微软雅黑" panose="020B0503020204020204" charset="-122"/>
+            </a:endParaRPr>
           </a:p>
         </p:txBody>
       </p:sp>
@@ -6252,78 +6559,78 @@
           <a:p>
             <a:pPr algn="ctr"/>
             <a:endParaRPr lang="zh-CN" altLang="en-US" sz="2400" b="1">
-              <a:latin typeface="微软雅黑" charset="0"/>
-              <a:ea typeface="微软雅黑" charset="0"/>
+              <a:latin typeface="微软雅黑" panose="020B0503020204020204" charset="-122"/>
+              <a:ea typeface="微软雅黑" panose="020B0503020204020204" charset="-122"/>
             </a:endParaRPr>
           </a:p>
           <a:p>
             <a:pPr algn="ctr"/>
             <a:endParaRPr lang="zh-CN" altLang="en-US" sz="2400" b="1">
-              <a:latin typeface="微软雅黑" charset="0"/>
-              <a:ea typeface="微软雅黑" charset="0"/>
+              <a:latin typeface="微软雅黑" panose="020B0503020204020204" charset="-122"/>
+              <a:ea typeface="微软雅黑" panose="020B0503020204020204" charset="-122"/>
             </a:endParaRPr>
           </a:p>
           <a:p>
             <a:pPr algn="ctr"/>
             <a:endParaRPr lang="zh-CN" altLang="en-US" sz="2400" b="1">
-              <a:latin typeface="微软雅黑" charset="0"/>
-              <a:ea typeface="微软雅黑" charset="0"/>
+              <a:latin typeface="微软雅黑" panose="020B0503020204020204" charset="-122"/>
+              <a:ea typeface="微软雅黑" panose="020B0503020204020204" charset="-122"/>
             </a:endParaRPr>
           </a:p>
           <a:p>
             <a:pPr algn="ctr"/>
             <a:endParaRPr lang="zh-CN" altLang="en-US" sz="2400" b="1">
-              <a:latin typeface="微软雅黑" charset="0"/>
-              <a:ea typeface="微软雅黑" charset="0"/>
+              <a:latin typeface="微软雅黑" panose="020B0503020204020204" charset="-122"/>
+              <a:ea typeface="微软雅黑" panose="020B0503020204020204" charset="-122"/>
             </a:endParaRPr>
           </a:p>
           <a:p>
             <a:pPr algn="ctr"/>
             <a:endParaRPr lang="zh-CN" altLang="en-US" sz="2400" b="1">
-              <a:latin typeface="微软雅黑" charset="0"/>
-              <a:ea typeface="微软雅黑" charset="0"/>
+              <a:latin typeface="微软雅黑" panose="020B0503020204020204" charset="-122"/>
+              <a:ea typeface="微软雅黑" panose="020B0503020204020204" charset="-122"/>
             </a:endParaRPr>
           </a:p>
           <a:p>
             <a:pPr algn="ctr"/>
             <a:endParaRPr lang="zh-CN" altLang="en-US" sz="2400" b="1">
-              <a:latin typeface="微软雅黑" charset="0"/>
-              <a:ea typeface="微软雅黑" charset="0"/>
+              <a:latin typeface="微软雅黑" panose="020B0503020204020204" charset="-122"/>
+              <a:ea typeface="微软雅黑" panose="020B0503020204020204" charset="-122"/>
             </a:endParaRPr>
           </a:p>
           <a:p>
             <a:pPr algn="ctr"/>
             <a:endParaRPr lang="zh-CN" altLang="en-US" sz="2400" b="1">
-              <a:latin typeface="微软雅黑" charset="0"/>
-              <a:ea typeface="微软雅黑" charset="0"/>
+              <a:latin typeface="微软雅黑" panose="020B0503020204020204" charset="-122"/>
+              <a:ea typeface="微软雅黑" panose="020B0503020204020204" charset="-122"/>
             </a:endParaRPr>
           </a:p>
           <a:p>
             <a:pPr algn="ctr"/>
             <a:endParaRPr lang="zh-CN" altLang="en-US" sz="2400" b="1">
-              <a:latin typeface="微软雅黑" charset="0"/>
-              <a:ea typeface="微软雅黑" charset="0"/>
+              <a:latin typeface="微软雅黑" panose="020B0503020204020204" charset="-122"/>
+              <a:ea typeface="微软雅黑" panose="020B0503020204020204" charset="-122"/>
             </a:endParaRPr>
           </a:p>
           <a:p>
             <a:pPr algn="ctr"/>
             <a:endParaRPr lang="zh-CN" altLang="en-US" sz="2400" b="1">
-              <a:latin typeface="微软雅黑" charset="0"/>
-              <a:ea typeface="微软雅黑" charset="0"/>
+              <a:latin typeface="微软雅黑" panose="020B0503020204020204" charset="-122"/>
+              <a:ea typeface="微软雅黑" panose="020B0503020204020204" charset="-122"/>
             </a:endParaRPr>
           </a:p>
           <a:p>
             <a:pPr algn="ctr"/>
             <a:endParaRPr lang="zh-CN" altLang="en-US" sz="2400" b="1">
-              <a:latin typeface="微软雅黑" charset="0"/>
-              <a:ea typeface="微软雅黑" charset="0"/>
+              <a:latin typeface="微软雅黑" panose="020B0503020204020204" charset="-122"/>
+              <a:ea typeface="微软雅黑" panose="020B0503020204020204" charset="-122"/>
             </a:endParaRPr>
           </a:p>
           <a:p>
             <a:pPr algn="ctr"/>
             <a:endParaRPr lang="zh-CN" altLang="en-US" sz="2400" b="1">
-              <a:latin typeface="微软雅黑" charset="0"/>
-              <a:ea typeface="微软雅黑" charset="0"/>
+              <a:latin typeface="微软雅黑" panose="020B0503020204020204" charset="-122"/>
+              <a:ea typeface="微软雅黑" panose="020B0503020204020204" charset="-122"/>
             </a:endParaRPr>
           </a:p>
           <a:p>
@@ -6335,11 +6642,20 @@
                     <a:lumMod val="50000"/>
                   </a:schemeClr>
                 </a:solidFill>
-                <a:latin typeface="微软雅黑" charset="0"/>
-                <a:ea typeface="微软雅黑" charset="0"/>
+                <a:latin typeface="微软雅黑" panose="020B0503020204020204" charset="-122"/>
+                <a:ea typeface="微软雅黑" panose="020B0503020204020204" charset="-122"/>
               </a:rPr>
               <a:t>执行器</a:t>
             </a:r>
+            <a:endParaRPr lang="zh-CN" altLang="en-US" sz="2400" b="1">
+              <a:solidFill>
+                <a:schemeClr val="accent1">
+                  <a:lumMod val="50000"/>
+                </a:schemeClr>
+              </a:solidFill>
+              <a:latin typeface="微软雅黑" panose="020B0503020204020204" charset="-122"/>
+              <a:ea typeface="微软雅黑" panose="020B0503020204020204" charset="-122"/>
+            </a:endParaRPr>
           </a:p>
         </p:txBody>
       </p:sp>
@@ -6385,11 +6701,15 @@
             <a:pPr algn="ctr"/>
             <a:r>
               <a:rPr lang="en-US" dirty="0">
-                <a:latin typeface="微软雅黑" charset="0"/>
-                <a:ea typeface="微软雅黑" charset="0"/>
+                <a:latin typeface="微软雅黑" panose="020B0503020204020204" charset="-122"/>
+                <a:ea typeface="微软雅黑" panose="020B0503020204020204" charset="-122"/>
               </a:rPr>
               <a:t>JobHandler</a:t>
             </a:r>
+            <a:endParaRPr lang="en-US" dirty="0">
+              <a:latin typeface="微软雅黑" panose="020B0503020204020204" charset="-122"/>
+              <a:ea typeface="微软雅黑" panose="020B0503020204020204" charset="-122"/>
+            </a:endParaRPr>
           </a:p>
         </p:txBody>
       </p:sp>
@@ -6435,11 +6755,15 @@
             <a:pPr algn="ctr"/>
             <a:r>
               <a:rPr lang="en-US">
-                <a:latin typeface="微软雅黑" charset="0"/>
-                <a:ea typeface="微软雅黑" charset="0"/>
+                <a:latin typeface="微软雅黑" panose="020B0503020204020204" charset="-122"/>
+                <a:ea typeface="微软雅黑" panose="020B0503020204020204" charset="-122"/>
               </a:rPr>
               <a:t>……</a:t>
             </a:r>
+            <a:endParaRPr lang="en-US">
+              <a:latin typeface="微软雅黑" panose="020B0503020204020204" charset="-122"/>
+              <a:ea typeface="微软雅黑" panose="020B0503020204020204" charset="-122"/>
+            </a:endParaRPr>
           </a:p>
         </p:txBody>
       </p:sp>
@@ -6479,22 +6803,31 @@
             <a:pPr algn="ctr"/>
             <a:r>
               <a:rPr lang="zh-CN" altLang="en-US">
-                <a:latin typeface="微软雅黑" charset="0"/>
-                <a:ea typeface="微软雅黑" charset="0"/>
+                <a:latin typeface="微软雅黑" panose="020B0503020204020204" charset="-122"/>
+                <a:ea typeface="微软雅黑" panose="020B0503020204020204" charset="-122"/>
                 <a:sym typeface="+mn-ea"/>
               </a:rPr>
               <a:t>调度器</a:t>
             </a:r>
+            <a:endParaRPr lang="zh-CN" altLang="en-US">
+              <a:latin typeface="微软雅黑" panose="020B0503020204020204" charset="-122"/>
+              <a:ea typeface="微软雅黑" panose="020B0503020204020204" charset="-122"/>
+              <a:sym typeface="+mn-ea"/>
+            </a:endParaRPr>
           </a:p>
           <a:p>
             <a:pPr algn="ctr"/>
             <a:r>
               <a:rPr lang="en-US" altLang="zh-CN">
-                <a:latin typeface="微软雅黑" charset="0"/>
-                <a:ea typeface="微软雅黑" charset="0"/>
+                <a:latin typeface="微软雅黑" panose="020B0503020204020204" charset="-122"/>
+                <a:ea typeface="微软雅黑" panose="020B0503020204020204" charset="-122"/>
               </a:rPr>
               <a:t>quartz</a:t>
             </a:r>
+            <a:endParaRPr lang="en-US" altLang="zh-CN">
+              <a:latin typeface="微软雅黑" panose="020B0503020204020204" charset="-122"/>
+              <a:ea typeface="微软雅黑" panose="020B0503020204020204" charset="-122"/>
+            </a:endParaRPr>
           </a:p>
         </p:txBody>
       </p:sp>
@@ -6534,15 +6867,15 @@
             <a:pPr algn="ctr"/>
             <a:r>
               <a:rPr lang="zh-CN" altLang="en-US">
-                <a:latin typeface="微软雅黑" charset="0"/>
-                <a:ea typeface="微软雅黑" charset="0"/>
+                <a:latin typeface="微软雅黑" panose="020B0503020204020204" charset="-122"/>
+                <a:ea typeface="微软雅黑" panose="020B0503020204020204" charset="-122"/>
                 <a:sym typeface="+mn-ea"/>
               </a:rPr>
               <a:t>回调服务</a:t>
             </a:r>
             <a:endParaRPr lang="en-US" altLang="zh-CN">
-              <a:latin typeface="微软雅黑" charset="0"/>
-              <a:ea typeface="微软雅黑" charset="0"/>
+              <a:latin typeface="微软雅黑" panose="020B0503020204020204" charset="-122"/>
+              <a:ea typeface="微软雅黑" panose="020B0503020204020204" charset="-122"/>
             </a:endParaRPr>
           </a:p>
         </p:txBody>
@@ -6735,6 +7068,11 @@
               </a:rPr>
               <a:t>执行器服务</a:t>
             </a:r>
+            <a:endParaRPr lang="zh-CN" altLang="en-US">
+              <a:solidFill>
+                <a:schemeClr val="tx1"/>
+              </a:solidFill>
+            </a:endParaRPr>
           </a:p>
           <a:p>
             <a:pPr algn="ctr"/>
@@ -6746,6 +7084,11 @@
               </a:rPr>
               <a:t>jetty</a:t>
             </a:r>
+            <a:endParaRPr lang="en-US" altLang="zh-CN">
+              <a:solidFill>
+                <a:schemeClr val="tx1"/>
+              </a:solidFill>
+            </a:endParaRPr>
           </a:p>
         </p:txBody>
       </p:sp>
@@ -6878,6 +7221,12 @@
               </a:rPr>
               <a:t>回调日志</a:t>
             </a:r>
+            <a:endParaRPr lang="zh-CN" altLang="en-US">
+              <a:solidFill>
+                <a:schemeClr val="tx1"/>
+              </a:solidFill>
+              <a:sym typeface="+mn-ea"/>
+            </a:endParaRPr>
           </a:p>
           <a:p>
             <a:pPr algn="ctr"/>
@@ -6889,6 +7238,11 @@
               </a:rPr>
               <a:t>queue</a:t>
             </a:r>
+            <a:endParaRPr lang="en-US" altLang="zh-CN">
+              <a:solidFill>
+                <a:schemeClr val="tx1"/>
+              </a:solidFill>
+            </a:endParaRPr>
           </a:p>
         </p:txBody>
       </p:sp>
@@ -7014,6 +7368,11 @@
               </a:rPr>
               <a:t>任务</a:t>
             </a:r>
+            <a:endParaRPr lang="zh-CN" altLang="en-US">
+              <a:solidFill>
+                <a:schemeClr val="tx1"/>
+              </a:solidFill>
+            </a:endParaRPr>
           </a:p>
         </p:txBody>
       </p:sp>
@@ -7154,6 +7513,11 @@
               </a:rPr>
               <a:t>queue</a:t>
             </a:r>
+            <a:endParaRPr lang="en-US" altLang="zh-CN">
+              <a:solidFill>
+                <a:schemeClr val="tx1"/>
+              </a:solidFill>
+            </a:endParaRPr>
           </a:p>
         </p:txBody>
       </p:sp>
@@ -7207,6 +7571,11 @@
               </a:rPr>
               <a:t>执行线程</a:t>
             </a:r>
+            <a:endParaRPr lang="zh-CN" altLang="en-US">
+              <a:solidFill>
+                <a:schemeClr val="tx1"/>
+              </a:solidFill>
+            </a:endParaRPr>
           </a:p>
         </p:txBody>
       </p:sp>
@@ -7463,8 +7832,8 @@
                   <a:lumMod val="50000"/>
                 </a:schemeClr>
               </a:solidFill>
-              <a:latin typeface="微软雅黑" charset="0"/>
-              <a:ea typeface="微软雅黑" charset="0"/>
+              <a:latin typeface="微软雅黑" panose="020B0503020204020204" charset="-122"/>
+              <a:ea typeface="微软雅黑" panose="020B0503020204020204" charset="-122"/>
             </a:endParaRPr>
           </a:p>
           <a:p>
@@ -7475,8 +7844,8 @@
                   <a:lumMod val="50000"/>
                 </a:schemeClr>
               </a:solidFill>
-              <a:latin typeface="微软雅黑" charset="0"/>
-              <a:ea typeface="微软雅黑" charset="0"/>
+              <a:latin typeface="微软雅黑" panose="020B0503020204020204" charset="-122"/>
+              <a:ea typeface="微软雅黑" panose="020B0503020204020204" charset="-122"/>
             </a:endParaRPr>
           </a:p>
           <a:p>
@@ -7487,8 +7856,8 @@
                   <a:lumMod val="50000"/>
                 </a:schemeClr>
               </a:solidFill>
-              <a:latin typeface="微软雅黑" charset="0"/>
-              <a:ea typeface="微软雅黑" charset="0"/>
+              <a:latin typeface="微软雅黑" panose="020B0503020204020204" charset="-122"/>
+              <a:ea typeface="微软雅黑" panose="020B0503020204020204" charset="-122"/>
             </a:endParaRPr>
           </a:p>
           <a:p>
@@ -7499,8 +7868,8 @@
                   <a:lumMod val="50000"/>
                 </a:schemeClr>
               </a:solidFill>
-              <a:latin typeface="微软雅黑" charset="0"/>
-              <a:ea typeface="微软雅黑" charset="0"/>
+              <a:latin typeface="微软雅黑" panose="020B0503020204020204" charset="-122"/>
+              <a:ea typeface="微软雅黑" panose="020B0503020204020204" charset="-122"/>
             </a:endParaRPr>
           </a:p>
           <a:p>
@@ -7511,8 +7880,8 @@
                   <a:lumMod val="50000"/>
                 </a:schemeClr>
               </a:solidFill>
-              <a:latin typeface="微软雅黑" charset="0"/>
-              <a:ea typeface="微软雅黑" charset="0"/>
+              <a:latin typeface="微软雅黑" panose="020B0503020204020204" charset="-122"/>
+              <a:ea typeface="微软雅黑" panose="020B0503020204020204" charset="-122"/>
             </a:endParaRPr>
           </a:p>
           <a:p>
@@ -7523,8 +7892,8 @@
                   <a:lumMod val="50000"/>
                 </a:schemeClr>
               </a:solidFill>
-              <a:latin typeface="微软雅黑" charset="0"/>
-              <a:ea typeface="微软雅黑" charset="0"/>
+              <a:latin typeface="微软雅黑" panose="020B0503020204020204" charset="-122"/>
+              <a:ea typeface="微软雅黑" panose="020B0503020204020204" charset="-122"/>
             </a:endParaRPr>
           </a:p>
           <a:p>
@@ -7535,8 +7904,8 @@
                   <a:lumMod val="50000"/>
                 </a:schemeClr>
               </a:solidFill>
-              <a:latin typeface="微软雅黑" charset="0"/>
-              <a:ea typeface="微软雅黑" charset="0"/>
+              <a:latin typeface="微软雅黑" panose="020B0503020204020204" charset="-122"/>
+              <a:ea typeface="微软雅黑" panose="020B0503020204020204" charset="-122"/>
             </a:endParaRPr>
           </a:p>
           <a:p>
@@ -7547,8 +7916,8 @@
                   <a:lumMod val="50000"/>
                 </a:schemeClr>
               </a:solidFill>
-              <a:latin typeface="微软雅黑" charset="0"/>
-              <a:ea typeface="微软雅黑" charset="0"/>
+              <a:latin typeface="微软雅黑" panose="020B0503020204020204" charset="-122"/>
+              <a:ea typeface="微软雅黑" panose="020B0503020204020204" charset="-122"/>
             </a:endParaRPr>
           </a:p>
           <a:p>
@@ -7559,8 +7928,8 @@
                   <a:lumMod val="50000"/>
                 </a:schemeClr>
               </a:solidFill>
-              <a:latin typeface="微软雅黑" charset="0"/>
-              <a:ea typeface="微软雅黑" charset="0"/>
+              <a:latin typeface="微软雅黑" panose="020B0503020204020204" charset="-122"/>
+              <a:ea typeface="微软雅黑" panose="020B0503020204020204" charset="-122"/>
             </a:endParaRPr>
           </a:p>
           <a:p>
@@ -7571,8 +7940,8 @@
                   <a:lumMod val="50000"/>
                 </a:schemeClr>
               </a:solidFill>
-              <a:latin typeface="微软雅黑" charset="0"/>
-              <a:ea typeface="微软雅黑" charset="0"/>
+              <a:latin typeface="微软雅黑" panose="020B0503020204020204" charset="-122"/>
+              <a:ea typeface="微软雅黑" panose="020B0503020204020204" charset="-122"/>
             </a:endParaRPr>
           </a:p>
           <a:p>
@@ -7583,8 +7952,8 @@
                   <a:lumMod val="50000"/>
                 </a:schemeClr>
               </a:solidFill>
-              <a:latin typeface="微软雅黑" charset="0"/>
-              <a:ea typeface="微软雅黑" charset="0"/>
+              <a:latin typeface="微软雅黑" panose="020B0503020204020204" charset="-122"/>
+              <a:ea typeface="微软雅黑" panose="020B0503020204020204" charset="-122"/>
             </a:endParaRPr>
           </a:p>
           <a:p>
@@ -7596,11 +7965,20 @@
                     <a:lumMod val="50000"/>
                   </a:schemeClr>
                 </a:solidFill>
-                <a:latin typeface="微软雅黑" charset="0"/>
-                <a:ea typeface="微软雅黑" charset="0"/>
+                <a:latin typeface="微软雅黑" panose="020B0503020204020204" charset="-122"/>
+                <a:ea typeface="微软雅黑" panose="020B0503020204020204" charset="-122"/>
               </a:rPr>
               <a:t>调度中心</a:t>
             </a:r>
+            <a:endParaRPr lang="zh-CN" altLang="en-US" sz="2400" b="1">
+              <a:solidFill>
+                <a:schemeClr val="accent5">
+                  <a:lumMod val="50000"/>
+                </a:schemeClr>
+              </a:solidFill>
+              <a:latin typeface="微软雅黑" panose="020B0503020204020204" charset="-122"/>
+              <a:ea typeface="微软雅黑" panose="020B0503020204020204" charset="-122"/>
+            </a:endParaRPr>
           </a:p>
         </p:txBody>
       </p:sp>
@@ -7645,50 +8023,50 @@
           <a:p>
             <a:pPr algn="ctr"/>
             <a:endParaRPr lang="zh-CN" altLang="en-US" b="1">
-              <a:latin typeface="微软雅黑" charset="0"/>
-              <a:ea typeface="微软雅黑" charset="0"/>
+              <a:latin typeface="微软雅黑" panose="020B0503020204020204" charset="-122"/>
+              <a:ea typeface="微软雅黑" panose="020B0503020204020204" charset="-122"/>
             </a:endParaRPr>
           </a:p>
           <a:p>
             <a:pPr algn="ctr"/>
             <a:endParaRPr lang="zh-CN" altLang="en-US" b="1">
-              <a:latin typeface="微软雅黑" charset="0"/>
-              <a:ea typeface="微软雅黑" charset="0"/>
+              <a:latin typeface="微软雅黑" panose="020B0503020204020204" charset="-122"/>
+              <a:ea typeface="微软雅黑" panose="020B0503020204020204" charset="-122"/>
             </a:endParaRPr>
           </a:p>
           <a:p>
             <a:pPr algn="ctr"/>
             <a:endParaRPr lang="zh-CN" altLang="en-US" b="1">
-              <a:latin typeface="微软雅黑" charset="0"/>
-              <a:ea typeface="微软雅黑" charset="0"/>
+              <a:latin typeface="微软雅黑" panose="020B0503020204020204" charset="-122"/>
+              <a:ea typeface="微软雅黑" panose="020B0503020204020204" charset="-122"/>
             </a:endParaRPr>
           </a:p>
           <a:p>
             <a:pPr algn="ctr"/>
             <a:endParaRPr lang="zh-CN" altLang="en-US" b="1">
-              <a:latin typeface="微软雅黑" charset="0"/>
-              <a:ea typeface="微软雅黑" charset="0"/>
+              <a:latin typeface="微软雅黑" panose="020B0503020204020204" charset="-122"/>
+              <a:ea typeface="微软雅黑" panose="020B0503020204020204" charset="-122"/>
             </a:endParaRPr>
           </a:p>
           <a:p>
             <a:pPr algn="ctr"/>
             <a:endParaRPr lang="zh-CN" altLang="en-US" b="1">
-              <a:latin typeface="微软雅黑" charset="0"/>
-              <a:ea typeface="微软雅黑" charset="0"/>
+              <a:latin typeface="微软雅黑" panose="020B0503020204020204" charset="-122"/>
+              <a:ea typeface="微软雅黑" panose="020B0503020204020204" charset="-122"/>
             </a:endParaRPr>
           </a:p>
           <a:p>
             <a:pPr algn="ctr"/>
             <a:endParaRPr lang="zh-CN" altLang="en-US" b="1">
-              <a:latin typeface="微软雅黑" charset="0"/>
-              <a:ea typeface="微软雅黑" charset="0"/>
+              <a:latin typeface="微软雅黑" panose="020B0503020204020204" charset="-122"/>
+              <a:ea typeface="微软雅黑" panose="020B0503020204020204" charset="-122"/>
             </a:endParaRPr>
           </a:p>
           <a:p>
             <a:pPr algn="ctr"/>
             <a:endParaRPr lang="zh-CN" altLang="en-US" b="1">
-              <a:latin typeface="微软雅黑" charset="0"/>
-              <a:ea typeface="微软雅黑" charset="0"/>
+              <a:latin typeface="微软雅黑" panose="020B0503020204020204" charset="-122"/>
+              <a:ea typeface="微软雅黑" panose="020B0503020204020204" charset="-122"/>
             </a:endParaRPr>
           </a:p>
           <a:p>
@@ -7698,11 +8076,18 @@
                 <a:solidFill>
                   <a:schemeClr val="tx1"/>
                 </a:solidFill>
-                <a:latin typeface="微软雅黑" charset="0"/>
-                <a:ea typeface="微软雅黑" charset="0"/>
+                <a:latin typeface="微软雅黑" panose="020B0503020204020204" charset="-122"/>
+                <a:ea typeface="微软雅黑" panose="020B0503020204020204" charset="-122"/>
               </a:rPr>
               <a:t>调度池</a:t>
             </a:r>
+            <a:endParaRPr lang="zh-CN" altLang="en-US" b="1">
+              <a:solidFill>
+                <a:schemeClr val="tx1"/>
+              </a:solidFill>
+              <a:latin typeface="微软雅黑" panose="020B0503020204020204" charset="-122"/>
+              <a:ea typeface="微软雅黑" panose="020B0503020204020204" charset="-122"/>
+            </a:endParaRPr>
           </a:p>
         </p:txBody>
       </p:sp>
@@ -7748,14 +8133,14 @@
             <a:pPr algn="ctr"/>
             <a:r>
               <a:rPr lang="zh-CN" altLang="en-US" dirty="0" smtClean="0">
-                <a:latin typeface="微软雅黑" charset="0"/>
-                <a:ea typeface="微软雅黑" charset="0"/>
+                <a:latin typeface="微软雅黑" panose="020B0503020204020204" charset="-122"/>
+                <a:ea typeface="微软雅黑" panose="020B0503020204020204" charset="-122"/>
               </a:rPr>
               <a:t>执行器</a:t>
             </a:r>
             <a:endParaRPr lang="zh-CN" altLang="en-US" dirty="0">
-              <a:latin typeface="微软雅黑" charset="0"/>
-              <a:ea typeface="微软雅黑" charset="0"/>
+              <a:latin typeface="微软雅黑" panose="020B0503020204020204" charset="-122"/>
+              <a:ea typeface="微软雅黑" panose="020B0503020204020204" charset="-122"/>
             </a:endParaRPr>
           </a:p>
         </p:txBody>
@@ -7805,8 +8190,8 @@
                 <a:solidFill>
                   <a:schemeClr val="tx1"/>
                 </a:solidFill>
-                <a:latin typeface="微软雅黑" charset="0"/>
-                <a:ea typeface="微软雅黑" charset="0"/>
+                <a:latin typeface="微软雅黑" panose="020B0503020204020204" charset="-122"/>
+                <a:ea typeface="微软雅黑" panose="020B0503020204020204" charset="-122"/>
               </a:rPr>
               <a:t>调度日志 </a:t>
             </a:r>
@@ -7815,8 +8200,8 @@
                 <a:solidFill>
                   <a:schemeClr val="tx1"/>
                 </a:solidFill>
-                <a:latin typeface="微软雅黑" charset="0"/>
-                <a:ea typeface="微软雅黑" charset="0"/>
+                <a:latin typeface="微软雅黑" panose="020B0503020204020204" charset="-122"/>
+                <a:ea typeface="微软雅黑" panose="020B0503020204020204" charset="-122"/>
               </a:rPr>
               <a:t>/ GLUE</a:t>
             </a:r>
@@ -7825,11 +8210,18 @@
                 <a:solidFill>
                   <a:schemeClr val="tx1"/>
                 </a:solidFill>
-                <a:latin typeface="微软雅黑" charset="0"/>
-                <a:ea typeface="微软雅黑" charset="0"/>
+                <a:latin typeface="微软雅黑" panose="020B0503020204020204" charset="-122"/>
+                <a:ea typeface="微软雅黑" panose="020B0503020204020204" charset="-122"/>
               </a:rPr>
               <a:t>日志</a:t>
             </a:r>
+            <a:endParaRPr lang="zh-CN" altLang="en-US" b="1">
+              <a:solidFill>
+                <a:schemeClr val="tx1"/>
+              </a:solidFill>
+              <a:latin typeface="微软雅黑" panose="020B0503020204020204" charset="-122"/>
+              <a:ea typeface="微软雅黑" panose="020B0503020204020204" charset="-122"/>
+            </a:endParaRPr>
           </a:p>
         </p:txBody>
       </p:sp>
@@ -7874,78 +8266,78 @@
           <a:p>
             <a:pPr algn="ctr"/>
             <a:endParaRPr lang="zh-CN" altLang="en-US" sz="2400" b="1" dirty="0">
-              <a:latin typeface="微软雅黑" charset="0"/>
-              <a:ea typeface="微软雅黑" charset="0"/>
+              <a:latin typeface="微软雅黑" panose="020B0503020204020204" charset="-122"/>
+              <a:ea typeface="微软雅黑" panose="020B0503020204020204" charset="-122"/>
             </a:endParaRPr>
           </a:p>
           <a:p>
             <a:pPr algn="ctr"/>
             <a:endParaRPr lang="zh-CN" altLang="en-US" sz="2400" b="1" dirty="0">
-              <a:latin typeface="微软雅黑" charset="0"/>
-              <a:ea typeface="微软雅黑" charset="0"/>
+              <a:latin typeface="微软雅黑" panose="020B0503020204020204" charset="-122"/>
+              <a:ea typeface="微软雅黑" panose="020B0503020204020204" charset="-122"/>
             </a:endParaRPr>
           </a:p>
           <a:p>
             <a:pPr algn="ctr"/>
             <a:endParaRPr lang="zh-CN" altLang="en-US" sz="2400" b="1" dirty="0">
-              <a:latin typeface="微软雅黑" charset="0"/>
-              <a:ea typeface="微软雅黑" charset="0"/>
+              <a:latin typeface="微软雅黑" panose="020B0503020204020204" charset="-122"/>
+              <a:ea typeface="微软雅黑" panose="020B0503020204020204" charset="-122"/>
             </a:endParaRPr>
           </a:p>
           <a:p>
             <a:pPr algn="ctr"/>
             <a:endParaRPr lang="zh-CN" altLang="en-US" sz="2400" b="1" dirty="0">
-              <a:latin typeface="微软雅黑" charset="0"/>
-              <a:ea typeface="微软雅黑" charset="0"/>
+              <a:latin typeface="微软雅黑" panose="020B0503020204020204" charset="-122"/>
+              <a:ea typeface="微软雅黑" panose="020B0503020204020204" charset="-122"/>
             </a:endParaRPr>
           </a:p>
           <a:p>
             <a:pPr algn="ctr"/>
             <a:endParaRPr lang="zh-CN" altLang="en-US" sz="2400" b="1" dirty="0">
-              <a:latin typeface="微软雅黑" charset="0"/>
-              <a:ea typeface="微软雅黑" charset="0"/>
+              <a:latin typeface="微软雅黑" panose="020B0503020204020204" charset="-122"/>
+              <a:ea typeface="微软雅黑" panose="020B0503020204020204" charset="-122"/>
             </a:endParaRPr>
           </a:p>
           <a:p>
             <a:pPr algn="ctr"/>
             <a:endParaRPr lang="zh-CN" altLang="en-US" sz="2400" b="1" dirty="0">
-              <a:latin typeface="微软雅黑" charset="0"/>
-              <a:ea typeface="微软雅黑" charset="0"/>
+              <a:latin typeface="微软雅黑" panose="020B0503020204020204" charset="-122"/>
+              <a:ea typeface="微软雅黑" panose="020B0503020204020204" charset="-122"/>
             </a:endParaRPr>
           </a:p>
           <a:p>
             <a:pPr algn="ctr"/>
             <a:endParaRPr lang="zh-CN" altLang="en-US" sz="2400" b="1" dirty="0">
-              <a:latin typeface="微软雅黑" charset="0"/>
-              <a:ea typeface="微软雅黑" charset="0"/>
+              <a:latin typeface="微软雅黑" panose="020B0503020204020204" charset="-122"/>
+              <a:ea typeface="微软雅黑" panose="020B0503020204020204" charset="-122"/>
             </a:endParaRPr>
           </a:p>
           <a:p>
             <a:pPr algn="ctr"/>
             <a:endParaRPr lang="zh-CN" altLang="en-US" sz="2400" b="1" dirty="0">
-              <a:latin typeface="微软雅黑" charset="0"/>
-              <a:ea typeface="微软雅黑" charset="0"/>
+              <a:latin typeface="微软雅黑" panose="020B0503020204020204" charset="-122"/>
+              <a:ea typeface="微软雅黑" panose="020B0503020204020204" charset="-122"/>
             </a:endParaRPr>
           </a:p>
           <a:p>
             <a:pPr algn="ctr"/>
             <a:endParaRPr lang="zh-CN" altLang="en-US" sz="2400" b="1" dirty="0">
-              <a:latin typeface="微软雅黑" charset="0"/>
-              <a:ea typeface="微软雅黑" charset="0"/>
+              <a:latin typeface="微软雅黑" panose="020B0503020204020204" charset="-122"/>
+              <a:ea typeface="微软雅黑" panose="020B0503020204020204" charset="-122"/>
             </a:endParaRPr>
           </a:p>
           <a:p>
             <a:pPr algn="ctr"/>
             <a:endParaRPr lang="zh-CN" altLang="en-US" sz="2400" b="1" dirty="0">
-              <a:latin typeface="微软雅黑" charset="0"/>
-              <a:ea typeface="微软雅黑" charset="0"/>
+              <a:latin typeface="微软雅黑" panose="020B0503020204020204" charset="-122"/>
+              <a:ea typeface="微软雅黑" panose="020B0503020204020204" charset="-122"/>
             </a:endParaRPr>
           </a:p>
           <a:p>
             <a:pPr algn="ctr"/>
             <a:endParaRPr lang="zh-CN" altLang="en-US" sz="2400" b="1" dirty="0">
-              <a:latin typeface="微软雅黑" charset="0"/>
-              <a:ea typeface="微软雅黑" charset="0"/>
+              <a:latin typeface="微软雅黑" panose="020B0503020204020204" charset="-122"/>
+              <a:ea typeface="微软雅黑" panose="020B0503020204020204" charset="-122"/>
             </a:endParaRPr>
           </a:p>
           <a:p>
@@ -7957,11 +8349,20 @@
                     <a:lumMod val="50000"/>
                   </a:schemeClr>
                 </a:solidFill>
-                <a:latin typeface="微软雅黑" charset="0"/>
-                <a:ea typeface="微软雅黑" charset="0"/>
+                <a:latin typeface="微软雅黑" panose="020B0503020204020204" charset="-122"/>
+                <a:ea typeface="微软雅黑" panose="020B0503020204020204" charset="-122"/>
               </a:rPr>
               <a:t>执行器</a:t>
             </a:r>
+            <a:endParaRPr lang="zh-CN" altLang="en-US" sz="2400" b="1" dirty="0">
+              <a:solidFill>
+                <a:schemeClr val="accent1">
+                  <a:lumMod val="50000"/>
+                </a:schemeClr>
+              </a:solidFill>
+              <a:latin typeface="微软雅黑" panose="020B0503020204020204" charset="-122"/>
+              <a:ea typeface="微软雅黑" panose="020B0503020204020204" charset="-122"/>
+            </a:endParaRPr>
           </a:p>
         </p:txBody>
       </p:sp>
@@ -8007,11 +8408,15 @@
             <a:pPr algn="ctr"/>
             <a:r>
               <a:rPr lang="en-US" dirty="0">
-                <a:latin typeface="微软雅黑" charset="0"/>
-                <a:ea typeface="微软雅黑" charset="0"/>
+                <a:latin typeface="微软雅黑" panose="020B0503020204020204" charset="-122"/>
+                <a:ea typeface="微软雅黑" panose="020B0503020204020204" charset="-122"/>
               </a:rPr>
               <a:t>JobHandler</a:t>
             </a:r>
+            <a:endParaRPr lang="en-US" dirty="0">
+              <a:latin typeface="微软雅黑" panose="020B0503020204020204" charset="-122"/>
+              <a:ea typeface="微软雅黑" panose="020B0503020204020204" charset="-122"/>
+            </a:endParaRPr>
           </a:p>
         </p:txBody>
       </p:sp>
@@ -8057,11 +8462,15 @@
             <a:pPr algn="ctr"/>
             <a:r>
               <a:rPr lang="en-US">
-                <a:latin typeface="微软雅黑" charset="0"/>
-                <a:ea typeface="微软雅黑" charset="0"/>
+                <a:latin typeface="微软雅黑" panose="020B0503020204020204" charset="-122"/>
+                <a:ea typeface="微软雅黑" panose="020B0503020204020204" charset="-122"/>
               </a:rPr>
               <a:t>……</a:t>
             </a:r>
+            <a:endParaRPr lang="en-US">
+              <a:latin typeface="微软雅黑" panose="020B0503020204020204" charset="-122"/>
+              <a:ea typeface="微软雅黑" panose="020B0503020204020204" charset="-122"/>
+            </a:endParaRPr>
           </a:p>
         </p:txBody>
       </p:sp>
@@ -8101,22 +8510,31 @@
             <a:pPr algn="ctr"/>
             <a:r>
               <a:rPr lang="zh-CN" altLang="en-US" dirty="0">
-                <a:latin typeface="微软雅黑" charset="0"/>
-                <a:ea typeface="微软雅黑" charset="0"/>
+                <a:latin typeface="微软雅黑" panose="020B0503020204020204" charset="-122"/>
+                <a:ea typeface="微软雅黑" panose="020B0503020204020204" charset="-122"/>
                 <a:sym typeface="+mn-ea"/>
               </a:rPr>
               <a:t>调度器</a:t>
             </a:r>
+            <a:endParaRPr lang="zh-CN" altLang="en-US" dirty="0">
+              <a:latin typeface="微软雅黑" panose="020B0503020204020204" charset="-122"/>
+              <a:ea typeface="微软雅黑" panose="020B0503020204020204" charset="-122"/>
+              <a:sym typeface="+mn-ea"/>
+            </a:endParaRPr>
           </a:p>
           <a:p>
             <a:pPr algn="ctr"/>
             <a:r>
               <a:rPr lang="en-US" altLang="zh-CN" dirty="0">
-                <a:latin typeface="微软雅黑" charset="0"/>
-                <a:ea typeface="微软雅黑" charset="0"/>
+                <a:latin typeface="微软雅黑" panose="020B0503020204020204" charset="-122"/>
+                <a:ea typeface="微软雅黑" panose="020B0503020204020204" charset="-122"/>
               </a:rPr>
               <a:t>quartz</a:t>
             </a:r>
+            <a:endParaRPr lang="en-US" altLang="zh-CN" dirty="0">
+              <a:latin typeface="微软雅黑" panose="020B0503020204020204" charset="-122"/>
+              <a:ea typeface="微软雅黑" panose="020B0503020204020204" charset="-122"/>
+            </a:endParaRPr>
           </a:p>
         </p:txBody>
       </p:sp>
@@ -8156,15 +8574,15 @@
             <a:pPr algn="ctr"/>
             <a:r>
               <a:rPr lang="zh-CN" altLang="en-US" dirty="0">
-                <a:latin typeface="微软雅黑" charset="0"/>
-                <a:ea typeface="微软雅黑" charset="0"/>
+                <a:latin typeface="微软雅黑" panose="020B0503020204020204" charset="-122"/>
+                <a:ea typeface="微软雅黑" panose="020B0503020204020204" charset="-122"/>
                 <a:sym typeface="+mn-ea"/>
               </a:rPr>
               <a:t>回调服务</a:t>
             </a:r>
             <a:endParaRPr lang="en-US" altLang="zh-CN" dirty="0">
-              <a:latin typeface="微软雅黑" charset="0"/>
-              <a:ea typeface="微软雅黑" charset="0"/>
+              <a:latin typeface="微软雅黑" panose="020B0503020204020204" charset="-122"/>
+              <a:ea typeface="微软雅黑" panose="020B0503020204020204" charset="-122"/>
             </a:endParaRPr>
           </a:p>
         </p:txBody>
@@ -8357,6 +8775,11 @@
               </a:rPr>
               <a:t>执行器服务</a:t>
             </a:r>
+            <a:endParaRPr lang="zh-CN" altLang="en-US">
+              <a:solidFill>
+                <a:schemeClr val="tx1"/>
+              </a:solidFill>
+            </a:endParaRPr>
           </a:p>
           <a:p>
             <a:pPr algn="ctr"/>
@@ -8368,6 +8791,11 @@
               </a:rPr>
               <a:t>jetty</a:t>
             </a:r>
+            <a:endParaRPr lang="en-US" altLang="zh-CN">
+              <a:solidFill>
+                <a:schemeClr val="tx1"/>
+              </a:solidFill>
+            </a:endParaRPr>
           </a:p>
         </p:txBody>
       </p:sp>
@@ -8500,6 +8928,12 @@
               </a:rPr>
               <a:t>回调日志</a:t>
             </a:r>
+            <a:endParaRPr lang="zh-CN" altLang="en-US" dirty="0">
+              <a:solidFill>
+                <a:schemeClr val="tx1"/>
+              </a:solidFill>
+              <a:sym typeface="+mn-ea"/>
+            </a:endParaRPr>
           </a:p>
           <a:p>
             <a:pPr algn="ctr"/>
@@ -8511,6 +8945,11 @@
               </a:rPr>
               <a:t>queue</a:t>
             </a:r>
+            <a:endParaRPr lang="en-US" altLang="zh-CN" dirty="0">
+              <a:solidFill>
+                <a:schemeClr val="tx1"/>
+              </a:solidFill>
+            </a:endParaRPr>
           </a:p>
         </p:txBody>
       </p:sp>
@@ -8660,6 +9099,11 @@
               </a:rPr>
               <a:t>任务</a:t>
             </a:r>
+            <a:endParaRPr lang="zh-CN" altLang="en-US" dirty="0">
+              <a:solidFill>
+                <a:schemeClr val="tx1"/>
+              </a:solidFill>
+            </a:endParaRPr>
           </a:p>
         </p:txBody>
       </p:sp>
@@ -8800,6 +9244,11 @@
               </a:rPr>
               <a:t>queue</a:t>
             </a:r>
+            <a:endParaRPr lang="en-US" altLang="zh-CN">
+              <a:solidFill>
+                <a:schemeClr val="tx1"/>
+              </a:solidFill>
+            </a:endParaRPr>
           </a:p>
         </p:txBody>
       </p:sp>
@@ -8853,6 +9302,11 @@
               </a:rPr>
               <a:t>执行线程</a:t>
             </a:r>
+            <a:endParaRPr lang="zh-CN" altLang="en-US" dirty="0">
+              <a:solidFill>
+                <a:schemeClr val="tx1"/>
+              </a:solidFill>
+            </a:endParaRPr>
           </a:p>
         </p:txBody>
       </p:sp>
@@ -8938,15 +9392,15 @@
             <a:pPr algn="ctr"/>
             <a:r>
               <a:rPr lang="zh-CN" altLang="en-US" dirty="0" smtClean="0">
-                <a:latin typeface="微软雅黑" charset="0"/>
-                <a:ea typeface="微软雅黑" charset="0"/>
+                <a:latin typeface="微软雅黑" panose="020B0503020204020204" charset="-122"/>
+                <a:ea typeface="微软雅黑" panose="020B0503020204020204" charset="-122"/>
                 <a:sym typeface="+mn-ea"/>
               </a:rPr>
               <a:t>注册模块</a:t>
             </a:r>
             <a:endParaRPr lang="en-US" altLang="zh-CN" dirty="0">
-              <a:latin typeface="微软雅黑" charset="0"/>
-              <a:ea typeface="微软雅黑" charset="0"/>
+              <a:latin typeface="微软雅黑" panose="020B0503020204020204" charset="-122"/>
+              <a:ea typeface="微软雅黑" panose="020B0503020204020204" charset="-122"/>
             </a:endParaRPr>
           </a:p>
         </p:txBody>
@@ -9095,11 +9549,6 @@
         </p:style>
       </p:cxnSp>
     </p:spTree>
-    <p:extLst>
-      <p:ext uri="{BB962C8B-B14F-4D97-AF65-F5344CB8AC3E}">
-        <p14:creationId xmlns:p14="http://schemas.microsoft.com/office/powerpoint/2010/main" val="1369775701"/>
-      </p:ext>
-    </p:extLst>
   </p:cSld>
   <p:clrMapOvr>
     <a:masterClrMapping/>
@@ -9241,6 +9690,14 @@
               </a:rPr>
               <a:t>调度中心</a:t>
             </a:r>
+            <a:endParaRPr kumimoji="1" lang="zh-CN" altLang="en-US" sz="1600" b="1" dirty="0">
+              <a:solidFill>
+                <a:schemeClr val="tx1"/>
+              </a:solidFill>
+              <a:latin typeface="Heiti SC Light" charset="-122"/>
+              <a:ea typeface="Heiti SC Light" charset="-122"/>
+              <a:cs typeface="Heiti SC Light" charset="-122"/>
+            </a:endParaRPr>
           </a:p>
         </p:txBody>
       </p:sp>
@@ -9258,7 +9715,6 @@
           <a:prstGeom prst="flowChartProcess">
             <a:avLst/>
           </a:prstGeom>
-          <a:ln/>
         </p:spPr>
         <p:style>
           <a:lnRef idx="1">
@@ -9299,64 +9755,6 @@
       </p:sp>
       <p:sp>
         <p:nvSpPr>
-          <p:cNvPr id="9" name="矩形 8"/>
-          <p:cNvSpPr/>
-          <p:nvPr/>
-        </p:nvSpPr>
-        <p:spPr>
-          <a:xfrm>
-            <a:off x="5931089" y="7076091"/>
-            <a:ext cx="2920811" cy="841124"/>
-          </a:xfrm>
-          <a:prstGeom prst="rect">
-            <a:avLst/>
-          </a:prstGeom>
-          <a:solidFill>
-            <a:srgbClr val="E8DDF4"/>
-          </a:solidFill>
-          <a:ln>
-            <a:noFill/>
-          </a:ln>
-        </p:spPr>
-        <p:style>
-          <a:lnRef idx="1">
-            <a:schemeClr val="accent1"/>
-          </a:lnRef>
-          <a:fillRef idx="2">
-            <a:schemeClr val="accent1"/>
-          </a:fillRef>
-          <a:effectRef idx="1">
-            <a:schemeClr val="accent1"/>
-          </a:effectRef>
-          <a:fontRef idx="minor">
-            <a:schemeClr val="dk1"/>
-          </a:fontRef>
-        </p:style>
-        <p:txBody>
-          <a:bodyPr anchor="b"/>
-          <a:lstStyle/>
-          <a:p>
-            <a:pPr algn="ctr">
-              <a:defRPr/>
-            </a:pPr>
-            <a:r>
-              <a:rPr kumimoji="1" lang="zh-CN" altLang="en-US" sz="1600" b="1" dirty="0" smtClean="0">
-                <a:latin typeface="Heiti SC Light" charset="-122"/>
-                <a:ea typeface="Heiti SC Light" charset="-122"/>
-                <a:cs typeface="Heiti SC Light" charset="-122"/>
-              </a:rPr>
-              <a:t>注册中心</a:t>
-            </a:r>
-            <a:endParaRPr kumimoji="1" lang="zh-CN" altLang="en-US" sz="1600" b="1" dirty="0">
-              <a:latin typeface="Heiti SC Light" charset="-122"/>
-              <a:ea typeface="Heiti SC Light" charset="-122"/>
-              <a:cs typeface="Heiti SC Light" charset="-122"/>
-            </a:endParaRPr>
-          </a:p>
-        </p:txBody>
-      </p:sp>
-      <p:sp>
-        <p:nvSpPr>
           <p:cNvPr id="29" name="可选流程 28"/>
           <p:cNvSpPr/>
           <p:nvPr/>
@@ -9402,6 +9800,11 @@
               </a:rPr>
               <a:t>注册服务</a:t>
             </a:r>
+            <a:endParaRPr kumimoji="1" lang="zh-CN" altLang="en-US" sz="1400" dirty="0" smtClean="0">
+              <a:latin typeface="Heiti SC Light" charset="-122"/>
+              <a:ea typeface="Heiti SC Light" charset="-122"/>
+              <a:cs typeface="Heiti SC Light" charset="-122"/>
+            </a:endParaRPr>
           </a:p>
           <a:p>
             <a:pPr algn="ctr">
@@ -9987,76 +10390,6 @@
           </a:p>
         </p:txBody>
       </p:sp>
-      <p:cxnSp>
-        <p:nvCxnSpPr>
-          <p:cNvPr id="86" name="直线箭头连接符 85"/>
-          <p:cNvCxnSpPr/>
-          <p:nvPr/>
-        </p:nvCxnSpPr>
-        <p:spPr>
-          <a:xfrm>
-            <a:off x="11955553" y="7258143"/>
-            <a:ext cx="9228" cy="410923"/>
-          </a:xfrm>
-          <a:prstGeom prst="straightConnector1">
-            <a:avLst/>
-          </a:prstGeom>
-          <a:ln w="28575">
-            <a:prstDash val="dash"/>
-            <a:headEnd type="none" w="med" len="med"/>
-            <a:tailEnd type="arrow" w="med" len="med"/>
-          </a:ln>
-        </p:spPr>
-        <p:style>
-          <a:lnRef idx="1">
-            <a:schemeClr val="accent1"/>
-          </a:lnRef>
-          <a:fillRef idx="0">
-            <a:schemeClr val="accent1"/>
-          </a:fillRef>
-          <a:effectRef idx="0">
-            <a:schemeClr val="accent1"/>
-          </a:effectRef>
-          <a:fontRef idx="minor">
-            <a:schemeClr val="tx1"/>
-          </a:fontRef>
-        </p:style>
-      </p:cxnSp>
-      <p:cxnSp>
-        <p:nvCxnSpPr>
-          <p:cNvPr id="87" name="直线箭头连接符 86"/>
-          <p:cNvCxnSpPr/>
-          <p:nvPr/>
-        </p:nvCxnSpPr>
-        <p:spPr>
-          <a:xfrm flipV="1">
-            <a:off x="12192000" y="7245443"/>
-            <a:ext cx="0" cy="417180"/>
-          </a:xfrm>
-          <a:prstGeom prst="straightConnector1">
-            <a:avLst/>
-          </a:prstGeom>
-          <a:ln w="28575">
-            <a:prstDash val="dash"/>
-            <a:headEnd type="none" w="med" len="med"/>
-            <a:tailEnd type="arrow" w="med" len="med"/>
-          </a:ln>
-        </p:spPr>
-        <p:style>
-          <a:lnRef idx="1">
-            <a:schemeClr val="accent1"/>
-          </a:lnRef>
-          <a:fillRef idx="0">
-            <a:schemeClr val="accent1"/>
-          </a:fillRef>
-          <a:effectRef idx="0">
-            <a:schemeClr val="accent1"/>
-          </a:effectRef>
-          <a:fontRef idx="minor">
-            <a:schemeClr val="tx1"/>
-          </a:fontRef>
-        </p:style>
-      </p:cxnSp>
       <p:sp>
         <p:nvSpPr>
           <p:cNvPr id="101" name="矩形 100"/>
@@ -10112,76 +10445,6 @@
           </a:p>
         </p:txBody>
       </p:sp>
-      <p:cxnSp>
-        <p:nvCxnSpPr>
-          <p:cNvPr id="133" name="直线箭头连接符 132"/>
-          <p:cNvCxnSpPr/>
-          <p:nvPr/>
-        </p:nvCxnSpPr>
-        <p:spPr>
-          <a:xfrm>
-            <a:off x="12476487" y="7419060"/>
-            <a:ext cx="413345" cy="1"/>
-          </a:xfrm>
-          <a:prstGeom prst="straightConnector1">
-            <a:avLst/>
-          </a:prstGeom>
-          <a:ln w="28575">
-            <a:prstDash val="dash"/>
-            <a:headEnd type="none" w="med" len="med"/>
-            <a:tailEnd type="arrow" w="med" len="med"/>
-          </a:ln>
-        </p:spPr>
-        <p:style>
-          <a:lnRef idx="1">
-            <a:schemeClr val="accent1"/>
-          </a:lnRef>
-          <a:fillRef idx="0">
-            <a:schemeClr val="accent1"/>
-          </a:fillRef>
-          <a:effectRef idx="0">
-            <a:schemeClr val="accent1"/>
-          </a:effectRef>
-          <a:fontRef idx="minor">
-            <a:schemeClr val="tx1"/>
-          </a:fontRef>
-        </p:style>
-      </p:cxnSp>
-      <p:cxnSp>
-        <p:nvCxnSpPr>
-          <p:cNvPr id="134" name="直线箭头连接符 133"/>
-          <p:cNvCxnSpPr/>
-          <p:nvPr/>
-        </p:nvCxnSpPr>
-        <p:spPr>
-          <a:xfrm flipH="1">
-            <a:off x="12434527" y="7662622"/>
-            <a:ext cx="429217" cy="1"/>
-          </a:xfrm>
-          <a:prstGeom prst="straightConnector1">
-            <a:avLst/>
-          </a:prstGeom>
-          <a:ln w="28575">
-            <a:prstDash val="dash"/>
-            <a:headEnd type="none" w="med" len="med"/>
-            <a:tailEnd type="arrow" w="med" len="med"/>
-          </a:ln>
-        </p:spPr>
-        <p:style>
-          <a:lnRef idx="1">
-            <a:schemeClr val="accent1"/>
-          </a:lnRef>
-          <a:fillRef idx="0">
-            <a:schemeClr val="accent1"/>
-          </a:fillRef>
-          <a:effectRef idx="0">
-            <a:schemeClr val="accent1"/>
-          </a:effectRef>
-          <a:fontRef idx="minor">
-            <a:schemeClr val="tx1"/>
-          </a:fontRef>
-        </p:style>
-      </p:cxnSp>
       <p:sp>
         <p:nvSpPr>
           <p:cNvPr id="3" name="圆角矩形 2"/>
@@ -10226,6 +10489,11 @@
               </a:rPr>
               <a:t>调度器</a:t>
             </a:r>
+            <a:endParaRPr kumimoji="1" lang="zh-CN" altLang="en-US" sz="1400" dirty="0" smtClean="0">
+              <a:latin typeface="Heiti SC Light" charset="-122"/>
+              <a:ea typeface="Heiti SC Light" charset="-122"/>
+              <a:cs typeface="Heiti SC Light" charset="-122"/>
+            </a:endParaRPr>
           </a:p>
           <a:p>
             <a:pPr algn="ctr">
@@ -10302,6 +10570,11 @@
               </a:rPr>
               <a:t>服务</a:t>
             </a:r>
+            <a:endParaRPr kumimoji="1" lang="zh-CN" altLang="en-US" sz="1400" dirty="0" smtClean="0">
+              <a:latin typeface="Heiti SC Light" charset="-122"/>
+              <a:ea typeface="Heiti SC Light" charset="-122"/>
+              <a:cs typeface="Heiti SC Light" charset="-122"/>
+            </a:endParaRPr>
           </a:p>
           <a:p>
             <a:pPr algn="ctr">
@@ -10373,6 +10646,11 @@
               </a:rPr>
               <a:t>日志管理</a:t>
             </a:r>
+            <a:endParaRPr kumimoji="1" lang="zh-CN" altLang="en-US" sz="1400" b="1" dirty="0">
+              <a:latin typeface="Heiti SC Light" charset="-122"/>
+              <a:ea typeface="Heiti SC Light" charset="-122"/>
+              <a:cs typeface="Heiti SC Light" charset="-122"/>
+            </a:endParaRPr>
           </a:p>
         </p:txBody>
       </p:sp>
@@ -10423,6 +10701,11 @@
               </a:rPr>
               <a:t>调度日志</a:t>
             </a:r>
+            <a:endParaRPr kumimoji="1" lang="zh-CN" altLang="en-US" sz="1400" dirty="0">
+              <a:latin typeface="Heiti SC Light" charset="-122"/>
+              <a:ea typeface="Heiti SC Light" charset="-122"/>
+              <a:cs typeface="Heiti SC Light" charset="-122"/>
+            </a:endParaRPr>
           </a:p>
         </p:txBody>
       </p:sp>
@@ -10481,6 +10764,11 @@
               </a:rPr>
               <a:t>日志</a:t>
             </a:r>
+            <a:endParaRPr kumimoji="1" lang="zh-CN" altLang="en-US" sz="1400" dirty="0">
+              <a:latin typeface="Heiti SC Light" charset="-122"/>
+              <a:ea typeface="Heiti SC Light" charset="-122"/>
+              <a:cs typeface="Heiti SC Light" charset="-122"/>
+            </a:endParaRPr>
           </a:p>
         </p:txBody>
       </p:sp>
@@ -10539,6 +10827,11 @@
               </a:rPr>
               <a:t>版本日志</a:t>
             </a:r>
+            <a:endParaRPr kumimoji="1" lang="zh-CN" altLang="en-US" sz="1400" dirty="0">
+              <a:latin typeface="Heiti SC Light" charset="-122"/>
+              <a:ea typeface="Heiti SC Light" charset="-122"/>
+              <a:cs typeface="Heiti SC Light" charset="-122"/>
+            </a:endParaRPr>
           </a:p>
         </p:txBody>
       </p:sp>
@@ -11212,6 +11505,11 @@
               </a:rPr>
               <a:t>调度结果</a:t>
             </a:r>
+            <a:endParaRPr kumimoji="1" lang="zh-CN" altLang="en-US" sz="1400" dirty="0" smtClean="0">
+              <a:latin typeface="Heiti SC Light" charset="-122"/>
+              <a:ea typeface="Heiti SC Light" charset="-122"/>
+              <a:cs typeface="Heiti SC Light" charset="-122"/>
+            </a:endParaRPr>
           </a:p>
           <a:p>
             <a:pPr algn="ctr"/>
@@ -11364,6 +11662,11 @@
               </a:rPr>
               <a:t>任务线程</a:t>
             </a:r>
+            <a:endParaRPr kumimoji="1" lang="zh-CN" altLang="en-US" sz="1400" dirty="0">
+              <a:latin typeface="Heiti SC Light" charset="-122"/>
+              <a:ea typeface="Heiti SC Light" charset="-122"/>
+              <a:cs typeface="Heiti SC Light" charset="-122"/>
+            </a:endParaRPr>
           </a:p>
         </p:txBody>
       </p:sp>
@@ -11409,6 +11712,11 @@
               </a:rPr>
               <a:t>调度请求</a:t>
             </a:r>
+            <a:endParaRPr kumimoji="1" lang="zh-CN" altLang="en-US" sz="1400" dirty="0">
+              <a:latin typeface="Heiti SC Light" charset="-122"/>
+              <a:ea typeface="Heiti SC Light" charset="-122"/>
+              <a:cs typeface="Heiti SC Light" charset="-122"/>
+            </a:endParaRPr>
           </a:p>
           <a:p>
             <a:pPr algn="ctr"/>
@@ -11657,6 +11965,11 @@
               </a:rPr>
               <a:t>执行日志</a:t>
             </a:r>
+            <a:endParaRPr kumimoji="1" lang="zh-CN" altLang="en-US" sz="1400" dirty="0">
+              <a:latin typeface="Heiti SC Light" charset="-122"/>
+              <a:ea typeface="Heiti SC Light" charset="-122"/>
+              <a:cs typeface="Heiti SC Light" charset="-122"/>
+            </a:endParaRPr>
           </a:p>
           <a:p>
             <a:pPr algn="ctr">
@@ -11739,6 +12052,11 @@
               </a:rPr>
               <a:t>回调线程</a:t>
             </a:r>
+            <a:endParaRPr kumimoji="1" lang="zh-CN" altLang="en-US" sz="1400" dirty="0">
+              <a:latin typeface="Heiti SC Light" charset="-122"/>
+              <a:ea typeface="Heiti SC Light" charset="-122"/>
+              <a:cs typeface="Heiti SC Light" charset="-122"/>
+            </a:endParaRPr>
           </a:p>
         </p:txBody>
       </p:sp>
@@ -11867,6 +12185,11 @@
               </a:rPr>
               <a:t>日志</a:t>
             </a:r>
+            <a:endParaRPr kumimoji="1" lang="zh-CN" altLang="en-US" sz="1400" dirty="0">
+              <a:latin typeface="Heiti SC Light" charset="-122"/>
+              <a:ea typeface="Heiti SC Light" charset="-122"/>
+              <a:cs typeface="Heiti SC Light" charset="-122"/>
+            </a:endParaRPr>
           </a:p>
           <a:p>
             <a:pPr algn="ctr">
@@ -11951,6 +12274,11 @@
               </a:rPr>
               <a:t>日志服务</a:t>
             </a:r>
+            <a:endParaRPr kumimoji="1" lang="zh-CN" altLang="en-US" sz="1400" dirty="0">
+              <a:latin typeface="Heiti SC Light" charset="-122"/>
+              <a:ea typeface="Heiti SC Light" charset="-122"/>
+              <a:cs typeface="Heiti SC Light" charset="-122"/>
+            </a:endParaRPr>
           </a:p>
           <a:p>
             <a:pPr algn="ctr">
@@ -11973,11 +12301,6 @@
         </p:txBody>
       </p:sp>
     </p:spTree>
-    <p:extLst>
-      <p:ext uri="{BB962C8B-B14F-4D97-AF65-F5344CB8AC3E}">
-        <p14:creationId xmlns:p14="http://schemas.microsoft.com/office/powerpoint/2010/main" val="1678395511"/>
-      </p:ext>
-    </p:extLst>
   </p:cSld>
   <p:clrMapOvr>
     <a:masterClrMapping/>
@@ -12126,6 +12449,14 @@
               </a:rPr>
               <a:t>调度中心</a:t>
             </a:r>
+            <a:endParaRPr kumimoji="1" lang="zh-CN" altLang="en-US" sz="1600" b="1" dirty="0">
+              <a:solidFill>
+                <a:schemeClr val="tx1"/>
+              </a:solidFill>
+              <a:latin typeface="Heiti SC Light" charset="-122"/>
+              <a:ea typeface="Heiti SC Light" charset="-122"/>
+              <a:cs typeface="Heiti SC Light" charset="-122"/>
+            </a:endParaRPr>
           </a:p>
         </p:txBody>
       </p:sp>
@@ -12143,7 +12474,6 @@
           <a:prstGeom prst="flowChartProcess">
             <a:avLst/>
           </a:prstGeom>
-          <a:ln/>
         </p:spPr>
         <p:style>
           <a:lnRef idx="1">
@@ -12184,64 +12514,6 @@
       </p:sp>
       <p:sp>
         <p:nvSpPr>
-          <p:cNvPr id="9" name="矩形 8"/>
-          <p:cNvSpPr/>
-          <p:nvPr/>
-        </p:nvSpPr>
-        <p:spPr>
-          <a:xfrm>
-            <a:off x="5931089" y="7076091"/>
-            <a:ext cx="2920811" cy="841124"/>
-          </a:xfrm>
-          <a:prstGeom prst="rect">
-            <a:avLst/>
-          </a:prstGeom>
-          <a:solidFill>
-            <a:srgbClr val="E8DDF4"/>
-          </a:solidFill>
-          <a:ln>
-            <a:noFill/>
-          </a:ln>
-        </p:spPr>
-        <p:style>
-          <a:lnRef idx="1">
-            <a:schemeClr val="accent1"/>
-          </a:lnRef>
-          <a:fillRef idx="2">
-            <a:schemeClr val="accent1"/>
-          </a:fillRef>
-          <a:effectRef idx="1">
-            <a:schemeClr val="accent1"/>
-          </a:effectRef>
-          <a:fontRef idx="minor">
-            <a:schemeClr val="dk1"/>
-          </a:fontRef>
-        </p:style>
-        <p:txBody>
-          <a:bodyPr anchor="b"/>
-          <a:lstStyle/>
-          <a:p>
-            <a:pPr algn="ctr">
-              <a:defRPr/>
-            </a:pPr>
-            <a:r>
-              <a:rPr kumimoji="1" lang="zh-CN" altLang="en-US" sz="1600" b="1" dirty="0" smtClean="0">
-                <a:latin typeface="Heiti SC Light" charset="-122"/>
-                <a:ea typeface="Heiti SC Light" charset="-122"/>
-                <a:cs typeface="Heiti SC Light" charset="-122"/>
-              </a:rPr>
-              <a:t>注册中心</a:t>
-            </a:r>
-            <a:endParaRPr kumimoji="1" lang="zh-CN" altLang="en-US" sz="1600" b="1" dirty="0">
-              <a:latin typeface="Heiti SC Light" charset="-122"/>
-              <a:ea typeface="Heiti SC Light" charset="-122"/>
-              <a:cs typeface="Heiti SC Light" charset="-122"/>
-            </a:endParaRPr>
-          </a:p>
-        </p:txBody>
-      </p:sp>
-      <p:sp>
-        <p:nvSpPr>
           <p:cNvPr id="29" name="可选流程 28"/>
           <p:cNvSpPr/>
           <p:nvPr/>
@@ -12287,6 +12559,11 @@
               </a:rPr>
               <a:t>注册服务</a:t>
             </a:r>
+            <a:endParaRPr kumimoji="1" lang="zh-CN" altLang="en-US" sz="1400" dirty="0" smtClean="0">
+              <a:latin typeface="Heiti SC Light" charset="-122"/>
+              <a:ea typeface="Heiti SC Light" charset="-122"/>
+              <a:cs typeface="Heiti SC Light" charset="-122"/>
+            </a:endParaRPr>
           </a:p>
           <a:p>
             <a:pPr algn="ctr">
@@ -12872,76 +13149,6 @@
           </a:p>
         </p:txBody>
       </p:sp>
-      <p:cxnSp>
-        <p:nvCxnSpPr>
-          <p:cNvPr id="86" name="直线箭头连接符 85"/>
-          <p:cNvCxnSpPr/>
-          <p:nvPr/>
-        </p:nvCxnSpPr>
-        <p:spPr>
-          <a:xfrm>
-            <a:off x="11955553" y="7258143"/>
-            <a:ext cx="9228" cy="410923"/>
-          </a:xfrm>
-          <a:prstGeom prst="straightConnector1">
-            <a:avLst/>
-          </a:prstGeom>
-          <a:ln w="28575">
-            <a:prstDash val="dash"/>
-            <a:headEnd type="none" w="med" len="med"/>
-            <a:tailEnd type="arrow" w="med" len="med"/>
-          </a:ln>
-        </p:spPr>
-        <p:style>
-          <a:lnRef idx="1">
-            <a:schemeClr val="accent1"/>
-          </a:lnRef>
-          <a:fillRef idx="0">
-            <a:schemeClr val="accent1"/>
-          </a:fillRef>
-          <a:effectRef idx="0">
-            <a:schemeClr val="accent1"/>
-          </a:effectRef>
-          <a:fontRef idx="minor">
-            <a:schemeClr val="tx1"/>
-          </a:fontRef>
-        </p:style>
-      </p:cxnSp>
-      <p:cxnSp>
-        <p:nvCxnSpPr>
-          <p:cNvPr id="87" name="直线箭头连接符 86"/>
-          <p:cNvCxnSpPr/>
-          <p:nvPr/>
-        </p:nvCxnSpPr>
-        <p:spPr>
-          <a:xfrm flipV="1">
-            <a:off x="12192000" y="7245443"/>
-            <a:ext cx="0" cy="417180"/>
-          </a:xfrm>
-          <a:prstGeom prst="straightConnector1">
-            <a:avLst/>
-          </a:prstGeom>
-          <a:ln w="28575">
-            <a:prstDash val="dash"/>
-            <a:headEnd type="none" w="med" len="med"/>
-            <a:tailEnd type="arrow" w="med" len="med"/>
-          </a:ln>
-        </p:spPr>
-        <p:style>
-          <a:lnRef idx="1">
-            <a:schemeClr val="accent1"/>
-          </a:lnRef>
-          <a:fillRef idx="0">
-            <a:schemeClr val="accent1"/>
-          </a:fillRef>
-          <a:effectRef idx="0">
-            <a:schemeClr val="accent1"/>
-          </a:effectRef>
-          <a:fontRef idx="minor">
-            <a:schemeClr val="tx1"/>
-          </a:fontRef>
-        </p:style>
-      </p:cxnSp>
       <p:sp>
         <p:nvSpPr>
           <p:cNvPr id="101" name="矩形 100"/>
@@ -12997,76 +13204,6 @@
           </a:p>
         </p:txBody>
       </p:sp>
-      <p:cxnSp>
-        <p:nvCxnSpPr>
-          <p:cNvPr id="133" name="直线箭头连接符 132"/>
-          <p:cNvCxnSpPr/>
-          <p:nvPr/>
-        </p:nvCxnSpPr>
-        <p:spPr>
-          <a:xfrm>
-            <a:off x="12476487" y="7419060"/>
-            <a:ext cx="413345" cy="1"/>
-          </a:xfrm>
-          <a:prstGeom prst="straightConnector1">
-            <a:avLst/>
-          </a:prstGeom>
-          <a:ln w="28575">
-            <a:prstDash val="dash"/>
-            <a:headEnd type="none" w="med" len="med"/>
-            <a:tailEnd type="arrow" w="med" len="med"/>
-          </a:ln>
-        </p:spPr>
-        <p:style>
-          <a:lnRef idx="1">
-            <a:schemeClr val="accent1"/>
-          </a:lnRef>
-          <a:fillRef idx="0">
-            <a:schemeClr val="accent1"/>
-          </a:fillRef>
-          <a:effectRef idx="0">
-            <a:schemeClr val="accent1"/>
-          </a:effectRef>
-          <a:fontRef idx="minor">
-            <a:schemeClr val="tx1"/>
-          </a:fontRef>
-        </p:style>
-      </p:cxnSp>
-      <p:cxnSp>
-        <p:nvCxnSpPr>
-          <p:cNvPr id="134" name="直线箭头连接符 133"/>
-          <p:cNvCxnSpPr/>
-          <p:nvPr/>
-        </p:nvCxnSpPr>
-        <p:spPr>
-          <a:xfrm flipH="1">
-            <a:off x="12434527" y="7662622"/>
-            <a:ext cx="429217" cy="1"/>
-          </a:xfrm>
-          <a:prstGeom prst="straightConnector1">
-            <a:avLst/>
-          </a:prstGeom>
-          <a:ln w="28575">
-            <a:prstDash val="dash"/>
-            <a:headEnd type="none" w="med" len="med"/>
-            <a:tailEnd type="arrow" w="med" len="med"/>
-          </a:ln>
-        </p:spPr>
-        <p:style>
-          <a:lnRef idx="1">
-            <a:schemeClr val="accent1"/>
-          </a:lnRef>
-          <a:fillRef idx="0">
-            <a:schemeClr val="accent1"/>
-          </a:fillRef>
-          <a:effectRef idx="0">
-            <a:schemeClr val="accent1"/>
-          </a:effectRef>
-          <a:fontRef idx="minor">
-            <a:schemeClr val="tx1"/>
-          </a:fontRef>
-        </p:style>
-      </p:cxnSp>
       <p:sp>
         <p:nvSpPr>
           <p:cNvPr id="3" name="圆角矩形 2"/>
@@ -13111,6 +13248,11 @@
               </a:rPr>
               <a:t>调度器</a:t>
             </a:r>
+            <a:endParaRPr kumimoji="1" lang="zh-CN" altLang="en-US" sz="1400" dirty="0" smtClean="0">
+              <a:latin typeface="Heiti SC Light" charset="-122"/>
+              <a:ea typeface="Heiti SC Light" charset="-122"/>
+              <a:cs typeface="Heiti SC Light" charset="-122"/>
+            </a:endParaRPr>
           </a:p>
           <a:p>
             <a:pPr algn="ctr">
@@ -13187,6 +13329,11 @@
               </a:rPr>
               <a:t>服务</a:t>
             </a:r>
+            <a:endParaRPr kumimoji="1" lang="zh-CN" altLang="en-US" sz="1400" dirty="0" smtClean="0">
+              <a:latin typeface="Heiti SC Light" charset="-122"/>
+              <a:ea typeface="Heiti SC Light" charset="-122"/>
+              <a:cs typeface="Heiti SC Light" charset="-122"/>
+            </a:endParaRPr>
           </a:p>
           <a:p>
             <a:pPr algn="ctr">
@@ -13258,6 +13405,11 @@
               </a:rPr>
               <a:t>日志管理</a:t>
             </a:r>
+            <a:endParaRPr kumimoji="1" lang="zh-CN" altLang="en-US" sz="1400" b="1" dirty="0">
+              <a:latin typeface="Heiti SC Light" charset="-122"/>
+              <a:ea typeface="Heiti SC Light" charset="-122"/>
+              <a:cs typeface="Heiti SC Light" charset="-122"/>
+            </a:endParaRPr>
           </a:p>
         </p:txBody>
       </p:sp>
@@ -13308,6 +13460,11 @@
               </a:rPr>
               <a:t>调度日志</a:t>
             </a:r>
+            <a:endParaRPr kumimoji="1" lang="zh-CN" altLang="en-US" sz="1400" dirty="0">
+              <a:latin typeface="Heiti SC Light" charset="-122"/>
+              <a:ea typeface="Heiti SC Light" charset="-122"/>
+              <a:cs typeface="Heiti SC Light" charset="-122"/>
+            </a:endParaRPr>
           </a:p>
         </p:txBody>
       </p:sp>
@@ -13366,6 +13523,11 @@
               </a:rPr>
               <a:t>日志</a:t>
             </a:r>
+            <a:endParaRPr kumimoji="1" lang="zh-CN" altLang="en-US" sz="1400" dirty="0">
+              <a:latin typeface="Heiti SC Light" charset="-122"/>
+              <a:ea typeface="Heiti SC Light" charset="-122"/>
+              <a:cs typeface="Heiti SC Light" charset="-122"/>
+            </a:endParaRPr>
           </a:p>
         </p:txBody>
       </p:sp>
@@ -13424,6 +13586,11 @@
               </a:rPr>
               <a:t>版本日志</a:t>
             </a:r>
+            <a:endParaRPr kumimoji="1" lang="zh-CN" altLang="en-US" sz="1400" dirty="0">
+              <a:latin typeface="Heiti SC Light" charset="-122"/>
+              <a:ea typeface="Heiti SC Light" charset="-122"/>
+              <a:cs typeface="Heiti SC Light" charset="-122"/>
+            </a:endParaRPr>
           </a:p>
         </p:txBody>
       </p:sp>
@@ -14089,6 +14256,11 @@
               </a:rPr>
               <a:t>调度结果</a:t>
             </a:r>
+            <a:endParaRPr kumimoji="1" lang="zh-CN" altLang="en-US" sz="1400" dirty="0" smtClean="0">
+              <a:latin typeface="Heiti SC Light" charset="-122"/>
+              <a:ea typeface="Heiti SC Light" charset="-122"/>
+              <a:cs typeface="Heiti SC Light" charset="-122"/>
+            </a:endParaRPr>
           </a:p>
           <a:p>
             <a:pPr algn="ctr"/>
@@ -14241,6 +14413,11 @@
               </a:rPr>
               <a:t>任务线程</a:t>
             </a:r>
+            <a:endParaRPr kumimoji="1" lang="zh-CN" altLang="en-US" sz="1400" dirty="0">
+              <a:latin typeface="Heiti SC Light" charset="-122"/>
+              <a:ea typeface="Heiti SC Light" charset="-122"/>
+              <a:cs typeface="Heiti SC Light" charset="-122"/>
+            </a:endParaRPr>
           </a:p>
         </p:txBody>
       </p:sp>
@@ -14286,6 +14463,11 @@
               </a:rPr>
               <a:t>调度请求</a:t>
             </a:r>
+            <a:endParaRPr kumimoji="1" lang="zh-CN" altLang="en-US" sz="1400" dirty="0">
+              <a:latin typeface="Heiti SC Light" charset="-122"/>
+              <a:ea typeface="Heiti SC Light" charset="-122"/>
+              <a:cs typeface="Heiti SC Light" charset="-122"/>
+            </a:endParaRPr>
           </a:p>
           <a:p>
             <a:pPr algn="ctr"/>
@@ -14534,6 +14716,11 @@
               </a:rPr>
               <a:t>执行日志</a:t>
             </a:r>
+            <a:endParaRPr kumimoji="1" lang="zh-CN" altLang="en-US" sz="1400" dirty="0">
+              <a:latin typeface="Heiti SC Light" charset="-122"/>
+              <a:ea typeface="Heiti SC Light" charset="-122"/>
+              <a:cs typeface="Heiti SC Light" charset="-122"/>
+            </a:endParaRPr>
           </a:p>
           <a:p>
             <a:pPr algn="ctr">
@@ -14616,6 +14803,11 @@
               </a:rPr>
               <a:t>回调线程</a:t>
             </a:r>
+            <a:endParaRPr kumimoji="1" lang="zh-CN" altLang="en-US" sz="1400" dirty="0">
+              <a:latin typeface="Heiti SC Light" charset="-122"/>
+              <a:ea typeface="Heiti SC Light" charset="-122"/>
+              <a:cs typeface="Heiti SC Light" charset="-122"/>
+            </a:endParaRPr>
           </a:p>
         </p:txBody>
       </p:sp>
@@ -14744,6 +14936,11 @@
               </a:rPr>
               <a:t>日志</a:t>
             </a:r>
+            <a:endParaRPr kumimoji="1" lang="zh-CN" altLang="en-US" sz="1400" dirty="0">
+              <a:latin typeface="Heiti SC Light" charset="-122"/>
+              <a:ea typeface="Heiti SC Light" charset="-122"/>
+              <a:cs typeface="Heiti SC Light" charset="-122"/>
+            </a:endParaRPr>
           </a:p>
           <a:p>
             <a:pPr algn="ctr">
@@ -14828,6 +15025,11 @@
               </a:rPr>
               <a:t>日志服务</a:t>
             </a:r>
+            <a:endParaRPr kumimoji="1" lang="zh-CN" altLang="en-US" sz="1400" dirty="0">
+              <a:latin typeface="Heiti SC Light" charset="-122"/>
+              <a:ea typeface="Heiti SC Light" charset="-122"/>
+              <a:cs typeface="Heiti SC Light" charset="-122"/>
+            </a:endParaRPr>
           </a:p>
           <a:p>
             <a:pPr algn="ctr">
@@ -14850,11 +15052,6 @@
         </p:txBody>
       </p:sp>
     </p:spTree>
-    <p:extLst>
-      <p:ext uri="{BB962C8B-B14F-4D97-AF65-F5344CB8AC3E}">
-        <p14:creationId xmlns:p14="http://schemas.microsoft.com/office/powerpoint/2010/main" val="786243555"/>
-      </p:ext>
-    </p:extLst>
   </p:cSld>
   <p:clrMapOvr>
     <a:masterClrMapping/>
@@ -14941,6 +15138,14 @@
               </a:rPr>
               <a:t>调度中心</a:t>
             </a:r>
+            <a:endParaRPr kumimoji="1" lang="zh-CN" altLang="en-US" sz="1600" b="1" dirty="0">
+              <a:solidFill>
+                <a:schemeClr val="tx1"/>
+              </a:solidFill>
+              <a:latin typeface="Heiti SC Light" charset="-122"/>
+              <a:ea typeface="Heiti SC Light" charset="-122"/>
+              <a:cs typeface="Heiti SC Light" charset="-122"/>
+            </a:endParaRPr>
           </a:p>
         </p:txBody>
       </p:sp>
@@ -14958,7 +15163,6 @@
           <a:prstGeom prst="flowChartProcess">
             <a:avLst/>
           </a:prstGeom>
-          <a:ln/>
         </p:spPr>
         <p:style>
           <a:lnRef idx="1">
@@ -14999,64 +15203,6 @@
       </p:sp>
       <p:sp>
         <p:nvSpPr>
-          <p:cNvPr id="9" name="矩形 8"/>
-          <p:cNvSpPr/>
-          <p:nvPr/>
-        </p:nvSpPr>
-        <p:spPr>
-          <a:xfrm>
-            <a:off x="5931089" y="7076091"/>
-            <a:ext cx="2920811" cy="841124"/>
-          </a:xfrm>
-          <a:prstGeom prst="rect">
-            <a:avLst/>
-          </a:prstGeom>
-          <a:solidFill>
-            <a:srgbClr val="E8DDF4"/>
-          </a:solidFill>
-          <a:ln>
-            <a:noFill/>
-          </a:ln>
-        </p:spPr>
-        <p:style>
-          <a:lnRef idx="1">
-            <a:schemeClr val="accent1"/>
-          </a:lnRef>
-          <a:fillRef idx="2">
-            <a:schemeClr val="accent1"/>
-          </a:fillRef>
-          <a:effectRef idx="1">
-            <a:schemeClr val="accent1"/>
-          </a:effectRef>
-          <a:fontRef idx="minor">
-            <a:schemeClr val="dk1"/>
-          </a:fontRef>
-        </p:style>
-        <p:txBody>
-          <a:bodyPr anchor="b"/>
-          <a:lstStyle/>
-          <a:p>
-            <a:pPr algn="ctr">
-              <a:defRPr/>
-            </a:pPr>
-            <a:r>
-              <a:rPr kumimoji="1" lang="zh-CN" altLang="en-US" sz="1600" b="1" dirty="0" smtClean="0">
-                <a:latin typeface="Heiti SC Light" charset="-122"/>
-                <a:ea typeface="Heiti SC Light" charset="-122"/>
-                <a:cs typeface="Heiti SC Light" charset="-122"/>
-              </a:rPr>
-              <a:t>注册中心</a:t>
-            </a:r>
-            <a:endParaRPr kumimoji="1" lang="zh-CN" altLang="en-US" sz="1600" b="1" dirty="0">
-              <a:latin typeface="Heiti SC Light" charset="-122"/>
-              <a:ea typeface="Heiti SC Light" charset="-122"/>
-              <a:cs typeface="Heiti SC Light" charset="-122"/>
-            </a:endParaRPr>
-          </a:p>
-        </p:txBody>
-      </p:sp>
-      <p:sp>
-        <p:nvSpPr>
           <p:cNvPr id="29" name="可选流程 28"/>
           <p:cNvSpPr/>
           <p:nvPr/>
@@ -15102,6 +15248,11 @@
               </a:rPr>
               <a:t>注册服务</a:t>
             </a:r>
+            <a:endParaRPr kumimoji="1" lang="zh-CN" altLang="en-US" sz="1400" dirty="0" smtClean="0">
+              <a:latin typeface="Heiti SC Light" charset="-122"/>
+              <a:ea typeface="Heiti SC Light" charset="-122"/>
+              <a:cs typeface="Heiti SC Light" charset="-122"/>
+            </a:endParaRPr>
           </a:p>
           <a:p>
             <a:pPr algn="ctr">
@@ -15687,76 +15838,6 @@
           </a:p>
         </p:txBody>
       </p:sp>
-      <p:cxnSp>
-        <p:nvCxnSpPr>
-          <p:cNvPr id="86" name="直线箭头连接符 85"/>
-          <p:cNvCxnSpPr/>
-          <p:nvPr/>
-        </p:nvCxnSpPr>
-        <p:spPr>
-          <a:xfrm>
-            <a:off x="11955553" y="7258143"/>
-            <a:ext cx="9228" cy="410923"/>
-          </a:xfrm>
-          <a:prstGeom prst="straightConnector1">
-            <a:avLst/>
-          </a:prstGeom>
-          <a:ln w="28575">
-            <a:prstDash val="dash"/>
-            <a:headEnd type="none" w="med" len="med"/>
-            <a:tailEnd type="arrow" w="med" len="med"/>
-          </a:ln>
-        </p:spPr>
-        <p:style>
-          <a:lnRef idx="1">
-            <a:schemeClr val="accent1"/>
-          </a:lnRef>
-          <a:fillRef idx="0">
-            <a:schemeClr val="accent1"/>
-          </a:fillRef>
-          <a:effectRef idx="0">
-            <a:schemeClr val="accent1"/>
-          </a:effectRef>
-          <a:fontRef idx="minor">
-            <a:schemeClr val="tx1"/>
-          </a:fontRef>
-        </p:style>
-      </p:cxnSp>
-      <p:cxnSp>
-        <p:nvCxnSpPr>
-          <p:cNvPr id="87" name="直线箭头连接符 86"/>
-          <p:cNvCxnSpPr/>
-          <p:nvPr/>
-        </p:nvCxnSpPr>
-        <p:spPr>
-          <a:xfrm flipV="1">
-            <a:off x="12192000" y="7245443"/>
-            <a:ext cx="0" cy="417180"/>
-          </a:xfrm>
-          <a:prstGeom prst="straightConnector1">
-            <a:avLst/>
-          </a:prstGeom>
-          <a:ln w="28575">
-            <a:prstDash val="dash"/>
-            <a:headEnd type="none" w="med" len="med"/>
-            <a:tailEnd type="arrow" w="med" len="med"/>
-          </a:ln>
-        </p:spPr>
-        <p:style>
-          <a:lnRef idx="1">
-            <a:schemeClr val="accent1"/>
-          </a:lnRef>
-          <a:fillRef idx="0">
-            <a:schemeClr val="accent1"/>
-          </a:fillRef>
-          <a:effectRef idx="0">
-            <a:schemeClr val="accent1"/>
-          </a:effectRef>
-          <a:fontRef idx="minor">
-            <a:schemeClr val="tx1"/>
-          </a:fontRef>
-        </p:style>
-      </p:cxnSp>
       <p:sp>
         <p:nvSpPr>
           <p:cNvPr id="101" name="矩形 100"/>
@@ -15812,76 +15893,6 @@
           </a:p>
         </p:txBody>
       </p:sp>
-      <p:cxnSp>
-        <p:nvCxnSpPr>
-          <p:cNvPr id="133" name="直线箭头连接符 132"/>
-          <p:cNvCxnSpPr/>
-          <p:nvPr/>
-        </p:nvCxnSpPr>
-        <p:spPr>
-          <a:xfrm>
-            <a:off x="12476487" y="7419060"/>
-            <a:ext cx="413345" cy="1"/>
-          </a:xfrm>
-          <a:prstGeom prst="straightConnector1">
-            <a:avLst/>
-          </a:prstGeom>
-          <a:ln w="28575">
-            <a:prstDash val="dash"/>
-            <a:headEnd type="none" w="med" len="med"/>
-            <a:tailEnd type="arrow" w="med" len="med"/>
-          </a:ln>
-        </p:spPr>
-        <p:style>
-          <a:lnRef idx="1">
-            <a:schemeClr val="accent1"/>
-          </a:lnRef>
-          <a:fillRef idx="0">
-            <a:schemeClr val="accent1"/>
-          </a:fillRef>
-          <a:effectRef idx="0">
-            <a:schemeClr val="accent1"/>
-          </a:effectRef>
-          <a:fontRef idx="minor">
-            <a:schemeClr val="tx1"/>
-          </a:fontRef>
-        </p:style>
-      </p:cxnSp>
-      <p:cxnSp>
-        <p:nvCxnSpPr>
-          <p:cNvPr id="134" name="直线箭头连接符 133"/>
-          <p:cNvCxnSpPr/>
-          <p:nvPr/>
-        </p:nvCxnSpPr>
-        <p:spPr>
-          <a:xfrm flipH="1">
-            <a:off x="12434527" y="7662622"/>
-            <a:ext cx="429217" cy="1"/>
-          </a:xfrm>
-          <a:prstGeom prst="straightConnector1">
-            <a:avLst/>
-          </a:prstGeom>
-          <a:ln w="28575">
-            <a:prstDash val="dash"/>
-            <a:headEnd type="none" w="med" len="med"/>
-            <a:tailEnd type="arrow" w="med" len="med"/>
-          </a:ln>
-        </p:spPr>
-        <p:style>
-          <a:lnRef idx="1">
-            <a:schemeClr val="accent1"/>
-          </a:lnRef>
-          <a:fillRef idx="0">
-            <a:schemeClr val="accent1"/>
-          </a:fillRef>
-          <a:effectRef idx="0">
-            <a:schemeClr val="accent1"/>
-          </a:effectRef>
-          <a:fontRef idx="minor">
-            <a:schemeClr val="tx1"/>
-          </a:fontRef>
-        </p:style>
-      </p:cxnSp>
       <p:sp>
         <p:nvSpPr>
           <p:cNvPr id="3" name="圆角矩形 2"/>
@@ -15926,6 +15937,11 @@
               </a:rPr>
               <a:t>调度器</a:t>
             </a:r>
+            <a:endParaRPr kumimoji="1" lang="zh-CN" altLang="en-US" sz="1400" dirty="0" smtClean="0">
+              <a:latin typeface="Heiti SC Light" charset="-122"/>
+              <a:ea typeface="Heiti SC Light" charset="-122"/>
+              <a:cs typeface="Heiti SC Light" charset="-122"/>
+            </a:endParaRPr>
           </a:p>
           <a:p>
             <a:pPr algn="ctr">
@@ -16002,6 +16018,11 @@
               </a:rPr>
               <a:t>服务</a:t>
             </a:r>
+            <a:endParaRPr kumimoji="1" lang="zh-CN" altLang="en-US" sz="1400" dirty="0" smtClean="0">
+              <a:latin typeface="Heiti SC Light" charset="-122"/>
+              <a:ea typeface="Heiti SC Light" charset="-122"/>
+              <a:cs typeface="Heiti SC Light" charset="-122"/>
+            </a:endParaRPr>
           </a:p>
           <a:p>
             <a:pPr algn="ctr">
@@ -16073,6 +16094,11 @@
               </a:rPr>
               <a:t>日志管理</a:t>
             </a:r>
+            <a:endParaRPr kumimoji="1" lang="zh-CN" altLang="en-US" sz="1400" b="1" dirty="0">
+              <a:latin typeface="Heiti SC Light" charset="-122"/>
+              <a:ea typeface="Heiti SC Light" charset="-122"/>
+              <a:cs typeface="Heiti SC Light" charset="-122"/>
+            </a:endParaRPr>
           </a:p>
         </p:txBody>
       </p:sp>
@@ -16123,6 +16149,11 @@
               </a:rPr>
               <a:t>调度日志</a:t>
             </a:r>
+            <a:endParaRPr kumimoji="1" lang="zh-CN" altLang="en-US" sz="1400" dirty="0">
+              <a:latin typeface="Heiti SC Light" charset="-122"/>
+              <a:ea typeface="Heiti SC Light" charset="-122"/>
+              <a:cs typeface="Heiti SC Light" charset="-122"/>
+            </a:endParaRPr>
           </a:p>
         </p:txBody>
       </p:sp>
@@ -16181,6 +16212,11 @@
               </a:rPr>
               <a:t>日志</a:t>
             </a:r>
+            <a:endParaRPr kumimoji="1" lang="zh-CN" altLang="en-US" sz="1400" dirty="0">
+              <a:latin typeface="Heiti SC Light" charset="-122"/>
+              <a:ea typeface="Heiti SC Light" charset="-122"/>
+              <a:cs typeface="Heiti SC Light" charset="-122"/>
+            </a:endParaRPr>
           </a:p>
         </p:txBody>
       </p:sp>
@@ -16239,6 +16275,11 @@
               </a:rPr>
               <a:t>版本日志</a:t>
             </a:r>
+            <a:endParaRPr kumimoji="1" lang="zh-CN" altLang="en-US" sz="1400" dirty="0">
+              <a:latin typeface="Heiti SC Light" charset="-122"/>
+              <a:ea typeface="Heiti SC Light" charset="-122"/>
+              <a:cs typeface="Heiti SC Light" charset="-122"/>
+            </a:endParaRPr>
           </a:p>
         </p:txBody>
       </p:sp>
@@ -16904,6 +16945,11 @@
               </a:rPr>
               <a:t>调度结果</a:t>
             </a:r>
+            <a:endParaRPr kumimoji="1" lang="zh-CN" altLang="en-US" sz="1400" dirty="0" smtClean="0">
+              <a:latin typeface="Heiti SC Light" charset="-122"/>
+              <a:ea typeface="Heiti SC Light" charset="-122"/>
+              <a:cs typeface="Heiti SC Light" charset="-122"/>
+            </a:endParaRPr>
           </a:p>
           <a:p>
             <a:pPr algn="ctr"/>
@@ -17056,6 +17102,11 @@
               </a:rPr>
               <a:t>任务线程</a:t>
             </a:r>
+            <a:endParaRPr kumimoji="1" lang="zh-CN" altLang="en-US" sz="1400" dirty="0">
+              <a:latin typeface="Heiti SC Light" charset="-122"/>
+              <a:ea typeface="Heiti SC Light" charset="-122"/>
+              <a:cs typeface="Heiti SC Light" charset="-122"/>
+            </a:endParaRPr>
           </a:p>
         </p:txBody>
       </p:sp>
@@ -17101,6 +17152,11 @@
               </a:rPr>
               <a:t>调度请求</a:t>
             </a:r>
+            <a:endParaRPr kumimoji="1" lang="zh-CN" altLang="en-US" sz="1400" dirty="0">
+              <a:latin typeface="Heiti SC Light" charset="-122"/>
+              <a:ea typeface="Heiti SC Light" charset="-122"/>
+              <a:cs typeface="Heiti SC Light" charset="-122"/>
+            </a:endParaRPr>
           </a:p>
           <a:p>
             <a:pPr algn="ctr"/>
@@ -17349,6 +17405,11 @@
               </a:rPr>
               <a:t>执行日志</a:t>
             </a:r>
+            <a:endParaRPr kumimoji="1" lang="zh-CN" altLang="en-US" sz="1400" dirty="0">
+              <a:latin typeface="Heiti SC Light" charset="-122"/>
+              <a:ea typeface="Heiti SC Light" charset="-122"/>
+              <a:cs typeface="Heiti SC Light" charset="-122"/>
+            </a:endParaRPr>
           </a:p>
           <a:p>
             <a:pPr algn="ctr">
@@ -17431,6 +17492,11 @@
               </a:rPr>
               <a:t>回调线程</a:t>
             </a:r>
+            <a:endParaRPr kumimoji="1" lang="zh-CN" altLang="en-US" sz="1400" dirty="0">
+              <a:latin typeface="Heiti SC Light" charset="-122"/>
+              <a:ea typeface="Heiti SC Light" charset="-122"/>
+              <a:cs typeface="Heiti SC Light" charset="-122"/>
+            </a:endParaRPr>
           </a:p>
         </p:txBody>
       </p:sp>
@@ -17559,6 +17625,11 @@
               </a:rPr>
               <a:t>日志</a:t>
             </a:r>
+            <a:endParaRPr kumimoji="1" lang="zh-CN" altLang="en-US" sz="1400" dirty="0">
+              <a:latin typeface="Heiti SC Light" charset="-122"/>
+              <a:ea typeface="Heiti SC Light" charset="-122"/>
+              <a:cs typeface="Heiti SC Light" charset="-122"/>
+            </a:endParaRPr>
           </a:p>
           <a:p>
             <a:pPr algn="ctr">
@@ -17643,6 +17714,11 @@
               </a:rPr>
               <a:t>日志服务</a:t>
             </a:r>
+            <a:endParaRPr kumimoji="1" lang="zh-CN" altLang="en-US" sz="1400" dirty="0">
+              <a:latin typeface="Heiti SC Light" charset="-122"/>
+              <a:ea typeface="Heiti SC Light" charset="-122"/>
+              <a:cs typeface="Heiti SC Light" charset="-122"/>
+            </a:endParaRPr>
           </a:p>
           <a:p>
             <a:pPr algn="ctr">
@@ -17719,11 +17795,6 @@
         </p:txBody>
       </p:sp>
     </p:spTree>
-    <p:extLst>
-      <p:ext uri="{BB962C8B-B14F-4D97-AF65-F5344CB8AC3E}">
-        <p14:creationId xmlns:p14="http://schemas.microsoft.com/office/powerpoint/2010/main" val="1784905200"/>
-      </p:ext>
-    </p:extLst>
   </p:cSld>
   <p:clrMapOvr>
     <a:masterClrMapping/>
@@ -17757,6 +17828,2749 @@
       </p:grpSpPr>
       <p:sp>
         <p:nvSpPr>
+          <p:cNvPr id="14" name="矩形 13"/>
+          <p:cNvSpPr/>
+          <p:nvPr/>
+        </p:nvSpPr>
+        <p:spPr>
+          <a:xfrm>
+            <a:off x="622491" y="576163"/>
+            <a:ext cx="5778309" cy="5176329"/>
+          </a:xfrm>
+          <a:prstGeom prst="rect">
+            <a:avLst/>
+          </a:prstGeom>
+          <a:solidFill>
+            <a:srgbClr val="9FC2E8"/>
+          </a:solidFill>
+          <a:ln>
+            <a:noFill/>
+          </a:ln>
+        </p:spPr>
+        <p:style>
+          <a:lnRef idx="2">
+            <a:schemeClr val="accent1">
+              <a:shade val="50000"/>
+            </a:schemeClr>
+          </a:lnRef>
+          <a:fillRef idx="1">
+            <a:schemeClr val="accent1"/>
+          </a:fillRef>
+          <a:effectRef idx="0">
+            <a:schemeClr val="accent1"/>
+          </a:effectRef>
+          <a:fontRef idx="minor">
+            <a:schemeClr val="lt1"/>
+          </a:fontRef>
+        </p:style>
+        <p:txBody>
+          <a:bodyPr anchor="b"/>
+          <a:lstStyle/>
+          <a:p>
+            <a:pPr algn="ctr">
+              <a:defRPr/>
+            </a:pPr>
+            <a:r>
+              <a:rPr kumimoji="1" lang="zh-CN" altLang="en-US" sz="1600" b="1" dirty="0">
+                <a:solidFill>
+                  <a:schemeClr val="tx1"/>
+                </a:solidFill>
+                <a:latin typeface="Heiti SC Light" charset="-122"/>
+                <a:ea typeface="Heiti SC Light" charset="-122"/>
+                <a:cs typeface="Heiti SC Light" charset="-122"/>
+              </a:rPr>
+              <a:t>调度中心</a:t>
+            </a:r>
+            <a:endParaRPr kumimoji="1" lang="zh-CN" altLang="en-US" sz="1600" b="1" dirty="0">
+              <a:solidFill>
+                <a:schemeClr val="tx1"/>
+              </a:solidFill>
+              <a:latin typeface="Heiti SC Light" charset="-122"/>
+              <a:ea typeface="Heiti SC Light" charset="-122"/>
+              <a:cs typeface="Heiti SC Light" charset="-122"/>
+            </a:endParaRPr>
+          </a:p>
+        </p:txBody>
+      </p:sp>
+      <p:sp>
+        <p:nvSpPr>
+          <p:cNvPr id="7" name="进程 6"/>
+          <p:cNvSpPr/>
+          <p:nvPr/>
+        </p:nvSpPr>
+        <p:spPr>
+          <a:xfrm>
+            <a:off x="720867" y="4786674"/>
+            <a:ext cx="3336094" cy="442510"/>
+          </a:xfrm>
+          <a:prstGeom prst="flowChartProcess">
+            <a:avLst/>
+          </a:prstGeom>
+        </p:spPr>
+        <p:style>
+          <a:lnRef idx="1">
+            <a:schemeClr val="accent4"/>
+          </a:lnRef>
+          <a:fillRef idx="2">
+            <a:schemeClr val="accent4"/>
+          </a:fillRef>
+          <a:effectRef idx="1">
+            <a:schemeClr val="accent4"/>
+          </a:effectRef>
+          <a:fontRef idx="minor">
+            <a:schemeClr val="dk1"/>
+          </a:fontRef>
+        </p:style>
+        <p:txBody>
+          <a:bodyPr anchor="ctr"/>
+          <a:lstStyle/>
+          <a:p>
+            <a:pPr algn="ctr">
+              <a:defRPr/>
+            </a:pPr>
+            <a:r>
+              <a:rPr kumimoji="1" lang="zh-CN" altLang="en-US" sz="1600" b="1" dirty="0" smtClean="0">
+                <a:latin typeface="Heiti SC Light" charset="-122"/>
+                <a:ea typeface="Heiti SC Light" charset="-122"/>
+                <a:cs typeface="Heiti SC Light" charset="-122"/>
+              </a:rPr>
+              <a:t>数据中心</a:t>
+            </a:r>
+            <a:endParaRPr kumimoji="1" lang="zh-CN" altLang="en-US" sz="1600" b="1" dirty="0">
+              <a:latin typeface="Heiti SC Light" charset="-122"/>
+              <a:ea typeface="Heiti SC Light" charset="-122"/>
+              <a:cs typeface="Heiti SC Light" charset="-122"/>
+            </a:endParaRPr>
+          </a:p>
+        </p:txBody>
+      </p:sp>
+      <p:sp>
+        <p:nvSpPr>
+          <p:cNvPr id="29" name="可选流程 28"/>
+          <p:cNvSpPr/>
+          <p:nvPr/>
+        </p:nvSpPr>
+        <p:spPr>
+          <a:xfrm>
+            <a:off x="4271056" y="4568832"/>
+            <a:ext cx="1659412" cy="572325"/>
+          </a:xfrm>
+          <a:prstGeom prst="flowChartAlternateProcess">
+            <a:avLst/>
+          </a:prstGeom>
+          <a:solidFill>
+            <a:srgbClr val="9379B3"/>
+          </a:solidFill>
+        </p:spPr>
+        <p:style>
+          <a:lnRef idx="0">
+            <a:schemeClr val="accent1"/>
+          </a:lnRef>
+          <a:fillRef idx="3">
+            <a:schemeClr val="accent1"/>
+          </a:fillRef>
+          <a:effectRef idx="3">
+            <a:schemeClr val="accent1"/>
+          </a:effectRef>
+          <a:fontRef idx="minor">
+            <a:schemeClr val="lt1"/>
+          </a:fontRef>
+        </p:style>
+        <p:txBody>
+          <a:bodyPr anchor="ctr"/>
+          <a:lstStyle/>
+          <a:p>
+            <a:pPr algn="ctr">
+              <a:defRPr/>
+            </a:pPr>
+            <a:r>
+              <a:rPr kumimoji="1" lang="zh-CN" altLang="en-US" sz="1400" dirty="0" smtClean="0">
+                <a:latin typeface="Heiti SC Light" charset="-122"/>
+                <a:ea typeface="Heiti SC Light" charset="-122"/>
+                <a:cs typeface="Heiti SC Light" charset="-122"/>
+              </a:rPr>
+              <a:t>注册服务</a:t>
+            </a:r>
+            <a:endParaRPr kumimoji="1" lang="zh-CN" altLang="en-US" sz="1400" dirty="0" smtClean="0">
+              <a:latin typeface="Heiti SC Light" charset="-122"/>
+              <a:ea typeface="Heiti SC Light" charset="-122"/>
+              <a:cs typeface="Heiti SC Light" charset="-122"/>
+            </a:endParaRPr>
+          </a:p>
+          <a:p>
+            <a:pPr algn="ctr">
+              <a:defRPr/>
+            </a:pPr>
+            <a:r>
+              <a:rPr kumimoji="1" lang="en-US" altLang="zh-CN" sz="1400" dirty="0" smtClean="0">
+                <a:latin typeface="Heiti SC Light" charset="-122"/>
+                <a:ea typeface="Heiti SC Light" charset="-122"/>
+                <a:cs typeface="Heiti SC Light" charset="-122"/>
+              </a:rPr>
+              <a:t>(API)</a:t>
+            </a:r>
+            <a:endParaRPr kumimoji="1" lang="zh-CN" altLang="en-US" sz="1400" dirty="0">
+              <a:latin typeface="Heiti SC Light" charset="-122"/>
+              <a:ea typeface="Heiti SC Light" charset="-122"/>
+              <a:cs typeface="Heiti SC Light" charset="-122"/>
+            </a:endParaRPr>
+          </a:p>
+        </p:txBody>
+      </p:sp>
+      <p:sp>
+        <p:nvSpPr>
+          <p:cNvPr id="4" name="矩形 3"/>
+          <p:cNvSpPr/>
+          <p:nvPr/>
+        </p:nvSpPr>
+        <p:spPr>
+          <a:xfrm>
+            <a:off x="720867" y="688297"/>
+            <a:ext cx="1672839" cy="1961502"/>
+          </a:xfrm>
+          <a:prstGeom prst="rect">
+            <a:avLst/>
+          </a:prstGeom>
+          <a:solidFill>
+            <a:srgbClr val="E0EBFF"/>
+          </a:solidFill>
+          <a:ln>
+            <a:noFill/>
+          </a:ln>
+        </p:spPr>
+        <p:style>
+          <a:lnRef idx="1">
+            <a:schemeClr val="accent1"/>
+          </a:lnRef>
+          <a:fillRef idx="2">
+            <a:schemeClr val="accent1"/>
+          </a:fillRef>
+          <a:effectRef idx="1">
+            <a:schemeClr val="accent1"/>
+          </a:effectRef>
+          <a:fontRef idx="minor">
+            <a:schemeClr val="dk1"/>
+          </a:fontRef>
+        </p:style>
+        <p:txBody>
+          <a:bodyPr anchor="t"/>
+          <a:lstStyle/>
+          <a:p>
+            <a:pPr algn="ctr">
+              <a:defRPr/>
+            </a:pPr>
+            <a:r>
+              <a:rPr kumimoji="1" lang="zh-CN" altLang="en-US" sz="1400" b="1" dirty="0" smtClean="0">
+                <a:latin typeface="Heiti SC Light" charset="-122"/>
+                <a:ea typeface="Heiti SC Light" charset="-122"/>
+                <a:cs typeface="Heiti SC Light" charset="-122"/>
+              </a:rPr>
+              <a:t>任务管理</a:t>
+            </a:r>
+            <a:endParaRPr kumimoji="1" lang="zh-CN" altLang="en-US" sz="1400" b="1" dirty="0" smtClean="0">
+              <a:latin typeface="Heiti SC Light" charset="-122"/>
+              <a:ea typeface="Heiti SC Light" charset="-122"/>
+              <a:cs typeface="Heiti SC Light" charset="-122"/>
+            </a:endParaRPr>
+          </a:p>
+        </p:txBody>
+      </p:sp>
+      <p:sp>
+        <p:nvSpPr>
+          <p:cNvPr id="5" name="可选流程 4"/>
+          <p:cNvSpPr/>
+          <p:nvPr/>
+        </p:nvSpPr>
+        <p:spPr>
+          <a:xfrm>
+            <a:off x="799893" y="1015627"/>
+            <a:ext cx="1535914" cy="251629"/>
+          </a:xfrm>
+          <a:prstGeom prst="flowChartAlternateProcess">
+            <a:avLst/>
+          </a:prstGeom>
+          <a:solidFill>
+            <a:srgbClr val="6095C9"/>
+          </a:solidFill>
+        </p:spPr>
+        <p:style>
+          <a:lnRef idx="0">
+            <a:schemeClr val="accent1"/>
+          </a:lnRef>
+          <a:fillRef idx="3">
+            <a:schemeClr val="accent1"/>
+          </a:fillRef>
+          <a:effectRef idx="3">
+            <a:schemeClr val="accent1"/>
+          </a:effectRef>
+          <a:fontRef idx="minor">
+            <a:schemeClr val="lt1"/>
+          </a:fontRef>
+        </p:style>
+        <p:txBody>
+          <a:bodyPr anchor="ctr"/>
+          <a:lstStyle/>
+          <a:p>
+            <a:pPr>
+              <a:defRPr/>
+            </a:pPr>
+            <a:r>
+              <a:rPr kumimoji="1" lang="zh-CN" altLang="en-US" sz="1400" dirty="0" smtClean="0">
+                <a:latin typeface="Heiti SC Light" charset="-122"/>
+                <a:ea typeface="Heiti SC Light" charset="-122"/>
+                <a:cs typeface="Heiti SC Light" charset="-122"/>
+              </a:rPr>
+              <a:t>执行器</a:t>
+            </a:r>
+            <a:endParaRPr kumimoji="1" lang="zh-CN" altLang="en-US" sz="1400" dirty="0">
+              <a:latin typeface="Heiti SC Light" charset="-122"/>
+              <a:ea typeface="Heiti SC Light" charset="-122"/>
+              <a:cs typeface="Heiti SC Light" charset="-122"/>
+            </a:endParaRPr>
+          </a:p>
+        </p:txBody>
+      </p:sp>
+      <p:sp>
+        <p:nvSpPr>
+          <p:cNvPr id="60" name="可选流程 59"/>
+          <p:cNvSpPr/>
+          <p:nvPr/>
+        </p:nvSpPr>
+        <p:spPr>
+          <a:xfrm>
+            <a:off x="799893" y="1406309"/>
+            <a:ext cx="1535914" cy="281598"/>
+          </a:xfrm>
+          <a:prstGeom prst="flowChartAlternateProcess">
+            <a:avLst/>
+          </a:prstGeom>
+          <a:solidFill>
+            <a:srgbClr val="6095C9"/>
+          </a:solidFill>
+        </p:spPr>
+        <p:style>
+          <a:lnRef idx="0">
+            <a:schemeClr val="accent1"/>
+          </a:lnRef>
+          <a:fillRef idx="3">
+            <a:schemeClr val="accent1"/>
+          </a:fillRef>
+          <a:effectRef idx="3">
+            <a:schemeClr val="accent1"/>
+          </a:effectRef>
+          <a:fontRef idx="minor">
+            <a:schemeClr val="lt1"/>
+          </a:fontRef>
+        </p:style>
+        <p:txBody>
+          <a:bodyPr anchor="ctr"/>
+          <a:lstStyle/>
+          <a:p>
+            <a:pPr>
+              <a:defRPr/>
+            </a:pPr>
+            <a:r>
+              <a:rPr kumimoji="1" lang="zh-CN" altLang="en-US" sz="1400" dirty="0">
+                <a:latin typeface="Heiti SC Light" charset="-122"/>
+                <a:ea typeface="Heiti SC Light" charset="-122"/>
+                <a:cs typeface="Heiti SC Light" charset="-122"/>
+              </a:rPr>
+              <a:t>任务</a:t>
+            </a:r>
+            <a:r>
+              <a:rPr kumimoji="1" lang="zh-CN" altLang="en-US" sz="1400" dirty="0" smtClean="0">
+                <a:latin typeface="Heiti SC Light" charset="-122"/>
+                <a:ea typeface="Heiti SC Light" charset="-122"/>
+                <a:cs typeface="Heiti SC Light" charset="-122"/>
+              </a:rPr>
+              <a:t>模式</a:t>
+            </a:r>
+            <a:endParaRPr kumimoji="1" lang="zh-CN" altLang="en-US" sz="1400" dirty="0">
+              <a:latin typeface="Heiti SC Light" charset="-122"/>
+              <a:ea typeface="Heiti SC Light" charset="-122"/>
+              <a:cs typeface="Heiti SC Light" charset="-122"/>
+            </a:endParaRPr>
+          </a:p>
+        </p:txBody>
+      </p:sp>
+      <p:sp>
+        <p:nvSpPr>
+          <p:cNvPr id="62" name="可选流程 61"/>
+          <p:cNvSpPr/>
+          <p:nvPr/>
+        </p:nvSpPr>
+        <p:spPr>
+          <a:xfrm>
+            <a:off x="799893" y="1830646"/>
+            <a:ext cx="1535914" cy="255324"/>
+          </a:xfrm>
+          <a:prstGeom prst="flowChartAlternateProcess">
+            <a:avLst/>
+          </a:prstGeom>
+          <a:solidFill>
+            <a:srgbClr val="6095C9"/>
+          </a:solidFill>
+        </p:spPr>
+        <p:style>
+          <a:lnRef idx="0">
+            <a:schemeClr val="accent1"/>
+          </a:lnRef>
+          <a:fillRef idx="3">
+            <a:schemeClr val="accent1"/>
+          </a:fillRef>
+          <a:effectRef idx="3">
+            <a:schemeClr val="accent1"/>
+          </a:effectRef>
+          <a:fontRef idx="minor">
+            <a:schemeClr val="lt1"/>
+          </a:fontRef>
+        </p:style>
+        <p:txBody>
+          <a:bodyPr anchor="ctr"/>
+          <a:lstStyle/>
+          <a:p>
+            <a:pPr>
+              <a:defRPr/>
+            </a:pPr>
+            <a:r>
+              <a:rPr kumimoji="1" lang="en-US" altLang="zh-CN" sz="1400" dirty="0">
+                <a:latin typeface="Heiti SC Light" charset="-122"/>
+                <a:ea typeface="Heiti SC Light" charset="-122"/>
+                <a:cs typeface="Heiti SC Light" charset="-122"/>
+              </a:rPr>
+              <a:t>JobHandler</a:t>
+            </a:r>
+            <a:endParaRPr kumimoji="1" lang="zh-CN" altLang="en-US" sz="1400" dirty="0">
+              <a:latin typeface="Heiti SC Light" charset="-122"/>
+              <a:ea typeface="Heiti SC Light" charset="-122"/>
+              <a:cs typeface="Heiti SC Light" charset="-122"/>
+            </a:endParaRPr>
+          </a:p>
+        </p:txBody>
+      </p:sp>
+      <p:sp>
+        <p:nvSpPr>
+          <p:cNvPr id="63" name="可选流程 62"/>
+          <p:cNvSpPr/>
+          <p:nvPr/>
+        </p:nvSpPr>
+        <p:spPr>
+          <a:xfrm>
+            <a:off x="799893" y="2206727"/>
+            <a:ext cx="1535914" cy="274201"/>
+          </a:xfrm>
+          <a:prstGeom prst="flowChartAlternateProcess">
+            <a:avLst/>
+          </a:prstGeom>
+          <a:solidFill>
+            <a:srgbClr val="6095C9"/>
+          </a:solidFill>
+        </p:spPr>
+        <p:style>
+          <a:lnRef idx="0">
+            <a:schemeClr val="accent1"/>
+          </a:lnRef>
+          <a:fillRef idx="3">
+            <a:schemeClr val="accent1"/>
+          </a:fillRef>
+          <a:effectRef idx="3">
+            <a:schemeClr val="accent1"/>
+          </a:effectRef>
+          <a:fontRef idx="minor">
+            <a:schemeClr val="lt1"/>
+          </a:fontRef>
+        </p:style>
+        <p:txBody>
+          <a:bodyPr anchor="ctr"/>
+          <a:lstStyle/>
+          <a:p>
+            <a:pPr>
+              <a:defRPr/>
+            </a:pPr>
+            <a:r>
+              <a:rPr kumimoji="1" lang="en-US" altLang="zh-CN" sz="1400" dirty="0" smtClean="0">
+                <a:latin typeface="Heiti SC Light" charset="-122"/>
+                <a:ea typeface="Heiti SC Light" charset="-122"/>
+                <a:cs typeface="Heiti SC Light" charset="-122"/>
+              </a:rPr>
+              <a:t>……</a:t>
+            </a:r>
+            <a:endParaRPr kumimoji="1" lang="zh-CN" altLang="en-US" sz="1400" dirty="0">
+              <a:latin typeface="Heiti SC Light" charset="-122"/>
+              <a:ea typeface="Heiti SC Light" charset="-122"/>
+              <a:cs typeface="Heiti SC Light" charset="-122"/>
+            </a:endParaRPr>
+          </a:p>
+        </p:txBody>
+      </p:sp>
+      <p:sp>
+        <p:nvSpPr>
+          <p:cNvPr id="10" name="矩形 9"/>
+          <p:cNvSpPr/>
+          <p:nvPr/>
+        </p:nvSpPr>
+        <p:spPr>
+          <a:xfrm>
+            <a:off x="2388914" y="688297"/>
+            <a:ext cx="1668047" cy="1961502"/>
+          </a:xfrm>
+          <a:prstGeom prst="rect">
+            <a:avLst/>
+          </a:prstGeom>
+          <a:solidFill>
+            <a:srgbClr val="DEF7FF"/>
+          </a:solidFill>
+          <a:ln>
+            <a:noFill/>
+          </a:ln>
+        </p:spPr>
+        <p:style>
+          <a:lnRef idx="1">
+            <a:schemeClr val="accent1"/>
+          </a:lnRef>
+          <a:fillRef idx="2">
+            <a:schemeClr val="accent1"/>
+          </a:fillRef>
+          <a:effectRef idx="1">
+            <a:schemeClr val="accent1"/>
+          </a:effectRef>
+          <a:fontRef idx="minor">
+            <a:schemeClr val="dk1"/>
+          </a:fontRef>
+        </p:style>
+        <p:txBody>
+          <a:bodyPr anchor="t"/>
+          <a:lstStyle/>
+          <a:p>
+            <a:pPr algn="ctr">
+              <a:defRPr/>
+            </a:pPr>
+            <a:r>
+              <a:rPr kumimoji="1" lang="zh-CN" altLang="en-US" sz="1400" b="1" dirty="0" smtClean="0">
+                <a:latin typeface="Heiti SC Light" charset="-122"/>
+                <a:ea typeface="Heiti SC Light" charset="-122"/>
+                <a:cs typeface="Heiti SC Light" charset="-122"/>
+              </a:rPr>
+              <a:t>执行器管理</a:t>
+            </a:r>
+            <a:endParaRPr kumimoji="1" lang="zh-CN" altLang="en-US" sz="1400" b="1" dirty="0">
+              <a:latin typeface="Heiti SC Light" charset="-122"/>
+              <a:ea typeface="Heiti SC Light" charset="-122"/>
+              <a:cs typeface="Heiti SC Light" charset="-122"/>
+            </a:endParaRPr>
+          </a:p>
+        </p:txBody>
+      </p:sp>
+      <p:sp>
+        <p:nvSpPr>
+          <p:cNvPr id="40" name="可选流程 39"/>
+          <p:cNvSpPr/>
+          <p:nvPr/>
+        </p:nvSpPr>
+        <p:spPr>
+          <a:xfrm>
+            <a:off x="2491980" y="1009669"/>
+            <a:ext cx="1432847" cy="272004"/>
+          </a:xfrm>
+          <a:prstGeom prst="flowChartAlternateProcess">
+            <a:avLst/>
+          </a:prstGeom>
+          <a:solidFill>
+            <a:srgbClr val="4BACC6"/>
+          </a:solidFill>
+        </p:spPr>
+        <p:style>
+          <a:lnRef idx="0">
+            <a:schemeClr val="accent1"/>
+          </a:lnRef>
+          <a:fillRef idx="3">
+            <a:schemeClr val="accent1"/>
+          </a:fillRef>
+          <a:effectRef idx="3">
+            <a:schemeClr val="accent1"/>
+          </a:effectRef>
+          <a:fontRef idx="minor">
+            <a:schemeClr val="lt1"/>
+          </a:fontRef>
+        </p:style>
+        <p:txBody>
+          <a:bodyPr anchor="ctr"/>
+          <a:lstStyle/>
+          <a:p>
+            <a:pPr>
+              <a:defRPr/>
+            </a:pPr>
+            <a:r>
+              <a:rPr kumimoji="1" lang="zh-CN" altLang="en-US" sz="1400" dirty="0" smtClean="0">
+                <a:latin typeface="Heiti SC Light" charset="-122"/>
+                <a:ea typeface="Heiti SC Light" charset="-122"/>
+                <a:cs typeface="Heiti SC Light" charset="-122"/>
+              </a:rPr>
+              <a:t>注册方式</a:t>
+            </a:r>
+            <a:endParaRPr kumimoji="1" lang="zh-CN" altLang="en-US" sz="1400" dirty="0">
+              <a:latin typeface="Heiti SC Light" charset="-122"/>
+              <a:ea typeface="Heiti SC Light" charset="-122"/>
+              <a:cs typeface="Heiti SC Light" charset="-122"/>
+            </a:endParaRPr>
+          </a:p>
+        </p:txBody>
+      </p:sp>
+      <p:sp>
+        <p:nvSpPr>
+          <p:cNvPr id="66" name="可选流程 65"/>
+          <p:cNvSpPr/>
+          <p:nvPr/>
+        </p:nvSpPr>
+        <p:spPr>
+          <a:xfrm>
+            <a:off x="2491979" y="1400460"/>
+            <a:ext cx="1432847" cy="275832"/>
+          </a:xfrm>
+          <a:prstGeom prst="flowChartAlternateProcess">
+            <a:avLst/>
+          </a:prstGeom>
+          <a:solidFill>
+            <a:srgbClr val="4BACC6"/>
+          </a:solidFill>
+        </p:spPr>
+        <p:style>
+          <a:lnRef idx="0">
+            <a:schemeClr val="accent1"/>
+          </a:lnRef>
+          <a:fillRef idx="3">
+            <a:schemeClr val="accent1"/>
+          </a:fillRef>
+          <a:effectRef idx="3">
+            <a:schemeClr val="accent1"/>
+          </a:effectRef>
+          <a:fontRef idx="minor">
+            <a:schemeClr val="lt1"/>
+          </a:fontRef>
+        </p:style>
+        <p:txBody>
+          <a:bodyPr anchor="ctr"/>
+          <a:lstStyle/>
+          <a:p>
+            <a:pPr>
+              <a:defRPr/>
+            </a:pPr>
+            <a:r>
+              <a:rPr kumimoji="1" lang="en-US" altLang="zh-CN" sz="1400" dirty="0" smtClean="0">
+                <a:latin typeface="Heiti SC Light" charset="-122"/>
+                <a:ea typeface="Heiti SC Light" charset="-122"/>
+                <a:cs typeface="Heiti SC Light" charset="-122"/>
+              </a:rPr>
+              <a:t>AppName</a:t>
+            </a:r>
+            <a:endParaRPr kumimoji="1" lang="zh-CN" altLang="en-US" sz="1400" dirty="0">
+              <a:latin typeface="Heiti SC Light" charset="-122"/>
+              <a:ea typeface="Heiti SC Light" charset="-122"/>
+              <a:cs typeface="Heiti SC Light" charset="-122"/>
+            </a:endParaRPr>
+          </a:p>
+        </p:txBody>
+      </p:sp>
+      <p:sp>
+        <p:nvSpPr>
+          <p:cNvPr id="67" name="可选流程 66"/>
+          <p:cNvSpPr/>
+          <p:nvPr/>
+        </p:nvSpPr>
+        <p:spPr>
+          <a:xfrm>
+            <a:off x="2491978" y="1834820"/>
+            <a:ext cx="1432847" cy="263850"/>
+          </a:xfrm>
+          <a:prstGeom prst="flowChartAlternateProcess">
+            <a:avLst/>
+          </a:prstGeom>
+          <a:solidFill>
+            <a:srgbClr val="4BACC6"/>
+          </a:solidFill>
+        </p:spPr>
+        <p:style>
+          <a:lnRef idx="0">
+            <a:schemeClr val="accent1"/>
+          </a:lnRef>
+          <a:fillRef idx="3">
+            <a:schemeClr val="accent1"/>
+          </a:fillRef>
+          <a:effectRef idx="3">
+            <a:schemeClr val="accent1"/>
+          </a:effectRef>
+          <a:fontRef idx="minor">
+            <a:schemeClr val="lt1"/>
+          </a:fontRef>
+        </p:style>
+        <p:txBody>
+          <a:bodyPr anchor="ctr"/>
+          <a:lstStyle/>
+          <a:p>
+            <a:pPr>
+              <a:defRPr/>
+            </a:pPr>
+            <a:r>
+              <a:rPr kumimoji="1" lang="zh-CN" altLang="en-US" sz="1400" dirty="0" smtClean="0">
+                <a:latin typeface="Heiti SC Light" charset="-122"/>
+                <a:ea typeface="Heiti SC Light" charset="-122"/>
+                <a:cs typeface="Heiti SC Light" charset="-122"/>
+              </a:rPr>
+              <a:t>机器地址列表</a:t>
+            </a:r>
+            <a:endParaRPr kumimoji="1" lang="zh-CN" altLang="en-US" sz="1400" dirty="0">
+              <a:latin typeface="Heiti SC Light" charset="-122"/>
+              <a:ea typeface="Heiti SC Light" charset="-122"/>
+              <a:cs typeface="Heiti SC Light" charset="-122"/>
+            </a:endParaRPr>
+          </a:p>
+        </p:txBody>
+      </p:sp>
+      <p:sp>
+        <p:nvSpPr>
+          <p:cNvPr id="68" name="可选流程 67"/>
+          <p:cNvSpPr/>
+          <p:nvPr/>
+        </p:nvSpPr>
+        <p:spPr>
+          <a:xfrm>
+            <a:off x="2491977" y="2217078"/>
+            <a:ext cx="1432847" cy="263850"/>
+          </a:xfrm>
+          <a:prstGeom prst="flowChartAlternateProcess">
+            <a:avLst/>
+          </a:prstGeom>
+          <a:solidFill>
+            <a:srgbClr val="4BACC6"/>
+          </a:solidFill>
+        </p:spPr>
+        <p:style>
+          <a:lnRef idx="0">
+            <a:schemeClr val="accent1"/>
+          </a:lnRef>
+          <a:fillRef idx="3">
+            <a:schemeClr val="accent1"/>
+          </a:fillRef>
+          <a:effectRef idx="3">
+            <a:schemeClr val="accent1"/>
+          </a:effectRef>
+          <a:fontRef idx="minor">
+            <a:schemeClr val="lt1"/>
+          </a:fontRef>
+        </p:style>
+        <p:txBody>
+          <a:bodyPr anchor="ctr"/>
+          <a:lstStyle/>
+          <a:p>
+            <a:pPr>
+              <a:defRPr/>
+            </a:pPr>
+            <a:r>
+              <a:rPr kumimoji="1" lang="en-US" altLang="zh-CN" sz="1400" dirty="0" smtClean="0">
+                <a:latin typeface="Heiti SC Light" charset="-122"/>
+                <a:ea typeface="Heiti SC Light" charset="-122"/>
+                <a:cs typeface="Heiti SC Light" charset="-122"/>
+              </a:rPr>
+              <a:t>……</a:t>
+            </a:r>
+            <a:endParaRPr kumimoji="1" lang="zh-CN" altLang="en-US" sz="1400" dirty="0">
+              <a:latin typeface="Heiti SC Light" charset="-122"/>
+              <a:ea typeface="Heiti SC Light" charset="-122"/>
+              <a:cs typeface="Heiti SC Light" charset="-122"/>
+            </a:endParaRPr>
+          </a:p>
+        </p:txBody>
+      </p:sp>
+      <p:sp>
+        <p:nvSpPr>
+          <p:cNvPr id="101" name="矩形 100"/>
+          <p:cNvSpPr/>
+          <p:nvPr/>
+        </p:nvSpPr>
+        <p:spPr>
+          <a:xfrm>
+            <a:off x="6400801" y="576163"/>
+            <a:ext cx="5181600" cy="5176329"/>
+          </a:xfrm>
+          <a:prstGeom prst="rect">
+            <a:avLst/>
+          </a:prstGeom>
+          <a:ln>
+            <a:noFill/>
+          </a:ln>
+        </p:spPr>
+        <p:style>
+          <a:lnRef idx="1">
+            <a:schemeClr val="accent6"/>
+          </a:lnRef>
+          <a:fillRef idx="2">
+            <a:schemeClr val="accent6"/>
+          </a:fillRef>
+          <a:effectRef idx="1">
+            <a:schemeClr val="accent6"/>
+          </a:effectRef>
+          <a:fontRef idx="minor">
+            <a:schemeClr val="dk1"/>
+          </a:fontRef>
+        </p:style>
+        <p:txBody>
+          <a:bodyPr anchor="b"/>
+          <a:lstStyle/>
+          <a:p>
+            <a:pPr algn="ctr">
+              <a:defRPr/>
+            </a:pPr>
+            <a:r>
+              <a:rPr kumimoji="1" lang="zh-CN" altLang="en-US" sz="1600" b="1" dirty="0" smtClean="0">
+                <a:latin typeface="Heiti SC Light" charset="-122"/>
+                <a:ea typeface="Heiti SC Light" charset="-122"/>
+                <a:cs typeface="Heiti SC Light" charset="-122"/>
+              </a:rPr>
+              <a:t>执行器</a:t>
+            </a:r>
+            <a:endParaRPr kumimoji="1" lang="zh-CN" altLang="en-US" sz="1600" b="1" dirty="0">
+              <a:latin typeface="Heiti SC Light" charset="-122"/>
+              <a:ea typeface="Heiti SC Light" charset="-122"/>
+              <a:cs typeface="Heiti SC Light" charset="-122"/>
+            </a:endParaRPr>
+          </a:p>
+        </p:txBody>
+      </p:sp>
+      <p:sp>
+        <p:nvSpPr>
+          <p:cNvPr id="3" name="圆角矩形 2"/>
+          <p:cNvSpPr/>
+          <p:nvPr/>
+        </p:nvSpPr>
+        <p:spPr>
+          <a:xfrm>
+            <a:off x="4274542" y="832978"/>
+            <a:ext cx="1655926" cy="586589"/>
+          </a:xfrm>
+          <a:prstGeom prst="roundRect">
+            <a:avLst/>
+          </a:prstGeom>
+        </p:spPr>
+        <p:style>
+          <a:lnRef idx="0">
+            <a:schemeClr val="accent2"/>
+          </a:lnRef>
+          <a:fillRef idx="3">
+            <a:schemeClr val="accent2"/>
+          </a:fillRef>
+          <a:effectRef idx="3">
+            <a:schemeClr val="accent2"/>
+          </a:effectRef>
+          <a:fontRef idx="minor">
+            <a:schemeClr val="lt1"/>
+          </a:fontRef>
+        </p:style>
+        <p:txBody>
+          <a:bodyPr anchor="ctr"/>
+          <a:lstStyle/>
+          <a:p>
+            <a:pPr algn="ctr">
+              <a:defRPr/>
+            </a:pPr>
+            <a:r>
+              <a:rPr kumimoji="1" lang="zh-CN" altLang="en-US" sz="1400" dirty="0" smtClean="0">
+                <a:latin typeface="Heiti SC Light" charset="-122"/>
+                <a:ea typeface="Heiti SC Light" charset="-122"/>
+                <a:cs typeface="Heiti SC Light" charset="-122"/>
+              </a:rPr>
+              <a:t>调度器</a:t>
+            </a:r>
+            <a:endParaRPr kumimoji="1" lang="zh-CN" altLang="en-US" sz="1400" dirty="0" smtClean="0">
+              <a:latin typeface="Heiti SC Light" charset="-122"/>
+              <a:ea typeface="Heiti SC Light" charset="-122"/>
+              <a:cs typeface="Heiti SC Light" charset="-122"/>
+            </a:endParaRPr>
+          </a:p>
+          <a:p>
+            <a:pPr algn="ctr">
+              <a:defRPr/>
+            </a:pPr>
+            <a:r>
+              <a:rPr kumimoji="1" lang="en-US" altLang="zh-CN" sz="1400" dirty="0" smtClean="0">
+                <a:latin typeface="Heiti SC Light" charset="-122"/>
+                <a:ea typeface="Heiti SC Light" charset="-122"/>
+                <a:cs typeface="Heiti SC Light" charset="-122"/>
+              </a:rPr>
+              <a:t>(quartz)</a:t>
+            </a:r>
+            <a:endParaRPr kumimoji="1" lang="zh-CN" altLang="en-US" sz="1400" dirty="0">
+              <a:latin typeface="Heiti SC Light" charset="-122"/>
+              <a:ea typeface="Heiti SC Light" charset="-122"/>
+              <a:cs typeface="Heiti SC Light" charset="-122"/>
+            </a:endParaRPr>
+          </a:p>
+        </p:txBody>
+      </p:sp>
+      <p:sp>
+        <p:nvSpPr>
+          <p:cNvPr id="139" name="圆角矩形 138"/>
+          <p:cNvSpPr/>
+          <p:nvPr/>
+        </p:nvSpPr>
+        <p:spPr>
+          <a:xfrm>
+            <a:off x="4276756" y="3340779"/>
+            <a:ext cx="1659413" cy="574484"/>
+          </a:xfrm>
+          <a:prstGeom prst="roundRect">
+            <a:avLst/>
+          </a:prstGeom>
+          <a:solidFill>
+            <a:srgbClr val="58B8D1"/>
+          </a:solidFill>
+        </p:spPr>
+        <p:style>
+          <a:lnRef idx="0">
+            <a:schemeClr val="accent1"/>
+          </a:lnRef>
+          <a:fillRef idx="3">
+            <a:schemeClr val="accent1"/>
+          </a:fillRef>
+          <a:effectRef idx="3">
+            <a:schemeClr val="accent1"/>
+          </a:effectRef>
+          <a:fontRef idx="minor">
+            <a:schemeClr val="lt1"/>
+          </a:fontRef>
+        </p:style>
+        <p:txBody>
+          <a:bodyPr anchor="ctr"/>
+          <a:lstStyle/>
+          <a:p>
+            <a:pPr algn="ctr">
+              <a:defRPr/>
+            </a:pPr>
+            <a:r>
+              <a:rPr kumimoji="1" lang="zh-CN" altLang="en-US" sz="1400" dirty="0">
+                <a:latin typeface="Heiti SC Light" charset="-122"/>
+                <a:ea typeface="Heiti SC Light" charset="-122"/>
+                <a:cs typeface="Heiti SC Light" charset="-122"/>
+              </a:rPr>
+              <a:t>回调</a:t>
+            </a:r>
+            <a:r>
+              <a:rPr kumimoji="1" lang="zh-CN" altLang="en-US" sz="1400" dirty="0" smtClean="0">
+                <a:latin typeface="Heiti SC Light" charset="-122"/>
+                <a:ea typeface="Heiti SC Light" charset="-122"/>
+                <a:cs typeface="Heiti SC Light" charset="-122"/>
+              </a:rPr>
+              <a:t>服务</a:t>
+            </a:r>
+            <a:endParaRPr kumimoji="1" lang="zh-CN" altLang="en-US" sz="1400" dirty="0" smtClean="0">
+              <a:latin typeface="Heiti SC Light" charset="-122"/>
+              <a:ea typeface="Heiti SC Light" charset="-122"/>
+              <a:cs typeface="Heiti SC Light" charset="-122"/>
+            </a:endParaRPr>
+          </a:p>
+          <a:p>
+            <a:pPr algn="ctr">
+              <a:defRPr/>
+            </a:pPr>
+            <a:r>
+              <a:rPr kumimoji="1" lang="en-US" altLang="zh-CN" sz="1400" dirty="0">
+                <a:latin typeface="Heiti SC Light" charset="-122"/>
+                <a:ea typeface="Heiti SC Light" charset="-122"/>
+                <a:cs typeface="Heiti SC Light" charset="-122"/>
+              </a:rPr>
+              <a:t>(API)</a:t>
+            </a:r>
+            <a:endParaRPr kumimoji="1" lang="zh-CN" altLang="en-US" sz="1400" dirty="0">
+              <a:latin typeface="Heiti SC Light" charset="-122"/>
+              <a:ea typeface="Heiti SC Light" charset="-122"/>
+              <a:cs typeface="Heiti SC Light" charset="-122"/>
+            </a:endParaRPr>
+          </a:p>
+        </p:txBody>
+      </p:sp>
+      <p:sp>
+        <p:nvSpPr>
+          <p:cNvPr id="153" name="矩形 152"/>
+          <p:cNvSpPr/>
+          <p:nvPr/>
+        </p:nvSpPr>
+        <p:spPr>
+          <a:xfrm>
+            <a:off x="720867" y="2657780"/>
+            <a:ext cx="1668047" cy="1961502"/>
+          </a:xfrm>
+          <a:prstGeom prst="rect">
+            <a:avLst/>
+          </a:prstGeom>
+          <a:solidFill>
+            <a:srgbClr val="DEF7FF"/>
+          </a:solidFill>
+          <a:ln>
+            <a:noFill/>
+          </a:ln>
+        </p:spPr>
+        <p:style>
+          <a:lnRef idx="1">
+            <a:schemeClr val="accent1"/>
+          </a:lnRef>
+          <a:fillRef idx="2">
+            <a:schemeClr val="accent1"/>
+          </a:fillRef>
+          <a:effectRef idx="1">
+            <a:schemeClr val="accent1"/>
+          </a:effectRef>
+          <a:fontRef idx="minor">
+            <a:schemeClr val="dk1"/>
+          </a:fontRef>
+        </p:style>
+        <p:txBody>
+          <a:bodyPr anchor="t"/>
+          <a:lstStyle/>
+          <a:p>
+            <a:pPr algn="ctr">
+              <a:defRPr/>
+            </a:pPr>
+            <a:r>
+              <a:rPr kumimoji="1" lang="zh-CN" altLang="en-US" sz="1400" b="1" dirty="0">
+                <a:latin typeface="Heiti SC Light" charset="-122"/>
+                <a:ea typeface="Heiti SC Light" charset="-122"/>
+                <a:cs typeface="Heiti SC Light" charset="-122"/>
+              </a:rPr>
+              <a:t>日志管理</a:t>
+            </a:r>
+            <a:endParaRPr kumimoji="1" lang="zh-CN" altLang="en-US" sz="1400" b="1" dirty="0">
+              <a:latin typeface="Heiti SC Light" charset="-122"/>
+              <a:ea typeface="Heiti SC Light" charset="-122"/>
+              <a:cs typeface="Heiti SC Light" charset="-122"/>
+            </a:endParaRPr>
+          </a:p>
+        </p:txBody>
+      </p:sp>
+      <p:sp>
+        <p:nvSpPr>
+          <p:cNvPr id="154" name="可选流程 153"/>
+          <p:cNvSpPr/>
+          <p:nvPr/>
+        </p:nvSpPr>
+        <p:spPr>
+          <a:xfrm>
+            <a:off x="823933" y="2979152"/>
+            <a:ext cx="1432847" cy="272004"/>
+          </a:xfrm>
+          <a:prstGeom prst="flowChartAlternateProcess">
+            <a:avLst/>
+          </a:prstGeom>
+          <a:solidFill>
+            <a:srgbClr val="4BACC6"/>
+          </a:solidFill>
+        </p:spPr>
+        <p:style>
+          <a:lnRef idx="0">
+            <a:schemeClr val="accent1"/>
+          </a:lnRef>
+          <a:fillRef idx="3">
+            <a:schemeClr val="accent1"/>
+          </a:fillRef>
+          <a:effectRef idx="3">
+            <a:schemeClr val="accent1"/>
+          </a:effectRef>
+          <a:fontRef idx="minor">
+            <a:schemeClr val="lt1"/>
+          </a:fontRef>
+        </p:style>
+        <p:txBody>
+          <a:bodyPr anchor="ctr"/>
+          <a:lstStyle/>
+          <a:p>
+            <a:pPr>
+              <a:defRPr/>
+            </a:pPr>
+            <a:r>
+              <a:rPr kumimoji="1" lang="zh-CN" altLang="en-US" sz="1400" dirty="0">
+                <a:latin typeface="Heiti SC Light" charset="-122"/>
+                <a:ea typeface="Heiti SC Light" charset="-122"/>
+                <a:cs typeface="Heiti SC Light" charset="-122"/>
+              </a:rPr>
+              <a:t>调度日志</a:t>
+            </a:r>
+            <a:endParaRPr kumimoji="1" lang="zh-CN" altLang="en-US" sz="1400" dirty="0">
+              <a:latin typeface="Heiti SC Light" charset="-122"/>
+              <a:ea typeface="Heiti SC Light" charset="-122"/>
+              <a:cs typeface="Heiti SC Light" charset="-122"/>
+            </a:endParaRPr>
+          </a:p>
+        </p:txBody>
+      </p:sp>
+      <p:sp>
+        <p:nvSpPr>
+          <p:cNvPr id="155" name="可选流程 154"/>
+          <p:cNvSpPr/>
+          <p:nvPr/>
+        </p:nvSpPr>
+        <p:spPr>
+          <a:xfrm>
+            <a:off x="823932" y="3369943"/>
+            <a:ext cx="1432847" cy="275832"/>
+          </a:xfrm>
+          <a:prstGeom prst="flowChartAlternateProcess">
+            <a:avLst/>
+          </a:prstGeom>
+          <a:solidFill>
+            <a:srgbClr val="4BACC6"/>
+          </a:solidFill>
+        </p:spPr>
+        <p:style>
+          <a:lnRef idx="0">
+            <a:schemeClr val="accent1"/>
+          </a:lnRef>
+          <a:fillRef idx="3">
+            <a:schemeClr val="accent1"/>
+          </a:fillRef>
+          <a:effectRef idx="3">
+            <a:schemeClr val="accent1"/>
+          </a:effectRef>
+          <a:fontRef idx="minor">
+            <a:schemeClr val="lt1"/>
+          </a:fontRef>
+        </p:style>
+        <p:txBody>
+          <a:bodyPr anchor="ctr"/>
+          <a:lstStyle/>
+          <a:p>
+            <a:pPr>
+              <a:defRPr/>
+            </a:pPr>
+            <a:r>
+              <a:rPr kumimoji="1" lang="en-US" altLang="zh-CN" sz="1400" dirty="0">
+                <a:latin typeface="Heiti SC Light" charset="-122"/>
+                <a:ea typeface="Heiti SC Light" charset="-122"/>
+                <a:cs typeface="Heiti SC Light" charset="-122"/>
+              </a:rPr>
+              <a:t>Rolling</a:t>
+            </a:r>
+            <a:r>
+              <a:rPr kumimoji="1" lang="zh-CN" altLang="en-US" sz="1400" dirty="0">
+                <a:latin typeface="Heiti SC Light" charset="-122"/>
+                <a:ea typeface="Heiti SC Light" charset="-122"/>
+                <a:cs typeface="Heiti SC Light" charset="-122"/>
+              </a:rPr>
+              <a:t>日志</a:t>
+            </a:r>
+            <a:endParaRPr kumimoji="1" lang="zh-CN" altLang="en-US" sz="1400" dirty="0">
+              <a:latin typeface="Heiti SC Light" charset="-122"/>
+              <a:ea typeface="Heiti SC Light" charset="-122"/>
+              <a:cs typeface="Heiti SC Light" charset="-122"/>
+            </a:endParaRPr>
+          </a:p>
+        </p:txBody>
+      </p:sp>
+      <p:sp>
+        <p:nvSpPr>
+          <p:cNvPr id="156" name="可选流程 155"/>
+          <p:cNvSpPr/>
+          <p:nvPr/>
+        </p:nvSpPr>
+        <p:spPr>
+          <a:xfrm>
+            <a:off x="823931" y="3804303"/>
+            <a:ext cx="1432847" cy="263850"/>
+          </a:xfrm>
+          <a:prstGeom prst="flowChartAlternateProcess">
+            <a:avLst/>
+          </a:prstGeom>
+          <a:solidFill>
+            <a:srgbClr val="4BACC6"/>
+          </a:solidFill>
+        </p:spPr>
+        <p:style>
+          <a:lnRef idx="0">
+            <a:schemeClr val="accent1"/>
+          </a:lnRef>
+          <a:fillRef idx="3">
+            <a:schemeClr val="accent1"/>
+          </a:fillRef>
+          <a:effectRef idx="3">
+            <a:schemeClr val="accent1"/>
+          </a:effectRef>
+          <a:fontRef idx="minor">
+            <a:schemeClr val="lt1"/>
+          </a:fontRef>
+        </p:style>
+        <p:txBody>
+          <a:bodyPr anchor="ctr"/>
+          <a:lstStyle/>
+          <a:p>
+            <a:pPr>
+              <a:defRPr/>
+            </a:pPr>
+            <a:r>
+              <a:rPr kumimoji="1" lang="en-US" altLang="zh-CN" sz="1400" dirty="0">
+                <a:latin typeface="Heiti SC Light" charset="-122"/>
+                <a:ea typeface="Heiti SC Light" charset="-122"/>
+                <a:cs typeface="Heiti SC Light" charset="-122"/>
+              </a:rPr>
+              <a:t>GLUE</a:t>
+            </a:r>
+            <a:r>
+              <a:rPr kumimoji="1" lang="zh-CN" altLang="en-US" sz="1400" dirty="0">
+                <a:latin typeface="Heiti SC Light" charset="-122"/>
+                <a:ea typeface="Heiti SC Light" charset="-122"/>
+                <a:cs typeface="Heiti SC Light" charset="-122"/>
+              </a:rPr>
+              <a:t>版本日志</a:t>
+            </a:r>
+            <a:endParaRPr kumimoji="1" lang="zh-CN" altLang="en-US" sz="1400" dirty="0">
+              <a:latin typeface="Heiti SC Light" charset="-122"/>
+              <a:ea typeface="Heiti SC Light" charset="-122"/>
+              <a:cs typeface="Heiti SC Light" charset="-122"/>
+            </a:endParaRPr>
+          </a:p>
+        </p:txBody>
+      </p:sp>
+      <p:sp>
+        <p:nvSpPr>
+          <p:cNvPr id="157" name="可选流程 156"/>
+          <p:cNvSpPr/>
+          <p:nvPr/>
+        </p:nvSpPr>
+        <p:spPr>
+          <a:xfrm>
+            <a:off x="823930" y="4186561"/>
+            <a:ext cx="1432847" cy="263850"/>
+          </a:xfrm>
+          <a:prstGeom prst="flowChartAlternateProcess">
+            <a:avLst/>
+          </a:prstGeom>
+          <a:solidFill>
+            <a:srgbClr val="4BACC6"/>
+          </a:solidFill>
+        </p:spPr>
+        <p:style>
+          <a:lnRef idx="0">
+            <a:schemeClr val="accent1"/>
+          </a:lnRef>
+          <a:fillRef idx="3">
+            <a:schemeClr val="accent1"/>
+          </a:fillRef>
+          <a:effectRef idx="3">
+            <a:schemeClr val="accent1"/>
+          </a:effectRef>
+          <a:fontRef idx="minor">
+            <a:schemeClr val="lt1"/>
+          </a:fontRef>
+        </p:style>
+        <p:txBody>
+          <a:bodyPr anchor="ctr"/>
+          <a:lstStyle/>
+          <a:p>
+            <a:pPr>
+              <a:defRPr/>
+            </a:pPr>
+            <a:r>
+              <a:rPr kumimoji="1" lang="en-US" altLang="zh-CN" sz="1400" dirty="0" smtClean="0">
+                <a:latin typeface="Heiti SC Light" charset="-122"/>
+                <a:ea typeface="Heiti SC Light" charset="-122"/>
+                <a:cs typeface="Heiti SC Light" charset="-122"/>
+              </a:rPr>
+              <a:t>……</a:t>
+            </a:r>
+            <a:endParaRPr kumimoji="1" lang="zh-CN" altLang="en-US" sz="1400" dirty="0">
+              <a:latin typeface="Heiti SC Light" charset="-122"/>
+              <a:ea typeface="Heiti SC Light" charset="-122"/>
+              <a:cs typeface="Heiti SC Light" charset="-122"/>
+            </a:endParaRPr>
+          </a:p>
+        </p:txBody>
+      </p:sp>
+      <p:sp>
+        <p:nvSpPr>
+          <p:cNvPr id="158" name="矩形 157"/>
+          <p:cNvSpPr/>
+          <p:nvPr/>
+        </p:nvSpPr>
+        <p:spPr>
+          <a:xfrm>
+            <a:off x="2384122" y="2645252"/>
+            <a:ext cx="1672839" cy="1974030"/>
+          </a:xfrm>
+          <a:prstGeom prst="rect">
+            <a:avLst/>
+          </a:prstGeom>
+          <a:solidFill>
+            <a:srgbClr val="E0EBFF"/>
+          </a:solidFill>
+          <a:ln>
+            <a:noFill/>
+          </a:ln>
+        </p:spPr>
+        <p:style>
+          <a:lnRef idx="1">
+            <a:schemeClr val="accent1"/>
+          </a:lnRef>
+          <a:fillRef idx="2">
+            <a:schemeClr val="accent1"/>
+          </a:fillRef>
+          <a:effectRef idx="1">
+            <a:schemeClr val="accent1"/>
+          </a:effectRef>
+          <a:fontRef idx="minor">
+            <a:schemeClr val="dk1"/>
+          </a:fontRef>
+        </p:style>
+        <p:txBody>
+          <a:bodyPr anchor="t"/>
+          <a:lstStyle/>
+          <a:p>
+            <a:pPr algn="ctr">
+              <a:defRPr/>
+            </a:pPr>
+            <a:r>
+              <a:rPr kumimoji="1" lang="zh-CN" altLang="en-US" sz="1400" b="1" dirty="0" smtClean="0">
+                <a:latin typeface="Heiti SC Light" charset="-122"/>
+                <a:ea typeface="Heiti SC Light" charset="-122"/>
+                <a:cs typeface="Heiti SC Light" charset="-122"/>
+              </a:rPr>
+              <a:t>其他</a:t>
+            </a:r>
+            <a:endParaRPr kumimoji="1" lang="zh-CN" altLang="en-US" sz="1400" b="1" dirty="0" smtClean="0">
+              <a:latin typeface="Heiti SC Light" charset="-122"/>
+              <a:ea typeface="Heiti SC Light" charset="-122"/>
+              <a:cs typeface="Heiti SC Light" charset="-122"/>
+            </a:endParaRPr>
+          </a:p>
+        </p:txBody>
+      </p:sp>
+      <p:sp>
+        <p:nvSpPr>
+          <p:cNvPr id="159" name="可选流程 158"/>
+          <p:cNvSpPr/>
+          <p:nvPr/>
+        </p:nvSpPr>
+        <p:spPr>
+          <a:xfrm>
+            <a:off x="2463148" y="2972582"/>
+            <a:ext cx="1535914" cy="251629"/>
+          </a:xfrm>
+          <a:prstGeom prst="flowChartAlternateProcess">
+            <a:avLst/>
+          </a:prstGeom>
+          <a:solidFill>
+            <a:srgbClr val="6095C9"/>
+          </a:solidFill>
+        </p:spPr>
+        <p:style>
+          <a:lnRef idx="0">
+            <a:schemeClr val="accent1"/>
+          </a:lnRef>
+          <a:fillRef idx="3">
+            <a:schemeClr val="accent1"/>
+          </a:fillRef>
+          <a:effectRef idx="3">
+            <a:schemeClr val="accent1"/>
+          </a:effectRef>
+          <a:fontRef idx="minor">
+            <a:schemeClr val="lt1"/>
+          </a:fontRef>
+        </p:style>
+        <p:txBody>
+          <a:bodyPr anchor="ctr"/>
+          <a:lstStyle/>
+          <a:p>
+            <a:pPr>
+              <a:defRPr/>
+            </a:pPr>
+            <a:r>
+              <a:rPr kumimoji="1" lang="zh-CN" altLang="en-US" sz="1400" dirty="0" smtClean="0">
+                <a:latin typeface="Heiti SC Light" charset="-122"/>
+                <a:ea typeface="Heiti SC Light" charset="-122"/>
+                <a:cs typeface="Heiti SC Light" charset="-122"/>
+              </a:rPr>
+              <a:t>运行报表</a:t>
+            </a:r>
+            <a:endParaRPr kumimoji="1" lang="zh-CN" altLang="en-US" sz="1400" dirty="0">
+              <a:latin typeface="Heiti SC Light" charset="-122"/>
+              <a:ea typeface="Heiti SC Light" charset="-122"/>
+              <a:cs typeface="Heiti SC Light" charset="-122"/>
+            </a:endParaRPr>
+          </a:p>
+        </p:txBody>
+      </p:sp>
+      <p:sp>
+        <p:nvSpPr>
+          <p:cNvPr id="160" name="可选流程 159"/>
+          <p:cNvSpPr/>
+          <p:nvPr/>
+        </p:nvSpPr>
+        <p:spPr>
+          <a:xfrm>
+            <a:off x="2463148" y="3363264"/>
+            <a:ext cx="1535914" cy="281598"/>
+          </a:xfrm>
+          <a:prstGeom prst="flowChartAlternateProcess">
+            <a:avLst/>
+          </a:prstGeom>
+          <a:solidFill>
+            <a:srgbClr val="6095C9"/>
+          </a:solidFill>
+        </p:spPr>
+        <p:style>
+          <a:lnRef idx="0">
+            <a:schemeClr val="accent1"/>
+          </a:lnRef>
+          <a:fillRef idx="3">
+            <a:schemeClr val="accent1"/>
+          </a:fillRef>
+          <a:effectRef idx="3">
+            <a:schemeClr val="accent1"/>
+          </a:effectRef>
+          <a:fontRef idx="minor">
+            <a:schemeClr val="lt1"/>
+          </a:fontRef>
+        </p:style>
+        <p:txBody>
+          <a:bodyPr anchor="ctr"/>
+          <a:lstStyle/>
+          <a:p>
+            <a:pPr>
+              <a:defRPr/>
+            </a:pPr>
+            <a:r>
+              <a:rPr kumimoji="1" lang="zh-CN" altLang="en-US" sz="1400" dirty="0" smtClean="0">
+                <a:latin typeface="Heiti SC Light" charset="-122"/>
+                <a:ea typeface="Heiti SC Light" charset="-122"/>
+                <a:cs typeface="Heiti SC Light" charset="-122"/>
+              </a:rPr>
+              <a:t>失败告警</a:t>
+            </a:r>
+            <a:endParaRPr kumimoji="1" lang="zh-CN" altLang="en-US" sz="1400" dirty="0">
+              <a:latin typeface="Heiti SC Light" charset="-122"/>
+              <a:ea typeface="Heiti SC Light" charset="-122"/>
+              <a:cs typeface="Heiti SC Light" charset="-122"/>
+            </a:endParaRPr>
+          </a:p>
+        </p:txBody>
+      </p:sp>
+      <p:sp>
+        <p:nvSpPr>
+          <p:cNvPr id="161" name="可选流程 160"/>
+          <p:cNvSpPr/>
+          <p:nvPr/>
+        </p:nvSpPr>
+        <p:spPr>
+          <a:xfrm>
+            <a:off x="2463148" y="3787601"/>
+            <a:ext cx="1535914" cy="255324"/>
+          </a:xfrm>
+          <a:prstGeom prst="flowChartAlternateProcess">
+            <a:avLst/>
+          </a:prstGeom>
+          <a:solidFill>
+            <a:srgbClr val="6095C9"/>
+          </a:solidFill>
+        </p:spPr>
+        <p:style>
+          <a:lnRef idx="0">
+            <a:schemeClr val="accent1"/>
+          </a:lnRef>
+          <a:fillRef idx="3">
+            <a:schemeClr val="accent1"/>
+          </a:fillRef>
+          <a:effectRef idx="3">
+            <a:schemeClr val="accent1"/>
+          </a:effectRef>
+          <a:fontRef idx="minor">
+            <a:schemeClr val="lt1"/>
+          </a:fontRef>
+        </p:style>
+        <p:txBody>
+          <a:bodyPr anchor="ctr"/>
+          <a:lstStyle/>
+          <a:p>
+            <a:pPr>
+              <a:defRPr/>
+            </a:pPr>
+            <a:r>
+              <a:rPr kumimoji="1" lang="zh-CN" altLang="en-US" sz="1400" dirty="0" smtClean="0">
+                <a:latin typeface="Heiti SC Light" charset="-122"/>
+                <a:ea typeface="Heiti SC Light" charset="-122"/>
+                <a:cs typeface="Heiti SC Light" charset="-122"/>
+              </a:rPr>
+              <a:t>任务依赖</a:t>
+            </a:r>
+            <a:endParaRPr kumimoji="1" lang="zh-CN" altLang="en-US" sz="1400" dirty="0">
+              <a:latin typeface="Heiti SC Light" charset="-122"/>
+              <a:ea typeface="Heiti SC Light" charset="-122"/>
+              <a:cs typeface="Heiti SC Light" charset="-122"/>
+            </a:endParaRPr>
+          </a:p>
+        </p:txBody>
+      </p:sp>
+      <p:sp>
+        <p:nvSpPr>
+          <p:cNvPr id="162" name="可选流程 161"/>
+          <p:cNvSpPr/>
+          <p:nvPr/>
+        </p:nvSpPr>
+        <p:spPr>
+          <a:xfrm>
+            <a:off x="2463148" y="4163682"/>
+            <a:ext cx="1535914" cy="274201"/>
+          </a:xfrm>
+          <a:prstGeom prst="flowChartAlternateProcess">
+            <a:avLst/>
+          </a:prstGeom>
+          <a:solidFill>
+            <a:srgbClr val="6095C9"/>
+          </a:solidFill>
+        </p:spPr>
+        <p:style>
+          <a:lnRef idx="0">
+            <a:schemeClr val="accent1"/>
+          </a:lnRef>
+          <a:fillRef idx="3">
+            <a:schemeClr val="accent1"/>
+          </a:fillRef>
+          <a:effectRef idx="3">
+            <a:schemeClr val="accent1"/>
+          </a:effectRef>
+          <a:fontRef idx="minor">
+            <a:schemeClr val="lt1"/>
+          </a:fontRef>
+        </p:style>
+        <p:txBody>
+          <a:bodyPr anchor="ctr"/>
+          <a:lstStyle/>
+          <a:p>
+            <a:pPr>
+              <a:defRPr/>
+            </a:pPr>
+            <a:r>
+              <a:rPr kumimoji="1" lang="en-US" altLang="zh-CN" sz="1400" dirty="0" smtClean="0">
+                <a:latin typeface="Heiti SC Light" charset="-122"/>
+                <a:ea typeface="Heiti SC Light" charset="-122"/>
+                <a:cs typeface="Heiti SC Light" charset="-122"/>
+              </a:rPr>
+              <a:t>……</a:t>
+            </a:r>
+            <a:endParaRPr kumimoji="1" lang="zh-CN" altLang="en-US" sz="1400" dirty="0">
+              <a:latin typeface="Heiti SC Light" charset="-122"/>
+              <a:ea typeface="Heiti SC Light" charset="-122"/>
+              <a:cs typeface="Heiti SC Light" charset="-122"/>
+            </a:endParaRPr>
+          </a:p>
+        </p:txBody>
+      </p:sp>
+      <p:sp>
+        <p:nvSpPr>
+          <p:cNvPr id="30" name="可选流程 29"/>
+          <p:cNvSpPr/>
+          <p:nvPr/>
+        </p:nvSpPr>
+        <p:spPr>
+          <a:xfrm>
+            <a:off x="6903492" y="4598011"/>
+            <a:ext cx="1948408" cy="566196"/>
+          </a:xfrm>
+          <a:prstGeom prst="flowChartAlternateProcess">
+            <a:avLst/>
+          </a:prstGeom>
+          <a:solidFill>
+            <a:srgbClr val="9379B3"/>
+          </a:solidFill>
+        </p:spPr>
+        <p:style>
+          <a:lnRef idx="0">
+            <a:schemeClr val="accent1"/>
+          </a:lnRef>
+          <a:fillRef idx="3">
+            <a:schemeClr val="accent1"/>
+          </a:fillRef>
+          <a:effectRef idx="3">
+            <a:schemeClr val="accent1"/>
+          </a:effectRef>
+          <a:fontRef idx="minor">
+            <a:schemeClr val="lt1"/>
+          </a:fontRef>
+        </p:style>
+        <p:txBody>
+          <a:bodyPr anchor="ctr"/>
+          <a:lstStyle/>
+          <a:p>
+            <a:pPr algn="ctr">
+              <a:defRPr/>
+            </a:pPr>
+            <a:r>
+              <a:rPr kumimoji="1" lang="zh-CN" altLang="en-US" sz="1400" dirty="0" smtClean="0">
+                <a:latin typeface="Heiti SC Light" charset="-122"/>
+                <a:ea typeface="Heiti SC Light" charset="-122"/>
+                <a:cs typeface="Heiti SC Light" charset="-122"/>
+              </a:rPr>
+              <a:t>注册线程</a:t>
+            </a:r>
+            <a:endParaRPr kumimoji="1" lang="zh-CN" altLang="en-US" sz="1400" dirty="0">
+              <a:latin typeface="Heiti SC Light" charset="-122"/>
+              <a:ea typeface="Heiti SC Light" charset="-122"/>
+              <a:cs typeface="Heiti SC Light" charset="-122"/>
+            </a:endParaRPr>
+          </a:p>
+        </p:txBody>
+      </p:sp>
+      <p:sp>
+        <p:nvSpPr>
+          <p:cNvPr id="97" name="可选流程 96"/>
+          <p:cNvSpPr/>
+          <p:nvPr/>
+        </p:nvSpPr>
+        <p:spPr>
+          <a:xfrm>
+            <a:off x="6850420" y="844864"/>
+            <a:ext cx="2469578" cy="586589"/>
+          </a:xfrm>
+          <a:prstGeom prst="flowChartAlternateProcess">
+            <a:avLst/>
+          </a:prstGeom>
+        </p:spPr>
+        <p:style>
+          <a:lnRef idx="0">
+            <a:schemeClr val="accent2"/>
+          </a:lnRef>
+          <a:fillRef idx="3">
+            <a:schemeClr val="accent2"/>
+          </a:fillRef>
+          <a:effectRef idx="3">
+            <a:schemeClr val="accent2"/>
+          </a:effectRef>
+          <a:fontRef idx="minor">
+            <a:schemeClr val="lt1"/>
+          </a:fontRef>
+        </p:style>
+        <p:txBody>
+          <a:bodyPr rtlCol="0" anchor="ctr"/>
+          <a:lstStyle/>
+          <a:p>
+            <a:pPr algn="ctr"/>
+            <a:r>
+              <a:rPr kumimoji="1" lang="zh-CN" altLang="en-US" sz="1400" dirty="0" smtClean="0">
+                <a:latin typeface="Heiti SC Light" charset="-122"/>
+                <a:ea typeface="Heiti SC Light" charset="-122"/>
+                <a:cs typeface="Heiti SC Light" charset="-122"/>
+              </a:rPr>
+              <a:t>执行器服务</a:t>
+            </a:r>
+            <a:r>
+              <a:rPr kumimoji="1" lang="en-US" altLang="zh-CN" sz="1400" dirty="0" smtClean="0">
+                <a:latin typeface="Heiti SC Light" charset="-122"/>
+                <a:ea typeface="Heiti SC Light" charset="-122"/>
+                <a:cs typeface="Heiti SC Light" charset="-122"/>
+              </a:rPr>
+              <a:t>(jetty)</a:t>
+            </a:r>
+            <a:endParaRPr kumimoji="1" lang="zh-CN" altLang="en-US" sz="1400" dirty="0">
+              <a:latin typeface="Heiti SC Light" charset="-122"/>
+              <a:ea typeface="Heiti SC Light" charset="-122"/>
+              <a:cs typeface="Heiti SC Light" charset="-122"/>
+            </a:endParaRPr>
+          </a:p>
+        </p:txBody>
+      </p:sp>
+      <p:cxnSp>
+        <p:nvCxnSpPr>
+          <p:cNvPr id="99" name="直线箭头连接符 98"/>
+          <p:cNvCxnSpPr>
+            <a:stCxn id="3" idx="3"/>
+          </p:cNvCxnSpPr>
+          <p:nvPr/>
+        </p:nvCxnSpPr>
+        <p:spPr>
+          <a:xfrm flipV="1">
+            <a:off x="5930468" y="1120818"/>
+            <a:ext cx="902673" cy="5455"/>
+          </a:xfrm>
+          <a:prstGeom prst="straightConnector1">
+            <a:avLst/>
+          </a:prstGeom>
+          <a:ln w="28575">
+            <a:prstDash val="sysDash"/>
+            <a:headEnd type="none" w="med" len="med"/>
+            <a:tailEnd type="arrow" w="med" len="med"/>
+          </a:ln>
+        </p:spPr>
+        <p:style>
+          <a:lnRef idx="2">
+            <a:schemeClr val="accent1"/>
+          </a:lnRef>
+          <a:fillRef idx="0">
+            <a:schemeClr val="accent1"/>
+          </a:fillRef>
+          <a:effectRef idx="1">
+            <a:schemeClr val="accent1"/>
+          </a:effectRef>
+          <a:fontRef idx="minor">
+            <a:schemeClr val="tx1"/>
+          </a:fontRef>
+        </p:style>
+      </p:cxnSp>
+      <p:sp>
+        <p:nvSpPr>
+          <p:cNvPr id="169" name="矩形 168"/>
+          <p:cNvSpPr/>
+          <p:nvPr/>
+        </p:nvSpPr>
+        <p:spPr>
+          <a:xfrm>
+            <a:off x="9740643" y="832978"/>
+            <a:ext cx="1588645" cy="3248072"/>
+          </a:xfrm>
+          <a:prstGeom prst="rect">
+            <a:avLst/>
+          </a:prstGeom>
+          <a:solidFill>
+            <a:srgbClr val="DEF7FF"/>
+          </a:solidFill>
+          <a:ln>
+            <a:noFill/>
+          </a:ln>
+        </p:spPr>
+        <p:style>
+          <a:lnRef idx="1">
+            <a:schemeClr val="accent1"/>
+          </a:lnRef>
+          <a:fillRef idx="2">
+            <a:schemeClr val="accent1"/>
+          </a:fillRef>
+          <a:effectRef idx="1">
+            <a:schemeClr val="accent1"/>
+          </a:effectRef>
+          <a:fontRef idx="minor">
+            <a:schemeClr val="dk1"/>
+          </a:fontRef>
+        </p:style>
+        <p:txBody>
+          <a:bodyPr anchor="b"/>
+          <a:lstStyle/>
+          <a:p>
+            <a:pPr algn="ctr">
+              <a:defRPr/>
+            </a:pPr>
+            <a:endParaRPr kumimoji="1" lang="zh-CN" altLang="en-US" sz="1600" b="1" dirty="0">
+              <a:latin typeface="Heiti SC Light" charset="-122"/>
+              <a:ea typeface="Heiti SC Light" charset="-122"/>
+              <a:cs typeface="Heiti SC Light" charset="-122"/>
+            </a:endParaRPr>
+          </a:p>
+        </p:txBody>
+      </p:sp>
+      <p:cxnSp>
+        <p:nvCxnSpPr>
+          <p:cNvPr id="171" name="直线箭头连接符 170"/>
+          <p:cNvCxnSpPr/>
+          <p:nvPr/>
+        </p:nvCxnSpPr>
+        <p:spPr>
+          <a:xfrm>
+            <a:off x="9367694" y="1187007"/>
+            <a:ext cx="355704" cy="3349"/>
+          </a:xfrm>
+          <a:prstGeom prst="straightConnector1">
+            <a:avLst/>
+          </a:prstGeom>
+          <a:ln w="28575">
+            <a:prstDash val="sysDash"/>
+            <a:headEnd type="none" w="med" len="med"/>
+            <a:tailEnd type="arrow" w="med" len="med"/>
+          </a:ln>
+        </p:spPr>
+        <p:style>
+          <a:lnRef idx="2">
+            <a:schemeClr val="accent1"/>
+          </a:lnRef>
+          <a:fillRef idx="0">
+            <a:schemeClr val="accent1"/>
+          </a:fillRef>
+          <a:effectRef idx="1">
+            <a:schemeClr val="accent1"/>
+          </a:effectRef>
+          <a:fontRef idx="minor">
+            <a:schemeClr val="tx1"/>
+          </a:fontRef>
+        </p:style>
+      </p:cxnSp>
+      <p:sp>
+        <p:nvSpPr>
+          <p:cNvPr id="177" name="矩形 176"/>
+          <p:cNvSpPr/>
+          <p:nvPr/>
+        </p:nvSpPr>
+        <p:spPr>
+          <a:xfrm>
+            <a:off x="6874533" y="3224448"/>
+            <a:ext cx="2445465" cy="856602"/>
+          </a:xfrm>
+          <a:prstGeom prst="rect">
+            <a:avLst/>
+          </a:prstGeom>
+          <a:solidFill>
+            <a:srgbClr val="DEF7FF"/>
+          </a:solidFill>
+          <a:ln>
+            <a:solidFill>
+              <a:srgbClr val="FFF2CD"/>
+            </a:solidFill>
+          </a:ln>
+        </p:spPr>
+        <p:style>
+          <a:lnRef idx="1">
+            <a:schemeClr val="accent1"/>
+          </a:lnRef>
+          <a:fillRef idx="2">
+            <a:schemeClr val="accent1"/>
+          </a:fillRef>
+          <a:effectRef idx="1">
+            <a:schemeClr val="accent1"/>
+          </a:effectRef>
+          <a:fontRef idx="minor">
+            <a:schemeClr val="dk1"/>
+          </a:fontRef>
+        </p:style>
+        <p:txBody>
+          <a:bodyPr anchor="b"/>
+          <a:lstStyle/>
+          <a:p>
+            <a:pPr algn="ctr">
+              <a:defRPr/>
+            </a:pPr>
+            <a:endParaRPr kumimoji="1" lang="zh-CN" altLang="en-US" sz="1600" b="1" dirty="0">
+              <a:latin typeface="Heiti SC Light" charset="-122"/>
+              <a:ea typeface="Heiti SC Light" charset="-122"/>
+              <a:cs typeface="Heiti SC Light" charset="-122"/>
+            </a:endParaRPr>
+          </a:p>
+        </p:txBody>
+      </p:sp>
+      <p:sp>
+        <p:nvSpPr>
+          <p:cNvPr id="178" name="磁盘 177"/>
+          <p:cNvSpPr/>
+          <p:nvPr/>
+        </p:nvSpPr>
+        <p:spPr>
+          <a:xfrm>
+            <a:off x="8115679" y="3330715"/>
+            <a:ext cx="1128362" cy="644066"/>
+          </a:xfrm>
+          <a:prstGeom prst="flowChartMagneticDisk">
+            <a:avLst/>
+          </a:prstGeom>
+        </p:spPr>
+        <p:style>
+          <a:lnRef idx="1">
+            <a:schemeClr val="accent4"/>
+          </a:lnRef>
+          <a:fillRef idx="2">
+            <a:schemeClr val="accent4"/>
+          </a:fillRef>
+          <a:effectRef idx="1">
+            <a:schemeClr val="accent4"/>
+          </a:effectRef>
+          <a:fontRef idx="minor">
+            <a:schemeClr val="dk1"/>
+          </a:fontRef>
+        </p:style>
+        <p:txBody>
+          <a:bodyPr rtlCol="0" anchor="ctr"/>
+          <a:lstStyle/>
+          <a:p>
+            <a:pPr algn="ctr"/>
+            <a:r>
+              <a:rPr kumimoji="1" lang="zh-CN" altLang="en-US" sz="1400" dirty="0" smtClean="0">
+                <a:latin typeface="Heiti SC Light" charset="-122"/>
+                <a:ea typeface="Heiti SC Light" charset="-122"/>
+                <a:cs typeface="Heiti SC Light" charset="-122"/>
+              </a:rPr>
+              <a:t>调度结果</a:t>
+            </a:r>
+            <a:endParaRPr kumimoji="1" lang="zh-CN" altLang="en-US" sz="1400" dirty="0" smtClean="0">
+              <a:latin typeface="Heiti SC Light" charset="-122"/>
+              <a:ea typeface="Heiti SC Light" charset="-122"/>
+              <a:cs typeface="Heiti SC Light" charset="-122"/>
+            </a:endParaRPr>
+          </a:p>
+          <a:p>
+            <a:pPr algn="ctr"/>
+            <a:r>
+              <a:rPr kumimoji="1" lang="en-US" altLang="zh-CN" sz="1400" dirty="0" smtClean="0">
+                <a:latin typeface="Heiti SC Light" charset="-122"/>
+                <a:ea typeface="Heiti SC Light" charset="-122"/>
+                <a:cs typeface="Heiti SC Light" charset="-122"/>
+              </a:rPr>
+              <a:t>(queue)</a:t>
+            </a:r>
+            <a:endParaRPr kumimoji="1" lang="zh-CN" altLang="en-US" sz="1400" dirty="0">
+              <a:latin typeface="Heiti SC Light" charset="-122"/>
+              <a:ea typeface="Heiti SC Light" charset="-122"/>
+              <a:cs typeface="Heiti SC Light" charset="-122"/>
+            </a:endParaRPr>
+          </a:p>
+        </p:txBody>
+      </p:sp>
+      <p:cxnSp>
+        <p:nvCxnSpPr>
+          <p:cNvPr id="185" name="直线箭头连接符 184"/>
+          <p:cNvCxnSpPr/>
+          <p:nvPr/>
+        </p:nvCxnSpPr>
+        <p:spPr>
+          <a:xfrm flipH="1">
+            <a:off x="5940012" y="2356487"/>
+            <a:ext cx="893129" cy="645"/>
+          </a:xfrm>
+          <a:prstGeom prst="straightConnector1">
+            <a:avLst/>
+          </a:prstGeom>
+          <a:ln w="28575">
+            <a:prstDash val="sysDash"/>
+            <a:headEnd type="none" w="med" len="med"/>
+            <a:tailEnd type="arrow" w="med" len="med"/>
+          </a:ln>
+        </p:spPr>
+        <p:style>
+          <a:lnRef idx="2">
+            <a:schemeClr val="accent1"/>
+          </a:lnRef>
+          <a:fillRef idx="0">
+            <a:schemeClr val="accent1"/>
+          </a:fillRef>
+          <a:effectRef idx="1">
+            <a:schemeClr val="accent1"/>
+          </a:effectRef>
+          <a:fontRef idx="minor">
+            <a:schemeClr val="tx1"/>
+          </a:fontRef>
+        </p:style>
+      </p:cxnSp>
+      <p:sp>
+        <p:nvSpPr>
+          <p:cNvPr id="194" name="可选流程 193"/>
+          <p:cNvSpPr/>
+          <p:nvPr/>
+        </p:nvSpPr>
+        <p:spPr>
+          <a:xfrm>
+            <a:off x="9907238" y="2193143"/>
+            <a:ext cx="1295671" cy="611595"/>
+          </a:xfrm>
+          <a:prstGeom prst="flowChartAlternateProcess">
+            <a:avLst/>
+          </a:prstGeom>
+          <a:solidFill>
+            <a:srgbClr val="4BACC6"/>
+          </a:solidFill>
+        </p:spPr>
+        <p:style>
+          <a:lnRef idx="0">
+            <a:schemeClr val="accent1"/>
+          </a:lnRef>
+          <a:fillRef idx="3">
+            <a:schemeClr val="accent1"/>
+          </a:fillRef>
+          <a:effectRef idx="3">
+            <a:schemeClr val="accent1"/>
+          </a:effectRef>
+          <a:fontRef idx="minor">
+            <a:schemeClr val="lt1"/>
+          </a:fontRef>
+        </p:style>
+        <p:txBody>
+          <a:bodyPr anchor="ctr"/>
+          <a:lstStyle/>
+          <a:p>
+            <a:pPr algn="ctr"/>
+            <a:r>
+              <a:rPr kumimoji="1" lang="en-US" altLang="zh-CN" sz="1400" dirty="0">
+                <a:latin typeface="Heiti SC Light" charset="-122"/>
+                <a:ea typeface="Heiti SC Light" charset="-122"/>
+                <a:cs typeface="Heiti SC Light" charset="-122"/>
+              </a:rPr>
+              <a:t>JobHandler</a:t>
+            </a:r>
+            <a:endParaRPr kumimoji="1" lang="zh-CN" altLang="en-US" sz="1400" dirty="0">
+              <a:latin typeface="Heiti SC Light" charset="-122"/>
+              <a:ea typeface="Heiti SC Light" charset="-122"/>
+              <a:cs typeface="Heiti SC Light" charset="-122"/>
+            </a:endParaRPr>
+          </a:p>
+        </p:txBody>
+      </p:sp>
+      <p:sp>
+        <p:nvSpPr>
+          <p:cNvPr id="195" name="可选流程 194"/>
+          <p:cNvSpPr/>
+          <p:nvPr/>
+        </p:nvSpPr>
+        <p:spPr>
+          <a:xfrm>
+            <a:off x="9907238" y="3253003"/>
+            <a:ext cx="1295671" cy="606434"/>
+          </a:xfrm>
+          <a:prstGeom prst="flowChartAlternateProcess">
+            <a:avLst/>
+          </a:prstGeom>
+          <a:solidFill>
+            <a:srgbClr val="4BACC6"/>
+          </a:solidFill>
+        </p:spPr>
+        <p:style>
+          <a:lnRef idx="0">
+            <a:schemeClr val="accent1"/>
+          </a:lnRef>
+          <a:fillRef idx="3">
+            <a:schemeClr val="accent1"/>
+          </a:fillRef>
+          <a:effectRef idx="3">
+            <a:schemeClr val="accent1"/>
+          </a:effectRef>
+          <a:fontRef idx="minor">
+            <a:schemeClr val="lt1"/>
+          </a:fontRef>
+        </p:style>
+        <p:txBody>
+          <a:bodyPr anchor="ctr"/>
+          <a:lstStyle/>
+          <a:p>
+            <a:pPr algn="ctr"/>
+            <a:r>
+              <a:rPr kumimoji="1" lang="zh-CN" altLang="en-US" sz="1400" dirty="0">
+                <a:latin typeface="Heiti SC Light" charset="-122"/>
+                <a:ea typeface="Heiti SC Light" charset="-122"/>
+                <a:cs typeface="Heiti SC Light" charset="-122"/>
+              </a:rPr>
+              <a:t>任务线程</a:t>
+            </a:r>
+            <a:endParaRPr kumimoji="1" lang="zh-CN" altLang="en-US" sz="1400" dirty="0">
+              <a:latin typeface="Heiti SC Light" charset="-122"/>
+              <a:ea typeface="Heiti SC Light" charset="-122"/>
+              <a:cs typeface="Heiti SC Light" charset="-122"/>
+            </a:endParaRPr>
+          </a:p>
+        </p:txBody>
+      </p:sp>
+      <p:sp>
+        <p:nvSpPr>
+          <p:cNvPr id="196" name="磁盘 195"/>
+          <p:cNvSpPr/>
+          <p:nvPr/>
+        </p:nvSpPr>
+        <p:spPr>
+          <a:xfrm>
+            <a:off x="9904842" y="1079536"/>
+            <a:ext cx="1295671" cy="663886"/>
+          </a:xfrm>
+          <a:prstGeom prst="flowChartMagneticDisk">
+            <a:avLst/>
+          </a:prstGeom>
+        </p:spPr>
+        <p:style>
+          <a:lnRef idx="1">
+            <a:schemeClr val="accent4"/>
+          </a:lnRef>
+          <a:fillRef idx="2">
+            <a:schemeClr val="accent4"/>
+          </a:fillRef>
+          <a:effectRef idx="1">
+            <a:schemeClr val="accent4"/>
+          </a:effectRef>
+          <a:fontRef idx="minor">
+            <a:schemeClr val="dk1"/>
+          </a:fontRef>
+        </p:style>
+        <p:txBody>
+          <a:bodyPr anchor="ctr"/>
+          <a:lstStyle/>
+          <a:p>
+            <a:pPr algn="ctr"/>
+            <a:r>
+              <a:rPr kumimoji="1" lang="zh-CN" altLang="en-US" sz="1400" dirty="0">
+                <a:latin typeface="Heiti SC Light" charset="-122"/>
+                <a:ea typeface="Heiti SC Light" charset="-122"/>
+                <a:cs typeface="Heiti SC Light" charset="-122"/>
+              </a:rPr>
+              <a:t>调度请求</a:t>
+            </a:r>
+            <a:endParaRPr kumimoji="1" lang="zh-CN" altLang="en-US" sz="1400" dirty="0">
+              <a:latin typeface="Heiti SC Light" charset="-122"/>
+              <a:ea typeface="Heiti SC Light" charset="-122"/>
+              <a:cs typeface="Heiti SC Light" charset="-122"/>
+            </a:endParaRPr>
+          </a:p>
+          <a:p>
+            <a:pPr algn="ctr"/>
+            <a:r>
+              <a:rPr kumimoji="1" lang="en-US" altLang="zh-CN" sz="1400" dirty="0">
+                <a:latin typeface="Heiti SC Light" charset="-122"/>
+                <a:ea typeface="Heiti SC Light" charset="-122"/>
+                <a:cs typeface="Heiti SC Light" charset="-122"/>
+              </a:rPr>
+              <a:t>(queue)</a:t>
+            </a:r>
+            <a:endParaRPr kumimoji="1" lang="zh-CN" altLang="en-US" sz="1400" dirty="0">
+              <a:latin typeface="Heiti SC Light" charset="-122"/>
+              <a:ea typeface="Heiti SC Light" charset="-122"/>
+              <a:cs typeface="Heiti SC Light" charset="-122"/>
+            </a:endParaRPr>
+          </a:p>
+        </p:txBody>
+      </p:sp>
+      <p:cxnSp>
+        <p:nvCxnSpPr>
+          <p:cNvPr id="207" name="直线箭头连接符 206"/>
+          <p:cNvCxnSpPr/>
+          <p:nvPr/>
+        </p:nvCxnSpPr>
+        <p:spPr>
+          <a:xfrm flipH="1" flipV="1">
+            <a:off x="5938417" y="3627371"/>
+            <a:ext cx="872707" cy="11641"/>
+          </a:xfrm>
+          <a:prstGeom prst="straightConnector1">
+            <a:avLst/>
+          </a:prstGeom>
+          <a:ln w="28575">
+            <a:prstDash val="sysDash"/>
+            <a:headEnd type="none" w="med" len="med"/>
+            <a:tailEnd type="arrow" w="med" len="med"/>
+          </a:ln>
+        </p:spPr>
+        <p:style>
+          <a:lnRef idx="2">
+            <a:schemeClr val="accent1"/>
+          </a:lnRef>
+          <a:fillRef idx="0">
+            <a:schemeClr val="accent1"/>
+          </a:fillRef>
+          <a:effectRef idx="1">
+            <a:schemeClr val="accent1"/>
+          </a:effectRef>
+          <a:fontRef idx="minor">
+            <a:schemeClr val="tx1"/>
+          </a:fontRef>
+        </p:style>
+      </p:cxnSp>
+      <p:sp>
+        <p:nvSpPr>
+          <p:cNvPr id="57" name="圆角矩形 56"/>
+          <p:cNvSpPr/>
+          <p:nvPr/>
+        </p:nvSpPr>
+        <p:spPr>
+          <a:xfrm>
+            <a:off x="9224192" y="4620762"/>
+            <a:ext cx="1990310" cy="567638"/>
+          </a:xfrm>
+          <a:prstGeom prst="roundRect">
+            <a:avLst/>
+          </a:prstGeom>
+          <a:solidFill>
+            <a:srgbClr val="58B8D1"/>
+          </a:solidFill>
+        </p:spPr>
+        <p:style>
+          <a:lnRef idx="0">
+            <a:schemeClr val="accent1"/>
+          </a:lnRef>
+          <a:fillRef idx="3">
+            <a:schemeClr val="accent1"/>
+          </a:fillRef>
+          <a:effectRef idx="3">
+            <a:schemeClr val="accent1"/>
+          </a:effectRef>
+          <a:fontRef idx="minor">
+            <a:schemeClr val="lt1"/>
+          </a:fontRef>
+        </p:style>
+        <p:txBody>
+          <a:bodyPr anchor="ctr"/>
+          <a:lstStyle/>
+          <a:p>
+            <a:pPr algn="ctr">
+              <a:defRPr/>
+            </a:pPr>
+            <a:r>
+              <a:rPr kumimoji="1" lang="zh-CN" altLang="en-US" sz="1400" dirty="0">
+                <a:latin typeface="Heiti SC Light" charset="-122"/>
+                <a:ea typeface="Heiti SC Light" charset="-122"/>
+                <a:cs typeface="Heiti SC Light" charset="-122"/>
+              </a:rPr>
+              <a:t>自研</a:t>
+            </a:r>
+            <a:r>
+              <a:rPr kumimoji="1" lang="en-US" altLang="zh-CN" sz="1400" dirty="0">
+                <a:latin typeface="Heiti SC Light" charset="-122"/>
+                <a:ea typeface="Heiti SC Light" charset="-122"/>
+                <a:cs typeface="Heiti SC Light" charset="-122"/>
+              </a:rPr>
+              <a:t>RPC</a:t>
+            </a:r>
+            <a:endParaRPr kumimoji="1" lang="zh-CN" altLang="en-US" sz="1400" dirty="0">
+              <a:latin typeface="Heiti SC Light" charset="-122"/>
+              <a:ea typeface="Heiti SC Light" charset="-122"/>
+              <a:cs typeface="Heiti SC Light" charset="-122"/>
+            </a:endParaRPr>
+          </a:p>
+        </p:txBody>
+      </p:sp>
+      <p:cxnSp>
+        <p:nvCxnSpPr>
+          <p:cNvPr id="52" name="直线箭头连接符 51"/>
+          <p:cNvCxnSpPr/>
+          <p:nvPr/>
+        </p:nvCxnSpPr>
+        <p:spPr>
+          <a:xfrm flipH="1" flipV="1">
+            <a:off x="5943168" y="4896551"/>
+            <a:ext cx="903294" cy="11119"/>
+          </a:xfrm>
+          <a:prstGeom prst="straightConnector1">
+            <a:avLst/>
+          </a:prstGeom>
+          <a:ln w="28575">
+            <a:prstDash val="sysDash"/>
+            <a:headEnd type="none" w="med" len="med"/>
+            <a:tailEnd type="arrow" w="med" len="med"/>
+          </a:ln>
+        </p:spPr>
+        <p:style>
+          <a:lnRef idx="2">
+            <a:schemeClr val="accent1"/>
+          </a:lnRef>
+          <a:fillRef idx="0">
+            <a:schemeClr val="accent1"/>
+          </a:fillRef>
+          <a:effectRef idx="1">
+            <a:schemeClr val="accent1"/>
+          </a:effectRef>
+          <a:fontRef idx="minor">
+            <a:schemeClr val="tx1"/>
+          </a:fontRef>
+        </p:style>
+      </p:cxnSp>
+      <p:sp>
+        <p:nvSpPr>
+          <p:cNvPr id="81" name="矩形 80"/>
+          <p:cNvSpPr/>
+          <p:nvPr/>
+        </p:nvSpPr>
+        <p:spPr>
+          <a:xfrm>
+            <a:off x="6861591" y="1940899"/>
+            <a:ext cx="2458407" cy="856602"/>
+          </a:xfrm>
+          <a:prstGeom prst="rect">
+            <a:avLst/>
+          </a:prstGeom>
+          <a:solidFill>
+            <a:srgbClr val="E0EBFF"/>
+          </a:solidFill>
+          <a:ln>
+            <a:solidFill>
+              <a:srgbClr val="FFF2CD"/>
+            </a:solidFill>
+          </a:ln>
+        </p:spPr>
+        <p:style>
+          <a:lnRef idx="1">
+            <a:schemeClr val="accent1"/>
+          </a:lnRef>
+          <a:fillRef idx="2">
+            <a:schemeClr val="accent1"/>
+          </a:fillRef>
+          <a:effectRef idx="1">
+            <a:schemeClr val="accent1"/>
+          </a:effectRef>
+          <a:fontRef idx="minor">
+            <a:schemeClr val="dk1"/>
+          </a:fontRef>
+        </p:style>
+        <p:txBody>
+          <a:bodyPr anchor="b"/>
+          <a:lstStyle/>
+          <a:p>
+            <a:pPr algn="ctr">
+              <a:defRPr/>
+            </a:pPr>
+            <a:endParaRPr kumimoji="1" lang="zh-CN" altLang="en-US" sz="1600" b="1" dirty="0">
+              <a:latin typeface="Heiti SC Light" charset="-122"/>
+              <a:ea typeface="Heiti SC Light" charset="-122"/>
+              <a:cs typeface="Heiti SC Light" charset="-122"/>
+            </a:endParaRPr>
+          </a:p>
+        </p:txBody>
+      </p:sp>
+      <p:sp>
+        <p:nvSpPr>
+          <p:cNvPr id="82" name="多文档 81"/>
+          <p:cNvSpPr/>
+          <p:nvPr/>
+        </p:nvSpPr>
+        <p:spPr>
+          <a:xfrm>
+            <a:off x="8102736" y="2034466"/>
+            <a:ext cx="1128362" cy="644066"/>
+          </a:xfrm>
+          <a:prstGeom prst="flowChartMultidocument">
+            <a:avLst/>
+          </a:prstGeom>
+        </p:spPr>
+        <p:style>
+          <a:lnRef idx="1">
+            <a:schemeClr val="accent3"/>
+          </a:lnRef>
+          <a:fillRef idx="2">
+            <a:schemeClr val="accent3"/>
+          </a:fillRef>
+          <a:effectRef idx="1">
+            <a:schemeClr val="accent3"/>
+          </a:effectRef>
+          <a:fontRef idx="minor">
+            <a:schemeClr val="dk1"/>
+          </a:fontRef>
+        </p:style>
+        <p:txBody>
+          <a:bodyPr rtlCol="0" anchor="ctr"/>
+          <a:lstStyle/>
+          <a:p>
+            <a:pPr algn="ctr">
+              <a:defRPr/>
+            </a:pPr>
+            <a:r>
+              <a:rPr kumimoji="1" lang="zh-CN" altLang="en-US" sz="1400" dirty="0">
+                <a:latin typeface="Heiti SC Light" charset="-122"/>
+                <a:ea typeface="Heiti SC Light" charset="-122"/>
+                <a:cs typeface="Heiti SC Light" charset="-122"/>
+              </a:rPr>
+              <a:t>执行日志</a:t>
+            </a:r>
+            <a:endParaRPr kumimoji="1" lang="zh-CN" altLang="en-US" sz="1400" dirty="0">
+              <a:latin typeface="Heiti SC Light" charset="-122"/>
+              <a:ea typeface="Heiti SC Light" charset="-122"/>
+              <a:cs typeface="Heiti SC Light" charset="-122"/>
+            </a:endParaRPr>
+          </a:p>
+          <a:p>
+            <a:pPr algn="ctr">
+              <a:defRPr/>
+            </a:pPr>
+            <a:r>
+              <a:rPr kumimoji="1" lang="en-US" altLang="zh-CN" sz="1400" dirty="0">
+                <a:latin typeface="Heiti SC Light" charset="-122"/>
+                <a:ea typeface="Heiti SC Light" charset="-122"/>
+                <a:cs typeface="Heiti SC Light" charset="-122"/>
+              </a:rPr>
+              <a:t>(Log</a:t>
+            </a:r>
+            <a:r>
+              <a:rPr kumimoji="1" lang="zh-CN" altLang="en-US" sz="1400" dirty="0">
+                <a:latin typeface="Heiti SC Light" charset="-122"/>
+                <a:ea typeface="Heiti SC Light" charset="-122"/>
+                <a:cs typeface="Heiti SC Light" charset="-122"/>
+              </a:rPr>
+              <a:t>文件</a:t>
+            </a:r>
+            <a:r>
+              <a:rPr kumimoji="1" lang="en-US" altLang="zh-CN" sz="1400" dirty="0">
+                <a:latin typeface="Heiti SC Light" charset="-122"/>
+                <a:ea typeface="Heiti SC Light" charset="-122"/>
+                <a:cs typeface="Heiti SC Light" charset="-122"/>
+              </a:rPr>
+              <a:t>)</a:t>
+            </a:r>
+            <a:endParaRPr kumimoji="1" lang="zh-CN" altLang="en-US" sz="1400" dirty="0">
+              <a:latin typeface="Heiti SC Light" charset="-122"/>
+              <a:ea typeface="Heiti SC Light" charset="-122"/>
+              <a:cs typeface="Heiti SC Light" charset="-122"/>
+            </a:endParaRPr>
+          </a:p>
+        </p:txBody>
+      </p:sp>
+      <p:sp>
+        <p:nvSpPr>
+          <p:cNvPr id="102" name="圆角矩形 101"/>
+          <p:cNvSpPr/>
+          <p:nvPr/>
+        </p:nvSpPr>
+        <p:spPr>
+          <a:xfrm>
+            <a:off x="6959119" y="3361483"/>
+            <a:ext cx="1074713" cy="575198"/>
+          </a:xfrm>
+          <a:prstGeom prst="roundRect">
+            <a:avLst/>
+          </a:prstGeom>
+          <a:solidFill>
+            <a:srgbClr val="58B8D1"/>
+          </a:solidFill>
+        </p:spPr>
+        <p:style>
+          <a:lnRef idx="0">
+            <a:schemeClr val="accent1"/>
+          </a:lnRef>
+          <a:fillRef idx="3">
+            <a:schemeClr val="accent1"/>
+          </a:fillRef>
+          <a:effectRef idx="3">
+            <a:schemeClr val="accent1"/>
+          </a:effectRef>
+          <a:fontRef idx="minor">
+            <a:schemeClr val="lt1"/>
+          </a:fontRef>
+        </p:style>
+        <p:txBody>
+          <a:bodyPr anchor="ctr"/>
+          <a:lstStyle/>
+          <a:p>
+            <a:pPr algn="ctr"/>
+            <a:r>
+              <a:rPr kumimoji="1" lang="zh-CN" altLang="en-US" sz="1400" dirty="0">
+                <a:latin typeface="Heiti SC Light" charset="-122"/>
+                <a:ea typeface="Heiti SC Light" charset="-122"/>
+                <a:cs typeface="Heiti SC Light" charset="-122"/>
+              </a:rPr>
+              <a:t>回调线程</a:t>
+            </a:r>
+            <a:endParaRPr kumimoji="1" lang="zh-CN" altLang="en-US" sz="1400" dirty="0">
+              <a:latin typeface="Heiti SC Light" charset="-122"/>
+              <a:ea typeface="Heiti SC Light" charset="-122"/>
+              <a:cs typeface="Heiti SC Light" charset="-122"/>
+            </a:endParaRPr>
+          </a:p>
+        </p:txBody>
+      </p:sp>
+      <p:cxnSp>
+        <p:nvCxnSpPr>
+          <p:cNvPr id="118" name="直线箭头连接符 117"/>
+          <p:cNvCxnSpPr/>
+          <p:nvPr/>
+        </p:nvCxnSpPr>
+        <p:spPr>
+          <a:xfrm flipH="1">
+            <a:off x="9337243" y="2378430"/>
+            <a:ext cx="366394" cy="3349"/>
+          </a:xfrm>
+          <a:prstGeom prst="straightConnector1">
+            <a:avLst/>
+          </a:prstGeom>
+          <a:ln w="28575">
+            <a:prstDash val="sysDash"/>
+            <a:headEnd type="none" w="med" len="med"/>
+            <a:tailEnd type="arrow" w="med" len="med"/>
+          </a:ln>
+        </p:spPr>
+        <p:style>
+          <a:lnRef idx="2">
+            <a:schemeClr val="accent1"/>
+          </a:lnRef>
+          <a:fillRef idx="0">
+            <a:schemeClr val="accent1"/>
+          </a:fillRef>
+          <a:effectRef idx="1">
+            <a:schemeClr val="accent1"/>
+          </a:effectRef>
+          <a:fontRef idx="minor">
+            <a:schemeClr val="tx1"/>
+          </a:fontRef>
+        </p:style>
+      </p:cxnSp>
+      <p:cxnSp>
+        <p:nvCxnSpPr>
+          <p:cNvPr id="120" name="直线箭头连接符 119"/>
+          <p:cNvCxnSpPr/>
+          <p:nvPr/>
+        </p:nvCxnSpPr>
+        <p:spPr>
+          <a:xfrm flipH="1">
+            <a:off x="9337243" y="3661114"/>
+            <a:ext cx="366394" cy="3349"/>
+          </a:xfrm>
+          <a:prstGeom prst="straightConnector1">
+            <a:avLst/>
+          </a:prstGeom>
+          <a:ln w="28575">
+            <a:prstDash val="sysDash"/>
+            <a:headEnd type="none" w="med" len="med"/>
+            <a:tailEnd type="arrow" w="med" len="med"/>
+          </a:ln>
+        </p:spPr>
+        <p:style>
+          <a:lnRef idx="2">
+            <a:schemeClr val="accent1"/>
+          </a:lnRef>
+          <a:fillRef idx="0">
+            <a:schemeClr val="accent1"/>
+          </a:fillRef>
+          <a:effectRef idx="1">
+            <a:schemeClr val="accent1"/>
+          </a:effectRef>
+          <a:fontRef idx="minor">
+            <a:schemeClr val="tx1"/>
+          </a:fontRef>
+        </p:style>
+      </p:cxnSp>
+      <p:sp>
+        <p:nvSpPr>
+          <p:cNvPr id="121" name="可选流程 120"/>
+          <p:cNvSpPr/>
+          <p:nvPr/>
+        </p:nvSpPr>
+        <p:spPr>
+          <a:xfrm>
+            <a:off x="4275442" y="2073176"/>
+            <a:ext cx="1654126" cy="582276"/>
+          </a:xfrm>
+          <a:prstGeom prst="flowChartAlternateProcess">
+            <a:avLst/>
+          </a:prstGeom>
+          <a:solidFill>
+            <a:srgbClr val="6095C9"/>
+          </a:solidFill>
+        </p:spPr>
+        <p:style>
+          <a:lnRef idx="0">
+            <a:schemeClr val="accent1"/>
+          </a:lnRef>
+          <a:fillRef idx="3">
+            <a:schemeClr val="accent1"/>
+          </a:fillRef>
+          <a:effectRef idx="3">
+            <a:schemeClr val="accent1"/>
+          </a:effectRef>
+          <a:fontRef idx="minor">
+            <a:schemeClr val="lt1"/>
+          </a:fontRef>
+        </p:style>
+        <p:txBody>
+          <a:bodyPr anchor="ctr"/>
+          <a:lstStyle/>
+          <a:p>
+            <a:pPr algn="ctr">
+              <a:defRPr/>
+            </a:pPr>
+            <a:r>
+              <a:rPr kumimoji="1" lang="en-US" altLang="zh-CN" sz="1400" dirty="0">
+                <a:latin typeface="Heiti SC Light" charset="-122"/>
+                <a:ea typeface="Heiti SC Light" charset="-122"/>
+                <a:cs typeface="Heiti SC Light" charset="-122"/>
+              </a:rPr>
+              <a:t>Rolling</a:t>
+            </a:r>
+            <a:r>
+              <a:rPr kumimoji="1" lang="zh-CN" altLang="en-US" sz="1400" dirty="0">
+                <a:latin typeface="Heiti SC Light" charset="-122"/>
+                <a:ea typeface="Heiti SC Light" charset="-122"/>
+                <a:cs typeface="Heiti SC Light" charset="-122"/>
+              </a:rPr>
+              <a:t>日志</a:t>
+            </a:r>
+            <a:endParaRPr kumimoji="1" lang="zh-CN" altLang="en-US" sz="1400" dirty="0">
+              <a:latin typeface="Heiti SC Light" charset="-122"/>
+              <a:ea typeface="Heiti SC Light" charset="-122"/>
+              <a:cs typeface="Heiti SC Light" charset="-122"/>
+            </a:endParaRPr>
+          </a:p>
+          <a:p>
+            <a:pPr algn="ctr">
+              <a:defRPr/>
+            </a:pPr>
+            <a:r>
+              <a:rPr kumimoji="1" lang="en-US" altLang="zh-CN" sz="1400" dirty="0">
+                <a:latin typeface="Heiti SC Light" charset="-122"/>
+                <a:ea typeface="Heiti SC Light" charset="-122"/>
+                <a:cs typeface="Heiti SC Light" charset="-122"/>
+              </a:rPr>
+              <a:t>(</a:t>
+            </a:r>
+            <a:r>
+              <a:rPr kumimoji="1" lang="zh-CN" altLang="en-US" sz="1400" dirty="0">
+                <a:latin typeface="Heiti SC Light" charset="-122"/>
+                <a:ea typeface="Heiti SC Light" charset="-122"/>
+                <a:cs typeface="Heiti SC Light" charset="-122"/>
+              </a:rPr>
+              <a:t>实时</a:t>
+            </a:r>
+            <a:r>
+              <a:rPr kumimoji="1" lang="en-US" altLang="zh-CN" sz="1400" dirty="0">
+                <a:latin typeface="Heiti SC Light" charset="-122"/>
+                <a:ea typeface="Heiti SC Light" charset="-122"/>
+                <a:cs typeface="Heiti SC Light" charset="-122"/>
+              </a:rPr>
+              <a:t>)</a:t>
+            </a:r>
+            <a:endParaRPr kumimoji="1" lang="zh-CN" altLang="en-US" sz="1400" dirty="0">
+              <a:latin typeface="Heiti SC Light" charset="-122"/>
+              <a:ea typeface="Heiti SC Light" charset="-122"/>
+              <a:cs typeface="Heiti SC Light" charset="-122"/>
+            </a:endParaRPr>
+          </a:p>
+        </p:txBody>
+      </p:sp>
+      <p:sp>
+        <p:nvSpPr>
+          <p:cNvPr id="122" name="可选流程 121"/>
+          <p:cNvSpPr/>
+          <p:nvPr/>
+        </p:nvSpPr>
+        <p:spPr>
+          <a:xfrm>
+            <a:off x="6959118" y="2073918"/>
+            <a:ext cx="1074713" cy="580685"/>
+          </a:xfrm>
+          <a:prstGeom prst="flowChartAlternateProcess">
+            <a:avLst/>
+          </a:prstGeom>
+          <a:solidFill>
+            <a:srgbClr val="6095C9"/>
+          </a:solidFill>
+        </p:spPr>
+        <p:style>
+          <a:lnRef idx="0">
+            <a:schemeClr val="accent1"/>
+          </a:lnRef>
+          <a:fillRef idx="3">
+            <a:schemeClr val="accent1"/>
+          </a:fillRef>
+          <a:effectRef idx="3">
+            <a:schemeClr val="accent1"/>
+          </a:effectRef>
+          <a:fontRef idx="minor">
+            <a:schemeClr val="lt1"/>
+          </a:fontRef>
+        </p:style>
+        <p:txBody>
+          <a:bodyPr anchor="ctr"/>
+          <a:lstStyle/>
+          <a:p>
+            <a:pPr algn="ctr">
+              <a:defRPr/>
+            </a:pPr>
+            <a:r>
+              <a:rPr kumimoji="1" lang="zh-CN" altLang="en-US" sz="1400" dirty="0">
+                <a:latin typeface="Heiti SC Light" charset="-122"/>
+                <a:ea typeface="Heiti SC Light" charset="-122"/>
+                <a:cs typeface="Heiti SC Light" charset="-122"/>
+              </a:rPr>
+              <a:t>日志服务</a:t>
+            </a:r>
+            <a:endParaRPr kumimoji="1" lang="zh-CN" altLang="en-US" sz="1400" dirty="0">
+              <a:latin typeface="Heiti SC Light" charset="-122"/>
+              <a:ea typeface="Heiti SC Light" charset="-122"/>
+              <a:cs typeface="Heiti SC Light" charset="-122"/>
+            </a:endParaRPr>
+          </a:p>
+          <a:p>
+            <a:pPr algn="ctr">
+              <a:defRPr/>
+            </a:pPr>
+            <a:r>
+              <a:rPr kumimoji="1" lang="en-US" altLang="zh-CN" sz="1400" dirty="0">
+                <a:latin typeface="Heiti SC Light" charset="-122"/>
+                <a:ea typeface="Heiti SC Light" charset="-122"/>
+                <a:cs typeface="Heiti SC Light" charset="-122"/>
+              </a:rPr>
+              <a:t>(jetty)</a:t>
+            </a:r>
+            <a:endParaRPr kumimoji="1" lang="zh-CN" altLang="en-US" sz="1400" dirty="0">
+              <a:latin typeface="Heiti SC Light" charset="-122"/>
+              <a:ea typeface="Heiti SC Light" charset="-122"/>
+              <a:cs typeface="Heiti SC Light" charset="-122"/>
+            </a:endParaRPr>
+          </a:p>
+        </p:txBody>
+      </p:sp>
+      <p:sp>
+        <p:nvSpPr>
+          <p:cNvPr id="2" name="矩形 1"/>
+          <p:cNvSpPr/>
+          <p:nvPr/>
+        </p:nvSpPr>
+        <p:spPr>
+          <a:xfrm>
+            <a:off x="4540885" y="5792470"/>
+            <a:ext cx="4310380" cy="521970"/>
+          </a:xfrm>
+          <a:prstGeom prst="rect">
+            <a:avLst/>
+          </a:prstGeom>
+        </p:spPr>
+        <p:txBody>
+          <a:bodyPr wrap="square">
+            <a:spAutoFit/>
+          </a:bodyPr>
+          <a:lstStyle/>
+          <a:p>
+            <a:pPr algn="ctr"/>
+            <a:r>
+              <a:rPr lang="en-US" altLang="zh-CN" sz="2800" dirty="0">
+                <a:latin typeface="Heiti SC Light" charset="-122"/>
+                <a:ea typeface="Heiti SC Light" charset="-122"/>
+                <a:cs typeface="Heiti SC Light" charset="-122"/>
+              </a:rPr>
+              <a:t>XXL-JOB</a:t>
+            </a:r>
+            <a:r>
+              <a:rPr lang="zh-CN" altLang="en-US" sz="2800" dirty="0">
+                <a:latin typeface="Heiti SC Light" charset="-122"/>
+                <a:ea typeface="Heiti SC Light" charset="-122"/>
+                <a:cs typeface="Heiti SC Light" charset="-122"/>
+              </a:rPr>
+              <a:t>架构图 </a:t>
+            </a:r>
+            <a:r>
+              <a:rPr lang="en-US" altLang="zh-CN" sz="2800" dirty="0">
+                <a:latin typeface="Heiti SC Light" charset="-122"/>
+                <a:ea typeface="Heiti SC Light" charset="-122"/>
+                <a:cs typeface="Heiti SC Light" charset="-122"/>
+              </a:rPr>
+              <a:t>v1.9.2</a:t>
+            </a:r>
+            <a:endParaRPr lang="en-US" altLang="zh-CN" sz="2800" dirty="0">
+              <a:latin typeface="Heiti SC Light" charset="-122"/>
+              <a:ea typeface="Heiti SC Light" charset="-122"/>
+              <a:cs typeface="Heiti SC Light" charset="-122"/>
+            </a:endParaRPr>
+          </a:p>
+        </p:txBody>
+      </p:sp>
+    </p:spTree>
+  </p:cSld>
+  <p:clrMapOvr>
+    <a:masterClrMapping/>
+  </p:clrMapOvr>
+  <p:timing>
+    <p:tnLst>
+      <p:par>
+        <p:cTn id="1" dur="indefinite" restart="never" nodeType="tmRoot"/>
+      </p:par>
+    </p:tnLst>
+  </p:timing>
+</p:sld>
+</file>
+
+<file path=ppt/slides/slide8.xml><?xml version="1.0" encoding="utf-8"?>
+<p:sld xmlns:a="http://schemas.openxmlformats.org/drawingml/2006/main" xmlns:r="http://schemas.openxmlformats.org/officeDocument/2006/relationships" xmlns:p="http://schemas.openxmlformats.org/presentationml/2006/main">
+  <p:cSld>
+    <p:spTree>
+      <p:nvGrpSpPr>
+        <p:cNvPr id="1" name=""/>
+        <p:cNvGrpSpPr/>
+        <p:nvPr/>
+      </p:nvGrpSpPr>
+      <p:grpSpPr>
+        <a:xfrm>
+          <a:off x="0" y="0"/>
+          <a:ext cx="0" cy="0"/>
+          <a:chOff x="0" y="0"/>
+          <a:chExt cx="0" cy="0"/>
+        </a:xfrm>
+      </p:grpSpPr>
+      <p:sp>
+        <p:nvSpPr>
           <p:cNvPr id="36" name="矩形 35"/>
           <p:cNvSpPr/>
           <p:nvPr/>
@@ -17802,7 +20616,6 @@
               <a:buSzTx/>
               <a:buFontTx/>
               <a:buNone/>
-              <a:tabLst/>
               <a:defRPr/>
             </a:pPr>
             <a:endParaRPr kumimoji="1" lang="zh-CN" altLang="en-US" sz="1800" b="0" i="0" u="none" strike="noStrike" kern="0" cap="none" spc="0" normalizeH="0" baseline="0" noProof="0" smtClean="0">
@@ -17815,9 +20628,8 @@
               <a:effectLst/>
               <a:uLnTx/>
               <a:uFillTx/>
-              <a:latin typeface="Calibri"/>
-              <a:ea typeface="宋体" charset="0"/>
-              <a:cs typeface=""/>
+              <a:latin typeface="Calibri" panose="020F0502020204030204"/>
+              <a:ea typeface="宋体" panose="02010600030101010101" pitchFamily="2" charset="-122"/>
             </a:endParaRPr>
           </a:p>
         </p:txBody>
@@ -17894,7 +20706,6 @@
               <a:buSzTx/>
               <a:buFontTx/>
               <a:buNone/>
-              <a:tabLst/>
               <a:defRPr/>
             </a:pPr>
             <a:r>
@@ -17908,12 +20719,26 @@
                 <a:effectLst/>
                 <a:uLnTx/>
                 <a:uFillTx/>
-                <a:latin typeface="微软雅黑"/>
-                <a:ea typeface="微软雅黑"/>
-                <a:cs typeface="微软雅黑"/>
+                <a:latin typeface="微软雅黑" panose="020B0503020204020204" charset="-122"/>
+                <a:ea typeface="微软雅黑" panose="020B0503020204020204" charset="-122"/>
+                <a:cs typeface="微软雅黑" panose="020B0503020204020204" charset="-122"/>
               </a:rPr>
               <a:t>业务数据</a:t>
             </a:r>
+            <a:endParaRPr kumimoji="1" lang="zh-CN" altLang="en-US" sz="1100" b="0" i="0" u="none" strike="noStrike" kern="0" cap="none" spc="0" normalizeH="0" baseline="0" noProof="0" dirty="0" smtClean="0">
+              <a:ln>
+                <a:noFill/>
+              </a:ln>
+              <a:solidFill>
+                <a:prstClr val="black"/>
+              </a:solidFill>
+              <a:effectLst/>
+              <a:uLnTx/>
+              <a:uFillTx/>
+              <a:latin typeface="微软雅黑" panose="020B0503020204020204" charset="-122"/>
+              <a:ea typeface="微软雅黑" panose="020B0503020204020204" charset="-122"/>
+              <a:cs typeface="微软雅黑" panose="020B0503020204020204" charset="-122"/>
+            </a:endParaRPr>
           </a:p>
         </p:txBody>
       </p:sp>
@@ -17964,7 +20789,6 @@
               <a:buSzTx/>
               <a:buFontTx/>
               <a:buNone/>
-              <a:tabLst/>
               <a:defRPr/>
             </a:pPr>
             <a:endParaRPr kumimoji="1" lang="zh-CN" altLang="en-US" sz="1800" b="0" i="0" u="none" strike="noStrike" kern="0" cap="none" spc="0" normalizeH="0" baseline="0" noProof="0" smtClean="0">
@@ -17977,9 +20801,8 @@
               <a:effectLst/>
               <a:uLnTx/>
               <a:uFillTx/>
-              <a:latin typeface="Calibri"/>
-              <a:ea typeface="宋体" charset="0"/>
-              <a:cs typeface=""/>
+              <a:latin typeface="Calibri" panose="020F0502020204030204"/>
+              <a:ea typeface="宋体" panose="02010600030101010101" pitchFamily="2" charset="-122"/>
             </a:endParaRPr>
           </a:p>
         </p:txBody>
@@ -18031,7 +20854,6 @@
               <a:buSzTx/>
               <a:buFontTx/>
               <a:buNone/>
-              <a:tabLst/>
               <a:defRPr/>
             </a:pPr>
             <a:endParaRPr kumimoji="1" lang="zh-CN" altLang="en-US" sz="1800" b="0" i="0" u="none" strike="noStrike" kern="0" cap="none" spc="0" normalizeH="0" baseline="0" noProof="0" smtClean="0">
@@ -18044,9 +20866,8 @@
               <a:effectLst/>
               <a:uLnTx/>
               <a:uFillTx/>
-              <a:latin typeface="Calibri"/>
-              <a:ea typeface="宋体" charset="0"/>
-              <a:cs typeface=""/>
+              <a:latin typeface="Calibri" panose="020F0502020204030204"/>
+              <a:ea typeface="宋体" panose="02010600030101010101" pitchFamily="2" charset="-122"/>
             </a:endParaRPr>
           </a:p>
         </p:txBody>
@@ -18215,7 +21036,6 @@
               <a:buSzTx/>
               <a:buFontTx/>
               <a:buNone/>
-              <a:tabLst/>
               <a:defRPr/>
             </a:pPr>
             <a:r>
@@ -18229,9 +21049,9 @@
                 <a:effectLst/>
                 <a:uLnTx/>
                 <a:uFillTx/>
-                <a:latin typeface="微软雅黑"/>
-                <a:ea typeface="微软雅黑"/>
-                <a:cs typeface="微软雅黑"/>
+                <a:latin typeface="微软雅黑" panose="020B0503020204020204" charset="-122"/>
+                <a:ea typeface="微软雅黑" panose="020B0503020204020204" charset="-122"/>
+                <a:cs typeface="微软雅黑" panose="020B0503020204020204" charset="-122"/>
               </a:rPr>
               <a:t>执行器</a:t>
             </a:r>
@@ -18246,9 +21066,9 @@
                 <a:effectLst/>
                 <a:uLnTx/>
                 <a:uFillTx/>
-                <a:latin typeface="微软雅黑"/>
-                <a:ea typeface="微软雅黑"/>
-                <a:cs typeface="微软雅黑"/>
+                <a:latin typeface="微软雅黑" panose="020B0503020204020204" charset="-122"/>
+                <a:ea typeface="微软雅黑" panose="020B0503020204020204" charset="-122"/>
+                <a:cs typeface="微软雅黑" panose="020B0503020204020204" charset="-122"/>
               </a:rPr>
               <a:t>0</a:t>
             </a:r>
@@ -18262,9 +21082,9 @@
               <a:effectLst/>
               <a:uLnTx/>
               <a:uFillTx/>
-              <a:latin typeface="微软雅黑"/>
-              <a:ea typeface="微软雅黑"/>
-              <a:cs typeface="微软雅黑"/>
+              <a:latin typeface="微软雅黑" panose="020B0503020204020204" charset="-122"/>
+              <a:ea typeface="微软雅黑" panose="020B0503020204020204" charset="-122"/>
+              <a:cs typeface="微软雅黑" panose="020B0503020204020204" charset="-122"/>
             </a:endParaRPr>
           </a:p>
         </p:txBody>
@@ -18337,7 +21157,6 @@
               <a:buSzTx/>
               <a:buFontTx/>
               <a:buNone/>
-              <a:tabLst/>
               <a:defRPr/>
             </a:pPr>
             <a:r>
@@ -18351,9 +21170,9 @@
                 <a:effectLst/>
                 <a:uLnTx/>
                 <a:uFillTx/>
-                <a:latin typeface="微软雅黑"/>
-                <a:ea typeface="微软雅黑"/>
-                <a:cs typeface="微软雅黑"/>
+                <a:latin typeface="微软雅黑" panose="020B0503020204020204" charset="-122"/>
+                <a:ea typeface="微软雅黑" panose="020B0503020204020204" charset="-122"/>
+                <a:cs typeface="微软雅黑" panose="020B0503020204020204" charset="-122"/>
               </a:rPr>
               <a:t>执行器</a:t>
             </a:r>
@@ -18368,9 +21187,9 @@
                 <a:effectLst/>
                 <a:uLnTx/>
                 <a:uFillTx/>
-                <a:latin typeface="微软雅黑"/>
-                <a:ea typeface="微软雅黑"/>
-                <a:cs typeface="微软雅黑"/>
+                <a:latin typeface="微软雅黑" panose="020B0503020204020204" charset="-122"/>
+                <a:ea typeface="微软雅黑" panose="020B0503020204020204" charset="-122"/>
+                <a:cs typeface="微软雅黑" panose="020B0503020204020204" charset="-122"/>
               </a:rPr>
               <a:t>1</a:t>
             </a:r>
@@ -18384,9 +21203,9 @@
               <a:effectLst/>
               <a:uLnTx/>
               <a:uFillTx/>
-              <a:latin typeface="微软雅黑"/>
-              <a:ea typeface="微软雅黑"/>
-              <a:cs typeface="微软雅黑"/>
+              <a:latin typeface="微软雅黑" panose="020B0503020204020204" charset="-122"/>
+              <a:ea typeface="微软雅黑" panose="020B0503020204020204" charset="-122"/>
+              <a:cs typeface="微软雅黑" panose="020B0503020204020204" charset="-122"/>
             </a:endParaRPr>
           </a:p>
         </p:txBody>
@@ -18456,7 +21275,6 @@
               <a:buSzTx/>
               <a:buFontTx/>
               <a:buNone/>
-              <a:tabLst/>
               <a:defRPr/>
             </a:pPr>
             <a:r>
@@ -18470,9 +21288,9 @@
                 <a:effectLst/>
                 <a:uLnTx/>
                 <a:uFillTx/>
-                <a:latin typeface="微软雅黑"/>
-                <a:ea typeface="微软雅黑"/>
-                <a:cs typeface="微软雅黑"/>
+                <a:latin typeface="微软雅黑" panose="020B0503020204020204" charset="-122"/>
+                <a:ea typeface="微软雅黑" panose="020B0503020204020204" charset="-122"/>
+                <a:cs typeface="微软雅黑" panose="020B0503020204020204" charset="-122"/>
               </a:rPr>
               <a:t>执行器</a:t>
             </a:r>
@@ -18487,9 +21305,9 @@
                 <a:effectLst/>
                 <a:uLnTx/>
                 <a:uFillTx/>
-                <a:latin typeface="微软雅黑"/>
-                <a:ea typeface="微软雅黑"/>
-                <a:cs typeface="微软雅黑"/>
+                <a:latin typeface="微软雅黑" panose="020B0503020204020204" charset="-122"/>
+                <a:ea typeface="微软雅黑" panose="020B0503020204020204" charset="-122"/>
+                <a:cs typeface="微软雅黑" panose="020B0503020204020204" charset="-122"/>
               </a:rPr>
               <a:t>2</a:t>
             </a:r>
@@ -18503,9 +21321,9 @@
               <a:effectLst/>
               <a:uLnTx/>
               <a:uFillTx/>
-              <a:latin typeface="微软雅黑"/>
-              <a:ea typeface="微软雅黑"/>
-              <a:cs typeface="微软雅黑"/>
+              <a:latin typeface="微软雅黑" panose="020B0503020204020204" charset="-122"/>
+              <a:ea typeface="微软雅黑" panose="020B0503020204020204" charset="-122"/>
+              <a:cs typeface="微软雅黑" panose="020B0503020204020204" charset="-122"/>
             </a:endParaRPr>
           </a:p>
         </p:txBody>
@@ -18656,7 +21474,6 @@
               <a:buSzTx/>
               <a:buFontTx/>
               <a:buNone/>
-              <a:tabLst/>
               <a:defRPr/>
             </a:pPr>
             <a:r>
@@ -18670,9 +21487,9 @@
                 <a:effectLst/>
                 <a:uLnTx/>
                 <a:uFillTx/>
-                <a:latin typeface="微软雅黑"/>
-                <a:ea typeface="微软雅黑"/>
-                <a:cs typeface="微软雅黑"/>
+                <a:latin typeface="微软雅黑" panose="020B0503020204020204" charset="-122"/>
+                <a:ea typeface="微软雅黑" panose="020B0503020204020204" charset="-122"/>
+                <a:cs typeface="微软雅黑" panose="020B0503020204020204" charset="-122"/>
               </a:rPr>
               <a:t>分片任务</a:t>
             </a:r>
@@ -18686,9 +21503,8 @@
               <a:effectLst/>
               <a:uLnTx/>
               <a:uFillTx/>
-              <a:latin typeface="Calibri"/>
-              <a:ea typeface="宋体" charset="0"/>
-              <a:cs typeface=""/>
+              <a:latin typeface="Calibri" panose="020F0502020204030204"/>
+              <a:ea typeface="宋体" panose="02010600030101010101" pitchFamily="2" charset="-122"/>
             </a:endParaRPr>
           </a:p>
         </p:txBody>
@@ -18772,7 +21588,6 @@
               <a:buSzTx/>
               <a:buFontTx/>
               <a:buNone/>
-              <a:tabLst/>
               <a:defRPr/>
             </a:pPr>
             <a:endParaRPr kumimoji="1" lang="zh-CN" altLang="en-US" sz="1800" b="0" i="0" u="none" strike="noStrike" kern="0" cap="none" spc="0" normalizeH="0" baseline="0" noProof="0" smtClean="0">
@@ -18785,9 +21600,8 @@
               <a:effectLst/>
               <a:uLnTx/>
               <a:uFillTx/>
-              <a:latin typeface="Calibri"/>
-              <a:ea typeface="宋体" charset="0"/>
-              <a:cs typeface=""/>
+              <a:latin typeface="Calibri" panose="020F0502020204030204"/>
+              <a:ea typeface="宋体" panose="02010600030101010101" pitchFamily="2" charset="-122"/>
             </a:endParaRPr>
           </a:p>
         </p:txBody>
@@ -18820,9 +21634,9 @@
                 <a:solidFill>
                   <a:prstClr val="black"/>
                 </a:solidFill>
-                <a:latin typeface="微软雅黑"/>
-                <a:ea typeface="微软雅黑"/>
-                <a:cs typeface="微软雅黑"/>
+                <a:latin typeface="微软雅黑" panose="020B0503020204020204" charset="-122"/>
+                <a:ea typeface="微软雅黑" panose="020B0503020204020204" charset="-122"/>
+                <a:cs typeface="微软雅黑" panose="020B0503020204020204" charset="-122"/>
               </a:rPr>
               <a:t>执行器集群</a:t>
             </a:r>
@@ -18830,9 +21644,9 @@
               <a:solidFill>
                 <a:prstClr val="black"/>
               </a:solidFill>
-              <a:latin typeface="微软雅黑"/>
-              <a:ea typeface="微软雅黑"/>
-              <a:cs typeface="微软雅黑"/>
+              <a:latin typeface="微软雅黑" panose="020B0503020204020204" charset="-122"/>
+              <a:ea typeface="微软雅黑" panose="020B0503020204020204" charset="-122"/>
+              <a:cs typeface="微软雅黑" panose="020B0503020204020204" charset="-122"/>
             </a:endParaRPr>
           </a:p>
         </p:txBody>
@@ -18948,7 +21762,6 @@
               <a:buSzTx/>
               <a:buFontTx/>
               <a:buNone/>
-              <a:tabLst/>
               <a:defRPr/>
             </a:pPr>
             <a:endParaRPr kumimoji="1" lang="zh-CN" altLang="en-US" sz="1800" b="0" i="0" u="none" strike="noStrike" kern="0" cap="none" spc="0" normalizeH="0" baseline="0" noProof="0" smtClean="0">
@@ -18961,9 +21774,8 @@
               <a:effectLst/>
               <a:uLnTx/>
               <a:uFillTx/>
-              <a:latin typeface="Calibri"/>
-              <a:ea typeface="宋体" charset="0"/>
-              <a:cs typeface=""/>
+              <a:latin typeface="Calibri" panose="020F0502020204030204"/>
+              <a:ea typeface="宋体" panose="02010600030101010101" pitchFamily="2" charset="-122"/>
             </a:endParaRPr>
           </a:p>
         </p:txBody>
@@ -18996,9 +21808,9 @@
                 <a:solidFill>
                   <a:prstClr val="black"/>
                 </a:solidFill>
-                <a:latin typeface="微软雅黑"/>
-                <a:ea typeface="微软雅黑"/>
-                <a:cs typeface="微软雅黑"/>
+                <a:latin typeface="微软雅黑" panose="020B0503020204020204" charset="-122"/>
+                <a:ea typeface="微软雅黑" panose="020B0503020204020204" charset="-122"/>
+                <a:cs typeface="微软雅黑" panose="020B0503020204020204" charset="-122"/>
               </a:rPr>
               <a:t>调度中心</a:t>
             </a:r>
@@ -19006,9 +21818,9 @@
               <a:solidFill>
                 <a:prstClr val="black"/>
               </a:solidFill>
-              <a:latin typeface="微软雅黑"/>
-              <a:ea typeface="微软雅黑"/>
-              <a:cs typeface="微软雅黑"/>
+              <a:latin typeface="微软雅黑" panose="020B0503020204020204" charset="-122"/>
+              <a:ea typeface="微软雅黑" panose="020B0503020204020204" charset="-122"/>
+              <a:cs typeface="微软雅黑" panose="020B0503020204020204" charset="-122"/>
             </a:endParaRPr>
           </a:p>
         </p:txBody>
@@ -19041,9 +21853,9 @@
                 <a:solidFill>
                   <a:prstClr val="black"/>
                 </a:solidFill>
-                <a:latin typeface="微软雅黑"/>
-                <a:ea typeface="微软雅黑"/>
-                <a:cs typeface="微软雅黑"/>
+                <a:latin typeface="微软雅黑" panose="020B0503020204020204" charset="-122"/>
+                <a:ea typeface="微软雅黑" panose="020B0503020204020204" charset="-122"/>
+                <a:cs typeface="微软雅黑" panose="020B0503020204020204" charset="-122"/>
               </a:rPr>
               <a:t>分片参数：</a:t>
             </a:r>
@@ -19052,9 +21864,9 @@
                 <a:solidFill>
                   <a:prstClr val="black"/>
                 </a:solidFill>
-                <a:latin typeface="微软雅黑"/>
-                <a:ea typeface="微软雅黑"/>
-                <a:cs typeface="微软雅黑"/>
+                <a:latin typeface="微软雅黑" panose="020B0503020204020204" charset="-122"/>
+                <a:ea typeface="微软雅黑" panose="020B0503020204020204" charset="-122"/>
+                <a:cs typeface="微软雅黑" panose="020B0503020204020204" charset="-122"/>
               </a:rPr>
               <a:t>0,</a:t>
             </a:r>
@@ -19063,9 +21875,9 @@
                 <a:solidFill>
                   <a:prstClr val="black"/>
                 </a:solidFill>
-                <a:latin typeface="微软雅黑"/>
-                <a:ea typeface="微软雅黑"/>
-                <a:cs typeface="微软雅黑"/>
+                <a:latin typeface="微软雅黑" panose="020B0503020204020204" charset="-122"/>
+                <a:ea typeface="微软雅黑" panose="020B0503020204020204" charset="-122"/>
+                <a:cs typeface="微软雅黑" panose="020B0503020204020204" charset="-122"/>
               </a:rPr>
               <a:t> </a:t>
             </a:r>
@@ -19074,9 +21886,9 @@
                 <a:solidFill>
                   <a:prstClr val="black"/>
                 </a:solidFill>
-                <a:latin typeface="微软雅黑"/>
-                <a:ea typeface="微软雅黑"/>
-                <a:cs typeface="微软雅黑"/>
+                <a:latin typeface="微软雅黑" panose="020B0503020204020204" charset="-122"/>
+                <a:ea typeface="微软雅黑" panose="020B0503020204020204" charset="-122"/>
+                <a:cs typeface="微软雅黑" panose="020B0503020204020204" charset="-122"/>
               </a:rPr>
               <a:t>3</a:t>
             </a:r>
@@ -19084,9 +21896,9 @@
               <a:solidFill>
                 <a:prstClr val="black"/>
               </a:solidFill>
-              <a:latin typeface="微软雅黑"/>
-              <a:ea typeface="微软雅黑"/>
-              <a:cs typeface="微软雅黑"/>
+              <a:latin typeface="微软雅黑" panose="020B0503020204020204" charset="-122"/>
+              <a:ea typeface="微软雅黑" panose="020B0503020204020204" charset="-122"/>
+              <a:cs typeface="微软雅黑" panose="020B0503020204020204" charset="-122"/>
             </a:endParaRPr>
           </a:p>
         </p:txBody>
@@ -19119,9 +21931,9 @@
                 <a:solidFill>
                   <a:prstClr val="black"/>
                 </a:solidFill>
-                <a:latin typeface="微软雅黑"/>
-                <a:ea typeface="微软雅黑"/>
-                <a:cs typeface="微软雅黑"/>
+                <a:latin typeface="微软雅黑" panose="020B0503020204020204" charset="-122"/>
+                <a:ea typeface="微软雅黑" panose="020B0503020204020204" charset="-122"/>
+                <a:cs typeface="微软雅黑" panose="020B0503020204020204" charset="-122"/>
               </a:rPr>
               <a:t>分片参数：</a:t>
             </a:r>
@@ -19130,9 +21942,9 @@
                 <a:solidFill>
                   <a:prstClr val="black"/>
                 </a:solidFill>
-                <a:latin typeface="微软雅黑"/>
-                <a:ea typeface="微软雅黑"/>
-                <a:cs typeface="微软雅黑"/>
+                <a:latin typeface="微软雅黑" panose="020B0503020204020204" charset="-122"/>
+                <a:ea typeface="微软雅黑" panose="020B0503020204020204" charset="-122"/>
+                <a:cs typeface="微软雅黑" panose="020B0503020204020204" charset="-122"/>
               </a:rPr>
               <a:t>1</a:t>
             </a:r>
@@ -19141,9 +21953,9 @@
                 <a:solidFill>
                   <a:prstClr val="black"/>
                 </a:solidFill>
-                <a:latin typeface="微软雅黑"/>
-                <a:ea typeface="微软雅黑"/>
-                <a:cs typeface="微软雅黑"/>
+                <a:latin typeface="微软雅黑" panose="020B0503020204020204" charset="-122"/>
+                <a:ea typeface="微软雅黑" panose="020B0503020204020204" charset="-122"/>
+                <a:cs typeface="微软雅黑" panose="020B0503020204020204" charset="-122"/>
               </a:rPr>
               <a:t>,</a:t>
             </a:r>
@@ -19152,9 +21964,9 @@
                 <a:solidFill>
                   <a:prstClr val="black"/>
                 </a:solidFill>
-                <a:latin typeface="微软雅黑"/>
-                <a:ea typeface="微软雅黑"/>
-                <a:cs typeface="微软雅黑"/>
+                <a:latin typeface="微软雅黑" panose="020B0503020204020204" charset="-122"/>
+                <a:ea typeface="微软雅黑" panose="020B0503020204020204" charset="-122"/>
+                <a:cs typeface="微软雅黑" panose="020B0503020204020204" charset="-122"/>
               </a:rPr>
               <a:t> </a:t>
             </a:r>
@@ -19163,9 +21975,9 @@
                 <a:solidFill>
                   <a:prstClr val="black"/>
                 </a:solidFill>
-                <a:latin typeface="微软雅黑"/>
-                <a:ea typeface="微软雅黑"/>
-                <a:cs typeface="微软雅黑"/>
+                <a:latin typeface="微软雅黑" panose="020B0503020204020204" charset="-122"/>
+                <a:ea typeface="微软雅黑" panose="020B0503020204020204" charset="-122"/>
+                <a:cs typeface="微软雅黑" panose="020B0503020204020204" charset="-122"/>
               </a:rPr>
               <a:t>3</a:t>
             </a:r>
@@ -19173,9 +21985,9 @@
               <a:solidFill>
                 <a:prstClr val="black"/>
               </a:solidFill>
-              <a:latin typeface="微软雅黑"/>
-              <a:ea typeface="微软雅黑"/>
-              <a:cs typeface="微软雅黑"/>
+              <a:latin typeface="微软雅黑" panose="020B0503020204020204" charset="-122"/>
+              <a:ea typeface="微软雅黑" panose="020B0503020204020204" charset="-122"/>
+              <a:cs typeface="微软雅黑" panose="020B0503020204020204" charset="-122"/>
             </a:endParaRPr>
           </a:p>
         </p:txBody>
@@ -19208,9 +22020,9 @@
                 <a:solidFill>
                   <a:srgbClr val="FF0000"/>
                 </a:solidFill>
-                <a:latin typeface="微软雅黑"/>
-                <a:ea typeface="微软雅黑"/>
-                <a:cs typeface="微软雅黑"/>
+                <a:latin typeface="微软雅黑" panose="020B0503020204020204" charset="-122"/>
+                <a:ea typeface="微软雅黑" panose="020B0503020204020204" charset="-122"/>
+                <a:cs typeface="微软雅黑" panose="020B0503020204020204" charset="-122"/>
               </a:rPr>
               <a:t>分片参数：</a:t>
             </a:r>
@@ -19219,9 +22031,9 @@
                 <a:solidFill>
                   <a:srgbClr val="FF0000"/>
                 </a:solidFill>
-                <a:latin typeface="微软雅黑"/>
-                <a:ea typeface="微软雅黑"/>
-                <a:cs typeface="微软雅黑"/>
+                <a:latin typeface="微软雅黑" panose="020B0503020204020204" charset="-122"/>
+                <a:ea typeface="微软雅黑" panose="020B0503020204020204" charset="-122"/>
+                <a:cs typeface="微软雅黑" panose="020B0503020204020204" charset="-122"/>
               </a:rPr>
               <a:t>2,</a:t>
             </a:r>
@@ -19230,9 +22042,9 @@
                 <a:solidFill>
                   <a:srgbClr val="FF0000"/>
                 </a:solidFill>
-                <a:latin typeface="微软雅黑"/>
-                <a:ea typeface="微软雅黑"/>
-                <a:cs typeface="微软雅黑"/>
+                <a:latin typeface="微软雅黑" panose="020B0503020204020204" charset="-122"/>
+                <a:ea typeface="微软雅黑" panose="020B0503020204020204" charset="-122"/>
+                <a:cs typeface="微软雅黑" panose="020B0503020204020204" charset="-122"/>
               </a:rPr>
               <a:t> </a:t>
             </a:r>
@@ -19241,9 +22053,9 @@
                 <a:solidFill>
                   <a:srgbClr val="FF0000"/>
                 </a:solidFill>
-                <a:latin typeface="微软雅黑"/>
-                <a:ea typeface="微软雅黑"/>
-                <a:cs typeface="微软雅黑"/>
+                <a:latin typeface="微软雅黑" panose="020B0503020204020204" charset="-122"/>
+                <a:ea typeface="微软雅黑" panose="020B0503020204020204" charset="-122"/>
+                <a:cs typeface="微软雅黑" panose="020B0503020204020204" charset="-122"/>
               </a:rPr>
               <a:t>3</a:t>
             </a:r>
@@ -19251,9 +22063,9 @@
               <a:solidFill>
                 <a:srgbClr val="FF0000"/>
               </a:solidFill>
-              <a:latin typeface="微软雅黑"/>
-              <a:ea typeface="微软雅黑"/>
-              <a:cs typeface="微软雅黑"/>
+              <a:latin typeface="微软雅黑" panose="020B0503020204020204" charset="-122"/>
+              <a:ea typeface="微软雅黑" panose="020B0503020204020204" charset="-122"/>
+              <a:cs typeface="微软雅黑" panose="020B0503020204020204" charset="-122"/>
             </a:endParaRPr>
           </a:p>
         </p:txBody>
@@ -19286,9 +22098,9 @@
                 <a:solidFill>
                   <a:prstClr val="black"/>
                 </a:solidFill>
-                <a:latin typeface="微软雅黑"/>
-                <a:ea typeface="微软雅黑"/>
-                <a:cs typeface="微软雅黑"/>
+                <a:latin typeface="微软雅黑" panose="020B0503020204020204" charset="-122"/>
+                <a:ea typeface="微软雅黑" panose="020B0503020204020204" charset="-122"/>
+                <a:cs typeface="微软雅黑" panose="020B0503020204020204" charset="-122"/>
               </a:rPr>
               <a:t>总数据量</a:t>
             </a:r>
@@ -19297,9 +22109,9 @@
                 <a:solidFill>
                   <a:prstClr val="black"/>
                 </a:solidFill>
-                <a:latin typeface="微软雅黑"/>
-                <a:ea typeface="微软雅黑"/>
-                <a:cs typeface="微软雅黑"/>
+                <a:latin typeface="微软雅黑" panose="020B0503020204020204" charset="-122"/>
+                <a:ea typeface="微软雅黑" panose="020B0503020204020204" charset="-122"/>
+                <a:cs typeface="微软雅黑" panose="020B0503020204020204" charset="-122"/>
               </a:rPr>
               <a:t>30000</a:t>
             </a:r>
@@ -19308,9 +22120,9 @@
                 <a:solidFill>
                   <a:prstClr val="black"/>
                 </a:solidFill>
-                <a:latin typeface="微软雅黑"/>
-                <a:ea typeface="微软雅黑"/>
-                <a:cs typeface="微软雅黑"/>
+                <a:latin typeface="微软雅黑" panose="020B0503020204020204" charset="-122"/>
+                <a:ea typeface="微软雅黑" panose="020B0503020204020204" charset="-122"/>
+                <a:cs typeface="微软雅黑" panose="020B0503020204020204" charset="-122"/>
               </a:rPr>
               <a:t>条</a:t>
             </a:r>
@@ -19318,9 +22130,9 @@
               <a:solidFill>
                 <a:prstClr val="black"/>
               </a:solidFill>
-              <a:latin typeface="微软雅黑"/>
-              <a:ea typeface="微软雅黑"/>
-              <a:cs typeface="微软雅黑"/>
+              <a:latin typeface="微软雅黑" panose="020B0503020204020204" charset="-122"/>
+              <a:ea typeface="微软雅黑" panose="020B0503020204020204" charset="-122"/>
+              <a:cs typeface="微软雅黑" panose="020B0503020204020204" charset="-122"/>
             </a:endParaRPr>
           </a:p>
         </p:txBody>
@@ -19353,9 +22165,9 @@
                 <a:solidFill>
                   <a:prstClr val="black"/>
                 </a:solidFill>
-                <a:latin typeface="微软雅黑"/>
-                <a:ea typeface="微软雅黑"/>
-                <a:cs typeface="微软雅黑"/>
+                <a:latin typeface="微软雅黑" panose="020B0503020204020204" charset="-122"/>
+                <a:ea typeface="微软雅黑" panose="020B0503020204020204" charset="-122"/>
+                <a:cs typeface="微软雅黑" panose="020B0503020204020204" charset="-122"/>
               </a:rPr>
               <a:t>1</a:t>
             </a:r>
@@ -19364,9 +22176,9 @@
                 <a:solidFill>
                   <a:prstClr val="black"/>
                 </a:solidFill>
-                <a:latin typeface="微软雅黑"/>
-                <a:ea typeface="微软雅黑"/>
-                <a:cs typeface="微软雅黑"/>
+                <a:latin typeface="微软雅黑" panose="020B0503020204020204" charset="-122"/>
+                <a:ea typeface="微软雅黑" panose="020B0503020204020204" charset="-122"/>
+                <a:cs typeface="微软雅黑" panose="020B0503020204020204" charset="-122"/>
               </a:rPr>
               <a:t> </a:t>
             </a:r>
@@ -19375,9 +22187,9 @@
                 <a:solidFill>
                   <a:prstClr val="black"/>
                 </a:solidFill>
-                <a:latin typeface="微软雅黑"/>
-                <a:ea typeface="微软雅黑"/>
-                <a:cs typeface="微软雅黑"/>
+                <a:latin typeface="微软雅黑" panose="020B0503020204020204" charset="-122"/>
+                <a:ea typeface="微软雅黑" panose="020B0503020204020204" charset="-122"/>
+                <a:cs typeface="微软雅黑" panose="020B0503020204020204" charset="-122"/>
               </a:rPr>
               <a:t>~</a:t>
             </a:r>
@@ -19386,9 +22198,9 @@
                 <a:solidFill>
                   <a:prstClr val="black"/>
                 </a:solidFill>
-                <a:latin typeface="微软雅黑"/>
-                <a:ea typeface="微软雅黑"/>
-                <a:cs typeface="微软雅黑"/>
+                <a:latin typeface="微软雅黑" panose="020B0503020204020204" charset="-122"/>
+                <a:ea typeface="微软雅黑" panose="020B0503020204020204" charset="-122"/>
+                <a:cs typeface="微软雅黑" panose="020B0503020204020204" charset="-122"/>
               </a:rPr>
               <a:t> </a:t>
             </a:r>
@@ -19397,9 +22209,9 @@
                 <a:solidFill>
                   <a:prstClr val="black"/>
                 </a:solidFill>
-                <a:latin typeface="微软雅黑"/>
-                <a:ea typeface="微软雅黑"/>
-                <a:cs typeface="微软雅黑"/>
+                <a:latin typeface="微软雅黑" panose="020B0503020204020204" charset="-122"/>
+                <a:ea typeface="微软雅黑" panose="020B0503020204020204" charset="-122"/>
+                <a:cs typeface="微软雅黑" panose="020B0503020204020204" charset="-122"/>
               </a:rPr>
               <a:t>10000</a:t>
             </a:r>
@@ -19407,9 +22219,9 @@
               <a:solidFill>
                 <a:prstClr val="black"/>
               </a:solidFill>
-              <a:latin typeface="微软雅黑"/>
-              <a:ea typeface="微软雅黑"/>
-              <a:cs typeface="微软雅黑"/>
+              <a:latin typeface="微软雅黑" panose="020B0503020204020204" charset="-122"/>
+              <a:ea typeface="微软雅黑" panose="020B0503020204020204" charset="-122"/>
+              <a:cs typeface="微软雅黑" panose="020B0503020204020204" charset="-122"/>
             </a:endParaRPr>
           </a:p>
         </p:txBody>
@@ -19442,9 +22254,9 @@
                 <a:solidFill>
                   <a:prstClr val="black"/>
                 </a:solidFill>
-                <a:latin typeface="微软雅黑"/>
-                <a:ea typeface="微软雅黑"/>
-                <a:cs typeface="微软雅黑"/>
+                <a:latin typeface="微软雅黑" panose="020B0503020204020204" charset="-122"/>
+                <a:ea typeface="微软雅黑" panose="020B0503020204020204" charset="-122"/>
+                <a:cs typeface="微软雅黑" panose="020B0503020204020204" charset="-122"/>
               </a:rPr>
               <a:t>10001</a:t>
             </a:r>
@@ -19453,9 +22265,9 @@
                 <a:solidFill>
                   <a:prstClr val="black"/>
                 </a:solidFill>
-                <a:latin typeface="微软雅黑"/>
-                <a:ea typeface="微软雅黑"/>
-                <a:cs typeface="微软雅黑"/>
+                <a:latin typeface="微软雅黑" panose="020B0503020204020204" charset="-122"/>
+                <a:ea typeface="微软雅黑" panose="020B0503020204020204" charset="-122"/>
+                <a:cs typeface="微软雅黑" panose="020B0503020204020204" charset="-122"/>
               </a:rPr>
               <a:t> </a:t>
             </a:r>
@@ -19464,9 +22276,9 @@
                 <a:solidFill>
                   <a:prstClr val="black"/>
                 </a:solidFill>
-                <a:latin typeface="微软雅黑"/>
-                <a:ea typeface="微软雅黑"/>
-                <a:cs typeface="微软雅黑"/>
+                <a:latin typeface="微软雅黑" panose="020B0503020204020204" charset="-122"/>
+                <a:ea typeface="微软雅黑" panose="020B0503020204020204" charset="-122"/>
+                <a:cs typeface="微软雅黑" panose="020B0503020204020204" charset="-122"/>
               </a:rPr>
               <a:t>~</a:t>
             </a:r>
@@ -19475,9 +22287,9 @@
                 <a:solidFill>
                   <a:prstClr val="black"/>
                 </a:solidFill>
-                <a:latin typeface="微软雅黑"/>
-                <a:ea typeface="微软雅黑"/>
-                <a:cs typeface="微软雅黑"/>
+                <a:latin typeface="微软雅黑" panose="020B0503020204020204" charset="-122"/>
+                <a:ea typeface="微软雅黑" panose="020B0503020204020204" charset="-122"/>
+                <a:cs typeface="微软雅黑" panose="020B0503020204020204" charset="-122"/>
               </a:rPr>
               <a:t> </a:t>
             </a:r>
@@ -19486,9 +22298,9 @@
                 <a:solidFill>
                   <a:prstClr val="black"/>
                 </a:solidFill>
-                <a:latin typeface="微软雅黑"/>
-                <a:ea typeface="微软雅黑"/>
-                <a:cs typeface="微软雅黑"/>
+                <a:latin typeface="微软雅黑" panose="020B0503020204020204" charset="-122"/>
+                <a:ea typeface="微软雅黑" panose="020B0503020204020204" charset="-122"/>
+                <a:cs typeface="微软雅黑" panose="020B0503020204020204" charset="-122"/>
               </a:rPr>
               <a:t>2</a:t>
             </a:r>
@@ -19497,9 +22309,9 @@
                 <a:solidFill>
                   <a:prstClr val="black"/>
                 </a:solidFill>
-                <a:latin typeface="微软雅黑"/>
-                <a:ea typeface="微软雅黑"/>
-                <a:cs typeface="微软雅黑"/>
+                <a:latin typeface="微软雅黑" panose="020B0503020204020204" charset="-122"/>
+                <a:ea typeface="微软雅黑" panose="020B0503020204020204" charset="-122"/>
+                <a:cs typeface="微软雅黑" panose="020B0503020204020204" charset="-122"/>
               </a:rPr>
               <a:t>0000</a:t>
             </a:r>
@@ -19507,9 +22319,9 @@
               <a:solidFill>
                 <a:prstClr val="black"/>
               </a:solidFill>
-              <a:latin typeface="微软雅黑"/>
-              <a:ea typeface="微软雅黑"/>
-              <a:cs typeface="微软雅黑"/>
+              <a:latin typeface="微软雅黑" panose="020B0503020204020204" charset="-122"/>
+              <a:ea typeface="微软雅黑" panose="020B0503020204020204" charset="-122"/>
+              <a:cs typeface="微软雅黑" panose="020B0503020204020204" charset="-122"/>
             </a:endParaRPr>
           </a:p>
         </p:txBody>
@@ -19542,9 +22354,9 @@
                 <a:solidFill>
                   <a:srgbClr val="FF0000"/>
                 </a:solidFill>
-                <a:latin typeface="微软雅黑"/>
-                <a:ea typeface="微软雅黑"/>
-                <a:cs typeface="微软雅黑"/>
+                <a:latin typeface="微软雅黑" panose="020B0503020204020204" charset="-122"/>
+                <a:ea typeface="微软雅黑" panose="020B0503020204020204" charset="-122"/>
+                <a:cs typeface="微软雅黑" panose="020B0503020204020204" charset="-122"/>
               </a:rPr>
               <a:t>20001</a:t>
             </a:r>
@@ -19553,9 +22365,9 @@
                 <a:solidFill>
                   <a:srgbClr val="FF0000"/>
                 </a:solidFill>
-                <a:latin typeface="微软雅黑"/>
-                <a:ea typeface="微软雅黑"/>
-                <a:cs typeface="微软雅黑"/>
+                <a:latin typeface="微软雅黑" panose="020B0503020204020204" charset="-122"/>
+                <a:ea typeface="微软雅黑" panose="020B0503020204020204" charset="-122"/>
+                <a:cs typeface="微软雅黑" panose="020B0503020204020204" charset="-122"/>
               </a:rPr>
               <a:t> </a:t>
             </a:r>
@@ -19564,9 +22376,9 @@
                 <a:solidFill>
                   <a:srgbClr val="FF0000"/>
                 </a:solidFill>
-                <a:latin typeface="微软雅黑"/>
-                <a:ea typeface="微软雅黑"/>
-                <a:cs typeface="微软雅黑"/>
+                <a:latin typeface="微软雅黑" panose="020B0503020204020204" charset="-122"/>
+                <a:ea typeface="微软雅黑" panose="020B0503020204020204" charset="-122"/>
+                <a:cs typeface="微软雅黑" panose="020B0503020204020204" charset="-122"/>
               </a:rPr>
               <a:t>~</a:t>
             </a:r>
@@ -19575,9 +22387,9 @@
                 <a:solidFill>
                   <a:srgbClr val="FF0000"/>
                 </a:solidFill>
-                <a:latin typeface="微软雅黑"/>
-                <a:ea typeface="微软雅黑"/>
-                <a:cs typeface="微软雅黑"/>
+                <a:latin typeface="微软雅黑" panose="020B0503020204020204" charset="-122"/>
+                <a:ea typeface="微软雅黑" panose="020B0503020204020204" charset="-122"/>
+                <a:cs typeface="微软雅黑" panose="020B0503020204020204" charset="-122"/>
               </a:rPr>
               <a:t> </a:t>
             </a:r>
@@ -19586,9 +22398,9 @@
                 <a:solidFill>
                   <a:srgbClr val="FF0000"/>
                 </a:solidFill>
-                <a:latin typeface="微软雅黑"/>
-                <a:ea typeface="微软雅黑"/>
-                <a:cs typeface="微软雅黑"/>
+                <a:latin typeface="微软雅黑" panose="020B0503020204020204" charset="-122"/>
+                <a:ea typeface="微软雅黑" panose="020B0503020204020204" charset="-122"/>
+                <a:cs typeface="微软雅黑" panose="020B0503020204020204" charset="-122"/>
               </a:rPr>
               <a:t>30000</a:t>
             </a:r>
@@ -19596,9 +22408,9 @@
               <a:solidFill>
                 <a:srgbClr val="FF0000"/>
               </a:solidFill>
-              <a:latin typeface="微软雅黑"/>
-              <a:ea typeface="微软雅黑"/>
-              <a:cs typeface="微软雅黑"/>
+              <a:latin typeface="微软雅黑" panose="020B0503020204020204" charset="-122"/>
+              <a:ea typeface="微软雅黑" panose="020B0503020204020204" charset="-122"/>
+              <a:cs typeface="微软雅黑" panose="020B0503020204020204" charset="-122"/>
             </a:endParaRPr>
           </a:p>
         </p:txBody>
@@ -19635,9 +22447,6 @@
         </p:spPr>
         <p:txBody>
           <a:bodyPr rot="0" spcFirstLastPara="0" vertOverflow="overflow" horzOverflow="overflow" vert="horz" wrap="square" lIns="91440" tIns="45720" rIns="91440" bIns="45720" numCol="1" spcCol="0" rtlCol="0" fromWordArt="0" anchor="t" anchorCtr="0" forceAA="0" compatLnSpc="1">
-            <a:prstTxWarp prst="textNoShape">
-              <a:avLst/>
-            </a:prstTxWarp>
             <a:noAutofit/>
           </a:bodyPr>
           <a:lstStyle/>
@@ -19656,7 +22465,6 @@
               <a:buSzTx/>
               <a:buFontTx/>
               <a:buNone/>
-              <a:tabLst/>
               <a:defRPr/>
             </a:pPr>
             <a:r>
@@ -19670,12 +22478,26 @@
                 <a:effectLst/>
                 <a:uLnTx/>
                 <a:uFillTx/>
-                <a:latin typeface="Microsoft YaHei" charset="0"/>
-                <a:ea typeface="Microsoft YaHei" charset="0"/>
-                <a:cs typeface="Microsoft YaHei" charset="0"/>
+                <a:latin typeface="微软雅黑" panose="020B0503020204020204" charset="-122"/>
+                <a:ea typeface="微软雅黑" panose="020B0503020204020204" charset="-122"/>
+                <a:cs typeface="微软雅黑" panose="020B0503020204020204" charset="-122"/>
               </a:rPr>
               <a:t>意义：</a:t>
             </a:r>
+            <a:endParaRPr kumimoji="1" lang="zh-CN" altLang="en-US" sz="1600" b="0" i="0" u="none" strike="noStrike" kern="0" cap="none" spc="0" normalizeH="0" baseline="0" noProof="0" dirty="0" smtClean="0">
+              <a:ln>
+                <a:noFill/>
+              </a:ln>
+              <a:solidFill>
+                <a:srgbClr val="FF0000"/>
+              </a:solidFill>
+              <a:effectLst/>
+              <a:uLnTx/>
+              <a:uFillTx/>
+              <a:latin typeface="微软雅黑" panose="020B0503020204020204" charset="-122"/>
+              <a:ea typeface="微软雅黑" panose="020B0503020204020204" charset="-122"/>
+              <a:cs typeface="微软雅黑" panose="020B0503020204020204" charset="-122"/>
+            </a:endParaRPr>
           </a:p>
           <a:p>
             <a:pPr marL="0" marR="0" lvl="0" indent="0" defTabSz="457200" eaLnBrk="1" fontAlgn="auto" latinLnBrk="0" hangingPunct="1">
@@ -19692,7 +22514,6 @@
               <a:buSzTx/>
               <a:buFontTx/>
               <a:buNone/>
-              <a:tabLst/>
               <a:defRPr/>
             </a:pPr>
             <a:r>
@@ -19706,9 +22527,9 @@
                 <a:effectLst/>
                 <a:uLnTx/>
                 <a:uFillTx/>
-                <a:latin typeface="Microsoft YaHei" charset="0"/>
-                <a:ea typeface="Microsoft YaHei" charset="0"/>
-                <a:cs typeface="Microsoft YaHei" charset="0"/>
+                <a:latin typeface="微软雅黑" panose="020B0503020204020204" charset="-122"/>
+                <a:ea typeface="微软雅黑" panose="020B0503020204020204" charset="-122"/>
+                <a:cs typeface="微软雅黑" panose="020B0503020204020204" charset="-122"/>
               </a:rPr>
               <a:t>1</a:t>
             </a:r>
@@ -19723,12 +22544,26 @@
                 <a:effectLst/>
                 <a:uLnTx/>
                 <a:uFillTx/>
-                <a:latin typeface="Microsoft YaHei" charset="0"/>
-                <a:ea typeface="Microsoft YaHei" charset="0"/>
-                <a:cs typeface="Microsoft YaHei" charset="0"/>
+                <a:latin typeface="微软雅黑" panose="020B0503020204020204" charset="-122"/>
+                <a:ea typeface="微软雅黑" panose="020B0503020204020204" charset="-122"/>
+                <a:cs typeface="微软雅黑" panose="020B0503020204020204" charset="-122"/>
               </a:rPr>
               <a:t>、协同处理大量数据</a:t>
             </a:r>
+            <a:endParaRPr kumimoji="1" lang="zh-CN" altLang="en-US" sz="1200" b="0" i="0" u="none" strike="noStrike" kern="0" cap="none" spc="0" normalizeH="0" baseline="0" noProof="0" dirty="0" smtClean="0">
+              <a:ln>
+                <a:noFill/>
+              </a:ln>
+              <a:solidFill>
+                <a:prstClr val="black"/>
+              </a:solidFill>
+              <a:effectLst/>
+              <a:uLnTx/>
+              <a:uFillTx/>
+              <a:latin typeface="微软雅黑" panose="020B0503020204020204" charset="-122"/>
+              <a:ea typeface="微软雅黑" panose="020B0503020204020204" charset="-122"/>
+              <a:cs typeface="微软雅黑" panose="020B0503020204020204" charset="-122"/>
+            </a:endParaRPr>
           </a:p>
           <a:p>
             <a:pPr marL="0" marR="0" lvl="0" indent="0" defTabSz="457200" eaLnBrk="1" fontAlgn="auto" latinLnBrk="0" hangingPunct="1">
@@ -19745,7 +22580,6 @@
               <a:buSzTx/>
               <a:buFontTx/>
               <a:buNone/>
-              <a:tabLst/>
               <a:defRPr/>
             </a:pPr>
             <a:r>
@@ -19759,9 +22593,9 @@
                 <a:effectLst/>
                 <a:uLnTx/>
                 <a:uFillTx/>
-                <a:latin typeface="Microsoft YaHei" charset="0"/>
-                <a:ea typeface="Microsoft YaHei" charset="0"/>
-                <a:cs typeface="Microsoft YaHei" charset="0"/>
+                <a:latin typeface="微软雅黑" panose="020B0503020204020204" charset="-122"/>
+                <a:ea typeface="微软雅黑" panose="020B0503020204020204" charset="-122"/>
+                <a:cs typeface="微软雅黑" panose="020B0503020204020204" charset="-122"/>
               </a:rPr>
               <a:t>2</a:t>
             </a:r>
@@ -19776,12 +22610,26 @@
                 <a:effectLst/>
                 <a:uLnTx/>
                 <a:uFillTx/>
-                <a:latin typeface="Microsoft YaHei" charset="0"/>
-                <a:ea typeface="Microsoft YaHei" charset="0"/>
-                <a:cs typeface="Microsoft YaHei" charset="0"/>
+                <a:latin typeface="微软雅黑" panose="020B0503020204020204" charset="-122"/>
+                <a:ea typeface="微软雅黑" panose="020B0503020204020204" charset="-122"/>
+                <a:cs typeface="微软雅黑" panose="020B0503020204020204" charset="-122"/>
               </a:rPr>
               <a:t>、动态扩容，动态分片</a:t>
             </a:r>
+            <a:endParaRPr kumimoji="1" lang="zh-CN" altLang="en-US" sz="1200" b="0" i="0" u="none" strike="noStrike" kern="0" cap="none" spc="0" normalizeH="0" baseline="0" noProof="0" dirty="0" smtClean="0">
+              <a:ln>
+                <a:noFill/>
+              </a:ln>
+              <a:solidFill>
+                <a:prstClr val="black"/>
+              </a:solidFill>
+              <a:effectLst/>
+              <a:uLnTx/>
+              <a:uFillTx/>
+              <a:latin typeface="微软雅黑" panose="020B0503020204020204" charset="-122"/>
+              <a:ea typeface="微软雅黑" panose="020B0503020204020204" charset="-122"/>
+              <a:cs typeface="微软雅黑" panose="020B0503020204020204" charset="-122"/>
+            </a:endParaRPr>
           </a:p>
         </p:txBody>
       </p:sp>
@@ -19832,7 +22680,6 @@
               <a:buSzTx/>
               <a:buFontTx/>
               <a:buNone/>
-              <a:tabLst/>
               <a:defRPr/>
             </a:pPr>
             <a:r>
@@ -19846,9 +22693,9 @@
                 <a:effectLst/>
                 <a:uLnTx/>
                 <a:uFillTx/>
-                <a:latin typeface="微软雅黑"/>
-                <a:ea typeface="微软雅黑"/>
-                <a:cs typeface="微软雅黑"/>
+                <a:latin typeface="微软雅黑" panose="020B0503020204020204" charset="-122"/>
+                <a:ea typeface="微软雅黑" panose="020B0503020204020204" charset="-122"/>
+                <a:cs typeface="微软雅黑" panose="020B0503020204020204" charset="-122"/>
               </a:rPr>
               <a:t>注册中心</a:t>
             </a:r>
@@ -19862,9 +22709,8 @@
               <a:effectLst/>
               <a:uLnTx/>
               <a:uFillTx/>
-              <a:latin typeface="Calibri"/>
-              <a:ea typeface="宋体" charset="0"/>
-              <a:cs typeface=""/>
+              <a:latin typeface="Calibri" panose="020F0502020204030204"/>
+              <a:ea typeface="宋体" panose="02010600030101010101" pitchFamily="2" charset="-122"/>
             </a:endParaRPr>
           </a:p>
         </p:txBody>
@@ -19929,9 +22775,9 @@
                 <a:solidFill>
                   <a:srgbClr val="FF0000"/>
                 </a:solidFill>
-                <a:latin typeface="微软雅黑"/>
-                <a:ea typeface="微软雅黑"/>
-                <a:cs typeface="微软雅黑"/>
+                <a:latin typeface="微软雅黑" panose="020B0503020204020204" charset="-122"/>
+                <a:ea typeface="微软雅黑" panose="020B0503020204020204" charset="-122"/>
+                <a:cs typeface="微软雅黑" panose="020B0503020204020204" charset="-122"/>
               </a:rPr>
               <a:t>心跳注册</a:t>
             </a:r>
@@ -19939,19 +22785,14 @@
               <a:solidFill>
                 <a:srgbClr val="FF0000"/>
               </a:solidFill>
-              <a:latin typeface="微软雅黑"/>
-              <a:ea typeface="微软雅黑"/>
-              <a:cs typeface="微软雅黑"/>
+              <a:latin typeface="微软雅黑" panose="020B0503020204020204" charset="-122"/>
+              <a:ea typeface="微软雅黑" panose="020B0503020204020204" charset="-122"/>
+              <a:cs typeface="微软雅黑" panose="020B0503020204020204" charset="-122"/>
             </a:endParaRPr>
           </a:p>
         </p:txBody>
       </p:sp>
     </p:spTree>
-    <p:extLst>
-      <p:ext uri="{BB962C8B-B14F-4D97-AF65-F5344CB8AC3E}">
-        <p14:creationId xmlns:p14="http://schemas.microsoft.com/office/powerpoint/2010/main" val="259284420"/>
-      </p:ext>
-    </p:extLst>
   </p:cSld>
   <p:clrMapOvr>
     <a:masterClrMapping/>
@@ -20210,8 +23051,6 @@
       </a:bgFillStyleLst>
     </a:fmtScheme>
   </a:themeElements>
-  <a:objectDefaults/>
-  <a:extraClrSchemeLst/>
   <a:extLst>
     <a:ext uri="{05A4C25C-085E-4340-85A3-A5531E510DB2}">
       <thm15:themeFamily xmlns:thm15="http://schemas.microsoft.com/office/thememl/2012/main" name="Office Theme" id="{62F939B6-93AF-4DB8-9C6B-D6C7DFDC589F}" vid="{4A3C46E8-61CC-4603-A589-7422A47A8E4A}"/>
@@ -20471,8 +23310,6 @@
       </a:bgFillStyleLst>
     </a:fmtScheme>
   </a:themeElements>
-  <a:objectDefaults/>
-  <a:extraClrSchemeLst/>
   <a:extLst>
     <a:ext uri="{05A4C25C-085E-4340-85A3-A5531E510DB2}">
       <thm15:themeFamily xmlns:thm15="http://schemas.microsoft.com/office/thememl/2012/main" name="Office Theme" id="{62F939B6-93AF-4DB8-9C6B-D6C7DFDC589F}" vid="{4A3C46E8-61CC-4603-A589-7422A47A8E4A}"/>

--- a/doc/XXL-JOB架构图.pptx
+++ b/doc/XXL-JOB架构图.pptx
@@ -1,21 +1,22 @@
 
 <file path=ppt/presentation.xml><?xml version="1.0" encoding="utf-8"?>
-<p:presentation xmlns:a="http://schemas.openxmlformats.org/drawingml/2006/main" xmlns:r="http://schemas.openxmlformats.org/officeDocument/2006/relationships" xmlns:p="http://schemas.openxmlformats.org/presentationml/2006/main">
+<p:presentation xmlns:a="http://schemas.openxmlformats.org/drawingml/2006/main" xmlns:r="http://schemas.openxmlformats.org/officeDocument/2006/relationships" xmlns:p="http://schemas.openxmlformats.org/presentationml/2006/main" saveSubsetFonts="1">
   <p:sldMasterIdLst>
     <p:sldMasterId id="2147483648" r:id="rId1"/>
   </p:sldMasterIdLst>
   <p:notesMasterIdLst>
-    <p:notesMasterId r:id="rId5"/>
+    <p:notesMasterId r:id="rId11"/>
   </p:notesMasterIdLst>
   <p:sldIdLst>
-    <p:sldId id="259" r:id="rId3"/>
-    <p:sldId id="258" r:id="rId4"/>
-    <p:sldId id="260" r:id="rId6"/>
-    <p:sldId id="261" r:id="rId7"/>
-    <p:sldId id="262" r:id="rId8"/>
-    <p:sldId id="264" r:id="rId9"/>
-    <p:sldId id="266" r:id="rId10"/>
-    <p:sldId id="263" r:id="rId11"/>
+    <p:sldId id="259" r:id="rId2"/>
+    <p:sldId id="258" r:id="rId3"/>
+    <p:sldId id="260" r:id="rId4"/>
+    <p:sldId id="261" r:id="rId5"/>
+    <p:sldId id="262" r:id="rId6"/>
+    <p:sldId id="264" r:id="rId7"/>
+    <p:sldId id="266" r:id="rId8"/>
+    <p:sldId id="267" r:id="rId9"/>
+    <p:sldId id="263" r:id="rId10"/>
   </p:sldIdLst>
   <p:sldSz cx="12192000" cy="6858000"/>
   <p:notesSz cx="6858000" cy="9144000"/>
@@ -114,6 +115,11 @@
       </a:defRPr>
     </a:lvl9pPr>
   </p:defaultTextStyle>
+  <p:extLst>
+    <p:ext uri="{EFAFB233-063F-42B5-8137-9DF3F51BA10A}">
+      <p15:sldGuideLst xmlns:p15="http://schemas.microsoft.com/office/powerpoint/2012/main"/>
+    </p:ext>
+  </p:extLst>
 </p:presentation>
 </file>
 
@@ -199,6 +205,7 @@
           <a:p>
             <a:fld id="{D2A48B96-639E-45A3-A0BA-2464DFDB1FAA}" type="datetimeFigureOut">
               <a:rPr lang="zh-CN" altLang="en-US" smtClean="0"/>
+              <a:t>2018/11/2</a:t>
             </a:fld>
             <a:endParaRPr lang="zh-CN" altLang="en-US"/>
           </a:p>
@@ -265,7 +272,6 @@
               <a:rPr lang="zh-CN" altLang="en-US" smtClean="0"/>
               <a:t>单击此处编辑母版文本样式</a:t>
             </a:r>
-            <a:endParaRPr lang="zh-CN" altLang="en-US" smtClean="0"/>
           </a:p>
           <a:p>
             <a:pPr lvl="1"/>
@@ -273,7 +279,6 @@
               <a:rPr lang="zh-CN" altLang="en-US" smtClean="0"/>
               <a:t>第二级</a:t>
             </a:r>
-            <a:endParaRPr lang="zh-CN" altLang="en-US" smtClean="0"/>
           </a:p>
           <a:p>
             <a:pPr lvl="2"/>
@@ -281,7 +286,6 @@
               <a:rPr lang="zh-CN" altLang="en-US" smtClean="0"/>
               <a:t>第三级</a:t>
             </a:r>
-            <a:endParaRPr lang="zh-CN" altLang="en-US" smtClean="0"/>
           </a:p>
           <a:p>
             <a:pPr lvl="3"/>
@@ -289,7 +293,6 @@
               <a:rPr lang="zh-CN" altLang="en-US" smtClean="0"/>
               <a:t>第四级</a:t>
             </a:r>
-            <a:endParaRPr lang="zh-CN" altLang="en-US" smtClean="0"/>
           </a:p>
           <a:p>
             <a:pPr lvl="4"/>
@@ -361,12 +364,18 @@
           <a:p>
             <a:fld id="{A6837353-30EB-4A48-80EB-173D804AEFBD}" type="slidenum">
               <a:rPr lang="zh-CN" altLang="en-US" smtClean="0"/>
+              <a:t>‹#›</a:t>
             </a:fld>
             <a:endParaRPr lang="zh-CN" altLang="en-US"/>
           </a:p>
         </p:txBody>
       </p:sp>
     </p:spTree>
+    <p:extLst>
+      <p:ext uri="{BB962C8B-B14F-4D97-AF65-F5344CB8AC3E}">
+        <p14:creationId xmlns:p14="http://schemas.microsoft.com/office/powerpoint/2010/main" val="1753989497"/>
+      </p:ext>
+    </p:extLst>
   </p:cSld>
   <p:clrMap bg1="lt1" tx1="dk1" bg2="lt2" tx2="dk2" accent1="accent1" accent2="accent2" accent3="accent3" accent4="accent4" accent5="accent5" accent6="accent6" hlink="hlink" folHlink="folHlink"/>
   <p:notesStyle>
@@ -513,6 +522,11 @@
         </p:txBody>
       </p:sp>
     </p:spTree>
+    <p:extLst>
+      <p:ext uri="{BB962C8B-B14F-4D97-AF65-F5344CB8AC3E}">
+        <p14:creationId xmlns:p14="http://schemas.microsoft.com/office/powerpoint/2010/main" val="793453710"/>
+      </p:ext>
+    </p:extLst>
   </p:cSld>
   <p:clrMapOvr>
     <a:masterClrMapping/>
@@ -585,12 +599,18 @@
           <a:p>
             <a:fld id="{A6837353-30EB-4A48-80EB-173D804AEFBD}" type="slidenum">
               <a:rPr lang="zh-CN" altLang="en-US" smtClean="0"/>
+              <a:t>3</a:t>
             </a:fld>
             <a:endParaRPr lang="zh-CN" altLang="en-US"/>
           </a:p>
         </p:txBody>
       </p:sp>
     </p:spTree>
+    <p:extLst>
+      <p:ext uri="{BB962C8B-B14F-4D97-AF65-F5344CB8AC3E}">
+        <p14:creationId xmlns:p14="http://schemas.microsoft.com/office/powerpoint/2010/main" val="1850539747"/>
+      </p:ext>
+    </p:extLst>
   </p:cSld>
   <p:clrMapOvr>
     <a:masterClrMapping/>
@@ -831,12 +851,18 @@
           <a:p>
             <a:fld id="{80DF3984-D036-8146-80F3-60605DE9315C}" type="slidenum">
               <a:rPr lang="zh-CN" altLang="en-US" sz="1200"/>
+              <a:t>4</a:t>
             </a:fld>
             <a:endParaRPr lang="zh-CN" altLang="en-US" sz="1200"/>
           </a:p>
         </p:txBody>
       </p:sp>
     </p:spTree>
+    <p:extLst>
+      <p:ext uri="{BB962C8B-B14F-4D97-AF65-F5344CB8AC3E}">
+        <p14:creationId xmlns:p14="http://schemas.microsoft.com/office/powerpoint/2010/main" val="15868328"/>
+      </p:ext>
+    </p:extLst>
   </p:cSld>
   <p:clrMapOvr>
     <a:masterClrMapping/>
@@ -1077,12 +1103,18 @@
           <a:p>
             <a:fld id="{80DF3984-D036-8146-80F3-60605DE9315C}" type="slidenum">
               <a:rPr lang="zh-CN" altLang="en-US" sz="1200"/>
+              <a:t>5</a:t>
             </a:fld>
             <a:endParaRPr lang="zh-CN" altLang="en-US" sz="1200"/>
           </a:p>
         </p:txBody>
       </p:sp>
     </p:spTree>
+    <p:extLst>
+      <p:ext uri="{BB962C8B-B14F-4D97-AF65-F5344CB8AC3E}">
+        <p14:creationId xmlns:p14="http://schemas.microsoft.com/office/powerpoint/2010/main" val="411016468"/>
+      </p:ext>
+    </p:extLst>
   </p:cSld>
   <p:clrMapOvr>
     <a:masterClrMapping/>
@@ -1323,12 +1355,18 @@
           <a:p>
             <a:fld id="{80DF3984-D036-8146-80F3-60605DE9315C}" type="slidenum">
               <a:rPr lang="zh-CN" altLang="en-US" sz="1200"/>
+              <a:t>6</a:t>
             </a:fld>
             <a:endParaRPr lang="zh-CN" altLang="en-US" sz="1200"/>
           </a:p>
         </p:txBody>
       </p:sp>
     </p:spTree>
+    <p:extLst>
+      <p:ext uri="{BB962C8B-B14F-4D97-AF65-F5344CB8AC3E}">
+        <p14:creationId xmlns:p14="http://schemas.microsoft.com/office/powerpoint/2010/main" val="1646368924"/>
+      </p:ext>
+    </p:extLst>
   </p:cSld>
   <p:clrMapOvr>
     <a:masterClrMapping/>
@@ -1569,12 +1607,270 @@
           <a:p>
             <a:fld id="{80DF3984-D036-8146-80F3-60605DE9315C}" type="slidenum">
               <a:rPr lang="zh-CN" altLang="en-US" sz="1200"/>
+              <a:t>7</a:t>
             </a:fld>
             <a:endParaRPr lang="zh-CN" altLang="en-US" sz="1200"/>
           </a:p>
         </p:txBody>
       </p:sp>
     </p:spTree>
+    <p:extLst>
+      <p:ext uri="{BB962C8B-B14F-4D97-AF65-F5344CB8AC3E}">
+        <p14:creationId xmlns:p14="http://schemas.microsoft.com/office/powerpoint/2010/main" val="195714073"/>
+      </p:ext>
+    </p:extLst>
+  </p:cSld>
+  <p:clrMapOvr>
+    <a:masterClrMapping/>
+  </p:clrMapOvr>
+</p:notes>
+</file>
+
+<file path=ppt/notesSlides/notesSlide7.xml><?xml version="1.0" encoding="utf-8"?>
+<p:notes xmlns:a="http://schemas.openxmlformats.org/drawingml/2006/main" xmlns:r="http://schemas.openxmlformats.org/officeDocument/2006/relationships" xmlns:p="http://schemas.openxmlformats.org/presentationml/2006/main">
+  <p:cSld>
+    <p:spTree>
+      <p:nvGrpSpPr>
+        <p:cNvPr id="1" name=""/>
+        <p:cNvGrpSpPr/>
+        <p:nvPr/>
+      </p:nvGrpSpPr>
+      <p:grpSpPr>
+        <a:xfrm>
+          <a:off x="0" y="0"/>
+          <a:ext cx="0" cy="0"/>
+          <a:chOff x="0" y="0"/>
+          <a:chExt cx="0" cy="0"/>
+        </a:xfrm>
+      </p:grpSpPr>
+      <p:sp>
+        <p:nvSpPr>
+          <p:cNvPr id="8193" name="幻灯片图像占位符 1"/>
+          <p:cNvSpPr>
+            <a:spLocks noGrp="1" noRot="1" noChangeAspect="1" noTextEdit="1"/>
+          </p:cNvSpPr>
+          <p:nvPr>
+            <p:ph type="sldImg"/>
+          </p:nvPr>
+        </p:nvSpPr>
+        <p:spPr bwMode="auto">
+          <a:noFill/>
+          <a:ln>
+            <a:solidFill>
+              <a:srgbClr val="000000"/>
+            </a:solidFill>
+            <a:miter lim="800000"/>
+          </a:ln>
+          <a:extLst>
+            <a:ext uri="{909E8E84-426E-40DD-AFC4-6F175D3DCCD1}">
+              <a14:hiddenFill xmlns:a14="http://schemas.microsoft.com/office/drawing/2010/main">
+                <a:solidFill>
+                  <a:srgbClr val="FFFFFF"/>
+                </a:solidFill>
+              </a14:hiddenFill>
+            </a:ext>
+          </a:extLst>
+        </p:spPr>
+      </p:sp>
+      <p:sp>
+        <p:nvSpPr>
+          <p:cNvPr id="8194" name="备注占位符 2"/>
+          <p:cNvSpPr>
+            <a:spLocks noGrp="1"/>
+          </p:cNvSpPr>
+          <p:nvPr>
+            <p:ph type="body" idx="1"/>
+          </p:nvPr>
+        </p:nvSpPr>
+        <p:spPr bwMode="auto">
+          <a:noFill/>
+          <a:extLst>
+            <a:ext uri="{909E8E84-426E-40DD-AFC4-6F175D3DCCD1}">
+              <a14:hiddenFill xmlns:a14="http://schemas.microsoft.com/office/drawing/2010/main">
+                <a:solidFill>
+                  <a:srgbClr val="FFFFFF"/>
+                </a:solidFill>
+              </a14:hiddenFill>
+            </a:ext>
+            <a:ext uri="{91240B29-F687-4F45-9708-019B960494DF}">
+              <a14:hiddenLine xmlns:a14="http://schemas.microsoft.com/office/drawing/2010/main" w="9525">
+                <a:solidFill>
+                  <a:srgbClr val="000000"/>
+                </a:solidFill>
+                <a:miter lim="800000"/>
+                <a:headEnd/>
+                <a:tailEnd/>
+              </a14:hiddenLine>
+            </a:ext>
+          </a:extLst>
+        </p:spPr>
+        <p:txBody>
+          <a:bodyPr/>
+          <a:lstStyle/>
+          <a:p>
+            <a:endParaRPr kumimoji="0" lang="zh-CN" altLang="en-US" dirty="0">
+              <a:latin typeface="Arial" panose="020B0604020202020204" pitchFamily="34" charset="0"/>
+              <a:ea typeface="MS PGothic" panose="020B0600070205080204" charset="-128"/>
+            </a:endParaRPr>
+          </a:p>
+        </p:txBody>
+      </p:sp>
+      <p:sp>
+        <p:nvSpPr>
+          <p:cNvPr id="8195" name="灯片编号占位符 3"/>
+          <p:cNvSpPr>
+            <a:spLocks noGrp="1"/>
+          </p:cNvSpPr>
+          <p:nvPr>
+            <p:ph type="sldNum" sz="quarter" idx="5"/>
+          </p:nvPr>
+        </p:nvSpPr>
+        <p:spPr bwMode="auto">
+          <a:noFill/>
+          <a:extLst>
+            <a:ext uri="{909E8E84-426E-40DD-AFC4-6F175D3DCCD1}">
+              <a14:hiddenFill xmlns:a14="http://schemas.microsoft.com/office/drawing/2010/main">
+                <a:solidFill>
+                  <a:srgbClr val="FFFFFF"/>
+                </a:solidFill>
+              </a14:hiddenFill>
+            </a:ext>
+            <a:ext uri="{91240B29-F687-4F45-9708-019B960494DF}">
+              <a14:hiddenLine xmlns:a14="http://schemas.microsoft.com/office/drawing/2010/main" w="9525">
+                <a:solidFill>
+                  <a:srgbClr val="000000"/>
+                </a:solidFill>
+                <a:miter lim="800000"/>
+                <a:headEnd/>
+                <a:tailEnd/>
+              </a14:hiddenLine>
+            </a:ext>
+          </a:extLst>
+        </p:spPr>
+        <p:txBody>
+          <a:bodyPr/>
+          <a:lstStyle>
+            <a:lvl1pPr>
+              <a:defRPr sz="2400">
+                <a:solidFill>
+                  <a:schemeClr val="tx1"/>
+                </a:solidFill>
+                <a:latin typeface="Arial" panose="020B0604020202020204" pitchFamily="34" charset="0"/>
+                <a:ea typeface="宋体" panose="02010600030101010101" pitchFamily="2" charset="-122"/>
+              </a:defRPr>
+            </a:lvl1pPr>
+            <a:lvl2pPr marL="742950" indent="-285750">
+              <a:defRPr sz="2400">
+                <a:solidFill>
+                  <a:schemeClr val="tx1"/>
+                </a:solidFill>
+                <a:latin typeface="Arial" panose="020B0604020202020204" pitchFamily="34" charset="0"/>
+                <a:ea typeface="宋体" panose="02010600030101010101" pitchFamily="2" charset="-122"/>
+              </a:defRPr>
+            </a:lvl2pPr>
+            <a:lvl3pPr marL="1143000" indent="-228600">
+              <a:defRPr sz="2400">
+                <a:solidFill>
+                  <a:schemeClr val="tx1"/>
+                </a:solidFill>
+                <a:latin typeface="Arial" panose="020B0604020202020204" pitchFamily="34" charset="0"/>
+                <a:ea typeface="宋体" panose="02010600030101010101" pitchFamily="2" charset="-122"/>
+              </a:defRPr>
+            </a:lvl3pPr>
+            <a:lvl4pPr marL="1600200" indent="-228600">
+              <a:defRPr sz="2400">
+                <a:solidFill>
+                  <a:schemeClr val="tx1"/>
+                </a:solidFill>
+                <a:latin typeface="Arial" panose="020B0604020202020204" pitchFamily="34" charset="0"/>
+                <a:ea typeface="宋体" panose="02010600030101010101" pitchFamily="2" charset="-122"/>
+              </a:defRPr>
+            </a:lvl4pPr>
+            <a:lvl5pPr marL="2057400" indent="-228600">
+              <a:defRPr sz="2400">
+                <a:solidFill>
+                  <a:schemeClr val="tx1"/>
+                </a:solidFill>
+                <a:latin typeface="Arial" panose="020B0604020202020204" pitchFamily="34" charset="0"/>
+                <a:ea typeface="宋体" panose="02010600030101010101" pitchFamily="2" charset="-122"/>
+              </a:defRPr>
+            </a:lvl5pPr>
+            <a:lvl6pPr marL="2514600" indent="-228600" eaLnBrk="0" fontAlgn="base" hangingPunct="0">
+              <a:spcBef>
+                <a:spcPct val="0"/>
+              </a:spcBef>
+              <a:spcAft>
+                <a:spcPct val="0"/>
+              </a:spcAft>
+              <a:defRPr sz="2400">
+                <a:solidFill>
+                  <a:schemeClr val="tx1"/>
+                </a:solidFill>
+                <a:latin typeface="Arial" panose="020B0604020202020204" pitchFamily="34" charset="0"/>
+                <a:ea typeface="宋体" panose="02010600030101010101" pitchFamily="2" charset="-122"/>
+              </a:defRPr>
+            </a:lvl6pPr>
+            <a:lvl7pPr marL="2971800" indent="-228600" eaLnBrk="0" fontAlgn="base" hangingPunct="0">
+              <a:spcBef>
+                <a:spcPct val="0"/>
+              </a:spcBef>
+              <a:spcAft>
+                <a:spcPct val="0"/>
+              </a:spcAft>
+              <a:defRPr sz="2400">
+                <a:solidFill>
+                  <a:schemeClr val="tx1"/>
+                </a:solidFill>
+                <a:latin typeface="Arial" panose="020B0604020202020204" pitchFamily="34" charset="0"/>
+                <a:ea typeface="宋体" panose="02010600030101010101" pitchFamily="2" charset="-122"/>
+              </a:defRPr>
+            </a:lvl7pPr>
+            <a:lvl8pPr marL="3429000" indent="-228600" eaLnBrk="0" fontAlgn="base" hangingPunct="0">
+              <a:spcBef>
+                <a:spcPct val="0"/>
+              </a:spcBef>
+              <a:spcAft>
+                <a:spcPct val="0"/>
+              </a:spcAft>
+              <a:defRPr sz="2400">
+                <a:solidFill>
+                  <a:schemeClr val="tx1"/>
+                </a:solidFill>
+                <a:latin typeface="Arial" panose="020B0604020202020204" pitchFamily="34" charset="0"/>
+                <a:ea typeface="宋体" panose="02010600030101010101" pitchFamily="2" charset="-122"/>
+              </a:defRPr>
+            </a:lvl8pPr>
+            <a:lvl9pPr marL="3886200" indent="-228600" eaLnBrk="0" fontAlgn="base" hangingPunct="0">
+              <a:spcBef>
+                <a:spcPct val="0"/>
+              </a:spcBef>
+              <a:spcAft>
+                <a:spcPct val="0"/>
+              </a:spcAft>
+              <a:defRPr sz="2400">
+                <a:solidFill>
+                  <a:schemeClr val="tx1"/>
+                </a:solidFill>
+                <a:latin typeface="Arial" panose="020B0604020202020204" pitchFamily="34" charset="0"/>
+                <a:ea typeface="宋体" panose="02010600030101010101" pitchFamily="2" charset="-122"/>
+              </a:defRPr>
+            </a:lvl9pPr>
+          </a:lstStyle>
+          <a:p>
+            <a:fld id="{80DF3984-D036-8146-80F3-60605DE9315C}" type="slidenum">
+              <a:rPr lang="zh-CN" altLang="en-US" sz="1200"/>
+              <a:t>8</a:t>
+            </a:fld>
+            <a:endParaRPr lang="zh-CN" altLang="en-US" sz="1200"/>
+          </a:p>
+        </p:txBody>
+      </p:sp>
+    </p:spTree>
+    <p:extLst>
+      <p:ext uri="{BB962C8B-B14F-4D97-AF65-F5344CB8AC3E}">
+        <p14:creationId xmlns:p14="http://schemas.microsoft.com/office/powerpoint/2010/main" val="879406952"/>
+      </p:ext>
+    </p:extLst>
   </p:cSld>
   <p:clrMapOvr>
     <a:masterClrMapping/>
@@ -1713,6 +2009,7 @@
           <a:p>
             <a:fld id="{D997B5FA-0921-464F-AAE1-844C04324D75}" type="datetimeFigureOut">
               <a:rPr lang="zh-CN" altLang="en-US" smtClean="0"/>
+              <a:t>2018/11/2</a:t>
             </a:fld>
             <a:endParaRPr lang="zh-CN" altLang="en-US"/>
           </a:p>
@@ -1754,6 +2051,7 @@
           <a:p>
             <a:fld id="{565CE74E-AB26-4998-AD42-012C4C1AD076}" type="slidenum">
               <a:rPr lang="zh-CN" altLang="en-US" smtClean="0"/>
+              <a:t>‹#›</a:t>
             </a:fld>
             <a:endParaRPr lang="zh-CN" altLang="en-US"/>
           </a:p>
@@ -1827,7 +2125,6 @@
               <a:rPr lang="zh-CN" altLang="en-US" smtClean="0"/>
               <a:t>单击此处编辑母版文本样式</a:t>
             </a:r>
-            <a:endParaRPr lang="zh-CN" altLang="en-US" smtClean="0"/>
           </a:p>
           <a:p>
             <a:pPr lvl="1"/>
@@ -1835,7 +2132,6 @@
               <a:rPr lang="zh-CN" altLang="en-US" smtClean="0"/>
               <a:t>第二级</a:t>
             </a:r>
-            <a:endParaRPr lang="zh-CN" altLang="en-US" smtClean="0"/>
           </a:p>
           <a:p>
             <a:pPr lvl="2"/>
@@ -1843,7 +2139,6 @@
               <a:rPr lang="zh-CN" altLang="en-US" smtClean="0"/>
               <a:t>第三级</a:t>
             </a:r>
-            <a:endParaRPr lang="zh-CN" altLang="en-US" smtClean="0"/>
           </a:p>
           <a:p>
             <a:pPr lvl="3"/>
@@ -1851,7 +2146,6 @@
               <a:rPr lang="zh-CN" altLang="en-US" smtClean="0"/>
               <a:t>第四级</a:t>
             </a:r>
-            <a:endParaRPr lang="zh-CN" altLang="en-US" smtClean="0"/>
           </a:p>
           <a:p>
             <a:pPr lvl="4"/>
@@ -1880,6 +2174,7 @@
           <a:p>
             <a:fld id="{D997B5FA-0921-464F-AAE1-844C04324D75}" type="datetimeFigureOut">
               <a:rPr lang="zh-CN" altLang="en-US" smtClean="0"/>
+              <a:t>2018/11/2</a:t>
             </a:fld>
             <a:endParaRPr lang="zh-CN" altLang="en-US"/>
           </a:p>
@@ -1921,6 +2216,7 @@
           <a:p>
             <a:fld id="{565CE74E-AB26-4998-AD42-012C4C1AD076}" type="slidenum">
               <a:rPr lang="zh-CN" altLang="en-US" smtClean="0"/>
+              <a:t>‹#›</a:t>
             </a:fld>
             <a:endParaRPr lang="zh-CN" altLang="en-US"/>
           </a:p>
@@ -2004,7 +2300,6 @@
               <a:rPr lang="zh-CN" altLang="en-US" smtClean="0"/>
               <a:t>单击此处编辑母版文本样式</a:t>
             </a:r>
-            <a:endParaRPr lang="zh-CN" altLang="en-US" smtClean="0"/>
           </a:p>
           <a:p>
             <a:pPr lvl="1"/>
@@ -2012,7 +2307,6 @@
               <a:rPr lang="zh-CN" altLang="en-US" smtClean="0"/>
               <a:t>第二级</a:t>
             </a:r>
-            <a:endParaRPr lang="zh-CN" altLang="en-US" smtClean="0"/>
           </a:p>
           <a:p>
             <a:pPr lvl="2"/>
@@ -2020,7 +2314,6 @@
               <a:rPr lang="zh-CN" altLang="en-US" smtClean="0"/>
               <a:t>第三级</a:t>
             </a:r>
-            <a:endParaRPr lang="zh-CN" altLang="en-US" smtClean="0"/>
           </a:p>
           <a:p>
             <a:pPr lvl="3"/>
@@ -2028,7 +2321,6 @@
               <a:rPr lang="zh-CN" altLang="en-US" smtClean="0"/>
               <a:t>第四级</a:t>
             </a:r>
-            <a:endParaRPr lang="zh-CN" altLang="en-US" smtClean="0"/>
           </a:p>
           <a:p>
             <a:pPr lvl="4"/>
@@ -2057,6 +2349,7 @@
           <a:p>
             <a:fld id="{D997B5FA-0921-464F-AAE1-844C04324D75}" type="datetimeFigureOut">
               <a:rPr lang="zh-CN" altLang="en-US" smtClean="0"/>
+              <a:t>2018/11/2</a:t>
             </a:fld>
             <a:endParaRPr lang="zh-CN" altLang="en-US"/>
           </a:p>
@@ -2098,6 +2391,7 @@
           <a:p>
             <a:fld id="{565CE74E-AB26-4998-AD42-012C4C1AD076}" type="slidenum">
               <a:rPr lang="zh-CN" altLang="en-US" smtClean="0"/>
+              <a:t>‹#›</a:t>
             </a:fld>
             <a:endParaRPr lang="zh-CN" altLang="en-US"/>
           </a:p>
@@ -2171,7 +2465,6 @@
               <a:rPr lang="zh-CN" altLang="en-US" smtClean="0"/>
               <a:t>单击此处编辑母版文本样式</a:t>
             </a:r>
-            <a:endParaRPr lang="zh-CN" altLang="en-US" smtClean="0"/>
           </a:p>
           <a:p>
             <a:pPr lvl="1"/>
@@ -2179,7 +2472,6 @@
               <a:rPr lang="zh-CN" altLang="en-US" smtClean="0"/>
               <a:t>第二级</a:t>
             </a:r>
-            <a:endParaRPr lang="zh-CN" altLang="en-US" smtClean="0"/>
           </a:p>
           <a:p>
             <a:pPr lvl="2"/>
@@ -2187,7 +2479,6 @@
               <a:rPr lang="zh-CN" altLang="en-US" smtClean="0"/>
               <a:t>第三级</a:t>
             </a:r>
-            <a:endParaRPr lang="zh-CN" altLang="en-US" smtClean="0"/>
           </a:p>
           <a:p>
             <a:pPr lvl="3"/>
@@ -2195,7 +2486,6 @@
               <a:rPr lang="zh-CN" altLang="en-US" smtClean="0"/>
               <a:t>第四级</a:t>
             </a:r>
-            <a:endParaRPr lang="zh-CN" altLang="en-US" smtClean="0"/>
           </a:p>
           <a:p>
             <a:pPr lvl="4"/>
@@ -2224,6 +2514,7 @@
           <a:p>
             <a:fld id="{D997B5FA-0921-464F-AAE1-844C04324D75}" type="datetimeFigureOut">
               <a:rPr lang="zh-CN" altLang="en-US" smtClean="0"/>
+              <a:t>2018/11/2</a:t>
             </a:fld>
             <a:endParaRPr lang="zh-CN" altLang="en-US"/>
           </a:p>
@@ -2265,6 +2556,7 @@
           <a:p>
             <a:fld id="{565CE74E-AB26-4998-AD42-012C4C1AD076}" type="slidenum">
               <a:rPr lang="zh-CN" altLang="en-US" smtClean="0"/>
+              <a:t>‹#›</a:t>
             </a:fld>
             <a:endParaRPr lang="zh-CN" altLang="en-US"/>
           </a:p>
@@ -2443,7 +2735,6 @@
               <a:rPr lang="zh-CN" altLang="en-US" smtClean="0"/>
               <a:t>单击此处编辑母版文本样式</a:t>
             </a:r>
-            <a:endParaRPr lang="zh-CN" altLang="en-US" smtClean="0"/>
           </a:p>
         </p:txBody>
       </p:sp>
@@ -2464,6 +2755,7 @@
           <a:p>
             <a:fld id="{D997B5FA-0921-464F-AAE1-844C04324D75}" type="datetimeFigureOut">
               <a:rPr lang="zh-CN" altLang="en-US" smtClean="0"/>
+              <a:t>2018/11/2</a:t>
             </a:fld>
             <a:endParaRPr lang="zh-CN" altLang="en-US"/>
           </a:p>
@@ -2505,6 +2797,7 @@
           <a:p>
             <a:fld id="{565CE74E-AB26-4998-AD42-012C4C1AD076}" type="slidenum">
               <a:rPr lang="zh-CN" altLang="en-US" smtClean="0"/>
+              <a:t>‹#›</a:t>
             </a:fld>
             <a:endParaRPr lang="zh-CN" altLang="en-US"/>
           </a:p>
@@ -2583,7 +2876,6 @@
               <a:rPr lang="zh-CN" altLang="en-US" smtClean="0"/>
               <a:t>单击此处编辑母版文本样式</a:t>
             </a:r>
-            <a:endParaRPr lang="zh-CN" altLang="en-US" smtClean="0"/>
           </a:p>
           <a:p>
             <a:pPr lvl="1"/>
@@ -2591,7 +2883,6 @@
               <a:rPr lang="zh-CN" altLang="en-US" smtClean="0"/>
               <a:t>第二级</a:t>
             </a:r>
-            <a:endParaRPr lang="zh-CN" altLang="en-US" smtClean="0"/>
           </a:p>
           <a:p>
             <a:pPr lvl="2"/>
@@ -2599,7 +2890,6 @@
               <a:rPr lang="zh-CN" altLang="en-US" smtClean="0"/>
               <a:t>第三级</a:t>
             </a:r>
-            <a:endParaRPr lang="zh-CN" altLang="en-US" smtClean="0"/>
           </a:p>
           <a:p>
             <a:pPr lvl="3"/>
@@ -2607,7 +2897,6 @@
               <a:rPr lang="zh-CN" altLang="en-US" smtClean="0"/>
               <a:t>第四级</a:t>
             </a:r>
-            <a:endParaRPr lang="zh-CN" altLang="en-US" smtClean="0"/>
           </a:p>
           <a:p>
             <a:pPr lvl="4"/>
@@ -2644,7 +2933,6 @@
               <a:rPr lang="zh-CN" altLang="en-US" smtClean="0"/>
               <a:t>单击此处编辑母版文本样式</a:t>
             </a:r>
-            <a:endParaRPr lang="zh-CN" altLang="en-US" smtClean="0"/>
           </a:p>
           <a:p>
             <a:pPr lvl="1"/>
@@ -2652,7 +2940,6 @@
               <a:rPr lang="zh-CN" altLang="en-US" smtClean="0"/>
               <a:t>第二级</a:t>
             </a:r>
-            <a:endParaRPr lang="zh-CN" altLang="en-US" smtClean="0"/>
           </a:p>
           <a:p>
             <a:pPr lvl="2"/>
@@ -2660,7 +2947,6 @@
               <a:rPr lang="zh-CN" altLang="en-US" smtClean="0"/>
               <a:t>第三级</a:t>
             </a:r>
-            <a:endParaRPr lang="zh-CN" altLang="en-US" smtClean="0"/>
           </a:p>
           <a:p>
             <a:pPr lvl="3"/>
@@ -2668,7 +2954,6 @@
               <a:rPr lang="zh-CN" altLang="en-US" smtClean="0"/>
               <a:t>第四级</a:t>
             </a:r>
-            <a:endParaRPr lang="zh-CN" altLang="en-US" smtClean="0"/>
           </a:p>
           <a:p>
             <a:pPr lvl="4"/>
@@ -2697,6 +2982,7 @@
           <a:p>
             <a:fld id="{D997B5FA-0921-464F-AAE1-844C04324D75}" type="datetimeFigureOut">
               <a:rPr lang="zh-CN" altLang="en-US" smtClean="0"/>
+              <a:t>2018/11/2</a:t>
             </a:fld>
             <a:endParaRPr lang="zh-CN" altLang="en-US"/>
           </a:p>
@@ -2738,6 +3024,7 @@
           <a:p>
             <a:fld id="{565CE74E-AB26-4998-AD42-012C4C1AD076}" type="slidenum">
               <a:rPr lang="zh-CN" altLang="en-US" smtClean="0"/>
+              <a:t>‹#›</a:t>
             </a:fld>
             <a:endParaRPr lang="zh-CN" altLang="en-US"/>
           </a:p>
@@ -2858,7 +3145,6 @@
               <a:rPr lang="zh-CN" altLang="en-US" smtClean="0"/>
               <a:t>单击此处编辑母版文本样式</a:t>
             </a:r>
-            <a:endParaRPr lang="zh-CN" altLang="en-US" smtClean="0"/>
           </a:p>
         </p:txBody>
       </p:sp>
@@ -2887,7 +3173,6 @@
               <a:rPr lang="zh-CN" altLang="en-US" smtClean="0"/>
               <a:t>单击此处编辑母版文本样式</a:t>
             </a:r>
-            <a:endParaRPr lang="zh-CN" altLang="en-US" smtClean="0"/>
           </a:p>
           <a:p>
             <a:pPr lvl="1"/>
@@ -2895,7 +3180,6 @@
               <a:rPr lang="zh-CN" altLang="en-US" smtClean="0"/>
               <a:t>第二级</a:t>
             </a:r>
-            <a:endParaRPr lang="zh-CN" altLang="en-US" smtClean="0"/>
           </a:p>
           <a:p>
             <a:pPr lvl="2"/>
@@ -2903,7 +3187,6 @@
               <a:rPr lang="zh-CN" altLang="en-US" smtClean="0"/>
               <a:t>第三级</a:t>
             </a:r>
-            <a:endParaRPr lang="zh-CN" altLang="en-US" smtClean="0"/>
           </a:p>
           <a:p>
             <a:pPr lvl="3"/>
@@ -2911,7 +3194,6 @@
               <a:rPr lang="zh-CN" altLang="en-US" smtClean="0"/>
               <a:t>第四级</a:t>
             </a:r>
-            <a:endParaRPr lang="zh-CN" altLang="en-US" smtClean="0"/>
           </a:p>
           <a:p>
             <a:pPr lvl="4"/>
@@ -2985,7 +3267,6 @@
               <a:rPr lang="zh-CN" altLang="en-US" smtClean="0"/>
               <a:t>单击此处编辑母版文本样式</a:t>
             </a:r>
-            <a:endParaRPr lang="zh-CN" altLang="en-US" smtClean="0"/>
           </a:p>
         </p:txBody>
       </p:sp>
@@ -3014,7 +3295,6 @@
               <a:rPr lang="zh-CN" altLang="en-US" smtClean="0"/>
               <a:t>单击此处编辑母版文本样式</a:t>
             </a:r>
-            <a:endParaRPr lang="zh-CN" altLang="en-US" smtClean="0"/>
           </a:p>
           <a:p>
             <a:pPr lvl="1"/>
@@ -3022,7 +3302,6 @@
               <a:rPr lang="zh-CN" altLang="en-US" smtClean="0"/>
               <a:t>第二级</a:t>
             </a:r>
-            <a:endParaRPr lang="zh-CN" altLang="en-US" smtClean="0"/>
           </a:p>
           <a:p>
             <a:pPr lvl="2"/>
@@ -3030,7 +3309,6 @@
               <a:rPr lang="zh-CN" altLang="en-US" smtClean="0"/>
               <a:t>第三级</a:t>
             </a:r>
-            <a:endParaRPr lang="zh-CN" altLang="en-US" smtClean="0"/>
           </a:p>
           <a:p>
             <a:pPr lvl="3"/>
@@ -3038,7 +3316,6 @@
               <a:rPr lang="zh-CN" altLang="en-US" smtClean="0"/>
               <a:t>第四级</a:t>
             </a:r>
-            <a:endParaRPr lang="zh-CN" altLang="en-US" smtClean="0"/>
           </a:p>
           <a:p>
             <a:pPr lvl="4"/>
@@ -3067,6 +3344,7 @@
           <a:p>
             <a:fld id="{D997B5FA-0921-464F-AAE1-844C04324D75}" type="datetimeFigureOut">
               <a:rPr lang="zh-CN" altLang="en-US" smtClean="0"/>
+              <a:t>2018/11/2</a:t>
             </a:fld>
             <a:endParaRPr lang="zh-CN" altLang="en-US"/>
           </a:p>
@@ -3108,6 +3386,7 @@
           <a:p>
             <a:fld id="{565CE74E-AB26-4998-AD42-012C4C1AD076}" type="slidenum">
               <a:rPr lang="zh-CN" altLang="en-US" smtClean="0"/>
+              <a:t>‹#›</a:t>
             </a:fld>
             <a:endParaRPr lang="zh-CN" altLang="en-US"/>
           </a:p>
@@ -3178,6 +3457,7 @@
           <a:p>
             <a:fld id="{D997B5FA-0921-464F-AAE1-844C04324D75}" type="datetimeFigureOut">
               <a:rPr lang="zh-CN" altLang="en-US" smtClean="0"/>
+              <a:t>2018/11/2</a:t>
             </a:fld>
             <a:endParaRPr lang="zh-CN" altLang="en-US"/>
           </a:p>
@@ -3219,6 +3499,7 @@
           <a:p>
             <a:fld id="{565CE74E-AB26-4998-AD42-012C4C1AD076}" type="slidenum">
               <a:rPr lang="zh-CN" altLang="en-US" smtClean="0"/>
+              <a:t>‹#›</a:t>
             </a:fld>
             <a:endParaRPr lang="zh-CN" altLang="en-US"/>
           </a:p>
@@ -3266,6 +3547,7 @@
           <a:p>
             <a:fld id="{D997B5FA-0921-464F-AAE1-844C04324D75}" type="datetimeFigureOut">
               <a:rPr lang="zh-CN" altLang="en-US" smtClean="0"/>
+              <a:t>2018/11/2</a:t>
             </a:fld>
             <a:endParaRPr lang="zh-CN" altLang="en-US"/>
           </a:p>
@@ -3307,6 +3589,7 @@
           <a:p>
             <a:fld id="{565CE74E-AB26-4998-AD42-012C4C1AD076}" type="slidenum">
               <a:rPr lang="zh-CN" altLang="en-US" smtClean="0"/>
+              <a:t>‹#›</a:t>
             </a:fld>
             <a:endParaRPr lang="zh-CN" altLang="en-US"/>
           </a:p>
@@ -3422,7 +3705,6 @@
               <a:rPr lang="zh-CN" altLang="en-US" smtClean="0"/>
               <a:t>单击此处编辑母版文本样式</a:t>
             </a:r>
-            <a:endParaRPr lang="zh-CN" altLang="en-US" smtClean="0"/>
           </a:p>
           <a:p>
             <a:pPr lvl="1"/>
@@ -3430,7 +3712,6 @@
               <a:rPr lang="zh-CN" altLang="en-US" smtClean="0"/>
               <a:t>第二级</a:t>
             </a:r>
-            <a:endParaRPr lang="zh-CN" altLang="en-US" smtClean="0"/>
           </a:p>
           <a:p>
             <a:pPr lvl="2"/>
@@ -3438,7 +3719,6 @@
               <a:rPr lang="zh-CN" altLang="en-US" smtClean="0"/>
               <a:t>第三级</a:t>
             </a:r>
-            <a:endParaRPr lang="zh-CN" altLang="en-US" smtClean="0"/>
           </a:p>
           <a:p>
             <a:pPr lvl="3"/>
@@ -3446,7 +3726,6 @@
               <a:rPr lang="zh-CN" altLang="en-US" smtClean="0"/>
               <a:t>第四级</a:t>
             </a:r>
-            <a:endParaRPr lang="zh-CN" altLang="en-US" smtClean="0"/>
           </a:p>
           <a:p>
             <a:pPr lvl="4"/>
@@ -3520,7 +3799,6 @@
               <a:rPr lang="zh-CN" altLang="en-US" smtClean="0"/>
               <a:t>单击此处编辑母版文本样式</a:t>
             </a:r>
-            <a:endParaRPr lang="zh-CN" altLang="en-US" smtClean="0"/>
           </a:p>
         </p:txBody>
       </p:sp>
@@ -3541,6 +3819,7 @@
           <a:p>
             <a:fld id="{D997B5FA-0921-464F-AAE1-844C04324D75}" type="datetimeFigureOut">
               <a:rPr lang="zh-CN" altLang="en-US" smtClean="0"/>
+              <a:t>2018/11/2</a:t>
             </a:fld>
             <a:endParaRPr lang="zh-CN" altLang="en-US"/>
           </a:p>
@@ -3582,6 +3861,7 @@
           <a:p>
             <a:fld id="{565CE74E-AB26-4998-AD42-012C4C1AD076}" type="slidenum">
               <a:rPr lang="zh-CN" altLang="en-US" smtClean="0"/>
+              <a:t>‹#›</a:t>
             </a:fld>
             <a:endParaRPr lang="zh-CN" altLang="en-US"/>
           </a:p>
@@ -3767,7 +4047,6 @@
               <a:rPr lang="zh-CN" altLang="en-US" smtClean="0"/>
               <a:t>单击此处编辑母版文本样式</a:t>
             </a:r>
-            <a:endParaRPr lang="zh-CN" altLang="en-US" smtClean="0"/>
           </a:p>
         </p:txBody>
       </p:sp>
@@ -3788,6 +4067,7 @@
           <a:p>
             <a:fld id="{D997B5FA-0921-464F-AAE1-844C04324D75}" type="datetimeFigureOut">
               <a:rPr lang="zh-CN" altLang="en-US" smtClean="0"/>
+              <a:t>2018/11/2</a:t>
             </a:fld>
             <a:endParaRPr lang="zh-CN" altLang="en-US"/>
           </a:p>
@@ -3829,6 +4109,7 @@
           <a:p>
             <a:fld id="{565CE74E-AB26-4998-AD42-012C4C1AD076}" type="slidenum">
               <a:rPr lang="zh-CN" altLang="en-US" smtClean="0"/>
+              <a:t>‹#›</a:t>
             </a:fld>
             <a:endParaRPr lang="zh-CN" altLang="en-US"/>
           </a:p>
@@ -3927,7 +4208,6 @@
               <a:rPr lang="zh-CN" altLang="en-US" smtClean="0"/>
               <a:t>单击此处编辑母版文本样式</a:t>
             </a:r>
-            <a:endParaRPr lang="zh-CN" altLang="en-US" smtClean="0"/>
           </a:p>
           <a:p>
             <a:pPr lvl="1"/>
@@ -3935,7 +4215,6 @@
               <a:rPr lang="zh-CN" altLang="en-US" smtClean="0"/>
               <a:t>第二级</a:t>
             </a:r>
-            <a:endParaRPr lang="zh-CN" altLang="en-US" smtClean="0"/>
           </a:p>
           <a:p>
             <a:pPr lvl="2"/>
@@ -3943,7 +4222,6 @@
               <a:rPr lang="zh-CN" altLang="en-US" smtClean="0"/>
               <a:t>第三级</a:t>
             </a:r>
-            <a:endParaRPr lang="zh-CN" altLang="en-US" smtClean="0"/>
           </a:p>
           <a:p>
             <a:pPr lvl="3"/>
@@ -3951,7 +4229,6 @@
               <a:rPr lang="zh-CN" altLang="en-US" smtClean="0"/>
               <a:t>第四级</a:t>
             </a:r>
-            <a:endParaRPr lang="zh-CN" altLang="en-US" smtClean="0"/>
           </a:p>
           <a:p>
             <a:pPr lvl="4"/>
@@ -3998,6 +4275,7 @@
           <a:p>
             <a:fld id="{D997B5FA-0921-464F-AAE1-844C04324D75}" type="datetimeFigureOut">
               <a:rPr lang="zh-CN" altLang="en-US" smtClean="0"/>
+              <a:t>2018/11/2</a:t>
             </a:fld>
             <a:endParaRPr lang="zh-CN" altLang="en-US"/>
           </a:p>
@@ -4075,6 +4353,7 @@
           <a:p>
             <a:fld id="{565CE74E-AB26-4998-AD42-012C4C1AD076}" type="slidenum">
               <a:rPr lang="zh-CN" altLang="en-US" smtClean="0"/>
+              <a:t>‹#›</a:t>
             </a:fld>
             <a:endParaRPr lang="zh-CN" altLang="en-US"/>
           </a:p>
@@ -4506,12 +4785,12 @@
           </a:p>
           <a:p>
             <a:pPr algn="ctr"/>
-            <a:endParaRPr lang="en-US" altLang="zh-CN" sz="2400" b="1"/>
-          </a:p>
-          <a:p>
-            <a:pPr algn="ctr"/>
-            <a:r>
-              <a:rPr lang="en-US" altLang="zh-CN" sz="3200" b="1"/>
+            <a:endParaRPr lang="en-US" altLang="zh-CN" sz="2400" b="1" dirty="0"/>
+          </a:p>
+          <a:p>
+            <a:pPr algn="ctr"/>
+            <a:r>
+              <a:rPr lang="en-US" altLang="zh-CN" sz="3200" b="1" dirty="0"/>
               <a:t>XXL-JOB</a:t>
             </a:r>
             <a:r>
@@ -4519,10 +4798,9 @@
               <a:t>架构图 </a:t>
             </a:r>
             <a:r>
-              <a:rPr lang="en-US" altLang="zh-CN" sz="3200" b="1"/>
+              <a:rPr lang="en-US" altLang="zh-CN" sz="3200" b="1" dirty="0"/>
               <a:t>v1.1</a:t>
             </a:r>
-            <a:endParaRPr lang="en-US" altLang="zh-CN" sz="3200" b="1"/>
           </a:p>
         </p:txBody>
       </p:sp>
@@ -4716,15 +4994,6 @@
               </a:rPr>
               <a:t>调度中心</a:t>
             </a:r>
-            <a:endParaRPr lang="zh-CN" altLang="en-US" sz="2400" b="1">
-              <a:solidFill>
-                <a:schemeClr val="accent5">
-                  <a:lumMod val="50000"/>
-                </a:schemeClr>
-              </a:solidFill>
-              <a:latin typeface="微软雅黑" panose="020B0503020204020204" charset="-122"/>
-              <a:ea typeface="微软雅黑" panose="020B0503020204020204" charset="-122"/>
-            </a:endParaRPr>
           </a:p>
         </p:txBody>
       </p:sp>
@@ -4821,13 +5090,6 @@
               </a:rPr>
               <a:t>任务池</a:t>
             </a:r>
-            <a:endParaRPr lang="zh-CN" altLang="en-US" b="1">
-              <a:solidFill>
-                <a:schemeClr val="tx1"/>
-              </a:solidFill>
-              <a:latin typeface="微软雅黑" panose="020B0503020204020204" charset="-122"/>
-              <a:ea typeface="微软雅黑" panose="020B0503020204020204" charset="-122"/>
-            </a:endParaRPr>
           </a:p>
         </p:txBody>
       </p:sp>
@@ -4873,16 +5135,12 @@
               <a:t>宴会商户头图绑定</a:t>
             </a:r>
             <a:r>
-              <a:rPr lang="en-US" altLang="zh-CN">
+              <a:rPr lang="en-US" altLang="zh-CN" dirty="0">
                 <a:latin typeface="微软雅黑" panose="020B0503020204020204" charset="-122"/>
                 <a:ea typeface="微软雅黑" panose="020B0503020204020204" charset="-122"/>
               </a:rPr>
               <a:t>JOB</a:t>
             </a:r>
-            <a:endParaRPr lang="en-US" altLang="zh-CN">
-              <a:latin typeface="微软雅黑" panose="020B0503020204020204" charset="-122"/>
-              <a:ea typeface="微软雅黑" panose="020B0503020204020204" charset="-122"/>
-            </a:endParaRPr>
           </a:p>
         </p:txBody>
       </p:sp>
@@ -4943,16 +5201,12 @@
               <a:t>排序跑分</a:t>
             </a:r>
             <a:r>
-              <a:rPr lang="en-US" altLang="zh-CN">
+              <a:rPr lang="en-US" altLang="zh-CN" dirty="0">
                 <a:latin typeface="微软雅黑" panose="020B0503020204020204" charset="-122"/>
                 <a:ea typeface="微软雅黑" panose="020B0503020204020204" charset="-122"/>
               </a:rPr>
               <a:t>JOB</a:t>
             </a:r>
-            <a:endParaRPr lang="en-US" altLang="zh-CN">
-              <a:latin typeface="微软雅黑" panose="020B0503020204020204" charset="-122"/>
-              <a:ea typeface="微软雅黑" panose="020B0503020204020204" charset="-122"/>
-            </a:endParaRPr>
           </a:p>
         </p:txBody>
       </p:sp>
@@ -4991,16 +5245,12 @@
           <a:p>
             <a:pPr algn="ctr"/>
             <a:r>
-              <a:rPr lang="en-US" altLang="zh-CN">
+              <a:rPr lang="en-US" altLang="zh-CN" dirty="0">
                 <a:latin typeface="微软雅黑" panose="020B0503020204020204" charset="-122"/>
                 <a:ea typeface="微软雅黑" panose="020B0503020204020204" charset="-122"/>
               </a:rPr>
               <a:t>……</a:t>
             </a:r>
-            <a:endParaRPr lang="en-US" altLang="zh-CN">
-              <a:latin typeface="微软雅黑" panose="020B0503020204020204" charset="-122"/>
-              <a:ea typeface="微软雅黑" panose="020B0503020204020204" charset="-122"/>
-            </a:endParaRPr>
           </a:p>
         </p:txBody>
       </p:sp>
@@ -5051,16 +5301,12 @@
               <a:t>调度器</a:t>
             </a:r>
             <a:r>
-              <a:rPr lang="en-US" altLang="zh-CN">
+              <a:rPr lang="en-US" altLang="zh-CN" dirty="0">
                 <a:latin typeface="微软雅黑" panose="020B0503020204020204" charset="-122"/>
                 <a:ea typeface="微软雅黑" panose="020B0503020204020204" charset="-122"/>
               </a:rPr>
               <a:t>A</a:t>
             </a:r>
-            <a:endParaRPr lang="en-US" altLang="zh-CN">
-              <a:latin typeface="微软雅黑" panose="020B0503020204020204" charset="-122"/>
-              <a:ea typeface="微软雅黑" panose="020B0503020204020204" charset="-122"/>
-            </a:endParaRPr>
           </a:p>
           <a:p>
             <a:pPr algn="ctr"/>
@@ -5071,10 +5317,6 @@
               </a:rPr>
               <a:t>【block】</a:t>
             </a:r>
-            <a:endParaRPr lang="zh-CN" altLang="en-US">
-              <a:latin typeface="微软雅黑" panose="020B0503020204020204" charset="-122"/>
-              <a:ea typeface="微软雅黑" panose="020B0503020204020204" charset="-122"/>
-            </a:endParaRPr>
           </a:p>
         </p:txBody>
       </p:sp>
@@ -5125,16 +5367,12 @@
               <a:t>调度器</a:t>
             </a:r>
             <a:r>
-              <a:rPr lang="en-US" altLang="zh-CN">
+              <a:rPr lang="en-US" altLang="zh-CN" dirty="0">
                 <a:latin typeface="微软雅黑" panose="020B0503020204020204" charset="-122"/>
                 <a:ea typeface="微软雅黑" panose="020B0503020204020204" charset="-122"/>
               </a:rPr>
               <a:t>B</a:t>
             </a:r>
-            <a:endParaRPr lang="en-US" altLang="zh-CN">
-              <a:latin typeface="微软雅黑" panose="020B0503020204020204" charset="-122"/>
-              <a:ea typeface="微软雅黑" panose="020B0503020204020204" charset="-122"/>
-            </a:endParaRPr>
           </a:p>
           <a:p>
             <a:pPr algn="ctr"/>
@@ -5146,7 +5384,7 @@
               </a:rPr>
               <a:t>【block】</a:t>
             </a:r>
-            <a:endParaRPr lang="en-US" altLang="zh-CN">
+            <a:endParaRPr lang="en-US" altLang="zh-CN" dirty="0">
               <a:latin typeface="微软雅黑" panose="020B0503020204020204" charset="-122"/>
               <a:ea typeface="微软雅黑" panose="020B0503020204020204" charset="-122"/>
             </a:endParaRPr>
@@ -5195,16 +5433,12 @@
               <a:t>调度器</a:t>
             </a:r>
             <a:r>
-              <a:rPr lang="en-US" altLang="zh-CN">
+              <a:rPr lang="en-US" altLang="zh-CN" dirty="0">
                 <a:latin typeface="微软雅黑" panose="020B0503020204020204" charset="-122"/>
                 <a:ea typeface="微软雅黑" panose="020B0503020204020204" charset="-122"/>
               </a:rPr>
               <a:t>C</a:t>
             </a:r>
-            <a:endParaRPr lang="en-US" altLang="zh-CN">
-              <a:latin typeface="微软雅黑" panose="020B0503020204020204" charset="-122"/>
-              <a:ea typeface="微软雅黑" panose="020B0503020204020204" charset="-122"/>
-            </a:endParaRPr>
           </a:p>
           <a:p>
             <a:pPr algn="ctr"/>
@@ -5216,7 +5450,7 @@
               </a:rPr>
               <a:t>【active】</a:t>
             </a:r>
-            <a:endParaRPr lang="en-US" altLang="zh-CN">
+            <a:endParaRPr lang="en-US" altLang="zh-CN" dirty="0">
               <a:latin typeface="微软雅黑" panose="020B0503020204020204" charset="-122"/>
               <a:ea typeface="微软雅黑" panose="020B0503020204020204" charset="-122"/>
             </a:endParaRPr>
@@ -5269,13 +5503,6 @@
               </a:rPr>
               <a:t>调度日志</a:t>
             </a:r>
-            <a:endParaRPr lang="zh-CN" altLang="en-US" b="1">
-              <a:solidFill>
-                <a:schemeClr val="tx1"/>
-              </a:solidFill>
-              <a:latin typeface="微软雅黑" panose="020B0503020204020204" charset="-122"/>
-              <a:ea typeface="微软雅黑" panose="020B0503020204020204" charset="-122"/>
-            </a:endParaRPr>
           </a:p>
         </p:txBody>
       </p:sp>
@@ -5361,105 +5588,105 @@
           <a:lstStyle/>
           <a:p>
             <a:pPr algn="ctr"/>
-            <a:endParaRPr lang="en-US" altLang="zh-CN" b="1">
+            <a:endParaRPr lang="en-US" altLang="zh-CN" b="1" dirty="0">
               <a:latin typeface="微软雅黑" panose="020B0503020204020204" charset="-122"/>
               <a:ea typeface="微软雅黑" panose="020B0503020204020204" charset="-122"/>
             </a:endParaRPr>
           </a:p>
           <a:p>
             <a:pPr algn="ctr"/>
-            <a:endParaRPr lang="en-US" altLang="zh-CN" b="1">
+            <a:endParaRPr lang="en-US" altLang="zh-CN" b="1" dirty="0">
               <a:latin typeface="微软雅黑" panose="020B0503020204020204" charset="-122"/>
               <a:ea typeface="微软雅黑" panose="020B0503020204020204" charset="-122"/>
             </a:endParaRPr>
           </a:p>
           <a:p>
             <a:pPr algn="ctr"/>
-            <a:endParaRPr lang="en-US" altLang="zh-CN" b="1">
+            <a:endParaRPr lang="en-US" altLang="zh-CN" b="1" dirty="0">
               <a:latin typeface="微软雅黑" panose="020B0503020204020204" charset="-122"/>
               <a:ea typeface="微软雅黑" panose="020B0503020204020204" charset="-122"/>
             </a:endParaRPr>
           </a:p>
           <a:p>
             <a:pPr algn="ctr"/>
-            <a:endParaRPr lang="en-US" altLang="zh-CN" b="1">
+            <a:endParaRPr lang="en-US" altLang="zh-CN" b="1" dirty="0">
               <a:latin typeface="微软雅黑" panose="020B0503020204020204" charset="-122"/>
               <a:ea typeface="微软雅黑" panose="020B0503020204020204" charset="-122"/>
             </a:endParaRPr>
           </a:p>
           <a:p>
             <a:pPr algn="ctr"/>
-            <a:endParaRPr lang="en-US" altLang="zh-CN" b="1">
+            <a:endParaRPr lang="en-US" altLang="zh-CN" b="1" dirty="0">
               <a:latin typeface="微软雅黑" panose="020B0503020204020204" charset="-122"/>
               <a:ea typeface="微软雅黑" panose="020B0503020204020204" charset="-122"/>
             </a:endParaRPr>
           </a:p>
           <a:p>
             <a:pPr algn="ctr"/>
-            <a:endParaRPr lang="en-US" altLang="zh-CN" b="1">
+            <a:endParaRPr lang="en-US" altLang="zh-CN" b="1" dirty="0">
               <a:latin typeface="微软雅黑" panose="020B0503020204020204" charset="-122"/>
               <a:ea typeface="微软雅黑" panose="020B0503020204020204" charset="-122"/>
             </a:endParaRPr>
           </a:p>
           <a:p>
             <a:pPr algn="ctr"/>
-            <a:endParaRPr lang="en-US" altLang="zh-CN" b="1">
+            <a:endParaRPr lang="en-US" altLang="zh-CN" b="1" dirty="0">
               <a:latin typeface="微软雅黑" panose="020B0503020204020204" charset="-122"/>
               <a:ea typeface="微软雅黑" panose="020B0503020204020204" charset="-122"/>
             </a:endParaRPr>
           </a:p>
           <a:p>
             <a:pPr algn="ctr"/>
-            <a:endParaRPr lang="en-US" altLang="zh-CN" b="1">
+            <a:endParaRPr lang="en-US" altLang="zh-CN" b="1" dirty="0">
               <a:latin typeface="微软雅黑" panose="020B0503020204020204" charset="-122"/>
               <a:ea typeface="微软雅黑" panose="020B0503020204020204" charset="-122"/>
             </a:endParaRPr>
           </a:p>
           <a:p>
             <a:pPr algn="ctr"/>
-            <a:endParaRPr lang="en-US" altLang="zh-CN" b="1">
+            <a:endParaRPr lang="en-US" altLang="zh-CN" b="1" dirty="0">
               <a:latin typeface="微软雅黑" panose="020B0503020204020204" charset="-122"/>
               <a:ea typeface="微软雅黑" panose="020B0503020204020204" charset="-122"/>
             </a:endParaRPr>
           </a:p>
           <a:p>
             <a:pPr algn="ctr"/>
-            <a:endParaRPr lang="en-US" altLang="zh-CN" b="1">
+            <a:endParaRPr lang="en-US" altLang="zh-CN" b="1" dirty="0">
               <a:latin typeface="微软雅黑" panose="020B0503020204020204" charset="-122"/>
               <a:ea typeface="微软雅黑" panose="020B0503020204020204" charset="-122"/>
             </a:endParaRPr>
           </a:p>
           <a:p>
             <a:pPr algn="ctr"/>
-            <a:endParaRPr lang="en-US" altLang="zh-CN" b="1">
+            <a:endParaRPr lang="en-US" altLang="zh-CN" b="1" dirty="0">
               <a:latin typeface="微软雅黑" panose="020B0503020204020204" charset="-122"/>
               <a:ea typeface="微软雅黑" panose="020B0503020204020204" charset="-122"/>
             </a:endParaRPr>
           </a:p>
           <a:p>
             <a:pPr algn="ctr"/>
-            <a:endParaRPr lang="en-US" altLang="zh-CN" b="1">
+            <a:endParaRPr lang="en-US" altLang="zh-CN" b="1" dirty="0">
               <a:latin typeface="微软雅黑" panose="020B0503020204020204" charset="-122"/>
               <a:ea typeface="微软雅黑" panose="020B0503020204020204" charset="-122"/>
             </a:endParaRPr>
           </a:p>
           <a:p>
             <a:pPr algn="ctr"/>
-            <a:endParaRPr lang="en-US" altLang="zh-CN" b="1">
+            <a:endParaRPr lang="en-US" altLang="zh-CN" b="1" dirty="0">
               <a:latin typeface="微软雅黑" panose="020B0503020204020204" charset="-122"/>
               <a:ea typeface="微软雅黑" panose="020B0503020204020204" charset="-122"/>
             </a:endParaRPr>
           </a:p>
           <a:p>
             <a:pPr algn="ctr"/>
-            <a:endParaRPr lang="en-US" altLang="zh-CN" b="1">
+            <a:endParaRPr lang="en-US" altLang="zh-CN" b="1" dirty="0">
               <a:latin typeface="微软雅黑" panose="020B0503020204020204" charset="-122"/>
               <a:ea typeface="微软雅黑" panose="020B0503020204020204" charset="-122"/>
             </a:endParaRPr>
           </a:p>
           <a:p>
             <a:pPr algn="ctr"/>
-            <a:endParaRPr lang="en-US" altLang="zh-CN" b="1">
+            <a:endParaRPr lang="en-US" altLang="zh-CN" b="1" dirty="0">
               <a:latin typeface="微软雅黑" panose="020B0503020204020204" charset="-122"/>
               <a:ea typeface="微软雅黑" panose="020B0503020204020204" charset="-122"/>
             </a:endParaRPr>
@@ -5485,15 +5712,6 @@
               </a:rPr>
               <a:t>执行器</a:t>
             </a:r>
-            <a:endParaRPr lang="zh-CN" altLang="en-US" sz="2400" b="1">
-              <a:solidFill>
-                <a:schemeClr val="accent1">
-                  <a:lumMod val="50000"/>
-                </a:schemeClr>
-              </a:solidFill>
-              <a:latin typeface="微软雅黑" panose="020B0503020204020204" charset="-122"/>
-              <a:ea typeface="微软雅黑" panose="020B0503020204020204" charset="-122"/>
-            </a:endParaRPr>
           </a:p>
         </p:txBody>
       </p:sp>
@@ -5669,10 +5887,6 @@
               </a:rPr>
               <a:t>调度队列</a:t>
             </a:r>
-            <a:endParaRPr lang="zh-CN" altLang="en-US" sz="1600" b="1">
-              <a:latin typeface="微软雅黑" panose="020B0503020204020204" charset="-122"/>
-              <a:ea typeface="微软雅黑" panose="020B0503020204020204" charset="-122"/>
-            </a:endParaRPr>
           </a:p>
         </p:txBody>
       </p:sp>
@@ -5765,10 +5979,6 @@
               </a:rPr>
               <a:t>调度请求</a:t>
             </a:r>
-            <a:endParaRPr lang="zh-CN" altLang="en-US" sz="1600">
-              <a:latin typeface="微软雅黑" panose="020B0503020204020204" charset="-122"/>
-              <a:ea typeface="微软雅黑" panose="020B0503020204020204" charset="-122"/>
-            </a:endParaRPr>
           </a:p>
         </p:txBody>
       </p:sp>
@@ -5813,10 +6023,6 @@
               </a:rPr>
               <a:t>调度请求</a:t>
             </a:r>
-            <a:endParaRPr lang="zh-CN" altLang="en-US" sz="1600">
-              <a:latin typeface="微软雅黑" panose="020B0503020204020204" charset="-122"/>
-              <a:ea typeface="微软雅黑" panose="020B0503020204020204" charset="-122"/>
-            </a:endParaRPr>
           </a:p>
         </p:txBody>
       </p:sp>
@@ -5855,16 +6061,12 @@
           <a:p>
             <a:pPr algn="ctr"/>
             <a:r>
-              <a:rPr lang="en-US" altLang="zh-CN" sz="1600">
+              <a:rPr lang="en-US" altLang="zh-CN" sz="1600" dirty="0">
                 <a:latin typeface="微软雅黑" panose="020B0503020204020204" charset="-122"/>
                 <a:ea typeface="微软雅黑" panose="020B0503020204020204" charset="-122"/>
               </a:rPr>
               <a:t>……</a:t>
             </a:r>
-            <a:endParaRPr lang="en-US" altLang="zh-CN" sz="1600">
-              <a:latin typeface="微软雅黑" panose="020B0503020204020204" charset="-122"/>
-              <a:ea typeface="微软雅黑" panose="020B0503020204020204" charset="-122"/>
-            </a:endParaRPr>
           </a:p>
         </p:txBody>
       </p:sp>
@@ -5906,7 +6108,6 @@
               <a:rPr lang="zh-CN" altLang="en-US" sz="1600" b="1"/>
               <a:t>任务执行</a:t>
             </a:r>
-            <a:endParaRPr lang="zh-CN" altLang="en-US" sz="1600" b="1"/>
           </a:p>
           <a:p>
             <a:pPr algn="ctr"/>
@@ -5914,7 +6115,6 @@
               <a:rPr lang="zh-CN" altLang="en-US" sz="1600" b="1"/>
               <a:t>【业务逻辑】</a:t>
             </a:r>
-            <a:endParaRPr lang="zh-CN" altLang="en-US" sz="1600" b="1"/>
           </a:p>
         </p:txBody>
       </p:sp>
@@ -6078,7 +6278,6 @@
               <a:rPr lang="en-US" altLang="zh-CN" sz="3200" b="1" dirty="0"/>
               <a:t>v1.3</a:t>
             </a:r>
-            <a:endParaRPr lang="en-US" altLang="zh-CN" sz="3200" b="1" dirty="0"/>
           </a:p>
         </p:txBody>
       </p:sp>
@@ -6263,15 +6462,6 @@
               </a:rPr>
               <a:t>调度中心</a:t>
             </a:r>
-            <a:endParaRPr lang="zh-CN" altLang="en-US" sz="2400" b="1">
-              <a:solidFill>
-                <a:schemeClr val="accent5">
-                  <a:lumMod val="50000"/>
-                </a:schemeClr>
-              </a:solidFill>
-              <a:latin typeface="微软雅黑" panose="020B0503020204020204" charset="-122"/>
-              <a:ea typeface="微软雅黑" panose="020B0503020204020204" charset="-122"/>
-            </a:endParaRPr>
           </a:p>
         </p:txBody>
       </p:sp>
@@ -6374,13 +6564,6 @@
               </a:rPr>
               <a:t>调度池</a:t>
             </a:r>
-            <a:endParaRPr lang="zh-CN" altLang="en-US" b="1">
-              <a:solidFill>
-                <a:schemeClr val="tx1"/>
-              </a:solidFill>
-              <a:latin typeface="微软雅黑" panose="020B0503020204020204" charset="-122"/>
-              <a:ea typeface="微软雅黑" panose="020B0503020204020204" charset="-122"/>
-            </a:endParaRPr>
           </a:p>
         </p:txBody>
       </p:sp>
@@ -6431,10 +6614,6 @@
               </a:rPr>
               <a:t>执行器地址</a:t>
             </a:r>
-            <a:endParaRPr lang="zh-CN" altLang="en-US">
-              <a:latin typeface="微软雅黑" panose="020B0503020204020204" charset="-122"/>
-              <a:ea typeface="微软雅黑" panose="020B0503020204020204" charset="-122"/>
-            </a:endParaRPr>
           </a:p>
         </p:txBody>
       </p:sp>
@@ -6489,7 +6668,7 @@
               <a:t>调度日志 </a:t>
             </a:r>
             <a:r>
-              <a:rPr lang="en-US" altLang="zh-CN" b="1">
+              <a:rPr lang="en-US" altLang="zh-CN" b="1" dirty="0">
                 <a:solidFill>
                   <a:schemeClr val="tx1"/>
                 </a:solidFill>
@@ -6508,13 +6687,6 @@
               </a:rPr>
               <a:t>日志</a:t>
             </a:r>
-            <a:endParaRPr lang="zh-CN" altLang="en-US" b="1">
-              <a:solidFill>
-                <a:schemeClr val="tx1"/>
-              </a:solidFill>
-              <a:latin typeface="微软雅黑" panose="020B0503020204020204" charset="-122"/>
-              <a:ea typeface="微软雅黑" panose="020B0503020204020204" charset="-122"/>
-            </a:endParaRPr>
           </a:p>
         </p:txBody>
       </p:sp>
@@ -6647,15 +6819,6 @@
               </a:rPr>
               <a:t>执行器</a:t>
             </a:r>
-            <a:endParaRPr lang="zh-CN" altLang="en-US" sz="2400" b="1">
-              <a:solidFill>
-                <a:schemeClr val="accent1">
-                  <a:lumMod val="50000"/>
-                </a:schemeClr>
-              </a:solidFill>
-              <a:latin typeface="微软雅黑" panose="020B0503020204020204" charset="-122"/>
-              <a:ea typeface="微软雅黑" panose="020B0503020204020204" charset="-122"/>
-            </a:endParaRPr>
           </a:p>
         </p:txBody>
       </p:sp>
@@ -6706,10 +6869,6 @@
               </a:rPr>
               <a:t>JobHandler</a:t>
             </a:r>
-            <a:endParaRPr lang="en-US" dirty="0">
-              <a:latin typeface="微软雅黑" panose="020B0503020204020204" charset="-122"/>
-              <a:ea typeface="微软雅黑" panose="020B0503020204020204" charset="-122"/>
-            </a:endParaRPr>
           </a:p>
         </p:txBody>
       </p:sp>
@@ -6754,16 +6913,12 @@
           <a:p>
             <a:pPr algn="ctr"/>
             <a:r>
-              <a:rPr lang="en-US">
+              <a:rPr lang="en-US" dirty="0">
                 <a:latin typeface="微软雅黑" panose="020B0503020204020204" charset="-122"/>
                 <a:ea typeface="微软雅黑" panose="020B0503020204020204" charset="-122"/>
               </a:rPr>
               <a:t>……</a:t>
             </a:r>
-            <a:endParaRPr lang="en-US">
-              <a:latin typeface="微软雅黑" panose="020B0503020204020204" charset="-122"/>
-              <a:ea typeface="微软雅黑" panose="020B0503020204020204" charset="-122"/>
-            </a:endParaRPr>
           </a:p>
         </p:txBody>
       </p:sp>
@@ -6809,25 +6964,16 @@
               </a:rPr>
               <a:t>调度器</a:t>
             </a:r>
-            <a:endParaRPr lang="zh-CN" altLang="en-US">
-              <a:latin typeface="微软雅黑" panose="020B0503020204020204" charset="-122"/>
-              <a:ea typeface="微软雅黑" panose="020B0503020204020204" charset="-122"/>
-              <a:sym typeface="+mn-ea"/>
-            </a:endParaRPr>
-          </a:p>
-          <a:p>
-            <a:pPr algn="ctr"/>
-            <a:r>
-              <a:rPr lang="en-US" altLang="zh-CN">
+          </a:p>
+          <a:p>
+            <a:pPr algn="ctr"/>
+            <a:r>
+              <a:rPr lang="en-US" altLang="zh-CN" dirty="0">
                 <a:latin typeface="微软雅黑" panose="020B0503020204020204" charset="-122"/>
                 <a:ea typeface="微软雅黑" panose="020B0503020204020204" charset="-122"/>
               </a:rPr>
               <a:t>quartz</a:t>
             </a:r>
-            <a:endParaRPr lang="en-US" altLang="zh-CN">
-              <a:latin typeface="微软雅黑" panose="020B0503020204020204" charset="-122"/>
-              <a:ea typeface="微软雅黑" panose="020B0503020204020204" charset="-122"/>
-            </a:endParaRPr>
           </a:p>
         </p:txBody>
       </p:sp>
@@ -6873,7 +7019,7 @@
               </a:rPr>
               <a:t>回调服务</a:t>
             </a:r>
-            <a:endParaRPr lang="en-US" altLang="zh-CN">
+            <a:endParaRPr lang="en-US" altLang="zh-CN" dirty="0">
               <a:latin typeface="微软雅黑" panose="020B0503020204020204" charset="-122"/>
               <a:ea typeface="微软雅黑" panose="020B0503020204020204" charset="-122"/>
             </a:endParaRPr>
@@ -7068,27 +7214,17 @@
               </a:rPr>
               <a:t>执行器服务</a:t>
             </a:r>
-            <a:endParaRPr lang="zh-CN" altLang="en-US">
-              <a:solidFill>
-                <a:schemeClr val="tx1"/>
-              </a:solidFill>
-            </a:endParaRPr>
-          </a:p>
-          <a:p>
-            <a:pPr algn="ctr"/>
-            <a:r>
-              <a:rPr lang="en-US" altLang="zh-CN">
+          </a:p>
+          <a:p>
+            <a:pPr algn="ctr"/>
+            <a:r>
+              <a:rPr lang="en-US" altLang="zh-CN" dirty="0">
                 <a:solidFill>
                   <a:schemeClr val="tx1"/>
                 </a:solidFill>
               </a:rPr>
               <a:t>jetty</a:t>
             </a:r>
-            <a:endParaRPr lang="en-US" altLang="zh-CN">
-              <a:solidFill>
-                <a:schemeClr val="tx1"/>
-              </a:solidFill>
-            </a:endParaRPr>
           </a:p>
         </p:txBody>
       </p:sp>
@@ -7221,28 +7357,17 @@
               </a:rPr>
               <a:t>回调日志</a:t>
             </a:r>
-            <a:endParaRPr lang="zh-CN" altLang="en-US">
-              <a:solidFill>
-                <a:schemeClr val="tx1"/>
-              </a:solidFill>
-              <a:sym typeface="+mn-ea"/>
-            </a:endParaRPr>
-          </a:p>
-          <a:p>
-            <a:pPr algn="ctr"/>
-            <a:r>
-              <a:rPr lang="en-US" altLang="zh-CN">
+          </a:p>
+          <a:p>
+            <a:pPr algn="ctr"/>
+            <a:r>
+              <a:rPr lang="en-US" altLang="zh-CN" dirty="0">
                 <a:solidFill>
                   <a:schemeClr val="tx1"/>
                 </a:solidFill>
               </a:rPr>
               <a:t>queue</a:t>
             </a:r>
-            <a:endParaRPr lang="en-US" altLang="zh-CN">
-              <a:solidFill>
-                <a:schemeClr val="tx1"/>
-              </a:solidFill>
-            </a:endParaRPr>
           </a:p>
         </p:txBody>
       </p:sp>
@@ -7288,7 +7413,7 @@
           <a:lstStyle/>
           <a:p>
             <a:pPr algn="ctr"/>
-            <a:endParaRPr lang="en-US" altLang="zh-CN">
+            <a:endParaRPr lang="en-US" altLang="zh-CN" dirty="0">
               <a:solidFill>
                 <a:schemeClr val="tx1"/>
               </a:solidFill>
@@ -7296,7 +7421,7 @@
           </a:p>
           <a:p>
             <a:pPr algn="ctr"/>
-            <a:endParaRPr lang="en-US" altLang="zh-CN">
+            <a:endParaRPr lang="en-US" altLang="zh-CN" dirty="0">
               <a:solidFill>
                 <a:schemeClr val="tx1"/>
               </a:solidFill>
@@ -7304,7 +7429,7 @@
           </a:p>
           <a:p>
             <a:pPr algn="ctr"/>
-            <a:endParaRPr lang="en-US" altLang="zh-CN">
+            <a:endParaRPr lang="en-US" altLang="zh-CN" dirty="0">
               <a:solidFill>
                 <a:schemeClr val="tx1"/>
               </a:solidFill>
@@ -7312,7 +7437,7 @@
           </a:p>
           <a:p>
             <a:pPr algn="ctr"/>
-            <a:endParaRPr lang="en-US" altLang="zh-CN">
+            <a:endParaRPr lang="en-US" altLang="zh-CN" dirty="0">
               <a:solidFill>
                 <a:schemeClr val="tx1"/>
               </a:solidFill>
@@ -7320,7 +7445,7 @@
           </a:p>
           <a:p>
             <a:pPr algn="ctr"/>
-            <a:endParaRPr lang="en-US" altLang="zh-CN">
+            <a:endParaRPr lang="en-US" altLang="zh-CN" dirty="0">
               <a:solidFill>
                 <a:schemeClr val="tx1"/>
               </a:solidFill>
@@ -7328,7 +7453,7 @@
           </a:p>
           <a:p>
             <a:pPr algn="ctr"/>
-            <a:endParaRPr lang="en-US" altLang="zh-CN">
+            <a:endParaRPr lang="en-US" altLang="zh-CN" dirty="0">
               <a:solidFill>
                 <a:schemeClr val="tx1"/>
               </a:solidFill>
@@ -7336,7 +7461,7 @@
           </a:p>
           <a:p>
             <a:pPr algn="ctr"/>
-            <a:endParaRPr lang="en-US" altLang="zh-CN">
+            <a:endParaRPr lang="en-US" altLang="zh-CN" dirty="0">
               <a:solidFill>
                 <a:schemeClr val="tx1"/>
               </a:solidFill>
@@ -7344,7 +7469,7 @@
           </a:p>
           <a:p>
             <a:pPr algn="ctr"/>
-            <a:endParaRPr lang="en-US" altLang="zh-CN">
+            <a:endParaRPr lang="en-US" altLang="zh-CN" dirty="0">
               <a:solidFill>
                 <a:schemeClr val="tx1"/>
               </a:solidFill>
@@ -7368,11 +7493,6 @@
               </a:rPr>
               <a:t>任务</a:t>
             </a:r>
-            <a:endParaRPr lang="zh-CN" altLang="en-US">
-              <a:solidFill>
-                <a:schemeClr val="tx1"/>
-              </a:solidFill>
-            </a:endParaRPr>
           </a:p>
         </p:txBody>
       </p:sp>
@@ -7506,18 +7626,13 @@
               <a:t>调度请求</a:t>
             </a:r>
             <a:r>
-              <a:rPr lang="en-US" altLang="zh-CN">
+              <a:rPr lang="en-US" altLang="zh-CN" dirty="0">
                 <a:solidFill>
                   <a:schemeClr val="tx1"/>
                 </a:solidFill>
               </a:rPr>
               <a:t>queue</a:t>
             </a:r>
-            <a:endParaRPr lang="en-US" altLang="zh-CN">
-              <a:solidFill>
-                <a:schemeClr val="tx1"/>
-              </a:solidFill>
-            </a:endParaRPr>
           </a:p>
         </p:txBody>
       </p:sp>
@@ -7571,11 +7686,6 @@
               </a:rPr>
               <a:t>执行线程</a:t>
             </a:r>
-            <a:endParaRPr lang="zh-CN" altLang="en-US">
-              <a:solidFill>
-                <a:schemeClr val="tx1"/>
-              </a:solidFill>
-            </a:endParaRPr>
           </a:p>
         </p:txBody>
       </p:sp>
@@ -7782,7 +7892,7 @@
               <a:t>架构图 </a:t>
             </a:r>
             <a:r>
-              <a:rPr lang="en-US" altLang="zh-CN" sz="3200" b="1" smtClean="0"/>
+              <a:rPr lang="en-US" altLang="zh-CN" sz="3200" b="1" dirty="0" smtClean="0"/>
               <a:t>v1.5</a:t>
             </a:r>
             <a:endParaRPr lang="en-US" altLang="zh-CN" sz="3200" b="1" dirty="0"/>
@@ -7970,15 +8080,6 @@
               </a:rPr>
               <a:t>调度中心</a:t>
             </a:r>
-            <a:endParaRPr lang="zh-CN" altLang="en-US" sz="2400" b="1">
-              <a:solidFill>
-                <a:schemeClr val="accent5">
-                  <a:lumMod val="50000"/>
-                </a:schemeClr>
-              </a:solidFill>
-              <a:latin typeface="微软雅黑" panose="020B0503020204020204" charset="-122"/>
-              <a:ea typeface="微软雅黑" panose="020B0503020204020204" charset="-122"/>
-            </a:endParaRPr>
           </a:p>
         </p:txBody>
       </p:sp>
@@ -8081,13 +8182,6 @@
               </a:rPr>
               <a:t>调度池</a:t>
             </a:r>
-            <a:endParaRPr lang="zh-CN" altLang="en-US" b="1">
-              <a:solidFill>
-                <a:schemeClr val="tx1"/>
-              </a:solidFill>
-              <a:latin typeface="微软雅黑" panose="020B0503020204020204" charset="-122"/>
-              <a:ea typeface="微软雅黑" panose="020B0503020204020204" charset="-122"/>
-            </a:endParaRPr>
           </a:p>
         </p:txBody>
       </p:sp>
@@ -8196,7 +8290,7 @@
               <a:t>调度日志 </a:t>
             </a:r>
             <a:r>
-              <a:rPr lang="en-US" altLang="zh-CN" b="1">
+              <a:rPr lang="en-US" altLang="zh-CN" b="1" dirty="0">
                 <a:solidFill>
                   <a:schemeClr val="tx1"/>
                 </a:solidFill>
@@ -8215,13 +8309,6 @@
               </a:rPr>
               <a:t>日志</a:t>
             </a:r>
-            <a:endParaRPr lang="zh-CN" altLang="en-US" b="1">
-              <a:solidFill>
-                <a:schemeClr val="tx1"/>
-              </a:solidFill>
-              <a:latin typeface="微软雅黑" panose="020B0503020204020204" charset="-122"/>
-              <a:ea typeface="微软雅黑" panose="020B0503020204020204" charset="-122"/>
-            </a:endParaRPr>
           </a:p>
         </p:txBody>
       </p:sp>
@@ -8354,15 +8441,6 @@
               </a:rPr>
               <a:t>执行器</a:t>
             </a:r>
-            <a:endParaRPr lang="zh-CN" altLang="en-US" sz="2400" b="1" dirty="0">
-              <a:solidFill>
-                <a:schemeClr val="accent1">
-                  <a:lumMod val="50000"/>
-                </a:schemeClr>
-              </a:solidFill>
-              <a:latin typeface="微软雅黑" panose="020B0503020204020204" charset="-122"/>
-              <a:ea typeface="微软雅黑" panose="020B0503020204020204" charset="-122"/>
-            </a:endParaRPr>
           </a:p>
         </p:txBody>
       </p:sp>
@@ -8413,10 +8491,6 @@
               </a:rPr>
               <a:t>JobHandler</a:t>
             </a:r>
-            <a:endParaRPr lang="en-US" dirty="0">
-              <a:latin typeface="微软雅黑" panose="020B0503020204020204" charset="-122"/>
-              <a:ea typeface="微软雅黑" panose="020B0503020204020204" charset="-122"/>
-            </a:endParaRPr>
           </a:p>
         </p:txBody>
       </p:sp>
@@ -8461,16 +8535,12 @@
           <a:p>
             <a:pPr algn="ctr"/>
             <a:r>
-              <a:rPr lang="en-US">
+              <a:rPr lang="en-US" dirty="0">
                 <a:latin typeface="微软雅黑" panose="020B0503020204020204" charset="-122"/>
                 <a:ea typeface="微软雅黑" panose="020B0503020204020204" charset="-122"/>
               </a:rPr>
               <a:t>……</a:t>
             </a:r>
-            <a:endParaRPr lang="en-US">
-              <a:latin typeface="微软雅黑" panose="020B0503020204020204" charset="-122"/>
-              <a:ea typeface="微软雅黑" panose="020B0503020204020204" charset="-122"/>
-            </a:endParaRPr>
           </a:p>
         </p:txBody>
       </p:sp>
@@ -8516,11 +8586,6 @@
               </a:rPr>
               <a:t>调度器</a:t>
             </a:r>
-            <a:endParaRPr lang="zh-CN" altLang="en-US" dirty="0">
-              <a:latin typeface="微软雅黑" panose="020B0503020204020204" charset="-122"/>
-              <a:ea typeface="微软雅黑" panose="020B0503020204020204" charset="-122"/>
-              <a:sym typeface="+mn-ea"/>
-            </a:endParaRPr>
           </a:p>
           <a:p>
             <a:pPr algn="ctr"/>
@@ -8531,10 +8596,6 @@
               </a:rPr>
               <a:t>quartz</a:t>
             </a:r>
-            <a:endParaRPr lang="en-US" altLang="zh-CN" dirty="0">
-              <a:latin typeface="微软雅黑" panose="020B0503020204020204" charset="-122"/>
-              <a:ea typeface="微软雅黑" panose="020B0503020204020204" charset="-122"/>
-            </a:endParaRPr>
           </a:p>
         </p:txBody>
       </p:sp>
@@ -8775,27 +8836,17 @@
               </a:rPr>
               <a:t>执行器服务</a:t>
             </a:r>
-            <a:endParaRPr lang="zh-CN" altLang="en-US">
-              <a:solidFill>
-                <a:schemeClr val="tx1"/>
-              </a:solidFill>
-            </a:endParaRPr>
-          </a:p>
-          <a:p>
-            <a:pPr algn="ctr"/>
-            <a:r>
-              <a:rPr lang="en-US" altLang="zh-CN">
+          </a:p>
+          <a:p>
+            <a:pPr algn="ctr"/>
+            <a:r>
+              <a:rPr lang="en-US" altLang="zh-CN" dirty="0">
                 <a:solidFill>
                   <a:schemeClr val="tx1"/>
                 </a:solidFill>
               </a:rPr>
               <a:t>jetty</a:t>
             </a:r>
-            <a:endParaRPr lang="en-US" altLang="zh-CN">
-              <a:solidFill>
-                <a:schemeClr val="tx1"/>
-              </a:solidFill>
-            </a:endParaRPr>
           </a:p>
         </p:txBody>
       </p:sp>
@@ -8928,12 +8979,6 @@
               </a:rPr>
               <a:t>回调日志</a:t>
             </a:r>
-            <a:endParaRPr lang="zh-CN" altLang="en-US" dirty="0">
-              <a:solidFill>
-                <a:schemeClr val="tx1"/>
-              </a:solidFill>
-              <a:sym typeface="+mn-ea"/>
-            </a:endParaRPr>
           </a:p>
           <a:p>
             <a:pPr algn="ctr"/>
@@ -8945,11 +8990,6 @@
               </a:rPr>
               <a:t>queue</a:t>
             </a:r>
-            <a:endParaRPr lang="en-US" altLang="zh-CN" dirty="0">
-              <a:solidFill>
-                <a:schemeClr val="tx1"/>
-              </a:solidFill>
-            </a:endParaRPr>
           </a:p>
         </p:txBody>
       </p:sp>
@@ -9099,11 +9139,6 @@
               </a:rPr>
               <a:t>任务</a:t>
             </a:r>
-            <a:endParaRPr lang="zh-CN" altLang="en-US" dirty="0">
-              <a:solidFill>
-                <a:schemeClr val="tx1"/>
-              </a:solidFill>
-            </a:endParaRPr>
           </a:p>
         </p:txBody>
       </p:sp>
@@ -9237,18 +9272,13 @@
               <a:t>调度请求</a:t>
             </a:r>
             <a:r>
-              <a:rPr lang="en-US" altLang="zh-CN">
+              <a:rPr lang="en-US" altLang="zh-CN" dirty="0">
                 <a:solidFill>
                   <a:schemeClr val="tx1"/>
                 </a:solidFill>
               </a:rPr>
               <a:t>queue</a:t>
             </a:r>
-            <a:endParaRPr lang="en-US" altLang="zh-CN">
-              <a:solidFill>
-                <a:schemeClr val="tx1"/>
-              </a:solidFill>
-            </a:endParaRPr>
           </a:p>
         </p:txBody>
       </p:sp>
@@ -9302,11 +9332,6 @@
               </a:rPr>
               <a:t>执行线程</a:t>
             </a:r>
-            <a:endParaRPr lang="zh-CN" altLang="en-US" dirty="0">
-              <a:solidFill>
-                <a:schemeClr val="tx1"/>
-              </a:solidFill>
-            </a:endParaRPr>
           </a:p>
         </p:txBody>
       </p:sp>
@@ -9690,14 +9715,6 @@
               </a:rPr>
               <a:t>调度中心</a:t>
             </a:r>
-            <a:endParaRPr kumimoji="1" lang="zh-CN" altLang="en-US" sz="1600" b="1" dirty="0">
-              <a:solidFill>
-                <a:schemeClr val="tx1"/>
-              </a:solidFill>
-              <a:latin typeface="Heiti SC Light" charset="-122"/>
-              <a:ea typeface="Heiti SC Light" charset="-122"/>
-              <a:cs typeface="Heiti SC Light" charset="-122"/>
-            </a:endParaRPr>
           </a:p>
         </p:txBody>
       </p:sp>
@@ -9800,11 +9817,6 @@
               </a:rPr>
               <a:t>注册服务</a:t>
             </a:r>
-            <a:endParaRPr kumimoji="1" lang="zh-CN" altLang="en-US" sz="1400" dirty="0" smtClean="0">
-              <a:latin typeface="Heiti SC Light" charset="-122"/>
-              <a:ea typeface="Heiti SC Light" charset="-122"/>
-              <a:cs typeface="Heiti SC Light" charset="-122"/>
-            </a:endParaRPr>
           </a:p>
           <a:p>
             <a:pPr algn="ctr">
@@ -10489,11 +10501,6 @@
               </a:rPr>
               <a:t>调度器</a:t>
             </a:r>
-            <a:endParaRPr kumimoji="1" lang="zh-CN" altLang="en-US" sz="1400" dirty="0" smtClean="0">
-              <a:latin typeface="Heiti SC Light" charset="-122"/>
-              <a:ea typeface="Heiti SC Light" charset="-122"/>
-              <a:cs typeface="Heiti SC Light" charset="-122"/>
-            </a:endParaRPr>
           </a:p>
           <a:p>
             <a:pPr algn="ctr">
@@ -10570,11 +10577,6 @@
               </a:rPr>
               <a:t>服务</a:t>
             </a:r>
-            <a:endParaRPr kumimoji="1" lang="zh-CN" altLang="en-US" sz="1400" dirty="0" smtClean="0">
-              <a:latin typeface="Heiti SC Light" charset="-122"/>
-              <a:ea typeface="Heiti SC Light" charset="-122"/>
-              <a:cs typeface="Heiti SC Light" charset="-122"/>
-            </a:endParaRPr>
           </a:p>
           <a:p>
             <a:pPr algn="ctr">
@@ -10646,11 +10648,6 @@
               </a:rPr>
               <a:t>日志管理</a:t>
             </a:r>
-            <a:endParaRPr kumimoji="1" lang="zh-CN" altLang="en-US" sz="1400" b="1" dirty="0">
-              <a:latin typeface="Heiti SC Light" charset="-122"/>
-              <a:ea typeface="Heiti SC Light" charset="-122"/>
-              <a:cs typeface="Heiti SC Light" charset="-122"/>
-            </a:endParaRPr>
           </a:p>
         </p:txBody>
       </p:sp>
@@ -10701,11 +10698,6 @@
               </a:rPr>
               <a:t>调度日志</a:t>
             </a:r>
-            <a:endParaRPr kumimoji="1" lang="zh-CN" altLang="en-US" sz="1400" dirty="0">
-              <a:latin typeface="Heiti SC Light" charset="-122"/>
-              <a:ea typeface="Heiti SC Light" charset="-122"/>
-              <a:cs typeface="Heiti SC Light" charset="-122"/>
-            </a:endParaRPr>
           </a:p>
         </p:txBody>
       </p:sp>
@@ -10764,11 +10756,6 @@
               </a:rPr>
               <a:t>日志</a:t>
             </a:r>
-            <a:endParaRPr kumimoji="1" lang="zh-CN" altLang="en-US" sz="1400" dirty="0">
-              <a:latin typeface="Heiti SC Light" charset="-122"/>
-              <a:ea typeface="Heiti SC Light" charset="-122"/>
-              <a:cs typeface="Heiti SC Light" charset="-122"/>
-            </a:endParaRPr>
           </a:p>
         </p:txBody>
       </p:sp>
@@ -10827,11 +10814,6 @@
               </a:rPr>
               <a:t>版本日志</a:t>
             </a:r>
-            <a:endParaRPr kumimoji="1" lang="zh-CN" altLang="en-US" sz="1400" dirty="0">
-              <a:latin typeface="Heiti SC Light" charset="-122"/>
-              <a:ea typeface="Heiti SC Light" charset="-122"/>
-              <a:cs typeface="Heiti SC Light" charset="-122"/>
-            </a:endParaRPr>
           </a:p>
         </p:txBody>
       </p:sp>
@@ -11505,11 +11487,6 @@
               </a:rPr>
               <a:t>调度结果</a:t>
             </a:r>
-            <a:endParaRPr kumimoji="1" lang="zh-CN" altLang="en-US" sz="1400" dirty="0" smtClean="0">
-              <a:latin typeface="Heiti SC Light" charset="-122"/>
-              <a:ea typeface="Heiti SC Light" charset="-122"/>
-              <a:cs typeface="Heiti SC Light" charset="-122"/>
-            </a:endParaRPr>
           </a:p>
           <a:p>
             <a:pPr algn="ctr"/>
@@ -11662,11 +11639,6 @@
               </a:rPr>
               <a:t>任务线程</a:t>
             </a:r>
-            <a:endParaRPr kumimoji="1" lang="zh-CN" altLang="en-US" sz="1400" dirty="0">
-              <a:latin typeface="Heiti SC Light" charset="-122"/>
-              <a:ea typeface="Heiti SC Light" charset="-122"/>
-              <a:cs typeface="Heiti SC Light" charset="-122"/>
-            </a:endParaRPr>
           </a:p>
         </p:txBody>
       </p:sp>
@@ -11712,11 +11684,6 @@
               </a:rPr>
               <a:t>调度请求</a:t>
             </a:r>
-            <a:endParaRPr kumimoji="1" lang="zh-CN" altLang="en-US" sz="1400" dirty="0">
-              <a:latin typeface="Heiti SC Light" charset="-122"/>
-              <a:ea typeface="Heiti SC Light" charset="-122"/>
-              <a:cs typeface="Heiti SC Light" charset="-122"/>
-            </a:endParaRPr>
           </a:p>
           <a:p>
             <a:pPr algn="ctr"/>
@@ -11965,46 +11932,41 @@
               </a:rPr>
               <a:t>执行日志</a:t>
             </a:r>
+          </a:p>
+          <a:p>
+            <a:pPr algn="ctr">
+              <a:defRPr/>
+            </a:pPr>
+            <a:r>
+              <a:rPr kumimoji="1" lang="en-US" altLang="zh-CN" sz="1400" dirty="0">
+                <a:latin typeface="Heiti SC Light" charset="-122"/>
+                <a:ea typeface="Heiti SC Light" charset="-122"/>
+                <a:cs typeface="Heiti SC Light" charset="-122"/>
+              </a:rPr>
+              <a:t>(Log</a:t>
+            </a:r>
+            <a:r>
+              <a:rPr kumimoji="1" lang="zh-CN" altLang="en-US" sz="1400" dirty="0">
+                <a:latin typeface="Heiti SC Light" charset="-122"/>
+                <a:ea typeface="Heiti SC Light" charset="-122"/>
+                <a:cs typeface="Heiti SC Light" charset="-122"/>
+              </a:rPr>
+              <a:t>文件</a:t>
+            </a:r>
+            <a:r>
+              <a:rPr kumimoji="1" lang="en-US" altLang="zh-CN" sz="1400" dirty="0">
+                <a:latin typeface="Heiti SC Light" charset="-122"/>
+                <a:ea typeface="Heiti SC Light" charset="-122"/>
+                <a:cs typeface="Heiti SC Light" charset="-122"/>
+              </a:rPr>
+              <a:t>)</a:t>
+            </a:r>
             <a:endParaRPr kumimoji="1" lang="zh-CN" altLang="en-US" sz="1400" dirty="0">
               <a:latin typeface="Heiti SC Light" charset="-122"/>
               <a:ea typeface="Heiti SC Light" charset="-122"/>
               <a:cs typeface="Heiti SC Light" charset="-122"/>
             </a:endParaRPr>
           </a:p>
-          <a:p>
-            <a:pPr algn="ctr">
-              <a:defRPr/>
-            </a:pPr>
-            <a:r>
-              <a:rPr kumimoji="1" lang="en-US" altLang="zh-CN" sz="1400" dirty="0">
-                <a:latin typeface="Heiti SC Light" charset="-122"/>
-                <a:ea typeface="Heiti SC Light" charset="-122"/>
-                <a:cs typeface="Heiti SC Light" charset="-122"/>
-              </a:rPr>
-              <a:t>(Log</a:t>
-            </a:r>
-            <a:r>
-              <a:rPr kumimoji="1" lang="zh-CN" altLang="en-US" sz="1400" dirty="0">
-                <a:latin typeface="Heiti SC Light" charset="-122"/>
-                <a:ea typeface="Heiti SC Light" charset="-122"/>
-                <a:cs typeface="Heiti SC Light" charset="-122"/>
-              </a:rPr>
-              <a:t>文件</a:t>
-            </a:r>
-            <a:r>
-              <a:rPr kumimoji="1" lang="en-US" altLang="zh-CN" sz="1400" dirty="0">
-                <a:latin typeface="Heiti SC Light" charset="-122"/>
-                <a:ea typeface="Heiti SC Light" charset="-122"/>
-                <a:cs typeface="Heiti SC Light" charset="-122"/>
-              </a:rPr>
-              <a:t>)</a:t>
-            </a:r>
-            <a:endParaRPr kumimoji="1" lang="zh-CN" altLang="en-US" sz="1400" dirty="0">
-              <a:latin typeface="Heiti SC Light" charset="-122"/>
-              <a:ea typeface="Heiti SC Light" charset="-122"/>
-              <a:cs typeface="Heiti SC Light" charset="-122"/>
-            </a:endParaRPr>
-          </a:p>
         </p:txBody>
       </p:sp>
       <p:sp>
@@ -12052,11 +12014,6 @@
               </a:rPr>
               <a:t>回调线程</a:t>
             </a:r>
-            <a:endParaRPr kumimoji="1" lang="zh-CN" altLang="en-US" sz="1400" dirty="0">
-              <a:latin typeface="Heiti SC Light" charset="-122"/>
-              <a:ea typeface="Heiti SC Light" charset="-122"/>
-              <a:cs typeface="Heiti SC Light" charset="-122"/>
-            </a:endParaRPr>
           </a:p>
         </p:txBody>
       </p:sp>
@@ -12185,100 +12142,90 @@
               </a:rPr>
               <a:t>日志</a:t>
             </a:r>
+          </a:p>
+          <a:p>
+            <a:pPr algn="ctr">
+              <a:defRPr/>
+            </a:pPr>
+            <a:r>
+              <a:rPr kumimoji="1" lang="en-US" altLang="zh-CN" sz="1400" dirty="0">
+                <a:latin typeface="Heiti SC Light" charset="-122"/>
+                <a:ea typeface="Heiti SC Light" charset="-122"/>
+                <a:cs typeface="Heiti SC Light" charset="-122"/>
+              </a:rPr>
+              <a:t>(</a:t>
+            </a:r>
+            <a:r>
+              <a:rPr kumimoji="1" lang="zh-CN" altLang="en-US" sz="1400" dirty="0">
+                <a:latin typeface="Heiti SC Light" charset="-122"/>
+                <a:ea typeface="Heiti SC Light" charset="-122"/>
+                <a:cs typeface="Heiti SC Light" charset="-122"/>
+              </a:rPr>
+              <a:t>实时</a:t>
+            </a:r>
+            <a:r>
+              <a:rPr kumimoji="1" lang="en-US" altLang="zh-CN" sz="1400" dirty="0">
+                <a:latin typeface="Heiti SC Light" charset="-122"/>
+                <a:ea typeface="Heiti SC Light" charset="-122"/>
+                <a:cs typeface="Heiti SC Light" charset="-122"/>
+              </a:rPr>
+              <a:t>)</a:t>
+            </a:r>
             <a:endParaRPr kumimoji="1" lang="zh-CN" altLang="en-US" sz="1400" dirty="0">
               <a:latin typeface="Heiti SC Light" charset="-122"/>
               <a:ea typeface="Heiti SC Light" charset="-122"/>
               <a:cs typeface="Heiti SC Light" charset="-122"/>
             </a:endParaRPr>
           </a:p>
+        </p:txBody>
+      </p:sp>
+      <p:sp>
+        <p:nvSpPr>
+          <p:cNvPr id="122" name="可选流程 121"/>
+          <p:cNvSpPr/>
+          <p:nvPr/>
+        </p:nvSpPr>
+        <p:spPr>
+          <a:xfrm>
+            <a:off x="6959118" y="2073918"/>
+            <a:ext cx="1074713" cy="580685"/>
+          </a:xfrm>
+          <a:prstGeom prst="flowChartAlternateProcess">
+            <a:avLst/>
+          </a:prstGeom>
+          <a:solidFill>
+            <a:srgbClr val="6095C9"/>
+          </a:solidFill>
+        </p:spPr>
+        <p:style>
+          <a:lnRef idx="0">
+            <a:schemeClr val="accent1"/>
+          </a:lnRef>
+          <a:fillRef idx="3">
+            <a:schemeClr val="accent1"/>
+          </a:fillRef>
+          <a:effectRef idx="3">
+            <a:schemeClr val="accent1"/>
+          </a:effectRef>
+          <a:fontRef idx="minor">
+            <a:schemeClr val="lt1"/>
+          </a:fontRef>
+        </p:style>
+        <p:txBody>
+          <a:bodyPr anchor="ctr"/>
+          <a:lstStyle/>
           <a:p>
             <a:pPr algn="ctr">
               <a:defRPr/>
             </a:pPr>
             <a:r>
-              <a:rPr kumimoji="1" lang="en-US" altLang="zh-CN" sz="1400" dirty="0">
-                <a:latin typeface="Heiti SC Light" charset="-122"/>
-                <a:ea typeface="Heiti SC Light" charset="-122"/>
-                <a:cs typeface="Heiti SC Light" charset="-122"/>
-              </a:rPr>
-              <a:t>(</a:t>
-            </a:r>
-            <a:r>
               <a:rPr kumimoji="1" lang="zh-CN" altLang="en-US" sz="1400" dirty="0">
                 <a:latin typeface="Heiti SC Light" charset="-122"/>
                 <a:ea typeface="Heiti SC Light" charset="-122"/>
                 <a:cs typeface="Heiti SC Light" charset="-122"/>
               </a:rPr>
-              <a:t>实时</a:t>
-            </a:r>
-            <a:r>
-              <a:rPr kumimoji="1" lang="en-US" altLang="zh-CN" sz="1400" dirty="0">
-                <a:latin typeface="Heiti SC Light" charset="-122"/>
-                <a:ea typeface="Heiti SC Light" charset="-122"/>
-                <a:cs typeface="Heiti SC Light" charset="-122"/>
-              </a:rPr>
-              <a:t>)</a:t>
-            </a:r>
-            <a:endParaRPr kumimoji="1" lang="zh-CN" altLang="en-US" sz="1400" dirty="0">
-              <a:latin typeface="Heiti SC Light" charset="-122"/>
-              <a:ea typeface="Heiti SC Light" charset="-122"/>
-              <a:cs typeface="Heiti SC Light" charset="-122"/>
-            </a:endParaRPr>
-          </a:p>
-        </p:txBody>
-      </p:sp>
-      <p:sp>
-        <p:nvSpPr>
-          <p:cNvPr id="122" name="可选流程 121"/>
-          <p:cNvSpPr/>
-          <p:nvPr/>
-        </p:nvSpPr>
-        <p:spPr>
-          <a:xfrm>
-            <a:off x="6959118" y="2073918"/>
-            <a:ext cx="1074713" cy="580685"/>
-          </a:xfrm>
-          <a:prstGeom prst="flowChartAlternateProcess">
-            <a:avLst/>
-          </a:prstGeom>
-          <a:solidFill>
-            <a:srgbClr val="6095C9"/>
-          </a:solidFill>
-        </p:spPr>
-        <p:style>
-          <a:lnRef idx="0">
-            <a:schemeClr val="accent1"/>
-          </a:lnRef>
-          <a:fillRef idx="3">
-            <a:schemeClr val="accent1"/>
-          </a:fillRef>
-          <a:effectRef idx="3">
-            <a:schemeClr val="accent1"/>
-          </a:effectRef>
-          <a:fontRef idx="minor">
-            <a:schemeClr val="lt1"/>
-          </a:fontRef>
-        </p:style>
-        <p:txBody>
-          <a:bodyPr anchor="ctr"/>
-          <a:lstStyle/>
-          <a:p>
-            <a:pPr algn="ctr">
-              <a:defRPr/>
-            </a:pPr>
-            <a:r>
-              <a:rPr kumimoji="1" lang="zh-CN" altLang="en-US" sz="1400" dirty="0">
-                <a:latin typeface="Heiti SC Light" charset="-122"/>
-                <a:ea typeface="Heiti SC Light" charset="-122"/>
-                <a:cs typeface="Heiti SC Light" charset="-122"/>
-              </a:rPr>
               <a:t>日志服务</a:t>
             </a:r>
-            <a:endParaRPr kumimoji="1" lang="zh-CN" altLang="en-US" sz="1400" dirty="0">
-              <a:latin typeface="Heiti SC Light" charset="-122"/>
-              <a:ea typeface="Heiti SC Light" charset="-122"/>
-              <a:cs typeface="Heiti SC Light" charset="-122"/>
-            </a:endParaRPr>
           </a:p>
           <a:p>
             <a:pPr algn="ctr">
@@ -12449,14 +12396,6 @@
               </a:rPr>
               <a:t>调度中心</a:t>
             </a:r>
-            <a:endParaRPr kumimoji="1" lang="zh-CN" altLang="en-US" sz="1600" b="1" dirty="0">
-              <a:solidFill>
-                <a:schemeClr val="tx1"/>
-              </a:solidFill>
-              <a:latin typeface="Heiti SC Light" charset="-122"/>
-              <a:ea typeface="Heiti SC Light" charset="-122"/>
-              <a:cs typeface="Heiti SC Light" charset="-122"/>
-            </a:endParaRPr>
           </a:p>
         </p:txBody>
       </p:sp>
@@ -12559,11 +12498,6 @@
               </a:rPr>
               <a:t>注册服务</a:t>
             </a:r>
-            <a:endParaRPr kumimoji="1" lang="zh-CN" altLang="en-US" sz="1400" dirty="0" smtClean="0">
-              <a:latin typeface="Heiti SC Light" charset="-122"/>
-              <a:ea typeface="Heiti SC Light" charset="-122"/>
-              <a:cs typeface="Heiti SC Light" charset="-122"/>
-            </a:endParaRPr>
           </a:p>
           <a:p>
             <a:pPr algn="ctr">
@@ -13248,11 +13182,6 @@
               </a:rPr>
               <a:t>调度器</a:t>
             </a:r>
-            <a:endParaRPr kumimoji="1" lang="zh-CN" altLang="en-US" sz="1400" dirty="0" smtClean="0">
-              <a:latin typeface="Heiti SC Light" charset="-122"/>
-              <a:ea typeface="Heiti SC Light" charset="-122"/>
-              <a:cs typeface="Heiti SC Light" charset="-122"/>
-            </a:endParaRPr>
           </a:p>
           <a:p>
             <a:pPr algn="ctr">
@@ -13329,11 +13258,6 @@
               </a:rPr>
               <a:t>服务</a:t>
             </a:r>
-            <a:endParaRPr kumimoji="1" lang="zh-CN" altLang="en-US" sz="1400" dirty="0" smtClean="0">
-              <a:latin typeface="Heiti SC Light" charset="-122"/>
-              <a:ea typeface="Heiti SC Light" charset="-122"/>
-              <a:cs typeface="Heiti SC Light" charset="-122"/>
-            </a:endParaRPr>
           </a:p>
           <a:p>
             <a:pPr algn="ctr">
@@ -13405,11 +13329,6 @@
               </a:rPr>
               <a:t>日志管理</a:t>
             </a:r>
-            <a:endParaRPr kumimoji="1" lang="zh-CN" altLang="en-US" sz="1400" b="1" dirty="0">
-              <a:latin typeface="Heiti SC Light" charset="-122"/>
-              <a:ea typeface="Heiti SC Light" charset="-122"/>
-              <a:cs typeface="Heiti SC Light" charset="-122"/>
-            </a:endParaRPr>
           </a:p>
         </p:txBody>
       </p:sp>
@@ -13460,11 +13379,6 @@
               </a:rPr>
               <a:t>调度日志</a:t>
             </a:r>
-            <a:endParaRPr kumimoji="1" lang="zh-CN" altLang="en-US" sz="1400" dirty="0">
-              <a:latin typeface="Heiti SC Light" charset="-122"/>
-              <a:ea typeface="Heiti SC Light" charset="-122"/>
-              <a:cs typeface="Heiti SC Light" charset="-122"/>
-            </a:endParaRPr>
           </a:p>
         </p:txBody>
       </p:sp>
@@ -13523,11 +13437,6 @@
               </a:rPr>
               <a:t>日志</a:t>
             </a:r>
-            <a:endParaRPr kumimoji="1" lang="zh-CN" altLang="en-US" sz="1400" dirty="0">
-              <a:latin typeface="Heiti SC Light" charset="-122"/>
-              <a:ea typeface="Heiti SC Light" charset="-122"/>
-              <a:cs typeface="Heiti SC Light" charset="-122"/>
-            </a:endParaRPr>
           </a:p>
         </p:txBody>
       </p:sp>
@@ -13586,11 +13495,6 @@
               </a:rPr>
               <a:t>版本日志</a:t>
             </a:r>
-            <a:endParaRPr kumimoji="1" lang="zh-CN" altLang="en-US" sz="1400" dirty="0">
-              <a:latin typeface="Heiti SC Light" charset="-122"/>
-              <a:ea typeface="Heiti SC Light" charset="-122"/>
-              <a:cs typeface="Heiti SC Light" charset="-122"/>
-            </a:endParaRPr>
           </a:p>
         </p:txBody>
       </p:sp>
@@ -14256,11 +14160,6 @@
               </a:rPr>
               <a:t>调度结果</a:t>
             </a:r>
-            <a:endParaRPr kumimoji="1" lang="zh-CN" altLang="en-US" sz="1400" dirty="0" smtClean="0">
-              <a:latin typeface="Heiti SC Light" charset="-122"/>
-              <a:ea typeface="Heiti SC Light" charset="-122"/>
-              <a:cs typeface="Heiti SC Light" charset="-122"/>
-            </a:endParaRPr>
           </a:p>
           <a:p>
             <a:pPr algn="ctr"/>
@@ -14413,11 +14312,6 @@
               </a:rPr>
               <a:t>任务线程</a:t>
             </a:r>
-            <a:endParaRPr kumimoji="1" lang="zh-CN" altLang="en-US" sz="1400" dirty="0">
-              <a:latin typeface="Heiti SC Light" charset="-122"/>
-              <a:ea typeface="Heiti SC Light" charset="-122"/>
-              <a:cs typeface="Heiti SC Light" charset="-122"/>
-            </a:endParaRPr>
           </a:p>
         </p:txBody>
       </p:sp>
@@ -14463,11 +14357,6 @@
               </a:rPr>
               <a:t>调度请求</a:t>
             </a:r>
-            <a:endParaRPr kumimoji="1" lang="zh-CN" altLang="en-US" sz="1400" dirty="0">
-              <a:latin typeface="Heiti SC Light" charset="-122"/>
-              <a:ea typeface="Heiti SC Light" charset="-122"/>
-              <a:cs typeface="Heiti SC Light" charset="-122"/>
-            </a:endParaRPr>
           </a:p>
           <a:p>
             <a:pPr algn="ctr"/>
@@ -14716,46 +14605,41 @@
               </a:rPr>
               <a:t>执行日志</a:t>
             </a:r>
+          </a:p>
+          <a:p>
+            <a:pPr algn="ctr">
+              <a:defRPr/>
+            </a:pPr>
+            <a:r>
+              <a:rPr kumimoji="1" lang="en-US" altLang="zh-CN" sz="1400" dirty="0">
+                <a:latin typeface="Heiti SC Light" charset="-122"/>
+                <a:ea typeface="Heiti SC Light" charset="-122"/>
+                <a:cs typeface="Heiti SC Light" charset="-122"/>
+              </a:rPr>
+              <a:t>(Log</a:t>
+            </a:r>
+            <a:r>
+              <a:rPr kumimoji="1" lang="zh-CN" altLang="en-US" sz="1400" dirty="0">
+                <a:latin typeface="Heiti SC Light" charset="-122"/>
+                <a:ea typeface="Heiti SC Light" charset="-122"/>
+                <a:cs typeface="Heiti SC Light" charset="-122"/>
+              </a:rPr>
+              <a:t>文件</a:t>
+            </a:r>
+            <a:r>
+              <a:rPr kumimoji="1" lang="en-US" altLang="zh-CN" sz="1400" dirty="0">
+                <a:latin typeface="Heiti SC Light" charset="-122"/>
+                <a:ea typeface="Heiti SC Light" charset="-122"/>
+                <a:cs typeface="Heiti SC Light" charset="-122"/>
+              </a:rPr>
+              <a:t>)</a:t>
+            </a:r>
             <a:endParaRPr kumimoji="1" lang="zh-CN" altLang="en-US" sz="1400" dirty="0">
               <a:latin typeface="Heiti SC Light" charset="-122"/>
               <a:ea typeface="Heiti SC Light" charset="-122"/>
               <a:cs typeface="Heiti SC Light" charset="-122"/>
             </a:endParaRPr>
           </a:p>
-          <a:p>
-            <a:pPr algn="ctr">
-              <a:defRPr/>
-            </a:pPr>
-            <a:r>
-              <a:rPr kumimoji="1" lang="en-US" altLang="zh-CN" sz="1400" dirty="0">
-                <a:latin typeface="Heiti SC Light" charset="-122"/>
-                <a:ea typeface="Heiti SC Light" charset="-122"/>
-                <a:cs typeface="Heiti SC Light" charset="-122"/>
-              </a:rPr>
-              <a:t>(Log</a:t>
-            </a:r>
-            <a:r>
-              <a:rPr kumimoji="1" lang="zh-CN" altLang="en-US" sz="1400" dirty="0">
-                <a:latin typeface="Heiti SC Light" charset="-122"/>
-                <a:ea typeface="Heiti SC Light" charset="-122"/>
-                <a:cs typeface="Heiti SC Light" charset="-122"/>
-              </a:rPr>
-              <a:t>文件</a:t>
-            </a:r>
-            <a:r>
-              <a:rPr kumimoji="1" lang="en-US" altLang="zh-CN" sz="1400" dirty="0">
-                <a:latin typeface="Heiti SC Light" charset="-122"/>
-                <a:ea typeface="Heiti SC Light" charset="-122"/>
-                <a:cs typeface="Heiti SC Light" charset="-122"/>
-              </a:rPr>
-              <a:t>)</a:t>
-            </a:r>
-            <a:endParaRPr kumimoji="1" lang="zh-CN" altLang="en-US" sz="1400" dirty="0">
-              <a:latin typeface="Heiti SC Light" charset="-122"/>
-              <a:ea typeface="Heiti SC Light" charset="-122"/>
-              <a:cs typeface="Heiti SC Light" charset="-122"/>
-            </a:endParaRPr>
-          </a:p>
         </p:txBody>
       </p:sp>
       <p:sp>
@@ -14803,11 +14687,6 @@
               </a:rPr>
               <a:t>回调线程</a:t>
             </a:r>
-            <a:endParaRPr kumimoji="1" lang="zh-CN" altLang="en-US" sz="1400" dirty="0">
-              <a:latin typeface="Heiti SC Light" charset="-122"/>
-              <a:ea typeface="Heiti SC Light" charset="-122"/>
-              <a:cs typeface="Heiti SC Light" charset="-122"/>
-            </a:endParaRPr>
           </a:p>
         </p:txBody>
       </p:sp>
@@ -14936,100 +14815,90 @@
               </a:rPr>
               <a:t>日志</a:t>
             </a:r>
+          </a:p>
+          <a:p>
+            <a:pPr algn="ctr">
+              <a:defRPr/>
+            </a:pPr>
+            <a:r>
+              <a:rPr kumimoji="1" lang="en-US" altLang="zh-CN" sz="1400" dirty="0">
+                <a:latin typeface="Heiti SC Light" charset="-122"/>
+                <a:ea typeface="Heiti SC Light" charset="-122"/>
+                <a:cs typeface="Heiti SC Light" charset="-122"/>
+              </a:rPr>
+              <a:t>(</a:t>
+            </a:r>
+            <a:r>
+              <a:rPr kumimoji="1" lang="zh-CN" altLang="en-US" sz="1400" dirty="0">
+                <a:latin typeface="Heiti SC Light" charset="-122"/>
+                <a:ea typeface="Heiti SC Light" charset="-122"/>
+                <a:cs typeface="Heiti SC Light" charset="-122"/>
+              </a:rPr>
+              <a:t>实时</a:t>
+            </a:r>
+            <a:r>
+              <a:rPr kumimoji="1" lang="en-US" altLang="zh-CN" sz="1400" dirty="0">
+                <a:latin typeface="Heiti SC Light" charset="-122"/>
+                <a:ea typeface="Heiti SC Light" charset="-122"/>
+                <a:cs typeface="Heiti SC Light" charset="-122"/>
+              </a:rPr>
+              <a:t>)</a:t>
+            </a:r>
             <a:endParaRPr kumimoji="1" lang="zh-CN" altLang="en-US" sz="1400" dirty="0">
               <a:latin typeface="Heiti SC Light" charset="-122"/>
               <a:ea typeface="Heiti SC Light" charset="-122"/>
               <a:cs typeface="Heiti SC Light" charset="-122"/>
             </a:endParaRPr>
           </a:p>
+        </p:txBody>
+      </p:sp>
+      <p:sp>
+        <p:nvSpPr>
+          <p:cNvPr id="122" name="可选流程 121"/>
+          <p:cNvSpPr/>
+          <p:nvPr/>
+        </p:nvSpPr>
+        <p:spPr>
+          <a:xfrm>
+            <a:off x="6959118" y="2073918"/>
+            <a:ext cx="1074713" cy="580685"/>
+          </a:xfrm>
+          <a:prstGeom prst="flowChartAlternateProcess">
+            <a:avLst/>
+          </a:prstGeom>
+          <a:solidFill>
+            <a:srgbClr val="6095C9"/>
+          </a:solidFill>
+        </p:spPr>
+        <p:style>
+          <a:lnRef idx="0">
+            <a:schemeClr val="accent1"/>
+          </a:lnRef>
+          <a:fillRef idx="3">
+            <a:schemeClr val="accent1"/>
+          </a:fillRef>
+          <a:effectRef idx="3">
+            <a:schemeClr val="accent1"/>
+          </a:effectRef>
+          <a:fontRef idx="minor">
+            <a:schemeClr val="lt1"/>
+          </a:fontRef>
+        </p:style>
+        <p:txBody>
+          <a:bodyPr anchor="ctr"/>
+          <a:lstStyle/>
           <a:p>
             <a:pPr algn="ctr">
               <a:defRPr/>
             </a:pPr>
             <a:r>
-              <a:rPr kumimoji="1" lang="en-US" altLang="zh-CN" sz="1400" dirty="0">
-                <a:latin typeface="Heiti SC Light" charset="-122"/>
-                <a:ea typeface="Heiti SC Light" charset="-122"/>
-                <a:cs typeface="Heiti SC Light" charset="-122"/>
-              </a:rPr>
-              <a:t>(</a:t>
-            </a:r>
-            <a:r>
               <a:rPr kumimoji="1" lang="zh-CN" altLang="en-US" sz="1400" dirty="0">
                 <a:latin typeface="Heiti SC Light" charset="-122"/>
                 <a:ea typeface="Heiti SC Light" charset="-122"/>
                 <a:cs typeface="Heiti SC Light" charset="-122"/>
               </a:rPr>
-              <a:t>实时</a:t>
-            </a:r>
-            <a:r>
-              <a:rPr kumimoji="1" lang="en-US" altLang="zh-CN" sz="1400" dirty="0">
-                <a:latin typeface="Heiti SC Light" charset="-122"/>
-                <a:ea typeface="Heiti SC Light" charset="-122"/>
-                <a:cs typeface="Heiti SC Light" charset="-122"/>
-              </a:rPr>
-              <a:t>)</a:t>
-            </a:r>
-            <a:endParaRPr kumimoji="1" lang="zh-CN" altLang="en-US" sz="1400" dirty="0">
-              <a:latin typeface="Heiti SC Light" charset="-122"/>
-              <a:ea typeface="Heiti SC Light" charset="-122"/>
-              <a:cs typeface="Heiti SC Light" charset="-122"/>
-            </a:endParaRPr>
-          </a:p>
-        </p:txBody>
-      </p:sp>
-      <p:sp>
-        <p:nvSpPr>
-          <p:cNvPr id="122" name="可选流程 121"/>
-          <p:cNvSpPr/>
-          <p:nvPr/>
-        </p:nvSpPr>
-        <p:spPr>
-          <a:xfrm>
-            <a:off x="6959118" y="2073918"/>
-            <a:ext cx="1074713" cy="580685"/>
-          </a:xfrm>
-          <a:prstGeom prst="flowChartAlternateProcess">
-            <a:avLst/>
-          </a:prstGeom>
-          <a:solidFill>
-            <a:srgbClr val="6095C9"/>
-          </a:solidFill>
-        </p:spPr>
-        <p:style>
-          <a:lnRef idx="0">
-            <a:schemeClr val="accent1"/>
-          </a:lnRef>
-          <a:fillRef idx="3">
-            <a:schemeClr val="accent1"/>
-          </a:fillRef>
-          <a:effectRef idx="3">
-            <a:schemeClr val="accent1"/>
-          </a:effectRef>
-          <a:fontRef idx="minor">
-            <a:schemeClr val="lt1"/>
-          </a:fontRef>
-        </p:style>
-        <p:txBody>
-          <a:bodyPr anchor="ctr"/>
-          <a:lstStyle/>
-          <a:p>
-            <a:pPr algn="ctr">
-              <a:defRPr/>
-            </a:pPr>
-            <a:r>
-              <a:rPr kumimoji="1" lang="zh-CN" altLang="en-US" sz="1400" dirty="0">
-                <a:latin typeface="Heiti SC Light" charset="-122"/>
-                <a:ea typeface="Heiti SC Light" charset="-122"/>
-                <a:cs typeface="Heiti SC Light" charset="-122"/>
-              </a:rPr>
               <a:t>日志服务</a:t>
             </a:r>
-            <a:endParaRPr kumimoji="1" lang="zh-CN" altLang="en-US" sz="1400" dirty="0">
-              <a:latin typeface="Heiti SC Light" charset="-122"/>
-              <a:ea typeface="Heiti SC Light" charset="-122"/>
-              <a:cs typeface="Heiti SC Light" charset="-122"/>
-            </a:endParaRPr>
           </a:p>
           <a:p>
             <a:pPr algn="ctr">
@@ -15138,14 +15007,6 @@
               </a:rPr>
               <a:t>调度中心</a:t>
             </a:r>
-            <a:endParaRPr kumimoji="1" lang="zh-CN" altLang="en-US" sz="1600" b="1" dirty="0">
-              <a:solidFill>
-                <a:schemeClr val="tx1"/>
-              </a:solidFill>
-              <a:latin typeface="Heiti SC Light" charset="-122"/>
-              <a:ea typeface="Heiti SC Light" charset="-122"/>
-              <a:cs typeface="Heiti SC Light" charset="-122"/>
-            </a:endParaRPr>
           </a:p>
         </p:txBody>
       </p:sp>
@@ -15248,11 +15109,6 @@
               </a:rPr>
               <a:t>注册服务</a:t>
             </a:r>
-            <a:endParaRPr kumimoji="1" lang="zh-CN" altLang="en-US" sz="1400" dirty="0" smtClean="0">
-              <a:latin typeface="Heiti SC Light" charset="-122"/>
-              <a:ea typeface="Heiti SC Light" charset="-122"/>
-              <a:cs typeface="Heiti SC Light" charset="-122"/>
-            </a:endParaRPr>
           </a:p>
           <a:p>
             <a:pPr algn="ctr">
@@ -15937,11 +15793,6 @@
               </a:rPr>
               <a:t>调度器</a:t>
             </a:r>
-            <a:endParaRPr kumimoji="1" lang="zh-CN" altLang="en-US" sz="1400" dirty="0" smtClean="0">
-              <a:latin typeface="Heiti SC Light" charset="-122"/>
-              <a:ea typeface="Heiti SC Light" charset="-122"/>
-              <a:cs typeface="Heiti SC Light" charset="-122"/>
-            </a:endParaRPr>
           </a:p>
           <a:p>
             <a:pPr algn="ctr">
@@ -16018,11 +15869,6 @@
               </a:rPr>
               <a:t>服务</a:t>
             </a:r>
-            <a:endParaRPr kumimoji="1" lang="zh-CN" altLang="en-US" sz="1400" dirty="0" smtClean="0">
-              <a:latin typeface="Heiti SC Light" charset="-122"/>
-              <a:ea typeface="Heiti SC Light" charset="-122"/>
-              <a:cs typeface="Heiti SC Light" charset="-122"/>
-            </a:endParaRPr>
           </a:p>
           <a:p>
             <a:pPr algn="ctr">
@@ -16094,11 +15940,6 @@
               </a:rPr>
               <a:t>日志管理</a:t>
             </a:r>
-            <a:endParaRPr kumimoji="1" lang="zh-CN" altLang="en-US" sz="1400" b="1" dirty="0">
-              <a:latin typeface="Heiti SC Light" charset="-122"/>
-              <a:ea typeface="Heiti SC Light" charset="-122"/>
-              <a:cs typeface="Heiti SC Light" charset="-122"/>
-            </a:endParaRPr>
           </a:p>
         </p:txBody>
       </p:sp>
@@ -16149,11 +15990,6 @@
               </a:rPr>
               <a:t>调度日志</a:t>
             </a:r>
-            <a:endParaRPr kumimoji="1" lang="zh-CN" altLang="en-US" sz="1400" dirty="0">
-              <a:latin typeface="Heiti SC Light" charset="-122"/>
-              <a:ea typeface="Heiti SC Light" charset="-122"/>
-              <a:cs typeface="Heiti SC Light" charset="-122"/>
-            </a:endParaRPr>
           </a:p>
         </p:txBody>
       </p:sp>
@@ -16212,11 +16048,6 @@
               </a:rPr>
               <a:t>日志</a:t>
             </a:r>
-            <a:endParaRPr kumimoji="1" lang="zh-CN" altLang="en-US" sz="1400" dirty="0">
-              <a:latin typeface="Heiti SC Light" charset="-122"/>
-              <a:ea typeface="Heiti SC Light" charset="-122"/>
-              <a:cs typeface="Heiti SC Light" charset="-122"/>
-            </a:endParaRPr>
           </a:p>
         </p:txBody>
       </p:sp>
@@ -16275,11 +16106,6 @@
               </a:rPr>
               <a:t>版本日志</a:t>
             </a:r>
-            <a:endParaRPr kumimoji="1" lang="zh-CN" altLang="en-US" sz="1400" dirty="0">
-              <a:latin typeface="Heiti SC Light" charset="-122"/>
-              <a:ea typeface="Heiti SC Light" charset="-122"/>
-              <a:cs typeface="Heiti SC Light" charset="-122"/>
-            </a:endParaRPr>
           </a:p>
         </p:txBody>
       </p:sp>
@@ -16945,11 +16771,6 @@
               </a:rPr>
               <a:t>调度结果</a:t>
             </a:r>
-            <a:endParaRPr kumimoji="1" lang="zh-CN" altLang="en-US" sz="1400" dirty="0" smtClean="0">
-              <a:latin typeface="Heiti SC Light" charset="-122"/>
-              <a:ea typeface="Heiti SC Light" charset="-122"/>
-              <a:cs typeface="Heiti SC Light" charset="-122"/>
-            </a:endParaRPr>
           </a:p>
           <a:p>
             <a:pPr algn="ctr"/>
@@ -17102,11 +16923,6 @@
               </a:rPr>
               <a:t>任务线程</a:t>
             </a:r>
-            <a:endParaRPr kumimoji="1" lang="zh-CN" altLang="en-US" sz="1400" dirty="0">
-              <a:latin typeface="Heiti SC Light" charset="-122"/>
-              <a:ea typeface="Heiti SC Light" charset="-122"/>
-              <a:cs typeface="Heiti SC Light" charset="-122"/>
-            </a:endParaRPr>
           </a:p>
         </p:txBody>
       </p:sp>
@@ -17152,11 +16968,6 @@
               </a:rPr>
               <a:t>调度请求</a:t>
             </a:r>
-            <a:endParaRPr kumimoji="1" lang="zh-CN" altLang="en-US" sz="1400" dirty="0">
-              <a:latin typeface="Heiti SC Light" charset="-122"/>
-              <a:ea typeface="Heiti SC Light" charset="-122"/>
-              <a:cs typeface="Heiti SC Light" charset="-122"/>
-            </a:endParaRPr>
           </a:p>
           <a:p>
             <a:pPr algn="ctr"/>
@@ -17405,46 +17216,41 @@
               </a:rPr>
               <a:t>执行日志</a:t>
             </a:r>
+          </a:p>
+          <a:p>
+            <a:pPr algn="ctr">
+              <a:defRPr/>
+            </a:pPr>
+            <a:r>
+              <a:rPr kumimoji="1" lang="en-US" altLang="zh-CN" sz="1400" dirty="0">
+                <a:latin typeface="Heiti SC Light" charset="-122"/>
+                <a:ea typeface="Heiti SC Light" charset="-122"/>
+                <a:cs typeface="Heiti SC Light" charset="-122"/>
+              </a:rPr>
+              <a:t>(Log</a:t>
+            </a:r>
+            <a:r>
+              <a:rPr kumimoji="1" lang="zh-CN" altLang="en-US" sz="1400" dirty="0">
+                <a:latin typeface="Heiti SC Light" charset="-122"/>
+                <a:ea typeface="Heiti SC Light" charset="-122"/>
+                <a:cs typeface="Heiti SC Light" charset="-122"/>
+              </a:rPr>
+              <a:t>文件</a:t>
+            </a:r>
+            <a:r>
+              <a:rPr kumimoji="1" lang="en-US" altLang="zh-CN" sz="1400" dirty="0">
+                <a:latin typeface="Heiti SC Light" charset="-122"/>
+                <a:ea typeface="Heiti SC Light" charset="-122"/>
+                <a:cs typeface="Heiti SC Light" charset="-122"/>
+              </a:rPr>
+              <a:t>)</a:t>
+            </a:r>
             <a:endParaRPr kumimoji="1" lang="zh-CN" altLang="en-US" sz="1400" dirty="0">
               <a:latin typeface="Heiti SC Light" charset="-122"/>
               <a:ea typeface="Heiti SC Light" charset="-122"/>
               <a:cs typeface="Heiti SC Light" charset="-122"/>
             </a:endParaRPr>
           </a:p>
-          <a:p>
-            <a:pPr algn="ctr">
-              <a:defRPr/>
-            </a:pPr>
-            <a:r>
-              <a:rPr kumimoji="1" lang="en-US" altLang="zh-CN" sz="1400" dirty="0">
-                <a:latin typeface="Heiti SC Light" charset="-122"/>
-                <a:ea typeface="Heiti SC Light" charset="-122"/>
-                <a:cs typeface="Heiti SC Light" charset="-122"/>
-              </a:rPr>
-              <a:t>(Log</a:t>
-            </a:r>
-            <a:r>
-              <a:rPr kumimoji="1" lang="zh-CN" altLang="en-US" sz="1400" dirty="0">
-                <a:latin typeface="Heiti SC Light" charset="-122"/>
-                <a:ea typeface="Heiti SC Light" charset="-122"/>
-                <a:cs typeface="Heiti SC Light" charset="-122"/>
-              </a:rPr>
-              <a:t>文件</a:t>
-            </a:r>
-            <a:r>
-              <a:rPr kumimoji="1" lang="en-US" altLang="zh-CN" sz="1400" dirty="0">
-                <a:latin typeface="Heiti SC Light" charset="-122"/>
-                <a:ea typeface="Heiti SC Light" charset="-122"/>
-                <a:cs typeface="Heiti SC Light" charset="-122"/>
-              </a:rPr>
-              <a:t>)</a:t>
-            </a:r>
-            <a:endParaRPr kumimoji="1" lang="zh-CN" altLang="en-US" sz="1400" dirty="0">
-              <a:latin typeface="Heiti SC Light" charset="-122"/>
-              <a:ea typeface="Heiti SC Light" charset="-122"/>
-              <a:cs typeface="Heiti SC Light" charset="-122"/>
-            </a:endParaRPr>
-          </a:p>
         </p:txBody>
       </p:sp>
       <p:sp>
@@ -17492,11 +17298,6 @@
               </a:rPr>
               <a:t>回调线程</a:t>
             </a:r>
-            <a:endParaRPr kumimoji="1" lang="zh-CN" altLang="en-US" sz="1400" dirty="0">
-              <a:latin typeface="Heiti SC Light" charset="-122"/>
-              <a:ea typeface="Heiti SC Light" charset="-122"/>
-              <a:cs typeface="Heiti SC Light" charset="-122"/>
-            </a:endParaRPr>
           </a:p>
         </p:txBody>
       </p:sp>
@@ -17625,39 +17426,102 @@
               </a:rPr>
               <a:t>日志</a:t>
             </a:r>
+          </a:p>
+          <a:p>
+            <a:pPr algn="ctr">
+              <a:defRPr/>
+            </a:pPr>
+            <a:r>
+              <a:rPr kumimoji="1" lang="en-US" altLang="zh-CN" sz="1400" dirty="0">
+                <a:latin typeface="Heiti SC Light" charset="-122"/>
+                <a:ea typeface="Heiti SC Light" charset="-122"/>
+                <a:cs typeface="Heiti SC Light" charset="-122"/>
+              </a:rPr>
+              <a:t>(</a:t>
+            </a:r>
+            <a:r>
+              <a:rPr kumimoji="1" lang="zh-CN" altLang="en-US" sz="1400" dirty="0">
+                <a:latin typeface="Heiti SC Light" charset="-122"/>
+                <a:ea typeface="Heiti SC Light" charset="-122"/>
+                <a:cs typeface="Heiti SC Light" charset="-122"/>
+              </a:rPr>
+              <a:t>实时</a:t>
+            </a:r>
+            <a:r>
+              <a:rPr kumimoji="1" lang="en-US" altLang="zh-CN" sz="1400" dirty="0">
+                <a:latin typeface="Heiti SC Light" charset="-122"/>
+                <a:ea typeface="Heiti SC Light" charset="-122"/>
+                <a:cs typeface="Heiti SC Light" charset="-122"/>
+              </a:rPr>
+              <a:t>)</a:t>
+            </a:r>
             <a:endParaRPr kumimoji="1" lang="zh-CN" altLang="en-US" sz="1400" dirty="0">
               <a:latin typeface="Heiti SC Light" charset="-122"/>
               <a:ea typeface="Heiti SC Light" charset="-122"/>
               <a:cs typeface="Heiti SC Light" charset="-122"/>
             </a:endParaRPr>
           </a:p>
+        </p:txBody>
+      </p:sp>
+      <p:sp>
+        <p:nvSpPr>
+          <p:cNvPr id="122" name="可选流程 121"/>
+          <p:cNvSpPr/>
+          <p:nvPr/>
+        </p:nvSpPr>
+        <p:spPr>
+          <a:xfrm>
+            <a:off x="6959118" y="2073918"/>
+            <a:ext cx="1074713" cy="580685"/>
+          </a:xfrm>
+          <a:prstGeom prst="flowChartAlternateProcess">
+            <a:avLst/>
+          </a:prstGeom>
+          <a:solidFill>
+            <a:srgbClr val="6095C9"/>
+          </a:solidFill>
+        </p:spPr>
+        <p:style>
+          <a:lnRef idx="0">
+            <a:schemeClr val="accent1"/>
+          </a:lnRef>
+          <a:fillRef idx="3">
+            <a:schemeClr val="accent1"/>
+          </a:fillRef>
+          <a:effectRef idx="3">
+            <a:schemeClr val="accent1"/>
+          </a:effectRef>
+          <a:fontRef idx="minor">
+            <a:schemeClr val="lt1"/>
+          </a:fontRef>
+        </p:style>
+        <p:txBody>
+          <a:bodyPr anchor="ctr"/>
+          <a:lstStyle/>
           <a:p>
             <a:pPr algn="ctr">
               <a:defRPr/>
             </a:pPr>
             <a:r>
+              <a:rPr kumimoji="1" lang="zh-CN" altLang="en-US" sz="1400" dirty="0">
+                <a:latin typeface="Heiti SC Light" charset="-122"/>
+                <a:ea typeface="Heiti SC Light" charset="-122"/>
+                <a:cs typeface="Heiti SC Light" charset="-122"/>
+              </a:rPr>
+              <a:t>日志服务</a:t>
+            </a:r>
+          </a:p>
+          <a:p>
+            <a:pPr algn="ctr">
+              <a:defRPr/>
+            </a:pPr>
+            <a:r>
               <a:rPr kumimoji="1" lang="en-US" altLang="zh-CN" sz="1400" dirty="0">
                 <a:latin typeface="Heiti SC Light" charset="-122"/>
                 <a:ea typeface="Heiti SC Light" charset="-122"/>
                 <a:cs typeface="Heiti SC Light" charset="-122"/>
               </a:rPr>
-              <a:t>(</a:t>
-            </a:r>
-            <a:r>
-              <a:rPr kumimoji="1" lang="zh-CN" altLang="en-US" sz="1400" dirty="0">
-                <a:latin typeface="Heiti SC Light" charset="-122"/>
-                <a:ea typeface="Heiti SC Light" charset="-122"/>
-                <a:cs typeface="Heiti SC Light" charset="-122"/>
-              </a:rPr>
-              <a:t>实时</a:t>
-            </a:r>
-            <a:r>
-              <a:rPr kumimoji="1" lang="en-US" altLang="zh-CN" sz="1400" dirty="0">
-                <a:latin typeface="Heiti SC Light" charset="-122"/>
-                <a:ea typeface="Heiti SC Light" charset="-122"/>
-                <a:cs typeface="Heiti SC Light" charset="-122"/>
-              </a:rPr>
-              <a:t>)</a:t>
+              <a:t>(jetty)</a:t>
             </a:r>
             <a:endParaRPr kumimoji="1" lang="zh-CN" altLang="en-US" sz="1400" dirty="0">
               <a:latin typeface="Heiti SC Light" charset="-122"/>
@@ -17669,79 +17533,6 @@
       </p:sp>
       <p:sp>
         <p:nvSpPr>
-          <p:cNvPr id="122" name="可选流程 121"/>
-          <p:cNvSpPr/>
-          <p:nvPr/>
-        </p:nvSpPr>
-        <p:spPr>
-          <a:xfrm>
-            <a:off x="6959118" y="2073918"/>
-            <a:ext cx="1074713" cy="580685"/>
-          </a:xfrm>
-          <a:prstGeom prst="flowChartAlternateProcess">
-            <a:avLst/>
-          </a:prstGeom>
-          <a:solidFill>
-            <a:srgbClr val="6095C9"/>
-          </a:solidFill>
-        </p:spPr>
-        <p:style>
-          <a:lnRef idx="0">
-            <a:schemeClr val="accent1"/>
-          </a:lnRef>
-          <a:fillRef idx="3">
-            <a:schemeClr val="accent1"/>
-          </a:fillRef>
-          <a:effectRef idx="3">
-            <a:schemeClr val="accent1"/>
-          </a:effectRef>
-          <a:fontRef idx="minor">
-            <a:schemeClr val="lt1"/>
-          </a:fontRef>
-        </p:style>
-        <p:txBody>
-          <a:bodyPr anchor="ctr"/>
-          <a:lstStyle/>
-          <a:p>
-            <a:pPr algn="ctr">
-              <a:defRPr/>
-            </a:pPr>
-            <a:r>
-              <a:rPr kumimoji="1" lang="zh-CN" altLang="en-US" sz="1400" dirty="0">
-                <a:latin typeface="Heiti SC Light" charset="-122"/>
-                <a:ea typeface="Heiti SC Light" charset="-122"/>
-                <a:cs typeface="Heiti SC Light" charset="-122"/>
-              </a:rPr>
-              <a:t>日志服务</a:t>
-            </a:r>
-            <a:endParaRPr kumimoji="1" lang="zh-CN" altLang="en-US" sz="1400" dirty="0">
-              <a:latin typeface="Heiti SC Light" charset="-122"/>
-              <a:ea typeface="Heiti SC Light" charset="-122"/>
-              <a:cs typeface="Heiti SC Light" charset="-122"/>
-            </a:endParaRPr>
-          </a:p>
-          <a:p>
-            <a:pPr algn="ctr">
-              <a:defRPr/>
-            </a:pPr>
-            <a:r>
-              <a:rPr kumimoji="1" lang="en-US" altLang="zh-CN" sz="1400" dirty="0">
-                <a:latin typeface="Heiti SC Light" charset="-122"/>
-                <a:ea typeface="Heiti SC Light" charset="-122"/>
-                <a:cs typeface="Heiti SC Light" charset="-122"/>
-              </a:rPr>
-              <a:t>(jetty)</a:t>
-            </a:r>
-            <a:endParaRPr kumimoji="1" lang="zh-CN" altLang="en-US" sz="1400" dirty="0">
-              <a:latin typeface="Heiti SC Light" charset="-122"/>
-              <a:ea typeface="Heiti SC Light" charset="-122"/>
-              <a:cs typeface="Heiti SC Light" charset="-122"/>
-            </a:endParaRPr>
-          </a:p>
-        </p:txBody>
-      </p:sp>
-      <p:sp>
-        <p:nvSpPr>
           <p:cNvPr id="2" name="矩形 1"/>
           <p:cNvSpPr/>
           <p:nvPr/>
@@ -17786,11 +17577,6 @@
               </a:rPr>
               <a:t>v1.9</a:t>
             </a:r>
-            <a:endParaRPr lang="en-US" altLang="zh-CN" sz="2800" b="1" dirty="0">
-              <a:latin typeface="Heiti SC Light" charset="-122"/>
-              <a:ea typeface="Heiti SC Light" charset="-122"/>
-              <a:cs typeface="Heiti SC Light" charset="-122"/>
-            </a:endParaRPr>
           </a:p>
         </p:txBody>
       </p:sp>
@@ -17881,14 +17667,6 @@
               </a:rPr>
               <a:t>调度中心</a:t>
             </a:r>
-            <a:endParaRPr kumimoji="1" lang="zh-CN" altLang="en-US" sz="1600" b="1" dirty="0">
-              <a:solidFill>
-                <a:schemeClr val="tx1"/>
-              </a:solidFill>
-              <a:latin typeface="Heiti SC Light" charset="-122"/>
-              <a:ea typeface="Heiti SC Light" charset="-122"/>
-              <a:cs typeface="Heiti SC Light" charset="-122"/>
-            </a:endParaRPr>
           </a:p>
         </p:txBody>
       </p:sp>
@@ -17991,11 +17769,6 @@
               </a:rPr>
               <a:t>注册服务</a:t>
             </a:r>
-            <a:endParaRPr kumimoji="1" lang="zh-CN" altLang="en-US" sz="1400" dirty="0" smtClean="0">
-              <a:latin typeface="Heiti SC Light" charset="-122"/>
-              <a:ea typeface="Heiti SC Light" charset="-122"/>
-              <a:cs typeface="Heiti SC Light" charset="-122"/>
-            </a:endParaRPr>
           </a:p>
           <a:p>
             <a:pPr algn="ctr">
@@ -18067,11 +17840,6 @@
               </a:rPr>
               <a:t>任务管理</a:t>
             </a:r>
-            <a:endParaRPr kumimoji="1" lang="zh-CN" altLang="en-US" sz="1400" b="1" dirty="0" smtClean="0">
-              <a:latin typeface="Heiti SC Light" charset="-122"/>
-              <a:ea typeface="Heiti SC Light" charset="-122"/>
-              <a:cs typeface="Heiti SC Light" charset="-122"/>
-            </a:endParaRPr>
           </a:p>
         </p:txBody>
       </p:sp>
@@ -18680,11 +18448,6 @@
               </a:rPr>
               <a:t>调度器</a:t>
             </a:r>
-            <a:endParaRPr kumimoji="1" lang="zh-CN" altLang="en-US" sz="1400" dirty="0" smtClean="0">
-              <a:latin typeface="Heiti SC Light" charset="-122"/>
-              <a:ea typeface="Heiti SC Light" charset="-122"/>
-              <a:cs typeface="Heiti SC Light" charset="-122"/>
-            </a:endParaRPr>
           </a:p>
           <a:p>
             <a:pPr algn="ctr">
@@ -18761,11 +18524,6 @@
               </a:rPr>
               <a:t>服务</a:t>
             </a:r>
-            <a:endParaRPr kumimoji="1" lang="zh-CN" altLang="en-US" sz="1400" dirty="0" smtClean="0">
-              <a:latin typeface="Heiti SC Light" charset="-122"/>
-              <a:ea typeface="Heiti SC Light" charset="-122"/>
-              <a:cs typeface="Heiti SC Light" charset="-122"/>
-            </a:endParaRPr>
           </a:p>
           <a:p>
             <a:pPr algn="ctr">
@@ -18837,11 +18595,6 @@
               </a:rPr>
               <a:t>日志管理</a:t>
             </a:r>
-            <a:endParaRPr kumimoji="1" lang="zh-CN" altLang="en-US" sz="1400" b="1" dirty="0">
-              <a:latin typeface="Heiti SC Light" charset="-122"/>
-              <a:ea typeface="Heiti SC Light" charset="-122"/>
-              <a:cs typeface="Heiti SC Light" charset="-122"/>
-            </a:endParaRPr>
           </a:p>
         </p:txBody>
       </p:sp>
@@ -18892,11 +18645,6 @@
               </a:rPr>
               <a:t>调度日志</a:t>
             </a:r>
-            <a:endParaRPr kumimoji="1" lang="zh-CN" altLang="en-US" sz="1400" dirty="0">
-              <a:latin typeface="Heiti SC Light" charset="-122"/>
-              <a:ea typeface="Heiti SC Light" charset="-122"/>
-              <a:cs typeface="Heiti SC Light" charset="-122"/>
-            </a:endParaRPr>
           </a:p>
         </p:txBody>
       </p:sp>
@@ -18955,11 +18703,6 @@
               </a:rPr>
               <a:t>日志</a:t>
             </a:r>
-            <a:endParaRPr kumimoji="1" lang="zh-CN" altLang="en-US" sz="1400" dirty="0">
-              <a:latin typeface="Heiti SC Light" charset="-122"/>
-              <a:ea typeface="Heiti SC Light" charset="-122"/>
-              <a:cs typeface="Heiti SC Light" charset="-122"/>
-            </a:endParaRPr>
           </a:p>
         </p:txBody>
       </p:sp>
@@ -19018,11 +18761,6 @@
               </a:rPr>
               <a:t>版本日志</a:t>
             </a:r>
-            <a:endParaRPr kumimoji="1" lang="zh-CN" altLang="en-US" sz="1400" dirty="0">
-              <a:latin typeface="Heiti SC Light" charset="-122"/>
-              <a:ea typeface="Heiti SC Light" charset="-122"/>
-              <a:cs typeface="Heiti SC Light" charset="-122"/>
-            </a:endParaRPr>
           </a:p>
         </p:txBody>
       </p:sp>
@@ -19131,11 +18869,6 @@
               </a:rPr>
               <a:t>其他</a:t>
             </a:r>
-            <a:endParaRPr kumimoji="1" lang="zh-CN" altLang="en-US" sz="1400" b="1" dirty="0" smtClean="0">
-              <a:latin typeface="Heiti SC Light" charset="-122"/>
-              <a:ea typeface="Heiti SC Light" charset="-122"/>
-              <a:cs typeface="Heiti SC Light" charset="-122"/>
-            </a:endParaRPr>
           </a:p>
         </p:txBody>
       </p:sp>
@@ -19688,11 +19421,6 @@
               </a:rPr>
               <a:t>调度结果</a:t>
             </a:r>
-            <a:endParaRPr kumimoji="1" lang="zh-CN" altLang="en-US" sz="1400" dirty="0" smtClean="0">
-              <a:latin typeface="Heiti SC Light" charset="-122"/>
-              <a:ea typeface="Heiti SC Light" charset="-122"/>
-              <a:cs typeface="Heiti SC Light" charset="-122"/>
-            </a:endParaRPr>
           </a:p>
           <a:p>
             <a:pPr algn="ctr"/>
@@ -19845,11 +19573,6 @@
               </a:rPr>
               <a:t>任务线程</a:t>
             </a:r>
-            <a:endParaRPr kumimoji="1" lang="zh-CN" altLang="en-US" sz="1400" dirty="0">
-              <a:latin typeface="Heiti SC Light" charset="-122"/>
-              <a:ea typeface="Heiti SC Light" charset="-122"/>
-              <a:cs typeface="Heiti SC Light" charset="-122"/>
-            </a:endParaRPr>
           </a:p>
         </p:txBody>
       </p:sp>
@@ -19895,11 +19618,6 @@
               </a:rPr>
               <a:t>调度请求</a:t>
             </a:r>
-            <a:endParaRPr kumimoji="1" lang="zh-CN" altLang="en-US" sz="1400" dirty="0">
-              <a:latin typeface="Heiti SC Light" charset="-122"/>
-              <a:ea typeface="Heiti SC Light" charset="-122"/>
-              <a:cs typeface="Heiti SC Light" charset="-122"/>
-            </a:endParaRPr>
           </a:p>
           <a:p>
             <a:pPr algn="ctr"/>
@@ -20148,46 +19866,41 @@
               </a:rPr>
               <a:t>执行日志</a:t>
             </a:r>
+          </a:p>
+          <a:p>
+            <a:pPr algn="ctr">
+              <a:defRPr/>
+            </a:pPr>
+            <a:r>
+              <a:rPr kumimoji="1" lang="en-US" altLang="zh-CN" sz="1400" dirty="0">
+                <a:latin typeface="Heiti SC Light" charset="-122"/>
+                <a:ea typeface="Heiti SC Light" charset="-122"/>
+                <a:cs typeface="Heiti SC Light" charset="-122"/>
+              </a:rPr>
+              <a:t>(Log</a:t>
+            </a:r>
+            <a:r>
+              <a:rPr kumimoji="1" lang="zh-CN" altLang="en-US" sz="1400" dirty="0">
+                <a:latin typeface="Heiti SC Light" charset="-122"/>
+                <a:ea typeface="Heiti SC Light" charset="-122"/>
+                <a:cs typeface="Heiti SC Light" charset="-122"/>
+              </a:rPr>
+              <a:t>文件</a:t>
+            </a:r>
+            <a:r>
+              <a:rPr kumimoji="1" lang="en-US" altLang="zh-CN" sz="1400" dirty="0">
+                <a:latin typeface="Heiti SC Light" charset="-122"/>
+                <a:ea typeface="Heiti SC Light" charset="-122"/>
+                <a:cs typeface="Heiti SC Light" charset="-122"/>
+              </a:rPr>
+              <a:t>)</a:t>
+            </a:r>
             <a:endParaRPr kumimoji="1" lang="zh-CN" altLang="en-US" sz="1400" dirty="0">
               <a:latin typeface="Heiti SC Light" charset="-122"/>
               <a:ea typeface="Heiti SC Light" charset="-122"/>
               <a:cs typeface="Heiti SC Light" charset="-122"/>
             </a:endParaRPr>
           </a:p>
-          <a:p>
-            <a:pPr algn="ctr">
-              <a:defRPr/>
-            </a:pPr>
-            <a:r>
-              <a:rPr kumimoji="1" lang="en-US" altLang="zh-CN" sz="1400" dirty="0">
-                <a:latin typeface="Heiti SC Light" charset="-122"/>
-                <a:ea typeface="Heiti SC Light" charset="-122"/>
-                <a:cs typeface="Heiti SC Light" charset="-122"/>
-              </a:rPr>
-              <a:t>(Log</a:t>
-            </a:r>
-            <a:r>
-              <a:rPr kumimoji="1" lang="zh-CN" altLang="en-US" sz="1400" dirty="0">
-                <a:latin typeface="Heiti SC Light" charset="-122"/>
-                <a:ea typeface="Heiti SC Light" charset="-122"/>
-                <a:cs typeface="Heiti SC Light" charset="-122"/>
-              </a:rPr>
-              <a:t>文件</a:t>
-            </a:r>
-            <a:r>
-              <a:rPr kumimoji="1" lang="en-US" altLang="zh-CN" sz="1400" dirty="0">
-                <a:latin typeface="Heiti SC Light" charset="-122"/>
-                <a:ea typeface="Heiti SC Light" charset="-122"/>
-                <a:cs typeface="Heiti SC Light" charset="-122"/>
-              </a:rPr>
-              <a:t>)</a:t>
-            </a:r>
-            <a:endParaRPr kumimoji="1" lang="zh-CN" altLang="en-US" sz="1400" dirty="0">
-              <a:latin typeface="Heiti SC Light" charset="-122"/>
-              <a:ea typeface="Heiti SC Light" charset="-122"/>
-              <a:cs typeface="Heiti SC Light" charset="-122"/>
-            </a:endParaRPr>
-          </a:p>
         </p:txBody>
       </p:sp>
       <p:sp>
@@ -20235,11 +19948,6 @@
               </a:rPr>
               <a:t>回调线程</a:t>
             </a:r>
-            <a:endParaRPr kumimoji="1" lang="zh-CN" altLang="en-US" sz="1400" dirty="0">
-              <a:latin typeface="Heiti SC Light" charset="-122"/>
-              <a:ea typeface="Heiti SC Light" charset="-122"/>
-              <a:cs typeface="Heiti SC Light" charset="-122"/>
-            </a:endParaRPr>
           </a:p>
         </p:txBody>
       </p:sp>
@@ -20368,39 +20076,102 @@
               </a:rPr>
               <a:t>日志</a:t>
             </a:r>
+          </a:p>
+          <a:p>
+            <a:pPr algn="ctr">
+              <a:defRPr/>
+            </a:pPr>
+            <a:r>
+              <a:rPr kumimoji="1" lang="en-US" altLang="zh-CN" sz="1400" dirty="0">
+                <a:latin typeface="Heiti SC Light" charset="-122"/>
+                <a:ea typeface="Heiti SC Light" charset="-122"/>
+                <a:cs typeface="Heiti SC Light" charset="-122"/>
+              </a:rPr>
+              <a:t>(</a:t>
+            </a:r>
+            <a:r>
+              <a:rPr kumimoji="1" lang="zh-CN" altLang="en-US" sz="1400" dirty="0">
+                <a:latin typeface="Heiti SC Light" charset="-122"/>
+                <a:ea typeface="Heiti SC Light" charset="-122"/>
+                <a:cs typeface="Heiti SC Light" charset="-122"/>
+              </a:rPr>
+              <a:t>实时</a:t>
+            </a:r>
+            <a:r>
+              <a:rPr kumimoji="1" lang="en-US" altLang="zh-CN" sz="1400" dirty="0">
+                <a:latin typeface="Heiti SC Light" charset="-122"/>
+                <a:ea typeface="Heiti SC Light" charset="-122"/>
+                <a:cs typeface="Heiti SC Light" charset="-122"/>
+              </a:rPr>
+              <a:t>)</a:t>
+            </a:r>
             <a:endParaRPr kumimoji="1" lang="zh-CN" altLang="en-US" sz="1400" dirty="0">
               <a:latin typeface="Heiti SC Light" charset="-122"/>
               <a:ea typeface="Heiti SC Light" charset="-122"/>
               <a:cs typeface="Heiti SC Light" charset="-122"/>
             </a:endParaRPr>
           </a:p>
+        </p:txBody>
+      </p:sp>
+      <p:sp>
+        <p:nvSpPr>
+          <p:cNvPr id="122" name="可选流程 121"/>
+          <p:cNvSpPr/>
+          <p:nvPr/>
+        </p:nvSpPr>
+        <p:spPr>
+          <a:xfrm>
+            <a:off x="6959118" y="2073918"/>
+            <a:ext cx="1074713" cy="580685"/>
+          </a:xfrm>
+          <a:prstGeom prst="flowChartAlternateProcess">
+            <a:avLst/>
+          </a:prstGeom>
+          <a:solidFill>
+            <a:srgbClr val="6095C9"/>
+          </a:solidFill>
+        </p:spPr>
+        <p:style>
+          <a:lnRef idx="0">
+            <a:schemeClr val="accent1"/>
+          </a:lnRef>
+          <a:fillRef idx="3">
+            <a:schemeClr val="accent1"/>
+          </a:fillRef>
+          <a:effectRef idx="3">
+            <a:schemeClr val="accent1"/>
+          </a:effectRef>
+          <a:fontRef idx="minor">
+            <a:schemeClr val="lt1"/>
+          </a:fontRef>
+        </p:style>
+        <p:txBody>
+          <a:bodyPr anchor="ctr"/>
+          <a:lstStyle/>
           <a:p>
             <a:pPr algn="ctr">
               <a:defRPr/>
             </a:pPr>
             <a:r>
+              <a:rPr kumimoji="1" lang="zh-CN" altLang="en-US" sz="1400" dirty="0">
+                <a:latin typeface="Heiti SC Light" charset="-122"/>
+                <a:ea typeface="Heiti SC Light" charset="-122"/>
+                <a:cs typeface="Heiti SC Light" charset="-122"/>
+              </a:rPr>
+              <a:t>日志服务</a:t>
+            </a:r>
+          </a:p>
+          <a:p>
+            <a:pPr algn="ctr">
+              <a:defRPr/>
+            </a:pPr>
+            <a:r>
               <a:rPr kumimoji="1" lang="en-US" altLang="zh-CN" sz="1400" dirty="0">
                 <a:latin typeface="Heiti SC Light" charset="-122"/>
                 <a:ea typeface="Heiti SC Light" charset="-122"/>
                 <a:cs typeface="Heiti SC Light" charset="-122"/>
               </a:rPr>
-              <a:t>(</a:t>
-            </a:r>
-            <a:r>
-              <a:rPr kumimoji="1" lang="zh-CN" altLang="en-US" sz="1400" dirty="0">
-                <a:latin typeface="Heiti SC Light" charset="-122"/>
-                <a:ea typeface="Heiti SC Light" charset="-122"/>
-                <a:cs typeface="Heiti SC Light" charset="-122"/>
-              </a:rPr>
-              <a:t>实时</a:t>
-            </a:r>
-            <a:r>
-              <a:rPr kumimoji="1" lang="en-US" altLang="zh-CN" sz="1400" dirty="0">
-                <a:latin typeface="Heiti SC Light" charset="-122"/>
-                <a:ea typeface="Heiti SC Light" charset="-122"/>
-                <a:cs typeface="Heiti SC Light" charset="-122"/>
-              </a:rPr>
-              <a:t>)</a:t>
+              <a:t>(jetty)</a:t>
             </a:r>
             <a:endParaRPr kumimoji="1" lang="zh-CN" altLang="en-US" sz="1400" dirty="0">
               <a:latin typeface="Heiti SC Light" charset="-122"/>
@@ -20412,79 +20183,6 @@
       </p:sp>
       <p:sp>
         <p:nvSpPr>
-          <p:cNvPr id="122" name="可选流程 121"/>
-          <p:cNvSpPr/>
-          <p:nvPr/>
-        </p:nvSpPr>
-        <p:spPr>
-          <a:xfrm>
-            <a:off x="6959118" y="2073918"/>
-            <a:ext cx="1074713" cy="580685"/>
-          </a:xfrm>
-          <a:prstGeom prst="flowChartAlternateProcess">
-            <a:avLst/>
-          </a:prstGeom>
-          <a:solidFill>
-            <a:srgbClr val="6095C9"/>
-          </a:solidFill>
-        </p:spPr>
-        <p:style>
-          <a:lnRef idx="0">
-            <a:schemeClr val="accent1"/>
-          </a:lnRef>
-          <a:fillRef idx="3">
-            <a:schemeClr val="accent1"/>
-          </a:fillRef>
-          <a:effectRef idx="3">
-            <a:schemeClr val="accent1"/>
-          </a:effectRef>
-          <a:fontRef idx="minor">
-            <a:schemeClr val="lt1"/>
-          </a:fontRef>
-        </p:style>
-        <p:txBody>
-          <a:bodyPr anchor="ctr"/>
-          <a:lstStyle/>
-          <a:p>
-            <a:pPr algn="ctr">
-              <a:defRPr/>
-            </a:pPr>
-            <a:r>
-              <a:rPr kumimoji="1" lang="zh-CN" altLang="en-US" sz="1400" dirty="0">
-                <a:latin typeface="Heiti SC Light" charset="-122"/>
-                <a:ea typeface="Heiti SC Light" charset="-122"/>
-                <a:cs typeface="Heiti SC Light" charset="-122"/>
-              </a:rPr>
-              <a:t>日志服务</a:t>
-            </a:r>
-            <a:endParaRPr kumimoji="1" lang="zh-CN" altLang="en-US" sz="1400" dirty="0">
-              <a:latin typeface="Heiti SC Light" charset="-122"/>
-              <a:ea typeface="Heiti SC Light" charset="-122"/>
-              <a:cs typeface="Heiti SC Light" charset="-122"/>
-            </a:endParaRPr>
-          </a:p>
-          <a:p>
-            <a:pPr algn="ctr">
-              <a:defRPr/>
-            </a:pPr>
-            <a:r>
-              <a:rPr kumimoji="1" lang="en-US" altLang="zh-CN" sz="1400" dirty="0">
-                <a:latin typeface="Heiti SC Light" charset="-122"/>
-                <a:ea typeface="Heiti SC Light" charset="-122"/>
-                <a:cs typeface="Heiti SC Light" charset="-122"/>
-              </a:rPr>
-              <a:t>(jetty)</a:t>
-            </a:r>
-            <a:endParaRPr kumimoji="1" lang="zh-CN" altLang="en-US" sz="1400" dirty="0">
-              <a:latin typeface="Heiti SC Light" charset="-122"/>
-              <a:ea typeface="Heiti SC Light" charset="-122"/>
-              <a:cs typeface="Heiti SC Light" charset="-122"/>
-            </a:endParaRPr>
-          </a:p>
-        </p:txBody>
-      </p:sp>
-      <p:sp>
-        <p:nvSpPr>
           <p:cNvPr id="2" name="矩形 1"/>
           <p:cNvSpPr/>
           <p:nvPr/>
@@ -20529,11 +20227,6 @@
               </a:rPr>
               <a:t>v1.9.2</a:t>
             </a:r>
-            <a:endParaRPr lang="en-US" altLang="zh-CN" sz="2800" dirty="0">
-              <a:latin typeface="Heiti SC Light" charset="-122"/>
-              <a:ea typeface="Heiti SC Light" charset="-122"/>
-              <a:cs typeface="Heiti SC Light" charset="-122"/>
-            </a:endParaRPr>
           </a:p>
         </p:txBody>
       </p:sp>
@@ -20553,6 +20246,2667 @@
 </file>
 
 <file path=ppt/slides/slide8.xml><?xml version="1.0" encoding="utf-8"?>
+<p:sld xmlns:a="http://schemas.openxmlformats.org/drawingml/2006/main" xmlns:r="http://schemas.openxmlformats.org/officeDocument/2006/relationships" xmlns:p="http://schemas.openxmlformats.org/presentationml/2006/main">
+  <p:cSld>
+    <p:spTree>
+      <p:nvGrpSpPr>
+        <p:cNvPr id="1" name=""/>
+        <p:cNvGrpSpPr/>
+        <p:nvPr/>
+      </p:nvGrpSpPr>
+      <p:grpSpPr>
+        <a:xfrm>
+          <a:off x="0" y="0"/>
+          <a:ext cx="0" cy="0"/>
+          <a:chOff x="0" y="0"/>
+          <a:chExt cx="0" cy="0"/>
+        </a:xfrm>
+      </p:grpSpPr>
+      <p:sp>
+        <p:nvSpPr>
+          <p:cNvPr id="14" name="矩形 13"/>
+          <p:cNvSpPr/>
+          <p:nvPr/>
+        </p:nvSpPr>
+        <p:spPr>
+          <a:xfrm>
+            <a:off x="622491" y="576163"/>
+            <a:ext cx="5778309" cy="5176329"/>
+          </a:xfrm>
+          <a:prstGeom prst="rect">
+            <a:avLst/>
+          </a:prstGeom>
+          <a:solidFill>
+            <a:srgbClr val="9FC2E8"/>
+          </a:solidFill>
+          <a:ln>
+            <a:noFill/>
+          </a:ln>
+        </p:spPr>
+        <p:style>
+          <a:lnRef idx="2">
+            <a:schemeClr val="accent1">
+              <a:shade val="50000"/>
+            </a:schemeClr>
+          </a:lnRef>
+          <a:fillRef idx="1">
+            <a:schemeClr val="accent1"/>
+          </a:fillRef>
+          <a:effectRef idx="0">
+            <a:schemeClr val="accent1"/>
+          </a:effectRef>
+          <a:fontRef idx="minor">
+            <a:schemeClr val="lt1"/>
+          </a:fontRef>
+        </p:style>
+        <p:txBody>
+          <a:bodyPr anchor="b"/>
+          <a:lstStyle/>
+          <a:p>
+            <a:pPr algn="ctr">
+              <a:defRPr/>
+            </a:pPr>
+            <a:r>
+              <a:rPr kumimoji="1" lang="zh-CN" altLang="en-US" sz="1600" b="1" dirty="0">
+                <a:solidFill>
+                  <a:schemeClr val="tx1"/>
+                </a:solidFill>
+                <a:latin typeface="Heiti SC Light" charset="-122"/>
+                <a:ea typeface="Heiti SC Light" charset="-122"/>
+                <a:cs typeface="Heiti SC Light" charset="-122"/>
+              </a:rPr>
+              <a:t>调度中心</a:t>
+            </a:r>
+          </a:p>
+        </p:txBody>
+      </p:sp>
+      <p:sp>
+        <p:nvSpPr>
+          <p:cNvPr id="7" name="进程 6"/>
+          <p:cNvSpPr/>
+          <p:nvPr/>
+        </p:nvSpPr>
+        <p:spPr>
+          <a:xfrm>
+            <a:off x="720867" y="4786674"/>
+            <a:ext cx="3336094" cy="442510"/>
+          </a:xfrm>
+          <a:prstGeom prst="flowChartProcess">
+            <a:avLst/>
+          </a:prstGeom>
+        </p:spPr>
+        <p:style>
+          <a:lnRef idx="1">
+            <a:schemeClr val="accent4"/>
+          </a:lnRef>
+          <a:fillRef idx="2">
+            <a:schemeClr val="accent4"/>
+          </a:fillRef>
+          <a:effectRef idx="1">
+            <a:schemeClr val="accent4"/>
+          </a:effectRef>
+          <a:fontRef idx="minor">
+            <a:schemeClr val="dk1"/>
+          </a:fontRef>
+        </p:style>
+        <p:txBody>
+          <a:bodyPr anchor="ctr"/>
+          <a:lstStyle/>
+          <a:p>
+            <a:pPr algn="ctr">
+              <a:defRPr/>
+            </a:pPr>
+            <a:r>
+              <a:rPr kumimoji="1" lang="zh-CN" altLang="en-US" sz="1600" b="1" dirty="0" smtClean="0">
+                <a:latin typeface="Heiti SC Light" charset="-122"/>
+                <a:ea typeface="Heiti SC Light" charset="-122"/>
+                <a:cs typeface="Heiti SC Light" charset="-122"/>
+              </a:rPr>
+              <a:t>数据中心</a:t>
+            </a:r>
+            <a:endParaRPr kumimoji="1" lang="zh-CN" altLang="en-US" sz="1600" b="1" dirty="0">
+              <a:latin typeface="Heiti SC Light" charset="-122"/>
+              <a:ea typeface="Heiti SC Light" charset="-122"/>
+              <a:cs typeface="Heiti SC Light" charset="-122"/>
+            </a:endParaRPr>
+          </a:p>
+        </p:txBody>
+      </p:sp>
+      <p:sp>
+        <p:nvSpPr>
+          <p:cNvPr id="29" name="可选流程 28"/>
+          <p:cNvSpPr/>
+          <p:nvPr/>
+        </p:nvSpPr>
+        <p:spPr>
+          <a:xfrm>
+            <a:off x="4271056" y="4568832"/>
+            <a:ext cx="1659412" cy="572325"/>
+          </a:xfrm>
+          <a:prstGeom prst="flowChartAlternateProcess">
+            <a:avLst/>
+          </a:prstGeom>
+          <a:solidFill>
+            <a:srgbClr val="9379B3"/>
+          </a:solidFill>
+        </p:spPr>
+        <p:style>
+          <a:lnRef idx="0">
+            <a:schemeClr val="accent1"/>
+          </a:lnRef>
+          <a:fillRef idx="3">
+            <a:schemeClr val="accent1"/>
+          </a:fillRef>
+          <a:effectRef idx="3">
+            <a:schemeClr val="accent1"/>
+          </a:effectRef>
+          <a:fontRef idx="minor">
+            <a:schemeClr val="lt1"/>
+          </a:fontRef>
+        </p:style>
+        <p:txBody>
+          <a:bodyPr anchor="ctr"/>
+          <a:lstStyle/>
+          <a:p>
+            <a:pPr algn="ctr">
+              <a:defRPr/>
+            </a:pPr>
+            <a:r>
+              <a:rPr kumimoji="1" lang="zh-CN" altLang="en-US" sz="1400" dirty="0" smtClean="0">
+                <a:latin typeface="Heiti SC Light" charset="-122"/>
+                <a:ea typeface="Heiti SC Light" charset="-122"/>
+                <a:cs typeface="Heiti SC Light" charset="-122"/>
+              </a:rPr>
+              <a:t>注册</a:t>
+            </a:r>
+            <a:r>
+              <a:rPr kumimoji="1" lang="zh-CN" altLang="en-US" sz="1400" dirty="0" smtClean="0">
+                <a:latin typeface="Heiti SC Light" charset="-122"/>
+                <a:ea typeface="Heiti SC Light" charset="-122"/>
+                <a:cs typeface="Heiti SC Light" charset="-122"/>
+              </a:rPr>
+              <a:t>服务</a:t>
+            </a:r>
+            <a:endParaRPr kumimoji="1" lang="zh-CN" altLang="en-US" sz="1400" dirty="0" smtClean="0">
+              <a:latin typeface="Heiti SC Light" charset="-122"/>
+              <a:ea typeface="Heiti SC Light" charset="-122"/>
+              <a:cs typeface="Heiti SC Light" charset="-122"/>
+            </a:endParaRPr>
+          </a:p>
+        </p:txBody>
+      </p:sp>
+      <p:sp>
+        <p:nvSpPr>
+          <p:cNvPr id="4" name="矩形 3"/>
+          <p:cNvSpPr/>
+          <p:nvPr/>
+        </p:nvSpPr>
+        <p:spPr>
+          <a:xfrm>
+            <a:off x="720867" y="688297"/>
+            <a:ext cx="1672839" cy="1961502"/>
+          </a:xfrm>
+          <a:prstGeom prst="rect">
+            <a:avLst/>
+          </a:prstGeom>
+          <a:solidFill>
+            <a:srgbClr val="E0EBFF"/>
+          </a:solidFill>
+          <a:ln>
+            <a:noFill/>
+          </a:ln>
+        </p:spPr>
+        <p:style>
+          <a:lnRef idx="1">
+            <a:schemeClr val="accent1"/>
+          </a:lnRef>
+          <a:fillRef idx="2">
+            <a:schemeClr val="accent1"/>
+          </a:fillRef>
+          <a:effectRef idx="1">
+            <a:schemeClr val="accent1"/>
+          </a:effectRef>
+          <a:fontRef idx="minor">
+            <a:schemeClr val="dk1"/>
+          </a:fontRef>
+        </p:style>
+        <p:txBody>
+          <a:bodyPr anchor="t"/>
+          <a:lstStyle/>
+          <a:p>
+            <a:pPr algn="ctr">
+              <a:defRPr/>
+            </a:pPr>
+            <a:r>
+              <a:rPr kumimoji="1" lang="zh-CN" altLang="en-US" sz="1400" b="1" dirty="0" smtClean="0">
+                <a:latin typeface="Heiti SC Light" charset="-122"/>
+                <a:ea typeface="Heiti SC Light" charset="-122"/>
+                <a:cs typeface="Heiti SC Light" charset="-122"/>
+              </a:rPr>
+              <a:t>任务管理</a:t>
+            </a:r>
+          </a:p>
+        </p:txBody>
+      </p:sp>
+      <p:sp>
+        <p:nvSpPr>
+          <p:cNvPr id="5" name="可选流程 4"/>
+          <p:cNvSpPr/>
+          <p:nvPr/>
+        </p:nvSpPr>
+        <p:spPr>
+          <a:xfrm>
+            <a:off x="799893" y="1015627"/>
+            <a:ext cx="1535914" cy="251629"/>
+          </a:xfrm>
+          <a:prstGeom prst="flowChartAlternateProcess">
+            <a:avLst/>
+          </a:prstGeom>
+          <a:solidFill>
+            <a:srgbClr val="6095C9"/>
+          </a:solidFill>
+        </p:spPr>
+        <p:style>
+          <a:lnRef idx="0">
+            <a:schemeClr val="accent1"/>
+          </a:lnRef>
+          <a:fillRef idx="3">
+            <a:schemeClr val="accent1"/>
+          </a:fillRef>
+          <a:effectRef idx="3">
+            <a:schemeClr val="accent1"/>
+          </a:effectRef>
+          <a:fontRef idx="minor">
+            <a:schemeClr val="lt1"/>
+          </a:fontRef>
+        </p:style>
+        <p:txBody>
+          <a:bodyPr anchor="ctr"/>
+          <a:lstStyle/>
+          <a:p>
+            <a:pPr>
+              <a:defRPr/>
+            </a:pPr>
+            <a:r>
+              <a:rPr kumimoji="1" lang="zh-CN" altLang="en-US" sz="1400" dirty="0" smtClean="0">
+                <a:latin typeface="Heiti SC Light" charset="-122"/>
+                <a:ea typeface="Heiti SC Light" charset="-122"/>
+                <a:cs typeface="Heiti SC Light" charset="-122"/>
+              </a:rPr>
+              <a:t>执行器</a:t>
+            </a:r>
+            <a:endParaRPr kumimoji="1" lang="zh-CN" altLang="en-US" sz="1400" dirty="0">
+              <a:latin typeface="Heiti SC Light" charset="-122"/>
+              <a:ea typeface="Heiti SC Light" charset="-122"/>
+              <a:cs typeface="Heiti SC Light" charset="-122"/>
+            </a:endParaRPr>
+          </a:p>
+        </p:txBody>
+      </p:sp>
+      <p:sp>
+        <p:nvSpPr>
+          <p:cNvPr id="60" name="可选流程 59"/>
+          <p:cNvSpPr/>
+          <p:nvPr/>
+        </p:nvSpPr>
+        <p:spPr>
+          <a:xfrm>
+            <a:off x="799893" y="1406309"/>
+            <a:ext cx="1535914" cy="281598"/>
+          </a:xfrm>
+          <a:prstGeom prst="flowChartAlternateProcess">
+            <a:avLst/>
+          </a:prstGeom>
+          <a:solidFill>
+            <a:srgbClr val="6095C9"/>
+          </a:solidFill>
+        </p:spPr>
+        <p:style>
+          <a:lnRef idx="0">
+            <a:schemeClr val="accent1"/>
+          </a:lnRef>
+          <a:fillRef idx="3">
+            <a:schemeClr val="accent1"/>
+          </a:fillRef>
+          <a:effectRef idx="3">
+            <a:schemeClr val="accent1"/>
+          </a:effectRef>
+          <a:fontRef idx="minor">
+            <a:schemeClr val="lt1"/>
+          </a:fontRef>
+        </p:style>
+        <p:txBody>
+          <a:bodyPr anchor="ctr"/>
+          <a:lstStyle/>
+          <a:p>
+            <a:pPr>
+              <a:defRPr/>
+            </a:pPr>
+            <a:r>
+              <a:rPr kumimoji="1" lang="zh-CN" altLang="en-US" sz="1400" dirty="0">
+                <a:latin typeface="Heiti SC Light" charset="-122"/>
+                <a:ea typeface="Heiti SC Light" charset="-122"/>
+                <a:cs typeface="Heiti SC Light" charset="-122"/>
+              </a:rPr>
+              <a:t>任务</a:t>
+            </a:r>
+            <a:r>
+              <a:rPr kumimoji="1" lang="zh-CN" altLang="en-US" sz="1400" dirty="0" smtClean="0">
+                <a:latin typeface="Heiti SC Light" charset="-122"/>
+                <a:ea typeface="Heiti SC Light" charset="-122"/>
+                <a:cs typeface="Heiti SC Light" charset="-122"/>
+              </a:rPr>
+              <a:t>模式</a:t>
+            </a:r>
+            <a:endParaRPr kumimoji="1" lang="zh-CN" altLang="en-US" sz="1400" dirty="0">
+              <a:latin typeface="Heiti SC Light" charset="-122"/>
+              <a:ea typeface="Heiti SC Light" charset="-122"/>
+              <a:cs typeface="Heiti SC Light" charset="-122"/>
+            </a:endParaRPr>
+          </a:p>
+        </p:txBody>
+      </p:sp>
+      <p:sp>
+        <p:nvSpPr>
+          <p:cNvPr id="62" name="可选流程 61"/>
+          <p:cNvSpPr/>
+          <p:nvPr/>
+        </p:nvSpPr>
+        <p:spPr>
+          <a:xfrm>
+            <a:off x="799893" y="1830646"/>
+            <a:ext cx="1535914" cy="255324"/>
+          </a:xfrm>
+          <a:prstGeom prst="flowChartAlternateProcess">
+            <a:avLst/>
+          </a:prstGeom>
+          <a:solidFill>
+            <a:srgbClr val="6095C9"/>
+          </a:solidFill>
+        </p:spPr>
+        <p:style>
+          <a:lnRef idx="0">
+            <a:schemeClr val="accent1"/>
+          </a:lnRef>
+          <a:fillRef idx="3">
+            <a:schemeClr val="accent1"/>
+          </a:fillRef>
+          <a:effectRef idx="3">
+            <a:schemeClr val="accent1"/>
+          </a:effectRef>
+          <a:fontRef idx="minor">
+            <a:schemeClr val="lt1"/>
+          </a:fontRef>
+        </p:style>
+        <p:txBody>
+          <a:bodyPr anchor="ctr"/>
+          <a:lstStyle/>
+          <a:p>
+            <a:pPr>
+              <a:defRPr/>
+            </a:pPr>
+            <a:r>
+              <a:rPr kumimoji="1" lang="en-US" altLang="zh-CN" sz="1400" dirty="0">
+                <a:latin typeface="Heiti SC Light" charset="-122"/>
+                <a:ea typeface="Heiti SC Light" charset="-122"/>
+                <a:cs typeface="Heiti SC Light" charset="-122"/>
+              </a:rPr>
+              <a:t>JobHandler</a:t>
+            </a:r>
+            <a:endParaRPr kumimoji="1" lang="zh-CN" altLang="en-US" sz="1400" dirty="0">
+              <a:latin typeface="Heiti SC Light" charset="-122"/>
+              <a:ea typeface="Heiti SC Light" charset="-122"/>
+              <a:cs typeface="Heiti SC Light" charset="-122"/>
+            </a:endParaRPr>
+          </a:p>
+        </p:txBody>
+      </p:sp>
+      <p:sp>
+        <p:nvSpPr>
+          <p:cNvPr id="63" name="可选流程 62"/>
+          <p:cNvSpPr/>
+          <p:nvPr/>
+        </p:nvSpPr>
+        <p:spPr>
+          <a:xfrm>
+            <a:off x="799893" y="2206727"/>
+            <a:ext cx="1535914" cy="274201"/>
+          </a:xfrm>
+          <a:prstGeom prst="flowChartAlternateProcess">
+            <a:avLst/>
+          </a:prstGeom>
+          <a:solidFill>
+            <a:srgbClr val="6095C9"/>
+          </a:solidFill>
+        </p:spPr>
+        <p:style>
+          <a:lnRef idx="0">
+            <a:schemeClr val="accent1"/>
+          </a:lnRef>
+          <a:fillRef idx="3">
+            <a:schemeClr val="accent1"/>
+          </a:fillRef>
+          <a:effectRef idx="3">
+            <a:schemeClr val="accent1"/>
+          </a:effectRef>
+          <a:fontRef idx="minor">
+            <a:schemeClr val="lt1"/>
+          </a:fontRef>
+        </p:style>
+        <p:txBody>
+          <a:bodyPr anchor="ctr"/>
+          <a:lstStyle/>
+          <a:p>
+            <a:pPr>
+              <a:defRPr/>
+            </a:pPr>
+            <a:r>
+              <a:rPr kumimoji="1" lang="en-US" altLang="zh-CN" sz="1400" dirty="0" smtClean="0">
+                <a:latin typeface="Heiti SC Light" charset="-122"/>
+                <a:ea typeface="Heiti SC Light" charset="-122"/>
+                <a:cs typeface="Heiti SC Light" charset="-122"/>
+              </a:rPr>
+              <a:t>……</a:t>
+            </a:r>
+            <a:endParaRPr kumimoji="1" lang="zh-CN" altLang="en-US" sz="1400" dirty="0">
+              <a:latin typeface="Heiti SC Light" charset="-122"/>
+              <a:ea typeface="Heiti SC Light" charset="-122"/>
+              <a:cs typeface="Heiti SC Light" charset="-122"/>
+            </a:endParaRPr>
+          </a:p>
+        </p:txBody>
+      </p:sp>
+      <p:sp>
+        <p:nvSpPr>
+          <p:cNvPr id="10" name="矩形 9"/>
+          <p:cNvSpPr/>
+          <p:nvPr/>
+        </p:nvSpPr>
+        <p:spPr>
+          <a:xfrm>
+            <a:off x="2388914" y="688297"/>
+            <a:ext cx="1668047" cy="1961502"/>
+          </a:xfrm>
+          <a:prstGeom prst="rect">
+            <a:avLst/>
+          </a:prstGeom>
+          <a:solidFill>
+            <a:srgbClr val="DEF7FF"/>
+          </a:solidFill>
+          <a:ln>
+            <a:noFill/>
+          </a:ln>
+        </p:spPr>
+        <p:style>
+          <a:lnRef idx="1">
+            <a:schemeClr val="accent1"/>
+          </a:lnRef>
+          <a:fillRef idx="2">
+            <a:schemeClr val="accent1"/>
+          </a:fillRef>
+          <a:effectRef idx="1">
+            <a:schemeClr val="accent1"/>
+          </a:effectRef>
+          <a:fontRef idx="minor">
+            <a:schemeClr val="dk1"/>
+          </a:fontRef>
+        </p:style>
+        <p:txBody>
+          <a:bodyPr anchor="t"/>
+          <a:lstStyle/>
+          <a:p>
+            <a:pPr algn="ctr">
+              <a:defRPr/>
+            </a:pPr>
+            <a:r>
+              <a:rPr kumimoji="1" lang="zh-CN" altLang="en-US" sz="1400" b="1" dirty="0" smtClean="0">
+                <a:latin typeface="Heiti SC Light" charset="-122"/>
+                <a:ea typeface="Heiti SC Light" charset="-122"/>
+                <a:cs typeface="Heiti SC Light" charset="-122"/>
+              </a:rPr>
+              <a:t>执行器管理</a:t>
+            </a:r>
+            <a:endParaRPr kumimoji="1" lang="zh-CN" altLang="en-US" sz="1400" b="1" dirty="0">
+              <a:latin typeface="Heiti SC Light" charset="-122"/>
+              <a:ea typeface="Heiti SC Light" charset="-122"/>
+              <a:cs typeface="Heiti SC Light" charset="-122"/>
+            </a:endParaRPr>
+          </a:p>
+        </p:txBody>
+      </p:sp>
+      <p:sp>
+        <p:nvSpPr>
+          <p:cNvPr id="40" name="可选流程 39"/>
+          <p:cNvSpPr/>
+          <p:nvPr/>
+        </p:nvSpPr>
+        <p:spPr>
+          <a:xfrm>
+            <a:off x="2491980" y="1009669"/>
+            <a:ext cx="1432847" cy="272004"/>
+          </a:xfrm>
+          <a:prstGeom prst="flowChartAlternateProcess">
+            <a:avLst/>
+          </a:prstGeom>
+          <a:solidFill>
+            <a:srgbClr val="4BACC6"/>
+          </a:solidFill>
+        </p:spPr>
+        <p:style>
+          <a:lnRef idx="0">
+            <a:schemeClr val="accent1"/>
+          </a:lnRef>
+          <a:fillRef idx="3">
+            <a:schemeClr val="accent1"/>
+          </a:fillRef>
+          <a:effectRef idx="3">
+            <a:schemeClr val="accent1"/>
+          </a:effectRef>
+          <a:fontRef idx="minor">
+            <a:schemeClr val="lt1"/>
+          </a:fontRef>
+        </p:style>
+        <p:txBody>
+          <a:bodyPr anchor="ctr"/>
+          <a:lstStyle/>
+          <a:p>
+            <a:pPr>
+              <a:defRPr/>
+            </a:pPr>
+            <a:r>
+              <a:rPr kumimoji="1" lang="zh-CN" altLang="en-US" sz="1400" dirty="0" smtClean="0">
+                <a:latin typeface="Heiti SC Light" charset="-122"/>
+                <a:ea typeface="Heiti SC Light" charset="-122"/>
+                <a:cs typeface="Heiti SC Light" charset="-122"/>
+              </a:rPr>
+              <a:t>注册方式</a:t>
+            </a:r>
+            <a:endParaRPr kumimoji="1" lang="zh-CN" altLang="en-US" sz="1400" dirty="0">
+              <a:latin typeface="Heiti SC Light" charset="-122"/>
+              <a:ea typeface="Heiti SC Light" charset="-122"/>
+              <a:cs typeface="Heiti SC Light" charset="-122"/>
+            </a:endParaRPr>
+          </a:p>
+        </p:txBody>
+      </p:sp>
+      <p:sp>
+        <p:nvSpPr>
+          <p:cNvPr id="66" name="可选流程 65"/>
+          <p:cNvSpPr/>
+          <p:nvPr/>
+        </p:nvSpPr>
+        <p:spPr>
+          <a:xfrm>
+            <a:off x="2491979" y="1400460"/>
+            <a:ext cx="1432847" cy="275832"/>
+          </a:xfrm>
+          <a:prstGeom prst="flowChartAlternateProcess">
+            <a:avLst/>
+          </a:prstGeom>
+          <a:solidFill>
+            <a:srgbClr val="4BACC6"/>
+          </a:solidFill>
+        </p:spPr>
+        <p:style>
+          <a:lnRef idx="0">
+            <a:schemeClr val="accent1"/>
+          </a:lnRef>
+          <a:fillRef idx="3">
+            <a:schemeClr val="accent1"/>
+          </a:fillRef>
+          <a:effectRef idx="3">
+            <a:schemeClr val="accent1"/>
+          </a:effectRef>
+          <a:fontRef idx="minor">
+            <a:schemeClr val="lt1"/>
+          </a:fontRef>
+        </p:style>
+        <p:txBody>
+          <a:bodyPr anchor="ctr"/>
+          <a:lstStyle/>
+          <a:p>
+            <a:pPr>
+              <a:defRPr/>
+            </a:pPr>
+            <a:r>
+              <a:rPr kumimoji="1" lang="en-US" altLang="zh-CN" sz="1400" dirty="0" smtClean="0">
+                <a:latin typeface="Heiti SC Light" charset="-122"/>
+                <a:ea typeface="Heiti SC Light" charset="-122"/>
+                <a:cs typeface="Heiti SC Light" charset="-122"/>
+              </a:rPr>
+              <a:t>AppName</a:t>
+            </a:r>
+            <a:endParaRPr kumimoji="1" lang="zh-CN" altLang="en-US" sz="1400" dirty="0">
+              <a:latin typeface="Heiti SC Light" charset="-122"/>
+              <a:ea typeface="Heiti SC Light" charset="-122"/>
+              <a:cs typeface="Heiti SC Light" charset="-122"/>
+            </a:endParaRPr>
+          </a:p>
+        </p:txBody>
+      </p:sp>
+      <p:sp>
+        <p:nvSpPr>
+          <p:cNvPr id="67" name="可选流程 66"/>
+          <p:cNvSpPr/>
+          <p:nvPr/>
+        </p:nvSpPr>
+        <p:spPr>
+          <a:xfrm>
+            <a:off x="2491978" y="1834820"/>
+            <a:ext cx="1432847" cy="263850"/>
+          </a:xfrm>
+          <a:prstGeom prst="flowChartAlternateProcess">
+            <a:avLst/>
+          </a:prstGeom>
+          <a:solidFill>
+            <a:srgbClr val="4BACC6"/>
+          </a:solidFill>
+        </p:spPr>
+        <p:style>
+          <a:lnRef idx="0">
+            <a:schemeClr val="accent1"/>
+          </a:lnRef>
+          <a:fillRef idx="3">
+            <a:schemeClr val="accent1"/>
+          </a:fillRef>
+          <a:effectRef idx="3">
+            <a:schemeClr val="accent1"/>
+          </a:effectRef>
+          <a:fontRef idx="minor">
+            <a:schemeClr val="lt1"/>
+          </a:fontRef>
+        </p:style>
+        <p:txBody>
+          <a:bodyPr anchor="ctr"/>
+          <a:lstStyle/>
+          <a:p>
+            <a:pPr>
+              <a:defRPr/>
+            </a:pPr>
+            <a:r>
+              <a:rPr kumimoji="1" lang="zh-CN" altLang="en-US" sz="1400" dirty="0" smtClean="0">
+                <a:latin typeface="Heiti SC Light" charset="-122"/>
+                <a:ea typeface="Heiti SC Light" charset="-122"/>
+                <a:cs typeface="Heiti SC Light" charset="-122"/>
+              </a:rPr>
+              <a:t>机器地址列表</a:t>
+            </a:r>
+            <a:endParaRPr kumimoji="1" lang="zh-CN" altLang="en-US" sz="1400" dirty="0">
+              <a:latin typeface="Heiti SC Light" charset="-122"/>
+              <a:ea typeface="Heiti SC Light" charset="-122"/>
+              <a:cs typeface="Heiti SC Light" charset="-122"/>
+            </a:endParaRPr>
+          </a:p>
+        </p:txBody>
+      </p:sp>
+      <p:sp>
+        <p:nvSpPr>
+          <p:cNvPr id="68" name="可选流程 67"/>
+          <p:cNvSpPr/>
+          <p:nvPr/>
+        </p:nvSpPr>
+        <p:spPr>
+          <a:xfrm>
+            <a:off x="2491977" y="2217078"/>
+            <a:ext cx="1432847" cy="263850"/>
+          </a:xfrm>
+          <a:prstGeom prst="flowChartAlternateProcess">
+            <a:avLst/>
+          </a:prstGeom>
+          <a:solidFill>
+            <a:srgbClr val="4BACC6"/>
+          </a:solidFill>
+        </p:spPr>
+        <p:style>
+          <a:lnRef idx="0">
+            <a:schemeClr val="accent1"/>
+          </a:lnRef>
+          <a:fillRef idx="3">
+            <a:schemeClr val="accent1"/>
+          </a:fillRef>
+          <a:effectRef idx="3">
+            <a:schemeClr val="accent1"/>
+          </a:effectRef>
+          <a:fontRef idx="minor">
+            <a:schemeClr val="lt1"/>
+          </a:fontRef>
+        </p:style>
+        <p:txBody>
+          <a:bodyPr anchor="ctr"/>
+          <a:lstStyle/>
+          <a:p>
+            <a:pPr>
+              <a:defRPr/>
+            </a:pPr>
+            <a:r>
+              <a:rPr kumimoji="1" lang="en-US" altLang="zh-CN" sz="1400" dirty="0" smtClean="0">
+                <a:latin typeface="Heiti SC Light" charset="-122"/>
+                <a:ea typeface="Heiti SC Light" charset="-122"/>
+                <a:cs typeface="Heiti SC Light" charset="-122"/>
+              </a:rPr>
+              <a:t>……</a:t>
+            </a:r>
+            <a:endParaRPr kumimoji="1" lang="zh-CN" altLang="en-US" sz="1400" dirty="0">
+              <a:latin typeface="Heiti SC Light" charset="-122"/>
+              <a:ea typeface="Heiti SC Light" charset="-122"/>
+              <a:cs typeface="Heiti SC Light" charset="-122"/>
+            </a:endParaRPr>
+          </a:p>
+        </p:txBody>
+      </p:sp>
+      <p:sp>
+        <p:nvSpPr>
+          <p:cNvPr id="101" name="矩形 100"/>
+          <p:cNvSpPr/>
+          <p:nvPr/>
+        </p:nvSpPr>
+        <p:spPr>
+          <a:xfrm>
+            <a:off x="6400801" y="576163"/>
+            <a:ext cx="5181600" cy="5176329"/>
+          </a:xfrm>
+          <a:prstGeom prst="rect">
+            <a:avLst/>
+          </a:prstGeom>
+          <a:ln>
+            <a:noFill/>
+          </a:ln>
+        </p:spPr>
+        <p:style>
+          <a:lnRef idx="1">
+            <a:schemeClr val="accent6"/>
+          </a:lnRef>
+          <a:fillRef idx="2">
+            <a:schemeClr val="accent6"/>
+          </a:fillRef>
+          <a:effectRef idx="1">
+            <a:schemeClr val="accent6"/>
+          </a:effectRef>
+          <a:fontRef idx="minor">
+            <a:schemeClr val="dk1"/>
+          </a:fontRef>
+        </p:style>
+        <p:txBody>
+          <a:bodyPr anchor="b"/>
+          <a:lstStyle/>
+          <a:p>
+            <a:pPr algn="ctr">
+              <a:defRPr/>
+            </a:pPr>
+            <a:r>
+              <a:rPr kumimoji="1" lang="zh-CN" altLang="en-US" sz="1600" b="1" dirty="0" smtClean="0">
+                <a:latin typeface="Heiti SC Light" charset="-122"/>
+                <a:ea typeface="Heiti SC Light" charset="-122"/>
+                <a:cs typeface="Heiti SC Light" charset="-122"/>
+              </a:rPr>
+              <a:t>执行器</a:t>
+            </a:r>
+            <a:endParaRPr kumimoji="1" lang="zh-CN" altLang="en-US" sz="1600" b="1" dirty="0">
+              <a:latin typeface="Heiti SC Light" charset="-122"/>
+              <a:ea typeface="Heiti SC Light" charset="-122"/>
+              <a:cs typeface="Heiti SC Light" charset="-122"/>
+            </a:endParaRPr>
+          </a:p>
+        </p:txBody>
+      </p:sp>
+      <p:sp>
+        <p:nvSpPr>
+          <p:cNvPr id="3" name="圆角矩形 2"/>
+          <p:cNvSpPr/>
+          <p:nvPr/>
+        </p:nvSpPr>
+        <p:spPr>
+          <a:xfrm>
+            <a:off x="4274542" y="832978"/>
+            <a:ext cx="1655926" cy="586589"/>
+          </a:xfrm>
+          <a:prstGeom prst="roundRect">
+            <a:avLst/>
+          </a:prstGeom>
+        </p:spPr>
+        <p:style>
+          <a:lnRef idx="0">
+            <a:schemeClr val="accent2"/>
+          </a:lnRef>
+          <a:fillRef idx="3">
+            <a:schemeClr val="accent2"/>
+          </a:fillRef>
+          <a:effectRef idx="3">
+            <a:schemeClr val="accent2"/>
+          </a:effectRef>
+          <a:fontRef idx="minor">
+            <a:schemeClr val="lt1"/>
+          </a:fontRef>
+        </p:style>
+        <p:txBody>
+          <a:bodyPr anchor="ctr"/>
+          <a:lstStyle/>
+          <a:p>
+            <a:pPr algn="ctr">
+              <a:defRPr/>
+            </a:pPr>
+            <a:r>
+              <a:rPr kumimoji="1" lang="zh-CN" altLang="en-US" sz="1400" dirty="0" smtClean="0">
+                <a:latin typeface="Heiti SC Light" charset="-122"/>
+                <a:ea typeface="Heiti SC Light" charset="-122"/>
+                <a:cs typeface="Heiti SC Light" charset="-122"/>
+              </a:rPr>
+              <a:t>调度器</a:t>
+            </a:r>
+          </a:p>
+          <a:p>
+            <a:pPr algn="ctr">
+              <a:defRPr/>
+            </a:pPr>
+            <a:r>
+              <a:rPr kumimoji="1" lang="en-US" altLang="zh-CN" sz="1400" dirty="0" smtClean="0">
+                <a:latin typeface="Heiti SC Light" charset="-122"/>
+                <a:ea typeface="Heiti SC Light" charset="-122"/>
+                <a:cs typeface="Heiti SC Light" charset="-122"/>
+              </a:rPr>
+              <a:t>(quartz)</a:t>
+            </a:r>
+            <a:endParaRPr kumimoji="1" lang="zh-CN" altLang="en-US" sz="1400" dirty="0">
+              <a:latin typeface="Heiti SC Light" charset="-122"/>
+              <a:ea typeface="Heiti SC Light" charset="-122"/>
+              <a:cs typeface="Heiti SC Light" charset="-122"/>
+            </a:endParaRPr>
+          </a:p>
+        </p:txBody>
+      </p:sp>
+      <p:sp>
+        <p:nvSpPr>
+          <p:cNvPr id="139" name="圆角矩形 138"/>
+          <p:cNvSpPr/>
+          <p:nvPr/>
+        </p:nvSpPr>
+        <p:spPr>
+          <a:xfrm>
+            <a:off x="4276756" y="3340779"/>
+            <a:ext cx="1659413" cy="574484"/>
+          </a:xfrm>
+          <a:prstGeom prst="roundRect">
+            <a:avLst/>
+          </a:prstGeom>
+          <a:solidFill>
+            <a:srgbClr val="58B8D1"/>
+          </a:solidFill>
+        </p:spPr>
+        <p:style>
+          <a:lnRef idx="0">
+            <a:schemeClr val="accent1"/>
+          </a:lnRef>
+          <a:fillRef idx="3">
+            <a:schemeClr val="accent1"/>
+          </a:fillRef>
+          <a:effectRef idx="3">
+            <a:schemeClr val="accent1"/>
+          </a:effectRef>
+          <a:fontRef idx="minor">
+            <a:schemeClr val="lt1"/>
+          </a:fontRef>
+        </p:style>
+        <p:txBody>
+          <a:bodyPr anchor="ctr"/>
+          <a:lstStyle/>
+          <a:p>
+            <a:pPr algn="ctr">
+              <a:defRPr/>
+            </a:pPr>
+            <a:r>
+              <a:rPr kumimoji="1" lang="zh-CN" altLang="en-US" sz="1400" dirty="0">
+                <a:latin typeface="Heiti SC Light" charset="-122"/>
+                <a:ea typeface="Heiti SC Light" charset="-122"/>
+                <a:cs typeface="Heiti SC Light" charset="-122"/>
+              </a:rPr>
+              <a:t>回调</a:t>
+            </a:r>
+            <a:r>
+              <a:rPr kumimoji="1" lang="zh-CN" altLang="en-US" sz="1400" dirty="0" smtClean="0">
+                <a:latin typeface="Heiti SC Light" charset="-122"/>
+                <a:ea typeface="Heiti SC Light" charset="-122"/>
+                <a:cs typeface="Heiti SC Light" charset="-122"/>
+              </a:rPr>
+              <a:t>服务</a:t>
+            </a:r>
+            <a:endParaRPr kumimoji="1" lang="zh-CN" altLang="en-US" sz="1400" dirty="0" smtClean="0">
+              <a:latin typeface="Heiti SC Light" charset="-122"/>
+              <a:ea typeface="Heiti SC Light" charset="-122"/>
+              <a:cs typeface="Heiti SC Light" charset="-122"/>
+            </a:endParaRPr>
+          </a:p>
+        </p:txBody>
+      </p:sp>
+      <p:sp>
+        <p:nvSpPr>
+          <p:cNvPr id="153" name="矩形 152"/>
+          <p:cNvSpPr/>
+          <p:nvPr/>
+        </p:nvSpPr>
+        <p:spPr>
+          <a:xfrm>
+            <a:off x="720867" y="2657780"/>
+            <a:ext cx="1668047" cy="1961502"/>
+          </a:xfrm>
+          <a:prstGeom prst="rect">
+            <a:avLst/>
+          </a:prstGeom>
+          <a:solidFill>
+            <a:srgbClr val="DEF7FF"/>
+          </a:solidFill>
+          <a:ln>
+            <a:noFill/>
+          </a:ln>
+        </p:spPr>
+        <p:style>
+          <a:lnRef idx="1">
+            <a:schemeClr val="accent1"/>
+          </a:lnRef>
+          <a:fillRef idx="2">
+            <a:schemeClr val="accent1"/>
+          </a:fillRef>
+          <a:effectRef idx="1">
+            <a:schemeClr val="accent1"/>
+          </a:effectRef>
+          <a:fontRef idx="minor">
+            <a:schemeClr val="dk1"/>
+          </a:fontRef>
+        </p:style>
+        <p:txBody>
+          <a:bodyPr anchor="t"/>
+          <a:lstStyle/>
+          <a:p>
+            <a:pPr algn="ctr">
+              <a:defRPr/>
+            </a:pPr>
+            <a:r>
+              <a:rPr kumimoji="1" lang="zh-CN" altLang="en-US" sz="1400" b="1" dirty="0">
+                <a:latin typeface="Heiti SC Light" charset="-122"/>
+                <a:ea typeface="Heiti SC Light" charset="-122"/>
+                <a:cs typeface="Heiti SC Light" charset="-122"/>
+              </a:rPr>
+              <a:t>日志管理</a:t>
+            </a:r>
+          </a:p>
+        </p:txBody>
+      </p:sp>
+      <p:sp>
+        <p:nvSpPr>
+          <p:cNvPr id="154" name="可选流程 153"/>
+          <p:cNvSpPr/>
+          <p:nvPr/>
+        </p:nvSpPr>
+        <p:spPr>
+          <a:xfrm>
+            <a:off x="823933" y="2979152"/>
+            <a:ext cx="1432847" cy="272004"/>
+          </a:xfrm>
+          <a:prstGeom prst="flowChartAlternateProcess">
+            <a:avLst/>
+          </a:prstGeom>
+          <a:solidFill>
+            <a:srgbClr val="4BACC6"/>
+          </a:solidFill>
+        </p:spPr>
+        <p:style>
+          <a:lnRef idx="0">
+            <a:schemeClr val="accent1"/>
+          </a:lnRef>
+          <a:fillRef idx="3">
+            <a:schemeClr val="accent1"/>
+          </a:fillRef>
+          <a:effectRef idx="3">
+            <a:schemeClr val="accent1"/>
+          </a:effectRef>
+          <a:fontRef idx="minor">
+            <a:schemeClr val="lt1"/>
+          </a:fontRef>
+        </p:style>
+        <p:txBody>
+          <a:bodyPr anchor="ctr"/>
+          <a:lstStyle/>
+          <a:p>
+            <a:pPr>
+              <a:defRPr/>
+            </a:pPr>
+            <a:r>
+              <a:rPr kumimoji="1" lang="zh-CN" altLang="en-US" sz="1400" dirty="0">
+                <a:latin typeface="Heiti SC Light" charset="-122"/>
+                <a:ea typeface="Heiti SC Light" charset="-122"/>
+                <a:cs typeface="Heiti SC Light" charset="-122"/>
+              </a:rPr>
+              <a:t>调度日志</a:t>
+            </a:r>
+          </a:p>
+        </p:txBody>
+      </p:sp>
+      <p:sp>
+        <p:nvSpPr>
+          <p:cNvPr id="155" name="可选流程 154"/>
+          <p:cNvSpPr/>
+          <p:nvPr/>
+        </p:nvSpPr>
+        <p:spPr>
+          <a:xfrm>
+            <a:off x="823932" y="3369943"/>
+            <a:ext cx="1432847" cy="275832"/>
+          </a:xfrm>
+          <a:prstGeom prst="flowChartAlternateProcess">
+            <a:avLst/>
+          </a:prstGeom>
+          <a:solidFill>
+            <a:srgbClr val="4BACC6"/>
+          </a:solidFill>
+        </p:spPr>
+        <p:style>
+          <a:lnRef idx="0">
+            <a:schemeClr val="accent1"/>
+          </a:lnRef>
+          <a:fillRef idx="3">
+            <a:schemeClr val="accent1"/>
+          </a:fillRef>
+          <a:effectRef idx="3">
+            <a:schemeClr val="accent1"/>
+          </a:effectRef>
+          <a:fontRef idx="minor">
+            <a:schemeClr val="lt1"/>
+          </a:fontRef>
+        </p:style>
+        <p:txBody>
+          <a:bodyPr anchor="ctr"/>
+          <a:lstStyle/>
+          <a:p>
+            <a:pPr>
+              <a:defRPr/>
+            </a:pPr>
+            <a:r>
+              <a:rPr kumimoji="1" lang="en-US" altLang="zh-CN" sz="1400" dirty="0">
+                <a:latin typeface="Heiti SC Light" charset="-122"/>
+                <a:ea typeface="Heiti SC Light" charset="-122"/>
+                <a:cs typeface="Heiti SC Light" charset="-122"/>
+              </a:rPr>
+              <a:t>Rolling</a:t>
+            </a:r>
+            <a:r>
+              <a:rPr kumimoji="1" lang="zh-CN" altLang="en-US" sz="1400" dirty="0">
+                <a:latin typeface="Heiti SC Light" charset="-122"/>
+                <a:ea typeface="Heiti SC Light" charset="-122"/>
+                <a:cs typeface="Heiti SC Light" charset="-122"/>
+              </a:rPr>
+              <a:t>日志</a:t>
+            </a:r>
+          </a:p>
+        </p:txBody>
+      </p:sp>
+      <p:sp>
+        <p:nvSpPr>
+          <p:cNvPr id="156" name="可选流程 155"/>
+          <p:cNvSpPr/>
+          <p:nvPr/>
+        </p:nvSpPr>
+        <p:spPr>
+          <a:xfrm>
+            <a:off x="823931" y="3804303"/>
+            <a:ext cx="1432847" cy="263850"/>
+          </a:xfrm>
+          <a:prstGeom prst="flowChartAlternateProcess">
+            <a:avLst/>
+          </a:prstGeom>
+          <a:solidFill>
+            <a:srgbClr val="4BACC6"/>
+          </a:solidFill>
+        </p:spPr>
+        <p:style>
+          <a:lnRef idx="0">
+            <a:schemeClr val="accent1"/>
+          </a:lnRef>
+          <a:fillRef idx="3">
+            <a:schemeClr val="accent1"/>
+          </a:fillRef>
+          <a:effectRef idx="3">
+            <a:schemeClr val="accent1"/>
+          </a:effectRef>
+          <a:fontRef idx="minor">
+            <a:schemeClr val="lt1"/>
+          </a:fontRef>
+        </p:style>
+        <p:txBody>
+          <a:bodyPr anchor="ctr"/>
+          <a:lstStyle/>
+          <a:p>
+            <a:pPr>
+              <a:defRPr/>
+            </a:pPr>
+            <a:r>
+              <a:rPr kumimoji="1" lang="en-US" altLang="zh-CN" sz="1400" dirty="0">
+                <a:latin typeface="Heiti SC Light" charset="-122"/>
+                <a:ea typeface="Heiti SC Light" charset="-122"/>
+                <a:cs typeface="Heiti SC Light" charset="-122"/>
+              </a:rPr>
+              <a:t>GLUE</a:t>
+            </a:r>
+            <a:r>
+              <a:rPr kumimoji="1" lang="zh-CN" altLang="en-US" sz="1400" dirty="0">
+                <a:latin typeface="Heiti SC Light" charset="-122"/>
+                <a:ea typeface="Heiti SC Light" charset="-122"/>
+                <a:cs typeface="Heiti SC Light" charset="-122"/>
+              </a:rPr>
+              <a:t>版本日志</a:t>
+            </a:r>
+          </a:p>
+        </p:txBody>
+      </p:sp>
+      <p:sp>
+        <p:nvSpPr>
+          <p:cNvPr id="157" name="可选流程 156"/>
+          <p:cNvSpPr/>
+          <p:nvPr/>
+        </p:nvSpPr>
+        <p:spPr>
+          <a:xfrm>
+            <a:off x="823930" y="4186561"/>
+            <a:ext cx="1432847" cy="263850"/>
+          </a:xfrm>
+          <a:prstGeom prst="flowChartAlternateProcess">
+            <a:avLst/>
+          </a:prstGeom>
+          <a:solidFill>
+            <a:srgbClr val="4BACC6"/>
+          </a:solidFill>
+        </p:spPr>
+        <p:style>
+          <a:lnRef idx="0">
+            <a:schemeClr val="accent1"/>
+          </a:lnRef>
+          <a:fillRef idx="3">
+            <a:schemeClr val="accent1"/>
+          </a:fillRef>
+          <a:effectRef idx="3">
+            <a:schemeClr val="accent1"/>
+          </a:effectRef>
+          <a:fontRef idx="minor">
+            <a:schemeClr val="lt1"/>
+          </a:fontRef>
+        </p:style>
+        <p:txBody>
+          <a:bodyPr anchor="ctr"/>
+          <a:lstStyle/>
+          <a:p>
+            <a:pPr>
+              <a:defRPr/>
+            </a:pPr>
+            <a:r>
+              <a:rPr kumimoji="1" lang="en-US" altLang="zh-CN" sz="1400" dirty="0" smtClean="0">
+                <a:latin typeface="Heiti SC Light" charset="-122"/>
+                <a:ea typeface="Heiti SC Light" charset="-122"/>
+                <a:cs typeface="Heiti SC Light" charset="-122"/>
+              </a:rPr>
+              <a:t>……</a:t>
+            </a:r>
+            <a:endParaRPr kumimoji="1" lang="zh-CN" altLang="en-US" sz="1400" dirty="0">
+              <a:latin typeface="Heiti SC Light" charset="-122"/>
+              <a:ea typeface="Heiti SC Light" charset="-122"/>
+              <a:cs typeface="Heiti SC Light" charset="-122"/>
+            </a:endParaRPr>
+          </a:p>
+        </p:txBody>
+      </p:sp>
+      <p:sp>
+        <p:nvSpPr>
+          <p:cNvPr id="158" name="矩形 157"/>
+          <p:cNvSpPr/>
+          <p:nvPr/>
+        </p:nvSpPr>
+        <p:spPr>
+          <a:xfrm>
+            <a:off x="2384122" y="2645252"/>
+            <a:ext cx="1672839" cy="1974030"/>
+          </a:xfrm>
+          <a:prstGeom prst="rect">
+            <a:avLst/>
+          </a:prstGeom>
+          <a:solidFill>
+            <a:srgbClr val="E0EBFF"/>
+          </a:solidFill>
+          <a:ln>
+            <a:noFill/>
+          </a:ln>
+        </p:spPr>
+        <p:style>
+          <a:lnRef idx="1">
+            <a:schemeClr val="accent1"/>
+          </a:lnRef>
+          <a:fillRef idx="2">
+            <a:schemeClr val="accent1"/>
+          </a:fillRef>
+          <a:effectRef idx="1">
+            <a:schemeClr val="accent1"/>
+          </a:effectRef>
+          <a:fontRef idx="minor">
+            <a:schemeClr val="dk1"/>
+          </a:fontRef>
+        </p:style>
+        <p:txBody>
+          <a:bodyPr anchor="t"/>
+          <a:lstStyle/>
+          <a:p>
+            <a:pPr algn="ctr">
+              <a:defRPr/>
+            </a:pPr>
+            <a:r>
+              <a:rPr kumimoji="1" lang="zh-CN" altLang="en-US" sz="1400" b="1" dirty="0" smtClean="0">
+                <a:latin typeface="Heiti SC Light" charset="-122"/>
+                <a:ea typeface="Heiti SC Light" charset="-122"/>
+                <a:cs typeface="Heiti SC Light" charset="-122"/>
+              </a:rPr>
+              <a:t>其他</a:t>
+            </a:r>
+          </a:p>
+        </p:txBody>
+      </p:sp>
+      <p:sp>
+        <p:nvSpPr>
+          <p:cNvPr id="159" name="可选流程 158"/>
+          <p:cNvSpPr/>
+          <p:nvPr/>
+        </p:nvSpPr>
+        <p:spPr>
+          <a:xfrm>
+            <a:off x="2463148" y="2972582"/>
+            <a:ext cx="1535914" cy="251629"/>
+          </a:xfrm>
+          <a:prstGeom prst="flowChartAlternateProcess">
+            <a:avLst/>
+          </a:prstGeom>
+          <a:solidFill>
+            <a:srgbClr val="6095C9"/>
+          </a:solidFill>
+        </p:spPr>
+        <p:style>
+          <a:lnRef idx="0">
+            <a:schemeClr val="accent1"/>
+          </a:lnRef>
+          <a:fillRef idx="3">
+            <a:schemeClr val="accent1"/>
+          </a:fillRef>
+          <a:effectRef idx="3">
+            <a:schemeClr val="accent1"/>
+          </a:effectRef>
+          <a:fontRef idx="minor">
+            <a:schemeClr val="lt1"/>
+          </a:fontRef>
+        </p:style>
+        <p:txBody>
+          <a:bodyPr anchor="ctr"/>
+          <a:lstStyle/>
+          <a:p>
+            <a:pPr>
+              <a:defRPr/>
+            </a:pPr>
+            <a:r>
+              <a:rPr kumimoji="1" lang="zh-CN" altLang="en-US" sz="1400" dirty="0" smtClean="0">
+                <a:latin typeface="Heiti SC Light" charset="-122"/>
+                <a:ea typeface="Heiti SC Light" charset="-122"/>
+                <a:cs typeface="Heiti SC Light" charset="-122"/>
+              </a:rPr>
+              <a:t>运行报表</a:t>
+            </a:r>
+            <a:endParaRPr kumimoji="1" lang="zh-CN" altLang="en-US" sz="1400" dirty="0">
+              <a:latin typeface="Heiti SC Light" charset="-122"/>
+              <a:ea typeface="Heiti SC Light" charset="-122"/>
+              <a:cs typeface="Heiti SC Light" charset="-122"/>
+            </a:endParaRPr>
+          </a:p>
+        </p:txBody>
+      </p:sp>
+      <p:sp>
+        <p:nvSpPr>
+          <p:cNvPr id="160" name="可选流程 159"/>
+          <p:cNvSpPr/>
+          <p:nvPr/>
+        </p:nvSpPr>
+        <p:spPr>
+          <a:xfrm>
+            <a:off x="2463148" y="3363264"/>
+            <a:ext cx="1535914" cy="281598"/>
+          </a:xfrm>
+          <a:prstGeom prst="flowChartAlternateProcess">
+            <a:avLst/>
+          </a:prstGeom>
+          <a:solidFill>
+            <a:srgbClr val="6095C9"/>
+          </a:solidFill>
+        </p:spPr>
+        <p:style>
+          <a:lnRef idx="0">
+            <a:schemeClr val="accent1"/>
+          </a:lnRef>
+          <a:fillRef idx="3">
+            <a:schemeClr val="accent1"/>
+          </a:fillRef>
+          <a:effectRef idx="3">
+            <a:schemeClr val="accent1"/>
+          </a:effectRef>
+          <a:fontRef idx="minor">
+            <a:schemeClr val="lt1"/>
+          </a:fontRef>
+        </p:style>
+        <p:txBody>
+          <a:bodyPr anchor="ctr"/>
+          <a:lstStyle/>
+          <a:p>
+            <a:pPr>
+              <a:defRPr/>
+            </a:pPr>
+            <a:r>
+              <a:rPr kumimoji="1" lang="zh-CN" altLang="en-US" sz="1400" dirty="0" smtClean="0">
+                <a:latin typeface="Heiti SC Light" charset="-122"/>
+                <a:ea typeface="Heiti SC Light" charset="-122"/>
+                <a:cs typeface="Heiti SC Light" charset="-122"/>
+              </a:rPr>
+              <a:t>失败告警</a:t>
+            </a:r>
+            <a:endParaRPr kumimoji="1" lang="zh-CN" altLang="en-US" sz="1400" dirty="0">
+              <a:latin typeface="Heiti SC Light" charset="-122"/>
+              <a:ea typeface="Heiti SC Light" charset="-122"/>
+              <a:cs typeface="Heiti SC Light" charset="-122"/>
+            </a:endParaRPr>
+          </a:p>
+        </p:txBody>
+      </p:sp>
+      <p:sp>
+        <p:nvSpPr>
+          <p:cNvPr id="161" name="可选流程 160"/>
+          <p:cNvSpPr/>
+          <p:nvPr/>
+        </p:nvSpPr>
+        <p:spPr>
+          <a:xfrm>
+            <a:off x="2463148" y="3787601"/>
+            <a:ext cx="1535914" cy="255324"/>
+          </a:xfrm>
+          <a:prstGeom prst="flowChartAlternateProcess">
+            <a:avLst/>
+          </a:prstGeom>
+          <a:solidFill>
+            <a:srgbClr val="6095C9"/>
+          </a:solidFill>
+        </p:spPr>
+        <p:style>
+          <a:lnRef idx="0">
+            <a:schemeClr val="accent1"/>
+          </a:lnRef>
+          <a:fillRef idx="3">
+            <a:schemeClr val="accent1"/>
+          </a:fillRef>
+          <a:effectRef idx="3">
+            <a:schemeClr val="accent1"/>
+          </a:effectRef>
+          <a:fontRef idx="minor">
+            <a:schemeClr val="lt1"/>
+          </a:fontRef>
+        </p:style>
+        <p:txBody>
+          <a:bodyPr anchor="ctr"/>
+          <a:lstStyle/>
+          <a:p>
+            <a:pPr>
+              <a:defRPr/>
+            </a:pPr>
+            <a:r>
+              <a:rPr kumimoji="1" lang="zh-CN" altLang="en-US" sz="1400" dirty="0" smtClean="0">
+                <a:latin typeface="Heiti SC Light" charset="-122"/>
+                <a:ea typeface="Heiti SC Light" charset="-122"/>
+                <a:cs typeface="Heiti SC Light" charset="-122"/>
+              </a:rPr>
+              <a:t>任务依赖</a:t>
+            </a:r>
+            <a:endParaRPr kumimoji="1" lang="zh-CN" altLang="en-US" sz="1400" dirty="0">
+              <a:latin typeface="Heiti SC Light" charset="-122"/>
+              <a:ea typeface="Heiti SC Light" charset="-122"/>
+              <a:cs typeface="Heiti SC Light" charset="-122"/>
+            </a:endParaRPr>
+          </a:p>
+        </p:txBody>
+      </p:sp>
+      <p:sp>
+        <p:nvSpPr>
+          <p:cNvPr id="162" name="可选流程 161"/>
+          <p:cNvSpPr/>
+          <p:nvPr/>
+        </p:nvSpPr>
+        <p:spPr>
+          <a:xfrm>
+            <a:off x="2463148" y="4163682"/>
+            <a:ext cx="1535914" cy="274201"/>
+          </a:xfrm>
+          <a:prstGeom prst="flowChartAlternateProcess">
+            <a:avLst/>
+          </a:prstGeom>
+          <a:solidFill>
+            <a:srgbClr val="6095C9"/>
+          </a:solidFill>
+        </p:spPr>
+        <p:style>
+          <a:lnRef idx="0">
+            <a:schemeClr val="accent1"/>
+          </a:lnRef>
+          <a:fillRef idx="3">
+            <a:schemeClr val="accent1"/>
+          </a:fillRef>
+          <a:effectRef idx="3">
+            <a:schemeClr val="accent1"/>
+          </a:effectRef>
+          <a:fontRef idx="minor">
+            <a:schemeClr val="lt1"/>
+          </a:fontRef>
+        </p:style>
+        <p:txBody>
+          <a:bodyPr anchor="ctr"/>
+          <a:lstStyle/>
+          <a:p>
+            <a:pPr>
+              <a:defRPr/>
+            </a:pPr>
+            <a:r>
+              <a:rPr kumimoji="1" lang="en-US" altLang="zh-CN" sz="1400" dirty="0" smtClean="0">
+                <a:latin typeface="Heiti SC Light" charset="-122"/>
+                <a:ea typeface="Heiti SC Light" charset="-122"/>
+                <a:cs typeface="Heiti SC Light" charset="-122"/>
+              </a:rPr>
+              <a:t>……</a:t>
+            </a:r>
+            <a:endParaRPr kumimoji="1" lang="zh-CN" altLang="en-US" sz="1400" dirty="0">
+              <a:latin typeface="Heiti SC Light" charset="-122"/>
+              <a:ea typeface="Heiti SC Light" charset="-122"/>
+              <a:cs typeface="Heiti SC Light" charset="-122"/>
+            </a:endParaRPr>
+          </a:p>
+        </p:txBody>
+      </p:sp>
+      <p:sp>
+        <p:nvSpPr>
+          <p:cNvPr id="30" name="可选流程 29"/>
+          <p:cNvSpPr/>
+          <p:nvPr/>
+        </p:nvSpPr>
+        <p:spPr>
+          <a:xfrm>
+            <a:off x="6903492" y="4598011"/>
+            <a:ext cx="1948408" cy="566196"/>
+          </a:xfrm>
+          <a:prstGeom prst="flowChartAlternateProcess">
+            <a:avLst/>
+          </a:prstGeom>
+          <a:solidFill>
+            <a:srgbClr val="9379B3"/>
+          </a:solidFill>
+        </p:spPr>
+        <p:style>
+          <a:lnRef idx="0">
+            <a:schemeClr val="accent1"/>
+          </a:lnRef>
+          <a:fillRef idx="3">
+            <a:schemeClr val="accent1"/>
+          </a:fillRef>
+          <a:effectRef idx="3">
+            <a:schemeClr val="accent1"/>
+          </a:effectRef>
+          <a:fontRef idx="minor">
+            <a:schemeClr val="lt1"/>
+          </a:fontRef>
+        </p:style>
+        <p:txBody>
+          <a:bodyPr anchor="ctr"/>
+          <a:lstStyle/>
+          <a:p>
+            <a:pPr algn="ctr">
+              <a:defRPr/>
+            </a:pPr>
+            <a:r>
+              <a:rPr kumimoji="1" lang="zh-CN" altLang="en-US" sz="1400" dirty="0" smtClean="0">
+                <a:latin typeface="Heiti SC Light" charset="-122"/>
+                <a:ea typeface="Heiti SC Light" charset="-122"/>
+                <a:cs typeface="Heiti SC Light" charset="-122"/>
+              </a:rPr>
+              <a:t>注册线程</a:t>
+            </a:r>
+            <a:endParaRPr kumimoji="1" lang="zh-CN" altLang="en-US" sz="1400" dirty="0">
+              <a:latin typeface="Heiti SC Light" charset="-122"/>
+              <a:ea typeface="Heiti SC Light" charset="-122"/>
+              <a:cs typeface="Heiti SC Light" charset="-122"/>
+            </a:endParaRPr>
+          </a:p>
+        </p:txBody>
+      </p:sp>
+      <p:sp>
+        <p:nvSpPr>
+          <p:cNvPr id="97" name="可选流程 96"/>
+          <p:cNvSpPr/>
+          <p:nvPr/>
+        </p:nvSpPr>
+        <p:spPr>
+          <a:xfrm>
+            <a:off x="6850420" y="844864"/>
+            <a:ext cx="2469578" cy="586589"/>
+          </a:xfrm>
+          <a:prstGeom prst="flowChartAlternateProcess">
+            <a:avLst/>
+          </a:prstGeom>
+        </p:spPr>
+        <p:style>
+          <a:lnRef idx="0">
+            <a:schemeClr val="accent2"/>
+          </a:lnRef>
+          <a:fillRef idx="3">
+            <a:schemeClr val="accent2"/>
+          </a:fillRef>
+          <a:effectRef idx="3">
+            <a:schemeClr val="accent2"/>
+          </a:effectRef>
+          <a:fontRef idx="minor">
+            <a:schemeClr val="lt1"/>
+          </a:fontRef>
+        </p:style>
+        <p:txBody>
+          <a:bodyPr rtlCol="0" anchor="ctr"/>
+          <a:lstStyle/>
+          <a:p>
+            <a:pPr algn="ctr"/>
+            <a:r>
+              <a:rPr kumimoji="1" lang="zh-CN" altLang="en-US" sz="1400" dirty="0" smtClean="0">
+                <a:latin typeface="Heiti SC Light" charset="-122"/>
+                <a:ea typeface="Heiti SC Light" charset="-122"/>
+                <a:cs typeface="Heiti SC Light" charset="-122"/>
+              </a:rPr>
+              <a:t>执行器</a:t>
+            </a:r>
+            <a:r>
+              <a:rPr kumimoji="1" lang="zh-CN" altLang="en-US" sz="1400" dirty="0" smtClean="0">
+                <a:latin typeface="Heiti SC Light" charset="-122"/>
+                <a:ea typeface="Heiti SC Light" charset="-122"/>
+                <a:cs typeface="Heiti SC Light" charset="-122"/>
+              </a:rPr>
+              <a:t>服务</a:t>
+            </a:r>
+            <a:endParaRPr kumimoji="1" lang="zh-CN" altLang="en-US" sz="1400" dirty="0">
+              <a:latin typeface="Heiti SC Light" charset="-122"/>
+              <a:ea typeface="Heiti SC Light" charset="-122"/>
+              <a:cs typeface="Heiti SC Light" charset="-122"/>
+            </a:endParaRPr>
+          </a:p>
+        </p:txBody>
+      </p:sp>
+      <p:cxnSp>
+        <p:nvCxnSpPr>
+          <p:cNvPr id="99" name="直线箭头连接符 98"/>
+          <p:cNvCxnSpPr>
+            <a:stCxn id="3" idx="3"/>
+          </p:cNvCxnSpPr>
+          <p:nvPr/>
+        </p:nvCxnSpPr>
+        <p:spPr>
+          <a:xfrm flipV="1">
+            <a:off x="5930468" y="1120818"/>
+            <a:ext cx="902673" cy="5455"/>
+          </a:xfrm>
+          <a:prstGeom prst="straightConnector1">
+            <a:avLst/>
+          </a:prstGeom>
+          <a:ln w="28575">
+            <a:prstDash val="sysDash"/>
+            <a:headEnd type="none" w="med" len="med"/>
+            <a:tailEnd type="arrow" w="med" len="med"/>
+          </a:ln>
+        </p:spPr>
+        <p:style>
+          <a:lnRef idx="2">
+            <a:schemeClr val="accent1"/>
+          </a:lnRef>
+          <a:fillRef idx="0">
+            <a:schemeClr val="accent1"/>
+          </a:fillRef>
+          <a:effectRef idx="1">
+            <a:schemeClr val="accent1"/>
+          </a:effectRef>
+          <a:fontRef idx="minor">
+            <a:schemeClr val="tx1"/>
+          </a:fontRef>
+        </p:style>
+      </p:cxnSp>
+      <p:sp>
+        <p:nvSpPr>
+          <p:cNvPr id="169" name="矩形 168"/>
+          <p:cNvSpPr/>
+          <p:nvPr/>
+        </p:nvSpPr>
+        <p:spPr>
+          <a:xfrm>
+            <a:off x="9740643" y="832978"/>
+            <a:ext cx="1588645" cy="3248072"/>
+          </a:xfrm>
+          <a:prstGeom prst="rect">
+            <a:avLst/>
+          </a:prstGeom>
+          <a:solidFill>
+            <a:srgbClr val="DEF7FF"/>
+          </a:solidFill>
+          <a:ln>
+            <a:noFill/>
+          </a:ln>
+        </p:spPr>
+        <p:style>
+          <a:lnRef idx="1">
+            <a:schemeClr val="accent1"/>
+          </a:lnRef>
+          <a:fillRef idx="2">
+            <a:schemeClr val="accent1"/>
+          </a:fillRef>
+          <a:effectRef idx="1">
+            <a:schemeClr val="accent1"/>
+          </a:effectRef>
+          <a:fontRef idx="minor">
+            <a:schemeClr val="dk1"/>
+          </a:fontRef>
+        </p:style>
+        <p:txBody>
+          <a:bodyPr anchor="b"/>
+          <a:lstStyle/>
+          <a:p>
+            <a:pPr algn="ctr">
+              <a:defRPr/>
+            </a:pPr>
+            <a:endParaRPr kumimoji="1" lang="zh-CN" altLang="en-US" sz="1600" b="1" dirty="0">
+              <a:latin typeface="Heiti SC Light" charset="-122"/>
+              <a:ea typeface="Heiti SC Light" charset="-122"/>
+              <a:cs typeface="Heiti SC Light" charset="-122"/>
+            </a:endParaRPr>
+          </a:p>
+        </p:txBody>
+      </p:sp>
+      <p:cxnSp>
+        <p:nvCxnSpPr>
+          <p:cNvPr id="171" name="直线箭头连接符 170"/>
+          <p:cNvCxnSpPr/>
+          <p:nvPr/>
+        </p:nvCxnSpPr>
+        <p:spPr>
+          <a:xfrm>
+            <a:off x="9367694" y="1187007"/>
+            <a:ext cx="355704" cy="3349"/>
+          </a:xfrm>
+          <a:prstGeom prst="straightConnector1">
+            <a:avLst/>
+          </a:prstGeom>
+          <a:ln w="28575">
+            <a:prstDash val="sysDash"/>
+            <a:headEnd type="none" w="med" len="med"/>
+            <a:tailEnd type="arrow" w="med" len="med"/>
+          </a:ln>
+        </p:spPr>
+        <p:style>
+          <a:lnRef idx="2">
+            <a:schemeClr val="accent1"/>
+          </a:lnRef>
+          <a:fillRef idx="0">
+            <a:schemeClr val="accent1"/>
+          </a:fillRef>
+          <a:effectRef idx="1">
+            <a:schemeClr val="accent1"/>
+          </a:effectRef>
+          <a:fontRef idx="minor">
+            <a:schemeClr val="tx1"/>
+          </a:fontRef>
+        </p:style>
+      </p:cxnSp>
+      <p:sp>
+        <p:nvSpPr>
+          <p:cNvPr id="177" name="矩形 176"/>
+          <p:cNvSpPr/>
+          <p:nvPr/>
+        </p:nvSpPr>
+        <p:spPr>
+          <a:xfrm>
+            <a:off x="6874533" y="3224448"/>
+            <a:ext cx="2445465" cy="856602"/>
+          </a:xfrm>
+          <a:prstGeom prst="rect">
+            <a:avLst/>
+          </a:prstGeom>
+          <a:solidFill>
+            <a:srgbClr val="DEF7FF"/>
+          </a:solidFill>
+          <a:ln>
+            <a:solidFill>
+              <a:srgbClr val="FFF2CD"/>
+            </a:solidFill>
+          </a:ln>
+        </p:spPr>
+        <p:style>
+          <a:lnRef idx="1">
+            <a:schemeClr val="accent1"/>
+          </a:lnRef>
+          <a:fillRef idx="2">
+            <a:schemeClr val="accent1"/>
+          </a:fillRef>
+          <a:effectRef idx="1">
+            <a:schemeClr val="accent1"/>
+          </a:effectRef>
+          <a:fontRef idx="minor">
+            <a:schemeClr val="dk1"/>
+          </a:fontRef>
+        </p:style>
+        <p:txBody>
+          <a:bodyPr anchor="b"/>
+          <a:lstStyle/>
+          <a:p>
+            <a:pPr algn="ctr">
+              <a:defRPr/>
+            </a:pPr>
+            <a:endParaRPr kumimoji="1" lang="zh-CN" altLang="en-US" sz="1600" b="1" dirty="0">
+              <a:latin typeface="Heiti SC Light" charset="-122"/>
+              <a:ea typeface="Heiti SC Light" charset="-122"/>
+              <a:cs typeface="Heiti SC Light" charset="-122"/>
+            </a:endParaRPr>
+          </a:p>
+        </p:txBody>
+      </p:sp>
+      <p:sp>
+        <p:nvSpPr>
+          <p:cNvPr id="178" name="磁盘 177"/>
+          <p:cNvSpPr/>
+          <p:nvPr/>
+        </p:nvSpPr>
+        <p:spPr>
+          <a:xfrm>
+            <a:off x="8115679" y="3330715"/>
+            <a:ext cx="1128362" cy="644066"/>
+          </a:xfrm>
+          <a:prstGeom prst="flowChartMagneticDisk">
+            <a:avLst/>
+          </a:prstGeom>
+        </p:spPr>
+        <p:style>
+          <a:lnRef idx="1">
+            <a:schemeClr val="accent4"/>
+          </a:lnRef>
+          <a:fillRef idx="2">
+            <a:schemeClr val="accent4"/>
+          </a:fillRef>
+          <a:effectRef idx="1">
+            <a:schemeClr val="accent4"/>
+          </a:effectRef>
+          <a:fontRef idx="minor">
+            <a:schemeClr val="dk1"/>
+          </a:fontRef>
+        </p:style>
+        <p:txBody>
+          <a:bodyPr rtlCol="0" anchor="ctr"/>
+          <a:lstStyle/>
+          <a:p>
+            <a:pPr algn="ctr"/>
+            <a:r>
+              <a:rPr kumimoji="1" lang="zh-CN" altLang="en-US" sz="1400" dirty="0" smtClean="0">
+                <a:latin typeface="Heiti SC Light" charset="-122"/>
+                <a:ea typeface="Heiti SC Light" charset="-122"/>
+                <a:cs typeface="Heiti SC Light" charset="-122"/>
+              </a:rPr>
+              <a:t>调度结果</a:t>
+            </a:r>
+          </a:p>
+          <a:p>
+            <a:pPr algn="ctr"/>
+            <a:r>
+              <a:rPr kumimoji="1" lang="en-US" altLang="zh-CN" sz="1400" dirty="0" smtClean="0">
+                <a:latin typeface="Heiti SC Light" charset="-122"/>
+                <a:ea typeface="Heiti SC Light" charset="-122"/>
+                <a:cs typeface="Heiti SC Light" charset="-122"/>
+              </a:rPr>
+              <a:t>(queue)</a:t>
+            </a:r>
+            <a:endParaRPr kumimoji="1" lang="zh-CN" altLang="en-US" sz="1400" dirty="0">
+              <a:latin typeface="Heiti SC Light" charset="-122"/>
+              <a:ea typeface="Heiti SC Light" charset="-122"/>
+              <a:cs typeface="Heiti SC Light" charset="-122"/>
+            </a:endParaRPr>
+          </a:p>
+        </p:txBody>
+      </p:sp>
+      <p:cxnSp>
+        <p:nvCxnSpPr>
+          <p:cNvPr id="185" name="直线箭头连接符 184"/>
+          <p:cNvCxnSpPr/>
+          <p:nvPr/>
+        </p:nvCxnSpPr>
+        <p:spPr>
+          <a:xfrm flipH="1">
+            <a:off x="5940012" y="2356487"/>
+            <a:ext cx="893129" cy="645"/>
+          </a:xfrm>
+          <a:prstGeom prst="straightConnector1">
+            <a:avLst/>
+          </a:prstGeom>
+          <a:ln w="28575">
+            <a:prstDash val="sysDash"/>
+            <a:headEnd type="none" w="med" len="med"/>
+            <a:tailEnd type="arrow" w="med" len="med"/>
+          </a:ln>
+        </p:spPr>
+        <p:style>
+          <a:lnRef idx="2">
+            <a:schemeClr val="accent1"/>
+          </a:lnRef>
+          <a:fillRef idx="0">
+            <a:schemeClr val="accent1"/>
+          </a:fillRef>
+          <a:effectRef idx="1">
+            <a:schemeClr val="accent1"/>
+          </a:effectRef>
+          <a:fontRef idx="minor">
+            <a:schemeClr val="tx1"/>
+          </a:fontRef>
+        </p:style>
+      </p:cxnSp>
+      <p:sp>
+        <p:nvSpPr>
+          <p:cNvPr id="194" name="可选流程 193"/>
+          <p:cNvSpPr/>
+          <p:nvPr/>
+        </p:nvSpPr>
+        <p:spPr>
+          <a:xfrm>
+            <a:off x="9907238" y="2193143"/>
+            <a:ext cx="1295671" cy="611595"/>
+          </a:xfrm>
+          <a:prstGeom prst="flowChartAlternateProcess">
+            <a:avLst/>
+          </a:prstGeom>
+          <a:solidFill>
+            <a:srgbClr val="4BACC6"/>
+          </a:solidFill>
+        </p:spPr>
+        <p:style>
+          <a:lnRef idx="0">
+            <a:schemeClr val="accent1"/>
+          </a:lnRef>
+          <a:fillRef idx="3">
+            <a:schemeClr val="accent1"/>
+          </a:fillRef>
+          <a:effectRef idx="3">
+            <a:schemeClr val="accent1"/>
+          </a:effectRef>
+          <a:fontRef idx="minor">
+            <a:schemeClr val="lt1"/>
+          </a:fontRef>
+        </p:style>
+        <p:txBody>
+          <a:bodyPr anchor="ctr"/>
+          <a:lstStyle/>
+          <a:p>
+            <a:pPr algn="ctr"/>
+            <a:r>
+              <a:rPr kumimoji="1" lang="en-US" altLang="zh-CN" sz="1400" dirty="0">
+                <a:latin typeface="Heiti SC Light" charset="-122"/>
+                <a:ea typeface="Heiti SC Light" charset="-122"/>
+                <a:cs typeface="Heiti SC Light" charset="-122"/>
+              </a:rPr>
+              <a:t>JobHandler</a:t>
+            </a:r>
+            <a:endParaRPr kumimoji="1" lang="zh-CN" altLang="en-US" sz="1400" dirty="0">
+              <a:latin typeface="Heiti SC Light" charset="-122"/>
+              <a:ea typeface="Heiti SC Light" charset="-122"/>
+              <a:cs typeface="Heiti SC Light" charset="-122"/>
+            </a:endParaRPr>
+          </a:p>
+        </p:txBody>
+      </p:sp>
+      <p:sp>
+        <p:nvSpPr>
+          <p:cNvPr id="195" name="可选流程 194"/>
+          <p:cNvSpPr/>
+          <p:nvPr/>
+        </p:nvSpPr>
+        <p:spPr>
+          <a:xfrm>
+            <a:off x="9907238" y="3253003"/>
+            <a:ext cx="1295671" cy="606434"/>
+          </a:xfrm>
+          <a:prstGeom prst="flowChartAlternateProcess">
+            <a:avLst/>
+          </a:prstGeom>
+          <a:solidFill>
+            <a:srgbClr val="4BACC6"/>
+          </a:solidFill>
+        </p:spPr>
+        <p:style>
+          <a:lnRef idx="0">
+            <a:schemeClr val="accent1"/>
+          </a:lnRef>
+          <a:fillRef idx="3">
+            <a:schemeClr val="accent1"/>
+          </a:fillRef>
+          <a:effectRef idx="3">
+            <a:schemeClr val="accent1"/>
+          </a:effectRef>
+          <a:fontRef idx="minor">
+            <a:schemeClr val="lt1"/>
+          </a:fontRef>
+        </p:style>
+        <p:txBody>
+          <a:bodyPr anchor="ctr"/>
+          <a:lstStyle/>
+          <a:p>
+            <a:pPr algn="ctr"/>
+            <a:r>
+              <a:rPr kumimoji="1" lang="zh-CN" altLang="en-US" sz="1400" dirty="0">
+                <a:latin typeface="Heiti SC Light" charset="-122"/>
+                <a:ea typeface="Heiti SC Light" charset="-122"/>
+                <a:cs typeface="Heiti SC Light" charset="-122"/>
+              </a:rPr>
+              <a:t>任务线程</a:t>
+            </a:r>
+          </a:p>
+        </p:txBody>
+      </p:sp>
+      <p:sp>
+        <p:nvSpPr>
+          <p:cNvPr id="196" name="磁盘 195"/>
+          <p:cNvSpPr/>
+          <p:nvPr/>
+        </p:nvSpPr>
+        <p:spPr>
+          <a:xfrm>
+            <a:off x="9904842" y="1079536"/>
+            <a:ext cx="1295671" cy="663886"/>
+          </a:xfrm>
+          <a:prstGeom prst="flowChartMagneticDisk">
+            <a:avLst/>
+          </a:prstGeom>
+        </p:spPr>
+        <p:style>
+          <a:lnRef idx="1">
+            <a:schemeClr val="accent4"/>
+          </a:lnRef>
+          <a:fillRef idx="2">
+            <a:schemeClr val="accent4"/>
+          </a:fillRef>
+          <a:effectRef idx="1">
+            <a:schemeClr val="accent4"/>
+          </a:effectRef>
+          <a:fontRef idx="minor">
+            <a:schemeClr val="dk1"/>
+          </a:fontRef>
+        </p:style>
+        <p:txBody>
+          <a:bodyPr anchor="ctr"/>
+          <a:lstStyle/>
+          <a:p>
+            <a:pPr algn="ctr"/>
+            <a:r>
+              <a:rPr kumimoji="1" lang="zh-CN" altLang="en-US" sz="1400" dirty="0">
+                <a:latin typeface="Heiti SC Light" charset="-122"/>
+                <a:ea typeface="Heiti SC Light" charset="-122"/>
+                <a:cs typeface="Heiti SC Light" charset="-122"/>
+              </a:rPr>
+              <a:t>调度请求</a:t>
+            </a:r>
+          </a:p>
+          <a:p>
+            <a:pPr algn="ctr"/>
+            <a:r>
+              <a:rPr kumimoji="1" lang="en-US" altLang="zh-CN" sz="1400" dirty="0">
+                <a:latin typeface="Heiti SC Light" charset="-122"/>
+                <a:ea typeface="Heiti SC Light" charset="-122"/>
+                <a:cs typeface="Heiti SC Light" charset="-122"/>
+              </a:rPr>
+              <a:t>(queue)</a:t>
+            </a:r>
+            <a:endParaRPr kumimoji="1" lang="zh-CN" altLang="en-US" sz="1400" dirty="0">
+              <a:latin typeface="Heiti SC Light" charset="-122"/>
+              <a:ea typeface="Heiti SC Light" charset="-122"/>
+              <a:cs typeface="Heiti SC Light" charset="-122"/>
+            </a:endParaRPr>
+          </a:p>
+        </p:txBody>
+      </p:sp>
+      <p:cxnSp>
+        <p:nvCxnSpPr>
+          <p:cNvPr id="207" name="直线箭头连接符 206"/>
+          <p:cNvCxnSpPr/>
+          <p:nvPr/>
+        </p:nvCxnSpPr>
+        <p:spPr>
+          <a:xfrm flipH="1" flipV="1">
+            <a:off x="5938417" y="3627371"/>
+            <a:ext cx="872707" cy="11641"/>
+          </a:xfrm>
+          <a:prstGeom prst="straightConnector1">
+            <a:avLst/>
+          </a:prstGeom>
+          <a:ln w="28575">
+            <a:prstDash val="sysDash"/>
+            <a:headEnd type="none" w="med" len="med"/>
+            <a:tailEnd type="arrow" w="med" len="med"/>
+          </a:ln>
+        </p:spPr>
+        <p:style>
+          <a:lnRef idx="2">
+            <a:schemeClr val="accent1"/>
+          </a:lnRef>
+          <a:fillRef idx="0">
+            <a:schemeClr val="accent1"/>
+          </a:fillRef>
+          <a:effectRef idx="1">
+            <a:schemeClr val="accent1"/>
+          </a:effectRef>
+          <a:fontRef idx="minor">
+            <a:schemeClr val="tx1"/>
+          </a:fontRef>
+        </p:style>
+      </p:cxnSp>
+      <p:sp>
+        <p:nvSpPr>
+          <p:cNvPr id="57" name="圆角矩形 56"/>
+          <p:cNvSpPr/>
+          <p:nvPr/>
+        </p:nvSpPr>
+        <p:spPr>
+          <a:xfrm>
+            <a:off x="9224192" y="4620762"/>
+            <a:ext cx="1990310" cy="567638"/>
+          </a:xfrm>
+          <a:prstGeom prst="roundRect">
+            <a:avLst/>
+          </a:prstGeom>
+          <a:solidFill>
+            <a:srgbClr val="58B8D1"/>
+          </a:solidFill>
+        </p:spPr>
+        <p:style>
+          <a:lnRef idx="0">
+            <a:schemeClr val="accent1"/>
+          </a:lnRef>
+          <a:fillRef idx="3">
+            <a:schemeClr val="accent1"/>
+          </a:fillRef>
+          <a:effectRef idx="3">
+            <a:schemeClr val="accent1"/>
+          </a:effectRef>
+          <a:fontRef idx="minor">
+            <a:schemeClr val="lt1"/>
+          </a:fontRef>
+        </p:style>
+        <p:txBody>
+          <a:bodyPr anchor="ctr"/>
+          <a:lstStyle/>
+          <a:p>
+            <a:pPr algn="ctr">
+              <a:defRPr/>
+            </a:pPr>
+            <a:r>
+              <a:rPr kumimoji="1" lang="zh-CN" altLang="en-US" sz="1400" dirty="0">
+                <a:latin typeface="Heiti SC Light" charset="-122"/>
+                <a:ea typeface="Heiti SC Light" charset="-122"/>
+                <a:cs typeface="Heiti SC Light" charset="-122"/>
+              </a:rPr>
+              <a:t>自研</a:t>
+            </a:r>
+            <a:r>
+              <a:rPr kumimoji="1" lang="en-US" altLang="zh-CN" sz="1400" dirty="0" smtClean="0">
+                <a:latin typeface="Heiti SC Light" charset="-122"/>
+                <a:ea typeface="Heiti SC Light" charset="-122"/>
+                <a:cs typeface="Heiti SC Light" charset="-122"/>
+              </a:rPr>
+              <a:t>RPC</a:t>
+            </a:r>
+            <a:r>
+              <a:rPr kumimoji="1" lang="zh-CN" altLang="en-US" sz="1400" dirty="0" smtClean="0">
+                <a:latin typeface="Heiti SC Light" charset="-122"/>
+                <a:ea typeface="Heiti SC Light" charset="-122"/>
+                <a:cs typeface="Heiti SC Light" charset="-122"/>
+              </a:rPr>
+              <a:t>（</a:t>
+            </a:r>
+            <a:r>
+              <a:rPr kumimoji="1" lang="en-US" altLang="zh-CN" sz="1400" dirty="0" smtClean="0">
+                <a:latin typeface="Heiti SC Light" charset="-122"/>
+                <a:ea typeface="Heiti SC Light" charset="-122"/>
+                <a:cs typeface="Heiti SC Light" charset="-122"/>
+              </a:rPr>
+              <a:t>xxl-rpc</a:t>
+            </a:r>
+            <a:r>
+              <a:rPr kumimoji="1" lang="zh-CN" altLang="en-US" sz="1400" dirty="0" smtClean="0">
+                <a:latin typeface="Heiti SC Light" charset="-122"/>
+                <a:ea typeface="Heiti SC Light" charset="-122"/>
+                <a:cs typeface="Heiti SC Light" charset="-122"/>
+              </a:rPr>
+              <a:t>）</a:t>
+            </a:r>
+            <a:endParaRPr kumimoji="1" lang="zh-CN" altLang="en-US" sz="1400" dirty="0" smtClean="0">
+              <a:latin typeface="Heiti SC Light" charset="-122"/>
+              <a:ea typeface="Heiti SC Light" charset="-122"/>
+              <a:cs typeface="Heiti SC Light" charset="-122"/>
+            </a:endParaRPr>
+          </a:p>
+        </p:txBody>
+      </p:sp>
+      <p:cxnSp>
+        <p:nvCxnSpPr>
+          <p:cNvPr id="52" name="直线箭头连接符 51"/>
+          <p:cNvCxnSpPr/>
+          <p:nvPr/>
+        </p:nvCxnSpPr>
+        <p:spPr>
+          <a:xfrm flipH="1" flipV="1">
+            <a:off x="5943168" y="4896551"/>
+            <a:ext cx="903294" cy="11119"/>
+          </a:xfrm>
+          <a:prstGeom prst="straightConnector1">
+            <a:avLst/>
+          </a:prstGeom>
+          <a:ln w="28575">
+            <a:prstDash val="sysDash"/>
+            <a:headEnd type="none" w="med" len="med"/>
+            <a:tailEnd type="arrow" w="med" len="med"/>
+          </a:ln>
+        </p:spPr>
+        <p:style>
+          <a:lnRef idx="2">
+            <a:schemeClr val="accent1"/>
+          </a:lnRef>
+          <a:fillRef idx="0">
+            <a:schemeClr val="accent1"/>
+          </a:fillRef>
+          <a:effectRef idx="1">
+            <a:schemeClr val="accent1"/>
+          </a:effectRef>
+          <a:fontRef idx="minor">
+            <a:schemeClr val="tx1"/>
+          </a:fontRef>
+        </p:style>
+      </p:cxnSp>
+      <p:sp>
+        <p:nvSpPr>
+          <p:cNvPr id="81" name="矩形 80"/>
+          <p:cNvSpPr/>
+          <p:nvPr/>
+        </p:nvSpPr>
+        <p:spPr>
+          <a:xfrm>
+            <a:off x="6861591" y="1940899"/>
+            <a:ext cx="2458407" cy="856602"/>
+          </a:xfrm>
+          <a:prstGeom prst="rect">
+            <a:avLst/>
+          </a:prstGeom>
+          <a:solidFill>
+            <a:srgbClr val="E0EBFF"/>
+          </a:solidFill>
+          <a:ln>
+            <a:solidFill>
+              <a:srgbClr val="FFF2CD"/>
+            </a:solidFill>
+          </a:ln>
+        </p:spPr>
+        <p:style>
+          <a:lnRef idx="1">
+            <a:schemeClr val="accent1"/>
+          </a:lnRef>
+          <a:fillRef idx="2">
+            <a:schemeClr val="accent1"/>
+          </a:fillRef>
+          <a:effectRef idx="1">
+            <a:schemeClr val="accent1"/>
+          </a:effectRef>
+          <a:fontRef idx="minor">
+            <a:schemeClr val="dk1"/>
+          </a:fontRef>
+        </p:style>
+        <p:txBody>
+          <a:bodyPr anchor="b"/>
+          <a:lstStyle/>
+          <a:p>
+            <a:pPr algn="ctr">
+              <a:defRPr/>
+            </a:pPr>
+            <a:endParaRPr kumimoji="1" lang="zh-CN" altLang="en-US" sz="1600" b="1" dirty="0">
+              <a:latin typeface="Heiti SC Light" charset="-122"/>
+              <a:ea typeface="Heiti SC Light" charset="-122"/>
+              <a:cs typeface="Heiti SC Light" charset="-122"/>
+            </a:endParaRPr>
+          </a:p>
+        </p:txBody>
+      </p:sp>
+      <p:sp>
+        <p:nvSpPr>
+          <p:cNvPr id="82" name="多文档 81"/>
+          <p:cNvSpPr/>
+          <p:nvPr/>
+        </p:nvSpPr>
+        <p:spPr>
+          <a:xfrm>
+            <a:off x="8102736" y="2034466"/>
+            <a:ext cx="1128362" cy="644066"/>
+          </a:xfrm>
+          <a:prstGeom prst="flowChartMultidocument">
+            <a:avLst/>
+          </a:prstGeom>
+        </p:spPr>
+        <p:style>
+          <a:lnRef idx="1">
+            <a:schemeClr val="accent3"/>
+          </a:lnRef>
+          <a:fillRef idx="2">
+            <a:schemeClr val="accent3"/>
+          </a:fillRef>
+          <a:effectRef idx="1">
+            <a:schemeClr val="accent3"/>
+          </a:effectRef>
+          <a:fontRef idx="minor">
+            <a:schemeClr val="dk1"/>
+          </a:fontRef>
+        </p:style>
+        <p:txBody>
+          <a:bodyPr rtlCol="0" anchor="ctr"/>
+          <a:lstStyle/>
+          <a:p>
+            <a:pPr algn="ctr">
+              <a:defRPr/>
+            </a:pPr>
+            <a:r>
+              <a:rPr kumimoji="1" lang="zh-CN" altLang="en-US" sz="1400" dirty="0">
+                <a:latin typeface="Heiti SC Light" charset="-122"/>
+                <a:ea typeface="Heiti SC Light" charset="-122"/>
+                <a:cs typeface="Heiti SC Light" charset="-122"/>
+              </a:rPr>
+              <a:t>执行日志</a:t>
+            </a:r>
+          </a:p>
+          <a:p>
+            <a:pPr algn="ctr">
+              <a:defRPr/>
+            </a:pPr>
+            <a:r>
+              <a:rPr kumimoji="1" lang="en-US" altLang="zh-CN" sz="1400" dirty="0">
+                <a:latin typeface="Heiti SC Light" charset="-122"/>
+                <a:ea typeface="Heiti SC Light" charset="-122"/>
+                <a:cs typeface="Heiti SC Light" charset="-122"/>
+              </a:rPr>
+              <a:t>(Log</a:t>
+            </a:r>
+            <a:r>
+              <a:rPr kumimoji="1" lang="zh-CN" altLang="en-US" sz="1400" dirty="0">
+                <a:latin typeface="Heiti SC Light" charset="-122"/>
+                <a:ea typeface="Heiti SC Light" charset="-122"/>
+                <a:cs typeface="Heiti SC Light" charset="-122"/>
+              </a:rPr>
+              <a:t>文件</a:t>
+            </a:r>
+            <a:r>
+              <a:rPr kumimoji="1" lang="en-US" altLang="zh-CN" sz="1400" dirty="0">
+                <a:latin typeface="Heiti SC Light" charset="-122"/>
+                <a:ea typeface="Heiti SC Light" charset="-122"/>
+                <a:cs typeface="Heiti SC Light" charset="-122"/>
+              </a:rPr>
+              <a:t>)</a:t>
+            </a:r>
+            <a:endParaRPr kumimoji="1" lang="zh-CN" altLang="en-US" sz="1400" dirty="0">
+              <a:latin typeface="Heiti SC Light" charset="-122"/>
+              <a:ea typeface="Heiti SC Light" charset="-122"/>
+              <a:cs typeface="Heiti SC Light" charset="-122"/>
+            </a:endParaRPr>
+          </a:p>
+        </p:txBody>
+      </p:sp>
+      <p:sp>
+        <p:nvSpPr>
+          <p:cNvPr id="102" name="圆角矩形 101"/>
+          <p:cNvSpPr/>
+          <p:nvPr/>
+        </p:nvSpPr>
+        <p:spPr>
+          <a:xfrm>
+            <a:off x="6959119" y="3361483"/>
+            <a:ext cx="1074713" cy="575198"/>
+          </a:xfrm>
+          <a:prstGeom prst="roundRect">
+            <a:avLst/>
+          </a:prstGeom>
+          <a:solidFill>
+            <a:srgbClr val="58B8D1"/>
+          </a:solidFill>
+        </p:spPr>
+        <p:style>
+          <a:lnRef idx="0">
+            <a:schemeClr val="accent1"/>
+          </a:lnRef>
+          <a:fillRef idx="3">
+            <a:schemeClr val="accent1"/>
+          </a:fillRef>
+          <a:effectRef idx="3">
+            <a:schemeClr val="accent1"/>
+          </a:effectRef>
+          <a:fontRef idx="minor">
+            <a:schemeClr val="lt1"/>
+          </a:fontRef>
+        </p:style>
+        <p:txBody>
+          <a:bodyPr anchor="ctr"/>
+          <a:lstStyle/>
+          <a:p>
+            <a:pPr algn="ctr"/>
+            <a:r>
+              <a:rPr kumimoji="1" lang="zh-CN" altLang="en-US" sz="1400" dirty="0">
+                <a:latin typeface="Heiti SC Light" charset="-122"/>
+                <a:ea typeface="Heiti SC Light" charset="-122"/>
+                <a:cs typeface="Heiti SC Light" charset="-122"/>
+              </a:rPr>
+              <a:t>回调线程</a:t>
+            </a:r>
+          </a:p>
+        </p:txBody>
+      </p:sp>
+      <p:cxnSp>
+        <p:nvCxnSpPr>
+          <p:cNvPr id="118" name="直线箭头连接符 117"/>
+          <p:cNvCxnSpPr/>
+          <p:nvPr/>
+        </p:nvCxnSpPr>
+        <p:spPr>
+          <a:xfrm flipH="1">
+            <a:off x="9337243" y="2378430"/>
+            <a:ext cx="366394" cy="3349"/>
+          </a:xfrm>
+          <a:prstGeom prst="straightConnector1">
+            <a:avLst/>
+          </a:prstGeom>
+          <a:ln w="28575">
+            <a:prstDash val="sysDash"/>
+            <a:headEnd type="none" w="med" len="med"/>
+            <a:tailEnd type="arrow" w="med" len="med"/>
+          </a:ln>
+        </p:spPr>
+        <p:style>
+          <a:lnRef idx="2">
+            <a:schemeClr val="accent1"/>
+          </a:lnRef>
+          <a:fillRef idx="0">
+            <a:schemeClr val="accent1"/>
+          </a:fillRef>
+          <a:effectRef idx="1">
+            <a:schemeClr val="accent1"/>
+          </a:effectRef>
+          <a:fontRef idx="minor">
+            <a:schemeClr val="tx1"/>
+          </a:fontRef>
+        </p:style>
+      </p:cxnSp>
+      <p:cxnSp>
+        <p:nvCxnSpPr>
+          <p:cNvPr id="120" name="直线箭头连接符 119"/>
+          <p:cNvCxnSpPr/>
+          <p:nvPr/>
+        </p:nvCxnSpPr>
+        <p:spPr>
+          <a:xfrm flipH="1">
+            <a:off x="9337243" y="3661114"/>
+            <a:ext cx="366394" cy="3349"/>
+          </a:xfrm>
+          <a:prstGeom prst="straightConnector1">
+            <a:avLst/>
+          </a:prstGeom>
+          <a:ln w="28575">
+            <a:prstDash val="sysDash"/>
+            <a:headEnd type="none" w="med" len="med"/>
+            <a:tailEnd type="arrow" w="med" len="med"/>
+          </a:ln>
+        </p:spPr>
+        <p:style>
+          <a:lnRef idx="2">
+            <a:schemeClr val="accent1"/>
+          </a:lnRef>
+          <a:fillRef idx="0">
+            <a:schemeClr val="accent1"/>
+          </a:fillRef>
+          <a:effectRef idx="1">
+            <a:schemeClr val="accent1"/>
+          </a:effectRef>
+          <a:fontRef idx="minor">
+            <a:schemeClr val="tx1"/>
+          </a:fontRef>
+        </p:style>
+      </p:cxnSp>
+      <p:sp>
+        <p:nvSpPr>
+          <p:cNvPr id="121" name="可选流程 120"/>
+          <p:cNvSpPr/>
+          <p:nvPr/>
+        </p:nvSpPr>
+        <p:spPr>
+          <a:xfrm>
+            <a:off x="4275442" y="2073176"/>
+            <a:ext cx="1654126" cy="582276"/>
+          </a:xfrm>
+          <a:prstGeom prst="flowChartAlternateProcess">
+            <a:avLst/>
+          </a:prstGeom>
+          <a:solidFill>
+            <a:srgbClr val="6095C9"/>
+          </a:solidFill>
+        </p:spPr>
+        <p:style>
+          <a:lnRef idx="0">
+            <a:schemeClr val="accent1"/>
+          </a:lnRef>
+          <a:fillRef idx="3">
+            <a:schemeClr val="accent1"/>
+          </a:fillRef>
+          <a:effectRef idx="3">
+            <a:schemeClr val="accent1"/>
+          </a:effectRef>
+          <a:fontRef idx="minor">
+            <a:schemeClr val="lt1"/>
+          </a:fontRef>
+        </p:style>
+        <p:txBody>
+          <a:bodyPr anchor="ctr"/>
+          <a:lstStyle/>
+          <a:p>
+            <a:pPr algn="ctr">
+              <a:defRPr/>
+            </a:pPr>
+            <a:r>
+              <a:rPr kumimoji="1" lang="en-US" altLang="zh-CN" sz="1400" dirty="0">
+                <a:latin typeface="Heiti SC Light" charset="-122"/>
+                <a:ea typeface="Heiti SC Light" charset="-122"/>
+                <a:cs typeface="Heiti SC Light" charset="-122"/>
+              </a:rPr>
+              <a:t>Rolling</a:t>
+            </a:r>
+            <a:r>
+              <a:rPr kumimoji="1" lang="zh-CN" altLang="en-US" sz="1400" dirty="0">
+                <a:latin typeface="Heiti SC Light" charset="-122"/>
+                <a:ea typeface="Heiti SC Light" charset="-122"/>
+                <a:cs typeface="Heiti SC Light" charset="-122"/>
+              </a:rPr>
+              <a:t>日志</a:t>
+            </a:r>
+          </a:p>
+          <a:p>
+            <a:pPr algn="ctr">
+              <a:defRPr/>
+            </a:pPr>
+            <a:r>
+              <a:rPr kumimoji="1" lang="en-US" altLang="zh-CN" sz="1400" dirty="0">
+                <a:latin typeface="Heiti SC Light" charset="-122"/>
+                <a:ea typeface="Heiti SC Light" charset="-122"/>
+                <a:cs typeface="Heiti SC Light" charset="-122"/>
+              </a:rPr>
+              <a:t>(</a:t>
+            </a:r>
+            <a:r>
+              <a:rPr kumimoji="1" lang="zh-CN" altLang="en-US" sz="1400" dirty="0">
+                <a:latin typeface="Heiti SC Light" charset="-122"/>
+                <a:ea typeface="Heiti SC Light" charset="-122"/>
+                <a:cs typeface="Heiti SC Light" charset="-122"/>
+              </a:rPr>
+              <a:t>实时</a:t>
+            </a:r>
+            <a:r>
+              <a:rPr kumimoji="1" lang="en-US" altLang="zh-CN" sz="1400" dirty="0">
+                <a:latin typeface="Heiti SC Light" charset="-122"/>
+                <a:ea typeface="Heiti SC Light" charset="-122"/>
+                <a:cs typeface="Heiti SC Light" charset="-122"/>
+              </a:rPr>
+              <a:t>)</a:t>
+            </a:r>
+            <a:endParaRPr kumimoji="1" lang="zh-CN" altLang="en-US" sz="1400" dirty="0">
+              <a:latin typeface="Heiti SC Light" charset="-122"/>
+              <a:ea typeface="Heiti SC Light" charset="-122"/>
+              <a:cs typeface="Heiti SC Light" charset="-122"/>
+            </a:endParaRPr>
+          </a:p>
+        </p:txBody>
+      </p:sp>
+      <p:sp>
+        <p:nvSpPr>
+          <p:cNvPr id="122" name="可选流程 121"/>
+          <p:cNvSpPr/>
+          <p:nvPr/>
+        </p:nvSpPr>
+        <p:spPr>
+          <a:xfrm>
+            <a:off x="6959118" y="2073918"/>
+            <a:ext cx="1074713" cy="580685"/>
+          </a:xfrm>
+          <a:prstGeom prst="flowChartAlternateProcess">
+            <a:avLst/>
+          </a:prstGeom>
+          <a:solidFill>
+            <a:srgbClr val="6095C9"/>
+          </a:solidFill>
+        </p:spPr>
+        <p:style>
+          <a:lnRef idx="0">
+            <a:schemeClr val="accent1"/>
+          </a:lnRef>
+          <a:fillRef idx="3">
+            <a:schemeClr val="accent1"/>
+          </a:fillRef>
+          <a:effectRef idx="3">
+            <a:schemeClr val="accent1"/>
+          </a:effectRef>
+          <a:fontRef idx="minor">
+            <a:schemeClr val="lt1"/>
+          </a:fontRef>
+        </p:style>
+        <p:txBody>
+          <a:bodyPr anchor="ctr"/>
+          <a:lstStyle/>
+          <a:p>
+            <a:pPr algn="ctr">
+              <a:defRPr/>
+            </a:pPr>
+            <a:r>
+              <a:rPr kumimoji="1" lang="zh-CN" altLang="en-US" sz="1400" dirty="0">
+                <a:latin typeface="Heiti SC Light" charset="-122"/>
+                <a:ea typeface="Heiti SC Light" charset="-122"/>
+                <a:cs typeface="Heiti SC Light" charset="-122"/>
+              </a:rPr>
+              <a:t>日志</a:t>
+            </a:r>
+            <a:r>
+              <a:rPr kumimoji="1" lang="zh-CN" altLang="en-US" sz="1400" dirty="0" smtClean="0">
+                <a:latin typeface="Heiti SC Light" charset="-122"/>
+                <a:ea typeface="Heiti SC Light" charset="-122"/>
+                <a:cs typeface="Heiti SC Light" charset="-122"/>
+              </a:rPr>
+              <a:t>服务</a:t>
+            </a:r>
+            <a:endParaRPr kumimoji="1" lang="zh-CN" altLang="en-US" sz="1400" dirty="0">
+              <a:latin typeface="Heiti SC Light" charset="-122"/>
+              <a:ea typeface="Heiti SC Light" charset="-122"/>
+              <a:cs typeface="Heiti SC Light" charset="-122"/>
+            </a:endParaRPr>
+          </a:p>
+        </p:txBody>
+      </p:sp>
+      <p:sp>
+        <p:nvSpPr>
+          <p:cNvPr id="2" name="矩形 1"/>
+          <p:cNvSpPr/>
+          <p:nvPr/>
+        </p:nvSpPr>
+        <p:spPr>
+          <a:xfrm>
+            <a:off x="4540885" y="5792470"/>
+            <a:ext cx="4310380" cy="521970"/>
+          </a:xfrm>
+          <a:prstGeom prst="rect">
+            <a:avLst/>
+          </a:prstGeom>
+        </p:spPr>
+        <p:txBody>
+          <a:bodyPr wrap="square">
+            <a:spAutoFit/>
+          </a:bodyPr>
+          <a:lstStyle/>
+          <a:p>
+            <a:pPr algn="ctr"/>
+            <a:r>
+              <a:rPr lang="en-US" altLang="zh-CN" sz="2800" dirty="0">
+                <a:latin typeface="Heiti SC Light" charset="-122"/>
+                <a:ea typeface="Heiti SC Light" charset="-122"/>
+                <a:cs typeface="Heiti SC Light" charset="-122"/>
+              </a:rPr>
+              <a:t>XXL-JOB</a:t>
+            </a:r>
+            <a:r>
+              <a:rPr lang="zh-CN" altLang="en-US" sz="2800" dirty="0">
+                <a:latin typeface="Heiti SC Light" charset="-122"/>
+                <a:ea typeface="Heiti SC Light" charset="-122"/>
+                <a:cs typeface="Heiti SC Light" charset="-122"/>
+              </a:rPr>
+              <a:t>架构图 </a:t>
+            </a:r>
+            <a:r>
+              <a:rPr lang="en-US" altLang="zh-CN" sz="2800" dirty="0" smtClean="0">
+                <a:latin typeface="Heiti SC Light" charset="-122"/>
+                <a:ea typeface="Heiti SC Light" charset="-122"/>
+                <a:cs typeface="Heiti SC Light" charset="-122"/>
+              </a:rPr>
+              <a:t>v2.0.0</a:t>
+            </a:r>
+            <a:endParaRPr lang="en-US" altLang="zh-CN" sz="2800" dirty="0">
+              <a:latin typeface="Heiti SC Light" charset="-122"/>
+              <a:ea typeface="Heiti SC Light" charset="-122"/>
+              <a:cs typeface="Heiti SC Light" charset="-122"/>
+            </a:endParaRPr>
+          </a:p>
+        </p:txBody>
+      </p:sp>
+    </p:spTree>
+    <p:extLst>
+      <p:ext uri="{BB962C8B-B14F-4D97-AF65-F5344CB8AC3E}">
+        <p14:creationId xmlns:p14="http://schemas.microsoft.com/office/powerpoint/2010/main" val="1632737874"/>
+      </p:ext>
+    </p:extLst>
+  </p:cSld>
+  <p:clrMapOvr>
+    <a:masterClrMapping/>
+  </p:clrMapOvr>
+  <p:timing>
+    <p:tnLst>
+      <p:par>
+        <p:cTn id="1" dur="indefinite" restart="never" nodeType="tmRoot"/>
+      </p:par>
+    </p:tnLst>
+  </p:timing>
+</p:sld>
+</file>
+
+<file path=ppt/slides/slide9.xml><?xml version="1.0" encoding="utf-8"?>
 <p:sld xmlns:a="http://schemas.openxmlformats.org/drawingml/2006/main" xmlns:r="http://schemas.openxmlformats.org/officeDocument/2006/relationships" xmlns:p="http://schemas.openxmlformats.org/presentationml/2006/main">
   <p:cSld>
     <p:spTree>
@@ -20725,20 +23079,6 @@
               </a:rPr>
               <a:t>业务数据</a:t>
             </a:r>
-            <a:endParaRPr kumimoji="1" lang="zh-CN" altLang="en-US" sz="1100" b="0" i="0" u="none" strike="noStrike" kern="0" cap="none" spc="0" normalizeH="0" baseline="0" noProof="0" dirty="0" smtClean="0">
-              <a:ln>
-                <a:noFill/>
-              </a:ln>
-              <a:solidFill>
-                <a:prstClr val="black"/>
-              </a:solidFill>
-              <a:effectLst/>
-              <a:uLnTx/>
-              <a:uFillTx/>
-              <a:latin typeface="微软雅黑" panose="020B0503020204020204" charset="-122"/>
-              <a:ea typeface="微软雅黑" panose="020B0503020204020204" charset="-122"/>
-              <a:cs typeface="微软雅黑" panose="020B0503020204020204" charset="-122"/>
-            </a:endParaRPr>
           </a:p>
         </p:txBody>
       </p:sp>
@@ -22484,20 +24824,6 @@
               </a:rPr>
               <a:t>意义：</a:t>
             </a:r>
-            <a:endParaRPr kumimoji="1" lang="zh-CN" altLang="en-US" sz="1600" b="0" i="0" u="none" strike="noStrike" kern="0" cap="none" spc="0" normalizeH="0" baseline="0" noProof="0" dirty="0" smtClean="0">
-              <a:ln>
-                <a:noFill/>
-              </a:ln>
-              <a:solidFill>
-                <a:srgbClr val="FF0000"/>
-              </a:solidFill>
-              <a:effectLst/>
-              <a:uLnTx/>
-              <a:uFillTx/>
-              <a:latin typeface="微软雅黑" panose="020B0503020204020204" charset="-122"/>
-              <a:ea typeface="微软雅黑" panose="020B0503020204020204" charset="-122"/>
-              <a:cs typeface="微软雅黑" panose="020B0503020204020204" charset="-122"/>
-            </a:endParaRPr>
           </a:p>
           <a:p>
             <a:pPr marL="0" marR="0" lvl="0" indent="0" defTabSz="457200" eaLnBrk="1" fontAlgn="auto" latinLnBrk="0" hangingPunct="1">
@@ -22550,20 +24876,6 @@
               </a:rPr>
               <a:t>、协同处理大量数据</a:t>
             </a:r>
-            <a:endParaRPr kumimoji="1" lang="zh-CN" altLang="en-US" sz="1200" b="0" i="0" u="none" strike="noStrike" kern="0" cap="none" spc="0" normalizeH="0" baseline="0" noProof="0" dirty="0" smtClean="0">
-              <a:ln>
-                <a:noFill/>
-              </a:ln>
-              <a:solidFill>
-                <a:prstClr val="black"/>
-              </a:solidFill>
-              <a:effectLst/>
-              <a:uLnTx/>
-              <a:uFillTx/>
-              <a:latin typeface="微软雅黑" panose="020B0503020204020204" charset="-122"/>
-              <a:ea typeface="微软雅黑" panose="020B0503020204020204" charset="-122"/>
-              <a:cs typeface="微软雅黑" panose="020B0503020204020204" charset="-122"/>
-            </a:endParaRPr>
           </a:p>
           <a:p>
             <a:pPr marL="0" marR="0" lvl="0" indent="0" defTabSz="457200" eaLnBrk="1" fontAlgn="auto" latinLnBrk="0" hangingPunct="1">
@@ -22616,20 +24928,6 @@
               </a:rPr>
               <a:t>、动态扩容，动态分片</a:t>
             </a:r>
-            <a:endParaRPr kumimoji="1" lang="zh-CN" altLang="en-US" sz="1200" b="0" i="0" u="none" strike="noStrike" kern="0" cap="none" spc="0" normalizeH="0" baseline="0" noProof="0" dirty="0" smtClean="0">
-              <a:ln>
-                <a:noFill/>
-              </a:ln>
-              <a:solidFill>
-                <a:prstClr val="black"/>
-              </a:solidFill>
-              <a:effectLst/>
-              <a:uLnTx/>
-              <a:uFillTx/>
-              <a:latin typeface="微软雅黑" panose="020B0503020204020204" charset="-122"/>
-              <a:ea typeface="微软雅黑" panose="020B0503020204020204" charset="-122"/>
-              <a:cs typeface="微软雅黑" panose="020B0503020204020204" charset="-122"/>
-            </a:endParaRPr>
           </a:p>
         </p:txBody>
       </p:sp>
@@ -23051,6 +25349,8 @@
       </a:bgFillStyleLst>
     </a:fmtScheme>
   </a:themeElements>
+  <a:objectDefaults/>
+  <a:extraClrSchemeLst/>
   <a:extLst>
     <a:ext uri="{05A4C25C-085E-4340-85A3-A5531E510DB2}">
       <thm15:themeFamily xmlns:thm15="http://schemas.microsoft.com/office/thememl/2012/main" name="Office Theme" id="{62F939B6-93AF-4DB8-9C6B-D6C7DFDC589F}" vid="{4A3C46E8-61CC-4603-A589-7422A47A8E4A}"/>
@@ -23310,6 +25610,8 @@
       </a:bgFillStyleLst>
     </a:fmtScheme>
   </a:themeElements>
+  <a:objectDefaults/>
+  <a:extraClrSchemeLst/>
   <a:extLst>
     <a:ext uri="{05A4C25C-085E-4340-85A3-A5531E510DB2}">
       <thm15:themeFamily xmlns:thm15="http://schemas.microsoft.com/office/thememl/2012/main" name="Office Theme" id="{62F939B6-93AF-4DB8-9C6B-D6C7DFDC589F}" vid="{4A3C46E8-61CC-4603-A589-7422A47A8E4A}"/>

--- a/doc/XXL-JOB架构图.pptx
+++ b/doc/XXL-JOB架构图.pptx
@@ -5,7 +5,7 @@
     <p:sldMasterId id="2147483648" r:id="rId1"/>
   </p:sldMasterIdLst>
   <p:notesMasterIdLst>
-    <p:notesMasterId r:id="rId11"/>
+    <p:notesMasterId r:id="rId12"/>
   </p:notesMasterIdLst>
   <p:sldIdLst>
     <p:sldId id="259" r:id="rId2"/>
@@ -17,6 +17,7 @@
     <p:sldId id="266" r:id="rId8"/>
     <p:sldId id="267" r:id="rId9"/>
     <p:sldId id="263" r:id="rId10"/>
+    <p:sldId id="268" r:id="rId11"/>
   </p:sldIdLst>
   <p:sldSz cx="12192000" cy="6858000"/>
   <p:notesSz cx="6858000" cy="9144000"/>
@@ -205,7 +206,7 @@
           <a:p>
             <a:fld id="{D2A48B96-639E-45A3-A0BA-2464DFDB1FAA}" type="datetimeFigureOut">
               <a:rPr lang="zh-CN" altLang="en-US" smtClean="0"/>
-              <a:t>2018/11/2</a:t>
+              <a:t>2019/6/3</a:t>
             </a:fld>
             <a:endParaRPr lang="zh-CN" altLang="en-US"/>
           </a:p>
@@ -1878,6 +1879,258 @@
 </p:notes>
 </file>
 
+<file path=ppt/notesSlides/notesSlide8.xml><?xml version="1.0" encoding="utf-8"?>
+<p:notes xmlns:a="http://schemas.openxmlformats.org/drawingml/2006/main" xmlns:r="http://schemas.openxmlformats.org/officeDocument/2006/relationships" xmlns:p="http://schemas.openxmlformats.org/presentationml/2006/main">
+  <p:cSld>
+    <p:spTree>
+      <p:nvGrpSpPr>
+        <p:cNvPr id="1" name=""/>
+        <p:cNvGrpSpPr/>
+        <p:nvPr/>
+      </p:nvGrpSpPr>
+      <p:grpSpPr>
+        <a:xfrm>
+          <a:off x="0" y="0"/>
+          <a:ext cx="0" cy="0"/>
+          <a:chOff x="0" y="0"/>
+          <a:chExt cx="0" cy="0"/>
+        </a:xfrm>
+      </p:grpSpPr>
+      <p:sp>
+        <p:nvSpPr>
+          <p:cNvPr id="8193" name="幻灯片图像占位符 1"/>
+          <p:cNvSpPr>
+            <a:spLocks noGrp="1" noRot="1" noChangeAspect="1" noTextEdit="1"/>
+          </p:cNvSpPr>
+          <p:nvPr>
+            <p:ph type="sldImg"/>
+          </p:nvPr>
+        </p:nvSpPr>
+        <p:spPr bwMode="auto">
+          <a:noFill/>
+          <a:ln>
+            <a:solidFill>
+              <a:srgbClr val="000000"/>
+            </a:solidFill>
+            <a:miter lim="800000"/>
+          </a:ln>
+          <a:extLst>
+            <a:ext uri="{909E8E84-426E-40DD-AFC4-6F175D3DCCD1}">
+              <a14:hiddenFill xmlns:a14="http://schemas.microsoft.com/office/drawing/2010/main">
+                <a:solidFill>
+                  <a:srgbClr val="FFFFFF"/>
+                </a:solidFill>
+              </a14:hiddenFill>
+            </a:ext>
+          </a:extLst>
+        </p:spPr>
+      </p:sp>
+      <p:sp>
+        <p:nvSpPr>
+          <p:cNvPr id="8194" name="备注占位符 2"/>
+          <p:cNvSpPr>
+            <a:spLocks noGrp="1"/>
+          </p:cNvSpPr>
+          <p:nvPr>
+            <p:ph type="body" idx="1"/>
+          </p:nvPr>
+        </p:nvSpPr>
+        <p:spPr bwMode="auto">
+          <a:noFill/>
+          <a:extLst>
+            <a:ext uri="{909E8E84-426E-40DD-AFC4-6F175D3DCCD1}">
+              <a14:hiddenFill xmlns:a14="http://schemas.microsoft.com/office/drawing/2010/main">
+                <a:solidFill>
+                  <a:srgbClr val="FFFFFF"/>
+                </a:solidFill>
+              </a14:hiddenFill>
+            </a:ext>
+            <a:ext uri="{91240B29-F687-4F45-9708-019B960494DF}">
+              <a14:hiddenLine xmlns:a14="http://schemas.microsoft.com/office/drawing/2010/main" w="9525">
+                <a:solidFill>
+                  <a:srgbClr val="000000"/>
+                </a:solidFill>
+                <a:miter lim="800000"/>
+                <a:headEnd/>
+                <a:tailEnd/>
+              </a14:hiddenLine>
+            </a:ext>
+          </a:extLst>
+        </p:spPr>
+        <p:txBody>
+          <a:bodyPr/>
+          <a:lstStyle/>
+          <a:p>
+            <a:endParaRPr kumimoji="0" lang="zh-CN" altLang="en-US" dirty="0">
+              <a:latin typeface="Arial" panose="020B0604020202020204" pitchFamily="34" charset="0"/>
+              <a:ea typeface="MS PGothic" panose="020B0600070205080204" charset="-128"/>
+            </a:endParaRPr>
+          </a:p>
+        </p:txBody>
+      </p:sp>
+      <p:sp>
+        <p:nvSpPr>
+          <p:cNvPr id="8195" name="灯片编号占位符 3"/>
+          <p:cNvSpPr>
+            <a:spLocks noGrp="1"/>
+          </p:cNvSpPr>
+          <p:nvPr>
+            <p:ph type="sldNum" sz="quarter" idx="5"/>
+          </p:nvPr>
+        </p:nvSpPr>
+        <p:spPr bwMode="auto">
+          <a:noFill/>
+          <a:extLst>
+            <a:ext uri="{909E8E84-426E-40DD-AFC4-6F175D3DCCD1}">
+              <a14:hiddenFill xmlns:a14="http://schemas.microsoft.com/office/drawing/2010/main">
+                <a:solidFill>
+                  <a:srgbClr val="FFFFFF"/>
+                </a:solidFill>
+              </a14:hiddenFill>
+            </a:ext>
+            <a:ext uri="{91240B29-F687-4F45-9708-019B960494DF}">
+              <a14:hiddenLine xmlns:a14="http://schemas.microsoft.com/office/drawing/2010/main" w="9525">
+                <a:solidFill>
+                  <a:srgbClr val="000000"/>
+                </a:solidFill>
+                <a:miter lim="800000"/>
+                <a:headEnd/>
+                <a:tailEnd/>
+              </a14:hiddenLine>
+            </a:ext>
+          </a:extLst>
+        </p:spPr>
+        <p:txBody>
+          <a:bodyPr/>
+          <a:lstStyle>
+            <a:lvl1pPr>
+              <a:defRPr sz="2400">
+                <a:solidFill>
+                  <a:schemeClr val="tx1"/>
+                </a:solidFill>
+                <a:latin typeface="Arial" panose="020B0604020202020204" pitchFamily="34" charset="0"/>
+                <a:ea typeface="宋体" panose="02010600030101010101" pitchFamily="2" charset="-122"/>
+              </a:defRPr>
+            </a:lvl1pPr>
+            <a:lvl2pPr marL="742950" indent="-285750">
+              <a:defRPr sz="2400">
+                <a:solidFill>
+                  <a:schemeClr val="tx1"/>
+                </a:solidFill>
+                <a:latin typeface="Arial" panose="020B0604020202020204" pitchFamily="34" charset="0"/>
+                <a:ea typeface="宋体" panose="02010600030101010101" pitchFamily="2" charset="-122"/>
+              </a:defRPr>
+            </a:lvl2pPr>
+            <a:lvl3pPr marL="1143000" indent="-228600">
+              <a:defRPr sz="2400">
+                <a:solidFill>
+                  <a:schemeClr val="tx1"/>
+                </a:solidFill>
+                <a:latin typeface="Arial" panose="020B0604020202020204" pitchFamily="34" charset="0"/>
+                <a:ea typeface="宋体" panose="02010600030101010101" pitchFamily="2" charset="-122"/>
+              </a:defRPr>
+            </a:lvl3pPr>
+            <a:lvl4pPr marL="1600200" indent="-228600">
+              <a:defRPr sz="2400">
+                <a:solidFill>
+                  <a:schemeClr val="tx1"/>
+                </a:solidFill>
+                <a:latin typeface="Arial" panose="020B0604020202020204" pitchFamily="34" charset="0"/>
+                <a:ea typeface="宋体" panose="02010600030101010101" pitchFamily="2" charset="-122"/>
+              </a:defRPr>
+            </a:lvl4pPr>
+            <a:lvl5pPr marL="2057400" indent="-228600">
+              <a:defRPr sz="2400">
+                <a:solidFill>
+                  <a:schemeClr val="tx1"/>
+                </a:solidFill>
+                <a:latin typeface="Arial" panose="020B0604020202020204" pitchFamily="34" charset="0"/>
+                <a:ea typeface="宋体" panose="02010600030101010101" pitchFamily="2" charset="-122"/>
+              </a:defRPr>
+            </a:lvl5pPr>
+            <a:lvl6pPr marL="2514600" indent="-228600" eaLnBrk="0" fontAlgn="base" hangingPunct="0">
+              <a:spcBef>
+                <a:spcPct val="0"/>
+              </a:spcBef>
+              <a:spcAft>
+                <a:spcPct val="0"/>
+              </a:spcAft>
+              <a:defRPr sz="2400">
+                <a:solidFill>
+                  <a:schemeClr val="tx1"/>
+                </a:solidFill>
+                <a:latin typeface="Arial" panose="020B0604020202020204" pitchFamily="34" charset="0"/>
+                <a:ea typeface="宋体" panose="02010600030101010101" pitchFamily="2" charset="-122"/>
+              </a:defRPr>
+            </a:lvl6pPr>
+            <a:lvl7pPr marL="2971800" indent="-228600" eaLnBrk="0" fontAlgn="base" hangingPunct="0">
+              <a:spcBef>
+                <a:spcPct val="0"/>
+              </a:spcBef>
+              <a:spcAft>
+                <a:spcPct val="0"/>
+              </a:spcAft>
+              <a:defRPr sz="2400">
+                <a:solidFill>
+                  <a:schemeClr val="tx1"/>
+                </a:solidFill>
+                <a:latin typeface="Arial" panose="020B0604020202020204" pitchFamily="34" charset="0"/>
+                <a:ea typeface="宋体" panose="02010600030101010101" pitchFamily="2" charset="-122"/>
+              </a:defRPr>
+            </a:lvl7pPr>
+            <a:lvl8pPr marL="3429000" indent="-228600" eaLnBrk="0" fontAlgn="base" hangingPunct="0">
+              <a:spcBef>
+                <a:spcPct val="0"/>
+              </a:spcBef>
+              <a:spcAft>
+                <a:spcPct val="0"/>
+              </a:spcAft>
+              <a:defRPr sz="2400">
+                <a:solidFill>
+                  <a:schemeClr val="tx1"/>
+                </a:solidFill>
+                <a:latin typeface="Arial" panose="020B0604020202020204" pitchFamily="34" charset="0"/>
+                <a:ea typeface="宋体" panose="02010600030101010101" pitchFamily="2" charset="-122"/>
+              </a:defRPr>
+            </a:lvl8pPr>
+            <a:lvl9pPr marL="3886200" indent="-228600" eaLnBrk="0" fontAlgn="base" hangingPunct="0">
+              <a:spcBef>
+                <a:spcPct val="0"/>
+              </a:spcBef>
+              <a:spcAft>
+                <a:spcPct val="0"/>
+              </a:spcAft>
+              <a:defRPr sz="2400">
+                <a:solidFill>
+                  <a:schemeClr val="tx1"/>
+                </a:solidFill>
+                <a:latin typeface="Arial" panose="020B0604020202020204" pitchFamily="34" charset="0"/>
+                <a:ea typeface="宋体" panose="02010600030101010101" pitchFamily="2" charset="-122"/>
+              </a:defRPr>
+            </a:lvl9pPr>
+          </a:lstStyle>
+          <a:p>
+            <a:fld id="{80DF3984-D036-8146-80F3-60605DE9315C}" type="slidenum">
+              <a:rPr lang="zh-CN" altLang="en-US" sz="1200"/>
+              <a:t>10</a:t>
+            </a:fld>
+            <a:endParaRPr lang="zh-CN" altLang="en-US" sz="1200"/>
+          </a:p>
+        </p:txBody>
+      </p:sp>
+    </p:spTree>
+    <p:extLst>
+      <p:ext uri="{BB962C8B-B14F-4D97-AF65-F5344CB8AC3E}">
+        <p14:creationId xmlns:p14="http://schemas.microsoft.com/office/powerpoint/2010/main" val="911974567"/>
+      </p:ext>
+    </p:extLst>
+  </p:cSld>
+  <p:clrMapOvr>
+    <a:masterClrMapping/>
+  </p:clrMapOvr>
+</p:notes>
+</file>
+
 <file path=ppt/slideLayouts/slideLayout1.xml><?xml version="1.0" encoding="utf-8"?>
 <p:sldLayout xmlns:a="http://schemas.openxmlformats.org/drawingml/2006/main" xmlns:r="http://schemas.openxmlformats.org/officeDocument/2006/relationships" xmlns:p="http://schemas.openxmlformats.org/presentationml/2006/main" type="title" preserve="1">
   <p:cSld name="标题幻灯片">
@@ -2009,7 +2262,7 @@
           <a:p>
             <a:fld id="{D997B5FA-0921-464F-AAE1-844C04324D75}" type="datetimeFigureOut">
               <a:rPr lang="zh-CN" altLang="en-US" smtClean="0"/>
-              <a:t>2018/11/2</a:t>
+              <a:t>2019/6/3</a:t>
             </a:fld>
             <a:endParaRPr lang="zh-CN" altLang="en-US"/>
           </a:p>
@@ -2174,7 +2427,7 @@
           <a:p>
             <a:fld id="{D997B5FA-0921-464F-AAE1-844C04324D75}" type="datetimeFigureOut">
               <a:rPr lang="zh-CN" altLang="en-US" smtClean="0"/>
-              <a:t>2018/11/2</a:t>
+              <a:t>2019/6/3</a:t>
             </a:fld>
             <a:endParaRPr lang="zh-CN" altLang="en-US"/>
           </a:p>
@@ -2349,7 +2602,7 @@
           <a:p>
             <a:fld id="{D997B5FA-0921-464F-AAE1-844C04324D75}" type="datetimeFigureOut">
               <a:rPr lang="zh-CN" altLang="en-US" smtClean="0"/>
-              <a:t>2018/11/2</a:t>
+              <a:t>2019/6/3</a:t>
             </a:fld>
             <a:endParaRPr lang="zh-CN" altLang="en-US"/>
           </a:p>
@@ -2514,7 +2767,7 @@
           <a:p>
             <a:fld id="{D997B5FA-0921-464F-AAE1-844C04324D75}" type="datetimeFigureOut">
               <a:rPr lang="zh-CN" altLang="en-US" smtClean="0"/>
-              <a:t>2018/11/2</a:t>
+              <a:t>2019/6/3</a:t>
             </a:fld>
             <a:endParaRPr lang="zh-CN" altLang="en-US"/>
           </a:p>
@@ -2755,7 +3008,7 @@
           <a:p>
             <a:fld id="{D997B5FA-0921-464F-AAE1-844C04324D75}" type="datetimeFigureOut">
               <a:rPr lang="zh-CN" altLang="en-US" smtClean="0"/>
-              <a:t>2018/11/2</a:t>
+              <a:t>2019/6/3</a:t>
             </a:fld>
             <a:endParaRPr lang="zh-CN" altLang="en-US"/>
           </a:p>
@@ -2982,7 +3235,7 @@
           <a:p>
             <a:fld id="{D997B5FA-0921-464F-AAE1-844C04324D75}" type="datetimeFigureOut">
               <a:rPr lang="zh-CN" altLang="en-US" smtClean="0"/>
-              <a:t>2018/11/2</a:t>
+              <a:t>2019/6/3</a:t>
             </a:fld>
             <a:endParaRPr lang="zh-CN" altLang="en-US"/>
           </a:p>
@@ -3344,7 +3597,7 @@
           <a:p>
             <a:fld id="{D997B5FA-0921-464F-AAE1-844C04324D75}" type="datetimeFigureOut">
               <a:rPr lang="zh-CN" altLang="en-US" smtClean="0"/>
-              <a:t>2018/11/2</a:t>
+              <a:t>2019/6/3</a:t>
             </a:fld>
             <a:endParaRPr lang="zh-CN" altLang="en-US"/>
           </a:p>
@@ -3457,7 +3710,7 @@
           <a:p>
             <a:fld id="{D997B5FA-0921-464F-AAE1-844C04324D75}" type="datetimeFigureOut">
               <a:rPr lang="zh-CN" altLang="en-US" smtClean="0"/>
-              <a:t>2018/11/2</a:t>
+              <a:t>2019/6/3</a:t>
             </a:fld>
             <a:endParaRPr lang="zh-CN" altLang="en-US"/>
           </a:p>
@@ -3547,7 +3800,7 @@
           <a:p>
             <a:fld id="{D997B5FA-0921-464F-AAE1-844C04324D75}" type="datetimeFigureOut">
               <a:rPr lang="zh-CN" altLang="en-US" smtClean="0"/>
-              <a:t>2018/11/2</a:t>
+              <a:t>2019/6/3</a:t>
             </a:fld>
             <a:endParaRPr lang="zh-CN" altLang="en-US"/>
           </a:p>
@@ -3819,7 +4072,7 @@
           <a:p>
             <a:fld id="{D997B5FA-0921-464F-AAE1-844C04324D75}" type="datetimeFigureOut">
               <a:rPr lang="zh-CN" altLang="en-US" smtClean="0"/>
-              <a:t>2018/11/2</a:t>
+              <a:t>2019/6/3</a:t>
             </a:fld>
             <a:endParaRPr lang="zh-CN" altLang="en-US"/>
           </a:p>
@@ -4067,7 +4320,7 @@
           <a:p>
             <a:fld id="{D997B5FA-0921-464F-AAE1-844C04324D75}" type="datetimeFigureOut">
               <a:rPr lang="zh-CN" altLang="en-US" smtClean="0"/>
-              <a:t>2018/11/2</a:t>
+              <a:t>2019/6/3</a:t>
             </a:fld>
             <a:endParaRPr lang="zh-CN" altLang="en-US"/>
           </a:p>
@@ -4275,7 +4528,7 @@
           <a:p>
             <a:fld id="{D997B5FA-0921-464F-AAE1-844C04324D75}" type="datetimeFigureOut">
               <a:rPr lang="zh-CN" altLang="en-US" smtClean="0"/>
-              <a:t>2018/11/2</a:t>
+              <a:t>2019/6/3</a:t>
             </a:fld>
             <a:endParaRPr lang="zh-CN" altLang="en-US"/>
           </a:p>
@@ -6126,6 +6379,2650 @@
 </p:sld>
 </file>
 
+<file path=ppt/slides/slide10.xml><?xml version="1.0" encoding="utf-8"?>
+<p:sld xmlns:a="http://schemas.openxmlformats.org/drawingml/2006/main" xmlns:r="http://schemas.openxmlformats.org/officeDocument/2006/relationships" xmlns:p="http://schemas.openxmlformats.org/presentationml/2006/main">
+  <p:cSld>
+    <p:spTree>
+      <p:nvGrpSpPr>
+        <p:cNvPr id="1" name=""/>
+        <p:cNvGrpSpPr/>
+        <p:nvPr/>
+      </p:nvGrpSpPr>
+      <p:grpSpPr>
+        <a:xfrm>
+          <a:off x="0" y="0"/>
+          <a:ext cx="0" cy="0"/>
+          <a:chOff x="0" y="0"/>
+          <a:chExt cx="0" cy="0"/>
+        </a:xfrm>
+      </p:grpSpPr>
+      <p:sp>
+        <p:nvSpPr>
+          <p:cNvPr id="14" name="矩形 13"/>
+          <p:cNvSpPr/>
+          <p:nvPr/>
+        </p:nvSpPr>
+        <p:spPr>
+          <a:xfrm>
+            <a:off x="622491" y="576163"/>
+            <a:ext cx="5778309" cy="5176329"/>
+          </a:xfrm>
+          <a:prstGeom prst="rect">
+            <a:avLst/>
+          </a:prstGeom>
+          <a:solidFill>
+            <a:srgbClr val="9FC2E8"/>
+          </a:solidFill>
+          <a:ln>
+            <a:noFill/>
+          </a:ln>
+        </p:spPr>
+        <p:style>
+          <a:lnRef idx="2">
+            <a:schemeClr val="accent1">
+              <a:shade val="50000"/>
+            </a:schemeClr>
+          </a:lnRef>
+          <a:fillRef idx="1">
+            <a:schemeClr val="accent1"/>
+          </a:fillRef>
+          <a:effectRef idx="0">
+            <a:schemeClr val="accent1"/>
+          </a:effectRef>
+          <a:fontRef idx="minor">
+            <a:schemeClr val="lt1"/>
+          </a:fontRef>
+        </p:style>
+        <p:txBody>
+          <a:bodyPr anchor="b"/>
+          <a:lstStyle/>
+          <a:p>
+            <a:pPr algn="ctr">
+              <a:defRPr/>
+            </a:pPr>
+            <a:r>
+              <a:rPr kumimoji="1" lang="zh-CN" altLang="en-US" sz="1600" b="1" dirty="0">
+                <a:solidFill>
+                  <a:schemeClr val="tx1"/>
+                </a:solidFill>
+                <a:latin typeface="Heiti SC Light" charset="-122"/>
+                <a:ea typeface="Heiti SC Light" charset="-122"/>
+                <a:cs typeface="Heiti SC Light" charset="-122"/>
+              </a:rPr>
+              <a:t>调度中心</a:t>
+            </a:r>
+          </a:p>
+        </p:txBody>
+      </p:sp>
+      <p:sp>
+        <p:nvSpPr>
+          <p:cNvPr id="7" name="进程 6"/>
+          <p:cNvSpPr/>
+          <p:nvPr/>
+        </p:nvSpPr>
+        <p:spPr>
+          <a:xfrm>
+            <a:off x="720867" y="4786674"/>
+            <a:ext cx="3336094" cy="442510"/>
+          </a:xfrm>
+          <a:prstGeom prst="flowChartProcess">
+            <a:avLst/>
+          </a:prstGeom>
+        </p:spPr>
+        <p:style>
+          <a:lnRef idx="1">
+            <a:schemeClr val="accent4"/>
+          </a:lnRef>
+          <a:fillRef idx="2">
+            <a:schemeClr val="accent4"/>
+          </a:fillRef>
+          <a:effectRef idx="1">
+            <a:schemeClr val="accent4"/>
+          </a:effectRef>
+          <a:fontRef idx="minor">
+            <a:schemeClr val="dk1"/>
+          </a:fontRef>
+        </p:style>
+        <p:txBody>
+          <a:bodyPr anchor="ctr"/>
+          <a:lstStyle/>
+          <a:p>
+            <a:pPr algn="ctr">
+              <a:defRPr/>
+            </a:pPr>
+            <a:r>
+              <a:rPr kumimoji="1" lang="zh-CN" altLang="en-US" sz="1600" b="1" dirty="0" smtClean="0">
+                <a:latin typeface="Heiti SC Light" charset="-122"/>
+                <a:ea typeface="Heiti SC Light" charset="-122"/>
+                <a:cs typeface="Heiti SC Light" charset="-122"/>
+              </a:rPr>
+              <a:t>数据中心</a:t>
+            </a:r>
+            <a:endParaRPr kumimoji="1" lang="zh-CN" altLang="en-US" sz="1600" b="1" dirty="0">
+              <a:latin typeface="Heiti SC Light" charset="-122"/>
+              <a:ea typeface="Heiti SC Light" charset="-122"/>
+              <a:cs typeface="Heiti SC Light" charset="-122"/>
+            </a:endParaRPr>
+          </a:p>
+        </p:txBody>
+      </p:sp>
+      <p:sp>
+        <p:nvSpPr>
+          <p:cNvPr id="29" name="可选流程 28"/>
+          <p:cNvSpPr/>
+          <p:nvPr/>
+        </p:nvSpPr>
+        <p:spPr>
+          <a:xfrm>
+            <a:off x="4271056" y="4568832"/>
+            <a:ext cx="1659412" cy="572325"/>
+          </a:xfrm>
+          <a:prstGeom prst="flowChartAlternateProcess">
+            <a:avLst/>
+          </a:prstGeom>
+          <a:solidFill>
+            <a:srgbClr val="9379B3"/>
+          </a:solidFill>
+        </p:spPr>
+        <p:style>
+          <a:lnRef idx="0">
+            <a:schemeClr val="accent1"/>
+          </a:lnRef>
+          <a:fillRef idx="3">
+            <a:schemeClr val="accent1"/>
+          </a:fillRef>
+          <a:effectRef idx="3">
+            <a:schemeClr val="accent1"/>
+          </a:effectRef>
+          <a:fontRef idx="minor">
+            <a:schemeClr val="lt1"/>
+          </a:fontRef>
+        </p:style>
+        <p:txBody>
+          <a:bodyPr anchor="ctr"/>
+          <a:lstStyle/>
+          <a:p>
+            <a:pPr algn="ctr">
+              <a:defRPr/>
+            </a:pPr>
+            <a:r>
+              <a:rPr kumimoji="1" lang="zh-CN" altLang="en-US" sz="1400" dirty="0" smtClean="0">
+                <a:latin typeface="Heiti SC Light" charset="-122"/>
+                <a:ea typeface="Heiti SC Light" charset="-122"/>
+                <a:cs typeface="Heiti SC Light" charset="-122"/>
+              </a:rPr>
+              <a:t>注册服务</a:t>
+            </a:r>
+          </a:p>
+        </p:txBody>
+      </p:sp>
+      <p:sp>
+        <p:nvSpPr>
+          <p:cNvPr id="4" name="矩形 3"/>
+          <p:cNvSpPr/>
+          <p:nvPr/>
+        </p:nvSpPr>
+        <p:spPr>
+          <a:xfrm>
+            <a:off x="720867" y="688297"/>
+            <a:ext cx="1672839" cy="1961502"/>
+          </a:xfrm>
+          <a:prstGeom prst="rect">
+            <a:avLst/>
+          </a:prstGeom>
+          <a:solidFill>
+            <a:srgbClr val="E0EBFF"/>
+          </a:solidFill>
+          <a:ln>
+            <a:noFill/>
+          </a:ln>
+        </p:spPr>
+        <p:style>
+          <a:lnRef idx="1">
+            <a:schemeClr val="accent1"/>
+          </a:lnRef>
+          <a:fillRef idx="2">
+            <a:schemeClr val="accent1"/>
+          </a:fillRef>
+          <a:effectRef idx="1">
+            <a:schemeClr val="accent1"/>
+          </a:effectRef>
+          <a:fontRef idx="minor">
+            <a:schemeClr val="dk1"/>
+          </a:fontRef>
+        </p:style>
+        <p:txBody>
+          <a:bodyPr anchor="t"/>
+          <a:lstStyle/>
+          <a:p>
+            <a:pPr algn="ctr">
+              <a:defRPr/>
+            </a:pPr>
+            <a:r>
+              <a:rPr kumimoji="1" lang="zh-CN" altLang="en-US" sz="1400" b="1" dirty="0" smtClean="0">
+                <a:latin typeface="Heiti SC Light" charset="-122"/>
+                <a:ea typeface="Heiti SC Light" charset="-122"/>
+                <a:cs typeface="Heiti SC Light" charset="-122"/>
+              </a:rPr>
+              <a:t>任务管理</a:t>
+            </a:r>
+          </a:p>
+        </p:txBody>
+      </p:sp>
+      <p:sp>
+        <p:nvSpPr>
+          <p:cNvPr id="5" name="可选流程 4"/>
+          <p:cNvSpPr/>
+          <p:nvPr/>
+        </p:nvSpPr>
+        <p:spPr>
+          <a:xfrm>
+            <a:off x="799893" y="1015627"/>
+            <a:ext cx="1535914" cy="251629"/>
+          </a:xfrm>
+          <a:prstGeom prst="flowChartAlternateProcess">
+            <a:avLst/>
+          </a:prstGeom>
+          <a:solidFill>
+            <a:srgbClr val="6095C9"/>
+          </a:solidFill>
+        </p:spPr>
+        <p:style>
+          <a:lnRef idx="0">
+            <a:schemeClr val="accent1"/>
+          </a:lnRef>
+          <a:fillRef idx="3">
+            <a:schemeClr val="accent1"/>
+          </a:fillRef>
+          <a:effectRef idx="3">
+            <a:schemeClr val="accent1"/>
+          </a:effectRef>
+          <a:fontRef idx="minor">
+            <a:schemeClr val="lt1"/>
+          </a:fontRef>
+        </p:style>
+        <p:txBody>
+          <a:bodyPr anchor="ctr"/>
+          <a:lstStyle/>
+          <a:p>
+            <a:pPr>
+              <a:defRPr/>
+            </a:pPr>
+            <a:r>
+              <a:rPr kumimoji="1" lang="zh-CN" altLang="en-US" sz="1400" dirty="0" smtClean="0">
+                <a:latin typeface="Heiti SC Light" charset="-122"/>
+                <a:ea typeface="Heiti SC Light" charset="-122"/>
+                <a:cs typeface="Heiti SC Light" charset="-122"/>
+              </a:rPr>
+              <a:t>执行器</a:t>
+            </a:r>
+            <a:endParaRPr kumimoji="1" lang="zh-CN" altLang="en-US" sz="1400" dirty="0">
+              <a:latin typeface="Heiti SC Light" charset="-122"/>
+              <a:ea typeface="Heiti SC Light" charset="-122"/>
+              <a:cs typeface="Heiti SC Light" charset="-122"/>
+            </a:endParaRPr>
+          </a:p>
+        </p:txBody>
+      </p:sp>
+      <p:sp>
+        <p:nvSpPr>
+          <p:cNvPr id="60" name="可选流程 59"/>
+          <p:cNvSpPr/>
+          <p:nvPr/>
+        </p:nvSpPr>
+        <p:spPr>
+          <a:xfrm>
+            <a:off x="799893" y="1406309"/>
+            <a:ext cx="1535914" cy="281598"/>
+          </a:xfrm>
+          <a:prstGeom prst="flowChartAlternateProcess">
+            <a:avLst/>
+          </a:prstGeom>
+          <a:solidFill>
+            <a:srgbClr val="6095C9"/>
+          </a:solidFill>
+        </p:spPr>
+        <p:style>
+          <a:lnRef idx="0">
+            <a:schemeClr val="accent1"/>
+          </a:lnRef>
+          <a:fillRef idx="3">
+            <a:schemeClr val="accent1"/>
+          </a:fillRef>
+          <a:effectRef idx="3">
+            <a:schemeClr val="accent1"/>
+          </a:effectRef>
+          <a:fontRef idx="minor">
+            <a:schemeClr val="lt1"/>
+          </a:fontRef>
+        </p:style>
+        <p:txBody>
+          <a:bodyPr anchor="ctr"/>
+          <a:lstStyle/>
+          <a:p>
+            <a:pPr>
+              <a:defRPr/>
+            </a:pPr>
+            <a:r>
+              <a:rPr kumimoji="1" lang="zh-CN" altLang="en-US" sz="1400" dirty="0">
+                <a:latin typeface="Heiti SC Light" charset="-122"/>
+                <a:ea typeface="Heiti SC Light" charset="-122"/>
+                <a:cs typeface="Heiti SC Light" charset="-122"/>
+              </a:rPr>
+              <a:t>任务</a:t>
+            </a:r>
+            <a:r>
+              <a:rPr kumimoji="1" lang="zh-CN" altLang="en-US" sz="1400" dirty="0" smtClean="0">
+                <a:latin typeface="Heiti SC Light" charset="-122"/>
+                <a:ea typeface="Heiti SC Light" charset="-122"/>
+                <a:cs typeface="Heiti SC Light" charset="-122"/>
+              </a:rPr>
+              <a:t>模式</a:t>
+            </a:r>
+            <a:endParaRPr kumimoji="1" lang="zh-CN" altLang="en-US" sz="1400" dirty="0">
+              <a:latin typeface="Heiti SC Light" charset="-122"/>
+              <a:ea typeface="Heiti SC Light" charset="-122"/>
+              <a:cs typeface="Heiti SC Light" charset="-122"/>
+            </a:endParaRPr>
+          </a:p>
+        </p:txBody>
+      </p:sp>
+      <p:sp>
+        <p:nvSpPr>
+          <p:cNvPr id="62" name="可选流程 61"/>
+          <p:cNvSpPr/>
+          <p:nvPr/>
+        </p:nvSpPr>
+        <p:spPr>
+          <a:xfrm>
+            <a:off x="799893" y="1830646"/>
+            <a:ext cx="1535914" cy="255324"/>
+          </a:xfrm>
+          <a:prstGeom prst="flowChartAlternateProcess">
+            <a:avLst/>
+          </a:prstGeom>
+          <a:solidFill>
+            <a:srgbClr val="6095C9"/>
+          </a:solidFill>
+        </p:spPr>
+        <p:style>
+          <a:lnRef idx="0">
+            <a:schemeClr val="accent1"/>
+          </a:lnRef>
+          <a:fillRef idx="3">
+            <a:schemeClr val="accent1"/>
+          </a:fillRef>
+          <a:effectRef idx="3">
+            <a:schemeClr val="accent1"/>
+          </a:effectRef>
+          <a:fontRef idx="minor">
+            <a:schemeClr val="lt1"/>
+          </a:fontRef>
+        </p:style>
+        <p:txBody>
+          <a:bodyPr anchor="ctr"/>
+          <a:lstStyle/>
+          <a:p>
+            <a:pPr>
+              <a:defRPr/>
+            </a:pPr>
+            <a:r>
+              <a:rPr kumimoji="1" lang="en-US" altLang="zh-CN" sz="1400" dirty="0">
+                <a:latin typeface="Heiti SC Light" charset="-122"/>
+                <a:ea typeface="Heiti SC Light" charset="-122"/>
+                <a:cs typeface="Heiti SC Light" charset="-122"/>
+              </a:rPr>
+              <a:t>JobHandler</a:t>
+            </a:r>
+            <a:endParaRPr kumimoji="1" lang="zh-CN" altLang="en-US" sz="1400" dirty="0">
+              <a:latin typeface="Heiti SC Light" charset="-122"/>
+              <a:ea typeface="Heiti SC Light" charset="-122"/>
+              <a:cs typeface="Heiti SC Light" charset="-122"/>
+            </a:endParaRPr>
+          </a:p>
+        </p:txBody>
+      </p:sp>
+      <p:sp>
+        <p:nvSpPr>
+          <p:cNvPr id="63" name="可选流程 62"/>
+          <p:cNvSpPr/>
+          <p:nvPr/>
+        </p:nvSpPr>
+        <p:spPr>
+          <a:xfrm>
+            <a:off x="799893" y="2206727"/>
+            <a:ext cx="1535914" cy="274201"/>
+          </a:xfrm>
+          <a:prstGeom prst="flowChartAlternateProcess">
+            <a:avLst/>
+          </a:prstGeom>
+          <a:solidFill>
+            <a:srgbClr val="6095C9"/>
+          </a:solidFill>
+        </p:spPr>
+        <p:style>
+          <a:lnRef idx="0">
+            <a:schemeClr val="accent1"/>
+          </a:lnRef>
+          <a:fillRef idx="3">
+            <a:schemeClr val="accent1"/>
+          </a:fillRef>
+          <a:effectRef idx="3">
+            <a:schemeClr val="accent1"/>
+          </a:effectRef>
+          <a:fontRef idx="minor">
+            <a:schemeClr val="lt1"/>
+          </a:fontRef>
+        </p:style>
+        <p:txBody>
+          <a:bodyPr anchor="ctr"/>
+          <a:lstStyle/>
+          <a:p>
+            <a:pPr>
+              <a:defRPr/>
+            </a:pPr>
+            <a:r>
+              <a:rPr kumimoji="1" lang="en-US" altLang="zh-CN" sz="1400" dirty="0" smtClean="0">
+                <a:latin typeface="Heiti SC Light" charset="-122"/>
+                <a:ea typeface="Heiti SC Light" charset="-122"/>
+                <a:cs typeface="Heiti SC Light" charset="-122"/>
+              </a:rPr>
+              <a:t>……</a:t>
+            </a:r>
+            <a:endParaRPr kumimoji="1" lang="zh-CN" altLang="en-US" sz="1400" dirty="0">
+              <a:latin typeface="Heiti SC Light" charset="-122"/>
+              <a:ea typeface="Heiti SC Light" charset="-122"/>
+              <a:cs typeface="Heiti SC Light" charset="-122"/>
+            </a:endParaRPr>
+          </a:p>
+        </p:txBody>
+      </p:sp>
+      <p:sp>
+        <p:nvSpPr>
+          <p:cNvPr id="10" name="矩形 9"/>
+          <p:cNvSpPr/>
+          <p:nvPr/>
+        </p:nvSpPr>
+        <p:spPr>
+          <a:xfrm>
+            <a:off x="2388914" y="688297"/>
+            <a:ext cx="1668047" cy="1961502"/>
+          </a:xfrm>
+          <a:prstGeom prst="rect">
+            <a:avLst/>
+          </a:prstGeom>
+          <a:solidFill>
+            <a:srgbClr val="DEF7FF"/>
+          </a:solidFill>
+          <a:ln>
+            <a:noFill/>
+          </a:ln>
+        </p:spPr>
+        <p:style>
+          <a:lnRef idx="1">
+            <a:schemeClr val="accent1"/>
+          </a:lnRef>
+          <a:fillRef idx="2">
+            <a:schemeClr val="accent1"/>
+          </a:fillRef>
+          <a:effectRef idx="1">
+            <a:schemeClr val="accent1"/>
+          </a:effectRef>
+          <a:fontRef idx="minor">
+            <a:schemeClr val="dk1"/>
+          </a:fontRef>
+        </p:style>
+        <p:txBody>
+          <a:bodyPr anchor="t"/>
+          <a:lstStyle/>
+          <a:p>
+            <a:pPr algn="ctr">
+              <a:defRPr/>
+            </a:pPr>
+            <a:r>
+              <a:rPr kumimoji="1" lang="zh-CN" altLang="en-US" sz="1400" b="1" dirty="0" smtClean="0">
+                <a:latin typeface="Heiti SC Light" charset="-122"/>
+                <a:ea typeface="Heiti SC Light" charset="-122"/>
+                <a:cs typeface="Heiti SC Light" charset="-122"/>
+              </a:rPr>
+              <a:t>执行器管理</a:t>
+            </a:r>
+            <a:endParaRPr kumimoji="1" lang="zh-CN" altLang="en-US" sz="1400" b="1" dirty="0">
+              <a:latin typeface="Heiti SC Light" charset="-122"/>
+              <a:ea typeface="Heiti SC Light" charset="-122"/>
+              <a:cs typeface="Heiti SC Light" charset="-122"/>
+            </a:endParaRPr>
+          </a:p>
+        </p:txBody>
+      </p:sp>
+      <p:sp>
+        <p:nvSpPr>
+          <p:cNvPr id="40" name="可选流程 39"/>
+          <p:cNvSpPr/>
+          <p:nvPr/>
+        </p:nvSpPr>
+        <p:spPr>
+          <a:xfrm>
+            <a:off x="2491980" y="1009669"/>
+            <a:ext cx="1432847" cy="272004"/>
+          </a:xfrm>
+          <a:prstGeom prst="flowChartAlternateProcess">
+            <a:avLst/>
+          </a:prstGeom>
+          <a:solidFill>
+            <a:srgbClr val="4BACC6"/>
+          </a:solidFill>
+        </p:spPr>
+        <p:style>
+          <a:lnRef idx="0">
+            <a:schemeClr val="accent1"/>
+          </a:lnRef>
+          <a:fillRef idx="3">
+            <a:schemeClr val="accent1"/>
+          </a:fillRef>
+          <a:effectRef idx="3">
+            <a:schemeClr val="accent1"/>
+          </a:effectRef>
+          <a:fontRef idx="minor">
+            <a:schemeClr val="lt1"/>
+          </a:fontRef>
+        </p:style>
+        <p:txBody>
+          <a:bodyPr anchor="ctr"/>
+          <a:lstStyle/>
+          <a:p>
+            <a:pPr>
+              <a:defRPr/>
+            </a:pPr>
+            <a:r>
+              <a:rPr kumimoji="1" lang="zh-CN" altLang="en-US" sz="1400" dirty="0" smtClean="0">
+                <a:latin typeface="Heiti SC Light" charset="-122"/>
+                <a:ea typeface="Heiti SC Light" charset="-122"/>
+                <a:cs typeface="Heiti SC Light" charset="-122"/>
+              </a:rPr>
+              <a:t>注册方式</a:t>
+            </a:r>
+            <a:endParaRPr kumimoji="1" lang="zh-CN" altLang="en-US" sz="1400" dirty="0">
+              <a:latin typeface="Heiti SC Light" charset="-122"/>
+              <a:ea typeface="Heiti SC Light" charset="-122"/>
+              <a:cs typeface="Heiti SC Light" charset="-122"/>
+            </a:endParaRPr>
+          </a:p>
+        </p:txBody>
+      </p:sp>
+      <p:sp>
+        <p:nvSpPr>
+          <p:cNvPr id="66" name="可选流程 65"/>
+          <p:cNvSpPr/>
+          <p:nvPr/>
+        </p:nvSpPr>
+        <p:spPr>
+          <a:xfrm>
+            <a:off x="2491979" y="1400460"/>
+            <a:ext cx="1432847" cy="275832"/>
+          </a:xfrm>
+          <a:prstGeom prst="flowChartAlternateProcess">
+            <a:avLst/>
+          </a:prstGeom>
+          <a:solidFill>
+            <a:srgbClr val="4BACC6"/>
+          </a:solidFill>
+        </p:spPr>
+        <p:style>
+          <a:lnRef idx="0">
+            <a:schemeClr val="accent1"/>
+          </a:lnRef>
+          <a:fillRef idx="3">
+            <a:schemeClr val="accent1"/>
+          </a:fillRef>
+          <a:effectRef idx="3">
+            <a:schemeClr val="accent1"/>
+          </a:effectRef>
+          <a:fontRef idx="minor">
+            <a:schemeClr val="lt1"/>
+          </a:fontRef>
+        </p:style>
+        <p:txBody>
+          <a:bodyPr anchor="ctr"/>
+          <a:lstStyle/>
+          <a:p>
+            <a:pPr>
+              <a:defRPr/>
+            </a:pPr>
+            <a:r>
+              <a:rPr kumimoji="1" lang="en-US" altLang="zh-CN" sz="1400" dirty="0" smtClean="0">
+                <a:latin typeface="Heiti SC Light" charset="-122"/>
+                <a:ea typeface="Heiti SC Light" charset="-122"/>
+                <a:cs typeface="Heiti SC Light" charset="-122"/>
+              </a:rPr>
+              <a:t>AppName</a:t>
+            </a:r>
+            <a:endParaRPr kumimoji="1" lang="zh-CN" altLang="en-US" sz="1400" dirty="0">
+              <a:latin typeface="Heiti SC Light" charset="-122"/>
+              <a:ea typeface="Heiti SC Light" charset="-122"/>
+              <a:cs typeface="Heiti SC Light" charset="-122"/>
+            </a:endParaRPr>
+          </a:p>
+        </p:txBody>
+      </p:sp>
+      <p:sp>
+        <p:nvSpPr>
+          <p:cNvPr id="67" name="可选流程 66"/>
+          <p:cNvSpPr/>
+          <p:nvPr/>
+        </p:nvSpPr>
+        <p:spPr>
+          <a:xfrm>
+            <a:off x="2491978" y="1834820"/>
+            <a:ext cx="1432847" cy="263850"/>
+          </a:xfrm>
+          <a:prstGeom prst="flowChartAlternateProcess">
+            <a:avLst/>
+          </a:prstGeom>
+          <a:solidFill>
+            <a:srgbClr val="4BACC6"/>
+          </a:solidFill>
+        </p:spPr>
+        <p:style>
+          <a:lnRef idx="0">
+            <a:schemeClr val="accent1"/>
+          </a:lnRef>
+          <a:fillRef idx="3">
+            <a:schemeClr val="accent1"/>
+          </a:fillRef>
+          <a:effectRef idx="3">
+            <a:schemeClr val="accent1"/>
+          </a:effectRef>
+          <a:fontRef idx="minor">
+            <a:schemeClr val="lt1"/>
+          </a:fontRef>
+        </p:style>
+        <p:txBody>
+          <a:bodyPr anchor="ctr"/>
+          <a:lstStyle/>
+          <a:p>
+            <a:pPr>
+              <a:defRPr/>
+            </a:pPr>
+            <a:r>
+              <a:rPr kumimoji="1" lang="zh-CN" altLang="en-US" sz="1400" dirty="0" smtClean="0">
+                <a:latin typeface="Heiti SC Light" charset="-122"/>
+                <a:ea typeface="Heiti SC Light" charset="-122"/>
+                <a:cs typeface="Heiti SC Light" charset="-122"/>
+              </a:rPr>
+              <a:t>机器地址列表</a:t>
+            </a:r>
+            <a:endParaRPr kumimoji="1" lang="zh-CN" altLang="en-US" sz="1400" dirty="0">
+              <a:latin typeface="Heiti SC Light" charset="-122"/>
+              <a:ea typeface="Heiti SC Light" charset="-122"/>
+              <a:cs typeface="Heiti SC Light" charset="-122"/>
+            </a:endParaRPr>
+          </a:p>
+        </p:txBody>
+      </p:sp>
+      <p:sp>
+        <p:nvSpPr>
+          <p:cNvPr id="68" name="可选流程 67"/>
+          <p:cNvSpPr/>
+          <p:nvPr/>
+        </p:nvSpPr>
+        <p:spPr>
+          <a:xfrm>
+            <a:off x="2491977" y="2217078"/>
+            <a:ext cx="1432847" cy="263850"/>
+          </a:xfrm>
+          <a:prstGeom prst="flowChartAlternateProcess">
+            <a:avLst/>
+          </a:prstGeom>
+          <a:solidFill>
+            <a:srgbClr val="4BACC6"/>
+          </a:solidFill>
+        </p:spPr>
+        <p:style>
+          <a:lnRef idx="0">
+            <a:schemeClr val="accent1"/>
+          </a:lnRef>
+          <a:fillRef idx="3">
+            <a:schemeClr val="accent1"/>
+          </a:fillRef>
+          <a:effectRef idx="3">
+            <a:schemeClr val="accent1"/>
+          </a:effectRef>
+          <a:fontRef idx="minor">
+            <a:schemeClr val="lt1"/>
+          </a:fontRef>
+        </p:style>
+        <p:txBody>
+          <a:bodyPr anchor="ctr"/>
+          <a:lstStyle/>
+          <a:p>
+            <a:pPr>
+              <a:defRPr/>
+            </a:pPr>
+            <a:r>
+              <a:rPr kumimoji="1" lang="en-US" altLang="zh-CN" sz="1400" dirty="0" smtClean="0">
+                <a:latin typeface="Heiti SC Light" charset="-122"/>
+                <a:ea typeface="Heiti SC Light" charset="-122"/>
+                <a:cs typeface="Heiti SC Light" charset="-122"/>
+              </a:rPr>
+              <a:t>……</a:t>
+            </a:r>
+            <a:endParaRPr kumimoji="1" lang="zh-CN" altLang="en-US" sz="1400" dirty="0">
+              <a:latin typeface="Heiti SC Light" charset="-122"/>
+              <a:ea typeface="Heiti SC Light" charset="-122"/>
+              <a:cs typeface="Heiti SC Light" charset="-122"/>
+            </a:endParaRPr>
+          </a:p>
+        </p:txBody>
+      </p:sp>
+      <p:sp>
+        <p:nvSpPr>
+          <p:cNvPr id="101" name="矩形 100"/>
+          <p:cNvSpPr/>
+          <p:nvPr/>
+        </p:nvSpPr>
+        <p:spPr>
+          <a:xfrm>
+            <a:off x="6400801" y="576163"/>
+            <a:ext cx="5181600" cy="5176329"/>
+          </a:xfrm>
+          <a:prstGeom prst="rect">
+            <a:avLst/>
+          </a:prstGeom>
+          <a:ln>
+            <a:noFill/>
+          </a:ln>
+        </p:spPr>
+        <p:style>
+          <a:lnRef idx="1">
+            <a:schemeClr val="accent6"/>
+          </a:lnRef>
+          <a:fillRef idx="2">
+            <a:schemeClr val="accent6"/>
+          </a:fillRef>
+          <a:effectRef idx="1">
+            <a:schemeClr val="accent6"/>
+          </a:effectRef>
+          <a:fontRef idx="minor">
+            <a:schemeClr val="dk1"/>
+          </a:fontRef>
+        </p:style>
+        <p:txBody>
+          <a:bodyPr anchor="b"/>
+          <a:lstStyle/>
+          <a:p>
+            <a:pPr algn="ctr">
+              <a:defRPr/>
+            </a:pPr>
+            <a:r>
+              <a:rPr kumimoji="1" lang="zh-CN" altLang="en-US" sz="1600" b="1" dirty="0" smtClean="0">
+                <a:latin typeface="Heiti SC Light" charset="-122"/>
+                <a:ea typeface="Heiti SC Light" charset="-122"/>
+                <a:cs typeface="Heiti SC Light" charset="-122"/>
+              </a:rPr>
+              <a:t>执行器</a:t>
+            </a:r>
+            <a:endParaRPr kumimoji="1" lang="zh-CN" altLang="en-US" sz="1600" b="1" dirty="0">
+              <a:latin typeface="Heiti SC Light" charset="-122"/>
+              <a:ea typeface="Heiti SC Light" charset="-122"/>
+              <a:cs typeface="Heiti SC Light" charset="-122"/>
+            </a:endParaRPr>
+          </a:p>
+        </p:txBody>
+      </p:sp>
+      <p:sp>
+        <p:nvSpPr>
+          <p:cNvPr id="139" name="圆角矩形 138"/>
+          <p:cNvSpPr/>
+          <p:nvPr/>
+        </p:nvSpPr>
+        <p:spPr>
+          <a:xfrm>
+            <a:off x="4276756" y="3340779"/>
+            <a:ext cx="1659413" cy="574484"/>
+          </a:xfrm>
+          <a:prstGeom prst="roundRect">
+            <a:avLst/>
+          </a:prstGeom>
+          <a:solidFill>
+            <a:srgbClr val="58B8D1"/>
+          </a:solidFill>
+        </p:spPr>
+        <p:style>
+          <a:lnRef idx="0">
+            <a:schemeClr val="accent1"/>
+          </a:lnRef>
+          <a:fillRef idx="3">
+            <a:schemeClr val="accent1"/>
+          </a:fillRef>
+          <a:effectRef idx="3">
+            <a:schemeClr val="accent1"/>
+          </a:effectRef>
+          <a:fontRef idx="minor">
+            <a:schemeClr val="lt1"/>
+          </a:fontRef>
+        </p:style>
+        <p:txBody>
+          <a:bodyPr anchor="ctr"/>
+          <a:lstStyle/>
+          <a:p>
+            <a:pPr algn="ctr">
+              <a:defRPr/>
+            </a:pPr>
+            <a:r>
+              <a:rPr kumimoji="1" lang="zh-CN" altLang="en-US" sz="1400" dirty="0">
+                <a:latin typeface="Heiti SC Light" charset="-122"/>
+                <a:ea typeface="Heiti SC Light" charset="-122"/>
+                <a:cs typeface="Heiti SC Light" charset="-122"/>
+              </a:rPr>
+              <a:t>回调</a:t>
+            </a:r>
+            <a:r>
+              <a:rPr kumimoji="1" lang="zh-CN" altLang="en-US" sz="1400" dirty="0" smtClean="0">
+                <a:latin typeface="Heiti SC Light" charset="-122"/>
+                <a:ea typeface="Heiti SC Light" charset="-122"/>
+                <a:cs typeface="Heiti SC Light" charset="-122"/>
+              </a:rPr>
+              <a:t>服务</a:t>
+            </a:r>
+          </a:p>
+        </p:txBody>
+      </p:sp>
+      <p:sp>
+        <p:nvSpPr>
+          <p:cNvPr id="153" name="矩形 152"/>
+          <p:cNvSpPr/>
+          <p:nvPr/>
+        </p:nvSpPr>
+        <p:spPr>
+          <a:xfrm>
+            <a:off x="720867" y="2657780"/>
+            <a:ext cx="1668047" cy="1961502"/>
+          </a:xfrm>
+          <a:prstGeom prst="rect">
+            <a:avLst/>
+          </a:prstGeom>
+          <a:solidFill>
+            <a:srgbClr val="DEF7FF"/>
+          </a:solidFill>
+          <a:ln>
+            <a:noFill/>
+          </a:ln>
+        </p:spPr>
+        <p:style>
+          <a:lnRef idx="1">
+            <a:schemeClr val="accent1"/>
+          </a:lnRef>
+          <a:fillRef idx="2">
+            <a:schemeClr val="accent1"/>
+          </a:fillRef>
+          <a:effectRef idx="1">
+            <a:schemeClr val="accent1"/>
+          </a:effectRef>
+          <a:fontRef idx="minor">
+            <a:schemeClr val="dk1"/>
+          </a:fontRef>
+        </p:style>
+        <p:txBody>
+          <a:bodyPr anchor="t"/>
+          <a:lstStyle/>
+          <a:p>
+            <a:pPr algn="ctr">
+              <a:defRPr/>
+            </a:pPr>
+            <a:r>
+              <a:rPr kumimoji="1" lang="zh-CN" altLang="en-US" sz="1400" b="1" dirty="0">
+                <a:latin typeface="Heiti SC Light" charset="-122"/>
+                <a:ea typeface="Heiti SC Light" charset="-122"/>
+                <a:cs typeface="Heiti SC Light" charset="-122"/>
+              </a:rPr>
+              <a:t>日志管理</a:t>
+            </a:r>
+          </a:p>
+        </p:txBody>
+      </p:sp>
+      <p:sp>
+        <p:nvSpPr>
+          <p:cNvPr id="154" name="可选流程 153"/>
+          <p:cNvSpPr/>
+          <p:nvPr/>
+        </p:nvSpPr>
+        <p:spPr>
+          <a:xfrm>
+            <a:off x="823933" y="2979152"/>
+            <a:ext cx="1432847" cy="272004"/>
+          </a:xfrm>
+          <a:prstGeom prst="flowChartAlternateProcess">
+            <a:avLst/>
+          </a:prstGeom>
+          <a:solidFill>
+            <a:srgbClr val="4BACC6"/>
+          </a:solidFill>
+        </p:spPr>
+        <p:style>
+          <a:lnRef idx="0">
+            <a:schemeClr val="accent1"/>
+          </a:lnRef>
+          <a:fillRef idx="3">
+            <a:schemeClr val="accent1"/>
+          </a:fillRef>
+          <a:effectRef idx="3">
+            <a:schemeClr val="accent1"/>
+          </a:effectRef>
+          <a:fontRef idx="minor">
+            <a:schemeClr val="lt1"/>
+          </a:fontRef>
+        </p:style>
+        <p:txBody>
+          <a:bodyPr anchor="ctr"/>
+          <a:lstStyle/>
+          <a:p>
+            <a:pPr>
+              <a:defRPr/>
+            </a:pPr>
+            <a:r>
+              <a:rPr kumimoji="1" lang="zh-CN" altLang="en-US" sz="1400" dirty="0">
+                <a:latin typeface="Heiti SC Light" charset="-122"/>
+                <a:ea typeface="Heiti SC Light" charset="-122"/>
+                <a:cs typeface="Heiti SC Light" charset="-122"/>
+              </a:rPr>
+              <a:t>调度日志</a:t>
+            </a:r>
+          </a:p>
+        </p:txBody>
+      </p:sp>
+      <p:sp>
+        <p:nvSpPr>
+          <p:cNvPr id="155" name="可选流程 154"/>
+          <p:cNvSpPr/>
+          <p:nvPr/>
+        </p:nvSpPr>
+        <p:spPr>
+          <a:xfrm>
+            <a:off x="823932" y="3369943"/>
+            <a:ext cx="1432847" cy="275832"/>
+          </a:xfrm>
+          <a:prstGeom prst="flowChartAlternateProcess">
+            <a:avLst/>
+          </a:prstGeom>
+          <a:solidFill>
+            <a:srgbClr val="4BACC6"/>
+          </a:solidFill>
+        </p:spPr>
+        <p:style>
+          <a:lnRef idx="0">
+            <a:schemeClr val="accent1"/>
+          </a:lnRef>
+          <a:fillRef idx="3">
+            <a:schemeClr val="accent1"/>
+          </a:fillRef>
+          <a:effectRef idx="3">
+            <a:schemeClr val="accent1"/>
+          </a:effectRef>
+          <a:fontRef idx="minor">
+            <a:schemeClr val="lt1"/>
+          </a:fontRef>
+        </p:style>
+        <p:txBody>
+          <a:bodyPr anchor="ctr"/>
+          <a:lstStyle/>
+          <a:p>
+            <a:pPr>
+              <a:defRPr/>
+            </a:pPr>
+            <a:r>
+              <a:rPr kumimoji="1" lang="en-US" altLang="zh-CN" sz="1400" dirty="0">
+                <a:latin typeface="Heiti SC Light" charset="-122"/>
+                <a:ea typeface="Heiti SC Light" charset="-122"/>
+                <a:cs typeface="Heiti SC Light" charset="-122"/>
+              </a:rPr>
+              <a:t>Rolling</a:t>
+            </a:r>
+            <a:r>
+              <a:rPr kumimoji="1" lang="zh-CN" altLang="en-US" sz="1400" dirty="0">
+                <a:latin typeface="Heiti SC Light" charset="-122"/>
+                <a:ea typeface="Heiti SC Light" charset="-122"/>
+                <a:cs typeface="Heiti SC Light" charset="-122"/>
+              </a:rPr>
+              <a:t>日志</a:t>
+            </a:r>
+          </a:p>
+        </p:txBody>
+      </p:sp>
+      <p:sp>
+        <p:nvSpPr>
+          <p:cNvPr id="156" name="可选流程 155"/>
+          <p:cNvSpPr/>
+          <p:nvPr/>
+        </p:nvSpPr>
+        <p:spPr>
+          <a:xfrm>
+            <a:off x="823931" y="3804303"/>
+            <a:ext cx="1432847" cy="263850"/>
+          </a:xfrm>
+          <a:prstGeom prst="flowChartAlternateProcess">
+            <a:avLst/>
+          </a:prstGeom>
+          <a:solidFill>
+            <a:srgbClr val="4BACC6"/>
+          </a:solidFill>
+        </p:spPr>
+        <p:style>
+          <a:lnRef idx="0">
+            <a:schemeClr val="accent1"/>
+          </a:lnRef>
+          <a:fillRef idx="3">
+            <a:schemeClr val="accent1"/>
+          </a:fillRef>
+          <a:effectRef idx="3">
+            <a:schemeClr val="accent1"/>
+          </a:effectRef>
+          <a:fontRef idx="minor">
+            <a:schemeClr val="lt1"/>
+          </a:fontRef>
+        </p:style>
+        <p:txBody>
+          <a:bodyPr anchor="ctr"/>
+          <a:lstStyle/>
+          <a:p>
+            <a:pPr>
+              <a:defRPr/>
+            </a:pPr>
+            <a:r>
+              <a:rPr kumimoji="1" lang="en-US" altLang="zh-CN" sz="1400" dirty="0">
+                <a:latin typeface="Heiti SC Light" charset="-122"/>
+                <a:ea typeface="Heiti SC Light" charset="-122"/>
+                <a:cs typeface="Heiti SC Light" charset="-122"/>
+              </a:rPr>
+              <a:t>GLUE</a:t>
+            </a:r>
+            <a:r>
+              <a:rPr kumimoji="1" lang="zh-CN" altLang="en-US" sz="1400" dirty="0">
+                <a:latin typeface="Heiti SC Light" charset="-122"/>
+                <a:ea typeface="Heiti SC Light" charset="-122"/>
+                <a:cs typeface="Heiti SC Light" charset="-122"/>
+              </a:rPr>
+              <a:t>版本日志</a:t>
+            </a:r>
+          </a:p>
+        </p:txBody>
+      </p:sp>
+      <p:sp>
+        <p:nvSpPr>
+          <p:cNvPr id="157" name="可选流程 156"/>
+          <p:cNvSpPr/>
+          <p:nvPr/>
+        </p:nvSpPr>
+        <p:spPr>
+          <a:xfrm>
+            <a:off x="823930" y="4186561"/>
+            <a:ext cx="1432847" cy="263850"/>
+          </a:xfrm>
+          <a:prstGeom prst="flowChartAlternateProcess">
+            <a:avLst/>
+          </a:prstGeom>
+          <a:solidFill>
+            <a:srgbClr val="4BACC6"/>
+          </a:solidFill>
+        </p:spPr>
+        <p:style>
+          <a:lnRef idx="0">
+            <a:schemeClr val="accent1"/>
+          </a:lnRef>
+          <a:fillRef idx="3">
+            <a:schemeClr val="accent1"/>
+          </a:fillRef>
+          <a:effectRef idx="3">
+            <a:schemeClr val="accent1"/>
+          </a:effectRef>
+          <a:fontRef idx="minor">
+            <a:schemeClr val="lt1"/>
+          </a:fontRef>
+        </p:style>
+        <p:txBody>
+          <a:bodyPr anchor="ctr"/>
+          <a:lstStyle/>
+          <a:p>
+            <a:pPr>
+              <a:defRPr/>
+            </a:pPr>
+            <a:r>
+              <a:rPr kumimoji="1" lang="en-US" altLang="zh-CN" sz="1400" dirty="0" smtClean="0">
+                <a:latin typeface="Heiti SC Light" charset="-122"/>
+                <a:ea typeface="Heiti SC Light" charset="-122"/>
+                <a:cs typeface="Heiti SC Light" charset="-122"/>
+              </a:rPr>
+              <a:t>……</a:t>
+            </a:r>
+            <a:endParaRPr kumimoji="1" lang="zh-CN" altLang="en-US" sz="1400" dirty="0">
+              <a:latin typeface="Heiti SC Light" charset="-122"/>
+              <a:ea typeface="Heiti SC Light" charset="-122"/>
+              <a:cs typeface="Heiti SC Light" charset="-122"/>
+            </a:endParaRPr>
+          </a:p>
+        </p:txBody>
+      </p:sp>
+      <p:sp>
+        <p:nvSpPr>
+          <p:cNvPr id="158" name="矩形 157"/>
+          <p:cNvSpPr/>
+          <p:nvPr/>
+        </p:nvSpPr>
+        <p:spPr>
+          <a:xfrm>
+            <a:off x="2384122" y="2645252"/>
+            <a:ext cx="1672839" cy="1974030"/>
+          </a:xfrm>
+          <a:prstGeom prst="rect">
+            <a:avLst/>
+          </a:prstGeom>
+          <a:solidFill>
+            <a:srgbClr val="E0EBFF"/>
+          </a:solidFill>
+          <a:ln>
+            <a:noFill/>
+          </a:ln>
+        </p:spPr>
+        <p:style>
+          <a:lnRef idx="1">
+            <a:schemeClr val="accent1"/>
+          </a:lnRef>
+          <a:fillRef idx="2">
+            <a:schemeClr val="accent1"/>
+          </a:fillRef>
+          <a:effectRef idx="1">
+            <a:schemeClr val="accent1"/>
+          </a:effectRef>
+          <a:fontRef idx="minor">
+            <a:schemeClr val="dk1"/>
+          </a:fontRef>
+        </p:style>
+        <p:txBody>
+          <a:bodyPr anchor="t"/>
+          <a:lstStyle/>
+          <a:p>
+            <a:pPr algn="ctr">
+              <a:defRPr/>
+            </a:pPr>
+            <a:r>
+              <a:rPr kumimoji="1" lang="zh-CN" altLang="en-US" sz="1400" b="1" dirty="0" smtClean="0">
+                <a:latin typeface="Heiti SC Light" charset="-122"/>
+                <a:ea typeface="Heiti SC Light" charset="-122"/>
+                <a:cs typeface="Heiti SC Light" charset="-122"/>
+              </a:rPr>
+              <a:t>其他</a:t>
+            </a:r>
+          </a:p>
+        </p:txBody>
+      </p:sp>
+      <p:sp>
+        <p:nvSpPr>
+          <p:cNvPr id="159" name="可选流程 158"/>
+          <p:cNvSpPr/>
+          <p:nvPr/>
+        </p:nvSpPr>
+        <p:spPr>
+          <a:xfrm>
+            <a:off x="2463148" y="2972582"/>
+            <a:ext cx="1535914" cy="251629"/>
+          </a:xfrm>
+          <a:prstGeom prst="flowChartAlternateProcess">
+            <a:avLst/>
+          </a:prstGeom>
+          <a:solidFill>
+            <a:srgbClr val="6095C9"/>
+          </a:solidFill>
+        </p:spPr>
+        <p:style>
+          <a:lnRef idx="0">
+            <a:schemeClr val="accent1"/>
+          </a:lnRef>
+          <a:fillRef idx="3">
+            <a:schemeClr val="accent1"/>
+          </a:fillRef>
+          <a:effectRef idx="3">
+            <a:schemeClr val="accent1"/>
+          </a:effectRef>
+          <a:fontRef idx="minor">
+            <a:schemeClr val="lt1"/>
+          </a:fontRef>
+        </p:style>
+        <p:txBody>
+          <a:bodyPr anchor="ctr"/>
+          <a:lstStyle/>
+          <a:p>
+            <a:pPr>
+              <a:defRPr/>
+            </a:pPr>
+            <a:r>
+              <a:rPr kumimoji="1" lang="zh-CN" altLang="en-US" sz="1400" dirty="0" smtClean="0">
+                <a:latin typeface="Heiti SC Light" charset="-122"/>
+                <a:ea typeface="Heiti SC Light" charset="-122"/>
+                <a:cs typeface="Heiti SC Light" charset="-122"/>
+              </a:rPr>
+              <a:t>运行报表</a:t>
+            </a:r>
+            <a:endParaRPr kumimoji="1" lang="zh-CN" altLang="en-US" sz="1400" dirty="0">
+              <a:latin typeface="Heiti SC Light" charset="-122"/>
+              <a:ea typeface="Heiti SC Light" charset="-122"/>
+              <a:cs typeface="Heiti SC Light" charset="-122"/>
+            </a:endParaRPr>
+          </a:p>
+        </p:txBody>
+      </p:sp>
+      <p:sp>
+        <p:nvSpPr>
+          <p:cNvPr id="160" name="可选流程 159"/>
+          <p:cNvSpPr/>
+          <p:nvPr/>
+        </p:nvSpPr>
+        <p:spPr>
+          <a:xfrm>
+            <a:off x="2463148" y="3363264"/>
+            <a:ext cx="1535914" cy="281598"/>
+          </a:xfrm>
+          <a:prstGeom prst="flowChartAlternateProcess">
+            <a:avLst/>
+          </a:prstGeom>
+          <a:solidFill>
+            <a:srgbClr val="6095C9"/>
+          </a:solidFill>
+        </p:spPr>
+        <p:style>
+          <a:lnRef idx="0">
+            <a:schemeClr val="accent1"/>
+          </a:lnRef>
+          <a:fillRef idx="3">
+            <a:schemeClr val="accent1"/>
+          </a:fillRef>
+          <a:effectRef idx="3">
+            <a:schemeClr val="accent1"/>
+          </a:effectRef>
+          <a:fontRef idx="minor">
+            <a:schemeClr val="lt1"/>
+          </a:fontRef>
+        </p:style>
+        <p:txBody>
+          <a:bodyPr anchor="ctr"/>
+          <a:lstStyle/>
+          <a:p>
+            <a:pPr>
+              <a:defRPr/>
+            </a:pPr>
+            <a:r>
+              <a:rPr kumimoji="1" lang="zh-CN" altLang="en-US" sz="1400" dirty="0" smtClean="0">
+                <a:latin typeface="Heiti SC Light" charset="-122"/>
+                <a:ea typeface="Heiti SC Light" charset="-122"/>
+                <a:cs typeface="Heiti SC Light" charset="-122"/>
+              </a:rPr>
+              <a:t>失败告警</a:t>
+            </a:r>
+            <a:endParaRPr kumimoji="1" lang="zh-CN" altLang="en-US" sz="1400" dirty="0">
+              <a:latin typeface="Heiti SC Light" charset="-122"/>
+              <a:ea typeface="Heiti SC Light" charset="-122"/>
+              <a:cs typeface="Heiti SC Light" charset="-122"/>
+            </a:endParaRPr>
+          </a:p>
+        </p:txBody>
+      </p:sp>
+      <p:sp>
+        <p:nvSpPr>
+          <p:cNvPr id="161" name="可选流程 160"/>
+          <p:cNvSpPr/>
+          <p:nvPr/>
+        </p:nvSpPr>
+        <p:spPr>
+          <a:xfrm>
+            <a:off x="2463148" y="3787601"/>
+            <a:ext cx="1535914" cy="255324"/>
+          </a:xfrm>
+          <a:prstGeom prst="flowChartAlternateProcess">
+            <a:avLst/>
+          </a:prstGeom>
+          <a:solidFill>
+            <a:srgbClr val="6095C9"/>
+          </a:solidFill>
+        </p:spPr>
+        <p:style>
+          <a:lnRef idx="0">
+            <a:schemeClr val="accent1"/>
+          </a:lnRef>
+          <a:fillRef idx="3">
+            <a:schemeClr val="accent1"/>
+          </a:fillRef>
+          <a:effectRef idx="3">
+            <a:schemeClr val="accent1"/>
+          </a:effectRef>
+          <a:fontRef idx="minor">
+            <a:schemeClr val="lt1"/>
+          </a:fontRef>
+        </p:style>
+        <p:txBody>
+          <a:bodyPr anchor="ctr"/>
+          <a:lstStyle/>
+          <a:p>
+            <a:pPr>
+              <a:defRPr/>
+            </a:pPr>
+            <a:r>
+              <a:rPr kumimoji="1" lang="zh-CN" altLang="en-US" sz="1400" dirty="0" smtClean="0">
+                <a:latin typeface="Heiti SC Light" charset="-122"/>
+                <a:ea typeface="Heiti SC Light" charset="-122"/>
+                <a:cs typeface="Heiti SC Light" charset="-122"/>
+              </a:rPr>
+              <a:t>任务依赖</a:t>
+            </a:r>
+            <a:endParaRPr kumimoji="1" lang="zh-CN" altLang="en-US" sz="1400" dirty="0">
+              <a:latin typeface="Heiti SC Light" charset="-122"/>
+              <a:ea typeface="Heiti SC Light" charset="-122"/>
+              <a:cs typeface="Heiti SC Light" charset="-122"/>
+            </a:endParaRPr>
+          </a:p>
+        </p:txBody>
+      </p:sp>
+      <p:sp>
+        <p:nvSpPr>
+          <p:cNvPr id="162" name="可选流程 161"/>
+          <p:cNvSpPr/>
+          <p:nvPr/>
+        </p:nvSpPr>
+        <p:spPr>
+          <a:xfrm>
+            <a:off x="2463148" y="4163682"/>
+            <a:ext cx="1535914" cy="274201"/>
+          </a:xfrm>
+          <a:prstGeom prst="flowChartAlternateProcess">
+            <a:avLst/>
+          </a:prstGeom>
+          <a:solidFill>
+            <a:srgbClr val="6095C9"/>
+          </a:solidFill>
+        </p:spPr>
+        <p:style>
+          <a:lnRef idx="0">
+            <a:schemeClr val="accent1"/>
+          </a:lnRef>
+          <a:fillRef idx="3">
+            <a:schemeClr val="accent1"/>
+          </a:fillRef>
+          <a:effectRef idx="3">
+            <a:schemeClr val="accent1"/>
+          </a:effectRef>
+          <a:fontRef idx="minor">
+            <a:schemeClr val="lt1"/>
+          </a:fontRef>
+        </p:style>
+        <p:txBody>
+          <a:bodyPr anchor="ctr"/>
+          <a:lstStyle/>
+          <a:p>
+            <a:pPr>
+              <a:defRPr/>
+            </a:pPr>
+            <a:r>
+              <a:rPr kumimoji="1" lang="en-US" altLang="zh-CN" sz="1400" dirty="0" smtClean="0">
+                <a:latin typeface="Heiti SC Light" charset="-122"/>
+                <a:ea typeface="Heiti SC Light" charset="-122"/>
+                <a:cs typeface="Heiti SC Light" charset="-122"/>
+              </a:rPr>
+              <a:t>……</a:t>
+            </a:r>
+            <a:endParaRPr kumimoji="1" lang="zh-CN" altLang="en-US" sz="1400" dirty="0">
+              <a:latin typeface="Heiti SC Light" charset="-122"/>
+              <a:ea typeface="Heiti SC Light" charset="-122"/>
+              <a:cs typeface="Heiti SC Light" charset="-122"/>
+            </a:endParaRPr>
+          </a:p>
+        </p:txBody>
+      </p:sp>
+      <p:sp>
+        <p:nvSpPr>
+          <p:cNvPr id="30" name="可选流程 29"/>
+          <p:cNvSpPr/>
+          <p:nvPr/>
+        </p:nvSpPr>
+        <p:spPr>
+          <a:xfrm>
+            <a:off x="6903492" y="4598011"/>
+            <a:ext cx="1948408" cy="566196"/>
+          </a:xfrm>
+          <a:prstGeom prst="flowChartAlternateProcess">
+            <a:avLst/>
+          </a:prstGeom>
+          <a:solidFill>
+            <a:srgbClr val="9379B3"/>
+          </a:solidFill>
+        </p:spPr>
+        <p:style>
+          <a:lnRef idx="0">
+            <a:schemeClr val="accent1"/>
+          </a:lnRef>
+          <a:fillRef idx="3">
+            <a:schemeClr val="accent1"/>
+          </a:fillRef>
+          <a:effectRef idx="3">
+            <a:schemeClr val="accent1"/>
+          </a:effectRef>
+          <a:fontRef idx="minor">
+            <a:schemeClr val="lt1"/>
+          </a:fontRef>
+        </p:style>
+        <p:txBody>
+          <a:bodyPr anchor="ctr"/>
+          <a:lstStyle/>
+          <a:p>
+            <a:pPr algn="ctr">
+              <a:defRPr/>
+            </a:pPr>
+            <a:r>
+              <a:rPr kumimoji="1" lang="zh-CN" altLang="en-US" sz="1400" dirty="0" smtClean="0">
+                <a:latin typeface="Heiti SC Light" charset="-122"/>
+                <a:ea typeface="Heiti SC Light" charset="-122"/>
+                <a:cs typeface="Heiti SC Light" charset="-122"/>
+              </a:rPr>
+              <a:t>注册线程</a:t>
+            </a:r>
+            <a:endParaRPr kumimoji="1" lang="zh-CN" altLang="en-US" sz="1400" dirty="0">
+              <a:latin typeface="Heiti SC Light" charset="-122"/>
+              <a:ea typeface="Heiti SC Light" charset="-122"/>
+              <a:cs typeface="Heiti SC Light" charset="-122"/>
+            </a:endParaRPr>
+          </a:p>
+        </p:txBody>
+      </p:sp>
+      <p:sp>
+        <p:nvSpPr>
+          <p:cNvPr id="97" name="可选流程 96"/>
+          <p:cNvSpPr/>
+          <p:nvPr/>
+        </p:nvSpPr>
+        <p:spPr>
+          <a:xfrm>
+            <a:off x="6862476" y="992498"/>
+            <a:ext cx="2469578" cy="586589"/>
+          </a:xfrm>
+          <a:prstGeom prst="flowChartAlternateProcess">
+            <a:avLst/>
+          </a:prstGeom>
+        </p:spPr>
+        <p:style>
+          <a:lnRef idx="0">
+            <a:schemeClr val="accent2"/>
+          </a:lnRef>
+          <a:fillRef idx="3">
+            <a:schemeClr val="accent2"/>
+          </a:fillRef>
+          <a:effectRef idx="3">
+            <a:schemeClr val="accent2"/>
+          </a:effectRef>
+          <a:fontRef idx="minor">
+            <a:schemeClr val="lt1"/>
+          </a:fontRef>
+        </p:style>
+        <p:txBody>
+          <a:bodyPr rtlCol="0" anchor="ctr"/>
+          <a:lstStyle/>
+          <a:p>
+            <a:pPr algn="ctr"/>
+            <a:r>
+              <a:rPr kumimoji="1" lang="zh-CN" altLang="en-US" sz="1400" dirty="0" smtClean="0">
+                <a:latin typeface="Heiti SC Light" charset="-122"/>
+                <a:ea typeface="Heiti SC Light" charset="-122"/>
+                <a:cs typeface="Heiti SC Light" charset="-122"/>
+              </a:rPr>
+              <a:t>执行器服务</a:t>
+            </a:r>
+            <a:endParaRPr kumimoji="1" lang="zh-CN" altLang="en-US" sz="1400" dirty="0">
+              <a:latin typeface="Heiti SC Light" charset="-122"/>
+              <a:ea typeface="Heiti SC Light" charset="-122"/>
+              <a:cs typeface="Heiti SC Light" charset="-122"/>
+            </a:endParaRPr>
+          </a:p>
+        </p:txBody>
+      </p:sp>
+      <p:sp>
+        <p:nvSpPr>
+          <p:cNvPr id="169" name="矩形 168"/>
+          <p:cNvSpPr/>
+          <p:nvPr/>
+        </p:nvSpPr>
+        <p:spPr>
+          <a:xfrm>
+            <a:off x="9740643" y="890130"/>
+            <a:ext cx="1588645" cy="3248072"/>
+          </a:xfrm>
+          <a:prstGeom prst="rect">
+            <a:avLst/>
+          </a:prstGeom>
+          <a:solidFill>
+            <a:srgbClr val="DEF7FF"/>
+          </a:solidFill>
+          <a:ln>
+            <a:noFill/>
+          </a:ln>
+        </p:spPr>
+        <p:style>
+          <a:lnRef idx="1">
+            <a:schemeClr val="accent1"/>
+          </a:lnRef>
+          <a:fillRef idx="2">
+            <a:schemeClr val="accent1"/>
+          </a:fillRef>
+          <a:effectRef idx="1">
+            <a:schemeClr val="accent1"/>
+          </a:effectRef>
+          <a:fontRef idx="minor">
+            <a:schemeClr val="dk1"/>
+          </a:fontRef>
+        </p:style>
+        <p:txBody>
+          <a:bodyPr anchor="b"/>
+          <a:lstStyle/>
+          <a:p>
+            <a:pPr algn="ctr">
+              <a:defRPr/>
+            </a:pPr>
+            <a:endParaRPr kumimoji="1" lang="zh-CN" altLang="en-US" sz="1600" b="1" dirty="0">
+              <a:latin typeface="Heiti SC Light" charset="-122"/>
+              <a:ea typeface="Heiti SC Light" charset="-122"/>
+              <a:cs typeface="Heiti SC Light" charset="-122"/>
+            </a:endParaRPr>
+          </a:p>
+        </p:txBody>
+      </p:sp>
+      <p:cxnSp>
+        <p:nvCxnSpPr>
+          <p:cNvPr id="171" name="直线箭头连接符 170"/>
+          <p:cNvCxnSpPr/>
+          <p:nvPr/>
+        </p:nvCxnSpPr>
+        <p:spPr>
+          <a:xfrm>
+            <a:off x="9367694" y="1301309"/>
+            <a:ext cx="355704" cy="3349"/>
+          </a:xfrm>
+          <a:prstGeom prst="straightConnector1">
+            <a:avLst/>
+          </a:prstGeom>
+          <a:ln w="28575">
+            <a:prstDash val="sysDash"/>
+            <a:headEnd type="none" w="med" len="med"/>
+            <a:tailEnd type="arrow" w="med" len="med"/>
+          </a:ln>
+        </p:spPr>
+        <p:style>
+          <a:lnRef idx="2">
+            <a:schemeClr val="accent1"/>
+          </a:lnRef>
+          <a:fillRef idx="0">
+            <a:schemeClr val="accent1"/>
+          </a:fillRef>
+          <a:effectRef idx="1">
+            <a:schemeClr val="accent1"/>
+          </a:effectRef>
+          <a:fontRef idx="minor">
+            <a:schemeClr val="tx1"/>
+          </a:fontRef>
+        </p:style>
+      </p:cxnSp>
+      <p:sp>
+        <p:nvSpPr>
+          <p:cNvPr id="177" name="矩形 176"/>
+          <p:cNvSpPr/>
+          <p:nvPr/>
+        </p:nvSpPr>
+        <p:spPr>
+          <a:xfrm>
+            <a:off x="6874533" y="3224448"/>
+            <a:ext cx="2445465" cy="856602"/>
+          </a:xfrm>
+          <a:prstGeom prst="rect">
+            <a:avLst/>
+          </a:prstGeom>
+          <a:solidFill>
+            <a:srgbClr val="DEF7FF"/>
+          </a:solidFill>
+          <a:ln>
+            <a:solidFill>
+              <a:srgbClr val="FFF2CD"/>
+            </a:solidFill>
+          </a:ln>
+        </p:spPr>
+        <p:style>
+          <a:lnRef idx="1">
+            <a:schemeClr val="accent1"/>
+          </a:lnRef>
+          <a:fillRef idx="2">
+            <a:schemeClr val="accent1"/>
+          </a:fillRef>
+          <a:effectRef idx="1">
+            <a:schemeClr val="accent1"/>
+          </a:effectRef>
+          <a:fontRef idx="minor">
+            <a:schemeClr val="dk1"/>
+          </a:fontRef>
+        </p:style>
+        <p:txBody>
+          <a:bodyPr anchor="b"/>
+          <a:lstStyle/>
+          <a:p>
+            <a:pPr algn="ctr">
+              <a:defRPr/>
+            </a:pPr>
+            <a:endParaRPr kumimoji="1" lang="zh-CN" altLang="en-US" sz="1600" b="1" dirty="0">
+              <a:latin typeface="Heiti SC Light" charset="-122"/>
+              <a:ea typeface="Heiti SC Light" charset="-122"/>
+              <a:cs typeface="Heiti SC Light" charset="-122"/>
+            </a:endParaRPr>
+          </a:p>
+        </p:txBody>
+      </p:sp>
+      <p:sp>
+        <p:nvSpPr>
+          <p:cNvPr id="178" name="磁盘 177"/>
+          <p:cNvSpPr/>
+          <p:nvPr/>
+        </p:nvSpPr>
+        <p:spPr>
+          <a:xfrm>
+            <a:off x="8115679" y="3330715"/>
+            <a:ext cx="1128362" cy="644066"/>
+          </a:xfrm>
+          <a:prstGeom prst="flowChartMagneticDisk">
+            <a:avLst/>
+          </a:prstGeom>
+        </p:spPr>
+        <p:style>
+          <a:lnRef idx="1">
+            <a:schemeClr val="accent4"/>
+          </a:lnRef>
+          <a:fillRef idx="2">
+            <a:schemeClr val="accent4"/>
+          </a:fillRef>
+          <a:effectRef idx="1">
+            <a:schemeClr val="accent4"/>
+          </a:effectRef>
+          <a:fontRef idx="minor">
+            <a:schemeClr val="dk1"/>
+          </a:fontRef>
+        </p:style>
+        <p:txBody>
+          <a:bodyPr rtlCol="0" anchor="ctr"/>
+          <a:lstStyle/>
+          <a:p>
+            <a:pPr algn="ctr"/>
+            <a:r>
+              <a:rPr kumimoji="1" lang="zh-CN" altLang="en-US" sz="1400" dirty="0" smtClean="0">
+                <a:latin typeface="Heiti SC Light" charset="-122"/>
+                <a:ea typeface="Heiti SC Light" charset="-122"/>
+                <a:cs typeface="Heiti SC Light" charset="-122"/>
+              </a:rPr>
+              <a:t>调度结果</a:t>
+            </a:r>
+          </a:p>
+          <a:p>
+            <a:pPr algn="ctr"/>
+            <a:r>
+              <a:rPr kumimoji="1" lang="en-US" altLang="zh-CN" sz="1400" dirty="0" smtClean="0">
+                <a:latin typeface="Heiti SC Light" charset="-122"/>
+                <a:ea typeface="Heiti SC Light" charset="-122"/>
+                <a:cs typeface="Heiti SC Light" charset="-122"/>
+              </a:rPr>
+              <a:t>(queue)</a:t>
+            </a:r>
+            <a:endParaRPr kumimoji="1" lang="zh-CN" altLang="en-US" sz="1400" dirty="0">
+              <a:latin typeface="Heiti SC Light" charset="-122"/>
+              <a:ea typeface="Heiti SC Light" charset="-122"/>
+              <a:cs typeface="Heiti SC Light" charset="-122"/>
+            </a:endParaRPr>
+          </a:p>
+        </p:txBody>
+      </p:sp>
+      <p:cxnSp>
+        <p:nvCxnSpPr>
+          <p:cNvPr id="185" name="直线箭头连接符 184"/>
+          <p:cNvCxnSpPr/>
+          <p:nvPr/>
+        </p:nvCxnSpPr>
+        <p:spPr>
+          <a:xfrm flipH="1">
+            <a:off x="5940012" y="2356487"/>
+            <a:ext cx="893129" cy="645"/>
+          </a:xfrm>
+          <a:prstGeom prst="straightConnector1">
+            <a:avLst/>
+          </a:prstGeom>
+          <a:ln w="28575">
+            <a:prstDash val="sysDash"/>
+            <a:headEnd type="none" w="med" len="med"/>
+            <a:tailEnd type="arrow" w="med" len="med"/>
+          </a:ln>
+        </p:spPr>
+        <p:style>
+          <a:lnRef idx="2">
+            <a:schemeClr val="accent1"/>
+          </a:lnRef>
+          <a:fillRef idx="0">
+            <a:schemeClr val="accent1"/>
+          </a:fillRef>
+          <a:effectRef idx="1">
+            <a:schemeClr val="accent1"/>
+          </a:effectRef>
+          <a:fontRef idx="minor">
+            <a:schemeClr val="tx1"/>
+          </a:fontRef>
+        </p:style>
+      </p:cxnSp>
+      <p:sp>
+        <p:nvSpPr>
+          <p:cNvPr id="194" name="可选流程 193"/>
+          <p:cNvSpPr/>
+          <p:nvPr/>
+        </p:nvSpPr>
+        <p:spPr>
+          <a:xfrm>
+            <a:off x="9907238" y="2193143"/>
+            <a:ext cx="1295671" cy="611595"/>
+          </a:xfrm>
+          <a:prstGeom prst="flowChartAlternateProcess">
+            <a:avLst/>
+          </a:prstGeom>
+          <a:solidFill>
+            <a:srgbClr val="4BACC6"/>
+          </a:solidFill>
+        </p:spPr>
+        <p:style>
+          <a:lnRef idx="0">
+            <a:schemeClr val="accent1"/>
+          </a:lnRef>
+          <a:fillRef idx="3">
+            <a:schemeClr val="accent1"/>
+          </a:fillRef>
+          <a:effectRef idx="3">
+            <a:schemeClr val="accent1"/>
+          </a:effectRef>
+          <a:fontRef idx="minor">
+            <a:schemeClr val="lt1"/>
+          </a:fontRef>
+        </p:style>
+        <p:txBody>
+          <a:bodyPr anchor="ctr"/>
+          <a:lstStyle/>
+          <a:p>
+            <a:pPr algn="ctr"/>
+            <a:r>
+              <a:rPr kumimoji="1" lang="en-US" altLang="zh-CN" sz="1400" dirty="0">
+                <a:latin typeface="Heiti SC Light" charset="-122"/>
+                <a:ea typeface="Heiti SC Light" charset="-122"/>
+                <a:cs typeface="Heiti SC Light" charset="-122"/>
+              </a:rPr>
+              <a:t>JobHandler</a:t>
+            </a:r>
+            <a:endParaRPr kumimoji="1" lang="zh-CN" altLang="en-US" sz="1400" dirty="0">
+              <a:latin typeface="Heiti SC Light" charset="-122"/>
+              <a:ea typeface="Heiti SC Light" charset="-122"/>
+              <a:cs typeface="Heiti SC Light" charset="-122"/>
+            </a:endParaRPr>
+          </a:p>
+        </p:txBody>
+      </p:sp>
+      <p:sp>
+        <p:nvSpPr>
+          <p:cNvPr id="195" name="可选流程 194"/>
+          <p:cNvSpPr/>
+          <p:nvPr/>
+        </p:nvSpPr>
+        <p:spPr>
+          <a:xfrm>
+            <a:off x="9907238" y="3253003"/>
+            <a:ext cx="1295671" cy="606434"/>
+          </a:xfrm>
+          <a:prstGeom prst="flowChartAlternateProcess">
+            <a:avLst/>
+          </a:prstGeom>
+          <a:solidFill>
+            <a:srgbClr val="4BACC6"/>
+          </a:solidFill>
+        </p:spPr>
+        <p:style>
+          <a:lnRef idx="0">
+            <a:schemeClr val="accent1"/>
+          </a:lnRef>
+          <a:fillRef idx="3">
+            <a:schemeClr val="accent1"/>
+          </a:fillRef>
+          <a:effectRef idx="3">
+            <a:schemeClr val="accent1"/>
+          </a:effectRef>
+          <a:fontRef idx="minor">
+            <a:schemeClr val="lt1"/>
+          </a:fontRef>
+        </p:style>
+        <p:txBody>
+          <a:bodyPr anchor="ctr"/>
+          <a:lstStyle/>
+          <a:p>
+            <a:pPr algn="ctr"/>
+            <a:r>
+              <a:rPr kumimoji="1" lang="zh-CN" altLang="en-US" sz="1400" dirty="0">
+                <a:latin typeface="Heiti SC Light" charset="-122"/>
+                <a:ea typeface="Heiti SC Light" charset="-122"/>
+                <a:cs typeface="Heiti SC Light" charset="-122"/>
+              </a:rPr>
+              <a:t>任务线程</a:t>
+            </a:r>
+          </a:p>
+        </p:txBody>
+      </p:sp>
+      <p:sp>
+        <p:nvSpPr>
+          <p:cNvPr id="196" name="磁盘 195"/>
+          <p:cNvSpPr/>
+          <p:nvPr/>
+        </p:nvSpPr>
+        <p:spPr>
+          <a:xfrm>
+            <a:off x="9904842" y="1079536"/>
+            <a:ext cx="1295671" cy="663886"/>
+          </a:xfrm>
+          <a:prstGeom prst="flowChartMagneticDisk">
+            <a:avLst/>
+          </a:prstGeom>
+        </p:spPr>
+        <p:style>
+          <a:lnRef idx="1">
+            <a:schemeClr val="accent4"/>
+          </a:lnRef>
+          <a:fillRef idx="2">
+            <a:schemeClr val="accent4"/>
+          </a:fillRef>
+          <a:effectRef idx="1">
+            <a:schemeClr val="accent4"/>
+          </a:effectRef>
+          <a:fontRef idx="minor">
+            <a:schemeClr val="dk1"/>
+          </a:fontRef>
+        </p:style>
+        <p:txBody>
+          <a:bodyPr anchor="ctr"/>
+          <a:lstStyle/>
+          <a:p>
+            <a:pPr algn="ctr"/>
+            <a:r>
+              <a:rPr kumimoji="1" lang="zh-CN" altLang="en-US" sz="1400" dirty="0">
+                <a:latin typeface="Heiti SC Light" charset="-122"/>
+                <a:ea typeface="Heiti SC Light" charset="-122"/>
+                <a:cs typeface="Heiti SC Light" charset="-122"/>
+              </a:rPr>
+              <a:t>调度请求</a:t>
+            </a:r>
+          </a:p>
+          <a:p>
+            <a:pPr algn="ctr"/>
+            <a:r>
+              <a:rPr kumimoji="1" lang="en-US" altLang="zh-CN" sz="1400" dirty="0">
+                <a:latin typeface="Heiti SC Light" charset="-122"/>
+                <a:ea typeface="Heiti SC Light" charset="-122"/>
+                <a:cs typeface="Heiti SC Light" charset="-122"/>
+              </a:rPr>
+              <a:t>(queue)</a:t>
+            </a:r>
+            <a:endParaRPr kumimoji="1" lang="zh-CN" altLang="en-US" sz="1400" dirty="0">
+              <a:latin typeface="Heiti SC Light" charset="-122"/>
+              <a:ea typeface="Heiti SC Light" charset="-122"/>
+              <a:cs typeface="Heiti SC Light" charset="-122"/>
+            </a:endParaRPr>
+          </a:p>
+        </p:txBody>
+      </p:sp>
+      <p:cxnSp>
+        <p:nvCxnSpPr>
+          <p:cNvPr id="207" name="直线箭头连接符 206"/>
+          <p:cNvCxnSpPr/>
+          <p:nvPr/>
+        </p:nvCxnSpPr>
+        <p:spPr>
+          <a:xfrm flipH="1" flipV="1">
+            <a:off x="5938417" y="3627371"/>
+            <a:ext cx="872707" cy="11641"/>
+          </a:xfrm>
+          <a:prstGeom prst="straightConnector1">
+            <a:avLst/>
+          </a:prstGeom>
+          <a:ln w="28575">
+            <a:prstDash val="sysDash"/>
+            <a:headEnd type="none" w="med" len="med"/>
+            <a:tailEnd type="arrow" w="med" len="med"/>
+          </a:ln>
+        </p:spPr>
+        <p:style>
+          <a:lnRef idx="2">
+            <a:schemeClr val="accent1"/>
+          </a:lnRef>
+          <a:fillRef idx="0">
+            <a:schemeClr val="accent1"/>
+          </a:fillRef>
+          <a:effectRef idx="1">
+            <a:schemeClr val="accent1"/>
+          </a:effectRef>
+          <a:fontRef idx="minor">
+            <a:schemeClr val="tx1"/>
+          </a:fontRef>
+        </p:style>
+      </p:cxnSp>
+      <p:sp>
+        <p:nvSpPr>
+          <p:cNvPr id="57" name="圆角矩形 56"/>
+          <p:cNvSpPr/>
+          <p:nvPr/>
+        </p:nvSpPr>
+        <p:spPr>
+          <a:xfrm>
+            <a:off x="9224192" y="4620762"/>
+            <a:ext cx="1990310" cy="567638"/>
+          </a:xfrm>
+          <a:prstGeom prst="roundRect">
+            <a:avLst/>
+          </a:prstGeom>
+          <a:solidFill>
+            <a:srgbClr val="58B8D1"/>
+          </a:solidFill>
+        </p:spPr>
+        <p:style>
+          <a:lnRef idx="0">
+            <a:schemeClr val="accent1"/>
+          </a:lnRef>
+          <a:fillRef idx="3">
+            <a:schemeClr val="accent1"/>
+          </a:fillRef>
+          <a:effectRef idx="3">
+            <a:schemeClr val="accent1"/>
+          </a:effectRef>
+          <a:fontRef idx="minor">
+            <a:schemeClr val="lt1"/>
+          </a:fontRef>
+        </p:style>
+        <p:txBody>
+          <a:bodyPr anchor="ctr"/>
+          <a:lstStyle/>
+          <a:p>
+            <a:pPr algn="ctr">
+              <a:defRPr/>
+            </a:pPr>
+            <a:r>
+              <a:rPr kumimoji="1" lang="zh-CN" altLang="en-US" sz="1400" dirty="0">
+                <a:latin typeface="Heiti SC Light" charset="-122"/>
+                <a:ea typeface="Heiti SC Light" charset="-122"/>
+                <a:cs typeface="Heiti SC Light" charset="-122"/>
+              </a:rPr>
+              <a:t>自研</a:t>
+            </a:r>
+            <a:r>
+              <a:rPr kumimoji="1" lang="en-US" altLang="zh-CN" sz="1400" dirty="0" smtClean="0">
+                <a:latin typeface="Heiti SC Light" charset="-122"/>
+                <a:ea typeface="Heiti SC Light" charset="-122"/>
+                <a:cs typeface="Heiti SC Light" charset="-122"/>
+              </a:rPr>
+              <a:t>RPC</a:t>
+            </a:r>
+            <a:r>
+              <a:rPr kumimoji="1" lang="zh-CN" altLang="en-US" sz="1400" dirty="0" smtClean="0">
+                <a:latin typeface="Heiti SC Light" charset="-122"/>
+                <a:ea typeface="Heiti SC Light" charset="-122"/>
+                <a:cs typeface="Heiti SC Light" charset="-122"/>
+              </a:rPr>
+              <a:t>（</a:t>
+            </a:r>
+            <a:r>
+              <a:rPr kumimoji="1" lang="en-US" altLang="zh-CN" sz="1400" dirty="0" smtClean="0">
+                <a:latin typeface="Heiti SC Light" charset="-122"/>
+                <a:ea typeface="Heiti SC Light" charset="-122"/>
+                <a:cs typeface="Heiti SC Light" charset="-122"/>
+              </a:rPr>
+              <a:t>xxl-rpc</a:t>
+            </a:r>
+            <a:r>
+              <a:rPr kumimoji="1" lang="zh-CN" altLang="en-US" sz="1400" dirty="0" smtClean="0">
+                <a:latin typeface="Heiti SC Light" charset="-122"/>
+                <a:ea typeface="Heiti SC Light" charset="-122"/>
+                <a:cs typeface="Heiti SC Light" charset="-122"/>
+              </a:rPr>
+              <a:t>）</a:t>
+            </a:r>
+          </a:p>
+        </p:txBody>
+      </p:sp>
+      <p:cxnSp>
+        <p:nvCxnSpPr>
+          <p:cNvPr id="52" name="直线箭头连接符 51"/>
+          <p:cNvCxnSpPr/>
+          <p:nvPr/>
+        </p:nvCxnSpPr>
+        <p:spPr>
+          <a:xfrm flipH="1" flipV="1">
+            <a:off x="5943168" y="4896551"/>
+            <a:ext cx="903294" cy="11119"/>
+          </a:xfrm>
+          <a:prstGeom prst="straightConnector1">
+            <a:avLst/>
+          </a:prstGeom>
+          <a:ln w="28575">
+            <a:prstDash val="sysDash"/>
+            <a:headEnd type="none" w="med" len="med"/>
+            <a:tailEnd type="arrow" w="med" len="med"/>
+          </a:ln>
+        </p:spPr>
+        <p:style>
+          <a:lnRef idx="2">
+            <a:schemeClr val="accent1"/>
+          </a:lnRef>
+          <a:fillRef idx="0">
+            <a:schemeClr val="accent1"/>
+          </a:fillRef>
+          <a:effectRef idx="1">
+            <a:schemeClr val="accent1"/>
+          </a:effectRef>
+          <a:fontRef idx="minor">
+            <a:schemeClr val="tx1"/>
+          </a:fontRef>
+        </p:style>
+      </p:cxnSp>
+      <p:sp>
+        <p:nvSpPr>
+          <p:cNvPr id="81" name="矩形 80"/>
+          <p:cNvSpPr/>
+          <p:nvPr/>
+        </p:nvSpPr>
+        <p:spPr>
+          <a:xfrm>
+            <a:off x="6861591" y="1940899"/>
+            <a:ext cx="2458407" cy="856602"/>
+          </a:xfrm>
+          <a:prstGeom prst="rect">
+            <a:avLst/>
+          </a:prstGeom>
+          <a:solidFill>
+            <a:srgbClr val="E0EBFF"/>
+          </a:solidFill>
+          <a:ln>
+            <a:solidFill>
+              <a:srgbClr val="FFF2CD"/>
+            </a:solidFill>
+          </a:ln>
+        </p:spPr>
+        <p:style>
+          <a:lnRef idx="1">
+            <a:schemeClr val="accent1"/>
+          </a:lnRef>
+          <a:fillRef idx="2">
+            <a:schemeClr val="accent1"/>
+          </a:fillRef>
+          <a:effectRef idx="1">
+            <a:schemeClr val="accent1"/>
+          </a:effectRef>
+          <a:fontRef idx="minor">
+            <a:schemeClr val="dk1"/>
+          </a:fontRef>
+        </p:style>
+        <p:txBody>
+          <a:bodyPr anchor="b"/>
+          <a:lstStyle/>
+          <a:p>
+            <a:pPr algn="ctr">
+              <a:defRPr/>
+            </a:pPr>
+            <a:endParaRPr kumimoji="1" lang="zh-CN" altLang="en-US" sz="1600" b="1" dirty="0">
+              <a:latin typeface="Heiti SC Light" charset="-122"/>
+              <a:ea typeface="Heiti SC Light" charset="-122"/>
+              <a:cs typeface="Heiti SC Light" charset="-122"/>
+            </a:endParaRPr>
+          </a:p>
+        </p:txBody>
+      </p:sp>
+      <p:sp>
+        <p:nvSpPr>
+          <p:cNvPr id="82" name="多文档 81"/>
+          <p:cNvSpPr/>
+          <p:nvPr/>
+        </p:nvSpPr>
+        <p:spPr>
+          <a:xfrm>
+            <a:off x="8102736" y="2034466"/>
+            <a:ext cx="1128362" cy="644066"/>
+          </a:xfrm>
+          <a:prstGeom prst="flowChartMultidocument">
+            <a:avLst/>
+          </a:prstGeom>
+        </p:spPr>
+        <p:style>
+          <a:lnRef idx="1">
+            <a:schemeClr val="accent3"/>
+          </a:lnRef>
+          <a:fillRef idx="2">
+            <a:schemeClr val="accent3"/>
+          </a:fillRef>
+          <a:effectRef idx="1">
+            <a:schemeClr val="accent3"/>
+          </a:effectRef>
+          <a:fontRef idx="minor">
+            <a:schemeClr val="dk1"/>
+          </a:fontRef>
+        </p:style>
+        <p:txBody>
+          <a:bodyPr rtlCol="0" anchor="ctr"/>
+          <a:lstStyle/>
+          <a:p>
+            <a:pPr algn="ctr">
+              <a:defRPr/>
+            </a:pPr>
+            <a:r>
+              <a:rPr kumimoji="1" lang="zh-CN" altLang="en-US" sz="1400" dirty="0">
+                <a:latin typeface="Heiti SC Light" charset="-122"/>
+                <a:ea typeface="Heiti SC Light" charset="-122"/>
+                <a:cs typeface="Heiti SC Light" charset="-122"/>
+              </a:rPr>
+              <a:t>执行日志</a:t>
+            </a:r>
+          </a:p>
+          <a:p>
+            <a:pPr algn="ctr">
+              <a:defRPr/>
+            </a:pPr>
+            <a:r>
+              <a:rPr kumimoji="1" lang="en-US" altLang="zh-CN" sz="1400" dirty="0">
+                <a:latin typeface="Heiti SC Light" charset="-122"/>
+                <a:ea typeface="Heiti SC Light" charset="-122"/>
+                <a:cs typeface="Heiti SC Light" charset="-122"/>
+              </a:rPr>
+              <a:t>(Log</a:t>
+            </a:r>
+            <a:r>
+              <a:rPr kumimoji="1" lang="zh-CN" altLang="en-US" sz="1400" dirty="0">
+                <a:latin typeface="Heiti SC Light" charset="-122"/>
+                <a:ea typeface="Heiti SC Light" charset="-122"/>
+                <a:cs typeface="Heiti SC Light" charset="-122"/>
+              </a:rPr>
+              <a:t>文件</a:t>
+            </a:r>
+            <a:r>
+              <a:rPr kumimoji="1" lang="en-US" altLang="zh-CN" sz="1400" dirty="0">
+                <a:latin typeface="Heiti SC Light" charset="-122"/>
+                <a:ea typeface="Heiti SC Light" charset="-122"/>
+                <a:cs typeface="Heiti SC Light" charset="-122"/>
+              </a:rPr>
+              <a:t>)</a:t>
+            </a:r>
+            <a:endParaRPr kumimoji="1" lang="zh-CN" altLang="en-US" sz="1400" dirty="0">
+              <a:latin typeface="Heiti SC Light" charset="-122"/>
+              <a:ea typeface="Heiti SC Light" charset="-122"/>
+              <a:cs typeface="Heiti SC Light" charset="-122"/>
+            </a:endParaRPr>
+          </a:p>
+        </p:txBody>
+      </p:sp>
+      <p:sp>
+        <p:nvSpPr>
+          <p:cNvPr id="102" name="圆角矩形 101"/>
+          <p:cNvSpPr/>
+          <p:nvPr/>
+        </p:nvSpPr>
+        <p:spPr>
+          <a:xfrm>
+            <a:off x="6959119" y="3361483"/>
+            <a:ext cx="1074713" cy="575198"/>
+          </a:xfrm>
+          <a:prstGeom prst="roundRect">
+            <a:avLst/>
+          </a:prstGeom>
+          <a:solidFill>
+            <a:srgbClr val="58B8D1"/>
+          </a:solidFill>
+        </p:spPr>
+        <p:style>
+          <a:lnRef idx="0">
+            <a:schemeClr val="accent1"/>
+          </a:lnRef>
+          <a:fillRef idx="3">
+            <a:schemeClr val="accent1"/>
+          </a:fillRef>
+          <a:effectRef idx="3">
+            <a:schemeClr val="accent1"/>
+          </a:effectRef>
+          <a:fontRef idx="minor">
+            <a:schemeClr val="lt1"/>
+          </a:fontRef>
+        </p:style>
+        <p:txBody>
+          <a:bodyPr anchor="ctr"/>
+          <a:lstStyle/>
+          <a:p>
+            <a:pPr algn="ctr"/>
+            <a:r>
+              <a:rPr kumimoji="1" lang="zh-CN" altLang="en-US" sz="1400" dirty="0">
+                <a:latin typeface="Heiti SC Light" charset="-122"/>
+                <a:ea typeface="Heiti SC Light" charset="-122"/>
+                <a:cs typeface="Heiti SC Light" charset="-122"/>
+              </a:rPr>
+              <a:t>回调线程</a:t>
+            </a:r>
+          </a:p>
+        </p:txBody>
+      </p:sp>
+      <p:cxnSp>
+        <p:nvCxnSpPr>
+          <p:cNvPr id="118" name="直线箭头连接符 117"/>
+          <p:cNvCxnSpPr/>
+          <p:nvPr/>
+        </p:nvCxnSpPr>
+        <p:spPr>
+          <a:xfrm flipH="1">
+            <a:off x="9337243" y="2378430"/>
+            <a:ext cx="366394" cy="3349"/>
+          </a:xfrm>
+          <a:prstGeom prst="straightConnector1">
+            <a:avLst/>
+          </a:prstGeom>
+          <a:ln w="28575">
+            <a:prstDash val="sysDash"/>
+            <a:headEnd type="none" w="med" len="med"/>
+            <a:tailEnd type="arrow" w="med" len="med"/>
+          </a:ln>
+        </p:spPr>
+        <p:style>
+          <a:lnRef idx="2">
+            <a:schemeClr val="accent1"/>
+          </a:lnRef>
+          <a:fillRef idx="0">
+            <a:schemeClr val="accent1"/>
+          </a:fillRef>
+          <a:effectRef idx="1">
+            <a:schemeClr val="accent1"/>
+          </a:effectRef>
+          <a:fontRef idx="minor">
+            <a:schemeClr val="tx1"/>
+          </a:fontRef>
+        </p:style>
+      </p:cxnSp>
+      <p:cxnSp>
+        <p:nvCxnSpPr>
+          <p:cNvPr id="120" name="直线箭头连接符 119"/>
+          <p:cNvCxnSpPr/>
+          <p:nvPr/>
+        </p:nvCxnSpPr>
+        <p:spPr>
+          <a:xfrm flipH="1">
+            <a:off x="9337243" y="3661114"/>
+            <a:ext cx="366394" cy="3349"/>
+          </a:xfrm>
+          <a:prstGeom prst="straightConnector1">
+            <a:avLst/>
+          </a:prstGeom>
+          <a:ln w="28575">
+            <a:prstDash val="sysDash"/>
+            <a:headEnd type="none" w="med" len="med"/>
+            <a:tailEnd type="arrow" w="med" len="med"/>
+          </a:ln>
+        </p:spPr>
+        <p:style>
+          <a:lnRef idx="2">
+            <a:schemeClr val="accent1"/>
+          </a:lnRef>
+          <a:fillRef idx="0">
+            <a:schemeClr val="accent1"/>
+          </a:fillRef>
+          <a:effectRef idx="1">
+            <a:schemeClr val="accent1"/>
+          </a:effectRef>
+          <a:fontRef idx="minor">
+            <a:schemeClr val="tx1"/>
+          </a:fontRef>
+        </p:style>
+      </p:cxnSp>
+      <p:sp>
+        <p:nvSpPr>
+          <p:cNvPr id="121" name="可选流程 120"/>
+          <p:cNvSpPr/>
+          <p:nvPr/>
+        </p:nvSpPr>
+        <p:spPr>
+          <a:xfrm>
+            <a:off x="4275442" y="2073176"/>
+            <a:ext cx="1654126" cy="582276"/>
+          </a:xfrm>
+          <a:prstGeom prst="flowChartAlternateProcess">
+            <a:avLst/>
+          </a:prstGeom>
+          <a:solidFill>
+            <a:srgbClr val="6095C9"/>
+          </a:solidFill>
+        </p:spPr>
+        <p:style>
+          <a:lnRef idx="0">
+            <a:schemeClr val="accent1"/>
+          </a:lnRef>
+          <a:fillRef idx="3">
+            <a:schemeClr val="accent1"/>
+          </a:fillRef>
+          <a:effectRef idx="3">
+            <a:schemeClr val="accent1"/>
+          </a:effectRef>
+          <a:fontRef idx="minor">
+            <a:schemeClr val="lt1"/>
+          </a:fontRef>
+        </p:style>
+        <p:txBody>
+          <a:bodyPr anchor="ctr"/>
+          <a:lstStyle/>
+          <a:p>
+            <a:pPr algn="ctr">
+              <a:defRPr/>
+            </a:pPr>
+            <a:r>
+              <a:rPr kumimoji="1" lang="en-US" altLang="zh-CN" sz="1400" dirty="0">
+                <a:latin typeface="Heiti SC Light" charset="-122"/>
+                <a:ea typeface="Heiti SC Light" charset="-122"/>
+                <a:cs typeface="Heiti SC Light" charset="-122"/>
+              </a:rPr>
+              <a:t>Rolling</a:t>
+            </a:r>
+            <a:r>
+              <a:rPr kumimoji="1" lang="zh-CN" altLang="en-US" sz="1400" dirty="0">
+                <a:latin typeface="Heiti SC Light" charset="-122"/>
+                <a:ea typeface="Heiti SC Light" charset="-122"/>
+                <a:cs typeface="Heiti SC Light" charset="-122"/>
+              </a:rPr>
+              <a:t>日志</a:t>
+            </a:r>
+          </a:p>
+          <a:p>
+            <a:pPr algn="ctr">
+              <a:defRPr/>
+            </a:pPr>
+            <a:r>
+              <a:rPr kumimoji="1" lang="en-US" altLang="zh-CN" sz="1400" dirty="0">
+                <a:latin typeface="Heiti SC Light" charset="-122"/>
+                <a:ea typeface="Heiti SC Light" charset="-122"/>
+                <a:cs typeface="Heiti SC Light" charset="-122"/>
+              </a:rPr>
+              <a:t>(</a:t>
+            </a:r>
+            <a:r>
+              <a:rPr kumimoji="1" lang="zh-CN" altLang="en-US" sz="1400" dirty="0">
+                <a:latin typeface="Heiti SC Light" charset="-122"/>
+                <a:ea typeface="Heiti SC Light" charset="-122"/>
+                <a:cs typeface="Heiti SC Light" charset="-122"/>
+              </a:rPr>
+              <a:t>实时</a:t>
+            </a:r>
+            <a:r>
+              <a:rPr kumimoji="1" lang="en-US" altLang="zh-CN" sz="1400" dirty="0">
+                <a:latin typeface="Heiti SC Light" charset="-122"/>
+                <a:ea typeface="Heiti SC Light" charset="-122"/>
+                <a:cs typeface="Heiti SC Light" charset="-122"/>
+              </a:rPr>
+              <a:t>)</a:t>
+            </a:r>
+            <a:endParaRPr kumimoji="1" lang="zh-CN" altLang="en-US" sz="1400" dirty="0">
+              <a:latin typeface="Heiti SC Light" charset="-122"/>
+              <a:ea typeface="Heiti SC Light" charset="-122"/>
+              <a:cs typeface="Heiti SC Light" charset="-122"/>
+            </a:endParaRPr>
+          </a:p>
+        </p:txBody>
+      </p:sp>
+      <p:sp>
+        <p:nvSpPr>
+          <p:cNvPr id="122" name="可选流程 121"/>
+          <p:cNvSpPr/>
+          <p:nvPr/>
+        </p:nvSpPr>
+        <p:spPr>
+          <a:xfrm>
+            <a:off x="6959118" y="2073918"/>
+            <a:ext cx="1074713" cy="580685"/>
+          </a:xfrm>
+          <a:prstGeom prst="flowChartAlternateProcess">
+            <a:avLst/>
+          </a:prstGeom>
+          <a:solidFill>
+            <a:srgbClr val="6095C9"/>
+          </a:solidFill>
+        </p:spPr>
+        <p:style>
+          <a:lnRef idx="0">
+            <a:schemeClr val="accent1"/>
+          </a:lnRef>
+          <a:fillRef idx="3">
+            <a:schemeClr val="accent1"/>
+          </a:fillRef>
+          <a:effectRef idx="3">
+            <a:schemeClr val="accent1"/>
+          </a:effectRef>
+          <a:fontRef idx="minor">
+            <a:schemeClr val="lt1"/>
+          </a:fontRef>
+        </p:style>
+        <p:txBody>
+          <a:bodyPr anchor="ctr"/>
+          <a:lstStyle/>
+          <a:p>
+            <a:pPr algn="ctr">
+              <a:defRPr/>
+            </a:pPr>
+            <a:r>
+              <a:rPr kumimoji="1" lang="zh-CN" altLang="en-US" sz="1400" dirty="0">
+                <a:latin typeface="Heiti SC Light" charset="-122"/>
+                <a:ea typeface="Heiti SC Light" charset="-122"/>
+                <a:cs typeface="Heiti SC Light" charset="-122"/>
+              </a:rPr>
+              <a:t>日志</a:t>
+            </a:r>
+            <a:r>
+              <a:rPr kumimoji="1" lang="zh-CN" altLang="en-US" sz="1400" dirty="0" smtClean="0">
+                <a:latin typeface="Heiti SC Light" charset="-122"/>
+                <a:ea typeface="Heiti SC Light" charset="-122"/>
+                <a:cs typeface="Heiti SC Light" charset="-122"/>
+              </a:rPr>
+              <a:t>服务</a:t>
+            </a:r>
+            <a:endParaRPr kumimoji="1" lang="zh-CN" altLang="en-US" sz="1400" dirty="0">
+              <a:latin typeface="Heiti SC Light" charset="-122"/>
+              <a:ea typeface="Heiti SC Light" charset="-122"/>
+              <a:cs typeface="Heiti SC Light" charset="-122"/>
+            </a:endParaRPr>
+          </a:p>
+        </p:txBody>
+      </p:sp>
+      <p:sp>
+        <p:nvSpPr>
+          <p:cNvPr id="2" name="矩形 1"/>
+          <p:cNvSpPr/>
+          <p:nvPr/>
+        </p:nvSpPr>
+        <p:spPr>
+          <a:xfrm>
+            <a:off x="4540885" y="5792470"/>
+            <a:ext cx="4310380" cy="521970"/>
+          </a:xfrm>
+          <a:prstGeom prst="rect">
+            <a:avLst/>
+          </a:prstGeom>
+        </p:spPr>
+        <p:txBody>
+          <a:bodyPr wrap="square">
+            <a:spAutoFit/>
+          </a:bodyPr>
+          <a:lstStyle/>
+          <a:p>
+            <a:pPr algn="ctr"/>
+            <a:r>
+              <a:rPr lang="en-US" altLang="zh-CN" sz="2800" dirty="0">
+                <a:latin typeface="Heiti SC Light" charset="-122"/>
+                <a:ea typeface="Heiti SC Light" charset="-122"/>
+                <a:cs typeface="Heiti SC Light" charset="-122"/>
+              </a:rPr>
+              <a:t>XXL-JOB</a:t>
+            </a:r>
+            <a:r>
+              <a:rPr lang="zh-CN" altLang="en-US" sz="2800" dirty="0">
+                <a:latin typeface="Heiti SC Light" charset="-122"/>
+                <a:ea typeface="Heiti SC Light" charset="-122"/>
+                <a:cs typeface="Heiti SC Light" charset="-122"/>
+              </a:rPr>
+              <a:t>架构图 </a:t>
+            </a:r>
+            <a:r>
+              <a:rPr lang="en-US" altLang="zh-CN" sz="2800" dirty="0" smtClean="0">
+                <a:latin typeface="Heiti SC Light" charset="-122"/>
+                <a:ea typeface="Heiti SC Light" charset="-122"/>
+                <a:cs typeface="Heiti SC Light" charset="-122"/>
+              </a:rPr>
+              <a:t>v2.1.0</a:t>
+            </a:r>
+            <a:endParaRPr lang="en-US" altLang="zh-CN" sz="2800" dirty="0">
+              <a:latin typeface="Heiti SC Light" charset="-122"/>
+              <a:ea typeface="Heiti SC Light" charset="-122"/>
+              <a:cs typeface="Heiti SC Light" charset="-122"/>
+            </a:endParaRPr>
+          </a:p>
+        </p:txBody>
+      </p:sp>
+      <p:sp>
+        <p:nvSpPr>
+          <p:cNvPr id="3" name="圆角矩形 2"/>
+          <p:cNvSpPr/>
+          <p:nvPr/>
+        </p:nvSpPr>
+        <p:spPr>
+          <a:xfrm>
+            <a:off x="4271056" y="997071"/>
+            <a:ext cx="1672112" cy="586589"/>
+          </a:xfrm>
+          <a:prstGeom prst="roundRect">
+            <a:avLst/>
+          </a:prstGeom>
+        </p:spPr>
+        <p:style>
+          <a:lnRef idx="0">
+            <a:schemeClr val="accent2"/>
+          </a:lnRef>
+          <a:fillRef idx="3">
+            <a:schemeClr val="accent2"/>
+          </a:fillRef>
+          <a:effectRef idx="3">
+            <a:schemeClr val="accent2"/>
+          </a:effectRef>
+          <a:fontRef idx="minor">
+            <a:schemeClr val="lt1"/>
+          </a:fontRef>
+        </p:style>
+        <p:txBody>
+          <a:bodyPr anchor="ctr"/>
+          <a:lstStyle/>
+          <a:p>
+            <a:pPr algn="ctr">
+              <a:defRPr/>
+            </a:pPr>
+            <a:r>
+              <a:rPr kumimoji="1" lang="zh-CN" altLang="en-US" sz="1400" dirty="0" smtClean="0">
+                <a:latin typeface="Heiti SC Light" charset="-122"/>
+                <a:ea typeface="Heiti SC Light" charset="-122"/>
+                <a:cs typeface="Heiti SC Light" charset="-122"/>
+              </a:rPr>
+              <a:t>调度器</a:t>
+            </a:r>
+          </a:p>
+          <a:p>
+            <a:pPr algn="ctr">
+              <a:defRPr/>
+            </a:pPr>
+            <a:r>
+              <a:rPr kumimoji="1" lang="en-US" altLang="zh-CN" sz="1400" dirty="0">
+                <a:latin typeface="Heiti SC Light" charset="-122"/>
+                <a:ea typeface="Heiti SC Light" charset="-122"/>
+                <a:cs typeface="Heiti SC Light" charset="-122"/>
+              </a:rPr>
+              <a:t>(</a:t>
+            </a:r>
+            <a:r>
+              <a:rPr kumimoji="1" lang="en-US" altLang="zh-CN" sz="1400" dirty="0">
+                <a:latin typeface="Heiti SC Light" charset="-122"/>
+                <a:ea typeface="Heiti SC Light" charset="-122"/>
+                <a:cs typeface="Heiti SC Light" charset="-122"/>
+              </a:rPr>
+              <a:t>timewheel</a:t>
+            </a:r>
+            <a:r>
+              <a:rPr kumimoji="1" lang="en-US" altLang="zh-CN" sz="1400" dirty="0">
+                <a:latin typeface="Heiti SC Light" charset="-122"/>
+                <a:ea typeface="Heiti SC Light" charset="-122"/>
+                <a:cs typeface="Heiti SC Light" charset="-122"/>
+              </a:rPr>
+              <a:t>)</a:t>
+            </a:r>
+            <a:endParaRPr kumimoji="1" lang="zh-CN" altLang="en-US" sz="1400" dirty="0" smtClean="0">
+              <a:latin typeface="Heiti SC Light" charset="-122"/>
+              <a:ea typeface="Heiti SC Light" charset="-122"/>
+              <a:cs typeface="Heiti SC Light" charset="-122"/>
+            </a:endParaRPr>
+          </a:p>
+        </p:txBody>
+      </p:sp>
+      <p:cxnSp>
+        <p:nvCxnSpPr>
+          <p:cNvPr id="55" name="直线箭头连接符 54"/>
+          <p:cNvCxnSpPr/>
+          <p:nvPr/>
+        </p:nvCxnSpPr>
+        <p:spPr>
+          <a:xfrm flipH="1">
+            <a:off x="5945824" y="1334309"/>
+            <a:ext cx="893129" cy="645"/>
+          </a:xfrm>
+          <a:prstGeom prst="straightConnector1">
+            <a:avLst/>
+          </a:prstGeom>
+          <a:ln w="28575">
+            <a:prstDash val="sysDash"/>
+            <a:headEnd type="none" w="med" len="med"/>
+            <a:tailEnd type="arrow" w="med" len="med"/>
+          </a:ln>
+        </p:spPr>
+        <p:style>
+          <a:lnRef idx="2">
+            <a:schemeClr val="accent1"/>
+          </a:lnRef>
+          <a:fillRef idx="0">
+            <a:schemeClr val="accent1"/>
+          </a:fillRef>
+          <a:effectRef idx="1">
+            <a:schemeClr val="accent1"/>
+          </a:effectRef>
+          <a:fontRef idx="minor">
+            <a:schemeClr val="tx1"/>
+          </a:fontRef>
+        </p:style>
+      </p:cxnSp>
+    </p:spTree>
+    <p:extLst>
+      <p:ext uri="{BB962C8B-B14F-4D97-AF65-F5344CB8AC3E}">
+        <p14:creationId xmlns:p14="http://schemas.microsoft.com/office/powerpoint/2010/main" val="1453474056"/>
+      </p:ext>
+    </p:extLst>
+  </p:cSld>
+  <p:clrMapOvr>
+    <a:masterClrMapping/>
+  </p:clrMapOvr>
+  <p:timing>
+    <p:tnLst>
+      <p:par>
+        <p:cTn id="1" dur="indefinite" restart="never" nodeType="tmRoot"/>
+      </p:par>
+    </p:tnLst>
+  </p:timing>
+</p:sld>
+</file>
+
 <file path=ppt/slides/slide2.xml><?xml version="1.0" encoding="utf-8"?>
 <p:sld xmlns:a="http://schemas.openxmlformats.org/drawingml/2006/main" xmlns:r="http://schemas.openxmlformats.org/officeDocument/2006/relationships" xmlns:p="http://schemas.openxmlformats.org/presentationml/2006/main">
   <p:cSld>
@@ -20417,21 +23314,8 @@
                 <a:ea typeface="Heiti SC Light" charset="-122"/>
                 <a:cs typeface="Heiti SC Light" charset="-122"/>
               </a:rPr>
-              <a:t>注册</a:t>
-            </a:r>
-            <a:r>
-              <a:rPr kumimoji="1" lang="zh-CN" altLang="en-US" sz="1400" dirty="0" smtClean="0">
-                <a:latin typeface="Heiti SC Light" charset="-122"/>
-                <a:ea typeface="Heiti SC Light" charset="-122"/>
-                <a:cs typeface="Heiti SC Light" charset="-122"/>
-              </a:rPr>
-              <a:t>服务</a:t>
-            </a:r>
-            <a:endParaRPr kumimoji="1" lang="zh-CN" altLang="en-US" sz="1400" dirty="0" smtClean="0">
-              <a:latin typeface="Heiti SC Light" charset="-122"/>
-              <a:ea typeface="Heiti SC Light" charset="-122"/>
-              <a:cs typeface="Heiti SC Light" charset="-122"/>
-            </a:endParaRPr>
+              <a:t>注册服务</a:t>
+            </a:r>
           </a:p>
         </p:txBody>
       </p:sp>
@@ -21169,11 +24053,6 @@
               </a:rPr>
               <a:t>服务</a:t>
             </a:r>
-            <a:endParaRPr kumimoji="1" lang="zh-CN" altLang="en-US" sz="1400" dirty="0" smtClean="0">
-              <a:latin typeface="Heiti SC Light" charset="-122"/>
-              <a:ea typeface="Heiti SC Light" charset="-122"/>
-              <a:cs typeface="Heiti SC Light" charset="-122"/>
-            </a:endParaRPr>
           </a:p>
         </p:txBody>
       </p:sp>
@@ -21819,15 +24698,7 @@
                 <a:ea typeface="Heiti SC Light" charset="-122"/>
                 <a:cs typeface="Heiti SC Light" charset="-122"/>
               </a:rPr>
-              <a:t>执行器</a:t>
-            </a:r>
-            <a:r>
-              <a:rPr kumimoji="1" lang="zh-CN" altLang="en-US" sz="1400" dirty="0" smtClean="0">
-                <a:latin typeface="Heiti SC Light" charset="-122"/>
-                <a:ea typeface="Heiti SC Light" charset="-122"/>
-                <a:cs typeface="Heiti SC Light" charset="-122"/>
-              </a:rPr>
-              <a:t>服务</a:t>
+              <a:t>执行器服务</a:t>
             </a:r>
             <a:endParaRPr kumimoji="1" lang="zh-CN" altLang="en-US" sz="1400" dirty="0">
               <a:latin typeface="Heiti SC Light" charset="-122"/>
@@ -22383,11 +25254,6 @@
               </a:rPr>
               <a:t>）</a:t>
             </a:r>
-            <a:endParaRPr kumimoji="1" lang="zh-CN" altLang="en-US" sz="1400" dirty="0" smtClean="0">
-              <a:latin typeface="Heiti SC Light" charset="-122"/>
-              <a:ea typeface="Heiti SC Light" charset="-122"/>
-              <a:cs typeface="Heiti SC Light" charset="-122"/>
-            </a:endParaRPr>
           </a:p>
         </p:txBody>
       </p:sp>
